--- a/slides/1_Introduction.pptx
+++ b/slides/1_Introduction.pptx
@@ -259,7 +259,7 @@
           <a:p>
             <a:fld id="{2F3ABF1A-8818-4472-8518-E71DC7B5D2F7}" type="datetimeFigureOut">
               <a:rPr lang="en-US" smtClean="0"/>
-              <a:t>1/29/2025</a:t>
+              <a:t>6/12/2025</a:t>
             </a:fld>
             <a:endParaRPr lang="en-US"/>
           </a:p>
@@ -1279,7 +1279,7 @@
           <a:p>
             <a:fld id="{6E4A31BF-7266-4BEB-918B-ADC21C630A6F}" type="datetimeFigureOut">
               <a:rPr lang="en-US" smtClean="0"/>
-              <a:t>1/29/2025</a:t>
+              <a:t>6/12/2025</a:t>
             </a:fld>
             <a:endParaRPr lang="en-US"/>
           </a:p>
@@ -1477,7 +1477,7 @@
           <a:p>
             <a:fld id="{6E4A31BF-7266-4BEB-918B-ADC21C630A6F}" type="datetimeFigureOut">
               <a:rPr lang="en-US" smtClean="0"/>
-              <a:t>1/29/2025</a:t>
+              <a:t>6/12/2025</a:t>
             </a:fld>
             <a:endParaRPr lang="en-US"/>
           </a:p>
@@ -1685,7 +1685,7 @@
           <a:p>
             <a:fld id="{6E4A31BF-7266-4BEB-918B-ADC21C630A6F}" type="datetimeFigureOut">
               <a:rPr lang="en-US" smtClean="0"/>
-              <a:t>1/29/2025</a:t>
+              <a:t>6/12/2025</a:t>
             </a:fld>
             <a:endParaRPr lang="en-US"/>
           </a:p>
@@ -1883,7 +1883,7 @@
           <a:p>
             <a:fld id="{6E4A31BF-7266-4BEB-918B-ADC21C630A6F}" type="datetimeFigureOut">
               <a:rPr lang="en-US" smtClean="0"/>
-              <a:t>1/29/2025</a:t>
+              <a:t>6/12/2025</a:t>
             </a:fld>
             <a:endParaRPr lang="en-US"/>
           </a:p>
@@ -2158,7 +2158,7 @@
           <a:p>
             <a:fld id="{6E4A31BF-7266-4BEB-918B-ADC21C630A6F}" type="datetimeFigureOut">
               <a:rPr lang="en-US" smtClean="0"/>
-              <a:t>1/29/2025</a:t>
+              <a:t>6/12/2025</a:t>
             </a:fld>
             <a:endParaRPr lang="en-US"/>
           </a:p>
@@ -2423,7 +2423,7 @@
           <a:p>
             <a:fld id="{6E4A31BF-7266-4BEB-918B-ADC21C630A6F}" type="datetimeFigureOut">
               <a:rPr lang="en-US" smtClean="0"/>
-              <a:t>1/29/2025</a:t>
+              <a:t>6/12/2025</a:t>
             </a:fld>
             <a:endParaRPr lang="en-US"/>
           </a:p>
@@ -2835,7 +2835,7 @@
           <a:p>
             <a:fld id="{6E4A31BF-7266-4BEB-918B-ADC21C630A6F}" type="datetimeFigureOut">
               <a:rPr lang="en-US" smtClean="0"/>
-              <a:t>1/29/2025</a:t>
+              <a:t>6/12/2025</a:t>
             </a:fld>
             <a:endParaRPr lang="en-US"/>
           </a:p>
@@ -2976,7 +2976,7 @@
           <a:p>
             <a:fld id="{6E4A31BF-7266-4BEB-918B-ADC21C630A6F}" type="datetimeFigureOut">
               <a:rPr lang="en-US" smtClean="0"/>
-              <a:t>1/29/2025</a:t>
+              <a:t>6/12/2025</a:t>
             </a:fld>
             <a:endParaRPr lang="en-US"/>
           </a:p>
@@ -3089,7 +3089,7 @@
           <a:p>
             <a:fld id="{6E4A31BF-7266-4BEB-918B-ADC21C630A6F}" type="datetimeFigureOut">
               <a:rPr lang="en-US" smtClean="0"/>
-              <a:t>1/29/2025</a:t>
+              <a:t>6/12/2025</a:t>
             </a:fld>
             <a:endParaRPr lang="en-US"/>
           </a:p>
@@ -3400,7 +3400,7 @@
           <a:p>
             <a:fld id="{6E4A31BF-7266-4BEB-918B-ADC21C630A6F}" type="datetimeFigureOut">
               <a:rPr lang="en-US" smtClean="0"/>
-              <a:t>1/29/2025</a:t>
+              <a:t>6/12/2025</a:t>
             </a:fld>
             <a:endParaRPr lang="en-US"/>
           </a:p>
@@ -3688,7 +3688,7 @@
           <a:p>
             <a:fld id="{6E4A31BF-7266-4BEB-918B-ADC21C630A6F}" type="datetimeFigureOut">
               <a:rPr lang="en-US" smtClean="0"/>
-              <a:t>1/29/2025</a:t>
+              <a:t>6/12/2025</a:t>
             </a:fld>
             <a:endParaRPr lang="en-US"/>
           </a:p>
@@ -3929,7 +3929,7 @@
           <a:p>
             <a:fld id="{6E4A31BF-7266-4BEB-918B-ADC21C630A6F}" type="datetimeFigureOut">
               <a:rPr lang="en-US" smtClean="0"/>
-              <a:t>1/29/2025</a:t>
+              <a:t>6/12/2025</a:t>
             </a:fld>
             <a:endParaRPr lang="en-US"/>
           </a:p>
@@ -4582,6 +4582,16 @@
           <a:lstStyle/>
           <a:p>
             <a:r>
+              <a:rPr lang="en-US" sz="4000" i="0">
+                <a:solidFill>
+                  <a:srgbClr val="000000"/>
+                </a:solidFill>
+                <a:effectLst/>
+                <a:latin typeface="+mn-lt"/>
+              </a:rPr>
+              <a:t>About your TA: </a:t>
+            </a:r>
+            <a:r>
               <a:rPr lang="en-US" sz="4000" i="0" dirty="0">
                 <a:solidFill>
                   <a:srgbClr val="000000"/>
@@ -4589,7 +4599,7 @@
                 <a:effectLst/>
                 <a:latin typeface="+mn-lt"/>
               </a:rPr>
-              <a:t>Teaching Assistant: George Cruz</a:t>
+              <a:t>George Cruz</a:t>
             </a:r>
             <a:br>
               <a:rPr lang="en-US" sz="4000" b="1" i="0" dirty="0">
@@ -6463,7 +6473,7 @@
 </file>
 
 <file path=ppt/slides/slide14.xml><?xml version="1.0" encoding="utf-8"?>
-<p:sld xmlns:a="http://schemas.openxmlformats.org/drawingml/2006/main" xmlns:r="http://schemas.openxmlformats.org/officeDocument/2006/relationships" xmlns:p="http://schemas.openxmlformats.org/presentationml/2006/main">
+<p:sld xmlns:a="http://schemas.openxmlformats.org/drawingml/2006/main" xmlns:r="http://schemas.openxmlformats.org/officeDocument/2006/relationships" xmlns:p="http://schemas.openxmlformats.org/presentationml/2006/main" show="0">
   <p:cSld>
     <p:spTree>
       <p:nvGrpSpPr>
@@ -6839,7 +6849,7 @@
 </file>
 
 <file path=ppt/slides/slide15.xml><?xml version="1.0" encoding="utf-8"?>
-<p:sld xmlns:a="http://schemas.openxmlformats.org/drawingml/2006/main" xmlns:r="http://schemas.openxmlformats.org/officeDocument/2006/relationships" xmlns:p="http://schemas.openxmlformats.org/presentationml/2006/main" show="0">
+<p:sld xmlns:a="http://schemas.openxmlformats.org/drawingml/2006/main" xmlns:r="http://schemas.openxmlformats.org/officeDocument/2006/relationships" xmlns:p="http://schemas.openxmlformats.org/presentationml/2006/main">
   <p:cSld>
     <p:spTree>
       <p:nvGrpSpPr>
@@ -6879,7 +6889,7 @@
         </p:spPr>
         <p:txBody>
           <a:bodyPr>
-            <a:normAutofit lnSpcReduction="10000"/>
+            <a:normAutofit/>
           </a:bodyPr>
           <a:lstStyle/>
           <a:p>
@@ -6905,24 +6915,20 @@
             </a:r>
           </a:p>
           <a:p>
-            <a:pPr lvl="1"/>
-            <a:r>
-              <a:rPr lang="en-US" dirty="0"/>
-              <a:t>No class Tuesday July 4</a:t>
-            </a:r>
-          </a:p>
-          <a:p>
             <a:r>
               <a:rPr lang="en-US" dirty="0"/>
               <a:t>Tuesdays and Thursdays – Section meeting to address questions, discuss code, background review – starting at 6:30 pm US Eastern Time  </a:t>
             </a:r>
           </a:p>
           <a:p>
-            <a:pPr lvl="1"/>
-            <a:r>
-              <a:rPr lang="en-US" dirty="0"/>
-              <a:t>No meeting Thursday July 4</a:t>
-            </a:r>
+            <a:pPr marL="0" indent="0">
+              <a:buNone/>
+            </a:pPr>
+            <a:endParaRPr lang="en-US" dirty="0">
+              <a:solidFill>
+                <a:srgbClr val="C00000"/>
+              </a:solidFill>
+            </a:endParaRPr>
           </a:p>
           <a:p>
             <a:pPr marL="0" indent="0">
@@ -7090,15 +7096,33 @@
                                   </p:childTnLst>
                                 </p:cTn>
                               </p:par>
+                            </p:childTnLst>
+                          </p:cTn>
+                        </p:par>
+                      </p:childTnLst>
+                    </p:cTn>
+                  </p:par>
+                  <p:par>
+                    <p:cTn id="9" fill="hold">
+                      <p:stCondLst>
+                        <p:cond delay="indefinite"/>
+                      </p:stCondLst>
+                      <p:childTnLst>
+                        <p:par>
+                          <p:cTn id="10" fill="hold">
+                            <p:stCondLst>
+                              <p:cond delay="0"/>
+                            </p:stCondLst>
+                            <p:childTnLst>
                               <p:par>
-                                <p:cTn id="9" presetID="1" presetClass="entr" presetSubtype="0" fill="hold" nodeType="withEffect">
+                                <p:cTn id="11" presetID="1" presetClass="entr" presetSubtype="0" fill="hold" nodeType="clickEffect">
                                   <p:stCondLst>
                                     <p:cond delay="0"/>
                                   </p:stCondLst>
                                   <p:childTnLst>
                                     <p:set>
                                       <p:cBhvr>
-                                        <p:cTn id="10" dur="1" fill="hold">
+                                        <p:cTn id="12" dur="1" fill="hold">
                                           <p:stCondLst>
                                             <p:cond delay="0"/>
                                           </p:stCondLst>
@@ -7128,50 +7152,19 @@
                     </p:cTn>
                   </p:par>
                   <p:par>
-                    <p:cTn id="11" fill="hold">
+                    <p:cTn id="13" fill="hold">
                       <p:stCondLst>
                         <p:cond delay="indefinite"/>
                       </p:stCondLst>
                       <p:childTnLst>
                         <p:par>
-                          <p:cTn id="12" fill="hold">
+                          <p:cTn id="14" fill="hold">
                             <p:stCondLst>
                               <p:cond delay="0"/>
                             </p:stCondLst>
                             <p:childTnLst>
                               <p:par>
-                                <p:cTn id="13" presetID="1" presetClass="entr" presetSubtype="0" fill="hold" nodeType="clickEffect">
-                                  <p:stCondLst>
-                                    <p:cond delay="0"/>
-                                  </p:stCondLst>
-                                  <p:childTnLst>
-                                    <p:set>
-                                      <p:cBhvr>
-                                        <p:cTn id="14" dur="1" fill="hold">
-                                          <p:stCondLst>
-                                            <p:cond delay="0"/>
-                                          </p:stCondLst>
-                                        </p:cTn>
-                                        <p:tgtEl>
-                                          <p:spTgt spid="3">
-                                            <p:txEl>
-                                              <p:pRg st="4" end="4"/>
-                                            </p:txEl>
-                                          </p:spTgt>
-                                        </p:tgtEl>
-                                        <p:attrNameLst>
-                                          <p:attrName>style.visibility</p:attrName>
-                                        </p:attrNameLst>
-                                      </p:cBhvr>
-                                      <p:to>
-                                        <p:strVal val="visible"/>
-                                      </p:to>
-                                    </p:set>
-                                  </p:childTnLst>
-                                </p:cTn>
-                              </p:par>
-                              <p:par>
-                                <p:cTn id="15" presetID="1" presetClass="entr" presetSubtype="0" fill="hold" nodeType="withEffect">
+                                <p:cTn id="15" presetID="1" presetClass="entr" presetSubtype="0" fill="hold" nodeType="clickEffect">
                                   <p:stCondLst>
                                     <p:cond delay="0"/>
                                   </p:stCondLst>
@@ -7187,55 +7180,6 @@
                                           <p:spTgt spid="3">
                                             <p:txEl>
                                               <p:pRg st="5" end="5"/>
-                                            </p:txEl>
-                                          </p:spTgt>
-                                        </p:tgtEl>
-                                        <p:attrNameLst>
-                                          <p:attrName>style.visibility</p:attrName>
-                                        </p:attrNameLst>
-                                      </p:cBhvr>
-                                      <p:to>
-                                        <p:strVal val="visible"/>
-                                      </p:to>
-                                    </p:set>
-                                  </p:childTnLst>
-                                </p:cTn>
-                              </p:par>
-                            </p:childTnLst>
-                          </p:cTn>
-                        </p:par>
-                      </p:childTnLst>
-                    </p:cTn>
-                  </p:par>
-                  <p:par>
-                    <p:cTn id="17" fill="hold">
-                      <p:stCondLst>
-                        <p:cond delay="indefinite"/>
-                      </p:stCondLst>
-                      <p:childTnLst>
-                        <p:par>
-                          <p:cTn id="18" fill="hold">
-                            <p:stCondLst>
-                              <p:cond delay="0"/>
-                            </p:stCondLst>
-                            <p:childTnLst>
-                              <p:par>
-                                <p:cTn id="19" presetID="1" presetClass="entr" presetSubtype="0" fill="hold" nodeType="clickEffect">
-                                  <p:stCondLst>
-                                    <p:cond delay="0"/>
-                                  </p:stCondLst>
-                                  <p:childTnLst>
-                                    <p:set>
-                                      <p:cBhvr>
-                                        <p:cTn id="20" dur="1" fill="hold">
-                                          <p:stCondLst>
-                                            <p:cond delay="0"/>
-                                          </p:stCondLst>
-                                        </p:cTn>
-                                        <p:tgtEl>
-                                          <p:spTgt spid="3">
-                                            <p:txEl>
-                                              <p:pRg st="6" end="6"/>
                                             </p:txEl>
                                           </p:spTgt>
                                         </p:tgtEl>
@@ -7282,7 +7226,7 @@
 </file>
 
 <file path=ppt/slides/slide16.xml><?xml version="1.0" encoding="utf-8"?>
-<p:sld xmlns:a="http://schemas.openxmlformats.org/drawingml/2006/main" xmlns:r="http://schemas.openxmlformats.org/officeDocument/2006/relationships" xmlns:p="http://schemas.openxmlformats.org/presentationml/2006/main" show="0">
+<p:sld xmlns:a="http://schemas.openxmlformats.org/drawingml/2006/main" xmlns:r="http://schemas.openxmlformats.org/officeDocument/2006/relationships" xmlns:p="http://schemas.openxmlformats.org/presentationml/2006/main">
   <p:cSld>
     <p:spTree>
       <p:nvGrpSpPr>
@@ -9044,7 +8988,27 @@
               </a:rPr>
               <a:t>La Rocca, Marcello, Manning, 2021</a:t>
             </a:r>
-            <a:endParaRPr lang="en-US" dirty="0"/>
+          </a:p>
+          <a:p>
+            <a:pPr lvl="1"/>
+            <a:r>
+              <a:rPr lang="en-US" dirty="0">
+                <a:hlinkClick r:id="rId6"/>
+              </a:rPr>
+              <a:t>Data Mining, Concepts and Techniques</a:t>
+            </a:r>
+            <a:r>
+              <a:rPr lang="en-US" dirty="0"/>
+              <a:t>, 4th Edition, Jiawei Han, Jian Pei, </a:t>
+            </a:r>
+            <a:r>
+              <a:rPr lang="en-US" dirty="0" err="1"/>
+              <a:t>Hanghang</a:t>
+            </a:r>
+            <a:r>
+              <a:rPr lang="en-US" dirty="0"/>
+              <a:t> Tong, Morgan Kaufmann, 2022</a:t>
+            </a:r>
           </a:p>
           <a:p>
             <a:pPr lvl="1"/>
@@ -9206,7 +9170,7 @@
                   <a:srgbClr val="FF0000"/>
                 </a:solidFill>
               </a:rPr>
-              <a:t>Post code and complete exception messages if you are dealing with an error!</a:t>
+              <a:t>Post code and complete exception messages if you are dealing with code problem!</a:t>
             </a:r>
           </a:p>
           <a:p>
@@ -9416,7 +9380,7 @@
 </file>
 
 <file path=ppt/slides/slide22.xml><?xml version="1.0" encoding="utf-8"?>
-<p:sld xmlns:a="http://schemas.openxmlformats.org/drawingml/2006/main" xmlns:r="http://schemas.openxmlformats.org/officeDocument/2006/relationships" xmlns:p="http://schemas.openxmlformats.org/presentationml/2006/main" show="0">
+<p:sld xmlns:a="http://schemas.openxmlformats.org/drawingml/2006/main" xmlns:r="http://schemas.openxmlformats.org/officeDocument/2006/relationships" xmlns:p="http://schemas.openxmlformats.org/presentationml/2006/main">
   <p:cSld>
     <p:spTree>
       <p:nvGrpSpPr>
@@ -9590,7 +9554,7 @@
 </file>
 
 <file path=ppt/slides/slide23.xml><?xml version="1.0" encoding="utf-8"?>
-<p:sld xmlns:a="http://schemas.openxmlformats.org/drawingml/2006/main" xmlns:r="http://schemas.openxmlformats.org/officeDocument/2006/relationships" xmlns:p="http://schemas.openxmlformats.org/presentationml/2006/main">
+<p:sld xmlns:a="http://schemas.openxmlformats.org/drawingml/2006/main" xmlns:r="http://schemas.openxmlformats.org/officeDocument/2006/relationships" xmlns:p="http://schemas.openxmlformats.org/presentationml/2006/main" show="0">
   <p:cSld>
     <p:spTree>
       <p:nvGrpSpPr>
@@ -12772,8 +12736,8 @@
           <a:chExt cx="0" cy="0"/>
         </a:xfrm>
       </p:grpSpPr>
-      <mc:AlternateContent xmlns:mc="http://schemas.openxmlformats.org/markup-compatibility/2006">
-        <mc:Choice xmlns:a14="http://schemas.microsoft.com/office/drawing/2010/main" Requires="a14">
+      <mc:AlternateContent xmlns:mc="http://schemas.openxmlformats.org/markup-compatibility/2006" xmlns:a14="http://schemas.microsoft.com/office/drawing/2010/main">
+        <mc:Choice Requires="a14">
           <p:sp>
             <p:nvSpPr>
               <p:cNvPr id="3" name="Content Placeholder 2">
@@ -13079,7 +13043,7 @@
             </p:txBody>
           </p:sp>
         </mc:Choice>
-        <mc:Fallback>
+        <mc:Fallback xmlns="">
           <p:sp>
             <p:nvSpPr>
               <p:cNvPr id="3" name="Content Placeholder 2">
@@ -16040,8 +16004,8 @@
           <a:chExt cx="0" cy="0"/>
         </a:xfrm>
       </p:grpSpPr>
-      <mc:AlternateContent xmlns:mc="http://schemas.openxmlformats.org/markup-compatibility/2006">
-        <mc:Choice xmlns:a14="http://schemas.microsoft.com/office/drawing/2010/main" Requires="a14">
+      <mc:AlternateContent xmlns:mc="http://schemas.openxmlformats.org/markup-compatibility/2006" xmlns:a14="http://schemas.microsoft.com/office/drawing/2010/main">
+        <mc:Choice Requires="a14">
           <p:sp>
             <p:nvSpPr>
               <p:cNvPr id="3" name="Content Placeholder 2">
@@ -16259,7 +16223,7 @@
             </p:txBody>
           </p:sp>
         </mc:Choice>
-        <mc:Fallback>
+        <mc:Fallback xmlns="">
           <p:sp>
             <p:nvSpPr>
               <p:cNvPr id="3" name="Content Placeholder 2">
@@ -22469,8 +22433,8 @@
           <a:chExt cx="0" cy="0"/>
         </a:xfrm>
       </p:grpSpPr>
-      <mc:AlternateContent xmlns:mc="http://schemas.openxmlformats.org/markup-compatibility/2006">
-        <mc:Choice xmlns:a14="http://schemas.microsoft.com/office/drawing/2010/main" Requires="a14">
+      <mc:AlternateContent xmlns:mc="http://schemas.openxmlformats.org/markup-compatibility/2006" xmlns:a14="http://schemas.microsoft.com/office/drawing/2010/main">
+        <mc:Choice Requires="a14">
           <p:sp>
             <p:nvSpPr>
               <p:cNvPr id="3" name="Content Placeholder 2">
@@ -22747,7 +22711,7 @@
             </p:txBody>
           </p:sp>
         </mc:Choice>
-        <mc:Fallback>
+        <mc:Fallback xmlns="">
           <p:sp>
             <p:nvSpPr>
               <p:cNvPr id="3" name="Content Placeholder 2">
@@ -22877,8 +22841,8 @@
           <a:chExt cx="0" cy="0"/>
         </a:xfrm>
       </p:grpSpPr>
-      <mc:AlternateContent xmlns:mc="http://schemas.openxmlformats.org/markup-compatibility/2006">
-        <mc:Choice xmlns:a14="http://schemas.microsoft.com/office/drawing/2010/main" Requires="a14">
+      <mc:AlternateContent xmlns:mc="http://schemas.openxmlformats.org/markup-compatibility/2006" xmlns:a14="http://schemas.microsoft.com/office/drawing/2010/main">
+        <mc:Choice Requires="a14">
           <p:sp>
             <p:nvSpPr>
               <p:cNvPr id="3" name="Content Placeholder 2">
@@ -23210,7 +23174,7 @@
             </p:txBody>
           </p:sp>
         </mc:Choice>
-        <mc:Fallback>
+        <mc:Fallback xmlns="">
           <p:sp>
             <p:nvSpPr>
               <p:cNvPr id="3" name="Content Placeholder 2">
@@ -23340,8 +23304,8 @@
           <a:chExt cx="0" cy="0"/>
         </a:xfrm>
       </p:grpSpPr>
-      <mc:AlternateContent xmlns:mc="http://schemas.openxmlformats.org/markup-compatibility/2006">
-        <mc:Choice xmlns:a14="http://schemas.microsoft.com/office/drawing/2010/main" Requires="a14">
+      <mc:AlternateContent xmlns:mc="http://schemas.openxmlformats.org/markup-compatibility/2006" xmlns:a14="http://schemas.microsoft.com/office/drawing/2010/main">
+        <mc:Choice Requires="a14">
           <p:sp>
             <p:nvSpPr>
               <p:cNvPr id="3" name="Content Placeholder 2">
@@ -23640,7 +23604,7 @@
             </p:txBody>
           </p:sp>
         </mc:Choice>
-        <mc:Fallback>
+        <mc:Fallback xmlns="">
           <p:sp>
             <p:nvSpPr>
               <p:cNvPr id="3" name="Content Placeholder 2">
@@ -40543,7 +40507,7 @@
               <a:rPr lang="en-US" sz="2800" b="0" dirty="0">
                 <a:cs typeface="Arial" panose="020B0604020202020204" pitchFamily="34" charset="0"/>
               </a:rPr>
-              <a:t>Lead team that commercialized Bell Labs S, now open source R</a:t>
+              <a:t>Lead team that commercialized Bell Labs S, now open-source R</a:t>
             </a:r>
           </a:p>
           <a:p>

--- a/slides/1_Introduction.pptx
+++ b/slides/1_Introduction.pptx
@@ -5,7 +5,7 @@
     <p:sldMasterId id="2147483648" r:id="rId1"/>
   </p:sldMasterIdLst>
   <p:notesMasterIdLst>
-    <p:notesMasterId r:id="rId65"/>
+    <p:notesMasterId r:id="rId66"/>
   </p:notesMasterIdLst>
   <p:sldIdLst>
     <p:sldId id="256" r:id="rId2"/>
@@ -20,57 +20,58 @@
     <p:sldId id="452" r:id="rId11"/>
     <p:sldId id="351" r:id="rId12"/>
     <p:sldId id="397" r:id="rId13"/>
-    <p:sldId id="718" r:id="rId14"/>
-    <p:sldId id="396" r:id="rId15"/>
-    <p:sldId id="400" r:id="rId16"/>
-    <p:sldId id="352" r:id="rId17"/>
-    <p:sldId id="388" r:id="rId18"/>
-    <p:sldId id="721" r:id="rId19"/>
-    <p:sldId id="381" r:id="rId20"/>
-    <p:sldId id="722" r:id="rId21"/>
-    <p:sldId id="395" r:id="rId22"/>
-    <p:sldId id="402" r:id="rId23"/>
-    <p:sldId id="401" r:id="rId24"/>
-    <p:sldId id="713" r:id="rId25"/>
-    <p:sldId id="387" r:id="rId26"/>
-    <p:sldId id="720" r:id="rId27"/>
-    <p:sldId id="382" r:id="rId28"/>
-    <p:sldId id="357" r:id="rId29"/>
-    <p:sldId id="385" r:id="rId30"/>
-    <p:sldId id="359" r:id="rId31"/>
-    <p:sldId id="386" r:id="rId32"/>
-    <p:sldId id="714" r:id="rId33"/>
-    <p:sldId id="360" r:id="rId34"/>
-    <p:sldId id="374" r:id="rId35"/>
-    <p:sldId id="375" r:id="rId36"/>
-    <p:sldId id="376" r:id="rId37"/>
-    <p:sldId id="377" r:id="rId38"/>
-    <p:sldId id="378" r:id="rId39"/>
-    <p:sldId id="379" r:id="rId40"/>
-    <p:sldId id="380" r:id="rId41"/>
-    <p:sldId id="715" r:id="rId42"/>
-    <p:sldId id="362" r:id="rId43"/>
-    <p:sldId id="364" r:id="rId44"/>
-    <p:sldId id="366" r:id="rId45"/>
-    <p:sldId id="365" r:id="rId46"/>
-    <p:sldId id="363" r:id="rId47"/>
-    <p:sldId id="372" r:id="rId48"/>
-    <p:sldId id="716" r:id="rId49"/>
-    <p:sldId id="361" r:id="rId50"/>
-    <p:sldId id="368" r:id="rId51"/>
-    <p:sldId id="390" r:id="rId52"/>
-    <p:sldId id="391" r:id="rId53"/>
-    <p:sldId id="392" r:id="rId54"/>
-    <p:sldId id="393" r:id="rId55"/>
-    <p:sldId id="394" r:id="rId56"/>
-    <p:sldId id="717" r:id="rId57"/>
-    <p:sldId id="371" r:id="rId58"/>
-    <p:sldId id="369" r:id="rId59"/>
-    <p:sldId id="373" r:id="rId60"/>
-    <p:sldId id="399" r:id="rId61"/>
-    <p:sldId id="370" r:id="rId62"/>
-    <p:sldId id="398" r:id="rId63"/>
-    <p:sldId id="384" r:id="rId64"/>
+    <p:sldId id="723" r:id="rId14"/>
+    <p:sldId id="718" r:id="rId15"/>
+    <p:sldId id="396" r:id="rId16"/>
+    <p:sldId id="400" r:id="rId17"/>
+    <p:sldId id="352" r:id="rId18"/>
+    <p:sldId id="388" r:id="rId19"/>
+    <p:sldId id="721" r:id="rId20"/>
+    <p:sldId id="381" r:id="rId21"/>
+    <p:sldId id="722" r:id="rId22"/>
+    <p:sldId id="395" r:id="rId23"/>
+    <p:sldId id="402" r:id="rId24"/>
+    <p:sldId id="401" r:id="rId25"/>
+    <p:sldId id="713" r:id="rId26"/>
+    <p:sldId id="387" r:id="rId27"/>
+    <p:sldId id="720" r:id="rId28"/>
+    <p:sldId id="382" r:id="rId29"/>
+    <p:sldId id="357" r:id="rId30"/>
+    <p:sldId id="385" r:id="rId31"/>
+    <p:sldId id="359" r:id="rId32"/>
+    <p:sldId id="386" r:id="rId33"/>
+    <p:sldId id="714" r:id="rId34"/>
+    <p:sldId id="360" r:id="rId35"/>
+    <p:sldId id="374" r:id="rId36"/>
+    <p:sldId id="375" r:id="rId37"/>
+    <p:sldId id="376" r:id="rId38"/>
+    <p:sldId id="377" r:id="rId39"/>
+    <p:sldId id="378" r:id="rId40"/>
+    <p:sldId id="379" r:id="rId41"/>
+    <p:sldId id="380" r:id="rId42"/>
+    <p:sldId id="715" r:id="rId43"/>
+    <p:sldId id="362" r:id="rId44"/>
+    <p:sldId id="364" r:id="rId45"/>
+    <p:sldId id="366" r:id="rId46"/>
+    <p:sldId id="365" r:id="rId47"/>
+    <p:sldId id="363" r:id="rId48"/>
+    <p:sldId id="372" r:id="rId49"/>
+    <p:sldId id="716" r:id="rId50"/>
+    <p:sldId id="361" r:id="rId51"/>
+    <p:sldId id="368" r:id="rId52"/>
+    <p:sldId id="390" r:id="rId53"/>
+    <p:sldId id="391" r:id="rId54"/>
+    <p:sldId id="392" r:id="rId55"/>
+    <p:sldId id="393" r:id="rId56"/>
+    <p:sldId id="394" r:id="rId57"/>
+    <p:sldId id="717" r:id="rId58"/>
+    <p:sldId id="371" r:id="rId59"/>
+    <p:sldId id="369" r:id="rId60"/>
+    <p:sldId id="373" r:id="rId61"/>
+    <p:sldId id="399" r:id="rId62"/>
+    <p:sldId id="370" r:id="rId63"/>
+    <p:sldId id="398" r:id="rId64"/>
+    <p:sldId id="384" r:id="rId65"/>
   </p:sldIdLst>
   <p:sldSz cx="12192000" cy="6858000"/>
   <p:notesSz cx="6858000" cy="9144000"/>
@@ -259,7 +260,7 @@
           <a:p>
             <a:fld id="{2F3ABF1A-8818-4472-8518-E71DC7B5D2F7}" type="datetimeFigureOut">
               <a:rPr lang="en-US" smtClean="0"/>
-              <a:t>6/12/2025</a:t>
+              <a:t>6/13/2025</a:t>
             </a:fld>
             <a:endParaRPr lang="en-US"/>
           </a:p>
@@ -591,7 +592,7 @@
           <a:p>
             <a:fld id="{F33E01E3-981B-4CB5-81ED-65C622C255CB}" type="slidenum">
               <a:rPr lang="en-US" smtClean="0"/>
-              <a:t>44</a:t>
+              <a:t>45</a:t>
             </a:fld>
             <a:endParaRPr lang="en-US"/>
           </a:p>
@@ -678,7 +679,7 @@
           <a:p>
             <a:fld id="{F33E01E3-981B-4CB5-81ED-65C622C255CB}" type="slidenum">
               <a:rPr lang="en-US" smtClean="0"/>
-              <a:t>57</a:t>
+              <a:t>58</a:t>
             </a:fld>
             <a:endParaRPr lang="en-US"/>
           </a:p>
@@ -765,7 +766,7 @@
           <a:p>
             <a:fld id="{F33E01E3-981B-4CB5-81ED-65C622C255CB}" type="slidenum">
               <a:rPr lang="en-US" smtClean="0"/>
-              <a:t>58</a:t>
+              <a:t>59</a:t>
             </a:fld>
             <a:endParaRPr lang="en-US"/>
           </a:p>
@@ -852,7 +853,7 @@
           <a:p>
             <a:fld id="{F33E01E3-981B-4CB5-81ED-65C622C255CB}" type="slidenum">
               <a:rPr lang="en-US" smtClean="0"/>
-              <a:t>59</a:t>
+              <a:t>60</a:t>
             </a:fld>
             <a:endParaRPr lang="en-US"/>
           </a:p>
@@ -939,7 +940,7 @@
           <a:p>
             <a:fld id="{F33E01E3-981B-4CB5-81ED-65C622C255CB}" type="slidenum">
               <a:rPr lang="en-US" smtClean="0"/>
-              <a:t>60</a:t>
+              <a:t>61</a:t>
             </a:fld>
             <a:endParaRPr lang="en-US"/>
           </a:p>
@@ -1026,7 +1027,7 @@
           <a:p>
             <a:fld id="{F33E01E3-981B-4CB5-81ED-65C622C255CB}" type="slidenum">
               <a:rPr lang="en-US" smtClean="0"/>
-              <a:t>61</a:t>
+              <a:t>62</a:t>
             </a:fld>
             <a:endParaRPr lang="en-US"/>
           </a:p>
@@ -1113,7 +1114,7 @@
           <a:p>
             <a:fld id="{F33E01E3-981B-4CB5-81ED-65C622C255CB}" type="slidenum">
               <a:rPr lang="en-US" smtClean="0"/>
-              <a:t>62</a:t>
+              <a:t>63</a:t>
             </a:fld>
             <a:endParaRPr lang="en-US"/>
           </a:p>
@@ -1279,7 +1280,7 @@
           <a:p>
             <a:fld id="{6E4A31BF-7266-4BEB-918B-ADC21C630A6F}" type="datetimeFigureOut">
               <a:rPr lang="en-US" smtClean="0"/>
-              <a:t>6/12/2025</a:t>
+              <a:t>6/13/2025</a:t>
             </a:fld>
             <a:endParaRPr lang="en-US"/>
           </a:p>
@@ -1477,7 +1478,7 @@
           <a:p>
             <a:fld id="{6E4A31BF-7266-4BEB-918B-ADC21C630A6F}" type="datetimeFigureOut">
               <a:rPr lang="en-US" smtClean="0"/>
-              <a:t>6/12/2025</a:t>
+              <a:t>6/13/2025</a:t>
             </a:fld>
             <a:endParaRPr lang="en-US"/>
           </a:p>
@@ -1685,7 +1686,7 @@
           <a:p>
             <a:fld id="{6E4A31BF-7266-4BEB-918B-ADC21C630A6F}" type="datetimeFigureOut">
               <a:rPr lang="en-US" smtClean="0"/>
-              <a:t>6/12/2025</a:t>
+              <a:t>6/13/2025</a:t>
             </a:fld>
             <a:endParaRPr lang="en-US"/>
           </a:p>
@@ -1883,7 +1884,7 @@
           <a:p>
             <a:fld id="{6E4A31BF-7266-4BEB-918B-ADC21C630A6F}" type="datetimeFigureOut">
               <a:rPr lang="en-US" smtClean="0"/>
-              <a:t>6/12/2025</a:t>
+              <a:t>6/13/2025</a:t>
             </a:fld>
             <a:endParaRPr lang="en-US"/>
           </a:p>
@@ -2158,7 +2159,7 @@
           <a:p>
             <a:fld id="{6E4A31BF-7266-4BEB-918B-ADC21C630A6F}" type="datetimeFigureOut">
               <a:rPr lang="en-US" smtClean="0"/>
-              <a:t>6/12/2025</a:t>
+              <a:t>6/13/2025</a:t>
             </a:fld>
             <a:endParaRPr lang="en-US"/>
           </a:p>
@@ -2423,7 +2424,7 @@
           <a:p>
             <a:fld id="{6E4A31BF-7266-4BEB-918B-ADC21C630A6F}" type="datetimeFigureOut">
               <a:rPr lang="en-US" smtClean="0"/>
-              <a:t>6/12/2025</a:t>
+              <a:t>6/13/2025</a:t>
             </a:fld>
             <a:endParaRPr lang="en-US"/>
           </a:p>
@@ -2835,7 +2836,7 @@
           <a:p>
             <a:fld id="{6E4A31BF-7266-4BEB-918B-ADC21C630A6F}" type="datetimeFigureOut">
               <a:rPr lang="en-US" smtClean="0"/>
-              <a:t>6/12/2025</a:t>
+              <a:t>6/13/2025</a:t>
             </a:fld>
             <a:endParaRPr lang="en-US"/>
           </a:p>
@@ -2976,7 +2977,7 @@
           <a:p>
             <a:fld id="{6E4A31BF-7266-4BEB-918B-ADC21C630A6F}" type="datetimeFigureOut">
               <a:rPr lang="en-US" smtClean="0"/>
-              <a:t>6/12/2025</a:t>
+              <a:t>6/13/2025</a:t>
             </a:fld>
             <a:endParaRPr lang="en-US"/>
           </a:p>
@@ -3089,7 +3090,7 @@
           <a:p>
             <a:fld id="{6E4A31BF-7266-4BEB-918B-ADC21C630A6F}" type="datetimeFigureOut">
               <a:rPr lang="en-US" smtClean="0"/>
-              <a:t>6/12/2025</a:t>
+              <a:t>6/13/2025</a:t>
             </a:fld>
             <a:endParaRPr lang="en-US"/>
           </a:p>
@@ -3400,7 +3401,7 @@
           <a:p>
             <a:fld id="{6E4A31BF-7266-4BEB-918B-ADC21C630A6F}" type="datetimeFigureOut">
               <a:rPr lang="en-US" smtClean="0"/>
-              <a:t>6/12/2025</a:t>
+              <a:t>6/13/2025</a:t>
             </a:fld>
             <a:endParaRPr lang="en-US"/>
           </a:p>
@@ -3688,7 +3689,7 @@
           <a:p>
             <a:fld id="{6E4A31BF-7266-4BEB-918B-ADC21C630A6F}" type="datetimeFigureOut">
               <a:rPr lang="en-US" smtClean="0"/>
-              <a:t>6/12/2025</a:t>
+              <a:t>6/13/2025</a:t>
             </a:fld>
             <a:endParaRPr lang="en-US"/>
           </a:p>
@@ -3929,7 +3930,7 @@
           <a:p>
             <a:fld id="{6E4A31BF-7266-4BEB-918B-ADC21C630A6F}" type="datetimeFigureOut">
               <a:rPr lang="en-US" smtClean="0"/>
-              <a:t>6/12/2025</a:t>
+              <a:t>6/13/2025</a:t>
             </a:fld>
             <a:endParaRPr lang="en-US"/>
           </a:p>
@@ -4837,7 +4838,7 @@
             <a:pPr lvl="1"/>
             <a:r>
               <a:rPr lang="en-US" dirty="0"/>
-              <a:t>Better algorithm beats throwing hardware at the problem </a:t>
+              <a:t>Better algorithms beats throwing hardware at the problem </a:t>
             </a:r>
           </a:p>
           <a:p>
@@ -4850,7 +4851,7 @@
             <a:pPr lvl="1"/>
             <a:r>
               <a:rPr lang="en-US" dirty="0"/>
-              <a:t>Varied and constantly changing landscape of </a:t>
+              <a:t>Wide and constantly changing landscape of </a:t>
             </a:r>
             <a:r>
               <a:rPr lang="en-US" i="1" dirty="0"/>
@@ -4858,7 +4859,7 @@
             </a:r>
             <a:r>
               <a:rPr lang="en-US" dirty="0"/>
-              <a:t> technologies</a:t>
+              <a:t> platforms</a:t>
             </a:r>
           </a:p>
           <a:p>
@@ -5400,14 +5401,14 @@
           <a:p>
             <a:r>
               <a:rPr lang="en-US" dirty="0"/>
-              <a:t>Statistical Inference methods  </a:t>
+              <a:t>Similarity search and nearest neighbor algorithms </a:t>
             </a:r>
           </a:p>
           <a:p>
             <a:pPr lvl="1"/>
             <a:r>
               <a:rPr lang="en-US" dirty="0"/>
-              <a:t>How can we perform inference at massive scale? </a:t>
+              <a:t>The code of many data mining methods</a:t>
             </a:r>
           </a:p>
           <a:p>
@@ -5930,6 +5931,2764 @@
   <p:cSld>
     <p:spTree>
       <p:nvGrpSpPr>
+        <p:cNvPr id="1" name="">
+          <a:extLst>
+            <a:ext uri="{FF2B5EF4-FFF2-40B4-BE49-F238E27FC236}">
+              <a16:creationId xmlns:a16="http://schemas.microsoft.com/office/drawing/2014/main" id="{93C5696D-354D-62CB-0192-218008228DF0}"/>
+            </a:ext>
+          </a:extLst>
+        </p:cNvPr>
+        <p:cNvGrpSpPr/>
+        <p:nvPr/>
+      </p:nvGrpSpPr>
+      <p:grpSpPr>
+        <a:xfrm>
+          <a:off x="0" y="0"/>
+          <a:ext cx="0" cy="0"/>
+          <a:chOff x="0" y="0"/>
+          <a:chExt cx="0" cy="0"/>
+        </a:xfrm>
+      </p:grpSpPr>
+      <p:sp>
+        <p:nvSpPr>
+          <p:cNvPr id="6" name="Title 1">
+            <a:extLst>
+              <a:ext uri="{FF2B5EF4-FFF2-40B4-BE49-F238E27FC236}">
+                <a16:creationId xmlns:a16="http://schemas.microsoft.com/office/drawing/2014/main" id="{2B7BCFB8-BA4E-440E-F296-C6B2AAFDF708}"/>
+              </a:ext>
+            </a:extLst>
+          </p:cNvPr>
+          <p:cNvSpPr txBox="1">
+            <a:spLocks/>
+          </p:cNvSpPr>
+          <p:nvPr/>
+        </p:nvSpPr>
+        <p:spPr>
+          <a:xfrm>
+            <a:off x="838200" y="-635"/>
+            <a:ext cx="10515600" cy="1325563"/>
+          </a:xfrm>
+          <a:prstGeom prst="rect">
+            <a:avLst/>
+          </a:prstGeom>
+        </p:spPr>
+        <p:txBody>
+          <a:bodyPr vert="horz" lIns="91440" tIns="45720" rIns="91440" bIns="45720" rtlCol="0" anchor="ctr">
+            <a:normAutofit/>
+          </a:bodyPr>
+          <a:lstStyle>
+            <a:lvl1pPr algn="l" defTabSz="914400" rtl="0" eaLnBrk="1" latinLnBrk="0" hangingPunct="1">
+              <a:lnSpc>
+                <a:spcPct val="90000"/>
+              </a:lnSpc>
+              <a:spcBef>
+                <a:spcPct val="0"/>
+              </a:spcBef>
+              <a:buNone/>
+              <a:defRPr sz="4400" kern="1200">
+                <a:solidFill>
+                  <a:schemeClr val="tx1"/>
+                </a:solidFill>
+                <a:latin typeface="+mj-lt"/>
+                <a:ea typeface="+mj-ea"/>
+                <a:cs typeface="+mj-cs"/>
+              </a:defRPr>
+            </a:lvl1pPr>
+          </a:lstStyle>
+          <a:p>
+            <a:r>
+              <a:rPr lang="en-US" dirty="0">
+                <a:latin typeface="+mn-lt"/>
+              </a:rPr>
+              <a:t>How are the topics in this course connected?</a:t>
+            </a:r>
+          </a:p>
+        </p:txBody>
+      </p:sp>
+      <p:sp>
+        <p:nvSpPr>
+          <p:cNvPr id="5" name="Rectangle 4">
+            <a:extLst>
+              <a:ext uri="{FF2B5EF4-FFF2-40B4-BE49-F238E27FC236}">
+                <a16:creationId xmlns:a16="http://schemas.microsoft.com/office/drawing/2014/main" id="{393C2DC2-2848-DED5-529E-AA5AC0982CFB}"/>
+              </a:ext>
+            </a:extLst>
+          </p:cNvPr>
+          <p:cNvSpPr/>
+          <p:nvPr/>
+        </p:nvSpPr>
+        <p:spPr>
+          <a:xfrm>
+            <a:off x="3534926" y="5536709"/>
+            <a:ext cx="1738627" cy="974927"/>
+          </a:xfrm>
+          <a:prstGeom prst="rect">
+            <a:avLst/>
+          </a:prstGeom>
+          <a:noFill/>
+          <a:ln w="19050">
+            <a:solidFill>
+              <a:schemeClr val="tx1"/>
+            </a:solidFill>
+          </a:ln>
+        </p:spPr>
+        <p:style>
+          <a:lnRef idx="2">
+            <a:schemeClr val="accent1">
+              <a:shade val="15000"/>
+            </a:schemeClr>
+          </a:lnRef>
+          <a:fillRef idx="1">
+            <a:schemeClr val="accent1"/>
+          </a:fillRef>
+          <a:effectRef idx="0">
+            <a:schemeClr val="accent1"/>
+          </a:effectRef>
+          <a:fontRef idx="minor">
+            <a:schemeClr val="lt1"/>
+          </a:fontRef>
+        </p:style>
+        <p:txBody>
+          <a:bodyPr rtlCol="0" anchor="ctr"/>
+          <a:lstStyle/>
+          <a:p>
+            <a:pPr algn="ctr"/>
+            <a:r>
+              <a:rPr lang="en-US" sz="2000" dirty="0">
+                <a:solidFill>
+                  <a:schemeClr val="tx1"/>
+                </a:solidFill>
+              </a:rPr>
+              <a:t>2. Large Scale Computing</a:t>
+            </a:r>
+          </a:p>
+        </p:txBody>
+      </p:sp>
+      <p:sp>
+        <p:nvSpPr>
+          <p:cNvPr id="7" name="Rectangle 6">
+            <a:extLst>
+              <a:ext uri="{FF2B5EF4-FFF2-40B4-BE49-F238E27FC236}">
+                <a16:creationId xmlns:a16="http://schemas.microsoft.com/office/drawing/2014/main" id="{9D095083-8BEB-8B08-7E66-FDC56E9B749C}"/>
+              </a:ext>
+            </a:extLst>
+          </p:cNvPr>
+          <p:cNvSpPr/>
+          <p:nvPr/>
+        </p:nvSpPr>
+        <p:spPr>
+          <a:xfrm>
+            <a:off x="6030249" y="5536708"/>
+            <a:ext cx="1738627" cy="974927"/>
+          </a:xfrm>
+          <a:prstGeom prst="rect">
+            <a:avLst/>
+          </a:prstGeom>
+          <a:noFill/>
+          <a:ln w="19050">
+            <a:solidFill>
+              <a:schemeClr val="tx1"/>
+            </a:solidFill>
+          </a:ln>
+        </p:spPr>
+        <p:style>
+          <a:lnRef idx="2">
+            <a:schemeClr val="accent1">
+              <a:shade val="15000"/>
+            </a:schemeClr>
+          </a:lnRef>
+          <a:fillRef idx="1">
+            <a:schemeClr val="accent1"/>
+          </a:fillRef>
+          <a:effectRef idx="0">
+            <a:schemeClr val="accent1"/>
+          </a:effectRef>
+          <a:fontRef idx="minor">
+            <a:schemeClr val="lt1"/>
+          </a:fontRef>
+        </p:style>
+        <p:txBody>
+          <a:bodyPr rtlCol="0" anchor="ctr"/>
+          <a:lstStyle/>
+          <a:p>
+            <a:pPr algn="ctr"/>
+            <a:r>
+              <a:rPr lang="en-US" sz="2000" dirty="0">
+                <a:solidFill>
+                  <a:schemeClr val="tx1"/>
+                </a:solidFill>
+              </a:rPr>
+              <a:t>5. Distance and Similarity Metrics</a:t>
+            </a:r>
+          </a:p>
+        </p:txBody>
+      </p:sp>
+      <p:sp>
+        <p:nvSpPr>
+          <p:cNvPr id="8" name="Rectangle 7">
+            <a:extLst>
+              <a:ext uri="{FF2B5EF4-FFF2-40B4-BE49-F238E27FC236}">
+                <a16:creationId xmlns:a16="http://schemas.microsoft.com/office/drawing/2014/main" id="{07E6AE79-4919-8796-C045-45AAD80B8591}"/>
+              </a:ext>
+            </a:extLst>
+          </p:cNvPr>
+          <p:cNvSpPr/>
+          <p:nvPr/>
+        </p:nvSpPr>
+        <p:spPr>
+          <a:xfrm>
+            <a:off x="8404918" y="5536707"/>
+            <a:ext cx="1738627" cy="974927"/>
+          </a:xfrm>
+          <a:prstGeom prst="rect">
+            <a:avLst/>
+          </a:prstGeom>
+          <a:noFill/>
+          <a:ln w="19050">
+            <a:solidFill>
+              <a:schemeClr val="tx1"/>
+            </a:solidFill>
+          </a:ln>
+        </p:spPr>
+        <p:style>
+          <a:lnRef idx="2">
+            <a:schemeClr val="accent1">
+              <a:shade val="15000"/>
+            </a:schemeClr>
+          </a:lnRef>
+          <a:fillRef idx="1">
+            <a:schemeClr val="accent1"/>
+          </a:fillRef>
+          <a:effectRef idx="0">
+            <a:schemeClr val="accent1"/>
+          </a:effectRef>
+          <a:fontRef idx="minor">
+            <a:schemeClr val="lt1"/>
+          </a:fontRef>
+        </p:style>
+        <p:txBody>
+          <a:bodyPr rtlCol="0" anchor="ctr"/>
+          <a:lstStyle/>
+          <a:p>
+            <a:pPr algn="ctr"/>
+            <a:r>
+              <a:rPr lang="en-US" sz="2000" dirty="0">
+                <a:solidFill>
+                  <a:schemeClr val="tx1"/>
+                </a:solidFill>
+              </a:rPr>
+              <a:t>1. Large-Scale Statistics</a:t>
+            </a:r>
+          </a:p>
+        </p:txBody>
+      </p:sp>
+      <p:sp>
+        <p:nvSpPr>
+          <p:cNvPr id="9" name="Rectangle 8">
+            <a:extLst>
+              <a:ext uri="{FF2B5EF4-FFF2-40B4-BE49-F238E27FC236}">
+                <a16:creationId xmlns:a16="http://schemas.microsoft.com/office/drawing/2014/main" id="{D968DB67-0DA8-A1EC-A865-219CC8E2924A}"/>
+              </a:ext>
+            </a:extLst>
+          </p:cNvPr>
+          <p:cNvSpPr/>
+          <p:nvPr/>
+        </p:nvSpPr>
+        <p:spPr>
+          <a:xfrm>
+            <a:off x="1424242" y="4295126"/>
+            <a:ext cx="2110684" cy="974927"/>
+          </a:xfrm>
+          <a:prstGeom prst="rect">
+            <a:avLst/>
+          </a:prstGeom>
+          <a:noFill/>
+          <a:ln w="19050">
+            <a:solidFill>
+              <a:schemeClr val="tx1"/>
+            </a:solidFill>
+          </a:ln>
+        </p:spPr>
+        <p:style>
+          <a:lnRef idx="2">
+            <a:schemeClr val="accent1">
+              <a:shade val="15000"/>
+            </a:schemeClr>
+          </a:lnRef>
+          <a:fillRef idx="1">
+            <a:schemeClr val="accent1"/>
+          </a:fillRef>
+          <a:effectRef idx="0">
+            <a:schemeClr val="accent1"/>
+          </a:effectRef>
+          <a:fontRef idx="minor">
+            <a:schemeClr val="lt1"/>
+          </a:fontRef>
+        </p:style>
+        <p:txBody>
+          <a:bodyPr rtlCol="0" anchor="ctr"/>
+          <a:lstStyle/>
+          <a:p>
+            <a:pPr algn="ctr"/>
+            <a:r>
+              <a:rPr lang="en-US" sz="2000" dirty="0">
+                <a:solidFill>
+                  <a:schemeClr val="tx1"/>
+                </a:solidFill>
+              </a:rPr>
+              <a:t>10. Dimensionality Reduction</a:t>
+            </a:r>
+          </a:p>
+        </p:txBody>
+      </p:sp>
+      <p:sp>
+        <p:nvSpPr>
+          <p:cNvPr id="10" name="Rectangle 9">
+            <a:extLst>
+              <a:ext uri="{FF2B5EF4-FFF2-40B4-BE49-F238E27FC236}">
+                <a16:creationId xmlns:a16="http://schemas.microsoft.com/office/drawing/2014/main" id="{2BBB2418-B096-6DF9-524E-E46A63BC1B41}"/>
+              </a:ext>
+            </a:extLst>
+          </p:cNvPr>
+          <p:cNvSpPr/>
+          <p:nvPr/>
+        </p:nvSpPr>
+        <p:spPr>
+          <a:xfrm>
+            <a:off x="10250858" y="4341585"/>
+            <a:ext cx="1738627" cy="974927"/>
+          </a:xfrm>
+          <a:prstGeom prst="rect">
+            <a:avLst/>
+          </a:prstGeom>
+          <a:noFill/>
+          <a:ln w="19050">
+            <a:solidFill>
+              <a:schemeClr val="tx1"/>
+            </a:solidFill>
+          </a:ln>
+        </p:spPr>
+        <p:style>
+          <a:lnRef idx="2">
+            <a:schemeClr val="accent1">
+              <a:shade val="15000"/>
+            </a:schemeClr>
+          </a:lnRef>
+          <a:fillRef idx="1">
+            <a:schemeClr val="accent1"/>
+          </a:fillRef>
+          <a:effectRef idx="0">
+            <a:schemeClr val="accent1"/>
+          </a:effectRef>
+          <a:fontRef idx="minor">
+            <a:schemeClr val="lt1"/>
+          </a:fontRef>
+        </p:style>
+        <p:txBody>
+          <a:bodyPr rtlCol="0" anchor="ctr"/>
+          <a:lstStyle/>
+          <a:p>
+            <a:pPr algn="ctr"/>
+            <a:r>
+              <a:rPr lang="en-US" sz="2000" dirty="0">
+                <a:solidFill>
+                  <a:schemeClr val="tx1"/>
+                </a:solidFill>
+              </a:rPr>
+              <a:t>6. Similarity Search and NN Algorithms</a:t>
+            </a:r>
+          </a:p>
+        </p:txBody>
+      </p:sp>
+      <p:sp>
+        <p:nvSpPr>
+          <p:cNvPr id="11" name="Rectangle 10">
+            <a:extLst>
+              <a:ext uri="{FF2B5EF4-FFF2-40B4-BE49-F238E27FC236}">
+                <a16:creationId xmlns:a16="http://schemas.microsoft.com/office/drawing/2014/main" id="{EBEC54F3-DE9D-99B4-64BF-88FC35D43917}"/>
+              </a:ext>
+            </a:extLst>
+          </p:cNvPr>
+          <p:cNvSpPr/>
+          <p:nvPr/>
+        </p:nvSpPr>
+        <p:spPr>
+          <a:xfrm>
+            <a:off x="6025459" y="1162406"/>
+            <a:ext cx="1961803" cy="1198456"/>
+          </a:xfrm>
+          <a:prstGeom prst="rect">
+            <a:avLst/>
+          </a:prstGeom>
+          <a:noFill/>
+          <a:ln w="19050">
+            <a:solidFill>
+              <a:schemeClr val="tx1"/>
+            </a:solidFill>
+          </a:ln>
+        </p:spPr>
+        <p:style>
+          <a:lnRef idx="2">
+            <a:schemeClr val="accent1">
+              <a:shade val="15000"/>
+            </a:schemeClr>
+          </a:lnRef>
+          <a:fillRef idx="1">
+            <a:schemeClr val="accent1"/>
+          </a:fillRef>
+          <a:effectRef idx="0">
+            <a:schemeClr val="accent1"/>
+          </a:effectRef>
+          <a:fontRef idx="minor">
+            <a:schemeClr val="lt1"/>
+          </a:fontRef>
+        </p:style>
+        <p:txBody>
+          <a:bodyPr rtlCol="0" anchor="ctr"/>
+          <a:lstStyle/>
+          <a:p>
+            <a:pPr algn="ctr"/>
+            <a:r>
+              <a:rPr lang="en-US" sz="2000" dirty="0">
+                <a:solidFill>
+                  <a:schemeClr val="tx1"/>
+                </a:solidFill>
+              </a:rPr>
+              <a:t>7. Recommender Algorithms</a:t>
+            </a:r>
+          </a:p>
+          <a:p>
+            <a:pPr algn="ctr"/>
+            <a:r>
+              <a:rPr lang="en-US" sz="2000" dirty="0">
+                <a:solidFill>
+                  <a:schemeClr val="tx1"/>
+                </a:solidFill>
+              </a:rPr>
+              <a:t>11. Association Models</a:t>
+            </a:r>
+          </a:p>
+        </p:txBody>
+      </p:sp>
+      <p:sp>
+        <p:nvSpPr>
+          <p:cNvPr id="12" name="Rectangle 11">
+            <a:extLst>
+              <a:ext uri="{FF2B5EF4-FFF2-40B4-BE49-F238E27FC236}">
+                <a16:creationId xmlns:a16="http://schemas.microsoft.com/office/drawing/2014/main" id="{18CA27A3-15C9-D6F9-D488-CA7C0F3325D5}"/>
+              </a:ext>
+            </a:extLst>
+          </p:cNvPr>
+          <p:cNvSpPr/>
+          <p:nvPr/>
+        </p:nvSpPr>
+        <p:spPr>
+          <a:xfrm>
+            <a:off x="3724850" y="1385932"/>
+            <a:ext cx="2085982" cy="974927"/>
+          </a:xfrm>
+          <a:prstGeom prst="rect">
+            <a:avLst/>
+          </a:prstGeom>
+          <a:noFill/>
+          <a:ln w="19050">
+            <a:solidFill>
+              <a:schemeClr val="tx1"/>
+            </a:solidFill>
+          </a:ln>
+        </p:spPr>
+        <p:style>
+          <a:lnRef idx="2">
+            <a:schemeClr val="accent1">
+              <a:shade val="15000"/>
+            </a:schemeClr>
+          </a:lnRef>
+          <a:fillRef idx="1">
+            <a:schemeClr val="accent1"/>
+          </a:fillRef>
+          <a:effectRef idx="0">
+            <a:schemeClr val="accent1"/>
+          </a:effectRef>
+          <a:fontRef idx="minor">
+            <a:schemeClr val="lt1"/>
+          </a:fontRef>
+        </p:style>
+        <p:txBody>
+          <a:bodyPr rtlCol="0" anchor="ctr"/>
+          <a:lstStyle/>
+          <a:p>
+            <a:pPr algn="ctr"/>
+            <a:r>
+              <a:rPr lang="en-US" sz="2000" dirty="0">
+                <a:solidFill>
+                  <a:schemeClr val="tx1"/>
+                </a:solidFill>
+              </a:rPr>
+              <a:t>8. Web/Document Search</a:t>
+            </a:r>
+          </a:p>
+        </p:txBody>
+      </p:sp>
+      <p:sp>
+        <p:nvSpPr>
+          <p:cNvPr id="13" name="Rectangle 12">
+            <a:extLst>
+              <a:ext uri="{FF2B5EF4-FFF2-40B4-BE49-F238E27FC236}">
+                <a16:creationId xmlns:a16="http://schemas.microsoft.com/office/drawing/2014/main" id="{9368F19E-5C0B-62E5-14AB-6E96C6F326C5}"/>
+              </a:ext>
+            </a:extLst>
+          </p:cNvPr>
+          <p:cNvSpPr/>
+          <p:nvPr/>
+        </p:nvSpPr>
+        <p:spPr>
+          <a:xfrm>
+            <a:off x="8201889" y="1385935"/>
+            <a:ext cx="1834342" cy="974927"/>
+          </a:xfrm>
+          <a:prstGeom prst="rect">
+            <a:avLst/>
+          </a:prstGeom>
+          <a:noFill/>
+          <a:ln w="19050">
+            <a:solidFill>
+              <a:schemeClr val="tx1"/>
+            </a:solidFill>
+          </a:ln>
+        </p:spPr>
+        <p:style>
+          <a:lnRef idx="2">
+            <a:schemeClr val="accent1">
+              <a:shade val="15000"/>
+            </a:schemeClr>
+          </a:lnRef>
+          <a:fillRef idx="1">
+            <a:schemeClr val="accent1"/>
+          </a:fillRef>
+          <a:effectRef idx="0">
+            <a:schemeClr val="accent1"/>
+          </a:effectRef>
+          <a:fontRef idx="minor">
+            <a:schemeClr val="lt1"/>
+          </a:fontRef>
+        </p:style>
+        <p:txBody>
+          <a:bodyPr rtlCol="0" anchor="ctr"/>
+          <a:lstStyle/>
+          <a:p>
+            <a:pPr algn="ctr"/>
+            <a:r>
+              <a:rPr lang="en-US" sz="2000" dirty="0">
+                <a:solidFill>
+                  <a:schemeClr val="tx1"/>
+                </a:solidFill>
+              </a:rPr>
+              <a:t>3. Streaming Algorithms</a:t>
+            </a:r>
+          </a:p>
+        </p:txBody>
+      </p:sp>
+      <p:sp>
+        <p:nvSpPr>
+          <p:cNvPr id="14" name="Rectangle 13">
+            <a:extLst>
+              <a:ext uri="{FF2B5EF4-FFF2-40B4-BE49-F238E27FC236}">
+                <a16:creationId xmlns:a16="http://schemas.microsoft.com/office/drawing/2014/main" id="{3B3CF73E-D779-E0A5-977B-A8C1B10177CB}"/>
+              </a:ext>
+            </a:extLst>
+          </p:cNvPr>
+          <p:cNvSpPr/>
+          <p:nvPr/>
+        </p:nvSpPr>
+        <p:spPr>
+          <a:xfrm>
+            <a:off x="1424241" y="1385932"/>
+            <a:ext cx="2085982" cy="974927"/>
+          </a:xfrm>
+          <a:prstGeom prst="rect">
+            <a:avLst/>
+          </a:prstGeom>
+          <a:noFill/>
+          <a:ln w="19050">
+            <a:solidFill>
+              <a:schemeClr val="tx1"/>
+            </a:solidFill>
+          </a:ln>
+        </p:spPr>
+        <p:style>
+          <a:lnRef idx="2">
+            <a:schemeClr val="accent1">
+              <a:shade val="15000"/>
+            </a:schemeClr>
+          </a:lnRef>
+          <a:fillRef idx="1">
+            <a:schemeClr val="accent1"/>
+          </a:fillRef>
+          <a:effectRef idx="0">
+            <a:schemeClr val="accent1"/>
+          </a:effectRef>
+          <a:fontRef idx="minor">
+            <a:schemeClr val="lt1"/>
+          </a:fontRef>
+        </p:style>
+        <p:txBody>
+          <a:bodyPr rtlCol="0" anchor="ctr"/>
+          <a:lstStyle/>
+          <a:p>
+            <a:pPr algn="ctr"/>
+            <a:r>
+              <a:rPr lang="en-US" sz="2000" dirty="0">
+                <a:solidFill>
+                  <a:schemeClr val="tx1"/>
+                </a:solidFill>
+              </a:rPr>
+              <a:t>4. Graph and Social Network Analysis</a:t>
+            </a:r>
+          </a:p>
+        </p:txBody>
+      </p:sp>
+      <p:sp>
+        <p:nvSpPr>
+          <p:cNvPr id="15" name="Rectangle 14">
+            <a:extLst>
+              <a:ext uri="{FF2B5EF4-FFF2-40B4-BE49-F238E27FC236}">
+                <a16:creationId xmlns:a16="http://schemas.microsoft.com/office/drawing/2014/main" id="{4C269AD5-F4F6-0FAB-A473-3001BF8F0B95}"/>
+              </a:ext>
+            </a:extLst>
+          </p:cNvPr>
+          <p:cNvSpPr/>
+          <p:nvPr/>
+        </p:nvSpPr>
+        <p:spPr>
+          <a:xfrm>
+            <a:off x="10250858" y="1385934"/>
+            <a:ext cx="1738627" cy="974927"/>
+          </a:xfrm>
+          <a:prstGeom prst="rect">
+            <a:avLst/>
+          </a:prstGeom>
+          <a:noFill/>
+          <a:ln w="19050">
+            <a:solidFill>
+              <a:schemeClr val="tx1"/>
+            </a:solidFill>
+          </a:ln>
+        </p:spPr>
+        <p:style>
+          <a:lnRef idx="2">
+            <a:schemeClr val="accent1">
+              <a:shade val="15000"/>
+            </a:schemeClr>
+          </a:lnRef>
+          <a:fillRef idx="1">
+            <a:schemeClr val="accent1"/>
+          </a:fillRef>
+          <a:effectRef idx="0">
+            <a:schemeClr val="accent1"/>
+          </a:effectRef>
+          <a:fontRef idx="minor">
+            <a:schemeClr val="lt1"/>
+          </a:fontRef>
+        </p:style>
+        <p:txBody>
+          <a:bodyPr rtlCol="0" anchor="ctr"/>
+          <a:lstStyle/>
+          <a:p>
+            <a:pPr algn="ctr"/>
+            <a:r>
+              <a:rPr lang="en-US" sz="2000" dirty="0">
+                <a:solidFill>
+                  <a:schemeClr val="tx1"/>
+                </a:solidFill>
+              </a:rPr>
+              <a:t>9. Clustering Algorithms</a:t>
+            </a:r>
+          </a:p>
+        </p:txBody>
+      </p:sp>
+      <p:cxnSp>
+        <p:nvCxnSpPr>
+          <p:cNvPr id="17" name="Straight Connector 16">
+            <a:extLst>
+              <a:ext uri="{FF2B5EF4-FFF2-40B4-BE49-F238E27FC236}">
+                <a16:creationId xmlns:a16="http://schemas.microsoft.com/office/drawing/2014/main" id="{2A84A998-91B5-666C-E6F6-DCDDC35121EC}"/>
+              </a:ext>
+            </a:extLst>
+          </p:cNvPr>
+          <p:cNvCxnSpPr>
+            <a:cxnSpLocks/>
+          </p:cNvCxnSpPr>
+          <p:nvPr/>
+        </p:nvCxnSpPr>
+        <p:spPr>
+          <a:xfrm>
+            <a:off x="1790007" y="3945774"/>
+            <a:ext cx="9809018" cy="82696"/>
+          </a:xfrm>
+          <a:prstGeom prst="line">
+            <a:avLst/>
+          </a:prstGeom>
+          <a:ln w="19050">
+            <a:solidFill>
+              <a:schemeClr val="accent1"/>
+            </a:solidFill>
+          </a:ln>
+        </p:spPr>
+        <p:style>
+          <a:lnRef idx="1">
+            <a:schemeClr val="accent1"/>
+          </a:lnRef>
+          <a:fillRef idx="0">
+            <a:schemeClr val="accent1"/>
+          </a:fillRef>
+          <a:effectRef idx="0">
+            <a:schemeClr val="accent1"/>
+          </a:effectRef>
+          <a:fontRef idx="minor">
+            <a:schemeClr val="tx1"/>
+          </a:fontRef>
+        </p:style>
+      </p:cxnSp>
+      <p:cxnSp>
+        <p:nvCxnSpPr>
+          <p:cNvPr id="22" name="Straight Connector 21">
+            <a:extLst>
+              <a:ext uri="{FF2B5EF4-FFF2-40B4-BE49-F238E27FC236}">
+                <a16:creationId xmlns:a16="http://schemas.microsoft.com/office/drawing/2014/main" id="{CF4312E4-A6C2-A99F-A49C-758C030D626C}"/>
+              </a:ext>
+            </a:extLst>
+          </p:cNvPr>
+          <p:cNvCxnSpPr>
+            <a:cxnSpLocks/>
+          </p:cNvCxnSpPr>
+          <p:nvPr/>
+        </p:nvCxnSpPr>
+        <p:spPr>
+          <a:xfrm>
+            <a:off x="1790007" y="3945771"/>
+            <a:ext cx="0" cy="349353"/>
+          </a:xfrm>
+          <a:prstGeom prst="line">
+            <a:avLst/>
+          </a:prstGeom>
+          <a:ln w="19050">
+            <a:solidFill>
+              <a:schemeClr val="accent1"/>
+            </a:solidFill>
+            <a:tailEnd type="triangle"/>
+          </a:ln>
+        </p:spPr>
+        <p:style>
+          <a:lnRef idx="1">
+            <a:schemeClr val="accent1"/>
+          </a:lnRef>
+          <a:fillRef idx="0">
+            <a:schemeClr val="accent1"/>
+          </a:fillRef>
+          <a:effectRef idx="0">
+            <a:schemeClr val="accent1"/>
+          </a:effectRef>
+          <a:fontRef idx="minor">
+            <a:schemeClr val="tx1"/>
+          </a:fontRef>
+        </p:style>
+      </p:cxnSp>
+      <p:cxnSp>
+        <p:nvCxnSpPr>
+          <p:cNvPr id="25" name="Straight Connector 24">
+            <a:extLst>
+              <a:ext uri="{FF2B5EF4-FFF2-40B4-BE49-F238E27FC236}">
+                <a16:creationId xmlns:a16="http://schemas.microsoft.com/office/drawing/2014/main" id="{348E543F-8175-4E87-9961-D443C0497EBA}"/>
+              </a:ext>
+            </a:extLst>
+          </p:cNvPr>
+          <p:cNvCxnSpPr>
+            <a:cxnSpLocks/>
+          </p:cNvCxnSpPr>
+          <p:nvPr/>
+        </p:nvCxnSpPr>
+        <p:spPr>
+          <a:xfrm>
+            <a:off x="11612880" y="3987122"/>
+            <a:ext cx="0" cy="349353"/>
+          </a:xfrm>
+          <a:prstGeom prst="line">
+            <a:avLst/>
+          </a:prstGeom>
+          <a:ln w="19050">
+            <a:solidFill>
+              <a:schemeClr val="accent1"/>
+            </a:solidFill>
+            <a:tailEnd type="triangle"/>
+          </a:ln>
+        </p:spPr>
+        <p:style>
+          <a:lnRef idx="1">
+            <a:schemeClr val="accent1"/>
+          </a:lnRef>
+          <a:fillRef idx="0">
+            <a:schemeClr val="accent1"/>
+          </a:fillRef>
+          <a:effectRef idx="0">
+            <a:schemeClr val="accent1"/>
+          </a:effectRef>
+          <a:fontRef idx="minor">
+            <a:schemeClr val="tx1"/>
+          </a:fontRef>
+        </p:style>
+      </p:cxnSp>
+      <p:cxnSp>
+        <p:nvCxnSpPr>
+          <p:cNvPr id="26" name="Straight Connector 25">
+            <a:extLst>
+              <a:ext uri="{FF2B5EF4-FFF2-40B4-BE49-F238E27FC236}">
+                <a16:creationId xmlns:a16="http://schemas.microsoft.com/office/drawing/2014/main" id="{9C82ABB2-A1D1-5DBF-CEE1-86D3F8FF02B8}"/>
+              </a:ext>
+            </a:extLst>
+          </p:cNvPr>
+          <p:cNvCxnSpPr>
+            <a:cxnSpLocks/>
+            <a:stCxn id="5" idx="0"/>
+          </p:cNvCxnSpPr>
+          <p:nvPr/>
+        </p:nvCxnSpPr>
+        <p:spPr>
+          <a:xfrm flipV="1">
+            <a:off x="4404240" y="3987122"/>
+            <a:ext cx="0" cy="1549587"/>
+          </a:xfrm>
+          <a:prstGeom prst="line">
+            <a:avLst/>
+          </a:prstGeom>
+          <a:ln w="19050">
+            <a:solidFill>
+              <a:schemeClr val="accent1"/>
+            </a:solidFill>
+            <a:tailEnd type="none"/>
+          </a:ln>
+        </p:spPr>
+        <p:style>
+          <a:lnRef idx="1">
+            <a:schemeClr val="accent1"/>
+          </a:lnRef>
+          <a:fillRef idx="0">
+            <a:schemeClr val="accent1"/>
+          </a:fillRef>
+          <a:effectRef idx="0">
+            <a:schemeClr val="accent1"/>
+          </a:effectRef>
+          <a:fontRef idx="minor">
+            <a:schemeClr val="tx1"/>
+          </a:fontRef>
+        </p:style>
+      </p:cxnSp>
+      <p:cxnSp>
+        <p:nvCxnSpPr>
+          <p:cNvPr id="29" name="Straight Connector 28">
+            <a:extLst>
+              <a:ext uri="{FF2B5EF4-FFF2-40B4-BE49-F238E27FC236}">
+                <a16:creationId xmlns:a16="http://schemas.microsoft.com/office/drawing/2014/main" id="{4866CD7E-2D66-5C71-8CDD-06786BB045DE}"/>
+              </a:ext>
+            </a:extLst>
+          </p:cNvPr>
+          <p:cNvCxnSpPr>
+            <a:cxnSpLocks/>
+          </p:cNvCxnSpPr>
+          <p:nvPr/>
+        </p:nvCxnSpPr>
+        <p:spPr>
+          <a:xfrm flipV="1">
+            <a:off x="1790007" y="2394994"/>
+            <a:ext cx="0" cy="1550777"/>
+          </a:xfrm>
+          <a:prstGeom prst="line">
+            <a:avLst/>
+          </a:prstGeom>
+          <a:ln w="19050">
+            <a:solidFill>
+              <a:schemeClr val="accent1"/>
+            </a:solidFill>
+            <a:tailEnd type="triangle"/>
+          </a:ln>
+        </p:spPr>
+        <p:style>
+          <a:lnRef idx="1">
+            <a:schemeClr val="accent1"/>
+          </a:lnRef>
+          <a:fillRef idx="0">
+            <a:schemeClr val="accent1"/>
+          </a:fillRef>
+          <a:effectRef idx="0">
+            <a:schemeClr val="accent1"/>
+          </a:effectRef>
+          <a:fontRef idx="minor">
+            <a:schemeClr val="tx1"/>
+          </a:fontRef>
+        </p:style>
+      </p:cxnSp>
+      <p:cxnSp>
+        <p:nvCxnSpPr>
+          <p:cNvPr id="32" name="Straight Connector 31">
+            <a:extLst>
+              <a:ext uri="{FF2B5EF4-FFF2-40B4-BE49-F238E27FC236}">
+                <a16:creationId xmlns:a16="http://schemas.microsoft.com/office/drawing/2014/main" id="{95BC78BF-A0E4-4286-6C8B-58ADD2AF41AA}"/>
+              </a:ext>
+            </a:extLst>
+          </p:cNvPr>
+          <p:cNvCxnSpPr>
+            <a:cxnSpLocks/>
+          </p:cNvCxnSpPr>
+          <p:nvPr/>
+        </p:nvCxnSpPr>
+        <p:spPr>
+          <a:xfrm flipH="1" flipV="1">
+            <a:off x="11558847" y="2360859"/>
+            <a:ext cx="47106" cy="1626263"/>
+          </a:xfrm>
+          <a:prstGeom prst="line">
+            <a:avLst/>
+          </a:prstGeom>
+          <a:ln w="19050">
+            <a:solidFill>
+              <a:schemeClr val="accent1"/>
+            </a:solidFill>
+            <a:tailEnd type="triangle"/>
+          </a:ln>
+        </p:spPr>
+        <p:style>
+          <a:lnRef idx="1">
+            <a:schemeClr val="accent1"/>
+          </a:lnRef>
+          <a:fillRef idx="0">
+            <a:schemeClr val="accent1"/>
+          </a:fillRef>
+          <a:effectRef idx="0">
+            <a:schemeClr val="accent1"/>
+          </a:effectRef>
+          <a:fontRef idx="minor">
+            <a:schemeClr val="tx1"/>
+          </a:fontRef>
+        </p:style>
+      </p:cxnSp>
+      <p:cxnSp>
+        <p:nvCxnSpPr>
+          <p:cNvPr id="33" name="Straight Connector 32">
+            <a:extLst>
+              <a:ext uri="{FF2B5EF4-FFF2-40B4-BE49-F238E27FC236}">
+                <a16:creationId xmlns:a16="http://schemas.microsoft.com/office/drawing/2014/main" id="{2E639F16-021F-6A3B-4FBC-5D0462ABC9C7}"/>
+              </a:ext>
+            </a:extLst>
+          </p:cNvPr>
+          <p:cNvCxnSpPr>
+            <a:cxnSpLocks/>
+          </p:cNvCxnSpPr>
+          <p:nvPr/>
+        </p:nvCxnSpPr>
+        <p:spPr>
+          <a:xfrm flipV="1">
+            <a:off x="9700954" y="2360859"/>
+            <a:ext cx="0" cy="1626263"/>
+          </a:xfrm>
+          <a:prstGeom prst="line">
+            <a:avLst/>
+          </a:prstGeom>
+          <a:ln w="19050">
+            <a:solidFill>
+              <a:schemeClr val="accent1"/>
+            </a:solidFill>
+            <a:tailEnd type="triangle"/>
+          </a:ln>
+        </p:spPr>
+        <p:style>
+          <a:lnRef idx="1">
+            <a:schemeClr val="accent1"/>
+          </a:lnRef>
+          <a:fillRef idx="0">
+            <a:schemeClr val="accent1"/>
+          </a:fillRef>
+          <a:effectRef idx="0">
+            <a:schemeClr val="accent1"/>
+          </a:effectRef>
+          <a:fontRef idx="minor">
+            <a:schemeClr val="tx1"/>
+          </a:fontRef>
+        </p:style>
+      </p:cxnSp>
+      <p:cxnSp>
+        <p:nvCxnSpPr>
+          <p:cNvPr id="36" name="Straight Connector 35">
+            <a:extLst>
+              <a:ext uri="{FF2B5EF4-FFF2-40B4-BE49-F238E27FC236}">
+                <a16:creationId xmlns:a16="http://schemas.microsoft.com/office/drawing/2014/main" id="{CCCFB714-AEBF-837A-53F2-BD83D59B23A1}"/>
+              </a:ext>
+            </a:extLst>
+          </p:cNvPr>
+          <p:cNvCxnSpPr>
+            <a:cxnSpLocks/>
+          </p:cNvCxnSpPr>
+          <p:nvPr/>
+        </p:nvCxnSpPr>
+        <p:spPr>
+          <a:xfrm flipV="1">
+            <a:off x="7697587" y="2360859"/>
+            <a:ext cx="0" cy="1626263"/>
+          </a:xfrm>
+          <a:prstGeom prst="line">
+            <a:avLst/>
+          </a:prstGeom>
+          <a:ln w="19050">
+            <a:solidFill>
+              <a:schemeClr val="accent1"/>
+            </a:solidFill>
+            <a:tailEnd type="triangle"/>
+          </a:ln>
+        </p:spPr>
+        <p:style>
+          <a:lnRef idx="1">
+            <a:schemeClr val="accent1"/>
+          </a:lnRef>
+          <a:fillRef idx="0">
+            <a:schemeClr val="accent1"/>
+          </a:fillRef>
+          <a:effectRef idx="0">
+            <a:schemeClr val="accent1"/>
+          </a:effectRef>
+          <a:fontRef idx="minor">
+            <a:schemeClr val="tx1"/>
+          </a:fontRef>
+        </p:style>
+      </p:cxnSp>
+      <p:cxnSp>
+        <p:nvCxnSpPr>
+          <p:cNvPr id="37" name="Straight Connector 36">
+            <a:extLst>
+              <a:ext uri="{FF2B5EF4-FFF2-40B4-BE49-F238E27FC236}">
+                <a16:creationId xmlns:a16="http://schemas.microsoft.com/office/drawing/2014/main" id="{A0B36884-7468-A7E0-65A3-A9211FBDF344}"/>
+              </a:ext>
+            </a:extLst>
+          </p:cNvPr>
+          <p:cNvCxnSpPr>
+            <a:cxnSpLocks/>
+          </p:cNvCxnSpPr>
+          <p:nvPr/>
+        </p:nvCxnSpPr>
+        <p:spPr>
+          <a:xfrm flipV="1">
+            <a:off x="5533507" y="2360859"/>
+            <a:ext cx="0" cy="1626263"/>
+          </a:xfrm>
+          <a:prstGeom prst="line">
+            <a:avLst/>
+          </a:prstGeom>
+          <a:ln w="19050">
+            <a:solidFill>
+              <a:schemeClr val="accent1"/>
+            </a:solidFill>
+            <a:tailEnd type="triangle"/>
+          </a:ln>
+        </p:spPr>
+        <p:style>
+          <a:lnRef idx="1">
+            <a:schemeClr val="accent1"/>
+          </a:lnRef>
+          <a:fillRef idx="0">
+            <a:schemeClr val="accent1"/>
+          </a:fillRef>
+          <a:effectRef idx="0">
+            <a:schemeClr val="accent1"/>
+          </a:effectRef>
+          <a:fontRef idx="minor">
+            <a:schemeClr val="tx1"/>
+          </a:fontRef>
+        </p:style>
+      </p:cxnSp>
+      <p:cxnSp>
+        <p:nvCxnSpPr>
+          <p:cNvPr id="38" name="Straight Connector 37">
+            <a:extLst>
+              <a:ext uri="{FF2B5EF4-FFF2-40B4-BE49-F238E27FC236}">
+                <a16:creationId xmlns:a16="http://schemas.microsoft.com/office/drawing/2014/main" id="{5CD146D8-6FBF-807D-7DB6-AFB4CCCF6780}"/>
+              </a:ext>
+            </a:extLst>
+          </p:cNvPr>
+          <p:cNvCxnSpPr>
+            <a:cxnSpLocks/>
+          </p:cNvCxnSpPr>
+          <p:nvPr/>
+        </p:nvCxnSpPr>
+        <p:spPr>
+          <a:xfrm>
+            <a:off x="1995053" y="3616683"/>
+            <a:ext cx="9336579" cy="62435"/>
+          </a:xfrm>
+          <a:prstGeom prst="line">
+            <a:avLst/>
+          </a:prstGeom>
+          <a:ln w="19050">
+            <a:solidFill>
+              <a:schemeClr val="accent2"/>
+            </a:solidFill>
+          </a:ln>
+        </p:spPr>
+        <p:style>
+          <a:lnRef idx="1">
+            <a:schemeClr val="accent1"/>
+          </a:lnRef>
+          <a:fillRef idx="0">
+            <a:schemeClr val="accent1"/>
+          </a:fillRef>
+          <a:effectRef idx="0">
+            <a:schemeClr val="accent1"/>
+          </a:effectRef>
+          <a:fontRef idx="minor">
+            <a:schemeClr val="tx1"/>
+          </a:fontRef>
+        </p:style>
+      </p:cxnSp>
+      <p:cxnSp>
+        <p:nvCxnSpPr>
+          <p:cNvPr id="40" name="Straight Connector 39">
+            <a:extLst>
+              <a:ext uri="{FF2B5EF4-FFF2-40B4-BE49-F238E27FC236}">
+                <a16:creationId xmlns:a16="http://schemas.microsoft.com/office/drawing/2014/main" id="{B7BC23A8-D0F6-E440-0D62-E59C8DD09EF4}"/>
+              </a:ext>
+            </a:extLst>
+          </p:cNvPr>
+          <p:cNvCxnSpPr>
+            <a:cxnSpLocks/>
+          </p:cNvCxnSpPr>
+          <p:nvPr/>
+        </p:nvCxnSpPr>
+        <p:spPr>
+          <a:xfrm flipV="1">
+            <a:off x="1995053" y="2360859"/>
+            <a:ext cx="0" cy="1287041"/>
+          </a:xfrm>
+          <a:prstGeom prst="line">
+            <a:avLst/>
+          </a:prstGeom>
+          <a:ln w="19050">
+            <a:solidFill>
+              <a:schemeClr val="accent2"/>
+            </a:solidFill>
+            <a:tailEnd type="triangle"/>
+          </a:ln>
+        </p:spPr>
+        <p:style>
+          <a:lnRef idx="1">
+            <a:schemeClr val="accent1"/>
+          </a:lnRef>
+          <a:fillRef idx="0">
+            <a:schemeClr val="accent1"/>
+          </a:fillRef>
+          <a:effectRef idx="0">
+            <a:schemeClr val="accent1"/>
+          </a:effectRef>
+          <a:fontRef idx="minor">
+            <a:schemeClr val="tx1"/>
+          </a:fontRef>
+        </p:style>
+      </p:cxnSp>
+      <p:cxnSp>
+        <p:nvCxnSpPr>
+          <p:cNvPr id="42" name="Straight Connector 41">
+            <a:extLst>
+              <a:ext uri="{FF2B5EF4-FFF2-40B4-BE49-F238E27FC236}">
+                <a16:creationId xmlns:a16="http://schemas.microsoft.com/office/drawing/2014/main" id="{1A7314B7-3D8B-DC71-3E73-D36CB8E0A023}"/>
+              </a:ext>
+            </a:extLst>
+          </p:cNvPr>
+          <p:cNvCxnSpPr>
+            <a:cxnSpLocks/>
+          </p:cNvCxnSpPr>
+          <p:nvPr/>
+        </p:nvCxnSpPr>
+        <p:spPr>
+          <a:xfrm>
+            <a:off x="1995053" y="3616683"/>
+            <a:ext cx="0" cy="678441"/>
+          </a:xfrm>
+          <a:prstGeom prst="line">
+            <a:avLst/>
+          </a:prstGeom>
+          <a:ln w="19050">
+            <a:solidFill>
+              <a:schemeClr val="accent2"/>
+            </a:solidFill>
+            <a:tailEnd type="triangle"/>
+          </a:ln>
+        </p:spPr>
+        <p:style>
+          <a:lnRef idx="1">
+            <a:schemeClr val="accent1"/>
+          </a:lnRef>
+          <a:fillRef idx="0">
+            <a:schemeClr val="accent1"/>
+          </a:fillRef>
+          <a:effectRef idx="0">
+            <a:schemeClr val="accent1"/>
+          </a:effectRef>
+          <a:fontRef idx="minor">
+            <a:schemeClr val="tx1"/>
+          </a:fontRef>
+        </p:style>
+      </p:cxnSp>
+      <p:cxnSp>
+        <p:nvCxnSpPr>
+          <p:cNvPr id="45" name="Straight Connector 44">
+            <a:extLst>
+              <a:ext uri="{FF2B5EF4-FFF2-40B4-BE49-F238E27FC236}">
+                <a16:creationId xmlns:a16="http://schemas.microsoft.com/office/drawing/2014/main" id="{78BAF0BF-5D7F-1AA8-A1C1-5A4979DFB3E5}"/>
+              </a:ext>
+            </a:extLst>
+          </p:cNvPr>
+          <p:cNvCxnSpPr>
+            <a:cxnSpLocks/>
+            <a:stCxn id="7" idx="0"/>
+          </p:cNvCxnSpPr>
+          <p:nvPr/>
+        </p:nvCxnSpPr>
+        <p:spPr>
+          <a:xfrm flipH="1" flipV="1">
+            <a:off x="6890182" y="3647900"/>
+            <a:ext cx="9381" cy="1888808"/>
+          </a:xfrm>
+          <a:prstGeom prst="line">
+            <a:avLst/>
+          </a:prstGeom>
+          <a:ln w="19050">
+            <a:solidFill>
+              <a:schemeClr val="accent2"/>
+            </a:solidFill>
+            <a:tailEnd type="none"/>
+          </a:ln>
+        </p:spPr>
+        <p:style>
+          <a:lnRef idx="1">
+            <a:schemeClr val="accent1"/>
+          </a:lnRef>
+          <a:fillRef idx="0">
+            <a:schemeClr val="accent1"/>
+          </a:fillRef>
+          <a:effectRef idx="0">
+            <a:schemeClr val="accent1"/>
+          </a:effectRef>
+          <a:fontRef idx="minor">
+            <a:schemeClr val="tx1"/>
+          </a:fontRef>
+        </p:style>
+      </p:cxnSp>
+      <p:cxnSp>
+        <p:nvCxnSpPr>
+          <p:cNvPr id="48" name="Straight Connector 47">
+            <a:extLst>
+              <a:ext uri="{FF2B5EF4-FFF2-40B4-BE49-F238E27FC236}">
+                <a16:creationId xmlns:a16="http://schemas.microsoft.com/office/drawing/2014/main" id="{2CB447D4-587D-1C9A-5C3A-E1E2681ECD5F}"/>
+              </a:ext>
+            </a:extLst>
+          </p:cNvPr>
+          <p:cNvCxnSpPr>
+            <a:cxnSpLocks/>
+          </p:cNvCxnSpPr>
+          <p:nvPr/>
+        </p:nvCxnSpPr>
+        <p:spPr>
+          <a:xfrm>
+            <a:off x="11331632" y="3679118"/>
+            <a:ext cx="0" cy="678031"/>
+          </a:xfrm>
+          <a:prstGeom prst="line">
+            <a:avLst/>
+          </a:prstGeom>
+          <a:ln w="19050">
+            <a:solidFill>
+              <a:schemeClr val="accent2"/>
+            </a:solidFill>
+            <a:tailEnd type="triangle"/>
+          </a:ln>
+        </p:spPr>
+        <p:style>
+          <a:lnRef idx="1">
+            <a:schemeClr val="accent1"/>
+          </a:lnRef>
+          <a:fillRef idx="0">
+            <a:schemeClr val="accent1"/>
+          </a:fillRef>
+          <a:effectRef idx="0">
+            <a:schemeClr val="accent1"/>
+          </a:effectRef>
+          <a:fontRef idx="minor">
+            <a:schemeClr val="tx1"/>
+          </a:fontRef>
+        </p:style>
+      </p:cxnSp>
+      <p:cxnSp>
+        <p:nvCxnSpPr>
+          <p:cNvPr id="53" name="Straight Connector 52">
+            <a:extLst>
+              <a:ext uri="{FF2B5EF4-FFF2-40B4-BE49-F238E27FC236}">
+                <a16:creationId xmlns:a16="http://schemas.microsoft.com/office/drawing/2014/main" id="{2AD38C7F-A95B-9722-3EB2-F0EFB4774481}"/>
+              </a:ext>
+            </a:extLst>
+          </p:cNvPr>
+          <p:cNvCxnSpPr>
+            <a:cxnSpLocks/>
+          </p:cNvCxnSpPr>
+          <p:nvPr/>
+        </p:nvCxnSpPr>
+        <p:spPr>
+          <a:xfrm flipV="1">
+            <a:off x="11331632" y="2360859"/>
+            <a:ext cx="0" cy="1318259"/>
+          </a:xfrm>
+          <a:prstGeom prst="line">
+            <a:avLst/>
+          </a:prstGeom>
+          <a:ln w="19050">
+            <a:solidFill>
+              <a:schemeClr val="accent2"/>
+            </a:solidFill>
+            <a:tailEnd type="triangle"/>
+          </a:ln>
+        </p:spPr>
+        <p:style>
+          <a:lnRef idx="1">
+            <a:schemeClr val="accent1"/>
+          </a:lnRef>
+          <a:fillRef idx="0">
+            <a:schemeClr val="accent1"/>
+          </a:fillRef>
+          <a:effectRef idx="0">
+            <a:schemeClr val="accent1"/>
+          </a:effectRef>
+          <a:fontRef idx="minor">
+            <a:schemeClr val="tx1"/>
+          </a:fontRef>
+        </p:style>
+      </p:cxnSp>
+      <p:cxnSp>
+        <p:nvCxnSpPr>
+          <p:cNvPr id="57" name="Straight Connector 56">
+            <a:extLst>
+              <a:ext uri="{FF2B5EF4-FFF2-40B4-BE49-F238E27FC236}">
+                <a16:creationId xmlns:a16="http://schemas.microsoft.com/office/drawing/2014/main" id="{5EC8C89E-F09D-F837-779F-9BF3E060EEAD}"/>
+              </a:ext>
+            </a:extLst>
+          </p:cNvPr>
+          <p:cNvCxnSpPr>
+            <a:cxnSpLocks/>
+          </p:cNvCxnSpPr>
+          <p:nvPr/>
+        </p:nvCxnSpPr>
+        <p:spPr>
+          <a:xfrm flipV="1">
+            <a:off x="7419109" y="2360859"/>
+            <a:ext cx="0" cy="1333612"/>
+          </a:xfrm>
+          <a:prstGeom prst="line">
+            <a:avLst/>
+          </a:prstGeom>
+          <a:ln w="19050">
+            <a:solidFill>
+              <a:schemeClr val="accent2"/>
+            </a:solidFill>
+            <a:tailEnd type="triangle"/>
+          </a:ln>
+        </p:spPr>
+        <p:style>
+          <a:lnRef idx="1">
+            <a:schemeClr val="accent1"/>
+          </a:lnRef>
+          <a:fillRef idx="0">
+            <a:schemeClr val="accent1"/>
+          </a:fillRef>
+          <a:effectRef idx="0">
+            <a:schemeClr val="accent1"/>
+          </a:effectRef>
+          <a:fontRef idx="minor">
+            <a:schemeClr val="tx1"/>
+          </a:fontRef>
+        </p:style>
+      </p:cxnSp>
+      <p:cxnSp>
+        <p:nvCxnSpPr>
+          <p:cNvPr id="58" name="Straight Connector 57">
+            <a:extLst>
+              <a:ext uri="{FF2B5EF4-FFF2-40B4-BE49-F238E27FC236}">
+                <a16:creationId xmlns:a16="http://schemas.microsoft.com/office/drawing/2014/main" id="{1EF39D1B-B36C-621E-C8B7-B70DE37DD1C9}"/>
+              </a:ext>
+            </a:extLst>
+          </p:cNvPr>
+          <p:cNvCxnSpPr>
+            <a:cxnSpLocks/>
+          </p:cNvCxnSpPr>
+          <p:nvPr/>
+        </p:nvCxnSpPr>
+        <p:spPr>
+          <a:xfrm flipV="1">
+            <a:off x="5191299" y="2360859"/>
+            <a:ext cx="0" cy="1333611"/>
+          </a:xfrm>
+          <a:prstGeom prst="line">
+            <a:avLst/>
+          </a:prstGeom>
+          <a:ln w="19050">
+            <a:solidFill>
+              <a:schemeClr val="accent2"/>
+            </a:solidFill>
+            <a:tailEnd type="triangle"/>
+          </a:ln>
+        </p:spPr>
+        <p:style>
+          <a:lnRef idx="1">
+            <a:schemeClr val="accent1"/>
+          </a:lnRef>
+          <a:fillRef idx="0">
+            <a:schemeClr val="accent1"/>
+          </a:fillRef>
+          <a:effectRef idx="0">
+            <a:schemeClr val="accent1"/>
+          </a:effectRef>
+          <a:fontRef idx="minor">
+            <a:schemeClr val="tx1"/>
+          </a:fontRef>
+        </p:style>
+      </p:cxnSp>
+      <p:cxnSp>
+        <p:nvCxnSpPr>
+          <p:cNvPr id="59" name="Straight Connector 58">
+            <a:extLst>
+              <a:ext uri="{FF2B5EF4-FFF2-40B4-BE49-F238E27FC236}">
+                <a16:creationId xmlns:a16="http://schemas.microsoft.com/office/drawing/2014/main" id="{232800C7-969F-1806-862D-2AFF6CE99925}"/>
+              </a:ext>
+            </a:extLst>
+          </p:cNvPr>
+          <p:cNvCxnSpPr>
+            <a:cxnSpLocks/>
+            <a:stCxn id="8" idx="1"/>
+            <a:endCxn id="7" idx="3"/>
+          </p:cNvCxnSpPr>
+          <p:nvPr/>
+        </p:nvCxnSpPr>
+        <p:spPr>
+          <a:xfrm flipH="1">
+            <a:off x="7768876" y="6024171"/>
+            <a:ext cx="636042" cy="1"/>
+          </a:xfrm>
+          <a:prstGeom prst="line">
+            <a:avLst/>
+          </a:prstGeom>
+          <a:ln w="19050">
+            <a:solidFill>
+              <a:schemeClr val="accent2"/>
+            </a:solidFill>
+            <a:tailEnd type="triangle"/>
+          </a:ln>
+        </p:spPr>
+        <p:style>
+          <a:lnRef idx="1">
+            <a:schemeClr val="accent1"/>
+          </a:lnRef>
+          <a:fillRef idx="0">
+            <a:schemeClr val="accent1"/>
+          </a:fillRef>
+          <a:effectRef idx="0">
+            <a:schemeClr val="accent1"/>
+          </a:effectRef>
+          <a:fontRef idx="minor">
+            <a:schemeClr val="tx1"/>
+          </a:fontRef>
+        </p:style>
+      </p:cxnSp>
+      <p:cxnSp>
+        <p:nvCxnSpPr>
+          <p:cNvPr id="62" name="Straight Connector 61">
+            <a:extLst>
+              <a:ext uri="{FF2B5EF4-FFF2-40B4-BE49-F238E27FC236}">
+                <a16:creationId xmlns:a16="http://schemas.microsoft.com/office/drawing/2014/main" id="{BCB8E056-DC8C-68B8-53C4-730EF45B56A5}"/>
+              </a:ext>
+            </a:extLst>
+          </p:cNvPr>
+          <p:cNvCxnSpPr>
+            <a:cxnSpLocks/>
+          </p:cNvCxnSpPr>
+          <p:nvPr/>
+        </p:nvCxnSpPr>
+        <p:spPr>
+          <a:xfrm>
+            <a:off x="2255519" y="3349410"/>
+            <a:ext cx="8783782" cy="61378"/>
+          </a:xfrm>
+          <a:prstGeom prst="line">
+            <a:avLst/>
+          </a:prstGeom>
+          <a:ln w="19050">
+            <a:solidFill>
+              <a:srgbClr val="C00000"/>
+            </a:solidFill>
+          </a:ln>
+        </p:spPr>
+        <p:style>
+          <a:lnRef idx="1">
+            <a:schemeClr val="accent1"/>
+          </a:lnRef>
+          <a:fillRef idx="0">
+            <a:schemeClr val="accent1"/>
+          </a:fillRef>
+          <a:effectRef idx="0">
+            <a:schemeClr val="accent1"/>
+          </a:effectRef>
+          <a:fontRef idx="minor">
+            <a:schemeClr val="tx1"/>
+          </a:fontRef>
+        </p:style>
+      </p:cxnSp>
+      <p:cxnSp>
+        <p:nvCxnSpPr>
+          <p:cNvPr id="64" name="Straight Connector 63">
+            <a:extLst>
+              <a:ext uri="{FF2B5EF4-FFF2-40B4-BE49-F238E27FC236}">
+                <a16:creationId xmlns:a16="http://schemas.microsoft.com/office/drawing/2014/main" id="{68A21FEF-607F-FE2A-8AFE-863FC850EF45}"/>
+              </a:ext>
+            </a:extLst>
+          </p:cNvPr>
+          <p:cNvCxnSpPr>
+            <a:cxnSpLocks/>
+          </p:cNvCxnSpPr>
+          <p:nvPr/>
+        </p:nvCxnSpPr>
+        <p:spPr>
+          <a:xfrm flipH="1" flipV="1">
+            <a:off x="9232668" y="3410788"/>
+            <a:ext cx="41563" cy="2120762"/>
+          </a:xfrm>
+          <a:prstGeom prst="line">
+            <a:avLst/>
+          </a:prstGeom>
+          <a:ln w="19050">
+            <a:solidFill>
+              <a:srgbClr val="C00000"/>
+            </a:solidFill>
+            <a:tailEnd type="none"/>
+          </a:ln>
+        </p:spPr>
+        <p:style>
+          <a:lnRef idx="1">
+            <a:schemeClr val="accent1"/>
+          </a:lnRef>
+          <a:fillRef idx="0">
+            <a:schemeClr val="accent1"/>
+          </a:fillRef>
+          <a:effectRef idx="0">
+            <a:schemeClr val="accent1"/>
+          </a:effectRef>
+          <a:fontRef idx="minor">
+            <a:schemeClr val="tx1"/>
+          </a:fontRef>
+        </p:style>
+      </p:cxnSp>
+      <p:cxnSp>
+        <p:nvCxnSpPr>
+          <p:cNvPr id="66" name="Straight Connector 65">
+            <a:extLst>
+              <a:ext uri="{FF2B5EF4-FFF2-40B4-BE49-F238E27FC236}">
+                <a16:creationId xmlns:a16="http://schemas.microsoft.com/office/drawing/2014/main" id="{34ED33F5-4C4B-20F8-0025-AE7D7EC6B8CE}"/>
+              </a:ext>
+            </a:extLst>
+          </p:cNvPr>
+          <p:cNvCxnSpPr>
+            <a:cxnSpLocks/>
+          </p:cNvCxnSpPr>
+          <p:nvPr/>
+        </p:nvCxnSpPr>
+        <p:spPr>
+          <a:xfrm>
+            <a:off x="9191859" y="5010669"/>
+            <a:ext cx="1018190" cy="1"/>
+          </a:xfrm>
+          <a:prstGeom prst="line">
+            <a:avLst/>
+          </a:prstGeom>
+          <a:ln w="19050">
+            <a:solidFill>
+              <a:srgbClr val="C00000"/>
+            </a:solidFill>
+            <a:tailEnd type="triangle"/>
+          </a:ln>
+        </p:spPr>
+        <p:style>
+          <a:lnRef idx="1">
+            <a:schemeClr val="accent1"/>
+          </a:lnRef>
+          <a:fillRef idx="0">
+            <a:schemeClr val="accent1"/>
+          </a:fillRef>
+          <a:effectRef idx="0">
+            <a:schemeClr val="accent1"/>
+          </a:effectRef>
+          <a:fontRef idx="minor">
+            <a:schemeClr val="tx1"/>
+          </a:fontRef>
+        </p:style>
+      </p:cxnSp>
+      <p:cxnSp>
+        <p:nvCxnSpPr>
+          <p:cNvPr id="70" name="Straight Connector 69">
+            <a:extLst>
+              <a:ext uri="{FF2B5EF4-FFF2-40B4-BE49-F238E27FC236}">
+                <a16:creationId xmlns:a16="http://schemas.microsoft.com/office/drawing/2014/main" id="{7F563E98-9F10-86B5-7A38-A4DC3F8D226F}"/>
+              </a:ext>
+            </a:extLst>
+          </p:cNvPr>
+          <p:cNvCxnSpPr>
+            <a:cxnSpLocks/>
+          </p:cNvCxnSpPr>
+          <p:nvPr/>
+        </p:nvCxnSpPr>
+        <p:spPr>
+          <a:xfrm flipH="1" flipV="1">
+            <a:off x="3514144" y="4964212"/>
+            <a:ext cx="5739305" cy="46458"/>
+          </a:xfrm>
+          <a:prstGeom prst="line">
+            <a:avLst/>
+          </a:prstGeom>
+          <a:ln w="19050">
+            <a:solidFill>
+              <a:srgbClr val="C00000"/>
+            </a:solidFill>
+            <a:tailEnd type="triangle"/>
+          </a:ln>
+        </p:spPr>
+        <p:style>
+          <a:lnRef idx="1">
+            <a:schemeClr val="accent1"/>
+          </a:lnRef>
+          <a:fillRef idx="0">
+            <a:schemeClr val="accent1"/>
+          </a:fillRef>
+          <a:effectRef idx="0">
+            <a:schemeClr val="accent1"/>
+          </a:effectRef>
+          <a:fontRef idx="minor">
+            <a:schemeClr val="tx1"/>
+          </a:fontRef>
+        </p:style>
+      </p:cxnSp>
+      <p:cxnSp>
+        <p:nvCxnSpPr>
+          <p:cNvPr id="73" name="Straight Connector 72">
+            <a:extLst>
+              <a:ext uri="{FF2B5EF4-FFF2-40B4-BE49-F238E27FC236}">
+                <a16:creationId xmlns:a16="http://schemas.microsoft.com/office/drawing/2014/main" id="{E10D1E9E-17F4-D241-B88B-E1207EF8167E}"/>
+              </a:ext>
+            </a:extLst>
+          </p:cNvPr>
+          <p:cNvCxnSpPr>
+            <a:cxnSpLocks/>
+          </p:cNvCxnSpPr>
+          <p:nvPr/>
+        </p:nvCxnSpPr>
+        <p:spPr>
+          <a:xfrm flipV="1">
+            <a:off x="11025447" y="2360859"/>
+            <a:ext cx="0" cy="1049929"/>
+          </a:xfrm>
+          <a:prstGeom prst="line">
+            <a:avLst/>
+          </a:prstGeom>
+          <a:ln w="19050">
+            <a:solidFill>
+              <a:srgbClr val="C00000"/>
+            </a:solidFill>
+            <a:tailEnd type="triangle"/>
+          </a:ln>
+        </p:spPr>
+        <p:style>
+          <a:lnRef idx="1">
+            <a:schemeClr val="accent1"/>
+          </a:lnRef>
+          <a:fillRef idx="0">
+            <a:schemeClr val="accent1"/>
+          </a:fillRef>
+          <a:effectRef idx="0">
+            <a:schemeClr val="accent1"/>
+          </a:effectRef>
+          <a:fontRef idx="minor">
+            <a:schemeClr val="tx1"/>
+          </a:fontRef>
+        </p:style>
+      </p:cxnSp>
+      <p:cxnSp>
+        <p:nvCxnSpPr>
+          <p:cNvPr id="75" name="Straight Connector 74">
+            <a:extLst>
+              <a:ext uri="{FF2B5EF4-FFF2-40B4-BE49-F238E27FC236}">
+                <a16:creationId xmlns:a16="http://schemas.microsoft.com/office/drawing/2014/main" id="{B24D1D8D-40CC-4966-2F2D-A0F4F9F3F604}"/>
+              </a:ext>
+            </a:extLst>
+          </p:cNvPr>
+          <p:cNvCxnSpPr>
+            <a:cxnSpLocks/>
+            <a:endCxn id="11" idx="2"/>
+          </p:cNvCxnSpPr>
+          <p:nvPr/>
+        </p:nvCxnSpPr>
+        <p:spPr>
+          <a:xfrm flipH="1" flipV="1">
+            <a:off x="7006361" y="2360862"/>
+            <a:ext cx="26212" cy="1013795"/>
+          </a:xfrm>
+          <a:prstGeom prst="line">
+            <a:avLst/>
+          </a:prstGeom>
+          <a:ln w="19050">
+            <a:solidFill>
+              <a:srgbClr val="C00000"/>
+            </a:solidFill>
+            <a:tailEnd type="triangle"/>
+          </a:ln>
+        </p:spPr>
+        <p:style>
+          <a:lnRef idx="1">
+            <a:schemeClr val="accent1"/>
+          </a:lnRef>
+          <a:fillRef idx="0">
+            <a:schemeClr val="accent1"/>
+          </a:fillRef>
+          <a:effectRef idx="0">
+            <a:schemeClr val="accent1"/>
+          </a:effectRef>
+          <a:fontRef idx="minor">
+            <a:schemeClr val="tx1"/>
+          </a:fontRef>
+        </p:style>
+      </p:cxnSp>
+      <p:cxnSp>
+        <p:nvCxnSpPr>
+          <p:cNvPr id="76" name="Straight Connector 75">
+            <a:extLst>
+              <a:ext uri="{FF2B5EF4-FFF2-40B4-BE49-F238E27FC236}">
+                <a16:creationId xmlns:a16="http://schemas.microsoft.com/office/drawing/2014/main" id="{1FAB035D-F65C-5770-074C-7E06DD366086}"/>
+              </a:ext>
+            </a:extLst>
+          </p:cNvPr>
+          <p:cNvCxnSpPr>
+            <a:cxnSpLocks/>
+            <a:endCxn id="12" idx="2"/>
+          </p:cNvCxnSpPr>
+          <p:nvPr/>
+        </p:nvCxnSpPr>
+        <p:spPr>
+          <a:xfrm flipV="1">
+            <a:off x="4747530" y="2360859"/>
+            <a:ext cx="20311" cy="988548"/>
+          </a:xfrm>
+          <a:prstGeom prst="line">
+            <a:avLst/>
+          </a:prstGeom>
+          <a:ln w="19050">
+            <a:solidFill>
+              <a:srgbClr val="C00000"/>
+            </a:solidFill>
+            <a:tailEnd type="triangle"/>
+          </a:ln>
+        </p:spPr>
+        <p:style>
+          <a:lnRef idx="1">
+            <a:schemeClr val="accent1"/>
+          </a:lnRef>
+          <a:fillRef idx="0">
+            <a:schemeClr val="accent1"/>
+          </a:fillRef>
+          <a:effectRef idx="0">
+            <a:schemeClr val="accent1"/>
+          </a:effectRef>
+          <a:fontRef idx="minor">
+            <a:schemeClr val="tx1"/>
+          </a:fontRef>
+        </p:style>
+      </p:cxnSp>
+      <p:cxnSp>
+        <p:nvCxnSpPr>
+          <p:cNvPr id="77" name="Straight Connector 76">
+            <a:extLst>
+              <a:ext uri="{FF2B5EF4-FFF2-40B4-BE49-F238E27FC236}">
+                <a16:creationId xmlns:a16="http://schemas.microsoft.com/office/drawing/2014/main" id="{21D00F7A-84C3-3975-6C01-3FA99F66FA63}"/>
+              </a:ext>
+            </a:extLst>
+          </p:cNvPr>
+          <p:cNvCxnSpPr>
+            <a:cxnSpLocks/>
+          </p:cNvCxnSpPr>
+          <p:nvPr/>
+        </p:nvCxnSpPr>
+        <p:spPr>
+          <a:xfrm flipV="1">
+            <a:off x="2272144" y="2360859"/>
+            <a:ext cx="0" cy="1015402"/>
+          </a:xfrm>
+          <a:prstGeom prst="line">
+            <a:avLst/>
+          </a:prstGeom>
+          <a:ln w="19050">
+            <a:solidFill>
+              <a:srgbClr val="C00000"/>
+            </a:solidFill>
+            <a:tailEnd type="triangle"/>
+          </a:ln>
+        </p:spPr>
+        <p:style>
+          <a:lnRef idx="1">
+            <a:schemeClr val="accent1"/>
+          </a:lnRef>
+          <a:fillRef idx="0">
+            <a:schemeClr val="accent1"/>
+          </a:fillRef>
+          <a:effectRef idx="0">
+            <a:schemeClr val="accent1"/>
+          </a:effectRef>
+          <a:fontRef idx="minor">
+            <a:schemeClr val="tx1"/>
+          </a:fontRef>
+        </p:style>
+      </p:cxnSp>
+      <p:cxnSp>
+        <p:nvCxnSpPr>
+          <p:cNvPr id="96" name="Straight Connector 95">
+            <a:extLst>
+              <a:ext uri="{FF2B5EF4-FFF2-40B4-BE49-F238E27FC236}">
+                <a16:creationId xmlns:a16="http://schemas.microsoft.com/office/drawing/2014/main" id="{FE2AF664-E6A7-4C39-D2B3-80CDEC737773}"/>
+              </a:ext>
+            </a:extLst>
+          </p:cNvPr>
+          <p:cNvCxnSpPr>
+            <a:cxnSpLocks/>
+          </p:cNvCxnSpPr>
+          <p:nvPr/>
+        </p:nvCxnSpPr>
+        <p:spPr>
+          <a:xfrm flipH="1" flipV="1">
+            <a:off x="10773296" y="3027664"/>
+            <a:ext cx="8433" cy="1308811"/>
+          </a:xfrm>
+          <a:prstGeom prst="line">
+            <a:avLst/>
+          </a:prstGeom>
+          <a:ln w="19050">
+            <a:solidFill>
+              <a:schemeClr val="accent6"/>
+            </a:solidFill>
+            <a:tailEnd type="none"/>
+          </a:ln>
+        </p:spPr>
+        <p:style>
+          <a:lnRef idx="1">
+            <a:schemeClr val="accent1"/>
+          </a:lnRef>
+          <a:fillRef idx="0">
+            <a:schemeClr val="accent1"/>
+          </a:fillRef>
+          <a:effectRef idx="0">
+            <a:schemeClr val="accent1"/>
+          </a:effectRef>
+          <a:fontRef idx="minor">
+            <a:schemeClr val="tx1"/>
+          </a:fontRef>
+        </p:style>
+      </p:cxnSp>
+      <p:cxnSp>
+        <p:nvCxnSpPr>
+          <p:cNvPr id="99" name="Straight Connector 98">
+            <a:extLst>
+              <a:ext uri="{FF2B5EF4-FFF2-40B4-BE49-F238E27FC236}">
+                <a16:creationId xmlns:a16="http://schemas.microsoft.com/office/drawing/2014/main" id="{987D9015-CFA0-53E2-D048-34EFE52BAB8E}"/>
+              </a:ext>
+            </a:extLst>
+          </p:cNvPr>
+          <p:cNvCxnSpPr>
+            <a:cxnSpLocks/>
+          </p:cNvCxnSpPr>
+          <p:nvPr/>
+        </p:nvCxnSpPr>
+        <p:spPr>
+          <a:xfrm>
+            <a:off x="2576945" y="3004379"/>
+            <a:ext cx="8196351" cy="63080"/>
+          </a:xfrm>
+          <a:prstGeom prst="line">
+            <a:avLst/>
+          </a:prstGeom>
+          <a:ln w="19050">
+            <a:solidFill>
+              <a:schemeClr val="accent6"/>
+            </a:solidFill>
+          </a:ln>
+        </p:spPr>
+        <p:style>
+          <a:lnRef idx="1">
+            <a:schemeClr val="accent1"/>
+          </a:lnRef>
+          <a:fillRef idx="0">
+            <a:schemeClr val="accent1"/>
+          </a:fillRef>
+          <a:effectRef idx="0">
+            <a:schemeClr val="accent1"/>
+          </a:effectRef>
+          <a:fontRef idx="minor">
+            <a:schemeClr val="tx1"/>
+          </a:fontRef>
+        </p:style>
+      </p:cxnSp>
+      <p:cxnSp>
+        <p:nvCxnSpPr>
+          <p:cNvPr id="103" name="Straight Connector 102">
+            <a:extLst>
+              <a:ext uri="{FF2B5EF4-FFF2-40B4-BE49-F238E27FC236}">
+                <a16:creationId xmlns:a16="http://schemas.microsoft.com/office/drawing/2014/main" id="{17383971-CF30-8626-5B5A-9A87C7C1DAED}"/>
+              </a:ext>
+            </a:extLst>
+          </p:cNvPr>
+          <p:cNvCxnSpPr>
+            <a:cxnSpLocks/>
+          </p:cNvCxnSpPr>
+          <p:nvPr/>
+        </p:nvCxnSpPr>
+        <p:spPr>
+          <a:xfrm flipH="1" flipV="1">
+            <a:off x="10759443" y="2323848"/>
+            <a:ext cx="8433" cy="1308811"/>
+          </a:xfrm>
+          <a:prstGeom prst="line">
+            <a:avLst/>
+          </a:prstGeom>
+          <a:ln w="19050">
+            <a:solidFill>
+              <a:schemeClr val="accent6"/>
+            </a:solidFill>
+            <a:tailEnd type="triangle"/>
+          </a:ln>
+        </p:spPr>
+        <p:style>
+          <a:lnRef idx="1">
+            <a:schemeClr val="accent1"/>
+          </a:lnRef>
+          <a:fillRef idx="0">
+            <a:schemeClr val="accent1"/>
+          </a:fillRef>
+          <a:effectRef idx="0">
+            <a:schemeClr val="accent1"/>
+          </a:effectRef>
+          <a:fontRef idx="minor">
+            <a:schemeClr val="tx1"/>
+          </a:fontRef>
+        </p:style>
+      </p:cxnSp>
+      <p:cxnSp>
+        <p:nvCxnSpPr>
+          <p:cNvPr id="104" name="Straight Connector 103">
+            <a:extLst>
+              <a:ext uri="{FF2B5EF4-FFF2-40B4-BE49-F238E27FC236}">
+                <a16:creationId xmlns:a16="http://schemas.microsoft.com/office/drawing/2014/main" id="{5A77C1F1-5992-08F9-F794-D5F6701A2CFA}"/>
+              </a:ext>
+            </a:extLst>
+          </p:cNvPr>
+          <p:cNvCxnSpPr>
+            <a:cxnSpLocks/>
+          </p:cNvCxnSpPr>
+          <p:nvPr/>
+        </p:nvCxnSpPr>
+        <p:spPr>
+          <a:xfrm flipH="1" flipV="1">
+            <a:off x="9394583" y="2370307"/>
+            <a:ext cx="4217" cy="697152"/>
+          </a:xfrm>
+          <a:prstGeom prst="line">
+            <a:avLst/>
+          </a:prstGeom>
+          <a:ln w="19050">
+            <a:solidFill>
+              <a:schemeClr val="accent6"/>
+            </a:solidFill>
+            <a:tailEnd type="triangle"/>
+          </a:ln>
+        </p:spPr>
+        <p:style>
+          <a:lnRef idx="1">
+            <a:schemeClr val="accent1"/>
+          </a:lnRef>
+          <a:fillRef idx="0">
+            <a:schemeClr val="accent1"/>
+          </a:fillRef>
+          <a:effectRef idx="0">
+            <a:schemeClr val="accent1"/>
+          </a:effectRef>
+          <a:fontRef idx="minor">
+            <a:schemeClr val="tx1"/>
+          </a:fontRef>
+        </p:style>
+      </p:cxnSp>
+      <p:cxnSp>
+        <p:nvCxnSpPr>
+          <p:cNvPr id="106" name="Straight Connector 105">
+            <a:extLst>
+              <a:ext uri="{FF2B5EF4-FFF2-40B4-BE49-F238E27FC236}">
+                <a16:creationId xmlns:a16="http://schemas.microsoft.com/office/drawing/2014/main" id="{5D1F2E38-2627-20F9-E2E8-07A7C99A87ED}"/>
+              </a:ext>
+            </a:extLst>
+          </p:cNvPr>
+          <p:cNvCxnSpPr>
+            <a:cxnSpLocks/>
+          </p:cNvCxnSpPr>
+          <p:nvPr/>
+        </p:nvCxnSpPr>
+        <p:spPr>
+          <a:xfrm flipH="1" flipV="1">
+            <a:off x="6723667" y="2360859"/>
+            <a:ext cx="4217" cy="697152"/>
+          </a:xfrm>
+          <a:prstGeom prst="line">
+            <a:avLst/>
+          </a:prstGeom>
+          <a:ln w="19050">
+            <a:solidFill>
+              <a:schemeClr val="accent6"/>
+            </a:solidFill>
+            <a:tailEnd type="triangle"/>
+          </a:ln>
+        </p:spPr>
+        <p:style>
+          <a:lnRef idx="1">
+            <a:schemeClr val="accent1"/>
+          </a:lnRef>
+          <a:fillRef idx="0">
+            <a:schemeClr val="accent1"/>
+          </a:fillRef>
+          <a:effectRef idx="0">
+            <a:schemeClr val="accent1"/>
+          </a:effectRef>
+          <a:fontRef idx="minor">
+            <a:schemeClr val="tx1"/>
+          </a:fontRef>
+        </p:style>
+      </p:cxnSp>
+      <p:cxnSp>
+        <p:nvCxnSpPr>
+          <p:cNvPr id="107" name="Straight Connector 106">
+            <a:extLst>
+              <a:ext uri="{FF2B5EF4-FFF2-40B4-BE49-F238E27FC236}">
+                <a16:creationId xmlns:a16="http://schemas.microsoft.com/office/drawing/2014/main" id="{8474D118-4B8C-7E0E-70DD-ED4BCF164E23}"/>
+              </a:ext>
+            </a:extLst>
+          </p:cNvPr>
+          <p:cNvCxnSpPr>
+            <a:cxnSpLocks/>
+          </p:cNvCxnSpPr>
+          <p:nvPr/>
+        </p:nvCxnSpPr>
+        <p:spPr>
+          <a:xfrm flipH="1" flipV="1">
+            <a:off x="4363998" y="2346624"/>
+            <a:ext cx="4217" cy="697152"/>
+          </a:xfrm>
+          <a:prstGeom prst="line">
+            <a:avLst/>
+          </a:prstGeom>
+          <a:ln w="19050">
+            <a:solidFill>
+              <a:schemeClr val="accent6"/>
+            </a:solidFill>
+            <a:tailEnd type="triangle"/>
+          </a:ln>
+        </p:spPr>
+        <p:style>
+          <a:lnRef idx="1">
+            <a:schemeClr val="accent1"/>
+          </a:lnRef>
+          <a:fillRef idx="0">
+            <a:schemeClr val="accent1"/>
+          </a:fillRef>
+          <a:effectRef idx="0">
+            <a:schemeClr val="accent1"/>
+          </a:effectRef>
+          <a:fontRef idx="minor">
+            <a:schemeClr val="tx1"/>
+          </a:fontRef>
+        </p:style>
+      </p:cxnSp>
+      <p:cxnSp>
+        <p:nvCxnSpPr>
+          <p:cNvPr id="108" name="Straight Connector 107">
+            <a:extLst>
+              <a:ext uri="{FF2B5EF4-FFF2-40B4-BE49-F238E27FC236}">
+                <a16:creationId xmlns:a16="http://schemas.microsoft.com/office/drawing/2014/main" id="{30F2FDEE-F33D-F0D6-22D2-6E3A92A75569}"/>
+              </a:ext>
+            </a:extLst>
+          </p:cNvPr>
+          <p:cNvCxnSpPr>
+            <a:cxnSpLocks/>
+          </p:cNvCxnSpPr>
+          <p:nvPr/>
+        </p:nvCxnSpPr>
+        <p:spPr>
+          <a:xfrm flipH="1" flipV="1">
+            <a:off x="2575405" y="2338767"/>
+            <a:ext cx="12620" cy="650259"/>
+          </a:xfrm>
+          <a:prstGeom prst="line">
+            <a:avLst/>
+          </a:prstGeom>
+          <a:ln w="19050">
+            <a:solidFill>
+              <a:schemeClr val="accent6"/>
+            </a:solidFill>
+            <a:tailEnd type="triangle"/>
+          </a:ln>
+        </p:spPr>
+        <p:style>
+          <a:lnRef idx="1">
+            <a:schemeClr val="accent1"/>
+          </a:lnRef>
+          <a:fillRef idx="0">
+            <a:schemeClr val="accent1"/>
+          </a:fillRef>
+          <a:effectRef idx="0">
+            <a:schemeClr val="accent1"/>
+          </a:effectRef>
+          <a:fontRef idx="minor">
+            <a:schemeClr val="tx1"/>
+          </a:fontRef>
+        </p:style>
+      </p:cxnSp>
+      <p:cxnSp>
+        <p:nvCxnSpPr>
+          <p:cNvPr id="110" name="Straight Connector 109">
+            <a:extLst>
+              <a:ext uri="{FF2B5EF4-FFF2-40B4-BE49-F238E27FC236}">
+                <a16:creationId xmlns:a16="http://schemas.microsoft.com/office/drawing/2014/main" id="{C7525B06-B889-78D6-0193-CB7FFBEC8861}"/>
+              </a:ext>
+            </a:extLst>
+          </p:cNvPr>
+          <p:cNvCxnSpPr>
+            <a:cxnSpLocks/>
+          </p:cNvCxnSpPr>
+          <p:nvPr/>
+        </p:nvCxnSpPr>
+        <p:spPr>
+          <a:xfrm>
+            <a:off x="2941172" y="2709435"/>
+            <a:ext cx="7549489" cy="42957"/>
+          </a:xfrm>
+          <a:prstGeom prst="line">
+            <a:avLst/>
+          </a:prstGeom>
+          <a:ln w="19050">
+            <a:solidFill>
+              <a:schemeClr val="accent4"/>
+            </a:solidFill>
+          </a:ln>
+        </p:spPr>
+        <p:style>
+          <a:lnRef idx="1">
+            <a:schemeClr val="accent1"/>
+          </a:lnRef>
+          <a:fillRef idx="0">
+            <a:schemeClr val="accent1"/>
+          </a:fillRef>
+          <a:effectRef idx="0">
+            <a:schemeClr val="accent1"/>
+          </a:effectRef>
+          <a:fontRef idx="minor">
+            <a:schemeClr val="tx1"/>
+          </a:fontRef>
+        </p:style>
+      </p:cxnSp>
+      <p:cxnSp>
+        <p:nvCxnSpPr>
+          <p:cNvPr id="112" name="Straight Connector 111">
+            <a:extLst>
+              <a:ext uri="{FF2B5EF4-FFF2-40B4-BE49-F238E27FC236}">
+                <a16:creationId xmlns:a16="http://schemas.microsoft.com/office/drawing/2014/main" id="{0BB53509-9119-750E-AE40-43134C22E633}"/>
+              </a:ext>
+            </a:extLst>
+          </p:cNvPr>
+          <p:cNvCxnSpPr>
+            <a:cxnSpLocks/>
+          </p:cNvCxnSpPr>
+          <p:nvPr/>
+        </p:nvCxnSpPr>
+        <p:spPr>
+          <a:xfrm>
+            <a:off x="4038452" y="2718883"/>
+            <a:ext cx="0" cy="1848175"/>
+          </a:xfrm>
+          <a:prstGeom prst="line">
+            <a:avLst/>
+          </a:prstGeom>
+          <a:ln w="19050">
+            <a:solidFill>
+              <a:schemeClr val="accent4"/>
+            </a:solidFill>
+          </a:ln>
+        </p:spPr>
+        <p:style>
+          <a:lnRef idx="1">
+            <a:schemeClr val="accent1"/>
+          </a:lnRef>
+          <a:fillRef idx="0">
+            <a:schemeClr val="accent1"/>
+          </a:fillRef>
+          <a:effectRef idx="0">
+            <a:schemeClr val="accent1"/>
+          </a:effectRef>
+          <a:fontRef idx="minor">
+            <a:schemeClr val="tx1"/>
+          </a:fontRef>
+        </p:style>
+      </p:cxnSp>
+      <p:cxnSp>
+        <p:nvCxnSpPr>
+          <p:cNvPr id="116" name="Straight Connector 115">
+            <a:extLst>
+              <a:ext uri="{FF2B5EF4-FFF2-40B4-BE49-F238E27FC236}">
+                <a16:creationId xmlns:a16="http://schemas.microsoft.com/office/drawing/2014/main" id="{7049D95A-65B1-ED84-8C41-95441B1608B0}"/>
+              </a:ext>
+            </a:extLst>
+          </p:cNvPr>
+          <p:cNvCxnSpPr>
+            <a:cxnSpLocks/>
+          </p:cNvCxnSpPr>
+          <p:nvPr/>
+        </p:nvCxnSpPr>
+        <p:spPr>
+          <a:xfrm>
+            <a:off x="2941172" y="2389321"/>
+            <a:ext cx="0" cy="305879"/>
+          </a:xfrm>
+          <a:prstGeom prst="line">
+            <a:avLst/>
+          </a:prstGeom>
+          <a:ln w="19050">
+            <a:solidFill>
+              <a:schemeClr val="accent4"/>
+            </a:solidFill>
+            <a:headEnd type="triangle"/>
+            <a:tailEnd type="none"/>
+          </a:ln>
+        </p:spPr>
+        <p:style>
+          <a:lnRef idx="1">
+            <a:schemeClr val="accent1"/>
+          </a:lnRef>
+          <a:fillRef idx="0">
+            <a:schemeClr val="accent1"/>
+          </a:fillRef>
+          <a:effectRef idx="0">
+            <a:schemeClr val="accent1"/>
+          </a:effectRef>
+          <a:fontRef idx="minor">
+            <a:schemeClr val="tx1"/>
+          </a:fontRef>
+        </p:style>
+      </p:cxnSp>
+      <p:cxnSp>
+        <p:nvCxnSpPr>
+          <p:cNvPr id="118" name="Straight Connector 117">
+            <a:extLst>
+              <a:ext uri="{FF2B5EF4-FFF2-40B4-BE49-F238E27FC236}">
+                <a16:creationId xmlns:a16="http://schemas.microsoft.com/office/drawing/2014/main" id="{A384B72B-8324-7E55-9B92-6B5EC91BA314}"/>
+              </a:ext>
+            </a:extLst>
+          </p:cNvPr>
+          <p:cNvCxnSpPr>
+            <a:cxnSpLocks/>
+          </p:cNvCxnSpPr>
+          <p:nvPr/>
+        </p:nvCxnSpPr>
+        <p:spPr>
+          <a:xfrm>
+            <a:off x="4038452" y="2370307"/>
+            <a:ext cx="0" cy="305879"/>
+          </a:xfrm>
+          <a:prstGeom prst="line">
+            <a:avLst/>
+          </a:prstGeom>
+          <a:ln w="19050">
+            <a:solidFill>
+              <a:schemeClr val="accent4"/>
+            </a:solidFill>
+            <a:headEnd type="triangle"/>
+            <a:tailEnd type="none"/>
+          </a:ln>
+        </p:spPr>
+        <p:style>
+          <a:lnRef idx="1">
+            <a:schemeClr val="accent1"/>
+          </a:lnRef>
+          <a:fillRef idx="0">
+            <a:schemeClr val="accent1"/>
+          </a:fillRef>
+          <a:effectRef idx="0">
+            <a:schemeClr val="accent1"/>
+          </a:effectRef>
+          <a:fontRef idx="minor">
+            <a:schemeClr val="tx1"/>
+          </a:fontRef>
+        </p:style>
+      </p:cxnSp>
+      <p:cxnSp>
+        <p:nvCxnSpPr>
+          <p:cNvPr id="119" name="Straight Connector 118">
+            <a:extLst>
+              <a:ext uri="{FF2B5EF4-FFF2-40B4-BE49-F238E27FC236}">
+                <a16:creationId xmlns:a16="http://schemas.microsoft.com/office/drawing/2014/main" id="{136FD3F0-6DC4-F510-AE53-716AE1880F43}"/>
+              </a:ext>
+            </a:extLst>
+          </p:cNvPr>
+          <p:cNvCxnSpPr>
+            <a:cxnSpLocks/>
+          </p:cNvCxnSpPr>
+          <p:nvPr/>
+        </p:nvCxnSpPr>
+        <p:spPr>
+          <a:xfrm>
+            <a:off x="6338306" y="2389321"/>
+            <a:ext cx="0" cy="305879"/>
+          </a:xfrm>
+          <a:prstGeom prst="line">
+            <a:avLst/>
+          </a:prstGeom>
+          <a:ln w="19050">
+            <a:solidFill>
+              <a:schemeClr val="accent4"/>
+            </a:solidFill>
+            <a:headEnd type="triangle"/>
+            <a:tailEnd type="none"/>
+          </a:ln>
+        </p:spPr>
+        <p:style>
+          <a:lnRef idx="1">
+            <a:schemeClr val="accent1"/>
+          </a:lnRef>
+          <a:fillRef idx="0">
+            <a:schemeClr val="accent1"/>
+          </a:fillRef>
+          <a:effectRef idx="0">
+            <a:schemeClr val="accent1"/>
+          </a:effectRef>
+          <a:fontRef idx="minor">
+            <a:schemeClr val="tx1"/>
+          </a:fontRef>
+        </p:style>
+      </p:cxnSp>
+      <p:cxnSp>
+        <p:nvCxnSpPr>
+          <p:cNvPr id="120" name="Straight Connector 119">
+            <a:extLst>
+              <a:ext uri="{FF2B5EF4-FFF2-40B4-BE49-F238E27FC236}">
+                <a16:creationId xmlns:a16="http://schemas.microsoft.com/office/drawing/2014/main" id="{63256FDD-5F65-6AC4-5075-61C237EE7D38}"/>
+              </a:ext>
+            </a:extLst>
+          </p:cNvPr>
+          <p:cNvCxnSpPr>
+            <a:cxnSpLocks/>
+          </p:cNvCxnSpPr>
+          <p:nvPr/>
+        </p:nvCxnSpPr>
+        <p:spPr>
+          <a:xfrm>
+            <a:off x="9034400" y="2413004"/>
+            <a:ext cx="0" cy="305879"/>
+          </a:xfrm>
+          <a:prstGeom prst="line">
+            <a:avLst/>
+          </a:prstGeom>
+          <a:ln w="19050">
+            <a:solidFill>
+              <a:schemeClr val="accent4"/>
+            </a:solidFill>
+            <a:headEnd type="triangle"/>
+            <a:tailEnd type="none"/>
+          </a:ln>
+        </p:spPr>
+        <p:style>
+          <a:lnRef idx="1">
+            <a:schemeClr val="accent1"/>
+          </a:lnRef>
+          <a:fillRef idx="0">
+            <a:schemeClr val="accent1"/>
+          </a:fillRef>
+          <a:effectRef idx="0">
+            <a:schemeClr val="accent1"/>
+          </a:effectRef>
+          <a:fontRef idx="minor">
+            <a:schemeClr val="tx1"/>
+          </a:fontRef>
+        </p:style>
+      </p:cxnSp>
+      <p:cxnSp>
+        <p:nvCxnSpPr>
+          <p:cNvPr id="121" name="Straight Connector 120">
+            <a:extLst>
+              <a:ext uri="{FF2B5EF4-FFF2-40B4-BE49-F238E27FC236}">
+                <a16:creationId xmlns:a16="http://schemas.microsoft.com/office/drawing/2014/main" id="{0D13D74C-D122-18BF-6F92-819D416983A1}"/>
+              </a:ext>
+            </a:extLst>
+          </p:cNvPr>
+          <p:cNvCxnSpPr>
+            <a:cxnSpLocks/>
+          </p:cNvCxnSpPr>
+          <p:nvPr/>
+        </p:nvCxnSpPr>
+        <p:spPr>
+          <a:xfrm>
+            <a:off x="10455876" y="2386892"/>
+            <a:ext cx="0" cy="305879"/>
+          </a:xfrm>
+          <a:prstGeom prst="line">
+            <a:avLst/>
+          </a:prstGeom>
+          <a:ln w="19050">
+            <a:solidFill>
+              <a:schemeClr val="accent4"/>
+            </a:solidFill>
+            <a:headEnd type="triangle"/>
+            <a:tailEnd type="none"/>
+          </a:ln>
+        </p:spPr>
+        <p:style>
+          <a:lnRef idx="1">
+            <a:schemeClr val="accent1"/>
+          </a:lnRef>
+          <a:fillRef idx="0">
+            <a:schemeClr val="accent1"/>
+          </a:fillRef>
+          <a:effectRef idx="0">
+            <a:schemeClr val="accent1"/>
+          </a:effectRef>
+          <a:fontRef idx="minor">
+            <a:schemeClr val="tx1"/>
+          </a:fontRef>
+        </p:style>
+      </p:cxnSp>
+      <p:cxnSp>
+        <p:nvCxnSpPr>
+          <p:cNvPr id="123" name="Straight Connector 122">
+            <a:extLst>
+              <a:ext uri="{FF2B5EF4-FFF2-40B4-BE49-F238E27FC236}">
+                <a16:creationId xmlns:a16="http://schemas.microsoft.com/office/drawing/2014/main" id="{A390D177-2A29-0AD2-9907-6250C53F18D7}"/>
+              </a:ext>
+            </a:extLst>
+          </p:cNvPr>
+          <p:cNvCxnSpPr>
+            <a:cxnSpLocks/>
+          </p:cNvCxnSpPr>
+          <p:nvPr/>
+        </p:nvCxnSpPr>
+        <p:spPr>
+          <a:xfrm flipH="1" flipV="1">
+            <a:off x="3534926" y="4567058"/>
+            <a:ext cx="6710512" cy="66101"/>
+          </a:xfrm>
+          <a:prstGeom prst="line">
+            <a:avLst/>
+          </a:prstGeom>
+          <a:ln w="19050">
+            <a:solidFill>
+              <a:schemeClr val="accent4"/>
+            </a:solidFill>
+            <a:headEnd type="triangle"/>
+            <a:tailEnd type="none"/>
+          </a:ln>
+        </p:spPr>
+        <p:style>
+          <a:lnRef idx="1">
+            <a:schemeClr val="accent1"/>
+          </a:lnRef>
+          <a:fillRef idx="0">
+            <a:schemeClr val="accent1"/>
+          </a:fillRef>
+          <a:effectRef idx="0">
+            <a:schemeClr val="accent1"/>
+          </a:effectRef>
+          <a:fontRef idx="minor">
+            <a:schemeClr val="tx1"/>
+          </a:fontRef>
+        </p:style>
+      </p:cxnSp>
+      <p:sp>
+        <p:nvSpPr>
+          <p:cNvPr id="129" name="Left Brace 128">
+            <a:extLst>
+              <a:ext uri="{FF2B5EF4-FFF2-40B4-BE49-F238E27FC236}">
+                <a16:creationId xmlns:a16="http://schemas.microsoft.com/office/drawing/2014/main" id="{6043DBE9-E725-19BE-AEAA-ECF2B906006A}"/>
+              </a:ext>
+            </a:extLst>
+          </p:cNvPr>
+          <p:cNvSpPr/>
+          <p:nvPr/>
+        </p:nvSpPr>
+        <p:spPr>
+          <a:xfrm>
+            <a:off x="3108203" y="5531550"/>
+            <a:ext cx="252151" cy="974927"/>
+          </a:xfrm>
+          <a:prstGeom prst="leftBrace">
+            <a:avLst/>
+          </a:prstGeom>
+          <a:ln w="19050">
+            <a:solidFill>
+              <a:schemeClr val="tx1"/>
+            </a:solidFill>
+          </a:ln>
+        </p:spPr>
+        <p:style>
+          <a:lnRef idx="1">
+            <a:schemeClr val="accent1"/>
+          </a:lnRef>
+          <a:fillRef idx="0">
+            <a:schemeClr val="accent1"/>
+          </a:fillRef>
+          <a:effectRef idx="0">
+            <a:schemeClr val="accent1"/>
+          </a:effectRef>
+          <a:fontRef idx="minor">
+            <a:schemeClr val="tx1"/>
+          </a:fontRef>
+        </p:style>
+        <p:txBody>
+          <a:bodyPr rtlCol="0" anchor="ctr"/>
+          <a:lstStyle/>
+          <a:p>
+            <a:pPr algn="ctr"/>
+            <a:endParaRPr lang="en-US"/>
+          </a:p>
+        </p:txBody>
+      </p:sp>
+      <p:sp>
+        <p:nvSpPr>
+          <p:cNvPr id="130" name="TextBox 129">
+            <a:extLst>
+              <a:ext uri="{FF2B5EF4-FFF2-40B4-BE49-F238E27FC236}">
+                <a16:creationId xmlns:a16="http://schemas.microsoft.com/office/drawing/2014/main" id="{B7310E1D-4922-9C44-9B80-1DD1DA8CFFB6}"/>
+              </a:ext>
+            </a:extLst>
+          </p:cNvPr>
+          <p:cNvSpPr txBox="1"/>
+          <p:nvPr/>
+        </p:nvSpPr>
+        <p:spPr>
+          <a:xfrm rot="16200000">
+            <a:off x="2113086" y="5818958"/>
+            <a:ext cx="1571596" cy="400110"/>
+          </a:xfrm>
+          <a:prstGeom prst="rect">
+            <a:avLst/>
+          </a:prstGeom>
+          <a:noFill/>
+        </p:spPr>
+        <p:txBody>
+          <a:bodyPr wrap="square" rtlCol="0">
+            <a:spAutoFit/>
+          </a:bodyPr>
+          <a:lstStyle/>
+          <a:p>
+            <a:pPr algn="ctr"/>
+            <a:r>
+              <a:rPr lang="en-US" sz="2000" dirty="0"/>
+              <a:t>Foundations </a:t>
+            </a:r>
+          </a:p>
+        </p:txBody>
+      </p:sp>
+      <p:sp>
+        <p:nvSpPr>
+          <p:cNvPr id="131" name="Left Brace 130">
+            <a:extLst>
+              <a:ext uri="{FF2B5EF4-FFF2-40B4-BE49-F238E27FC236}">
+                <a16:creationId xmlns:a16="http://schemas.microsoft.com/office/drawing/2014/main" id="{D23C0DA0-B215-DAF9-AFE7-D383C1D0BC43}"/>
+              </a:ext>
+            </a:extLst>
+          </p:cNvPr>
+          <p:cNvSpPr/>
+          <p:nvPr/>
+        </p:nvSpPr>
+        <p:spPr>
+          <a:xfrm>
+            <a:off x="1032678" y="4285457"/>
+            <a:ext cx="252151" cy="974927"/>
+          </a:xfrm>
+          <a:prstGeom prst="leftBrace">
+            <a:avLst/>
+          </a:prstGeom>
+          <a:ln w="19050">
+            <a:solidFill>
+              <a:schemeClr val="tx1"/>
+            </a:solidFill>
+          </a:ln>
+        </p:spPr>
+        <p:style>
+          <a:lnRef idx="1">
+            <a:schemeClr val="accent1"/>
+          </a:lnRef>
+          <a:fillRef idx="0">
+            <a:schemeClr val="accent1"/>
+          </a:fillRef>
+          <a:effectRef idx="0">
+            <a:schemeClr val="accent1"/>
+          </a:effectRef>
+          <a:fontRef idx="minor">
+            <a:schemeClr val="tx1"/>
+          </a:fontRef>
+        </p:style>
+        <p:txBody>
+          <a:bodyPr rtlCol="0" anchor="ctr"/>
+          <a:lstStyle/>
+          <a:p>
+            <a:pPr algn="ctr"/>
+            <a:endParaRPr lang="en-US"/>
+          </a:p>
+        </p:txBody>
+      </p:sp>
+      <p:sp>
+        <p:nvSpPr>
+          <p:cNvPr id="132" name="TextBox 131">
+            <a:extLst>
+              <a:ext uri="{FF2B5EF4-FFF2-40B4-BE49-F238E27FC236}">
+                <a16:creationId xmlns:a16="http://schemas.microsoft.com/office/drawing/2014/main" id="{555449FE-DD32-E85F-30EF-949E04C879C3}"/>
+              </a:ext>
+            </a:extLst>
+          </p:cNvPr>
+          <p:cNvSpPr txBox="1"/>
+          <p:nvPr/>
+        </p:nvSpPr>
+        <p:spPr>
+          <a:xfrm rot="16200000">
+            <a:off x="-144370" y="4418977"/>
+            <a:ext cx="1571596" cy="707886"/>
+          </a:xfrm>
+          <a:prstGeom prst="rect">
+            <a:avLst/>
+          </a:prstGeom>
+          <a:noFill/>
+        </p:spPr>
+        <p:txBody>
+          <a:bodyPr wrap="square" rtlCol="0">
+            <a:spAutoFit/>
+          </a:bodyPr>
+          <a:lstStyle/>
+          <a:p>
+            <a:pPr algn="ctr"/>
+            <a:r>
+              <a:rPr lang="en-US" sz="2000" dirty="0"/>
+              <a:t>Core Algorithms</a:t>
+            </a:r>
+          </a:p>
+        </p:txBody>
+      </p:sp>
+      <p:sp>
+        <p:nvSpPr>
+          <p:cNvPr id="134" name="Left Brace 133">
+            <a:extLst>
+              <a:ext uri="{FF2B5EF4-FFF2-40B4-BE49-F238E27FC236}">
+                <a16:creationId xmlns:a16="http://schemas.microsoft.com/office/drawing/2014/main" id="{A7BE64C7-125C-19D8-05C5-A8ABCF019D81}"/>
+              </a:ext>
+            </a:extLst>
+          </p:cNvPr>
+          <p:cNvSpPr/>
+          <p:nvPr/>
+        </p:nvSpPr>
+        <p:spPr>
+          <a:xfrm>
+            <a:off x="998926" y="1382764"/>
+            <a:ext cx="252151" cy="974927"/>
+          </a:xfrm>
+          <a:prstGeom prst="leftBrace">
+            <a:avLst/>
+          </a:prstGeom>
+          <a:ln w="19050">
+            <a:solidFill>
+              <a:schemeClr val="tx1"/>
+            </a:solidFill>
+          </a:ln>
+        </p:spPr>
+        <p:style>
+          <a:lnRef idx="1">
+            <a:schemeClr val="accent1"/>
+          </a:lnRef>
+          <a:fillRef idx="0">
+            <a:schemeClr val="accent1"/>
+          </a:fillRef>
+          <a:effectRef idx="0">
+            <a:schemeClr val="accent1"/>
+          </a:effectRef>
+          <a:fontRef idx="minor">
+            <a:schemeClr val="tx1"/>
+          </a:fontRef>
+        </p:style>
+        <p:txBody>
+          <a:bodyPr rtlCol="0" anchor="ctr"/>
+          <a:lstStyle/>
+          <a:p>
+            <a:pPr algn="ctr"/>
+            <a:endParaRPr lang="en-US"/>
+          </a:p>
+        </p:txBody>
+      </p:sp>
+      <p:sp>
+        <p:nvSpPr>
+          <p:cNvPr id="135" name="TextBox 134">
+            <a:extLst>
+              <a:ext uri="{FF2B5EF4-FFF2-40B4-BE49-F238E27FC236}">
+                <a16:creationId xmlns:a16="http://schemas.microsoft.com/office/drawing/2014/main" id="{0156C23A-A711-2A26-2C5B-FE202AAAFC6E}"/>
+              </a:ext>
+            </a:extLst>
+          </p:cNvPr>
+          <p:cNvSpPr txBox="1"/>
+          <p:nvPr/>
+        </p:nvSpPr>
+        <p:spPr>
+          <a:xfrm rot="16200000">
+            <a:off x="-178122" y="1516284"/>
+            <a:ext cx="1571596" cy="707886"/>
+          </a:xfrm>
+          <a:prstGeom prst="rect">
+            <a:avLst/>
+          </a:prstGeom>
+          <a:noFill/>
+        </p:spPr>
+        <p:txBody>
+          <a:bodyPr wrap="square" rtlCol="0">
+            <a:spAutoFit/>
+          </a:bodyPr>
+          <a:lstStyle/>
+          <a:p>
+            <a:pPr algn="ctr"/>
+            <a:r>
+              <a:rPr lang="en-US" sz="2000" dirty="0"/>
+              <a:t>Solution Algorithms</a:t>
+            </a:r>
+          </a:p>
+        </p:txBody>
+      </p:sp>
+    </p:spTree>
+    <p:extLst>
+      <p:ext uri="{BB962C8B-B14F-4D97-AF65-F5344CB8AC3E}">
+        <p14:creationId xmlns:p14="http://schemas.microsoft.com/office/powerpoint/2010/main" val="1118652673"/>
+      </p:ext>
+    </p:extLst>
+  </p:cSld>
+  <p:clrMapOvr>
+    <a:masterClrMapping/>
+  </p:clrMapOvr>
+</p:sld>
+</file>
+
+<file path=ppt/slides/slide14.xml><?xml version="1.0" encoding="utf-8"?>
+<p:sld xmlns:a="http://schemas.openxmlformats.org/drawingml/2006/main" xmlns:r="http://schemas.openxmlformats.org/officeDocument/2006/relationships" xmlns:p="http://schemas.openxmlformats.org/presentationml/2006/main">
+  <p:cSld>
+    <p:spTree>
+      <p:nvGrpSpPr>
         <p:cNvPr id="1" name=""/>
         <p:cNvGrpSpPr/>
         <p:nvPr/>
@@ -6010,7 +8769,7 @@
           <a:p>
             <a:r>
               <a:rPr lang="en-US" dirty="0"/>
-              <a:t>Deep learning  </a:t>
+              <a:t>Deep learning, embedding aside  </a:t>
             </a:r>
           </a:p>
           <a:p>
@@ -6024,7 +8783,7 @@
             <a:pPr lvl="1"/>
             <a:r>
               <a:rPr lang="en-US" dirty="0"/>
-              <a:t>In some cases deep NN algorithm provide more accurate results  </a:t>
+              <a:t>In some cases, deep NN algorithm provide more accurate results  </a:t>
             </a:r>
           </a:p>
           <a:p>
@@ -6472,7 +9231,7 @@
 </p:sld>
 </file>
 
-<file path=ppt/slides/slide14.xml><?xml version="1.0" encoding="utf-8"?>
+<file path=ppt/slides/slide15.xml><?xml version="1.0" encoding="utf-8"?>
 <p:sld xmlns:a="http://schemas.openxmlformats.org/drawingml/2006/main" xmlns:r="http://schemas.openxmlformats.org/officeDocument/2006/relationships" xmlns:p="http://schemas.openxmlformats.org/presentationml/2006/main" show="0">
   <p:cSld>
     <p:spTree>
@@ -6848,7 +9607,7 @@
 </p:sld>
 </file>
 
-<file path=ppt/slides/slide15.xml><?xml version="1.0" encoding="utf-8"?>
+<file path=ppt/slides/slide16.xml><?xml version="1.0" encoding="utf-8"?>
 <p:sld xmlns:a="http://schemas.openxmlformats.org/drawingml/2006/main" xmlns:r="http://schemas.openxmlformats.org/officeDocument/2006/relationships" xmlns:p="http://schemas.openxmlformats.org/presentationml/2006/main">
   <p:cSld>
     <p:spTree>
@@ -6889,7 +9648,7 @@
         </p:spPr>
         <p:txBody>
           <a:bodyPr>
-            <a:normAutofit/>
+            <a:normAutofit lnSpcReduction="10000"/>
           </a:bodyPr>
           <a:lstStyle/>
           <a:p>
@@ -6918,6 +9677,12 @@
             <a:r>
               <a:rPr lang="en-US" dirty="0"/>
               <a:t>Tuesdays and Thursdays – Section meeting to address questions, discuss code, background review – starting at 6:30 pm US Eastern Time  </a:t>
+            </a:r>
+          </a:p>
+          <a:p>
+            <a:r>
+              <a:rPr lang="en-US" dirty="0"/>
+              <a:t>One-on-one meetings can be held by arrangement</a:t>
             </a:r>
           </a:p>
           <a:p>
@@ -7179,7 +9944,56 @@
                                         <p:tgtEl>
                                           <p:spTgt spid="3">
                                             <p:txEl>
-                                              <p:pRg st="5" end="5"/>
+                                              <p:pRg st="4" end="4"/>
+                                            </p:txEl>
+                                          </p:spTgt>
+                                        </p:tgtEl>
+                                        <p:attrNameLst>
+                                          <p:attrName>style.visibility</p:attrName>
+                                        </p:attrNameLst>
+                                      </p:cBhvr>
+                                      <p:to>
+                                        <p:strVal val="visible"/>
+                                      </p:to>
+                                    </p:set>
+                                  </p:childTnLst>
+                                </p:cTn>
+                              </p:par>
+                            </p:childTnLst>
+                          </p:cTn>
+                        </p:par>
+                      </p:childTnLst>
+                    </p:cTn>
+                  </p:par>
+                  <p:par>
+                    <p:cTn id="17" fill="hold">
+                      <p:stCondLst>
+                        <p:cond delay="indefinite"/>
+                      </p:stCondLst>
+                      <p:childTnLst>
+                        <p:par>
+                          <p:cTn id="18" fill="hold">
+                            <p:stCondLst>
+                              <p:cond delay="0"/>
+                            </p:stCondLst>
+                            <p:childTnLst>
+                              <p:par>
+                                <p:cTn id="19" presetID="1" presetClass="entr" presetSubtype="0" fill="hold" nodeType="clickEffect">
+                                  <p:stCondLst>
+                                    <p:cond delay="0"/>
+                                  </p:stCondLst>
+                                  <p:childTnLst>
+                                    <p:set>
+                                      <p:cBhvr>
+                                        <p:cTn id="20" dur="1" fill="hold">
+                                          <p:stCondLst>
+                                            <p:cond delay="0"/>
+                                          </p:stCondLst>
+                                        </p:cTn>
+                                        <p:tgtEl>
+                                          <p:spTgt spid="3">
+                                            <p:txEl>
+                                              <p:pRg st="6" end="6"/>
                                             </p:txEl>
                                           </p:spTgt>
                                         </p:tgtEl>
@@ -7225,7 +10039,7 @@
 </p:sld>
 </file>
 
-<file path=ppt/slides/slide16.xml><?xml version="1.0" encoding="utf-8"?>
+<file path=ppt/slides/slide17.xml><?xml version="1.0" encoding="utf-8"?>
 <p:sld xmlns:a="http://schemas.openxmlformats.org/drawingml/2006/main" xmlns:r="http://schemas.openxmlformats.org/officeDocument/2006/relationships" xmlns:p="http://schemas.openxmlformats.org/presentationml/2006/main">
   <p:cSld>
     <p:spTree>
@@ -7338,15 +10152,23 @@
           <a:p>
             <a:pPr lvl="1"/>
             <a:r>
+              <a:rPr lang="en-US" b="1" dirty="0"/>
+              <a:t>Do not fall behind!!</a:t>
+            </a:r>
+          </a:p>
+          <a:p>
+            <a:pPr lvl="1"/>
+            <a:r>
               <a:rPr lang="en-US" dirty="0"/>
-              <a:t>Do not fall behind</a:t>
-            </a:r>
-          </a:p>
-          <a:p>
-            <a:pPr lvl="1"/>
+              <a:t>Expect </a:t>
+            </a:r>
+            <a:r>
+              <a:rPr lang="en-US" b="1" dirty="0"/>
+              <a:t>9 assignments </a:t>
+            </a:r>
             <a:r>
               <a:rPr lang="en-US" dirty="0"/>
-              <a:t>Expect 9 assignments plus online discussion questions</a:t>
+              <a:t>plus online discussion questions</a:t>
             </a:r>
           </a:p>
           <a:p>
@@ -7769,7 +10591,7 @@
 </p:sld>
 </file>
 
-<file path=ppt/slides/slide17.xml><?xml version="1.0" encoding="utf-8"?>
+<file path=ppt/slides/slide18.xml><?xml version="1.0" encoding="utf-8"?>
 <p:sld xmlns:a="http://schemas.openxmlformats.org/drawingml/2006/main" xmlns:r="http://schemas.openxmlformats.org/officeDocument/2006/relationships" xmlns:p="http://schemas.openxmlformats.org/presentationml/2006/main">
   <p:cSld>
     <p:spTree>
@@ -7920,7 +10742,7 @@
 </p:sld>
 </file>
 
-<file path=ppt/slides/slide18.xml><?xml version="1.0" encoding="utf-8"?>
+<file path=ppt/slides/slide19.xml><?xml version="1.0" encoding="utf-8"?>
 <p:sld xmlns:a="http://schemas.openxmlformats.org/drawingml/2006/main" xmlns:r="http://schemas.openxmlformats.org/officeDocument/2006/relationships" xmlns:p="http://schemas.openxmlformats.org/presentationml/2006/main">
   <p:cSld>
     <p:spTree>
@@ -8082,225 +10904,6 @@
     <p:extLst>
       <p:ext uri="{BB962C8B-B14F-4D97-AF65-F5344CB8AC3E}">
         <p14:creationId xmlns:p14="http://schemas.microsoft.com/office/powerpoint/2010/main" val="3485671203"/>
-      </p:ext>
-    </p:extLst>
-  </p:cSld>
-  <p:clrMapOvr>
-    <a:masterClrMapping/>
-  </p:clrMapOvr>
-</p:sld>
-</file>
-
-<file path=ppt/slides/slide19.xml><?xml version="1.0" encoding="utf-8"?>
-<p:sld xmlns:a="http://schemas.openxmlformats.org/drawingml/2006/main" xmlns:r="http://schemas.openxmlformats.org/officeDocument/2006/relationships" xmlns:p="http://schemas.openxmlformats.org/presentationml/2006/main">
-  <p:cSld>
-    <p:spTree>
-      <p:nvGrpSpPr>
-        <p:cNvPr id="1" name=""/>
-        <p:cNvGrpSpPr/>
-        <p:nvPr/>
-      </p:nvGrpSpPr>
-      <p:grpSpPr>
-        <a:xfrm>
-          <a:off x="0" y="0"/>
-          <a:ext cx="0" cy="0"/>
-          <a:chOff x="0" y="0"/>
-          <a:chExt cx="0" cy="0"/>
-        </a:xfrm>
-      </p:grpSpPr>
-      <p:sp>
-        <p:nvSpPr>
-          <p:cNvPr id="3" name="Content Placeholder 2">
-            <a:extLst>
-              <a:ext uri="{FF2B5EF4-FFF2-40B4-BE49-F238E27FC236}">
-                <a16:creationId xmlns:a16="http://schemas.microsoft.com/office/drawing/2014/main" id="{258E6AF3-7615-4BD1-878E-A94C93E98F90}"/>
-              </a:ext>
-            </a:extLst>
-          </p:cNvPr>
-          <p:cNvSpPr>
-            <a:spLocks noGrp="1"/>
-          </p:cNvSpPr>
-          <p:nvPr>
-            <p:ph idx="1"/>
-          </p:nvPr>
-        </p:nvSpPr>
-        <p:spPr>
-          <a:xfrm>
-            <a:off x="838200" y="1154002"/>
-            <a:ext cx="10515600" cy="5581207"/>
-          </a:xfrm>
-        </p:spPr>
-        <p:txBody>
-          <a:bodyPr>
-            <a:normAutofit/>
-          </a:bodyPr>
-          <a:lstStyle/>
-          <a:p>
-            <a:pPr marL="514350" indent="-514350">
-              <a:buFont typeface="+mj-lt"/>
-              <a:buAutoNum type="arabicPeriod"/>
-            </a:pPr>
-            <a:r>
-              <a:rPr lang="en-US" dirty="0"/>
-              <a:t>Read and understand the Syllabus!  </a:t>
-            </a:r>
-          </a:p>
-          <a:p>
-            <a:pPr marL="514350" indent="-514350">
-              <a:buFont typeface="+mj-lt"/>
-              <a:buAutoNum type="arabicPeriod"/>
-            </a:pPr>
-            <a:r>
-              <a:rPr lang="en-US" dirty="0"/>
-              <a:t>Material specific to this course are in the </a:t>
-            </a:r>
-            <a:r>
-              <a:rPr lang="en-US" dirty="0" err="1">
-                <a:hlinkClick r:id="rId2"/>
-              </a:rPr>
-              <a:t>Github</a:t>
-            </a:r>
-            <a:r>
-              <a:rPr lang="en-US" dirty="0">
-                <a:hlinkClick r:id="rId2"/>
-              </a:rPr>
-              <a:t> repository</a:t>
-            </a:r>
-            <a:endParaRPr lang="en-US" dirty="0"/>
-          </a:p>
-          <a:p>
-            <a:pPr lvl="1"/>
-            <a:r>
-              <a:rPr lang="en-US" dirty="0"/>
-              <a:t>Slides</a:t>
-            </a:r>
-          </a:p>
-          <a:p>
-            <a:pPr lvl="1"/>
-            <a:r>
-              <a:rPr lang="en-US" dirty="0"/>
-              <a:t>Notebooks for assignments</a:t>
-            </a:r>
-          </a:p>
-          <a:p>
-            <a:pPr lvl="1"/>
-            <a:r>
-              <a:rPr lang="en-US" dirty="0"/>
-              <a:t>Data</a:t>
-            </a:r>
-          </a:p>
-          <a:p>
-            <a:pPr lvl="1"/>
-            <a:r>
-              <a:rPr lang="en-US" dirty="0"/>
-              <a:t>Supplementary materials for review   </a:t>
-            </a:r>
-          </a:p>
-          <a:p>
-            <a:pPr marL="514350" indent="-514350">
-              <a:buFont typeface="+mj-lt"/>
-              <a:buAutoNum type="arabicPeriod"/>
-            </a:pPr>
-            <a:r>
-              <a:rPr lang="en-US" dirty="0"/>
-              <a:t>Assignment due dates, submissions, and grading in </a:t>
-            </a:r>
-            <a:r>
-              <a:rPr lang="en-US" b="1" dirty="0"/>
-              <a:t>Canvas</a:t>
-            </a:r>
-          </a:p>
-          <a:p>
-            <a:pPr lvl="1"/>
-            <a:r>
-              <a:rPr lang="en-US" dirty="0"/>
-              <a:t>Class assignments </a:t>
-            </a:r>
-          </a:p>
-          <a:p>
-            <a:pPr lvl="1"/>
-            <a:r>
-              <a:rPr lang="en-US" dirty="0"/>
-              <a:t>Graduate independent projects   </a:t>
-            </a:r>
-          </a:p>
-          <a:p>
-            <a:pPr lvl="1"/>
-            <a:r>
-              <a:rPr lang="en-US" dirty="0"/>
-              <a:t>Solutions and examples under </a:t>
-            </a:r>
-            <a:r>
-              <a:rPr lang="en-US" b="1" dirty="0"/>
-              <a:t>Modules</a:t>
-            </a:r>
-            <a:r>
-              <a:rPr lang="en-US" dirty="0"/>
-              <a:t> </a:t>
-            </a:r>
-          </a:p>
-        </p:txBody>
-      </p:sp>
-      <p:sp>
-        <p:nvSpPr>
-          <p:cNvPr id="6" name="Title 1">
-            <a:extLst>
-              <a:ext uri="{FF2B5EF4-FFF2-40B4-BE49-F238E27FC236}">
-                <a16:creationId xmlns:a16="http://schemas.microsoft.com/office/drawing/2014/main" id="{CD29F70F-B868-451B-A65D-8721F4C7A2D9}"/>
-              </a:ext>
-            </a:extLst>
-          </p:cNvPr>
-          <p:cNvSpPr txBox="1">
-            <a:spLocks/>
-          </p:cNvSpPr>
-          <p:nvPr/>
-        </p:nvSpPr>
-        <p:spPr>
-          <a:xfrm>
-            <a:off x="838200" y="-635"/>
-            <a:ext cx="10515600" cy="1325563"/>
-          </a:xfrm>
-          <a:prstGeom prst="rect">
-            <a:avLst/>
-          </a:prstGeom>
-        </p:spPr>
-        <p:txBody>
-          <a:bodyPr vert="horz" lIns="91440" tIns="45720" rIns="91440" bIns="45720" rtlCol="0" anchor="ctr">
-            <a:normAutofit/>
-          </a:bodyPr>
-          <a:lstStyle>
-            <a:lvl1pPr algn="l" defTabSz="914400" rtl="0" eaLnBrk="1" latinLnBrk="0" hangingPunct="1">
-              <a:lnSpc>
-                <a:spcPct val="90000"/>
-              </a:lnSpc>
-              <a:spcBef>
-                <a:spcPct val="0"/>
-              </a:spcBef>
-              <a:buNone/>
-              <a:defRPr sz="4400" kern="1200">
-                <a:solidFill>
-                  <a:schemeClr val="tx1"/>
-                </a:solidFill>
-                <a:latin typeface="+mj-lt"/>
-                <a:ea typeface="+mj-ea"/>
-                <a:cs typeface="+mj-cs"/>
-              </a:defRPr>
-            </a:lvl1pPr>
-          </a:lstStyle>
-          <a:p>
-            <a:r>
-              <a:rPr lang="en-US" dirty="0">
-                <a:latin typeface="+mn-lt"/>
-              </a:rPr>
-              <a:t>Where can you find the course materials?</a:t>
-            </a:r>
-          </a:p>
-        </p:txBody>
-      </p:sp>
-    </p:spTree>
-    <p:extLst>
-      <p:ext uri="{BB962C8B-B14F-4D97-AF65-F5344CB8AC3E}">
-        <p14:creationId xmlns:p14="http://schemas.microsoft.com/office/powerpoint/2010/main" val="3387254786"/>
       </p:ext>
     </p:extLst>
   </p:cSld>
@@ -8794,6 +11397,225 @@
   <p:cSld>
     <p:spTree>
       <p:nvGrpSpPr>
+        <p:cNvPr id="1" name=""/>
+        <p:cNvGrpSpPr/>
+        <p:nvPr/>
+      </p:nvGrpSpPr>
+      <p:grpSpPr>
+        <a:xfrm>
+          <a:off x="0" y="0"/>
+          <a:ext cx="0" cy="0"/>
+          <a:chOff x="0" y="0"/>
+          <a:chExt cx="0" cy="0"/>
+        </a:xfrm>
+      </p:grpSpPr>
+      <p:sp>
+        <p:nvSpPr>
+          <p:cNvPr id="3" name="Content Placeholder 2">
+            <a:extLst>
+              <a:ext uri="{FF2B5EF4-FFF2-40B4-BE49-F238E27FC236}">
+                <a16:creationId xmlns:a16="http://schemas.microsoft.com/office/drawing/2014/main" id="{258E6AF3-7615-4BD1-878E-A94C93E98F90}"/>
+              </a:ext>
+            </a:extLst>
+          </p:cNvPr>
+          <p:cNvSpPr>
+            <a:spLocks noGrp="1"/>
+          </p:cNvSpPr>
+          <p:nvPr>
+            <p:ph idx="1"/>
+          </p:nvPr>
+        </p:nvSpPr>
+        <p:spPr>
+          <a:xfrm>
+            <a:off x="838200" y="1154002"/>
+            <a:ext cx="10515600" cy="5581207"/>
+          </a:xfrm>
+        </p:spPr>
+        <p:txBody>
+          <a:bodyPr>
+            <a:normAutofit/>
+          </a:bodyPr>
+          <a:lstStyle/>
+          <a:p>
+            <a:pPr marL="514350" indent="-514350">
+              <a:buFont typeface="+mj-lt"/>
+              <a:buAutoNum type="arabicPeriod"/>
+            </a:pPr>
+            <a:r>
+              <a:rPr lang="en-US" dirty="0"/>
+              <a:t>Read and understand the Syllabus!  </a:t>
+            </a:r>
+          </a:p>
+          <a:p>
+            <a:pPr marL="514350" indent="-514350">
+              <a:buFont typeface="+mj-lt"/>
+              <a:buAutoNum type="arabicPeriod"/>
+            </a:pPr>
+            <a:r>
+              <a:rPr lang="en-US" dirty="0"/>
+              <a:t>Material specific to this course are in the </a:t>
+            </a:r>
+            <a:r>
+              <a:rPr lang="en-US" dirty="0" err="1">
+                <a:hlinkClick r:id="rId2"/>
+              </a:rPr>
+              <a:t>Github</a:t>
+            </a:r>
+            <a:r>
+              <a:rPr lang="en-US" dirty="0">
+                <a:hlinkClick r:id="rId2"/>
+              </a:rPr>
+              <a:t> repository</a:t>
+            </a:r>
+            <a:endParaRPr lang="en-US" dirty="0"/>
+          </a:p>
+          <a:p>
+            <a:pPr lvl="1"/>
+            <a:r>
+              <a:rPr lang="en-US" dirty="0"/>
+              <a:t>Slides</a:t>
+            </a:r>
+          </a:p>
+          <a:p>
+            <a:pPr lvl="1"/>
+            <a:r>
+              <a:rPr lang="en-US" dirty="0"/>
+              <a:t>Notebooks for assignments</a:t>
+            </a:r>
+          </a:p>
+          <a:p>
+            <a:pPr lvl="1"/>
+            <a:r>
+              <a:rPr lang="en-US" dirty="0"/>
+              <a:t>Data</a:t>
+            </a:r>
+          </a:p>
+          <a:p>
+            <a:pPr lvl="1"/>
+            <a:r>
+              <a:rPr lang="en-US" dirty="0"/>
+              <a:t>Supplementary materials for review   </a:t>
+            </a:r>
+          </a:p>
+          <a:p>
+            <a:pPr marL="514350" indent="-514350">
+              <a:buFont typeface="+mj-lt"/>
+              <a:buAutoNum type="arabicPeriod"/>
+            </a:pPr>
+            <a:r>
+              <a:rPr lang="en-US" dirty="0"/>
+              <a:t>Assignment due dates, submissions, and grading in </a:t>
+            </a:r>
+            <a:r>
+              <a:rPr lang="en-US" b="1" dirty="0"/>
+              <a:t>Canvas</a:t>
+            </a:r>
+          </a:p>
+          <a:p>
+            <a:pPr lvl="1"/>
+            <a:r>
+              <a:rPr lang="en-US" dirty="0"/>
+              <a:t>Class assignments </a:t>
+            </a:r>
+          </a:p>
+          <a:p>
+            <a:pPr lvl="1"/>
+            <a:r>
+              <a:rPr lang="en-US" dirty="0"/>
+              <a:t>Graduate independent projects   </a:t>
+            </a:r>
+          </a:p>
+          <a:p>
+            <a:pPr lvl="1"/>
+            <a:r>
+              <a:rPr lang="en-US" dirty="0"/>
+              <a:t>Solutions and examples under </a:t>
+            </a:r>
+            <a:r>
+              <a:rPr lang="en-US" b="1" dirty="0"/>
+              <a:t>Modules</a:t>
+            </a:r>
+            <a:r>
+              <a:rPr lang="en-US" dirty="0"/>
+              <a:t> </a:t>
+            </a:r>
+          </a:p>
+        </p:txBody>
+      </p:sp>
+      <p:sp>
+        <p:nvSpPr>
+          <p:cNvPr id="6" name="Title 1">
+            <a:extLst>
+              <a:ext uri="{FF2B5EF4-FFF2-40B4-BE49-F238E27FC236}">
+                <a16:creationId xmlns:a16="http://schemas.microsoft.com/office/drawing/2014/main" id="{CD29F70F-B868-451B-A65D-8721F4C7A2D9}"/>
+              </a:ext>
+            </a:extLst>
+          </p:cNvPr>
+          <p:cNvSpPr txBox="1">
+            <a:spLocks/>
+          </p:cNvSpPr>
+          <p:nvPr/>
+        </p:nvSpPr>
+        <p:spPr>
+          <a:xfrm>
+            <a:off x="838200" y="-635"/>
+            <a:ext cx="10515600" cy="1325563"/>
+          </a:xfrm>
+          <a:prstGeom prst="rect">
+            <a:avLst/>
+          </a:prstGeom>
+        </p:spPr>
+        <p:txBody>
+          <a:bodyPr vert="horz" lIns="91440" tIns="45720" rIns="91440" bIns="45720" rtlCol="0" anchor="ctr">
+            <a:normAutofit/>
+          </a:bodyPr>
+          <a:lstStyle>
+            <a:lvl1pPr algn="l" defTabSz="914400" rtl="0" eaLnBrk="1" latinLnBrk="0" hangingPunct="1">
+              <a:lnSpc>
+                <a:spcPct val="90000"/>
+              </a:lnSpc>
+              <a:spcBef>
+                <a:spcPct val="0"/>
+              </a:spcBef>
+              <a:buNone/>
+              <a:defRPr sz="4400" kern="1200">
+                <a:solidFill>
+                  <a:schemeClr val="tx1"/>
+                </a:solidFill>
+                <a:latin typeface="+mj-lt"/>
+                <a:ea typeface="+mj-ea"/>
+                <a:cs typeface="+mj-cs"/>
+              </a:defRPr>
+            </a:lvl1pPr>
+          </a:lstStyle>
+          <a:p>
+            <a:r>
+              <a:rPr lang="en-US" dirty="0">
+                <a:latin typeface="+mn-lt"/>
+              </a:rPr>
+              <a:t>Where can you find the course materials?</a:t>
+            </a:r>
+          </a:p>
+        </p:txBody>
+      </p:sp>
+    </p:spTree>
+    <p:extLst>
+      <p:ext uri="{BB962C8B-B14F-4D97-AF65-F5344CB8AC3E}">
+        <p14:creationId xmlns:p14="http://schemas.microsoft.com/office/powerpoint/2010/main" val="3387254786"/>
+      </p:ext>
+    </p:extLst>
+  </p:cSld>
+  <p:clrMapOvr>
+    <a:masterClrMapping/>
+  </p:clrMapOvr>
+</p:sld>
+</file>
+
+<file path=ppt/slides/slide21.xml><?xml version="1.0" encoding="utf-8"?>
+<p:sld xmlns:a="http://schemas.openxmlformats.org/drawingml/2006/main" xmlns:r="http://schemas.openxmlformats.org/officeDocument/2006/relationships" xmlns:p="http://schemas.openxmlformats.org/presentationml/2006/main">
+  <p:cSld>
+    <p:spTree>
+      <p:nvGrpSpPr>
         <p:cNvPr id="1" name="">
           <a:extLst>
             <a:ext uri="{FF2B5EF4-FFF2-40B4-BE49-F238E27FC236}">
@@ -9079,297 +11901,6 @@
     <p:extLst>
       <p:ext uri="{BB962C8B-B14F-4D97-AF65-F5344CB8AC3E}">
         <p14:creationId xmlns:p14="http://schemas.microsoft.com/office/powerpoint/2010/main" val="3428037369"/>
-      </p:ext>
-    </p:extLst>
-  </p:cSld>
-  <p:clrMapOvr>
-    <a:masterClrMapping/>
-  </p:clrMapOvr>
-</p:sld>
-</file>
-
-<file path=ppt/slides/slide21.xml><?xml version="1.0" encoding="utf-8"?>
-<p:sld xmlns:a="http://schemas.openxmlformats.org/drawingml/2006/main" xmlns:r="http://schemas.openxmlformats.org/officeDocument/2006/relationships" xmlns:p="http://schemas.openxmlformats.org/presentationml/2006/main">
-  <p:cSld>
-    <p:spTree>
-      <p:nvGrpSpPr>
-        <p:cNvPr id="1" name=""/>
-        <p:cNvGrpSpPr/>
-        <p:nvPr/>
-      </p:nvGrpSpPr>
-      <p:grpSpPr>
-        <a:xfrm>
-          <a:off x="0" y="0"/>
-          <a:ext cx="0" cy="0"/>
-          <a:chOff x="0" y="0"/>
-          <a:chExt cx="0" cy="0"/>
-        </a:xfrm>
-      </p:grpSpPr>
-      <p:sp>
-        <p:nvSpPr>
-          <p:cNvPr id="3" name="Content Placeholder 2">
-            <a:extLst>
-              <a:ext uri="{FF2B5EF4-FFF2-40B4-BE49-F238E27FC236}">
-                <a16:creationId xmlns:a16="http://schemas.microsoft.com/office/drawing/2014/main" id="{258E6AF3-7615-4BD1-878E-A94C93E98F90}"/>
-              </a:ext>
-            </a:extLst>
-          </p:cNvPr>
-          <p:cNvSpPr>
-            <a:spLocks noGrp="1"/>
-          </p:cNvSpPr>
-          <p:nvPr>
-            <p:ph idx="1"/>
-          </p:nvPr>
-        </p:nvSpPr>
-        <p:spPr>
-          <a:xfrm>
-            <a:off x="838200" y="1324927"/>
-            <a:ext cx="10515600" cy="5311004"/>
-          </a:xfrm>
-        </p:spPr>
-        <p:txBody>
-          <a:bodyPr>
-            <a:normAutofit/>
-          </a:bodyPr>
-          <a:lstStyle/>
-          <a:p>
-            <a:pPr marL="0" indent="0">
-              <a:buNone/>
-            </a:pPr>
-            <a:r>
-              <a:rPr lang="en-US" b="1" dirty="0"/>
-              <a:t>Ed Discussion is the primary means of communication </a:t>
-            </a:r>
-            <a:r>
-              <a:rPr lang="en-US" dirty="0"/>
-              <a:t>for this course  </a:t>
-            </a:r>
-          </a:p>
-          <a:p>
-            <a:r>
-              <a:rPr lang="en-US" dirty="0"/>
-              <a:t>Use Ed Discussion to get help with assignments and projects </a:t>
-            </a:r>
-          </a:p>
-          <a:p>
-            <a:pPr lvl="1"/>
-            <a:r>
-              <a:rPr lang="en-US" dirty="0"/>
-              <a:t>It’s </a:t>
-            </a:r>
-            <a:r>
-              <a:rPr lang="en-US" b="1" dirty="0"/>
-              <a:t>okay to post code for your question!</a:t>
-            </a:r>
-          </a:p>
-          <a:p>
-            <a:pPr lvl="1"/>
-            <a:r>
-              <a:rPr lang="en-US" b="1" dirty="0">
-                <a:solidFill>
-                  <a:srgbClr val="FF0000"/>
-                </a:solidFill>
-              </a:rPr>
-              <a:t>Post code and complete exception messages if you are dealing with code problem!</a:t>
-            </a:r>
-          </a:p>
-          <a:p>
-            <a:r>
-              <a:rPr lang="en-US" dirty="0"/>
-              <a:t>Graded online class discussions take place in Ed    </a:t>
-            </a:r>
-          </a:p>
-          <a:p>
-            <a:r>
-              <a:rPr lang="en-US" dirty="0"/>
-              <a:t>Private communications regarding matters such as grades</a:t>
-            </a:r>
-          </a:p>
-          <a:p>
-            <a:pPr lvl="1"/>
-            <a:r>
-              <a:rPr lang="en-US" dirty="0"/>
-              <a:t>Use private messages in Ed Discussion for fastest response </a:t>
-            </a:r>
-          </a:p>
-          <a:p>
-            <a:pPr lvl="1"/>
-            <a:r>
-              <a:rPr lang="en-US" dirty="0"/>
-              <a:t>Or, </a:t>
-            </a:r>
-            <a:r>
-              <a:rPr lang="en-US" dirty="0" err="1"/>
-              <a:t>stephen_Elston</a:t>
-            </a:r>
-            <a:r>
-              <a:rPr lang="en-US" dirty="0"/>
-              <a:t> at g dot </a:t>
-            </a:r>
-            <a:r>
-              <a:rPr lang="en-US" dirty="0" err="1"/>
-              <a:t>harvard</a:t>
-            </a:r>
-            <a:r>
-              <a:rPr lang="en-US" dirty="0"/>
-              <a:t> dot </a:t>
-            </a:r>
-            <a:r>
-              <a:rPr lang="en-US" dirty="0" err="1"/>
-              <a:t>edu</a:t>
-            </a:r>
-            <a:r>
-              <a:rPr lang="en-US" dirty="0"/>
-              <a:t>, Eric </a:t>
-            </a:r>
-            <a:r>
-              <a:rPr lang="en-US" dirty="0" err="1">
-                <a:latin typeface="+mn-lt"/>
-              </a:rPr>
-              <a:t>Trucksess</a:t>
-            </a:r>
-            <a:r>
-              <a:rPr lang="en-US" dirty="0"/>
-              <a:t> </a:t>
-            </a:r>
-            <a:r>
-              <a:rPr lang="en-US" b="0" i="0" dirty="0">
-                <a:solidFill>
-                  <a:srgbClr val="5E5E5E"/>
-                </a:solidFill>
-                <a:effectLst/>
-                <a:latin typeface="Google Sans"/>
-              </a:rPr>
-              <a:t>ert713 at g dot Harvard dot </a:t>
-            </a:r>
-            <a:r>
-              <a:rPr lang="en-US" b="0" i="0" dirty="0" err="1">
-                <a:solidFill>
-                  <a:srgbClr val="5E5E5E"/>
-                </a:solidFill>
-                <a:effectLst/>
-                <a:latin typeface="Google Sans"/>
-              </a:rPr>
-              <a:t>edu</a:t>
-            </a:r>
-            <a:r>
-              <a:rPr lang="en-US" b="0" i="0" dirty="0">
-                <a:solidFill>
-                  <a:srgbClr val="5E5E5E"/>
-                </a:solidFill>
-                <a:effectLst/>
-                <a:latin typeface="Google Sans"/>
-              </a:rPr>
-              <a:t>, George Cruz, </a:t>
-            </a:r>
-            <a:r>
-              <a:rPr lang="en-US" b="0" i="0" dirty="0" err="1">
-                <a:solidFill>
-                  <a:srgbClr val="5E5E5E"/>
-                </a:solidFill>
-                <a:effectLst/>
-                <a:latin typeface="Google Sans"/>
-              </a:rPr>
-              <a:t>George_crz</a:t>
-            </a:r>
-            <a:r>
-              <a:rPr lang="en-US" b="0" i="0" dirty="0">
-                <a:solidFill>
-                  <a:srgbClr val="5E5E5E"/>
-                </a:solidFill>
-                <a:effectLst/>
-                <a:latin typeface="Google Sans"/>
-              </a:rPr>
-              <a:t> at outlook dot com</a:t>
-            </a:r>
-          </a:p>
-          <a:p>
-            <a:pPr lvl="1"/>
-            <a:r>
-              <a:rPr lang="en-US" b="1" dirty="0">
-                <a:solidFill>
-                  <a:srgbClr val="5E5E5E"/>
-                </a:solidFill>
-                <a:latin typeface="Google Sans"/>
-              </a:rPr>
-              <a:t>Private one-on-one appointments on request</a:t>
-            </a:r>
-            <a:endParaRPr lang="en-US" b="1" i="0" dirty="0">
-              <a:solidFill>
-                <a:srgbClr val="5E5E5E"/>
-              </a:solidFill>
-              <a:effectLst/>
-              <a:latin typeface="Google Sans"/>
-            </a:endParaRPr>
-          </a:p>
-          <a:p>
-            <a:r>
-              <a:rPr lang="en-US" b="1" dirty="0"/>
-              <a:t>Do not use Canvas messages, unless you want a delayed response!   </a:t>
-            </a:r>
-          </a:p>
-        </p:txBody>
-      </p:sp>
-      <p:sp>
-        <p:nvSpPr>
-          <p:cNvPr id="6" name="Title 1">
-            <a:extLst>
-              <a:ext uri="{FF2B5EF4-FFF2-40B4-BE49-F238E27FC236}">
-                <a16:creationId xmlns:a16="http://schemas.microsoft.com/office/drawing/2014/main" id="{CD29F70F-B868-451B-A65D-8721F4C7A2D9}"/>
-              </a:ext>
-            </a:extLst>
-          </p:cNvPr>
-          <p:cNvSpPr txBox="1">
-            <a:spLocks/>
-          </p:cNvSpPr>
-          <p:nvPr/>
-        </p:nvSpPr>
-        <p:spPr>
-          <a:xfrm>
-            <a:off x="838200" y="-635"/>
-            <a:ext cx="10515600" cy="1325563"/>
-          </a:xfrm>
-          <a:prstGeom prst="rect">
-            <a:avLst/>
-          </a:prstGeom>
-        </p:spPr>
-        <p:txBody>
-          <a:bodyPr vert="horz" lIns="91440" tIns="45720" rIns="91440" bIns="45720" rtlCol="0" anchor="ctr">
-            <a:normAutofit/>
-          </a:bodyPr>
-          <a:lstStyle>
-            <a:lvl1pPr algn="l" defTabSz="914400" rtl="0" eaLnBrk="1" latinLnBrk="0" hangingPunct="1">
-              <a:lnSpc>
-                <a:spcPct val="90000"/>
-              </a:lnSpc>
-              <a:spcBef>
-                <a:spcPct val="0"/>
-              </a:spcBef>
-              <a:buNone/>
-              <a:defRPr sz="4400" kern="1200">
-                <a:solidFill>
-                  <a:schemeClr val="tx1"/>
-                </a:solidFill>
-                <a:latin typeface="+mj-lt"/>
-                <a:ea typeface="+mj-ea"/>
-                <a:cs typeface="+mj-cs"/>
-              </a:defRPr>
-            </a:lvl1pPr>
-          </a:lstStyle>
-          <a:p>
-            <a:r>
-              <a:rPr lang="en-US" dirty="0">
-                <a:latin typeface="+mn-lt"/>
-              </a:rPr>
-              <a:t>Communication </a:t>
-            </a:r>
-          </a:p>
-        </p:txBody>
-      </p:sp>
-    </p:spTree>
-    <p:extLst>
-      <p:ext uri="{BB962C8B-B14F-4D97-AF65-F5344CB8AC3E}">
-        <p14:creationId xmlns:p14="http://schemas.microsoft.com/office/powerpoint/2010/main" val="1228520043"/>
       </p:ext>
     </p:extLst>
   </p:cSld>
@@ -9428,58 +11959,175 @@
               <a:buNone/>
             </a:pPr>
             <a:r>
+              <a:rPr lang="en-US" b="1" dirty="0"/>
+              <a:t>Ed Discussion is the primary means of communication </a:t>
+            </a:r>
+            <a:r>
               <a:rPr lang="en-US" dirty="0"/>
-              <a:t>Timely release of assignment solutions is an important part of the learning process </a:t>
-            </a:r>
-          </a:p>
-          <a:p>
+              <a:t>for this course  </a:t>
+            </a:r>
+          </a:p>
+          <a:p>
+            <a:r>
+              <a:rPr lang="en-US" dirty="0"/>
+              <a:t>Use Ed Discussion to get help with assignments and projects </a:t>
+            </a:r>
+          </a:p>
+          <a:p>
+            <a:pPr lvl="1"/>
+            <a:r>
+              <a:rPr lang="en-US" dirty="0"/>
+              <a:t>It’s </a:t>
+            </a:r>
+            <a:r>
+              <a:rPr lang="en-US" b="1" dirty="0"/>
+              <a:t>okay to post code for your question!</a:t>
+            </a:r>
+          </a:p>
+          <a:p>
+            <a:pPr lvl="1"/>
             <a:r>
               <a:rPr lang="en-US" b="1" dirty="0">
                 <a:solidFill>
-                  <a:srgbClr val="C00000"/>
+                  <a:srgbClr val="FF0000"/>
                 </a:solidFill>
               </a:rPr>
-              <a:t>Harvard Summer School moves at an intense pace!!</a:t>
+              <a:t>Post code and complete exception messages if you are dealing with code problem!</a:t>
             </a:r>
           </a:p>
           <a:p>
             <a:r>
               <a:rPr lang="en-US" dirty="0"/>
-              <a:t>Late assignment policy:   </a:t>
+              <a:t>Graded online class discussions take place in Ed    </a:t>
+            </a:r>
+          </a:p>
+          <a:p>
+            <a:r>
+              <a:rPr lang="en-US" dirty="0"/>
+              <a:t>Private communications regarding matters such as grades</a:t>
             </a:r>
           </a:p>
           <a:p>
             <a:pPr lvl="1"/>
             <a:r>
               <a:rPr lang="en-US" dirty="0"/>
-              <a:t>Up to one day late - no penalty  </a:t>
+              <a:t>Use private messages in Ed Discussion for fastest response </a:t>
             </a:r>
           </a:p>
           <a:p>
             <a:pPr lvl="1"/>
             <a:r>
               <a:rPr lang="en-US" dirty="0"/>
-              <a:t>Up to 3 days late - less 20% </a:t>
+              <a:t>Or, </a:t>
+            </a:r>
+            <a:r>
+              <a:rPr lang="en-US" dirty="0" err="1"/>
+              <a:t>stephen_Elston</a:t>
+            </a:r>
+            <a:r>
+              <a:rPr lang="en-US" dirty="0"/>
+              <a:t> at g dot </a:t>
+            </a:r>
+            <a:r>
+              <a:rPr lang="en-US" dirty="0" err="1"/>
+              <a:t>harvard</a:t>
+            </a:r>
+            <a:r>
+              <a:rPr lang="en-US" dirty="0"/>
+              <a:t> dot </a:t>
+            </a:r>
+            <a:r>
+              <a:rPr lang="en-US" dirty="0" err="1"/>
+              <a:t>edu</a:t>
+            </a:r>
+            <a:r>
+              <a:rPr lang="en-US" dirty="0"/>
+              <a:t>, Eric </a:t>
+            </a:r>
+            <a:r>
+              <a:rPr lang="en-US" dirty="0" err="1">
+                <a:latin typeface="+mn-lt"/>
+              </a:rPr>
+              <a:t>Trucksess</a:t>
+            </a:r>
+            <a:r>
+              <a:rPr lang="en-US" dirty="0"/>
+              <a:t> </a:t>
+            </a:r>
+            <a:r>
+              <a:rPr lang="en-US" b="0" i="0" dirty="0">
+                <a:solidFill>
+                  <a:srgbClr val="5E5E5E"/>
+                </a:solidFill>
+                <a:effectLst/>
+                <a:latin typeface="Google Sans"/>
+              </a:rPr>
+              <a:t>ert713 at g dot Harvard dot </a:t>
+            </a:r>
+            <a:r>
+              <a:rPr lang="en-US" b="0" i="0" dirty="0" err="1">
+                <a:solidFill>
+                  <a:srgbClr val="5E5E5E"/>
+                </a:solidFill>
+                <a:effectLst/>
+                <a:latin typeface="Google Sans"/>
+              </a:rPr>
+              <a:t>edu</a:t>
+            </a:r>
+            <a:r>
+              <a:rPr lang="en-US" b="0" i="0" dirty="0">
+                <a:solidFill>
+                  <a:srgbClr val="5E5E5E"/>
+                </a:solidFill>
+                <a:effectLst/>
+                <a:latin typeface="Google Sans"/>
+              </a:rPr>
+              <a:t>, George Cruz, </a:t>
+            </a:r>
+            <a:r>
+              <a:rPr lang="en-US" b="0" i="0" dirty="0" err="1">
+                <a:solidFill>
+                  <a:srgbClr val="5E5E5E"/>
+                </a:solidFill>
+                <a:effectLst/>
+                <a:latin typeface="Google Sans"/>
+              </a:rPr>
+              <a:t>George_crz</a:t>
+            </a:r>
+            <a:r>
+              <a:rPr lang="en-US" b="0" i="0" dirty="0">
+                <a:solidFill>
+                  <a:srgbClr val="5E5E5E"/>
+                </a:solidFill>
+                <a:effectLst/>
+                <a:latin typeface="Google Sans"/>
+              </a:rPr>
+              <a:t> at outlook dot com</a:t>
             </a:r>
           </a:p>
           <a:p>
             <a:pPr lvl="1"/>
             <a:r>
-              <a:rPr lang="en-US" dirty="0"/>
-              <a:t>More than 3 days late - no credit   </a:t>
-            </a:r>
-          </a:p>
-          <a:p>
-            <a:pPr marL="0" indent="0">
-              <a:buNone/>
-            </a:pPr>
-            <a:r>
-              <a:rPr lang="en-US" dirty="0">
+              <a:rPr lang="en-US" b="1" dirty="0">
                 <a:solidFill>
-                  <a:srgbClr val="C00000"/>
+                  <a:srgbClr val="5E5E5E"/>
                 </a:solidFill>
+                <a:latin typeface="Google Sans"/>
               </a:rPr>
-              <a:t>Make sure you turn in work on time!</a:t>
+              <a:t>Private one-on-one appointments on request</a:t>
+            </a:r>
+            <a:endParaRPr lang="en-US" b="1" i="0" dirty="0">
+              <a:solidFill>
+                <a:srgbClr val="5E5E5E"/>
+              </a:solidFill>
+              <a:effectLst/>
+              <a:latin typeface="Google Sans"/>
+            </a:endParaRPr>
+          </a:p>
+          <a:p>
+            <a:r>
+              <a:rPr lang="en-US" b="1" dirty="0"/>
+              <a:t>Do not use Canvas messages, unless you want a delayed response!   </a:t>
             </a:r>
           </a:p>
         </p:txBody>
@@ -9535,7 +12183,7 @@
               <a:rPr lang="en-US" dirty="0">
                 <a:latin typeface="+mn-lt"/>
               </a:rPr>
-              <a:t>Late Assignment Policy</a:t>
+              <a:t>Communication </a:t>
             </a:r>
           </a:p>
         </p:txBody>
@@ -9543,7 +12191,7 @@
     </p:spTree>
     <p:extLst>
       <p:ext uri="{BB962C8B-B14F-4D97-AF65-F5344CB8AC3E}">
-        <p14:creationId xmlns:p14="http://schemas.microsoft.com/office/powerpoint/2010/main" val="2940685853"/>
+        <p14:creationId xmlns:p14="http://schemas.microsoft.com/office/powerpoint/2010/main" val="1228520043"/>
       </p:ext>
     </p:extLst>
   </p:cSld>
@@ -9554,7 +12202,7 @@
 </file>
 
 <file path=ppt/slides/slide23.xml><?xml version="1.0" encoding="utf-8"?>
-<p:sld xmlns:a="http://schemas.openxmlformats.org/drawingml/2006/main" xmlns:r="http://schemas.openxmlformats.org/officeDocument/2006/relationships" xmlns:p="http://schemas.openxmlformats.org/presentationml/2006/main" show="0">
+<p:sld xmlns:a="http://schemas.openxmlformats.org/drawingml/2006/main" xmlns:r="http://schemas.openxmlformats.org/officeDocument/2006/relationships" xmlns:p="http://schemas.openxmlformats.org/presentationml/2006/main">
   <p:cSld>
     <p:spTree>
       <p:nvGrpSpPr>
@@ -9589,7 +12237,7 @@
         <p:spPr>
           <a:xfrm>
             <a:off x="838200" y="1324927"/>
-            <a:ext cx="10515600" cy="4898217"/>
+            <a:ext cx="10515600" cy="5311004"/>
           </a:xfrm>
         </p:spPr>
         <p:txBody>
@@ -9608,18 +12256,13 @@
           </a:p>
           <a:p>
             <a:r>
-              <a:rPr lang="en-US" b="1" dirty="0"/>
-              <a:t>Do not fall behind! </a:t>
-            </a:r>
-            <a:r>
-              <a:rPr lang="en-US" dirty="0"/>
-              <a:t>With 9-10 assignments and a project, there is very </a:t>
-            </a:r>
-            <a:r>
-              <a:rPr lang="en-US" b="1" dirty="0"/>
-              <a:t>little time to “catch-up”</a:t>
-            </a:r>
-            <a:endParaRPr lang="en-US" dirty="0"/>
+              <a:rPr lang="en-US" b="1" dirty="0">
+                <a:solidFill>
+                  <a:srgbClr val="C00000"/>
+                </a:solidFill>
+              </a:rPr>
+              <a:t>Harvard Summer School moves at an intense pace!!</a:t>
+            </a:r>
           </a:p>
           <a:p>
             <a:r>
@@ -9638,14 +12281,14 @@
             <a:pPr lvl="1"/>
             <a:r>
               <a:rPr lang="en-US" dirty="0"/>
-              <a:t>Up to 6 days late - less 20% </a:t>
+              <a:t>Up to 3 days late - less 20% </a:t>
             </a:r>
           </a:p>
           <a:p>
             <a:pPr lvl="1"/>
             <a:r>
               <a:rPr lang="en-US" dirty="0"/>
-              <a:t>More than 6 days late - no credit   </a:t>
+              <a:t>More than 3 days late - no credit   </a:t>
             </a:r>
           </a:p>
           <a:p>
@@ -9653,7 +12296,7 @@
               <a:buNone/>
             </a:pPr>
             <a:r>
-              <a:rPr lang="en-US" b="1" dirty="0">
+              <a:rPr lang="en-US" dirty="0">
                 <a:solidFill>
                   <a:srgbClr val="C00000"/>
                 </a:solidFill>
@@ -9722,6 +12365,185 @@
     </p:spTree>
     <p:extLst>
       <p:ext uri="{BB962C8B-B14F-4D97-AF65-F5344CB8AC3E}">
+        <p14:creationId xmlns:p14="http://schemas.microsoft.com/office/powerpoint/2010/main" val="2940685853"/>
+      </p:ext>
+    </p:extLst>
+  </p:cSld>
+  <p:clrMapOvr>
+    <a:masterClrMapping/>
+  </p:clrMapOvr>
+</p:sld>
+</file>
+
+<file path=ppt/slides/slide24.xml><?xml version="1.0" encoding="utf-8"?>
+<p:sld xmlns:a="http://schemas.openxmlformats.org/drawingml/2006/main" xmlns:r="http://schemas.openxmlformats.org/officeDocument/2006/relationships" xmlns:p="http://schemas.openxmlformats.org/presentationml/2006/main" show="0">
+  <p:cSld>
+    <p:spTree>
+      <p:nvGrpSpPr>
+        <p:cNvPr id="1" name=""/>
+        <p:cNvGrpSpPr/>
+        <p:nvPr/>
+      </p:nvGrpSpPr>
+      <p:grpSpPr>
+        <a:xfrm>
+          <a:off x="0" y="0"/>
+          <a:ext cx="0" cy="0"/>
+          <a:chOff x="0" y="0"/>
+          <a:chExt cx="0" cy="0"/>
+        </a:xfrm>
+      </p:grpSpPr>
+      <p:sp>
+        <p:nvSpPr>
+          <p:cNvPr id="3" name="Content Placeholder 2">
+            <a:extLst>
+              <a:ext uri="{FF2B5EF4-FFF2-40B4-BE49-F238E27FC236}">
+                <a16:creationId xmlns:a16="http://schemas.microsoft.com/office/drawing/2014/main" id="{258E6AF3-7615-4BD1-878E-A94C93E98F90}"/>
+              </a:ext>
+            </a:extLst>
+          </p:cNvPr>
+          <p:cNvSpPr>
+            <a:spLocks noGrp="1"/>
+          </p:cNvSpPr>
+          <p:nvPr>
+            <p:ph idx="1"/>
+          </p:nvPr>
+        </p:nvSpPr>
+        <p:spPr>
+          <a:xfrm>
+            <a:off x="838200" y="1324927"/>
+            <a:ext cx="10515600" cy="4898217"/>
+          </a:xfrm>
+        </p:spPr>
+        <p:txBody>
+          <a:bodyPr>
+            <a:normAutofit/>
+          </a:bodyPr>
+          <a:lstStyle/>
+          <a:p>
+            <a:pPr marL="0" indent="0">
+              <a:buNone/>
+            </a:pPr>
+            <a:r>
+              <a:rPr lang="en-US" dirty="0"/>
+              <a:t>Timely release of assignment solutions is an important part of the learning process </a:t>
+            </a:r>
+          </a:p>
+          <a:p>
+            <a:r>
+              <a:rPr lang="en-US" b="1" dirty="0"/>
+              <a:t>Do not fall behind! </a:t>
+            </a:r>
+            <a:r>
+              <a:rPr lang="en-US" dirty="0"/>
+              <a:t>With 9-10 assignments and a project, there is very </a:t>
+            </a:r>
+            <a:r>
+              <a:rPr lang="en-US" b="1" dirty="0"/>
+              <a:t>little time to “catch-up”</a:t>
+            </a:r>
+            <a:endParaRPr lang="en-US" dirty="0"/>
+          </a:p>
+          <a:p>
+            <a:r>
+              <a:rPr lang="en-US" dirty="0"/>
+              <a:t>Late assignment policy:   </a:t>
+            </a:r>
+          </a:p>
+          <a:p>
+            <a:pPr lvl="1"/>
+            <a:r>
+              <a:rPr lang="en-US" dirty="0"/>
+              <a:t>Up to one day late - no penalty  </a:t>
+            </a:r>
+          </a:p>
+          <a:p>
+            <a:pPr lvl="1"/>
+            <a:r>
+              <a:rPr lang="en-US" dirty="0"/>
+              <a:t>Up to 6 days late - less 20% </a:t>
+            </a:r>
+          </a:p>
+          <a:p>
+            <a:pPr lvl="1"/>
+            <a:r>
+              <a:rPr lang="en-US" dirty="0"/>
+              <a:t>More than 6 days late - no credit   </a:t>
+            </a:r>
+          </a:p>
+          <a:p>
+            <a:pPr marL="0" indent="0">
+              <a:buNone/>
+            </a:pPr>
+            <a:r>
+              <a:rPr lang="en-US" b="1" dirty="0">
+                <a:solidFill>
+                  <a:srgbClr val="C00000"/>
+                </a:solidFill>
+              </a:rPr>
+              <a:t>Make sure you turn in work on time!</a:t>
+            </a:r>
+          </a:p>
+        </p:txBody>
+      </p:sp>
+      <p:sp>
+        <p:nvSpPr>
+          <p:cNvPr id="6" name="Title 1">
+            <a:extLst>
+              <a:ext uri="{FF2B5EF4-FFF2-40B4-BE49-F238E27FC236}">
+                <a16:creationId xmlns:a16="http://schemas.microsoft.com/office/drawing/2014/main" id="{CD29F70F-B868-451B-A65D-8721F4C7A2D9}"/>
+              </a:ext>
+            </a:extLst>
+          </p:cNvPr>
+          <p:cNvSpPr txBox="1">
+            <a:spLocks/>
+          </p:cNvSpPr>
+          <p:nvPr/>
+        </p:nvSpPr>
+        <p:spPr>
+          <a:xfrm>
+            <a:off x="838200" y="-635"/>
+            <a:ext cx="10515600" cy="1325563"/>
+          </a:xfrm>
+          <a:prstGeom prst="rect">
+            <a:avLst/>
+          </a:prstGeom>
+        </p:spPr>
+        <p:txBody>
+          <a:bodyPr vert="horz" lIns="91440" tIns="45720" rIns="91440" bIns="45720" rtlCol="0" anchor="ctr">
+            <a:normAutofit/>
+          </a:bodyPr>
+          <a:lstStyle>
+            <a:lvl1pPr algn="l" defTabSz="914400" rtl="0" eaLnBrk="1" latinLnBrk="0" hangingPunct="1">
+              <a:lnSpc>
+                <a:spcPct val="90000"/>
+              </a:lnSpc>
+              <a:spcBef>
+                <a:spcPct val="0"/>
+              </a:spcBef>
+              <a:buNone/>
+              <a:defRPr sz="4400" kern="1200">
+                <a:solidFill>
+                  <a:schemeClr val="tx1"/>
+                </a:solidFill>
+                <a:latin typeface="+mj-lt"/>
+                <a:ea typeface="+mj-ea"/>
+                <a:cs typeface="+mj-cs"/>
+              </a:defRPr>
+            </a:lvl1pPr>
+          </a:lstStyle>
+          <a:p>
+            <a:r>
+              <a:rPr lang="en-US" dirty="0">
+                <a:latin typeface="+mn-lt"/>
+              </a:rPr>
+              <a:t>Late Assignment Policy</a:t>
+            </a:r>
+          </a:p>
+        </p:txBody>
+      </p:sp>
+    </p:spTree>
+    <p:extLst>
+      <p:ext uri="{BB962C8B-B14F-4D97-AF65-F5344CB8AC3E}">
         <p14:creationId xmlns:p14="http://schemas.microsoft.com/office/powerpoint/2010/main" val="1424932590"/>
       </p:ext>
     </p:extLst>
@@ -9732,7 +12554,7 @@
 </p:sld>
 </file>
 
-<file path=ppt/slides/slide24.xml><?xml version="1.0" encoding="utf-8"?>
+<file path=ppt/slides/slide25.xml><?xml version="1.0" encoding="utf-8"?>
 <p:sld xmlns:a="http://schemas.openxmlformats.org/drawingml/2006/main" xmlns:r="http://schemas.openxmlformats.org/officeDocument/2006/relationships" xmlns:p="http://schemas.openxmlformats.org/presentationml/2006/main">
   <p:cSld>
     <p:spTree>
@@ -9792,7 +12614,7 @@
 </p:sld>
 </file>
 
-<file path=ppt/slides/slide25.xml><?xml version="1.0" encoding="utf-8"?>
+<file path=ppt/slides/slide26.xml><?xml version="1.0" encoding="utf-8"?>
 <p:sld xmlns:a="http://schemas.openxmlformats.org/drawingml/2006/main" xmlns:r="http://schemas.openxmlformats.org/officeDocument/2006/relationships" xmlns:p="http://schemas.openxmlformats.org/presentationml/2006/main">
   <p:cSld>
     <p:spTree>
@@ -10354,7 +13176,7 @@
 </p:sld>
 </file>
 
-<file path=ppt/slides/slide26.xml><?xml version="1.0" encoding="utf-8"?>
+<file path=ppt/slides/slide27.xml><?xml version="1.0" encoding="utf-8"?>
 <p:sld xmlns:a="http://schemas.openxmlformats.org/drawingml/2006/main" xmlns:r="http://schemas.openxmlformats.org/officeDocument/2006/relationships" xmlns:p="http://schemas.openxmlformats.org/presentationml/2006/main">
   <p:cSld>
     <p:spTree>
@@ -10414,7 +13236,7 @@
 </p:sld>
 </file>
 
-<file path=ppt/slides/slide27.xml><?xml version="1.0" encoding="utf-8"?>
+<file path=ppt/slides/slide28.xml><?xml version="1.0" encoding="utf-8"?>
 <p:sld xmlns:a="http://schemas.openxmlformats.org/drawingml/2006/main" xmlns:r="http://schemas.openxmlformats.org/officeDocument/2006/relationships" xmlns:p="http://schemas.openxmlformats.org/presentationml/2006/main">
   <p:cSld>
     <p:spTree>
@@ -11115,7 +13937,7 @@
 </p:sld>
 </file>
 
-<file path=ppt/slides/slide28.xml><?xml version="1.0" encoding="utf-8"?>
+<file path=ppt/slides/slide29.xml><?xml version="1.0" encoding="utf-8"?>
 <p:sld xmlns:a="http://schemas.openxmlformats.org/drawingml/2006/main" xmlns:r="http://schemas.openxmlformats.org/officeDocument/2006/relationships" xmlns:p="http://schemas.openxmlformats.org/presentationml/2006/main">
   <p:cSld>
     <p:spTree>
@@ -11730,7 +14552,509 @@
 </p:sld>
 </file>
 
-<file path=ppt/slides/slide29.xml><?xml version="1.0" encoding="utf-8"?>
+<file path=ppt/slides/slide3.xml><?xml version="1.0" encoding="utf-8"?>
+<p:sld xmlns:a="http://schemas.openxmlformats.org/drawingml/2006/main" xmlns:r="http://schemas.openxmlformats.org/officeDocument/2006/relationships" xmlns:p="http://schemas.openxmlformats.org/presentationml/2006/main">
+  <p:cSld>
+    <p:spTree>
+      <p:nvGrpSpPr>
+        <p:cNvPr id="1" name=""/>
+        <p:cNvGrpSpPr/>
+        <p:nvPr/>
+      </p:nvGrpSpPr>
+      <p:grpSpPr>
+        <a:xfrm>
+          <a:off x="0" y="0"/>
+          <a:ext cx="0" cy="0"/>
+          <a:chOff x="0" y="0"/>
+          <a:chExt cx="0" cy="0"/>
+        </a:xfrm>
+      </p:grpSpPr>
+      <p:sp>
+        <p:nvSpPr>
+          <p:cNvPr id="3" name="Content Placeholder 2">
+            <a:extLst>
+              <a:ext uri="{FF2B5EF4-FFF2-40B4-BE49-F238E27FC236}">
+                <a16:creationId xmlns:a16="http://schemas.microsoft.com/office/drawing/2014/main" id="{258E6AF3-7615-4BD1-878E-A94C93E98F90}"/>
+              </a:ext>
+            </a:extLst>
+          </p:cNvPr>
+          <p:cNvSpPr>
+            <a:spLocks noGrp="1"/>
+          </p:cNvSpPr>
+          <p:nvPr>
+            <p:ph idx="1"/>
+          </p:nvPr>
+        </p:nvSpPr>
+        <p:spPr/>
+        <p:txBody>
+          <a:bodyPr/>
+          <a:lstStyle/>
+          <a:p>
+            <a:pPr marL="0" indent="0">
+              <a:buNone/>
+            </a:pPr>
+            <a:r>
+              <a:rPr lang="en-US" dirty="0"/>
+              <a:t>Data mining is the science of </a:t>
+            </a:r>
+            <a:r>
+              <a:rPr lang="en-US" b="1" dirty="0"/>
+              <a:t>actionable knowledge discovery</a:t>
+            </a:r>
+            <a:r>
+              <a:rPr lang="en-US" dirty="0"/>
+              <a:t> from inferences on massive datasets </a:t>
+            </a:r>
+            <a:endParaRPr lang="en-US" b="1" dirty="0"/>
+          </a:p>
+          <a:p>
+            <a:r>
+              <a:rPr lang="en-US" dirty="0"/>
+              <a:t>Known as </a:t>
+            </a:r>
+            <a:r>
+              <a:rPr lang="en-US" b="1" dirty="0"/>
+              <a:t>knowledge discovery and data mining (KDD) </a:t>
+            </a:r>
+          </a:p>
+          <a:p>
+            <a:r>
+              <a:rPr lang="en-US" dirty="0"/>
+              <a:t>Data mining is an </a:t>
+            </a:r>
+            <a:r>
+              <a:rPr lang="en-US" b="1" dirty="0"/>
+              <a:t>iterative process of exploration   </a:t>
+            </a:r>
+          </a:p>
+          <a:p>
+            <a:r>
+              <a:rPr lang="en-US" dirty="0"/>
+              <a:t>Exploration is difficult   </a:t>
+            </a:r>
+          </a:p>
+          <a:p>
+            <a:pPr lvl="1"/>
+            <a:r>
+              <a:rPr lang="en-US" dirty="0"/>
+              <a:t>Many steps</a:t>
+            </a:r>
+          </a:p>
+          <a:p>
+            <a:pPr lvl="1"/>
+            <a:r>
+              <a:rPr lang="en-US" dirty="0"/>
+              <a:t>Only some attempts work </a:t>
+            </a:r>
+          </a:p>
+          <a:p>
+            <a:r>
+              <a:rPr lang="en-US" b="1" dirty="0">
+                <a:solidFill>
+                  <a:srgbClr val="C00000"/>
+                </a:solidFill>
+              </a:rPr>
+              <a:t>Try lots of ideas, fail fast, keep the ones that work! </a:t>
+            </a:r>
+          </a:p>
+          <a:p>
+            <a:pPr lvl="1"/>
+            <a:r>
+              <a:rPr lang="en-US" b="1" dirty="0"/>
+              <a:t>Keep this in mind when doing your graduate project!</a:t>
+            </a:r>
+          </a:p>
+        </p:txBody>
+      </p:sp>
+      <p:sp>
+        <p:nvSpPr>
+          <p:cNvPr id="6" name="Title 1">
+            <a:extLst>
+              <a:ext uri="{FF2B5EF4-FFF2-40B4-BE49-F238E27FC236}">
+                <a16:creationId xmlns:a16="http://schemas.microsoft.com/office/drawing/2014/main" id="{CD29F70F-B868-451B-A65D-8721F4C7A2D9}"/>
+              </a:ext>
+            </a:extLst>
+          </p:cNvPr>
+          <p:cNvSpPr txBox="1">
+            <a:spLocks/>
+          </p:cNvSpPr>
+          <p:nvPr/>
+        </p:nvSpPr>
+        <p:spPr>
+          <a:xfrm>
+            <a:off x="838200" y="-635"/>
+            <a:ext cx="10515600" cy="1325563"/>
+          </a:xfrm>
+          <a:prstGeom prst="rect">
+            <a:avLst/>
+          </a:prstGeom>
+        </p:spPr>
+        <p:txBody>
+          <a:bodyPr vert="horz" lIns="91440" tIns="45720" rIns="91440" bIns="45720" rtlCol="0" anchor="ctr">
+            <a:normAutofit/>
+          </a:bodyPr>
+          <a:lstStyle>
+            <a:lvl1pPr algn="l" defTabSz="914400" rtl="0" eaLnBrk="1" latinLnBrk="0" hangingPunct="1">
+              <a:lnSpc>
+                <a:spcPct val="90000"/>
+              </a:lnSpc>
+              <a:spcBef>
+                <a:spcPct val="0"/>
+              </a:spcBef>
+              <a:buNone/>
+              <a:defRPr sz="4400" kern="1200">
+                <a:solidFill>
+                  <a:schemeClr val="tx1"/>
+                </a:solidFill>
+                <a:latin typeface="+mj-lt"/>
+                <a:ea typeface="+mj-ea"/>
+                <a:cs typeface="+mj-cs"/>
+              </a:defRPr>
+            </a:lvl1pPr>
+          </a:lstStyle>
+          <a:p>
+            <a:r>
+              <a:rPr lang="en-US" dirty="0">
+                <a:latin typeface="+mn-lt"/>
+              </a:rPr>
+              <a:t>What is data mining?</a:t>
+            </a:r>
+          </a:p>
+        </p:txBody>
+      </p:sp>
+    </p:spTree>
+    <p:extLst>
+      <p:ext uri="{BB962C8B-B14F-4D97-AF65-F5344CB8AC3E}">
+        <p14:creationId xmlns:p14="http://schemas.microsoft.com/office/powerpoint/2010/main" val="115420158"/>
+      </p:ext>
+    </p:extLst>
+  </p:cSld>
+  <p:clrMapOvr>
+    <a:masterClrMapping/>
+  </p:clrMapOvr>
+  <p:timing>
+    <p:tnLst>
+      <p:par>
+        <p:cTn id="1" dur="indefinite" restart="never" nodeType="tmRoot">
+          <p:childTnLst>
+            <p:seq concurrent="1" nextAc="seek">
+              <p:cTn id="2" dur="indefinite" nodeType="mainSeq">
+                <p:childTnLst>
+                  <p:par>
+                    <p:cTn id="3" fill="hold">
+                      <p:stCondLst>
+                        <p:cond delay="indefinite"/>
+                      </p:stCondLst>
+                      <p:childTnLst>
+                        <p:par>
+                          <p:cTn id="4" fill="hold">
+                            <p:stCondLst>
+                              <p:cond delay="0"/>
+                            </p:stCondLst>
+                            <p:childTnLst>
+                              <p:par>
+                                <p:cTn id="5" presetID="1" presetClass="entr" presetSubtype="0" fill="hold" nodeType="clickEffect">
+                                  <p:stCondLst>
+                                    <p:cond delay="0"/>
+                                  </p:stCondLst>
+                                  <p:childTnLst>
+                                    <p:set>
+                                      <p:cBhvr>
+                                        <p:cTn id="6" dur="1" fill="hold">
+                                          <p:stCondLst>
+                                            <p:cond delay="0"/>
+                                          </p:stCondLst>
+                                        </p:cTn>
+                                        <p:tgtEl>
+                                          <p:spTgt spid="3">
+                                            <p:txEl>
+                                              <p:pRg st="1" end="1"/>
+                                            </p:txEl>
+                                          </p:spTgt>
+                                        </p:tgtEl>
+                                        <p:attrNameLst>
+                                          <p:attrName>style.visibility</p:attrName>
+                                        </p:attrNameLst>
+                                      </p:cBhvr>
+                                      <p:to>
+                                        <p:strVal val="visible"/>
+                                      </p:to>
+                                    </p:set>
+                                  </p:childTnLst>
+                                </p:cTn>
+                              </p:par>
+                            </p:childTnLst>
+                          </p:cTn>
+                        </p:par>
+                      </p:childTnLst>
+                    </p:cTn>
+                  </p:par>
+                  <p:par>
+                    <p:cTn id="7" fill="hold">
+                      <p:stCondLst>
+                        <p:cond delay="indefinite"/>
+                      </p:stCondLst>
+                      <p:childTnLst>
+                        <p:par>
+                          <p:cTn id="8" fill="hold">
+                            <p:stCondLst>
+                              <p:cond delay="0"/>
+                            </p:stCondLst>
+                            <p:childTnLst>
+                              <p:par>
+                                <p:cTn id="9" presetID="1" presetClass="entr" presetSubtype="0" fill="hold" nodeType="clickEffect">
+                                  <p:stCondLst>
+                                    <p:cond delay="0"/>
+                                  </p:stCondLst>
+                                  <p:childTnLst>
+                                    <p:set>
+                                      <p:cBhvr>
+                                        <p:cTn id="10" dur="1" fill="hold">
+                                          <p:stCondLst>
+                                            <p:cond delay="0"/>
+                                          </p:stCondLst>
+                                        </p:cTn>
+                                        <p:tgtEl>
+                                          <p:spTgt spid="3">
+                                            <p:txEl>
+                                              <p:pRg st="2" end="2"/>
+                                            </p:txEl>
+                                          </p:spTgt>
+                                        </p:tgtEl>
+                                        <p:attrNameLst>
+                                          <p:attrName>style.visibility</p:attrName>
+                                        </p:attrNameLst>
+                                      </p:cBhvr>
+                                      <p:to>
+                                        <p:strVal val="visible"/>
+                                      </p:to>
+                                    </p:set>
+                                  </p:childTnLst>
+                                </p:cTn>
+                              </p:par>
+                            </p:childTnLst>
+                          </p:cTn>
+                        </p:par>
+                      </p:childTnLst>
+                    </p:cTn>
+                  </p:par>
+                  <p:par>
+                    <p:cTn id="11" fill="hold">
+                      <p:stCondLst>
+                        <p:cond delay="indefinite"/>
+                      </p:stCondLst>
+                      <p:childTnLst>
+                        <p:par>
+                          <p:cTn id="12" fill="hold">
+                            <p:stCondLst>
+                              <p:cond delay="0"/>
+                            </p:stCondLst>
+                            <p:childTnLst>
+                              <p:par>
+                                <p:cTn id="13" presetID="1" presetClass="entr" presetSubtype="0" fill="hold" nodeType="clickEffect">
+                                  <p:stCondLst>
+                                    <p:cond delay="0"/>
+                                  </p:stCondLst>
+                                  <p:childTnLst>
+                                    <p:set>
+                                      <p:cBhvr>
+                                        <p:cTn id="14" dur="1" fill="hold">
+                                          <p:stCondLst>
+                                            <p:cond delay="0"/>
+                                          </p:stCondLst>
+                                        </p:cTn>
+                                        <p:tgtEl>
+                                          <p:spTgt spid="3">
+                                            <p:txEl>
+                                              <p:pRg st="3" end="3"/>
+                                            </p:txEl>
+                                          </p:spTgt>
+                                        </p:tgtEl>
+                                        <p:attrNameLst>
+                                          <p:attrName>style.visibility</p:attrName>
+                                        </p:attrNameLst>
+                                      </p:cBhvr>
+                                      <p:to>
+                                        <p:strVal val="visible"/>
+                                      </p:to>
+                                    </p:set>
+                                  </p:childTnLst>
+                                </p:cTn>
+                              </p:par>
+                              <p:par>
+                                <p:cTn id="15" presetID="1" presetClass="entr" presetSubtype="0" fill="hold" nodeType="withEffect">
+                                  <p:stCondLst>
+                                    <p:cond delay="0"/>
+                                  </p:stCondLst>
+                                  <p:childTnLst>
+                                    <p:set>
+                                      <p:cBhvr>
+                                        <p:cTn id="16" dur="1" fill="hold">
+                                          <p:stCondLst>
+                                            <p:cond delay="0"/>
+                                          </p:stCondLst>
+                                        </p:cTn>
+                                        <p:tgtEl>
+                                          <p:spTgt spid="3">
+                                            <p:txEl>
+                                              <p:pRg st="4" end="4"/>
+                                            </p:txEl>
+                                          </p:spTgt>
+                                        </p:tgtEl>
+                                        <p:attrNameLst>
+                                          <p:attrName>style.visibility</p:attrName>
+                                        </p:attrNameLst>
+                                      </p:cBhvr>
+                                      <p:to>
+                                        <p:strVal val="visible"/>
+                                      </p:to>
+                                    </p:set>
+                                  </p:childTnLst>
+                                </p:cTn>
+                              </p:par>
+                              <p:par>
+                                <p:cTn id="17" presetID="1" presetClass="entr" presetSubtype="0" fill="hold" nodeType="withEffect">
+                                  <p:stCondLst>
+                                    <p:cond delay="0"/>
+                                  </p:stCondLst>
+                                  <p:childTnLst>
+                                    <p:set>
+                                      <p:cBhvr>
+                                        <p:cTn id="18" dur="1" fill="hold">
+                                          <p:stCondLst>
+                                            <p:cond delay="0"/>
+                                          </p:stCondLst>
+                                        </p:cTn>
+                                        <p:tgtEl>
+                                          <p:spTgt spid="3">
+                                            <p:txEl>
+                                              <p:pRg st="5" end="5"/>
+                                            </p:txEl>
+                                          </p:spTgt>
+                                        </p:tgtEl>
+                                        <p:attrNameLst>
+                                          <p:attrName>style.visibility</p:attrName>
+                                        </p:attrNameLst>
+                                      </p:cBhvr>
+                                      <p:to>
+                                        <p:strVal val="visible"/>
+                                      </p:to>
+                                    </p:set>
+                                  </p:childTnLst>
+                                </p:cTn>
+                              </p:par>
+                            </p:childTnLst>
+                          </p:cTn>
+                        </p:par>
+                      </p:childTnLst>
+                    </p:cTn>
+                  </p:par>
+                  <p:par>
+                    <p:cTn id="19" fill="hold">
+                      <p:stCondLst>
+                        <p:cond delay="indefinite"/>
+                      </p:stCondLst>
+                      <p:childTnLst>
+                        <p:par>
+                          <p:cTn id="20" fill="hold">
+                            <p:stCondLst>
+                              <p:cond delay="0"/>
+                            </p:stCondLst>
+                            <p:childTnLst>
+                              <p:par>
+                                <p:cTn id="21" presetID="1" presetClass="entr" presetSubtype="0" fill="hold" nodeType="clickEffect">
+                                  <p:stCondLst>
+                                    <p:cond delay="0"/>
+                                  </p:stCondLst>
+                                  <p:childTnLst>
+                                    <p:set>
+                                      <p:cBhvr>
+                                        <p:cTn id="22" dur="1" fill="hold">
+                                          <p:stCondLst>
+                                            <p:cond delay="0"/>
+                                          </p:stCondLst>
+                                        </p:cTn>
+                                        <p:tgtEl>
+                                          <p:spTgt spid="3">
+                                            <p:txEl>
+                                              <p:pRg st="6" end="6"/>
+                                            </p:txEl>
+                                          </p:spTgt>
+                                        </p:tgtEl>
+                                        <p:attrNameLst>
+                                          <p:attrName>style.visibility</p:attrName>
+                                        </p:attrNameLst>
+                                      </p:cBhvr>
+                                      <p:to>
+                                        <p:strVal val="visible"/>
+                                      </p:to>
+                                    </p:set>
+                                  </p:childTnLst>
+                                </p:cTn>
+                              </p:par>
+                              <p:par>
+                                <p:cTn id="23" presetID="1" presetClass="entr" presetSubtype="0" fill="hold" nodeType="withEffect">
+                                  <p:stCondLst>
+                                    <p:cond delay="0"/>
+                                  </p:stCondLst>
+                                  <p:childTnLst>
+                                    <p:set>
+                                      <p:cBhvr>
+                                        <p:cTn id="24" dur="1" fill="hold">
+                                          <p:stCondLst>
+                                            <p:cond delay="0"/>
+                                          </p:stCondLst>
+                                        </p:cTn>
+                                        <p:tgtEl>
+                                          <p:spTgt spid="3">
+                                            <p:txEl>
+                                              <p:pRg st="7" end="7"/>
+                                            </p:txEl>
+                                          </p:spTgt>
+                                        </p:tgtEl>
+                                        <p:attrNameLst>
+                                          <p:attrName>style.visibility</p:attrName>
+                                        </p:attrNameLst>
+                                      </p:cBhvr>
+                                      <p:to>
+                                        <p:strVal val="visible"/>
+                                      </p:to>
+                                    </p:set>
+                                  </p:childTnLst>
+                                </p:cTn>
+                              </p:par>
+                            </p:childTnLst>
+                          </p:cTn>
+                        </p:par>
+                      </p:childTnLst>
+                    </p:cTn>
+                  </p:par>
+                </p:childTnLst>
+              </p:cTn>
+              <p:prevCondLst>
+                <p:cond evt="onPrev" delay="0">
+                  <p:tgtEl>
+                    <p:sldTgt/>
+                  </p:tgtEl>
+                </p:cond>
+              </p:prevCondLst>
+              <p:nextCondLst>
+                <p:cond evt="onNext" delay="0">
+                  <p:tgtEl>
+                    <p:sldTgt/>
+                  </p:tgtEl>
+                </p:cond>
+              </p:nextCondLst>
+            </p:seq>
+          </p:childTnLst>
+        </p:cTn>
+      </p:par>
+    </p:tnLst>
+  </p:timing>
+</p:sld>
+</file>
+
+<file path=ppt/slides/slide30.xml><?xml version="1.0" encoding="utf-8"?>
 <p:sld xmlns:a="http://schemas.openxmlformats.org/drawingml/2006/main" xmlns:r="http://schemas.openxmlformats.org/officeDocument/2006/relationships" xmlns:p="http://schemas.openxmlformats.org/presentationml/2006/main">
   <p:cSld>
     <p:spTree>
@@ -12217,509 +15541,7 @@
 </p:sld>
 </file>
 
-<file path=ppt/slides/slide3.xml><?xml version="1.0" encoding="utf-8"?>
-<p:sld xmlns:a="http://schemas.openxmlformats.org/drawingml/2006/main" xmlns:r="http://schemas.openxmlformats.org/officeDocument/2006/relationships" xmlns:p="http://schemas.openxmlformats.org/presentationml/2006/main">
-  <p:cSld>
-    <p:spTree>
-      <p:nvGrpSpPr>
-        <p:cNvPr id="1" name=""/>
-        <p:cNvGrpSpPr/>
-        <p:nvPr/>
-      </p:nvGrpSpPr>
-      <p:grpSpPr>
-        <a:xfrm>
-          <a:off x="0" y="0"/>
-          <a:ext cx="0" cy="0"/>
-          <a:chOff x="0" y="0"/>
-          <a:chExt cx="0" cy="0"/>
-        </a:xfrm>
-      </p:grpSpPr>
-      <p:sp>
-        <p:nvSpPr>
-          <p:cNvPr id="3" name="Content Placeholder 2">
-            <a:extLst>
-              <a:ext uri="{FF2B5EF4-FFF2-40B4-BE49-F238E27FC236}">
-                <a16:creationId xmlns:a16="http://schemas.microsoft.com/office/drawing/2014/main" id="{258E6AF3-7615-4BD1-878E-A94C93E98F90}"/>
-              </a:ext>
-            </a:extLst>
-          </p:cNvPr>
-          <p:cNvSpPr>
-            <a:spLocks noGrp="1"/>
-          </p:cNvSpPr>
-          <p:nvPr>
-            <p:ph idx="1"/>
-          </p:nvPr>
-        </p:nvSpPr>
-        <p:spPr/>
-        <p:txBody>
-          <a:bodyPr/>
-          <a:lstStyle/>
-          <a:p>
-            <a:pPr marL="0" indent="0">
-              <a:buNone/>
-            </a:pPr>
-            <a:r>
-              <a:rPr lang="en-US" dirty="0"/>
-              <a:t>Data mining is the science of </a:t>
-            </a:r>
-            <a:r>
-              <a:rPr lang="en-US" b="1" dirty="0"/>
-              <a:t>actionable knowledge discovery</a:t>
-            </a:r>
-            <a:r>
-              <a:rPr lang="en-US" dirty="0"/>
-              <a:t> from inferences on massive datasets </a:t>
-            </a:r>
-            <a:endParaRPr lang="en-US" b="1" dirty="0"/>
-          </a:p>
-          <a:p>
-            <a:r>
-              <a:rPr lang="en-US" dirty="0"/>
-              <a:t>Known as </a:t>
-            </a:r>
-            <a:r>
-              <a:rPr lang="en-US" b="1" dirty="0"/>
-              <a:t>knowledge discovery and data mining (KDD) </a:t>
-            </a:r>
-          </a:p>
-          <a:p>
-            <a:r>
-              <a:rPr lang="en-US" dirty="0"/>
-              <a:t>Data mining is an </a:t>
-            </a:r>
-            <a:r>
-              <a:rPr lang="en-US" b="1" dirty="0"/>
-              <a:t>iterative process of exploration   </a:t>
-            </a:r>
-          </a:p>
-          <a:p>
-            <a:r>
-              <a:rPr lang="en-US" dirty="0"/>
-              <a:t>Exploration is difficult   </a:t>
-            </a:r>
-          </a:p>
-          <a:p>
-            <a:pPr lvl="1"/>
-            <a:r>
-              <a:rPr lang="en-US" dirty="0"/>
-              <a:t>Many steps</a:t>
-            </a:r>
-          </a:p>
-          <a:p>
-            <a:pPr lvl="1"/>
-            <a:r>
-              <a:rPr lang="en-US" dirty="0"/>
-              <a:t>Only some attempts work </a:t>
-            </a:r>
-          </a:p>
-          <a:p>
-            <a:r>
-              <a:rPr lang="en-US" b="1" dirty="0">
-                <a:solidFill>
-                  <a:srgbClr val="C00000"/>
-                </a:solidFill>
-              </a:rPr>
-              <a:t>Try lots of ideas, fail fast, keep the ones that work! </a:t>
-            </a:r>
-          </a:p>
-          <a:p>
-            <a:pPr lvl="1"/>
-            <a:r>
-              <a:rPr lang="en-US" b="1" dirty="0"/>
-              <a:t>Keep this in mind when doing your graduate project!</a:t>
-            </a:r>
-          </a:p>
-        </p:txBody>
-      </p:sp>
-      <p:sp>
-        <p:nvSpPr>
-          <p:cNvPr id="6" name="Title 1">
-            <a:extLst>
-              <a:ext uri="{FF2B5EF4-FFF2-40B4-BE49-F238E27FC236}">
-                <a16:creationId xmlns:a16="http://schemas.microsoft.com/office/drawing/2014/main" id="{CD29F70F-B868-451B-A65D-8721F4C7A2D9}"/>
-              </a:ext>
-            </a:extLst>
-          </p:cNvPr>
-          <p:cNvSpPr txBox="1">
-            <a:spLocks/>
-          </p:cNvSpPr>
-          <p:nvPr/>
-        </p:nvSpPr>
-        <p:spPr>
-          <a:xfrm>
-            <a:off x="838200" y="-635"/>
-            <a:ext cx="10515600" cy="1325563"/>
-          </a:xfrm>
-          <a:prstGeom prst="rect">
-            <a:avLst/>
-          </a:prstGeom>
-        </p:spPr>
-        <p:txBody>
-          <a:bodyPr vert="horz" lIns="91440" tIns="45720" rIns="91440" bIns="45720" rtlCol="0" anchor="ctr">
-            <a:normAutofit/>
-          </a:bodyPr>
-          <a:lstStyle>
-            <a:lvl1pPr algn="l" defTabSz="914400" rtl="0" eaLnBrk="1" latinLnBrk="0" hangingPunct="1">
-              <a:lnSpc>
-                <a:spcPct val="90000"/>
-              </a:lnSpc>
-              <a:spcBef>
-                <a:spcPct val="0"/>
-              </a:spcBef>
-              <a:buNone/>
-              <a:defRPr sz="4400" kern="1200">
-                <a:solidFill>
-                  <a:schemeClr val="tx1"/>
-                </a:solidFill>
-                <a:latin typeface="+mj-lt"/>
-                <a:ea typeface="+mj-ea"/>
-                <a:cs typeface="+mj-cs"/>
-              </a:defRPr>
-            </a:lvl1pPr>
-          </a:lstStyle>
-          <a:p>
-            <a:r>
-              <a:rPr lang="en-US" dirty="0">
-                <a:latin typeface="+mn-lt"/>
-              </a:rPr>
-              <a:t>What is data mining?</a:t>
-            </a:r>
-          </a:p>
-        </p:txBody>
-      </p:sp>
-    </p:spTree>
-    <p:extLst>
-      <p:ext uri="{BB962C8B-B14F-4D97-AF65-F5344CB8AC3E}">
-        <p14:creationId xmlns:p14="http://schemas.microsoft.com/office/powerpoint/2010/main" val="115420158"/>
-      </p:ext>
-    </p:extLst>
-  </p:cSld>
-  <p:clrMapOvr>
-    <a:masterClrMapping/>
-  </p:clrMapOvr>
-  <p:timing>
-    <p:tnLst>
-      <p:par>
-        <p:cTn id="1" dur="indefinite" restart="never" nodeType="tmRoot">
-          <p:childTnLst>
-            <p:seq concurrent="1" nextAc="seek">
-              <p:cTn id="2" dur="indefinite" nodeType="mainSeq">
-                <p:childTnLst>
-                  <p:par>
-                    <p:cTn id="3" fill="hold">
-                      <p:stCondLst>
-                        <p:cond delay="indefinite"/>
-                      </p:stCondLst>
-                      <p:childTnLst>
-                        <p:par>
-                          <p:cTn id="4" fill="hold">
-                            <p:stCondLst>
-                              <p:cond delay="0"/>
-                            </p:stCondLst>
-                            <p:childTnLst>
-                              <p:par>
-                                <p:cTn id="5" presetID="1" presetClass="entr" presetSubtype="0" fill="hold" nodeType="clickEffect">
-                                  <p:stCondLst>
-                                    <p:cond delay="0"/>
-                                  </p:stCondLst>
-                                  <p:childTnLst>
-                                    <p:set>
-                                      <p:cBhvr>
-                                        <p:cTn id="6" dur="1" fill="hold">
-                                          <p:stCondLst>
-                                            <p:cond delay="0"/>
-                                          </p:stCondLst>
-                                        </p:cTn>
-                                        <p:tgtEl>
-                                          <p:spTgt spid="3">
-                                            <p:txEl>
-                                              <p:pRg st="1" end="1"/>
-                                            </p:txEl>
-                                          </p:spTgt>
-                                        </p:tgtEl>
-                                        <p:attrNameLst>
-                                          <p:attrName>style.visibility</p:attrName>
-                                        </p:attrNameLst>
-                                      </p:cBhvr>
-                                      <p:to>
-                                        <p:strVal val="visible"/>
-                                      </p:to>
-                                    </p:set>
-                                  </p:childTnLst>
-                                </p:cTn>
-                              </p:par>
-                            </p:childTnLst>
-                          </p:cTn>
-                        </p:par>
-                      </p:childTnLst>
-                    </p:cTn>
-                  </p:par>
-                  <p:par>
-                    <p:cTn id="7" fill="hold">
-                      <p:stCondLst>
-                        <p:cond delay="indefinite"/>
-                      </p:stCondLst>
-                      <p:childTnLst>
-                        <p:par>
-                          <p:cTn id="8" fill="hold">
-                            <p:stCondLst>
-                              <p:cond delay="0"/>
-                            </p:stCondLst>
-                            <p:childTnLst>
-                              <p:par>
-                                <p:cTn id="9" presetID="1" presetClass="entr" presetSubtype="0" fill="hold" nodeType="clickEffect">
-                                  <p:stCondLst>
-                                    <p:cond delay="0"/>
-                                  </p:stCondLst>
-                                  <p:childTnLst>
-                                    <p:set>
-                                      <p:cBhvr>
-                                        <p:cTn id="10" dur="1" fill="hold">
-                                          <p:stCondLst>
-                                            <p:cond delay="0"/>
-                                          </p:stCondLst>
-                                        </p:cTn>
-                                        <p:tgtEl>
-                                          <p:spTgt spid="3">
-                                            <p:txEl>
-                                              <p:pRg st="2" end="2"/>
-                                            </p:txEl>
-                                          </p:spTgt>
-                                        </p:tgtEl>
-                                        <p:attrNameLst>
-                                          <p:attrName>style.visibility</p:attrName>
-                                        </p:attrNameLst>
-                                      </p:cBhvr>
-                                      <p:to>
-                                        <p:strVal val="visible"/>
-                                      </p:to>
-                                    </p:set>
-                                  </p:childTnLst>
-                                </p:cTn>
-                              </p:par>
-                            </p:childTnLst>
-                          </p:cTn>
-                        </p:par>
-                      </p:childTnLst>
-                    </p:cTn>
-                  </p:par>
-                  <p:par>
-                    <p:cTn id="11" fill="hold">
-                      <p:stCondLst>
-                        <p:cond delay="indefinite"/>
-                      </p:stCondLst>
-                      <p:childTnLst>
-                        <p:par>
-                          <p:cTn id="12" fill="hold">
-                            <p:stCondLst>
-                              <p:cond delay="0"/>
-                            </p:stCondLst>
-                            <p:childTnLst>
-                              <p:par>
-                                <p:cTn id="13" presetID="1" presetClass="entr" presetSubtype="0" fill="hold" nodeType="clickEffect">
-                                  <p:stCondLst>
-                                    <p:cond delay="0"/>
-                                  </p:stCondLst>
-                                  <p:childTnLst>
-                                    <p:set>
-                                      <p:cBhvr>
-                                        <p:cTn id="14" dur="1" fill="hold">
-                                          <p:stCondLst>
-                                            <p:cond delay="0"/>
-                                          </p:stCondLst>
-                                        </p:cTn>
-                                        <p:tgtEl>
-                                          <p:spTgt spid="3">
-                                            <p:txEl>
-                                              <p:pRg st="3" end="3"/>
-                                            </p:txEl>
-                                          </p:spTgt>
-                                        </p:tgtEl>
-                                        <p:attrNameLst>
-                                          <p:attrName>style.visibility</p:attrName>
-                                        </p:attrNameLst>
-                                      </p:cBhvr>
-                                      <p:to>
-                                        <p:strVal val="visible"/>
-                                      </p:to>
-                                    </p:set>
-                                  </p:childTnLst>
-                                </p:cTn>
-                              </p:par>
-                              <p:par>
-                                <p:cTn id="15" presetID="1" presetClass="entr" presetSubtype="0" fill="hold" nodeType="withEffect">
-                                  <p:stCondLst>
-                                    <p:cond delay="0"/>
-                                  </p:stCondLst>
-                                  <p:childTnLst>
-                                    <p:set>
-                                      <p:cBhvr>
-                                        <p:cTn id="16" dur="1" fill="hold">
-                                          <p:stCondLst>
-                                            <p:cond delay="0"/>
-                                          </p:stCondLst>
-                                        </p:cTn>
-                                        <p:tgtEl>
-                                          <p:spTgt spid="3">
-                                            <p:txEl>
-                                              <p:pRg st="4" end="4"/>
-                                            </p:txEl>
-                                          </p:spTgt>
-                                        </p:tgtEl>
-                                        <p:attrNameLst>
-                                          <p:attrName>style.visibility</p:attrName>
-                                        </p:attrNameLst>
-                                      </p:cBhvr>
-                                      <p:to>
-                                        <p:strVal val="visible"/>
-                                      </p:to>
-                                    </p:set>
-                                  </p:childTnLst>
-                                </p:cTn>
-                              </p:par>
-                              <p:par>
-                                <p:cTn id="17" presetID="1" presetClass="entr" presetSubtype="0" fill="hold" nodeType="withEffect">
-                                  <p:stCondLst>
-                                    <p:cond delay="0"/>
-                                  </p:stCondLst>
-                                  <p:childTnLst>
-                                    <p:set>
-                                      <p:cBhvr>
-                                        <p:cTn id="18" dur="1" fill="hold">
-                                          <p:stCondLst>
-                                            <p:cond delay="0"/>
-                                          </p:stCondLst>
-                                        </p:cTn>
-                                        <p:tgtEl>
-                                          <p:spTgt spid="3">
-                                            <p:txEl>
-                                              <p:pRg st="5" end="5"/>
-                                            </p:txEl>
-                                          </p:spTgt>
-                                        </p:tgtEl>
-                                        <p:attrNameLst>
-                                          <p:attrName>style.visibility</p:attrName>
-                                        </p:attrNameLst>
-                                      </p:cBhvr>
-                                      <p:to>
-                                        <p:strVal val="visible"/>
-                                      </p:to>
-                                    </p:set>
-                                  </p:childTnLst>
-                                </p:cTn>
-                              </p:par>
-                            </p:childTnLst>
-                          </p:cTn>
-                        </p:par>
-                      </p:childTnLst>
-                    </p:cTn>
-                  </p:par>
-                  <p:par>
-                    <p:cTn id="19" fill="hold">
-                      <p:stCondLst>
-                        <p:cond delay="indefinite"/>
-                      </p:stCondLst>
-                      <p:childTnLst>
-                        <p:par>
-                          <p:cTn id="20" fill="hold">
-                            <p:stCondLst>
-                              <p:cond delay="0"/>
-                            </p:stCondLst>
-                            <p:childTnLst>
-                              <p:par>
-                                <p:cTn id="21" presetID="1" presetClass="entr" presetSubtype="0" fill="hold" nodeType="clickEffect">
-                                  <p:stCondLst>
-                                    <p:cond delay="0"/>
-                                  </p:stCondLst>
-                                  <p:childTnLst>
-                                    <p:set>
-                                      <p:cBhvr>
-                                        <p:cTn id="22" dur="1" fill="hold">
-                                          <p:stCondLst>
-                                            <p:cond delay="0"/>
-                                          </p:stCondLst>
-                                        </p:cTn>
-                                        <p:tgtEl>
-                                          <p:spTgt spid="3">
-                                            <p:txEl>
-                                              <p:pRg st="6" end="6"/>
-                                            </p:txEl>
-                                          </p:spTgt>
-                                        </p:tgtEl>
-                                        <p:attrNameLst>
-                                          <p:attrName>style.visibility</p:attrName>
-                                        </p:attrNameLst>
-                                      </p:cBhvr>
-                                      <p:to>
-                                        <p:strVal val="visible"/>
-                                      </p:to>
-                                    </p:set>
-                                  </p:childTnLst>
-                                </p:cTn>
-                              </p:par>
-                              <p:par>
-                                <p:cTn id="23" presetID="1" presetClass="entr" presetSubtype="0" fill="hold" nodeType="withEffect">
-                                  <p:stCondLst>
-                                    <p:cond delay="0"/>
-                                  </p:stCondLst>
-                                  <p:childTnLst>
-                                    <p:set>
-                                      <p:cBhvr>
-                                        <p:cTn id="24" dur="1" fill="hold">
-                                          <p:stCondLst>
-                                            <p:cond delay="0"/>
-                                          </p:stCondLst>
-                                        </p:cTn>
-                                        <p:tgtEl>
-                                          <p:spTgt spid="3">
-                                            <p:txEl>
-                                              <p:pRg st="7" end="7"/>
-                                            </p:txEl>
-                                          </p:spTgt>
-                                        </p:tgtEl>
-                                        <p:attrNameLst>
-                                          <p:attrName>style.visibility</p:attrName>
-                                        </p:attrNameLst>
-                                      </p:cBhvr>
-                                      <p:to>
-                                        <p:strVal val="visible"/>
-                                      </p:to>
-                                    </p:set>
-                                  </p:childTnLst>
-                                </p:cTn>
-                              </p:par>
-                            </p:childTnLst>
-                          </p:cTn>
-                        </p:par>
-                      </p:childTnLst>
-                    </p:cTn>
-                  </p:par>
-                </p:childTnLst>
-              </p:cTn>
-              <p:prevCondLst>
-                <p:cond evt="onPrev" delay="0">
-                  <p:tgtEl>
-                    <p:sldTgt/>
-                  </p:tgtEl>
-                </p:cond>
-              </p:prevCondLst>
-              <p:nextCondLst>
-                <p:cond evt="onNext" delay="0">
-                  <p:tgtEl>
-                    <p:sldTgt/>
-                  </p:tgtEl>
-                </p:cond>
-              </p:nextCondLst>
-            </p:seq>
-          </p:childTnLst>
-        </p:cTn>
-      </p:par>
-    </p:tnLst>
-  </p:timing>
-</p:sld>
-</file>
-
-<file path=ppt/slides/slide30.xml><?xml version="1.0" encoding="utf-8"?>
+<file path=ppt/slides/slide31.xml><?xml version="1.0" encoding="utf-8"?>
 <p:sld xmlns:a="http://schemas.openxmlformats.org/drawingml/2006/main" xmlns:r="http://schemas.openxmlformats.org/officeDocument/2006/relationships" xmlns:p="http://schemas.openxmlformats.org/presentationml/2006/main">
   <p:cSld>
     <p:spTree>
@@ -13555,7 +16377,7 @@
 </p:sld>
 </file>
 
-<file path=ppt/slides/slide31.xml><?xml version="1.0" encoding="utf-8"?>
+<file path=ppt/slides/slide32.xml><?xml version="1.0" encoding="utf-8"?>
 <p:sld xmlns:a="http://schemas.openxmlformats.org/drawingml/2006/main" xmlns:r="http://schemas.openxmlformats.org/officeDocument/2006/relationships" xmlns:p="http://schemas.openxmlformats.org/presentationml/2006/main">
   <p:cSld>
     <p:spTree>
@@ -15927,7 +18749,7 @@
 </p:sld>
 </file>
 
-<file path=ppt/slides/slide32.xml><?xml version="1.0" encoding="utf-8"?>
+<file path=ppt/slides/slide33.xml><?xml version="1.0" encoding="utf-8"?>
 <p:sld xmlns:a="http://schemas.openxmlformats.org/drawingml/2006/main" xmlns:r="http://schemas.openxmlformats.org/officeDocument/2006/relationships" xmlns:p="http://schemas.openxmlformats.org/presentationml/2006/main">
   <p:cSld>
     <p:spTree>
@@ -15987,7 +18809,7 @@
 </p:sld>
 </file>
 
-<file path=ppt/slides/slide33.xml><?xml version="1.0" encoding="utf-8"?>
+<file path=ppt/slides/slide34.xml><?xml version="1.0" encoding="utf-8"?>
 <p:sld xmlns:a="http://schemas.openxmlformats.org/drawingml/2006/main" xmlns:r="http://schemas.openxmlformats.org/officeDocument/2006/relationships" xmlns:p="http://schemas.openxmlformats.org/presentationml/2006/main">
   <p:cSld>
     <p:spTree>
@@ -16624,7 +19446,7 @@
 </p:sld>
 </file>
 
-<file path=ppt/slides/slide34.xml><?xml version="1.0" encoding="utf-8"?>
+<file path=ppt/slides/slide35.xml><?xml version="1.0" encoding="utf-8"?>
 <p:sld xmlns:a="http://schemas.openxmlformats.org/drawingml/2006/main" xmlns:r="http://schemas.openxmlformats.org/officeDocument/2006/relationships" xmlns:p="http://schemas.openxmlformats.org/presentationml/2006/main">
   <p:cSld>
     <p:spTree>
@@ -19541,7 +22363,7 @@
 </p:sld>
 </file>
 
-<file path=ppt/slides/slide35.xml><?xml version="1.0" encoding="utf-8"?>
+<file path=ppt/slides/slide36.xml><?xml version="1.0" encoding="utf-8"?>
 <p:sld xmlns:a="http://schemas.openxmlformats.org/drawingml/2006/main" xmlns:r="http://schemas.openxmlformats.org/officeDocument/2006/relationships" xmlns:p="http://schemas.openxmlformats.org/presentationml/2006/main">
   <p:cSld>
     <p:spTree>
@@ -22416,7 +25238,7 @@
 </p:sld>
 </file>
 
-<file path=ppt/slides/slide36.xml><?xml version="1.0" encoding="utf-8"?>
+<file path=ppt/slides/slide37.xml><?xml version="1.0" encoding="utf-8"?>
 <p:sld xmlns:a="http://schemas.openxmlformats.org/drawingml/2006/main" xmlns:r="http://schemas.openxmlformats.org/officeDocument/2006/relationships" xmlns:p="http://schemas.openxmlformats.org/presentationml/2006/main">
   <p:cSld>
     <p:spTree>
@@ -22824,7 +25646,7 @@
 </p:sld>
 </file>
 
-<file path=ppt/slides/slide37.xml><?xml version="1.0" encoding="utf-8"?>
+<file path=ppt/slides/slide38.xml><?xml version="1.0" encoding="utf-8"?>
 <p:sld xmlns:a="http://schemas.openxmlformats.org/drawingml/2006/main" xmlns:r="http://schemas.openxmlformats.org/officeDocument/2006/relationships" xmlns:p="http://schemas.openxmlformats.org/presentationml/2006/main">
   <p:cSld>
     <p:spTree>
@@ -23287,7 +26109,7 @@
 </p:sld>
 </file>
 
-<file path=ppt/slides/slide38.xml><?xml version="1.0" encoding="utf-8"?>
+<file path=ppt/slides/slide39.xml><?xml version="1.0" encoding="utf-8"?>
 <p:sld xmlns:a="http://schemas.openxmlformats.org/drawingml/2006/main" xmlns:r="http://schemas.openxmlformats.org/officeDocument/2006/relationships" xmlns:p="http://schemas.openxmlformats.org/presentationml/2006/main">
   <p:cSld>
     <p:spTree>
@@ -23717,572 +26539,6 @@
 </p:sld>
 </file>
 
-<file path=ppt/slides/slide39.xml><?xml version="1.0" encoding="utf-8"?>
-<p:sld xmlns:a="http://schemas.openxmlformats.org/drawingml/2006/main" xmlns:r="http://schemas.openxmlformats.org/officeDocument/2006/relationships" xmlns:p="http://schemas.openxmlformats.org/presentationml/2006/main">
-  <p:cSld>
-    <p:spTree>
-      <p:nvGrpSpPr>
-        <p:cNvPr id="1" name=""/>
-        <p:cNvGrpSpPr/>
-        <p:nvPr/>
-      </p:nvGrpSpPr>
-      <p:grpSpPr>
-        <a:xfrm>
-          <a:off x="0" y="0"/>
-          <a:ext cx="0" cy="0"/>
-          <a:chOff x="0" y="0"/>
-          <a:chExt cx="0" cy="0"/>
-        </a:xfrm>
-      </p:grpSpPr>
-      <mc:AlternateContent xmlns:mc="http://schemas.openxmlformats.org/markup-compatibility/2006" xmlns:a14="http://schemas.microsoft.com/office/drawing/2010/main">
-        <mc:Choice Requires="a14">
-          <p:sp>
-            <p:nvSpPr>
-              <p:cNvPr id="3" name="Content Placeholder 2">
-                <a:extLst>
-                  <a:ext uri="{FF2B5EF4-FFF2-40B4-BE49-F238E27FC236}">
-                    <a16:creationId xmlns:a16="http://schemas.microsoft.com/office/drawing/2014/main" id="{258E6AF3-7615-4BD1-878E-A94C93E98F90}"/>
-                  </a:ext>
-                </a:extLst>
-              </p:cNvPr>
-              <p:cNvSpPr>
-                <a:spLocks noGrp="1"/>
-              </p:cNvSpPr>
-              <p:nvPr>
-                <p:ph idx="1"/>
-              </p:nvPr>
-            </p:nvSpPr>
-            <p:spPr>
-              <a:xfrm>
-                <a:off x="838199" y="1123406"/>
-                <a:ext cx="5431971" cy="5470724"/>
-              </a:xfrm>
-            </p:spPr>
-            <p:txBody>
-              <a:bodyPr>
-                <a:normAutofit/>
-              </a:bodyPr>
-              <a:lstStyle/>
-              <a:p>
-                <a:pPr marL="0" indent="0">
-                  <a:buNone/>
-                </a:pPr>
-                <a:r>
-                  <a:rPr lang="en-US" dirty="0"/>
-                  <a:t>Resolving hash key collisions   </a:t>
-                </a:r>
-              </a:p>
-              <a:p>
-                <a:r>
-                  <a:rPr lang="en-US" b="1" dirty="0"/>
-                  <a:t>Separate chaining</a:t>
-                </a:r>
-              </a:p>
-              <a:p>
-                <a:r>
-                  <a:rPr lang="en-US" dirty="0"/>
-                  <a:t>Key collisions resolved by creating linked list</a:t>
-                </a:r>
-              </a:p>
-              <a:p>
-                <a:r>
-                  <a:rPr lang="en-US" dirty="0"/>
-                  <a:t>Search list in linear time, </a:t>
-                </a:r>
-                <a14:m>
-                  <m:oMath xmlns:m="http://schemas.openxmlformats.org/officeDocument/2006/math">
-                    <m:r>
-                      <a:rPr lang="en-US" b="0" i="1" smtClean="0">
-                        <a:latin typeface="Cambria Math" panose="02040503050406030204" pitchFamily="18" charset="0"/>
-                      </a:rPr>
-                      <m:t>𝑂</m:t>
-                    </m:r>
-                    <m:d>
-                      <m:dPr>
-                        <m:ctrlPr>
-                          <a:rPr lang="en-US" b="0" i="1" smtClean="0">
-                            <a:latin typeface="Cambria Math" panose="02040503050406030204" pitchFamily="18" charset="0"/>
-                          </a:rPr>
-                        </m:ctrlPr>
-                      </m:dPr>
-                      <m:e>
-                        <m:r>
-                          <a:rPr lang="en-US" b="0" i="1" smtClean="0">
-                            <a:latin typeface="Cambria Math" panose="02040503050406030204" pitchFamily="18" charset="0"/>
-                          </a:rPr>
-                          <m:t>𝑐</m:t>
-                        </m:r>
-                      </m:e>
-                    </m:d>
-                  </m:oMath>
-                </a14:m>
-                <a:endParaRPr lang="en-US" dirty="0"/>
-              </a:p>
-              <a:p>
-                <a:r>
-                  <a:rPr lang="en-US" dirty="0"/>
-                  <a:t>Efficient if number of collisions, </a:t>
-                </a:r>
-                <a14:m>
-                  <m:oMath xmlns:m="http://schemas.openxmlformats.org/officeDocument/2006/math">
-                    <m:r>
-                      <a:rPr lang="en-US" b="0" i="1" smtClean="0">
-                        <a:latin typeface="Cambria Math" panose="02040503050406030204" pitchFamily="18" charset="0"/>
-                      </a:rPr>
-                      <m:t>𝑐</m:t>
-                    </m:r>
-                  </m:oMath>
-                </a14:m>
-                <a:r>
-                  <a:rPr lang="en-US" dirty="0"/>
-                  <a:t>, is small</a:t>
-                </a:r>
-              </a:p>
-              <a:p>
-                <a:endParaRPr lang="en-US" dirty="0"/>
-              </a:p>
-              <a:p>
-                <a:pPr lvl="1"/>
-                <a:endParaRPr lang="en-US" sz="2200" dirty="0"/>
-              </a:p>
-            </p:txBody>
-          </p:sp>
-        </mc:Choice>
-        <mc:Fallback xmlns="">
-          <p:sp>
-            <p:nvSpPr>
-              <p:cNvPr id="3" name="Content Placeholder 2">
-                <a:extLst>
-                  <a:ext uri="{FF2B5EF4-FFF2-40B4-BE49-F238E27FC236}">
-                    <a16:creationId xmlns:a16="http://schemas.microsoft.com/office/drawing/2014/main" id="{258E6AF3-7615-4BD1-878E-A94C93E98F90}"/>
-                  </a:ext>
-                </a:extLst>
-              </p:cNvPr>
-              <p:cNvSpPr>
-                <a:spLocks noGrp="1" noRot="1" noChangeAspect="1" noMove="1" noResize="1" noEditPoints="1" noAdjustHandles="1" noChangeArrowheads="1" noChangeShapeType="1" noTextEdit="1"/>
-              </p:cNvSpPr>
-              <p:nvPr>
-                <p:ph idx="1"/>
-              </p:nvPr>
-            </p:nvSpPr>
-            <p:spPr>
-              <a:xfrm>
-                <a:off x="838199" y="1123406"/>
-                <a:ext cx="5431971" cy="5470724"/>
-              </a:xfrm>
-              <a:blipFill>
-                <a:blip r:embed="rId2"/>
-                <a:stretch>
-                  <a:fillRect l="-2242" t="-1782" r="-1345"/>
-                </a:stretch>
-              </a:blipFill>
-            </p:spPr>
-            <p:txBody>
-              <a:bodyPr/>
-              <a:lstStyle/>
-              <a:p>
-                <a:r>
-                  <a:rPr lang="en-US">
-                    <a:noFill/>
-                  </a:rPr>
-                  <a:t> </a:t>
-                </a:r>
-              </a:p>
-            </p:txBody>
-          </p:sp>
-        </mc:Fallback>
-      </mc:AlternateContent>
-      <p:sp>
-        <p:nvSpPr>
-          <p:cNvPr id="6" name="Title 1">
-            <a:extLst>
-              <a:ext uri="{FF2B5EF4-FFF2-40B4-BE49-F238E27FC236}">
-                <a16:creationId xmlns:a16="http://schemas.microsoft.com/office/drawing/2014/main" id="{CD29F70F-B868-451B-A65D-8721F4C7A2D9}"/>
-              </a:ext>
-            </a:extLst>
-          </p:cNvPr>
-          <p:cNvSpPr txBox="1">
-            <a:spLocks/>
-          </p:cNvSpPr>
-          <p:nvPr/>
-        </p:nvSpPr>
-        <p:spPr>
-          <a:xfrm>
-            <a:off x="838200" y="-635"/>
-            <a:ext cx="10515600" cy="1325563"/>
-          </a:xfrm>
-          <a:prstGeom prst="rect">
-            <a:avLst/>
-          </a:prstGeom>
-        </p:spPr>
-        <p:txBody>
-          <a:bodyPr vert="horz" lIns="91440" tIns="45720" rIns="91440" bIns="45720" rtlCol="0" anchor="ctr">
-            <a:normAutofit/>
-          </a:bodyPr>
-          <a:lstStyle>
-            <a:lvl1pPr algn="l" defTabSz="914400" rtl="0" eaLnBrk="1" latinLnBrk="0" hangingPunct="1">
-              <a:lnSpc>
-                <a:spcPct val="90000"/>
-              </a:lnSpc>
-              <a:spcBef>
-                <a:spcPct val="0"/>
-              </a:spcBef>
-              <a:buNone/>
-              <a:defRPr sz="4400" kern="1200">
-                <a:solidFill>
-                  <a:schemeClr val="tx1"/>
-                </a:solidFill>
-                <a:latin typeface="+mj-lt"/>
-                <a:ea typeface="+mj-ea"/>
-                <a:cs typeface="+mj-cs"/>
-              </a:defRPr>
-            </a:lvl1pPr>
-          </a:lstStyle>
-          <a:p>
-            <a:r>
-              <a:rPr lang="en-US" dirty="0">
-                <a:latin typeface="+mn-lt"/>
-              </a:rPr>
-              <a:t>Introduction to Hashing</a:t>
-            </a:r>
-          </a:p>
-        </p:txBody>
-      </p:sp>
-      <p:pic>
-        <p:nvPicPr>
-          <p:cNvPr id="4" name="Picture 3">
-            <a:extLst>
-              <a:ext uri="{FF2B5EF4-FFF2-40B4-BE49-F238E27FC236}">
-                <a16:creationId xmlns:a16="http://schemas.microsoft.com/office/drawing/2014/main" id="{46546DE2-C49E-49D3-A29B-9D1A03666F3E}"/>
-              </a:ext>
-            </a:extLst>
-          </p:cNvPr>
-          <p:cNvPicPr>
-            <a:picLocks noChangeAspect="1"/>
-          </p:cNvPicPr>
-          <p:nvPr/>
-        </p:nvPicPr>
-        <p:blipFill>
-          <a:blip r:embed="rId3"/>
-          <a:stretch>
-            <a:fillRect/>
-          </a:stretch>
-        </p:blipFill>
-        <p:spPr>
-          <a:xfrm>
-            <a:off x="6588905" y="1830373"/>
-            <a:ext cx="5550463" cy="3415670"/>
-          </a:xfrm>
-          <a:prstGeom prst="rect">
-            <a:avLst/>
-          </a:prstGeom>
-        </p:spPr>
-      </p:pic>
-      <p:sp>
-        <p:nvSpPr>
-          <p:cNvPr id="5" name="TextBox 4">
-            <a:extLst>
-              <a:ext uri="{FF2B5EF4-FFF2-40B4-BE49-F238E27FC236}">
-                <a16:creationId xmlns:a16="http://schemas.microsoft.com/office/drawing/2014/main" id="{D33913C8-5D2D-43C2-B2CE-45A4513ED053}"/>
-              </a:ext>
-            </a:extLst>
-          </p:cNvPr>
-          <p:cNvSpPr txBox="1"/>
-          <p:nvPr/>
-        </p:nvSpPr>
-        <p:spPr>
-          <a:xfrm>
-            <a:off x="6984083" y="5566822"/>
-            <a:ext cx="4760105" cy="369332"/>
-          </a:xfrm>
-          <a:prstGeom prst="rect">
-            <a:avLst/>
-          </a:prstGeom>
-          <a:noFill/>
-        </p:spPr>
-        <p:txBody>
-          <a:bodyPr wrap="square" rtlCol="0">
-            <a:spAutoFit/>
-          </a:bodyPr>
-          <a:lstStyle/>
-          <a:p>
-            <a:pPr algn="ctr"/>
-            <a:r>
-              <a:rPr lang="en-US" dirty="0">
-                <a:hlinkClick r:id="rId4"/>
-              </a:rPr>
-              <a:t>Credit: Wikipedia commons</a:t>
-            </a:r>
-            <a:endParaRPr lang="en-US" dirty="0"/>
-          </a:p>
-        </p:txBody>
-      </p:sp>
-    </p:spTree>
-    <p:extLst>
-      <p:ext uri="{BB962C8B-B14F-4D97-AF65-F5344CB8AC3E}">
-        <p14:creationId xmlns:p14="http://schemas.microsoft.com/office/powerpoint/2010/main" val="2534980400"/>
-      </p:ext>
-    </p:extLst>
-  </p:cSld>
-  <p:clrMapOvr>
-    <a:masterClrMapping/>
-  </p:clrMapOvr>
-  <p:timing>
-    <p:tnLst>
-      <p:par>
-        <p:cTn id="1" dur="indefinite" restart="never" nodeType="tmRoot">
-          <p:childTnLst>
-            <p:seq concurrent="1" nextAc="seek">
-              <p:cTn id="2" dur="indefinite" nodeType="mainSeq">
-                <p:childTnLst>
-                  <p:par>
-                    <p:cTn id="3" fill="hold">
-                      <p:stCondLst>
-                        <p:cond delay="indefinite"/>
-                      </p:stCondLst>
-                      <p:childTnLst>
-                        <p:par>
-                          <p:cTn id="4" fill="hold">
-                            <p:stCondLst>
-                              <p:cond delay="0"/>
-                            </p:stCondLst>
-                            <p:childTnLst>
-                              <p:par>
-                                <p:cTn id="5" presetID="1" presetClass="entr" presetSubtype="0" fill="hold" nodeType="clickEffect">
-                                  <p:stCondLst>
-                                    <p:cond delay="0"/>
-                                  </p:stCondLst>
-                                  <p:childTnLst>
-                                    <p:set>
-                                      <p:cBhvr>
-                                        <p:cTn id="6" dur="1" fill="hold">
-                                          <p:stCondLst>
-                                            <p:cond delay="0"/>
-                                          </p:stCondLst>
-                                        </p:cTn>
-                                        <p:tgtEl>
-                                          <p:spTgt spid="3">
-                                            <p:txEl>
-                                              <p:pRg st="1" end="1"/>
-                                            </p:txEl>
-                                          </p:spTgt>
-                                        </p:tgtEl>
-                                        <p:attrNameLst>
-                                          <p:attrName>style.visibility</p:attrName>
-                                        </p:attrNameLst>
-                                      </p:cBhvr>
-                                      <p:to>
-                                        <p:strVal val="visible"/>
-                                      </p:to>
-                                    </p:set>
-                                  </p:childTnLst>
-                                </p:cTn>
-                              </p:par>
-                            </p:childTnLst>
-                          </p:cTn>
-                        </p:par>
-                      </p:childTnLst>
-                    </p:cTn>
-                  </p:par>
-                  <p:par>
-                    <p:cTn id="7" fill="hold">
-                      <p:stCondLst>
-                        <p:cond delay="indefinite"/>
-                      </p:stCondLst>
-                      <p:childTnLst>
-                        <p:par>
-                          <p:cTn id="8" fill="hold">
-                            <p:stCondLst>
-                              <p:cond delay="0"/>
-                            </p:stCondLst>
-                            <p:childTnLst>
-                              <p:par>
-                                <p:cTn id="9" presetID="1" presetClass="entr" presetSubtype="0" fill="hold" nodeType="clickEffect">
-                                  <p:stCondLst>
-                                    <p:cond delay="0"/>
-                                  </p:stCondLst>
-                                  <p:childTnLst>
-                                    <p:set>
-                                      <p:cBhvr>
-                                        <p:cTn id="10" dur="1" fill="hold">
-                                          <p:stCondLst>
-                                            <p:cond delay="0"/>
-                                          </p:stCondLst>
-                                        </p:cTn>
-                                        <p:tgtEl>
-                                          <p:spTgt spid="3">
-                                            <p:txEl>
-                                              <p:pRg st="2" end="2"/>
-                                            </p:txEl>
-                                          </p:spTgt>
-                                        </p:tgtEl>
-                                        <p:attrNameLst>
-                                          <p:attrName>style.visibility</p:attrName>
-                                        </p:attrNameLst>
-                                      </p:cBhvr>
-                                      <p:to>
-                                        <p:strVal val="visible"/>
-                                      </p:to>
-                                    </p:set>
-                                  </p:childTnLst>
-                                </p:cTn>
-                              </p:par>
-                              <p:par>
-                                <p:cTn id="11" presetID="1" presetClass="entr" presetSubtype="0" fill="hold" nodeType="withEffect">
-                                  <p:stCondLst>
-                                    <p:cond delay="0"/>
-                                  </p:stCondLst>
-                                  <p:childTnLst>
-                                    <p:set>
-                                      <p:cBhvr>
-                                        <p:cTn id="12" dur="1" fill="hold">
-                                          <p:stCondLst>
-                                            <p:cond delay="0"/>
-                                          </p:stCondLst>
-                                        </p:cTn>
-                                        <p:tgtEl>
-                                          <p:spTgt spid="4"/>
-                                        </p:tgtEl>
-                                        <p:attrNameLst>
-                                          <p:attrName>style.visibility</p:attrName>
-                                        </p:attrNameLst>
-                                      </p:cBhvr>
-                                      <p:to>
-                                        <p:strVal val="visible"/>
-                                      </p:to>
-                                    </p:set>
-                                  </p:childTnLst>
-                                </p:cTn>
-                              </p:par>
-                            </p:childTnLst>
-                          </p:cTn>
-                        </p:par>
-                      </p:childTnLst>
-                    </p:cTn>
-                  </p:par>
-                  <p:par>
-                    <p:cTn id="13" fill="hold">
-                      <p:stCondLst>
-                        <p:cond delay="indefinite"/>
-                      </p:stCondLst>
-                      <p:childTnLst>
-                        <p:par>
-                          <p:cTn id="14" fill="hold">
-                            <p:stCondLst>
-                              <p:cond delay="0"/>
-                            </p:stCondLst>
-                            <p:childTnLst>
-                              <p:par>
-                                <p:cTn id="15" presetID="1" presetClass="entr" presetSubtype="0" fill="hold" nodeType="clickEffect">
-                                  <p:stCondLst>
-                                    <p:cond delay="0"/>
-                                  </p:stCondLst>
-                                  <p:childTnLst>
-                                    <p:set>
-                                      <p:cBhvr>
-                                        <p:cTn id="16" dur="1" fill="hold">
-                                          <p:stCondLst>
-                                            <p:cond delay="0"/>
-                                          </p:stCondLst>
-                                        </p:cTn>
-                                        <p:tgtEl>
-                                          <p:spTgt spid="3">
-                                            <p:txEl>
-                                              <p:pRg st="3" end="3"/>
-                                            </p:txEl>
-                                          </p:spTgt>
-                                        </p:tgtEl>
-                                        <p:attrNameLst>
-                                          <p:attrName>style.visibility</p:attrName>
-                                        </p:attrNameLst>
-                                      </p:cBhvr>
-                                      <p:to>
-                                        <p:strVal val="visible"/>
-                                      </p:to>
-                                    </p:set>
-                                  </p:childTnLst>
-                                </p:cTn>
-                              </p:par>
-                            </p:childTnLst>
-                          </p:cTn>
-                        </p:par>
-                      </p:childTnLst>
-                    </p:cTn>
-                  </p:par>
-                  <p:par>
-                    <p:cTn id="17" fill="hold">
-                      <p:stCondLst>
-                        <p:cond delay="indefinite"/>
-                      </p:stCondLst>
-                      <p:childTnLst>
-                        <p:par>
-                          <p:cTn id="18" fill="hold">
-                            <p:stCondLst>
-                              <p:cond delay="0"/>
-                            </p:stCondLst>
-                            <p:childTnLst>
-                              <p:par>
-                                <p:cTn id="19" presetID="1" presetClass="entr" presetSubtype="0" fill="hold" nodeType="clickEffect">
-                                  <p:stCondLst>
-                                    <p:cond delay="0"/>
-                                  </p:stCondLst>
-                                  <p:childTnLst>
-                                    <p:set>
-                                      <p:cBhvr>
-                                        <p:cTn id="20" dur="1" fill="hold">
-                                          <p:stCondLst>
-                                            <p:cond delay="0"/>
-                                          </p:stCondLst>
-                                        </p:cTn>
-                                        <p:tgtEl>
-                                          <p:spTgt spid="3">
-                                            <p:txEl>
-                                              <p:pRg st="4" end="4"/>
-                                            </p:txEl>
-                                          </p:spTgt>
-                                        </p:tgtEl>
-                                        <p:attrNameLst>
-                                          <p:attrName>style.visibility</p:attrName>
-                                        </p:attrNameLst>
-                                      </p:cBhvr>
-                                      <p:to>
-                                        <p:strVal val="visible"/>
-                                      </p:to>
-                                    </p:set>
-                                  </p:childTnLst>
-                                </p:cTn>
-                              </p:par>
-                            </p:childTnLst>
-                          </p:cTn>
-                        </p:par>
-                      </p:childTnLst>
-                    </p:cTn>
-                  </p:par>
-                </p:childTnLst>
-              </p:cTn>
-              <p:prevCondLst>
-                <p:cond evt="onPrev" delay="0">
-                  <p:tgtEl>
-                    <p:sldTgt/>
-                  </p:tgtEl>
-                </p:cond>
-              </p:prevCondLst>
-              <p:nextCondLst>
-                <p:cond evt="onNext" delay="0">
-                  <p:tgtEl>
-                    <p:sldTgt/>
-                  </p:tgtEl>
-                </p:cond>
-              </p:nextCondLst>
-            </p:seq>
-          </p:childTnLst>
-        </p:cTn>
-      </p:par>
-    </p:tnLst>
-  </p:timing>
-</p:sld>
-</file>
-
 <file path=ppt/slides/slide4.xml><?xml version="1.0" encoding="utf-8"?>
 <p:sld xmlns:a="http://schemas.openxmlformats.org/drawingml/2006/main" xmlns:r="http://schemas.openxmlformats.org/officeDocument/2006/relationships" xmlns:p="http://schemas.openxmlformats.org/presentationml/2006/main">
   <p:cSld>
@@ -24773,6 +27029,572 @@
 </file>
 
 <file path=ppt/slides/slide40.xml><?xml version="1.0" encoding="utf-8"?>
+<p:sld xmlns:a="http://schemas.openxmlformats.org/drawingml/2006/main" xmlns:r="http://schemas.openxmlformats.org/officeDocument/2006/relationships" xmlns:p="http://schemas.openxmlformats.org/presentationml/2006/main">
+  <p:cSld>
+    <p:spTree>
+      <p:nvGrpSpPr>
+        <p:cNvPr id="1" name=""/>
+        <p:cNvGrpSpPr/>
+        <p:nvPr/>
+      </p:nvGrpSpPr>
+      <p:grpSpPr>
+        <a:xfrm>
+          <a:off x="0" y="0"/>
+          <a:ext cx="0" cy="0"/>
+          <a:chOff x="0" y="0"/>
+          <a:chExt cx="0" cy="0"/>
+        </a:xfrm>
+      </p:grpSpPr>
+      <mc:AlternateContent xmlns:mc="http://schemas.openxmlformats.org/markup-compatibility/2006" xmlns:a14="http://schemas.microsoft.com/office/drawing/2010/main">
+        <mc:Choice Requires="a14">
+          <p:sp>
+            <p:nvSpPr>
+              <p:cNvPr id="3" name="Content Placeholder 2">
+                <a:extLst>
+                  <a:ext uri="{FF2B5EF4-FFF2-40B4-BE49-F238E27FC236}">
+                    <a16:creationId xmlns:a16="http://schemas.microsoft.com/office/drawing/2014/main" id="{258E6AF3-7615-4BD1-878E-A94C93E98F90}"/>
+                  </a:ext>
+                </a:extLst>
+              </p:cNvPr>
+              <p:cNvSpPr>
+                <a:spLocks noGrp="1"/>
+              </p:cNvSpPr>
+              <p:nvPr>
+                <p:ph idx="1"/>
+              </p:nvPr>
+            </p:nvSpPr>
+            <p:spPr>
+              <a:xfrm>
+                <a:off x="838199" y="1123406"/>
+                <a:ext cx="5431971" cy="5470724"/>
+              </a:xfrm>
+            </p:spPr>
+            <p:txBody>
+              <a:bodyPr>
+                <a:normAutofit/>
+              </a:bodyPr>
+              <a:lstStyle/>
+              <a:p>
+                <a:pPr marL="0" indent="0">
+                  <a:buNone/>
+                </a:pPr>
+                <a:r>
+                  <a:rPr lang="en-US" dirty="0"/>
+                  <a:t>Resolving hash key collisions   </a:t>
+                </a:r>
+              </a:p>
+              <a:p>
+                <a:r>
+                  <a:rPr lang="en-US" b="1" dirty="0"/>
+                  <a:t>Separate chaining</a:t>
+                </a:r>
+              </a:p>
+              <a:p>
+                <a:r>
+                  <a:rPr lang="en-US" dirty="0"/>
+                  <a:t>Key collisions resolved by creating linked list</a:t>
+                </a:r>
+              </a:p>
+              <a:p>
+                <a:r>
+                  <a:rPr lang="en-US" dirty="0"/>
+                  <a:t>Search list in linear time, </a:t>
+                </a:r>
+                <a14:m>
+                  <m:oMath xmlns:m="http://schemas.openxmlformats.org/officeDocument/2006/math">
+                    <m:r>
+                      <a:rPr lang="en-US" b="0" i="1" smtClean="0">
+                        <a:latin typeface="Cambria Math" panose="02040503050406030204" pitchFamily="18" charset="0"/>
+                      </a:rPr>
+                      <m:t>𝑂</m:t>
+                    </m:r>
+                    <m:d>
+                      <m:dPr>
+                        <m:ctrlPr>
+                          <a:rPr lang="en-US" b="0" i="1" smtClean="0">
+                            <a:latin typeface="Cambria Math" panose="02040503050406030204" pitchFamily="18" charset="0"/>
+                          </a:rPr>
+                        </m:ctrlPr>
+                      </m:dPr>
+                      <m:e>
+                        <m:r>
+                          <a:rPr lang="en-US" b="0" i="1" smtClean="0">
+                            <a:latin typeface="Cambria Math" panose="02040503050406030204" pitchFamily="18" charset="0"/>
+                          </a:rPr>
+                          <m:t>𝑐</m:t>
+                        </m:r>
+                      </m:e>
+                    </m:d>
+                  </m:oMath>
+                </a14:m>
+                <a:endParaRPr lang="en-US" dirty="0"/>
+              </a:p>
+              <a:p>
+                <a:r>
+                  <a:rPr lang="en-US" dirty="0"/>
+                  <a:t>Efficient if number of collisions, </a:t>
+                </a:r>
+                <a14:m>
+                  <m:oMath xmlns:m="http://schemas.openxmlformats.org/officeDocument/2006/math">
+                    <m:r>
+                      <a:rPr lang="en-US" b="0" i="1" smtClean="0">
+                        <a:latin typeface="Cambria Math" panose="02040503050406030204" pitchFamily="18" charset="0"/>
+                      </a:rPr>
+                      <m:t>𝑐</m:t>
+                    </m:r>
+                  </m:oMath>
+                </a14:m>
+                <a:r>
+                  <a:rPr lang="en-US" dirty="0"/>
+                  <a:t>, is small</a:t>
+                </a:r>
+              </a:p>
+              <a:p>
+                <a:endParaRPr lang="en-US" dirty="0"/>
+              </a:p>
+              <a:p>
+                <a:pPr lvl="1"/>
+                <a:endParaRPr lang="en-US" sz="2200" dirty="0"/>
+              </a:p>
+            </p:txBody>
+          </p:sp>
+        </mc:Choice>
+        <mc:Fallback xmlns="">
+          <p:sp>
+            <p:nvSpPr>
+              <p:cNvPr id="3" name="Content Placeholder 2">
+                <a:extLst>
+                  <a:ext uri="{FF2B5EF4-FFF2-40B4-BE49-F238E27FC236}">
+                    <a16:creationId xmlns:a16="http://schemas.microsoft.com/office/drawing/2014/main" id="{258E6AF3-7615-4BD1-878E-A94C93E98F90}"/>
+                  </a:ext>
+                </a:extLst>
+              </p:cNvPr>
+              <p:cNvSpPr>
+                <a:spLocks noGrp="1" noRot="1" noChangeAspect="1" noMove="1" noResize="1" noEditPoints="1" noAdjustHandles="1" noChangeArrowheads="1" noChangeShapeType="1" noTextEdit="1"/>
+              </p:cNvSpPr>
+              <p:nvPr>
+                <p:ph idx="1"/>
+              </p:nvPr>
+            </p:nvSpPr>
+            <p:spPr>
+              <a:xfrm>
+                <a:off x="838199" y="1123406"/>
+                <a:ext cx="5431971" cy="5470724"/>
+              </a:xfrm>
+              <a:blipFill>
+                <a:blip r:embed="rId2"/>
+                <a:stretch>
+                  <a:fillRect l="-2242" t="-1782" r="-1345"/>
+                </a:stretch>
+              </a:blipFill>
+            </p:spPr>
+            <p:txBody>
+              <a:bodyPr/>
+              <a:lstStyle/>
+              <a:p>
+                <a:r>
+                  <a:rPr lang="en-US">
+                    <a:noFill/>
+                  </a:rPr>
+                  <a:t> </a:t>
+                </a:r>
+              </a:p>
+            </p:txBody>
+          </p:sp>
+        </mc:Fallback>
+      </mc:AlternateContent>
+      <p:sp>
+        <p:nvSpPr>
+          <p:cNvPr id="6" name="Title 1">
+            <a:extLst>
+              <a:ext uri="{FF2B5EF4-FFF2-40B4-BE49-F238E27FC236}">
+                <a16:creationId xmlns:a16="http://schemas.microsoft.com/office/drawing/2014/main" id="{CD29F70F-B868-451B-A65D-8721F4C7A2D9}"/>
+              </a:ext>
+            </a:extLst>
+          </p:cNvPr>
+          <p:cNvSpPr txBox="1">
+            <a:spLocks/>
+          </p:cNvSpPr>
+          <p:nvPr/>
+        </p:nvSpPr>
+        <p:spPr>
+          <a:xfrm>
+            <a:off x="838200" y="-635"/>
+            <a:ext cx="10515600" cy="1325563"/>
+          </a:xfrm>
+          <a:prstGeom prst="rect">
+            <a:avLst/>
+          </a:prstGeom>
+        </p:spPr>
+        <p:txBody>
+          <a:bodyPr vert="horz" lIns="91440" tIns="45720" rIns="91440" bIns="45720" rtlCol="0" anchor="ctr">
+            <a:normAutofit/>
+          </a:bodyPr>
+          <a:lstStyle>
+            <a:lvl1pPr algn="l" defTabSz="914400" rtl="0" eaLnBrk="1" latinLnBrk="0" hangingPunct="1">
+              <a:lnSpc>
+                <a:spcPct val="90000"/>
+              </a:lnSpc>
+              <a:spcBef>
+                <a:spcPct val="0"/>
+              </a:spcBef>
+              <a:buNone/>
+              <a:defRPr sz="4400" kern="1200">
+                <a:solidFill>
+                  <a:schemeClr val="tx1"/>
+                </a:solidFill>
+                <a:latin typeface="+mj-lt"/>
+                <a:ea typeface="+mj-ea"/>
+                <a:cs typeface="+mj-cs"/>
+              </a:defRPr>
+            </a:lvl1pPr>
+          </a:lstStyle>
+          <a:p>
+            <a:r>
+              <a:rPr lang="en-US" dirty="0">
+                <a:latin typeface="+mn-lt"/>
+              </a:rPr>
+              <a:t>Introduction to Hashing</a:t>
+            </a:r>
+          </a:p>
+        </p:txBody>
+      </p:sp>
+      <p:pic>
+        <p:nvPicPr>
+          <p:cNvPr id="4" name="Picture 3">
+            <a:extLst>
+              <a:ext uri="{FF2B5EF4-FFF2-40B4-BE49-F238E27FC236}">
+                <a16:creationId xmlns:a16="http://schemas.microsoft.com/office/drawing/2014/main" id="{46546DE2-C49E-49D3-A29B-9D1A03666F3E}"/>
+              </a:ext>
+            </a:extLst>
+          </p:cNvPr>
+          <p:cNvPicPr>
+            <a:picLocks noChangeAspect="1"/>
+          </p:cNvPicPr>
+          <p:nvPr/>
+        </p:nvPicPr>
+        <p:blipFill>
+          <a:blip r:embed="rId3"/>
+          <a:stretch>
+            <a:fillRect/>
+          </a:stretch>
+        </p:blipFill>
+        <p:spPr>
+          <a:xfrm>
+            <a:off x="6588905" y="1830373"/>
+            <a:ext cx="5550463" cy="3415670"/>
+          </a:xfrm>
+          <a:prstGeom prst="rect">
+            <a:avLst/>
+          </a:prstGeom>
+        </p:spPr>
+      </p:pic>
+      <p:sp>
+        <p:nvSpPr>
+          <p:cNvPr id="5" name="TextBox 4">
+            <a:extLst>
+              <a:ext uri="{FF2B5EF4-FFF2-40B4-BE49-F238E27FC236}">
+                <a16:creationId xmlns:a16="http://schemas.microsoft.com/office/drawing/2014/main" id="{D33913C8-5D2D-43C2-B2CE-45A4513ED053}"/>
+              </a:ext>
+            </a:extLst>
+          </p:cNvPr>
+          <p:cNvSpPr txBox="1"/>
+          <p:nvPr/>
+        </p:nvSpPr>
+        <p:spPr>
+          <a:xfrm>
+            <a:off x="6984083" y="5566822"/>
+            <a:ext cx="4760105" cy="369332"/>
+          </a:xfrm>
+          <a:prstGeom prst="rect">
+            <a:avLst/>
+          </a:prstGeom>
+          <a:noFill/>
+        </p:spPr>
+        <p:txBody>
+          <a:bodyPr wrap="square" rtlCol="0">
+            <a:spAutoFit/>
+          </a:bodyPr>
+          <a:lstStyle/>
+          <a:p>
+            <a:pPr algn="ctr"/>
+            <a:r>
+              <a:rPr lang="en-US" dirty="0">
+                <a:hlinkClick r:id="rId4"/>
+              </a:rPr>
+              <a:t>Credit: Wikipedia commons</a:t>
+            </a:r>
+            <a:endParaRPr lang="en-US" dirty="0"/>
+          </a:p>
+        </p:txBody>
+      </p:sp>
+    </p:spTree>
+    <p:extLst>
+      <p:ext uri="{BB962C8B-B14F-4D97-AF65-F5344CB8AC3E}">
+        <p14:creationId xmlns:p14="http://schemas.microsoft.com/office/powerpoint/2010/main" val="2534980400"/>
+      </p:ext>
+    </p:extLst>
+  </p:cSld>
+  <p:clrMapOvr>
+    <a:masterClrMapping/>
+  </p:clrMapOvr>
+  <p:timing>
+    <p:tnLst>
+      <p:par>
+        <p:cTn id="1" dur="indefinite" restart="never" nodeType="tmRoot">
+          <p:childTnLst>
+            <p:seq concurrent="1" nextAc="seek">
+              <p:cTn id="2" dur="indefinite" nodeType="mainSeq">
+                <p:childTnLst>
+                  <p:par>
+                    <p:cTn id="3" fill="hold">
+                      <p:stCondLst>
+                        <p:cond delay="indefinite"/>
+                      </p:stCondLst>
+                      <p:childTnLst>
+                        <p:par>
+                          <p:cTn id="4" fill="hold">
+                            <p:stCondLst>
+                              <p:cond delay="0"/>
+                            </p:stCondLst>
+                            <p:childTnLst>
+                              <p:par>
+                                <p:cTn id="5" presetID="1" presetClass="entr" presetSubtype="0" fill="hold" nodeType="clickEffect">
+                                  <p:stCondLst>
+                                    <p:cond delay="0"/>
+                                  </p:stCondLst>
+                                  <p:childTnLst>
+                                    <p:set>
+                                      <p:cBhvr>
+                                        <p:cTn id="6" dur="1" fill="hold">
+                                          <p:stCondLst>
+                                            <p:cond delay="0"/>
+                                          </p:stCondLst>
+                                        </p:cTn>
+                                        <p:tgtEl>
+                                          <p:spTgt spid="3">
+                                            <p:txEl>
+                                              <p:pRg st="1" end="1"/>
+                                            </p:txEl>
+                                          </p:spTgt>
+                                        </p:tgtEl>
+                                        <p:attrNameLst>
+                                          <p:attrName>style.visibility</p:attrName>
+                                        </p:attrNameLst>
+                                      </p:cBhvr>
+                                      <p:to>
+                                        <p:strVal val="visible"/>
+                                      </p:to>
+                                    </p:set>
+                                  </p:childTnLst>
+                                </p:cTn>
+                              </p:par>
+                            </p:childTnLst>
+                          </p:cTn>
+                        </p:par>
+                      </p:childTnLst>
+                    </p:cTn>
+                  </p:par>
+                  <p:par>
+                    <p:cTn id="7" fill="hold">
+                      <p:stCondLst>
+                        <p:cond delay="indefinite"/>
+                      </p:stCondLst>
+                      <p:childTnLst>
+                        <p:par>
+                          <p:cTn id="8" fill="hold">
+                            <p:stCondLst>
+                              <p:cond delay="0"/>
+                            </p:stCondLst>
+                            <p:childTnLst>
+                              <p:par>
+                                <p:cTn id="9" presetID="1" presetClass="entr" presetSubtype="0" fill="hold" nodeType="clickEffect">
+                                  <p:stCondLst>
+                                    <p:cond delay="0"/>
+                                  </p:stCondLst>
+                                  <p:childTnLst>
+                                    <p:set>
+                                      <p:cBhvr>
+                                        <p:cTn id="10" dur="1" fill="hold">
+                                          <p:stCondLst>
+                                            <p:cond delay="0"/>
+                                          </p:stCondLst>
+                                        </p:cTn>
+                                        <p:tgtEl>
+                                          <p:spTgt spid="3">
+                                            <p:txEl>
+                                              <p:pRg st="2" end="2"/>
+                                            </p:txEl>
+                                          </p:spTgt>
+                                        </p:tgtEl>
+                                        <p:attrNameLst>
+                                          <p:attrName>style.visibility</p:attrName>
+                                        </p:attrNameLst>
+                                      </p:cBhvr>
+                                      <p:to>
+                                        <p:strVal val="visible"/>
+                                      </p:to>
+                                    </p:set>
+                                  </p:childTnLst>
+                                </p:cTn>
+                              </p:par>
+                              <p:par>
+                                <p:cTn id="11" presetID="1" presetClass="entr" presetSubtype="0" fill="hold" nodeType="withEffect">
+                                  <p:stCondLst>
+                                    <p:cond delay="0"/>
+                                  </p:stCondLst>
+                                  <p:childTnLst>
+                                    <p:set>
+                                      <p:cBhvr>
+                                        <p:cTn id="12" dur="1" fill="hold">
+                                          <p:stCondLst>
+                                            <p:cond delay="0"/>
+                                          </p:stCondLst>
+                                        </p:cTn>
+                                        <p:tgtEl>
+                                          <p:spTgt spid="4"/>
+                                        </p:tgtEl>
+                                        <p:attrNameLst>
+                                          <p:attrName>style.visibility</p:attrName>
+                                        </p:attrNameLst>
+                                      </p:cBhvr>
+                                      <p:to>
+                                        <p:strVal val="visible"/>
+                                      </p:to>
+                                    </p:set>
+                                  </p:childTnLst>
+                                </p:cTn>
+                              </p:par>
+                            </p:childTnLst>
+                          </p:cTn>
+                        </p:par>
+                      </p:childTnLst>
+                    </p:cTn>
+                  </p:par>
+                  <p:par>
+                    <p:cTn id="13" fill="hold">
+                      <p:stCondLst>
+                        <p:cond delay="indefinite"/>
+                      </p:stCondLst>
+                      <p:childTnLst>
+                        <p:par>
+                          <p:cTn id="14" fill="hold">
+                            <p:stCondLst>
+                              <p:cond delay="0"/>
+                            </p:stCondLst>
+                            <p:childTnLst>
+                              <p:par>
+                                <p:cTn id="15" presetID="1" presetClass="entr" presetSubtype="0" fill="hold" nodeType="clickEffect">
+                                  <p:stCondLst>
+                                    <p:cond delay="0"/>
+                                  </p:stCondLst>
+                                  <p:childTnLst>
+                                    <p:set>
+                                      <p:cBhvr>
+                                        <p:cTn id="16" dur="1" fill="hold">
+                                          <p:stCondLst>
+                                            <p:cond delay="0"/>
+                                          </p:stCondLst>
+                                        </p:cTn>
+                                        <p:tgtEl>
+                                          <p:spTgt spid="3">
+                                            <p:txEl>
+                                              <p:pRg st="3" end="3"/>
+                                            </p:txEl>
+                                          </p:spTgt>
+                                        </p:tgtEl>
+                                        <p:attrNameLst>
+                                          <p:attrName>style.visibility</p:attrName>
+                                        </p:attrNameLst>
+                                      </p:cBhvr>
+                                      <p:to>
+                                        <p:strVal val="visible"/>
+                                      </p:to>
+                                    </p:set>
+                                  </p:childTnLst>
+                                </p:cTn>
+                              </p:par>
+                            </p:childTnLst>
+                          </p:cTn>
+                        </p:par>
+                      </p:childTnLst>
+                    </p:cTn>
+                  </p:par>
+                  <p:par>
+                    <p:cTn id="17" fill="hold">
+                      <p:stCondLst>
+                        <p:cond delay="indefinite"/>
+                      </p:stCondLst>
+                      <p:childTnLst>
+                        <p:par>
+                          <p:cTn id="18" fill="hold">
+                            <p:stCondLst>
+                              <p:cond delay="0"/>
+                            </p:stCondLst>
+                            <p:childTnLst>
+                              <p:par>
+                                <p:cTn id="19" presetID="1" presetClass="entr" presetSubtype="0" fill="hold" nodeType="clickEffect">
+                                  <p:stCondLst>
+                                    <p:cond delay="0"/>
+                                  </p:stCondLst>
+                                  <p:childTnLst>
+                                    <p:set>
+                                      <p:cBhvr>
+                                        <p:cTn id="20" dur="1" fill="hold">
+                                          <p:stCondLst>
+                                            <p:cond delay="0"/>
+                                          </p:stCondLst>
+                                        </p:cTn>
+                                        <p:tgtEl>
+                                          <p:spTgt spid="3">
+                                            <p:txEl>
+                                              <p:pRg st="4" end="4"/>
+                                            </p:txEl>
+                                          </p:spTgt>
+                                        </p:tgtEl>
+                                        <p:attrNameLst>
+                                          <p:attrName>style.visibility</p:attrName>
+                                        </p:attrNameLst>
+                                      </p:cBhvr>
+                                      <p:to>
+                                        <p:strVal val="visible"/>
+                                      </p:to>
+                                    </p:set>
+                                  </p:childTnLst>
+                                </p:cTn>
+                              </p:par>
+                            </p:childTnLst>
+                          </p:cTn>
+                        </p:par>
+                      </p:childTnLst>
+                    </p:cTn>
+                  </p:par>
+                </p:childTnLst>
+              </p:cTn>
+              <p:prevCondLst>
+                <p:cond evt="onPrev" delay="0">
+                  <p:tgtEl>
+                    <p:sldTgt/>
+                  </p:tgtEl>
+                </p:cond>
+              </p:prevCondLst>
+              <p:nextCondLst>
+                <p:cond evt="onNext" delay="0">
+                  <p:tgtEl>
+                    <p:sldTgt/>
+                  </p:tgtEl>
+                </p:cond>
+              </p:nextCondLst>
+            </p:seq>
+          </p:childTnLst>
+        </p:cTn>
+      </p:par>
+    </p:tnLst>
+  </p:timing>
+</p:sld>
+</file>
+
+<file path=ppt/slides/slide41.xml><?xml version="1.0" encoding="utf-8"?>
 <p:sld xmlns:a="http://schemas.openxmlformats.org/drawingml/2006/main" xmlns:r="http://schemas.openxmlformats.org/officeDocument/2006/relationships" xmlns:p="http://schemas.openxmlformats.org/presentationml/2006/main">
   <p:cSld>
     <p:spTree>
@@ -25346,7 +28168,7 @@
 </p:sld>
 </file>
 
-<file path=ppt/slides/slide41.xml><?xml version="1.0" encoding="utf-8"?>
+<file path=ppt/slides/slide42.xml><?xml version="1.0" encoding="utf-8"?>
 <p:sld xmlns:a="http://schemas.openxmlformats.org/drawingml/2006/main" xmlns:r="http://schemas.openxmlformats.org/officeDocument/2006/relationships" xmlns:p="http://schemas.openxmlformats.org/presentationml/2006/main">
   <p:cSld>
     <p:spTree>
@@ -25406,7 +28228,7 @@
 </p:sld>
 </file>
 
-<file path=ppt/slides/slide42.xml><?xml version="1.0" encoding="utf-8"?>
+<file path=ppt/slides/slide43.xml><?xml version="1.0" encoding="utf-8"?>
 <p:sld xmlns:a="http://schemas.openxmlformats.org/drawingml/2006/main" xmlns:r="http://schemas.openxmlformats.org/officeDocument/2006/relationships" xmlns:p="http://schemas.openxmlformats.org/presentationml/2006/main">
   <p:cSld>
     <p:spTree>
@@ -26082,7 +28904,7 @@
 </p:sld>
 </file>
 
-<file path=ppt/slides/slide43.xml><?xml version="1.0" encoding="utf-8"?>
+<file path=ppt/slides/slide44.xml><?xml version="1.0" encoding="utf-8"?>
 <p:sld xmlns:a="http://schemas.openxmlformats.org/drawingml/2006/main" xmlns:r="http://schemas.openxmlformats.org/officeDocument/2006/relationships" xmlns:p="http://schemas.openxmlformats.org/presentationml/2006/main">
   <p:cSld>
     <p:spTree>
@@ -26946,7 +29768,7 @@
 </p:sld>
 </file>
 
-<file path=ppt/slides/slide44.xml><?xml version="1.0" encoding="utf-8"?>
+<file path=ppt/slides/slide45.xml><?xml version="1.0" encoding="utf-8"?>
 <p:sld xmlns:a="http://schemas.openxmlformats.org/drawingml/2006/main" xmlns:r="http://schemas.openxmlformats.org/officeDocument/2006/relationships" xmlns:p="http://schemas.openxmlformats.org/presentationml/2006/main">
   <p:cSld>
     <p:spTree>
@@ -29241,7 +32063,7 @@
 </p:sld>
 </file>
 
-<file path=ppt/slides/slide45.xml><?xml version="1.0" encoding="utf-8"?>
+<file path=ppt/slides/slide46.xml><?xml version="1.0" encoding="utf-8"?>
 <p:sld xmlns:a="http://schemas.openxmlformats.org/drawingml/2006/main" xmlns:r="http://schemas.openxmlformats.org/officeDocument/2006/relationships" xmlns:p="http://schemas.openxmlformats.org/presentationml/2006/main">
   <p:cSld>
     <p:spTree>
@@ -29860,7 +32682,7 @@
 </p:sld>
 </file>
 
-<file path=ppt/slides/slide46.xml><?xml version="1.0" encoding="utf-8"?>
+<file path=ppt/slides/slide47.xml><?xml version="1.0" encoding="utf-8"?>
 <p:sld xmlns:a="http://schemas.openxmlformats.org/drawingml/2006/main" xmlns:r="http://schemas.openxmlformats.org/officeDocument/2006/relationships" xmlns:p="http://schemas.openxmlformats.org/presentationml/2006/main">
   <p:cSld>
     <p:spTree>
@@ -30568,7 +33390,7 @@
 </p:sld>
 </file>
 
-<file path=ppt/slides/slide47.xml><?xml version="1.0" encoding="utf-8"?>
+<file path=ppt/slides/slide48.xml><?xml version="1.0" encoding="utf-8"?>
 <p:sld xmlns:a="http://schemas.openxmlformats.org/drawingml/2006/main" xmlns:r="http://schemas.openxmlformats.org/officeDocument/2006/relationships" xmlns:p="http://schemas.openxmlformats.org/presentationml/2006/main">
   <p:cSld>
     <p:spTree>
@@ -31839,7 +34661,7 @@
 </p:sld>
 </file>
 
-<file path=ppt/slides/slide48.xml><?xml version="1.0" encoding="utf-8"?>
+<file path=ppt/slides/slide49.xml><?xml version="1.0" encoding="utf-8"?>
 <p:sld xmlns:a="http://schemas.openxmlformats.org/drawingml/2006/main" xmlns:r="http://schemas.openxmlformats.org/officeDocument/2006/relationships" xmlns:p="http://schemas.openxmlformats.org/presentationml/2006/main">
   <p:cSld>
     <p:spTree>
@@ -31909,7 +34731,401 @@
 </p:sld>
 </file>
 
-<file path=ppt/slides/slide49.xml><?xml version="1.0" encoding="utf-8"?>
+<file path=ppt/slides/slide5.xml><?xml version="1.0" encoding="utf-8"?>
+<p:sld xmlns:a="http://schemas.openxmlformats.org/drawingml/2006/main" xmlns:r="http://schemas.openxmlformats.org/officeDocument/2006/relationships" xmlns:p="http://schemas.openxmlformats.org/presentationml/2006/main">
+  <p:cSld>
+    <p:spTree>
+      <p:nvGrpSpPr>
+        <p:cNvPr id="1" name=""/>
+        <p:cNvGrpSpPr/>
+        <p:nvPr/>
+      </p:nvGrpSpPr>
+      <p:grpSpPr>
+        <a:xfrm>
+          <a:off x="0" y="0"/>
+          <a:ext cx="0" cy="0"/>
+          <a:chOff x="0" y="0"/>
+          <a:chExt cx="0" cy="0"/>
+        </a:xfrm>
+      </p:grpSpPr>
+      <p:sp>
+        <p:nvSpPr>
+          <p:cNvPr id="3" name="Content Placeholder 2">
+            <a:extLst>
+              <a:ext uri="{FF2B5EF4-FFF2-40B4-BE49-F238E27FC236}">
+                <a16:creationId xmlns:a16="http://schemas.microsoft.com/office/drawing/2014/main" id="{258E6AF3-7615-4BD1-878E-A94C93E98F90}"/>
+              </a:ext>
+            </a:extLst>
+          </p:cNvPr>
+          <p:cNvSpPr>
+            <a:spLocks noGrp="1"/>
+          </p:cNvSpPr>
+          <p:nvPr>
+            <p:ph idx="1"/>
+          </p:nvPr>
+        </p:nvSpPr>
+        <p:spPr>
+          <a:xfrm>
+            <a:off x="838200" y="1217458"/>
+            <a:ext cx="10515600" cy="5640542"/>
+          </a:xfrm>
+        </p:spPr>
+        <p:txBody>
+          <a:bodyPr>
+            <a:normAutofit fontScale="92500" lnSpcReduction="10000"/>
+          </a:bodyPr>
+          <a:lstStyle/>
+          <a:p>
+            <a:pPr marL="0" indent="0">
+              <a:buNone/>
+            </a:pPr>
+            <a:r>
+              <a:rPr lang="en-US" sz="3200" dirty="0"/>
+              <a:t>What is the KDD process?   </a:t>
+            </a:r>
+          </a:p>
+          <a:p>
+            <a:pPr marL="0" indent="0">
+              <a:buNone/>
+            </a:pPr>
+            <a:endParaRPr lang="en-US" dirty="0"/>
+          </a:p>
+          <a:p>
+            <a:pPr marL="0" indent="0">
+              <a:buNone/>
+            </a:pPr>
+            <a:endParaRPr lang="en-US" dirty="0"/>
+          </a:p>
+          <a:p>
+            <a:pPr marL="0" indent="0">
+              <a:buNone/>
+            </a:pPr>
+            <a:endParaRPr lang="en-US" dirty="0"/>
+          </a:p>
+          <a:p>
+            <a:pPr marL="0" indent="0">
+              <a:buNone/>
+            </a:pPr>
+            <a:endParaRPr lang="en-US" dirty="0"/>
+          </a:p>
+          <a:p>
+            <a:pPr marL="0" indent="0">
+              <a:buNone/>
+            </a:pPr>
+            <a:endParaRPr lang="en-US" dirty="0"/>
+          </a:p>
+          <a:p>
+            <a:pPr marL="0" indent="0">
+              <a:buNone/>
+            </a:pPr>
+            <a:endParaRPr lang="en-US" dirty="0"/>
+          </a:p>
+          <a:p>
+            <a:pPr marL="0" indent="0">
+              <a:buNone/>
+            </a:pPr>
+            <a:endParaRPr lang="en-US" dirty="0"/>
+          </a:p>
+          <a:p>
+            <a:pPr marL="0" indent="0">
+              <a:buNone/>
+            </a:pPr>
+            <a:endParaRPr lang="en-US" dirty="0">
+              <a:solidFill>
+                <a:schemeClr val="accent1"/>
+              </a:solidFill>
+            </a:endParaRPr>
+          </a:p>
+          <a:p>
+            <a:pPr marL="0" indent="0">
+              <a:buNone/>
+            </a:pPr>
+            <a:endParaRPr lang="en-US" dirty="0">
+              <a:solidFill>
+                <a:schemeClr val="accent1"/>
+              </a:solidFill>
+            </a:endParaRPr>
+          </a:p>
+          <a:p>
+            <a:pPr marL="0" indent="0">
+              <a:buNone/>
+            </a:pPr>
+            <a:endParaRPr lang="en-US" dirty="0">
+              <a:solidFill>
+                <a:schemeClr val="accent1"/>
+              </a:solidFill>
+            </a:endParaRPr>
+          </a:p>
+          <a:p>
+            <a:pPr marL="0" indent="0">
+              <a:buNone/>
+            </a:pPr>
+            <a:r>
+              <a:rPr lang="en-US" dirty="0">
+                <a:solidFill>
+                  <a:schemeClr val="accent1"/>
+                </a:solidFill>
+              </a:rPr>
+              <a:t>Is this old diagram representative?  - e.g. Fayyad et.al. 1996 </a:t>
+            </a:r>
+          </a:p>
+        </p:txBody>
+      </p:sp>
+      <p:sp>
+        <p:nvSpPr>
+          <p:cNvPr id="6" name="Title 1">
+            <a:extLst>
+              <a:ext uri="{FF2B5EF4-FFF2-40B4-BE49-F238E27FC236}">
+                <a16:creationId xmlns:a16="http://schemas.microsoft.com/office/drawing/2014/main" id="{CD29F70F-B868-451B-A65D-8721F4C7A2D9}"/>
+              </a:ext>
+            </a:extLst>
+          </p:cNvPr>
+          <p:cNvSpPr txBox="1">
+            <a:spLocks/>
+          </p:cNvSpPr>
+          <p:nvPr/>
+        </p:nvSpPr>
+        <p:spPr>
+          <a:xfrm>
+            <a:off x="838200" y="-635"/>
+            <a:ext cx="10515600" cy="1325563"/>
+          </a:xfrm>
+          <a:prstGeom prst="rect">
+            <a:avLst/>
+          </a:prstGeom>
+        </p:spPr>
+        <p:txBody>
+          <a:bodyPr vert="horz" lIns="91440" tIns="45720" rIns="91440" bIns="45720" rtlCol="0" anchor="ctr">
+            <a:normAutofit/>
+          </a:bodyPr>
+          <a:lstStyle>
+            <a:lvl1pPr algn="l" defTabSz="914400" rtl="0" eaLnBrk="1" latinLnBrk="0" hangingPunct="1">
+              <a:lnSpc>
+                <a:spcPct val="90000"/>
+              </a:lnSpc>
+              <a:spcBef>
+                <a:spcPct val="0"/>
+              </a:spcBef>
+              <a:buNone/>
+              <a:defRPr sz="4400" kern="1200">
+                <a:solidFill>
+                  <a:schemeClr val="tx1"/>
+                </a:solidFill>
+                <a:latin typeface="+mj-lt"/>
+                <a:ea typeface="+mj-ea"/>
+                <a:cs typeface="+mj-cs"/>
+              </a:defRPr>
+            </a:lvl1pPr>
+          </a:lstStyle>
+          <a:p>
+            <a:r>
+              <a:rPr lang="en-US" dirty="0">
+                <a:latin typeface="+mn-lt"/>
+              </a:rPr>
+              <a:t>KDD process</a:t>
+            </a:r>
+          </a:p>
+        </p:txBody>
+      </p:sp>
+      <p:pic>
+        <p:nvPicPr>
+          <p:cNvPr id="4" name="Picture 3">
+            <a:extLst>
+              <a:ext uri="{FF2B5EF4-FFF2-40B4-BE49-F238E27FC236}">
+                <a16:creationId xmlns:a16="http://schemas.microsoft.com/office/drawing/2014/main" id="{41A10601-345E-4A04-878A-28FFF71506B5}"/>
+              </a:ext>
+            </a:extLst>
+          </p:cNvPr>
+          <p:cNvPicPr>
+            <a:picLocks noChangeAspect="1"/>
+          </p:cNvPicPr>
+          <p:nvPr/>
+        </p:nvPicPr>
+        <p:blipFill>
+          <a:blip r:embed="rId2"/>
+          <a:stretch>
+            <a:fillRect/>
+          </a:stretch>
+        </p:blipFill>
+        <p:spPr>
+          <a:xfrm>
+            <a:off x="951375" y="1651145"/>
+            <a:ext cx="8488232" cy="4404795"/>
+          </a:xfrm>
+          <a:prstGeom prst="rect">
+            <a:avLst/>
+          </a:prstGeom>
+        </p:spPr>
+      </p:pic>
+    </p:spTree>
+    <p:extLst>
+      <p:ext uri="{BB962C8B-B14F-4D97-AF65-F5344CB8AC3E}">
+        <p14:creationId xmlns:p14="http://schemas.microsoft.com/office/powerpoint/2010/main" val="2011350768"/>
+      </p:ext>
+    </p:extLst>
+  </p:cSld>
+  <p:clrMapOvr>
+    <a:masterClrMapping/>
+  </p:clrMapOvr>
+  <p:timing>
+    <p:tnLst>
+      <p:par>
+        <p:cTn id="1" dur="indefinite" restart="never" nodeType="tmRoot">
+          <p:childTnLst>
+            <p:seq concurrent="1" nextAc="seek">
+              <p:cTn id="2" dur="indefinite" nodeType="mainSeq">
+                <p:childTnLst>
+                  <p:par>
+                    <p:cTn id="3" fill="hold">
+                      <p:stCondLst>
+                        <p:cond delay="indefinite"/>
+                      </p:stCondLst>
+                      <p:childTnLst>
+                        <p:par>
+                          <p:cTn id="4" fill="hold">
+                            <p:stCondLst>
+                              <p:cond delay="0"/>
+                            </p:stCondLst>
+                            <p:childTnLst>
+                              <p:par>
+                                <p:cTn id="5" presetID="1" presetClass="entr" presetSubtype="0" fill="hold" nodeType="clickEffect">
+                                  <p:stCondLst>
+                                    <p:cond delay="0"/>
+                                  </p:stCondLst>
+                                  <p:childTnLst>
+                                    <p:set>
+                                      <p:cBhvr>
+                                        <p:cTn id="6" dur="1" fill="hold">
+                                          <p:stCondLst>
+                                            <p:cond delay="0"/>
+                                          </p:stCondLst>
+                                        </p:cTn>
+                                        <p:tgtEl>
+                                          <p:spTgt spid="3">
+                                            <p:txEl>
+                                              <p:pRg st="0" end="0"/>
+                                            </p:txEl>
+                                          </p:spTgt>
+                                        </p:tgtEl>
+                                        <p:attrNameLst>
+                                          <p:attrName>style.visibility</p:attrName>
+                                        </p:attrNameLst>
+                                      </p:cBhvr>
+                                      <p:to>
+                                        <p:strVal val="visible"/>
+                                      </p:to>
+                                    </p:set>
+                                  </p:childTnLst>
+                                </p:cTn>
+                              </p:par>
+                            </p:childTnLst>
+                          </p:cTn>
+                        </p:par>
+                      </p:childTnLst>
+                    </p:cTn>
+                  </p:par>
+                  <p:par>
+                    <p:cTn id="7" fill="hold">
+                      <p:stCondLst>
+                        <p:cond delay="indefinite"/>
+                      </p:stCondLst>
+                      <p:childTnLst>
+                        <p:par>
+                          <p:cTn id="8" fill="hold">
+                            <p:stCondLst>
+                              <p:cond delay="0"/>
+                            </p:stCondLst>
+                            <p:childTnLst>
+                              <p:par>
+                                <p:cTn id="9" presetID="1" presetClass="entr" presetSubtype="0" fill="hold" nodeType="clickEffect">
+                                  <p:stCondLst>
+                                    <p:cond delay="0"/>
+                                  </p:stCondLst>
+                                  <p:childTnLst>
+                                    <p:set>
+                                      <p:cBhvr>
+                                        <p:cTn id="10" dur="1" fill="hold">
+                                          <p:stCondLst>
+                                            <p:cond delay="0"/>
+                                          </p:stCondLst>
+                                        </p:cTn>
+                                        <p:tgtEl>
+                                          <p:spTgt spid="3">
+                                            <p:txEl>
+                                              <p:pRg st="11" end="11"/>
+                                            </p:txEl>
+                                          </p:spTgt>
+                                        </p:tgtEl>
+                                        <p:attrNameLst>
+                                          <p:attrName>style.visibility</p:attrName>
+                                        </p:attrNameLst>
+                                      </p:cBhvr>
+                                      <p:to>
+                                        <p:strVal val="visible"/>
+                                      </p:to>
+                                    </p:set>
+                                  </p:childTnLst>
+                                </p:cTn>
+                              </p:par>
+                              <p:par>
+                                <p:cTn id="11" presetID="1" presetClass="entr" presetSubtype="0" fill="hold" nodeType="withEffect">
+                                  <p:stCondLst>
+                                    <p:cond delay="0"/>
+                                  </p:stCondLst>
+                                  <p:childTnLst>
+                                    <p:set>
+                                      <p:cBhvr>
+                                        <p:cTn id="12" dur="1" fill="hold">
+                                          <p:stCondLst>
+                                            <p:cond delay="0"/>
+                                          </p:stCondLst>
+                                        </p:cTn>
+                                        <p:tgtEl>
+                                          <p:spTgt spid="4"/>
+                                        </p:tgtEl>
+                                        <p:attrNameLst>
+                                          <p:attrName>style.visibility</p:attrName>
+                                        </p:attrNameLst>
+                                      </p:cBhvr>
+                                      <p:to>
+                                        <p:strVal val="visible"/>
+                                      </p:to>
+                                    </p:set>
+                                  </p:childTnLst>
+                                </p:cTn>
+                              </p:par>
+                            </p:childTnLst>
+                          </p:cTn>
+                        </p:par>
+                      </p:childTnLst>
+                    </p:cTn>
+                  </p:par>
+                </p:childTnLst>
+              </p:cTn>
+              <p:prevCondLst>
+                <p:cond evt="onPrev" delay="0">
+                  <p:tgtEl>
+                    <p:sldTgt/>
+                  </p:tgtEl>
+                </p:cond>
+              </p:prevCondLst>
+              <p:nextCondLst>
+                <p:cond evt="onNext" delay="0">
+                  <p:tgtEl>
+                    <p:sldTgt/>
+                  </p:tgtEl>
+                </p:cond>
+              </p:nextCondLst>
+            </p:seq>
+          </p:childTnLst>
+        </p:cTn>
+      </p:par>
+    </p:tnLst>
+  </p:timing>
+</p:sld>
+</file>
+
+<file path=ppt/slides/slide50.xml><?xml version="1.0" encoding="utf-8"?>
 <p:sld xmlns:a="http://schemas.openxmlformats.org/drawingml/2006/main" xmlns:r="http://schemas.openxmlformats.org/officeDocument/2006/relationships" xmlns:p="http://schemas.openxmlformats.org/presentationml/2006/main">
   <p:cSld>
     <p:spTree>
@@ -32456,401 +35672,7 @@
 </p:sld>
 </file>
 
-<file path=ppt/slides/slide5.xml><?xml version="1.0" encoding="utf-8"?>
-<p:sld xmlns:a="http://schemas.openxmlformats.org/drawingml/2006/main" xmlns:r="http://schemas.openxmlformats.org/officeDocument/2006/relationships" xmlns:p="http://schemas.openxmlformats.org/presentationml/2006/main">
-  <p:cSld>
-    <p:spTree>
-      <p:nvGrpSpPr>
-        <p:cNvPr id="1" name=""/>
-        <p:cNvGrpSpPr/>
-        <p:nvPr/>
-      </p:nvGrpSpPr>
-      <p:grpSpPr>
-        <a:xfrm>
-          <a:off x="0" y="0"/>
-          <a:ext cx="0" cy="0"/>
-          <a:chOff x="0" y="0"/>
-          <a:chExt cx="0" cy="0"/>
-        </a:xfrm>
-      </p:grpSpPr>
-      <p:sp>
-        <p:nvSpPr>
-          <p:cNvPr id="3" name="Content Placeholder 2">
-            <a:extLst>
-              <a:ext uri="{FF2B5EF4-FFF2-40B4-BE49-F238E27FC236}">
-                <a16:creationId xmlns:a16="http://schemas.microsoft.com/office/drawing/2014/main" id="{258E6AF3-7615-4BD1-878E-A94C93E98F90}"/>
-              </a:ext>
-            </a:extLst>
-          </p:cNvPr>
-          <p:cNvSpPr>
-            <a:spLocks noGrp="1"/>
-          </p:cNvSpPr>
-          <p:nvPr>
-            <p:ph idx="1"/>
-          </p:nvPr>
-        </p:nvSpPr>
-        <p:spPr>
-          <a:xfrm>
-            <a:off x="838200" y="1217458"/>
-            <a:ext cx="10515600" cy="5640542"/>
-          </a:xfrm>
-        </p:spPr>
-        <p:txBody>
-          <a:bodyPr>
-            <a:normAutofit fontScale="92500" lnSpcReduction="10000"/>
-          </a:bodyPr>
-          <a:lstStyle/>
-          <a:p>
-            <a:pPr marL="0" indent="0">
-              <a:buNone/>
-            </a:pPr>
-            <a:r>
-              <a:rPr lang="en-US" sz="3200" dirty="0"/>
-              <a:t>What is the KDD process?   </a:t>
-            </a:r>
-          </a:p>
-          <a:p>
-            <a:pPr marL="0" indent="0">
-              <a:buNone/>
-            </a:pPr>
-            <a:endParaRPr lang="en-US" dirty="0"/>
-          </a:p>
-          <a:p>
-            <a:pPr marL="0" indent="0">
-              <a:buNone/>
-            </a:pPr>
-            <a:endParaRPr lang="en-US" dirty="0"/>
-          </a:p>
-          <a:p>
-            <a:pPr marL="0" indent="0">
-              <a:buNone/>
-            </a:pPr>
-            <a:endParaRPr lang="en-US" dirty="0"/>
-          </a:p>
-          <a:p>
-            <a:pPr marL="0" indent="0">
-              <a:buNone/>
-            </a:pPr>
-            <a:endParaRPr lang="en-US" dirty="0"/>
-          </a:p>
-          <a:p>
-            <a:pPr marL="0" indent="0">
-              <a:buNone/>
-            </a:pPr>
-            <a:endParaRPr lang="en-US" dirty="0"/>
-          </a:p>
-          <a:p>
-            <a:pPr marL="0" indent="0">
-              <a:buNone/>
-            </a:pPr>
-            <a:endParaRPr lang="en-US" dirty="0"/>
-          </a:p>
-          <a:p>
-            <a:pPr marL="0" indent="0">
-              <a:buNone/>
-            </a:pPr>
-            <a:endParaRPr lang="en-US" dirty="0"/>
-          </a:p>
-          <a:p>
-            <a:pPr marL="0" indent="0">
-              <a:buNone/>
-            </a:pPr>
-            <a:endParaRPr lang="en-US" dirty="0">
-              <a:solidFill>
-                <a:schemeClr val="accent1"/>
-              </a:solidFill>
-            </a:endParaRPr>
-          </a:p>
-          <a:p>
-            <a:pPr marL="0" indent="0">
-              <a:buNone/>
-            </a:pPr>
-            <a:endParaRPr lang="en-US" dirty="0">
-              <a:solidFill>
-                <a:schemeClr val="accent1"/>
-              </a:solidFill>
-            </a:endParaRPr>
-          </a:p>
-          <a:p>
-            <a:pPr marL="0" indent="0">
-              <a:buNone/>
-            </a:pPr>
-            <a:endParaRPr lang="en-US" dirty="0">
-              <a:solidFill>
-                <a:schemeClr val="accent1"/>
-              </a:solidFill>
-            </a:endParaRPr>
-          </a:p>
-          <a:p>
-            <a:pPr marL="0" indent="0">
-              <a:buNone/>
-            </a:pPr>
-            <a:r>
-              <a:rPr lang="en-US" dirty="0">
-                <a:solidFill>
-                  <a:schemeClr val="accent1"/>
-                </a:solidFill>
-              </a:rPr>
-              <a:t>Is this old diagram representative?  - e.g. Fayyad et.al. 1996 </a:t>
-            </a:r>
-          </a:p>
-        </p:txBody>
-      </p:sp>
-      <p:sp>
-        <p:nvSpPr>
-          <p:cNvPr id="6" name="Title 1">
-            <a:extLst>
-              <a:ext uri="{FF2B5EF4-FFF2-40B4-BE49-F238E27FC236}">
-                <a16:creationId xmlns:a16="http://schemas.microsoft.com/office/drawing/2014/main" id="{CD29F70F-B868-451B-A65D-8721F4C7A2D9}"/>
-              </a:ext>
-            </a:extLst>
-          </p:cNvPr>
-          <p:cNvSpPr txBox="1">
-            <a:spLocks/>
-          </p:cNvSpPr>
-          <p:nvPr/>
-        </p:nvSpPr>
-        <p:spPr>
-          <a:xfrm>
-            <a:off x="838200" y="-635"/>
-            <a:ext cx="10515600" cy="1325563"/>
-          </a:xfrm>
-          <a:prstGeom prst="rect">
-            <a:avLst/>
-          </a:prstGeom>
-        </p:spPr>
-        <p:txBody>
-          <a:bodyPr vert="horz" lIns="91440" tIns="45720" rIns="91440" bIns="45720" rtlCol="0" anchor="ctr">
-            <a:normAutofit/>
-          </a:bodyPr>
-          <a:lstStyle>
-            <a:lvl1pPr algn="l" defTabSz="914400" rtl="0" eaLnBrk="1" latinLnBrk="0" hangingPunct="1">
-              <a:lnSpc>
-                <a:spcPct val="90000"/>
-              </a:lnSpc>
-              <a:spcBef>
-                <a:spcPct val="0"/>
-              </a:spcBef>
-              <a:buNone/>
-              <a:defRPr sz="4400" kern="1200">
-                <a:solidFill>
-                  <a:schemeClr val="tx1"/>
-                </a:solidFill>
-                <a:latin typeface="+mj-lt"/>
-                <a:ea typeface="+mj-ea"/>
-                <a:cs typeface="+mj-cs"/>
-              </a:defRPr>
-            </a:lvl1pPr>
-          </a:lstStyle>
-          <a:p>
-            <a:r>
-              <a:rPr lang="en-US" dirty="0">
-                <a:latin typeface="+mn-lt"/>
-              </a:rPr>
-              <a:t>KDD process</a:t>
-            </a:r>
-          </a:p>
-        </p:txBody>
-      </p:sp>
-      <p:pic>
-        <p:nvPicPr>
-          <p:cNvPr id="4" name="Picture 3">
-            <a:extLst>
-              <a:ext uri="{FF2B5EF4-FFF2-40B4-BE49-F238E27FC236}">
-                <a16:creationId xmlns:a16="http://schemas.microsoft.com/office/drawing/2014/main" id="{41A10601-345E-4A04-878A-28FFF71506B5}"/>
-              </a:ext>
-            </a:extLst>
-          </p:cNvPr>
-          <p:cNvPicPr>
-            <a:picLocks noChangeAspect="1"/>
-          </p:cNvPicPr>
-          <p:nvPr/>
-        </p:nvPicPr>
-        <p:blipFill>
-          <a:blip r:embed="rId2"/>
-          <a:stretch>
-            <a:fillRect/>
-          </a:stretch>
-        </p:blipFill>
-        <p:spPr>
-          <a:xfrm>
-            <a:off x="951375" y="1651145"/>
-            <a:ext cx="8488232" cy="4404795"/>
-          </a:xfrm>
-          <a:prstGeom prst="rect">
-            <a:avLst/>
-          </a:prstGeom>
-        </p:spPr>
-      </p:pic>
-    </p:spTree>
-    <p:extLst>
-      <p:ext uri="{BB962C8B-B14F-4D97-AF65-F5344CB8AC3E}">
-        <p14:creationId xmlns:p14="http://schemas.microsoft.com/office/powerpoint/2010/main" val="2011350768"/>
-      </p:ext>
-    </p:extLst>
-  </p:cSld>
-  <p:clrMapOvr>
-    <a:masterClrMapping/>
-  </p:clrMapOvr>
-  <p:timing>
-    <p:tnLst>
-      <p:par>
-        <p:cTn id="1" dur="indefinite" restart="never" nodeType="tmRoot">
-          <p:childTnLst>
-            <p:seq concurrent="1" nextAc="seek">
-              <p:cTn id="2" dur="indefinite" nodeType="mainSeq">
-                <p:childTnLst>
-                  <p:par>
-                    <p:cTn id="3" fill="hold">
-                      <p:stCondLst>
-                        <p:cond delay="indefinite"/>
-                      </p:stCondLst>
-                      <p:childTnLst>
-                        <p:par>
-                          <p:cTn id="4" fill="hold">
-                            <p:stCondLst>
-                              <p:cond delay="0"/>
-                            </p:stCondLst>
-                            <p:childTnLst>
-                              <p:par>
-                                <p:cTn id="5" presetID="1" presetClass="entr" presetSubtype="0" fill="hold" nodeType="clickEffect">
-                                  <p:stCondLst>
-                                    <p:cond delay="0"/>
-                                  </p:stCondLst>
-                                  <p:childTnLst>
-                                    <p:set>
-                                      <p:cBhvr>
-                                        <p:cTn id="6" dur="1" fill="hold">
-                                          <p:stCondLst>
-                                            <p:cond delay="0"/>
-                                          </p:stCondLst>
-                                        </p:cTn>
-                                        <p:tgtEl>
-                                          <p:spTgt spid="3">
-                                            <p:txEl>
-                                              <p:pRg st="0" end="0"/>
-                                            </p:txEl>
-                                          </p:spTgt>
-                                        </p:tgtEl>
-                                        <p:attrNameLst>
-                                          <p:attrName>style.visibility</p:attrName>
-                                        </p:attrNameLst>
-                                      </p:cBhvr>
-                                      <p:to>
-                                        <p:strVal val="visible"/>
-                                      </p:to>
-                                    </p:set>
-                                  </p:childTnLst>
-                                </p:cTn>
-                              </p:par>
-                            </p:childTnLst>
-                          </p:cTn>
-                        </p:par>
-                      </p:childTnLst>
-                    </p:cTn>
-                  </p:par>
-                  <p:par>
-                    <p:cTn id="7" fill="hold">
-                      <p:stCondLst>
-                        <p:cond delay="indefinite"/>
-                      </p:stCondLst>
-                      <p:childTnLst>
-                        <p:par>
-                          <p:cTn id="8" fill="hold">
-                            <p:stCondLst>
-                              <p:cond delay="0"/>
-                            </p:stCondLst>
-                            <p:childTnLst>
-                              <p:par>
-                                <p:cTn id="9" presetID="1" presetClass="entr" presetSubtype="0" fill="hold" nodeType="clickEffect">
-                                  <p:stCondLst>
-                                    <p:cond delay="0"/>
-                                  </p:stCondLst>
-                                  <p:childTnLst>
-                                    <p:set>
-                                      <p:cBhvr>
-                                        <p:cTn id="10" dur="1" fill="hold">
-                                          <p:stCondLst>
-                                            <p:cond delay="0"/>
-                                          </p:stCondLst>
-                                        </p:cTn>
-                                        <p:tgtEl>
-                                          <p:spTgt spid="3">
-                                            <p:txEl>
-                                              <p:pRg st="11" end="11"/>
-                                            </p:txEl>
-                                          </p:spTgt>
-                                        </p:tgtEl>
-                                        <p:attrNameLst>
-                                          <p:attrName>style.visibility</p:attrName>
-                                        </p:attrNameLst>
-                                      </p:cBhvr>
-                                      <p:to>
-                                        <p:strVal val="visible"/>
-                                      </p:to>
-                                    </p:set>
-                                  </p:childTnLst>
-                                </p:cTn>
-                              </p:par>
-                              <p:par>
-                                <p:cTn id="11" presetID="1" presetClass="entr" presetSubtype="0" fill="hold" nodeType="withEffect">
-                                  <p:stCondLst>
-                                    <p:cond delay="0"/>
-                                  </p:stCondLst>
-                                  <p:childTnLst>
-                                    <p:set>
-                                      <p:cBhvr>
-                                        <p:cTn id="12" dur="1" fill="hold">
-                                          <p:stCondLst>
-                                            <p:cond delay="0"/>
-                                          </p:stCondLst>
-                                        </p:cTn>
-                                        <p:tgtEl>
-                                          <p:spTgt spid="4"/>
-                                        </p:tgtEl>
-                                        <p:attrNameLst>
-                                          <p:attrName>style.visibility</p:attrName>
-                                        </p:attrNameLst>
-                                      </p:cBhvr>
-                                      <p:to>
-                                        <p:strVal val="visible"/>
-                                      </p:to>
-                                    </p:set>
-                                  </p:childTnLst>
-                                </p:cTn>
-                              </p:par>
-                            </p:childTnLst>
-                          </p:cTn>
-                        </p:par>
-                      </p:childTnLst>
-                    </p:cTn>
-                  </p:par>
-                </p:childTnLst>
-              </p:cTn>
-              <p:prevCondLst>
-                <p:cond evt="onPrev" delay="0">
-                  <p:tgtEl>
-                    <p:sldTgt/>
-                  </p:tgtEl>
-                </p:cond>
-              </p:prevCondLst>
-              <p:nextCondLst>
-                <p:cond evt="onNext" delay="0">
-                  <p:tgtEl>
-                    <p:sldTgt/>
-                  </p:tgtEl>
-                </p:cond>
-              </p:nextCondLst>
-            </p:seq>
-          </p:childTnLst>
-        </p:cTn>
-      </p:par>
-    </p:tnLst>
-  </p:timing>
-</p:sld>
-</file>
-
-<file path=ppt/slides/slide50.xml><?xml version="1.0" encoding="utf-8"?>
+<file path=ppt/slides/slide51.xml><?xml version="1.0" encoding="utf-8"?>
 <p:sld xmlns:a="http://schemas.openxmlformats.org/drawingml/2006/main" xmlns:r="http://schemas.openxmlformats.org/officeDocument/2006/relationships" xmlns:p="http://schemas.openxmlformats.org/presentationml/2006/main">
   <p:cSld>
     <p:spTree>
@@ -33393,7 +36215,7 @@
 </p:sld>
 </file>
 
-<file path=ppt/slides/slide51.xml><?xml version="1.0" encoding="utf-8"?>
+<file path=ppt/slides/slide52.xml><?xml version="1.0" encoding="utf-8"?>
 <p:sld xmlns:a="http://schemas.openxmlformats.org/drawingml/2006/main" xmlns:r="http://schemas.openxmlformats.org/officeDocument/2006/relationships" xmlns:p="http://schemas.openxmlformats.org/presentationml/2006/main">
   <p:cSld>
     <p:spTree>
@@ -33730,7 +36552,7 @@
 </p:sld>
 </file>
 
-<file path=ppt/slides/slide52.xml><?xml version="1.0" encoding="utf-8"?>
+<file path=ppt/slides/slide53.xml><?xml version="1.0" encoding="utf-8"?>
 <p:sld xmlns:a="http://schemas.openxmlformats.org/drawingml/2006/main" xmlns:r="http://schemas.openxmlformats.org/officeDocument/2006/relationships" xmlns:p="http://schemas.openxmlformats.org/presentationml/2006/main">
   <p:cSld>
     <p:spTree>
@@ -34318,7 +37140,7 @@
 </p:sld>
 </file>
 
-<file path=ppt/slides/slide53.xml><?xml version="1.0" encoding="utf-8"?>
+<file path=ppt/slides/slide54.xml><?xml version="1.0" encoding="utf-8"?>
 <p:sld xmlns:a="http://schemas.openxmlformats.org/drawingml/2006/main" xmlns:r="http://schemas.openxmlformats.org/officeDocument/2006/relationships" xmlns:p="http://schemas.openxmlformats.org/presentationml/2006/main">
   <p:cSld>
     <p:spTree>
@@ -34751,7 +37573,7 @@
 </p:sld>
 </file>
 
-<file path=ppt/slides/slide54.xml><?xml version="1.0" encoding="utf-8"?>
+<file path=ppt/slides/slide55.xml><?xml version="1.0" encoding="utf-8"?>
 <p:sld xmlns:a="http://schemas.openxmlformats.org/drawingml/2006/main" xmlns:r="http://schemas.openxmlformats.org/officeDocument/2006/relationships" xmlns:p="http://schemas.openxmlformats.org/presentationml/2006/main">
   <p:cSld>
     <p:spTree>
@@ -35129,7 +37951,7 @@
 </p:sld>
 </file>
 
-<file path=ppt/slides/slide55.xml><?xml version="1.0" encoding="utf-8"?>
+<file path=ppt/slides/slide56.xml><?xml version="1.0" encoding="utf-8"?>
 <p:sld xmlns:a="http://schemas.openxmlformats.org/drawingml/2006/main" xmlns:r="http://schemas.openxmlformats.org/officeDocument/2006/relationships" xmlns:p="http://schemas.openxmlformats.org/presentationml/2006/main">
   <p:cSld>
     <p:spTree>
@@ -35659,7 +38481,7 @@
 </p:sld>
 </file>
 
-<file path=ppt/slides/slide56.xml><?xml version="1.0" encoding="utf-8"?>
+<file path=ppt/slides/slide57.xml><?xml version="1.0" encoding="utf-8"?>
 <p:sld xmlns:a="http://schemas.openxmlformats.org/drawingml/2006/main" xmlns:r="http://schemas.openxmlformats.org/officeDocument/2006/relationships" xmlns:p="http://schemas.openxmlformats.org/presentationml/2006/main">
   <p:cSld>
     <p:spTree>
@@ -35719,7 +38541,7 @@
 </p:sld>
 </file>
 
-<file path=ppt/slides/slide57.xml><?xml version="1.0" encoding="utf-8"?>
+<file path=ppt/slides/slide58.xml><?xml version="1.0" encoding="utf-8"?>
 <p:sld xmlns:a="http://schemas.openxmlformats.org/drawingml/2006/main" xmlns:r="http://schemas.openxmlformats.org/officeDocument/2006/relationships" xmlns:p="http://schemas.openxmlformats.org/presentationml/2006/main">
   <p:cSld>
     <p:spTree>
@@ -36274,7 +39096,7 @@
 </p:sld>
 </file>
 
-<file path=ppt/slides/slide58.xml><?xml version="1.0" encoding="utf-8"?>
+<file path=ppt/slides/slide59.xml><?xml version="1.0" encoding="utf-8"?>
 <p:sld xmlns:a="http://schemas.openxmlformats.org/drawingml/2006/main" xmlns:r="http://schemas.openxmlformats.org/officeDocument/2006/relationships" xmlns:p="http://schemas.openxmlformats.org/presentationml/2006/main">
   <p:cSld>
     <p:spTree>
@@ -37072,7 +39894,635 @@
 </p:sld>
 </file>
 
-<file path=ppt/slides/slide59.xml><?xml version="1.0" encoding="utf-8"?>
+<file path=ppt/slides/slide6.xml><?xml version="1.0" encoding="utf-8"?>
+<p:sld xmlns:a="http://schemas.openxmlformats.org/drawingml/2006/main" xmlns:r="http://schemas.openxmlformats.org/officeDocument/2006/relationships" xmlns:p="http://schemas.openxmlformats.org/presentationml/2006/main">
+  <p:cSld>
+    <p:spTree>
+      <p:nvGrpSpPr>
+        <p:cNvPr id="1" name=""/>
+        <p:cNvGrpSpPr/>
+        <p:nvPr/>
+      </p:nvGrpSpPr>
+      <p:grpSpPr>
+        <a:xfrm>
+          <a:off x="0" y="0"/>
+          <a:ext cx="0" cy="0"/>
+          <a:chOff x="0" y="0"/>
+          <a:chExt cx="0" cy="0"/>
+        </a:xfrm>
+      </p:grpSpPr>
+      <p:sp>
+        <p:nvSpPr>
+          <p:cNvPr id="3" name="Content Placeholder 2">
+            <a:extLst>
+              <a:ext uri="{FF2B5EF4-FFF2-40B4-BE49-F238E27FC236}">
+                <a16:creationId xmlns:a16="http://schemas.microsoft.com/office/drawing/2014/main" id="{258E6AF3-7615-4BD1-878E-A94C93E98F90}"/>
+              </a:ext>
+            </a:extLst>
+          </p:cNvPr>
+          <p:cNvSpPr>
+            <a:spLocks noGrp="1"/>
+          </p:cNvSpPr>
+          <p:nvPr>
+            <p:ph idx="1"/>
+          </p:nvPr>
+        </p:nvSpPr>
+        <p:spPr>
+          <a:xfrm>
+            <a:off x="838200" y="1217458"/>
+            <a:ext cx="10515600" cy="485939"/>
+          </a:xfrm>
+        </p:spPr>
+        <p:txBody>
+          <a:bodyPr>
+            <a:normAutofit fontScale="92500" lnSpcReduction="10000"/>
+          </a:bodyPr>
+          <a:lstStyle/>
+          <a:p>
+            <a:pPr marL="0" indent="0">
+              <a:buNone/>
+            </a:pPr>
+            <a:r>
+              <a:rPr lang="en-US" sz="3200" dirty="0"/>
+              <a:t>What is the KDD process?   </a:t>
+            </a:r>
+          </a:p>
+        </p:txBody>
+      </p:sp>
+      <p:sp>
+        <p:nvSpPr>
+          <p:cNvPr id="6" name="Title 1">
+            <a:extLst>
+              <a:ext uri="{FF2B5EF4-FFF2-40B4-BE49-F238E27FC236}">
+                <a16:creationId xmlns:a16="http://schemas.microsoft.com/office/drawing/2014/main" id="{CD29F70F-B868-451B-A65D-8721F4C7A2D9}"/>
+              </a:ext>
+            </a:extLst>
+          </p:cNvPr>
+          <p:cNvSpPr txBox="1">
+            <a:spLocks/>
+          </p:cNvSpPr>
+          <p:nvPr/>
+        </p:nvSpPr>
+        <p:spPr>
+          <a:xfrm>
+            <a:off x="838200" y="-635"/>
+            <a:ext cx="10515600" cy="1325563"/>
+          </a:xfrm>
+          <a:prstGeom prst="rect">
+            <a:avLst/>
+          </a:prstGeom>
+        </p:spPr>
+        <p:txBody>
+          <a:bodyPr vert="horz" lIns="91440" tIns="45720" rIns="91440" bIns="45720" rtlCol="0" anchor="ctr">
+            <a:normAutofit/>
+          </a:bodyPr>
+          <a:lstStyle>
+            <a:lvl1pPr algn="l" defTabSz="914400" rtl="0" eaLnBrk="1" latinLnBrk="0" hangingPunct="1">
+              <a:lnSpc>
+                <a:spcPct val="90000"/>
+              </a:lnSpc>
+              <a:spcBef>
+                <a:spcPct val="0"/>
+              </a:spcBef>
+              <a:buNone/>
+              <a:defRPr sz="4400" kern="1200">
+                <a:solidFill>
+                  <a:schemeClr val="tx1"/>
+                </a:solidFill>
+                <a:latin typeface="+mj-lt"/>
+                <a:ea typeface="+mj-ea"/>
+                <a:cs typeface="+mj-cs"/>
+              </a:defRPr>
+            </a:lvl1pPr>
+          </a:lstStyle>
+          <a:p>
+            <a:r>
+              <a:rPr lang="en-US" dirty="0">
+                <a:latin typeface="+mn-lt"/>
+              </a:rPr>
+              <a:t>KDD process</a:t>
+            </a:r>
+          </a:p>
+        </p:txBody>
+      </p:sp>
+      <p:pic>
+        <p:nvPicPr>
+          <p:cNvPr id="4" name="Picture 3">
+            <a:extLst>
+              <a:ext uri="{FF2B5EF4-FFF2-40B4-BE49-F238E27FC236}">
+                <a16:creationId xmlns:a16="http://schemas.microsoft.com/office/drawing/2014/main" id="{41A10601-345E-4A04-878A-28FFF71506B5}"/>
+              </a:ext>
+            </a:extLst>
+          </p:cNvPr>
+          <p:cNvPicPr>
+            <a:picLocks noChangeAspect="1"/>
+          </p:cNvPicPr>
+          <p:nvPr/>
+        </p:nvPicPr>
+        <p:blipFill>
+          <a:blip r:embed="rId2"/>
+          <a:stretch>
+            <a:fillRect/>
+          </a:stretch>
+        </p:blipFill>
+        <p:spPr>
+          <a:xfrm>
+            <a:off x="376610" y="2168435"/>
+            <a:ext cx="6121998" cy="3176886"/>
+          </a:xfrm>
+          <a:prstGeom prst="rect">
+            <a:avLst/>
+          </a:prstGeom>
+        </p:spPr>
+      </p:pic>
+      <p:sp>
+        <p:nvSpPr>
+          <p:cNvPr id="5" name="Content Placeholder 2">
+            <a:extLst>
+              <a:ext uri="{FF2B5EF4-FFF2-40B4-BE49-F238E27FC236}">
+                <a16:creationId xmlns:a16="http://schemas.microsoft.com/office/drawing/2014/main" id="{DBC99F37-3CFD-4C3B-8CF6-AEDE11B202D2}"/>
+              </a:ext>
+            </a:extLst>
+          </p:cNvPr>
+          <p:cNvSpPr txBox="1">
+            <a:spLocks/>
+          </p:cNvSpPr>
+          <p:nvPr/>
+        </p:nvSpPr>
+        <p:spPr>
+          <a:xfrm>
+            <a:off x="6787461" y="1921229"/>
+            <a:ext cx="5116757" cy="4395969"/>
+          </a:xfrm>
+          <a:prstGeom prst="rect">
+            <a:avLst/>
+          </a:prstGeom>
+        </p:spPr>
+        <p:txBody>
+          <a:bodyPr vert="horz" lIns="91440" tIns="45720" rIns="91440" bIns="45720" rtlCol="0">
+            <a:normAutofit lnSpcReduction="10000"/>
+          </a:bodyPr>
+          <a:lstStyle>
+            <a:lvl1pPr marL="228600" indent="-228600" algn="l" defTabSz="914400" rtl="0" eaLnBrk="1" latinLnBrk="0" hangingPunct="1">
+              <a:lnSpc>
+                <a:spcPct val="90000"/>
+              </a:lnSpc>
+              <a:spcBef>
+                <a:spcPts val="1000"/>
+              </a:spcBef>
+              <a:buFont typeface="Arial" panose="020B0604020202020204" pitchFamily="34" charset="0"/>
+              <a:buChar char="•"/>
+              <a:defRPr sz="2800" kern="1200">
+                <a:solidFill>
+                  <a:schemeClr val="tx1"/>
+                </a:solidFill>
+                <a:latin typeface="+mn-lt"/>
+                <a:ea typeface="+mn-ea"/>
+                <a:cs typeface="+mn-cs"/>
+              </a:defRPr>
+            </a:lvl1pPr>
+            <a:lvl2pPr marL="685800" indent="-228600" algn="l" defTabSz="914400" rtl="0" eaLnBrk="1" latinLnBrk="0" hangingPunct="1">
+              <a:lnSpc>
+                <a:spcPct val="90000"/>
+              </a:lnSpc>
+              <a:spcBef>
+                <a:spcPts val="500"/>
+              </a:spcBef>
+              <a:buFont typeface="Arial" panose="020B0604020202020204" pitchFamily="34" charset="0"/>
+              <a:buChar char="•"/>
+              <a:defRPr sz="2400" kern="1200">
+                <a:solidFill>
+                  <a:schemeClr val="tx1"/>
+                </a:solidFill>
+                <a:latin typeface="+mn-lt"/>
+                <a:ea typeface="+mn-ea"/>
+                <a:cs typeface="+mn-cs"/>
+              </a:defRPr>
+            </a:lvl2pPr>
+            <a:lvl3pPr marL="1143000" indent="-228600" algn="l" defTabSz="914400" rtl="0" eaLnBrk="1" latinLnBrk="0" hangingPunct="1">
+              <a:lnSpc>
+                <a:spcPct val="90000"/>
+              </a:lnSpc>
+              <a:spcBef>
+                <a:spcPts val="500"/>
+              </a:spcBef>
+              <a:buFont typeface="Arial" panose="020B0604020202020204" pitchFamily="34" charset="0"/>
+              <a:buChar char="•"/>
+              <a:defRPr sz="2000" kern="1200">
+                <a:solidFill>
+                  <a:schemeClr val="tx1"/>
+                </a:solidFill>
+                <a:latin typeface="+mn-lt"/>
+                <a:ea typeface="+mn-ea"/>
+                <a:cs typeface="+mn-cs"/>
+              </a:defRPr>
+            </a:lvl3pPr>
+            <a:lvl4pPr marL="1600200" indent="-228600" algn="l" defTabSz="914400" rtl="0" eaLnBrk="1" latinLnBrk="0" hangingPunct="1">
+              <a:lnSpc>
+                <a:spcPct val="90000"/>
+              </a:lnSpc>
+              <a:spcBef>
+                <a:spcPts val="500"/>
+              </a:spcBef>
+              <a:buFont typeface="Arial" panose="020B0604020202020204" pitchFamily="34" charset="0"/>
+              <a:buChar char="•"/>
+              <a:defRPr sz="1800" kern="1200">
+                <a:solidFill>
+                  <a:schemeClr val="tx1"/>
+                </a:solidFill>
+                <a:latin typeface="+mn-lt"/>
+                <a:ea typeface="+mn-ea"/>
+                <a:cs typeface="+mn-cs"/>
+              </a:defRPr>
+            </a:lvl4pPr>
+            <a:lvl5pPr marL="2057400" indent="-228600" algn="l" defTabSz="914400" rtl="0" eaLnBrk="1" latinLnBrk="0" hangingPunct="1">
+              <a:lnSpc>
+                <a:spcPct val="90000"/>
+              </a:lnSpc>
+              <a:spcBef>
+                <a:spcPts val="500"/>
+              </a:spcBef>
+              <a:buFont typeface="Arial" panose="020B0604020202020204" pitchFamily="34" charset="0"/>
+              <a:buChar char="•"/>
+              <a:defRPr sz="1800" kern="1200">
+                <a:solidFill>
+                  <a:schemeClr val="tx1"/>
+                </a:solidFill>
+                <a:latin typeface="+mn-lt"/>
+                <a:ea typeface="+mn-ea"/>
+                <a:cs typeface="+mn-cs"/>
+              </a:defRPr>
+            </a:lvl5pPr>
+            <a:lvl6pPr marL="2514600" indent="-228600" algn="l" defTabSz="914400" rtl="0" eaLnBrk="1" latinLnBrk="0" hangingPunct="1">
+              <a:lnSpc>
+                <a:spcPct val="90000"/>
+              </a:lnSpc>
+              <a:spcBef>
+                <a:spcPts val="500"/>
+              </a:spcBef>
+              <a:buFont typeface="Arial" panose="020B0604020202020204" pitchFamily="34" charset="0"/>
+              <a:buChar char="•"/>
+              <a:defRPr sz="1800" kern="1200">
+                <a:solidFill>
+                  <a:schemeClr val="tx1"/>
+                </a:solidFill>
+                <a:latin typeface="+mn-lt"/>
+                <a:ea typeface="+mn-ea"/>
+                <a:cs typeface="+mn-cs"/>
+              </a:defRPr>
+            </a:lvl6pPr>
+            <a:lvl7pPr marL="2971800" indent="-228600" algn="l" defTabSz="914400" rtl="0" eaLnBrk="1" latinLnBrk="0" hangingPunct="1">
+              <a:lnSpc>
+                <a:spcPct val="90000"/>
+              </a:lnSpc>
+              <a:spcBef>
+                <a:spcPts val="500"/>
+              </a:spcBef>
+              <a:buFont typeface="Arial" panose="020B0604020202020204" pitchFamily="34" charset="0"/>
+              <a:buChar char="•"/>
+              <a:defRPr sz="1800" kern="1200">
+                <a:solidFill>
+                  <a:schemeClr val="tx1"/>
+                </a:solidFill>
+                <a:latin typeface="+mn-lt"/>
+                <a:ea typeface="+mn-ea"/>
+                <a:cs typeface="+mn-cs"/>
+              </a:defRPr>
+            </a:lvl7pPr>
+            <a:lvl8pPr marL="3429000" indent="-228600" algn="l" defTabSz="914400" rtl="0" eaLnBrk="1" latinLnBrk="0" hangingPunct="1">
+              <a:lnSpc>
+                <a:spcPct val="90000"/>
+              </a:lnSpc>
+              <a:spcBef>
+                <a:spcPts val="500"/>
+              </a:spcBef>
+              <a:buFont typeface="Arial" panose="020B0604020202020204" pitchFamily="34" charset="0"/>
+              <a:buChar char="•"/>
+              <a:defRPr sz="1800" kern="1200">
+                <a:solidFill>
+                  <a:schemeClr val="tx1"/>
+                </a:solidFill>
+                <a:latin typeface="+mn-lt"/>
+                <a:ea typeface="+mn-ea"/>
+                <a:cs typeface="+mn-cs"/>
+              </a:defRPr>
+            </a:lvl8pPr>
+            <a:lvl9pPr marL="3886200" indent="-228600" algn="l" defTabSz="914400" rtl="0" eaLnBrk="1" latinLnBrk="0" hangingPunct="1">
+              <a:lnSpc>
+                <a:spcPct val="90000"/>
+              </a:lnSpc>
+              <a:spcBef>
+                <a:spcPts val="500"/>
+              </a:spcBef>
+              <a:buFont typeface="Arial" panose="020B0604020202020204" pitchFamily="34" charset="0"/>
+              <a:buChar char="•"/>
+              <a:defRPr sz="1800" kern="1200">
+                <a:solidFill>
+                  <a:schemeClr val="tx1"/>
+                </a:solidFill>
+                <a:latin typeface="+mn-lt"/>
+                <a:ea typeface="+mn-ea"/>
+                <a:cs typeface="+mn-cs"/>
+              </a:defRPr>
+            </a:lvl9pPr>
+          </a:lstStyle>
+          <a:p>
+            <a:pPr marL="0" indent="0">
+              <a:buFont typeface="Arial" panose="020B0604020202020204" pitchFamily="34" charset="0"/>
+              <a:buNone/>
+            </a:pPr>
+            <a:r>
+              <a:rPr lang="en-US" dirty="0"/>
+              <a:t>Is this diagram representative of today’s process?</a:t>
+            </a:r>
+          </a:p>
+          <a:p>
+            <a:r>
+              <a:rPr lang="en-US" dirty="0"/>
+              <a:t>Perhaps? </a:t>
+            </a:r>
+          </a:p>
+          <a:p>
+            <a:r>
+              <a:rPr lang="en-US" dirty="0"/>
+              <a:t>Must have a clear idea of goal!</a:t>
+            </a:r>
+          </a:p>
+          <a:p>
+            <a:r>
+              <a:rPr lang="en-US" dirty="0"/>
+              <a:t>KDD is an iterative process</a:t>
+            </a:r>
+          </a:p>
+          <a:p>
+            <a:pPr lvl="1"/>
+            <a:r>
+              <a:rPr lang="en-US" sz="2800" dirty="0"/>
+              <a:t>The results of on step informs updates to previous steps  </a:t>
+            </a:r>
+          </a:p>
+          <a:p>
+            <a:pPr lvl="1"/>
+            <a:r>
+              <a:rPr lang="en-US" sz="2800" dirty="0"/>
+              <a:t>Process is a series of overlapping cycles </a:t>
+            </a:r>
+          </a:p>
+        </p:txBody>
+      </p:sp>
+    </p:spTree>
+    <p:extLst>
+      <p:ext uri="{BB962C8B-B14F-4D97-AF65-F5344CB8AC3E}">
+        <p14:creationId xmlns:p14="http://schemas.microsoft.com/office/powerpoint/2010/main" val="2657309543"/>
+      </p:ext>
+    </p:extLst>
+  </p:cSld>
+  <p:clrMapOvr>
+    <a:masterClrMapping/>
+  </p:clrMapOvr>
+  <p:timing>
+    <p:tnLst>
+      <p:par>
+        <p:cTn id="1" dur="indefinite" restart="never" nodeType="tmRoot">
+          <p:childTnLst>
+            <p:seq concurrent="1" nextAc="seek">
+              <p:cTn id="2" dur="indefinite" nodeType="mainSeq">
+                <p:childTnLst>
+                  <p:par>
+                    <p:cTn id="3" fill="hold">
+                      <p:stCondLst>
+                        <p:cond delay="indefinite"/>
+                      </p:stCondLst>
+                      <p:childTnLst>
+                        <p:par>
+                          <p:cTn id="4" fill="hold">
+                            <p:stCondLst>
+                              <p:cond delay="0"/>
+                            </p:stCondLst>
+                            <p:childTnLst>
+                              <p:par>
+                                <p:cTn id="5" presetID="1" presetClass="entr" presetSubtype="0" fill="hold" nodeType="clickEffect">
+                                  <p:stCondLst>
+                                    <p:cond delay="0"/>
+                                  </p:stCondLst>
+                                  <p:childTnLst>
+                                    <p:set>
+                                      <p:cBhvr>
+                                        <p:cTn id="6" dur="1" fill="hold">
+                                          <p:stCondLst>
+                                            <p:cond delay="0"/>
+                                          </p:stCondLst>
+                                        </p:cTn>
+                                        <p:tgtEl>
+                                          <p:spTgt spid="5">
+                                            <p:txEl>
+                                              <p:pRg st="1" end="1"/>
+                                            </p:txEl>
+                                          </p:spTgt>
+                                        </p:tgtEl>
+                                        <p:attrNameLst>
+                                          <p:attrName>style.visibility</p:attrName>
+                                        </p:attrNameLst>
+                                      </p:cBhvr>
+                                      <p:to>
+                                        <p:strVal val="visible"/>
+                                      </p:to>
+                                    </p:set>
+                                  </p:childTnLst>
+                                </p:cTn>
+                              </p:par>
+                            </p:childTnLst>
+                          </p:cTn>
+                        </p:par>
+                      </p:childTnLst>
+                    </p:cTn>
+                  </p:par>
+                  <p:par>
+                    <p:cTn id="7" fill="hold">
+                      <p:stCondLst>
+                        <p:cond delay="indefinite"/>
+                      </p:stCondLst>
+                      <p:childTnLst>
+                        <p:par>
+                          <p:cTn id="8" fill="hold">
+                            <p:stCondLst>
+                              <p:cond delay="0"/>
+                            </p:stCondLst>
+                            <p:childTnLst>
+                              <p:par>
+                                <p:cTn id="9" presetID="1" presetClass="entr" presetSubtype="0" fill="hold" nodeType="clickEffect">
+                                  <p:stCondLst>
+                                    <p:cond delay="0"/>
+                                  </p:stCondLst>
+                                  <p:childTnLst>
+                                    <p:set>
+                                      <p:cBhvr>
+                                        <p:cTn id="10" dur="1" fill="hold">
+                                          <p:stCondLst>
+                                            <p:cond delay="0"/>
+                                          </p:stCondLst>
+                                        </p:cTn>
+                                        <p:tgtEl>
+                                          <p:spTgt spid="5">
+                                            <p:txEl>
+                                              <p:pRg st="2" end="2"/>
+                                            </p:txEl>
+                                          </p:spTgt>
+                                        </p:tgtEl>
+                                        <p:attrNameLst>
+                                          <p:attrName>style.visibility</p:attrName>
+                                        </p:attrNameLst>
+                                      </p:cBhvr>
+                                      <p:to>
+                                        <p:strVal val="visible"/>
+                                      </p:to>
+                                    </p:set>
+                                  </p:childTnLst>
+                                </p:cTn>
+                              </p:par>
+                            </p:childTnLst>
+                          </p:cTn>
+                        </p:par>
+                      </p:childTnLst>
+                    </p:cTn>
+                  </p:par>
+                  <p:par>
+                    <p:cTn id="11" fill="hold">
+                      <p:stCondLst>
+                        <p:cond delay="indefinite"/>
+                      </p:stCondLst>
+                      <p:childTnLst>
+                        <p:par>
+                          <p:cTn id="12" fill="hold">
+                            <p:stCondLst>
+                              <p:cond delay="0"/>
+                            </p:stCondLst>
+                            <p:childTnLst>
+                              <p:par>
+                                <p:cTn id="13" presetID="1" presetClass="entr" presetSubtype="0" fill="hold" nodeType="clickEffect">
+                                  <p:stCondLst>
+                                    <p:cond delay="0"/>
+                                  </p:stCondLst>
+                                  <p:childTnLst>
+                                    <p:set>
+                                      <p:cBhvr>
+                                        <p:cTn id="14" dur="1" fill="hold">
+                                          <p:stCondLst>
+                                            <p:cond delay="0"/>
+                                          </p:stCondLst>
+                                        </p:cTn>
+                                        <p:tgtEl>
+                                          <p:spTgt spid="5">
+                                            <p:txEl>
+                                              <p:pRg st="3" end="3"/>
+                                            </p:txEl>
+                                          </p:spTgt>
+                                        </p:tgtEl>
+                                        <p:attrNameLst>
+                                          <p:attrName>style.visibility</p:attrName>
+                                        </p:attrNameLst>
+                                      </p:cBhvr>
+                                      <p:to>
+                                        <p:strVal val="visible"/>
+                                      </p:to>
+                                    </p:set>
+                                  </p:childTnLst>
+                                </p:cTn>
+                              </p:par>
+                              <p:par>
+                                <p:cTn id="15" presetID="1" presetClass="entr" presetSubtype="0" fill="hold" nodeType="withEffect">
+                                  <p:stCondLst>
+                                    <p:cond delay="0"/>
+                                  </p:stCondLst>
+                                  <p:childTnLst>
+                                    <p:set>
+                                      <p:cBhvr>
+                                        <p:cTn id="16" dur="1" fill="hold">
+                                          <p:stCondLst>
+                                            <p:cond delay="0"/>
+                                          </p:stCondLst>
+                                        </p:cTn>
+                                        <p:tgtEl>
+                                          <p:spTgt spid="5">
+                                            <p:txEl>
+                                              <p:pRg st="4" end="4"/>
+                                            </p:txEl>
+                                          </p:spTgt>
+                                        </p:tgtEl>
+                                        <p:attrNameLst>
+                                          <p:attrName>style.visibility</p:attrName>
+                                        </p:attrNameLst>
+                                      </p:cBhvr>
+                                      <p:to>
+                                        <p:strVal val="visible"/>
+                                      </p:to>
+                                    </p:set>
+                                  </p:childTnLst>
+                                </p:cTn>
+                              </p:par>
+                              <p:par>
+                                <p:cTn id="17" presetID="1" presetClass="entr" presetSubtype="0" fill="hold" nodeType="withEffect">
+                                  <p:stCondLst>
+                                    <p:cond delay="0"/>
+                                  </p:stCondLst>
+                                  <p:childTnLst>
+                                    <p:set>
+                                      <p:cBhvr>
+                                        <p:cTn id="18" dur="1" fill="hold">
+                                          <p:stCondLst>
+                                            <p:cond delay="0"/>
+                                          </p:stCondLst>
+                                        </p:cTn>
+                                        <p:tgtEl>
+                                          <p:spTgt spid="5">
+                                            <p:txEl>
+                                              <p:pRg st="5" end="5"/>
+                                            </p:txEl>
+                                          </p:spTgt>
+                                        </p:tgtEl>
+                                        <p:attrNameLst>
+                                          <p:attrName>style.visibility</p:attrName>
+                                        </p:attrNameLst>
+                                      </p:cBhvr>
+                                      <p:to>
+                                        <p:strVal val="visible"/>
+                                      </p:to>
+                                    </p:set>
+                                  </p:childTnLst>
+                                </p:cTn>
+                              </p:par>
+                            </p:childTnLst>
+                          </p:cTn>
+                        </p:par>
+                      </p:childTnLst>
+                    </p:cTn>
+                  </p:par>
+                </p:childTnLst>
+              </p:cTn>
+              <p:prevCondLst>
+                <p:cond evt="onPrev" delay="0">
+                  <p:tgtEl>
+                    <p:sldTgt/>
+                  </p:tgtEl>
+                </p:cond>
+              </p:prevCondLst>
+              <p:nextCondLst>
+                <p:cond evt="onNext" delay="0">
+                  <p:tgtEl>
+                    <p:sldTgt/>
+                  </p:tgtEl>
+                </p:cond>
+              </p:nextCondLst>
+            </p:seq>
+          </p:childTnLst>
+        </p:cTn>
+      </p:par>
+    </p:tnLst>
+  </p:timing>
+</p:sld>
+</file>
+
+<file path=ppt/slides/slide60.xml><?xml version="1.0" encoding="utf-8"?>
 <p:sld xmlns:a="http://schemas.openxmlformats.org/drawingml/2006/main" xmlns:r="http://schemas.openxmlformats.org/officeDocument/2006/relationships" xmlns:p="http://schemas.openxmlformats.org/presentationml/2006/main">
   <p:cSld>
     <p:spTree>
@@ -38154,635 +41604,7 @@
 </p:sld>
 </file>
 
-<file path=ppt/slides/slide6.xml><?xml version="1.0" encoding="utf-8"?>
-<p:sld xmlns:a="http://schemas.openxmlformats.org/drawingml/2006/main" xmlns:r="http://schemas.openxmlformats.org/officeDocument/2006/relationships" xmlns:p="http://schemas.openxmlformats.org/presentationml/2006/main">
-  <p:cSld>
-    <p:spTree>
-      <p:nvGrpSpPr>
-        <p:cNvPr id="1" name=""/>
-        <p:cNvGrpSpPr/>
-        <p:nvPr/>
-      </p:nvGrpSpPr>
-      <p:grpSpPr>
-        <a:xfrm>
-          <a:off x="0" y="0"/>
-          <a:ext cx="0" cy="0"/>
-          <a:chOff x="0" y="0"/>
-          <a:chExt cx="0" cy="0"/>
-        </a:xfrm>
-      </p:grpSpPr>
-      <p:sp>
-        <p:nvSpPr>
-          <p:cNvPr id="3" name="Content Placeholder 2">
-            <a:extLst>
-              <a:ext uri="{FF2B5EF4-FFF2-40B4-BE49-F238E27FC236}">
-                <a16:creationId xmlns:a16="http://schemas.microsoft.com/office/drawing/2014/main" id="{258E6AF3-7615-4BD1-878E-A94C93E98F90}"/>
-              </a:ext>
-            </a:extLst>
-          </p:cNvPr>
-          <p:cNvSpPr>
-            <a:spLocks noGrp="1"/>
-          </p:cNvSpPr>
-          <p:nvPr>
-            <p:ph idx="1"/>
-          </p:nvPr>
-        </p:nvSpPr>
-        <p:spPr>
-          <a:xfrm>
-            <a:off x="838200" y="1217458"/>
-            <a:ext cx="10515600" cy="485939"/>
-          </a:xfrm>
-        </p:spPr>
-        <p:txBody>
-          <a:bodyPr>
-            <a:normAutofit fontScale="92500" lnSpcReduction="10000"/>
-          </a:bodyPr>
-          <a:lstStyle/>
-          <a:p>
-            <a:pPr marL="0" indent="0">
-              <a:buNone/>
-            </a:pPr>
-            <a:r>
-              <a:rPr lang="en-US" sz="3200" dirty="0"/>
-              <a:t>What is the KDD process?   </a:t>
-            </a:r>
-          </a:p>
-        </p:txBody>
-      </p:sp>
-      <p:sp>
-        <p:nvSpPr>
-          <p:cNvPr id="6" name="Title 1">
-            <a:extLst>
-              <a:ext uri="{FF2B5EF4-FFF2-40B4-BE49-F238E27FC236}">
-                <a16:creationId xmlns:a16="http://schemas.microsoft.com/office/drawing/2014/main" id="{CD29F70F-B868-451B-A65D-8721F4C7A2D9}"/>
-              </a:ext>
-            </a:extLst>
-          </p:cNvPr>
-          <p:cNvSpPr txBox="1">
-            <a:spLocks/>
-          </p:cNvSpPr>
-          <p:nvPr/>
-        </p:nvSpPr>
-        <p:spPr>
-          <a:xfrm>
-            <a:off x="838200" y="-635"/>
-            <a:ext cx="10515600" cy="1325563"/>
-          </a:xfrm>
-          <a:prstGeom prst="rect">
-            <a:avLst/>
-          </a:prstGeom>
-        </p:spPr>
-        <p:txBody>
-          <a:bodyPr vert="horz" lIns="91440" tIns="45720" rIns="91440" bIns="45720" rtlCol="0" anchor="ctr">
-            <a:normAutofit/>
-          </a:bodyPr>
-          <a:lstStyle>
-            <a:lvl1pPr algn="l" defTabSz="914400" rtl="0" eaLnBrk="1" latinLnBrk="0" hangingPunct="1">
-              <a:lnSpc>
-                <a:spcPct val="90000"/>
-              </a:lnSpc>
-              <a:spcBef>
-                <a:spcPct val="0"/>
-              </a:spcBef>
-              <a:buNone/>
-              <a:defRPr sz="4400" kern="1200">
-                <a:solidFill>
-                  <a:schemeClr val="tx1"/>
-                </a:solidFill>
-                <a:latin typeface="+mj-lt"/>
-                <a:ea typeface="+mj-ea"/>
-                <a:cs typeface="+mj-cs"/>
-              </a:defRPr>
-            </a:lvl1pPr>
-          </a:lstStyle>
-          <a:p>
-            <a:r>
-              <a:rPr lang="en-US" dirty="0">
-                <a:latin typeface="+mn-lt"/>
-              </a:rPr>
-              <a:t>KDD process</a:t>
-            </a:r>
-          </a:p>
-        </p:txBody>
-      </p:sp>
-      <p:pic>
-        <p:nvPicPr>
-          <p:cNvPr id="4" name="Picture 3">
-            <a:extLst>
-              <a:ext uri="{FF2B5EF4-FFF2-40B4-BE49-F238E27FC236}">
-                <a16:creationId xmlns:a16="http://schemas.microsoft.com/office/drawing/2014/main" id="{41A10601-345E-4A04-878A-28FFF71506B5}"/>
-              </a:ext>
-            </a:extLst>
-          </p:cNvPr>
-          <p:cNvPicPr>
-            <a:picLocks noChangeAspect="1"/>
-          </p:cNvPicPr>
-          <p:nvPr/>
-        </p:nvPicPr>
-        <p:blipFill>
-          <a:blip r:embed="rId2"/>
-          <a:stretch>
-            <a:fillRect/>
-          </a:stretch>
-        </p:blipFill>
-        <p:spPr>
-          <a:xfrm>
-            <a:off x="376610" y="2168435"/>
-            <a:ext cx="6121998" cy="3176886"/>
-          </a:xfrm>
-          <a:prstGeom prst="rect">
-            <a:avLst/>
-          </a:prstGeom>
-        </p:spPr>
-      </p:pic>
-      <p:sp>
-        <p:nvSpPr>
-          <p:cNvPr id="5" name="Content Placeholder 2">
-            <a:extLst>
-              <a:ext uri="{FF2B5EF4-FFF2-40B4-BE49-F238E27FC236}">
-                <a16:creationId xmlns:a16="http://schemas.microsoft.com/office/drawing/2014/main" id="{DBC99F37-3CFD-4C3B-8CF6-AEDE11B202D2}"/>
-              </a:ext>
-            </a:extLst>
-          </p:cNvPr>
-          <p:cNvSpPr txBox="1">
-            <a:spLocks/>
-          </p:cNvSpPr>
-          <p:nvPr/>
-        </p:nvSpPr>
-        <p:spPr>
-          <a:xfrm>
-            <a:off x="6787461" y="1921229"/>
-            <a:ext cx="5116757" cy="4395969"/>
-          </a:xfrm>
-          <a:prstGeom prst="rect">
-            <a:avLst/>
-          </a:prstGeom>
-        </p:spPr>
-        <p:txBody>
-          <a:bodyPr vert="horz" lIns="91440" tIns="45720" rIns="91440" bIns="45720" rtlCol="0">
-            <a:normAutofit lnSpcReduction="10000"/>
-          </a:bodyPr>
-          <a:lstStyle>
-            <a:lvl1pPr marL="228600" indent="-228600" algn="l" defTabSz="914400" rtl="0" eaLnBrk="1" latinLnBrk="0" hangingPunct="1">
-              <a:lnSpc>
-                <a:spcPct val="90000"/>
-              </a:lnSpc>
-              <a:spcBef>
-                <a:spcPts val="1000"/>
-              </a:spcBef>
-              <a:buFont typeface="Arial" panose="020B0604020202020204" pitchFamily="34" charset="0"/>
-              <a:buChar char="•"/>
-              <a:defRPr sz="2800" kern="1200">
-                <a:solidFill>
-                  <a:schemeClr val="tx1"/>
-                </a:solidFill>
-                <a:latin typeface="+mn-lt"/>
-                <a:ea typeface="+mn-ea"/>
-                <a:cs typeface="+mn-cs"/>
-              </a:defRPr>
-            </a:lvl1pPr>
-            <a:lvl2pPr marL="685800" indent="-228600" algn="l" defTabSz="914400" rtl="0" eaLnBrk="1" latinLnBrk="0" hangingPunct="1">
-              <a:lnSpc>
-                <a:spcPct val="90000"/>
-              </a:lnSpc>
-              <a:spcBef>
-                <a:spcPts val="500"/>
-              </a:spcBef>
-              <a:buFont typeface="Arial" panose="020B0604020202020204" pitchFamily="34" charset="0"/>
-              <a:buChar char="•"/>
-              <a:defRPr sz="2400" kern="1200">
-                <a:solidFill>
-                  <a:schemeClr val="tx1"/>
-                </a:solidFill>
-                <a:latin typeface="+mn-lt"/>
-                <a:ea typeface="+mn-ea"/>
-                <a:cs typeface="+mn-cs"/>
-              </a:defRPr>
-            </a:lvl2pPr>
-            <a:lvl3pPr marL="1143000" indent="-228600" algn="l" defTabSz="914400" rtl="0" eaLnBrk="1" latinLnBrk="0" hangingPunct="1">
-              <a:lnSpc>
-                <a:spcPct val="90000"/>
-              </a:lnSpc>
-              <a:spcBef>
-                <a:spcPts val="500"/>
-              </a:spcBef>
-              <a:buFont typeface="Arial" panose="020B0604020202020204" pitchFamily="34" charset="0"/>
-              <a:buChar char="•"/>
-              <a:defRPr sz="2000" kern="1200">
-                <a:solidFill>
-                  <a:schemeClr val="tx1"/>
-                </a:solidFill>
-                <a:latin typeface="+mn-lt"/>
-                <a:ea typeface="+mn-ea"/>
-                <a:cs typeface="+mn-cs"/>
-              </a:defRPr>
-            </a:lvl3pPr>
-            <a:lvl4pPr marL="1600200" indent="-228600" algn="l" defTabSz="914400" rtl="0" eaLnBrk="1" latinLnBrk="0" hangingPunct="1">
-              <a:lnSpc>
-                <a:spcPct val="90000"/>
-              </a:lnSpc>
-              <a:spcBef>
-                <a:spcPts val="500"/>
-              </a:spcBef>
-              <a:buFont typeface="Arial" panose="020B0604020202020204" pitchFamily="34" charset="0"/>
-              <a:buChar char="•"/>
-              <a:defRPr sz="1800" kern="1200">
-                <a:solidFill>
-                  <a:schemeClr val="tx1"/>
-                </a:solidFill>
-                <a:latin typeface="+mn-lt"/>
-                <a:ea typeface="+mn-ea"/>
-                <a:cs typeface="+mn-cs"/>
-              </a:defRPr>
-            </a:lvl4pPr>
-            <a:lvl5pPr marL="2057400" indent="-228600" algn="l" defTabSz="914400" rtl="0" eaLnBrk="1" latinLnBrk="0" hangingPunct="1">
-              <a:lnSpc>
-                <a:spcPct val="90000"/>
-              </a:lnSpc>
-              <a:spcBef>
-                <a:spcPts val="500"/>
-              </a:spcBef>
-              <a:buFont typeface="Arial" panose="020B0604020202020204" pitchFamily="34" charset="0"/>
-              <a:buChar char="•"/>
-              <a:defRPr sz="1800" kern="1200">
-                <a:solidFill>
-                  <a:schemeClr val="tx1"/>
-                </a:solidFill>
-                <a:latin typeface="+mn-lt"/>
-                <a:ea typeface="+mn-ea"/>
-                <a:cs typeface="+mn-cs"/>
-              </a:defRPr>
-            </a:lvl5pPr>
-            <a:lvl6pPr marL="2514600" indent="-228600" algn="l" defTabSz="914400" rtl="0" eaLnBrk="1" latinLnBrk="0" hangingPunct="1">
-              <a:lnSpc>
-                <a:spcPct val="90000"/>
-              </a:lnSpc>
-              <a:spcBef>
-                <a:spcPts val="500"/>
-              </a:spcBef>
-              <a:buFont typeface="Arial" panose="020B0604020202020204" pitchFamily="34" charset="0"/>
-              <a:buChar char="•"/>
-              <a:defRPr sz="1800" kern="1200">
-                <a:solidFill>
-                  <a:schemeClr val="tx1"/>
-                </a:solidFill>
-                <a:latin typeface="+mn-lt"/>
-                <a:ea typeface="+mn-ea"/>
-                <a:cs typeface="+mn-cs"/>
-              </a:defRPr>
-            </a:lvl6pPr>
-            <a:lvl7pPr marL="2971800" indent="-228600" algn="l" defTabSz="914400" rtl="0" eaLnBrk="1" latinLnBrk="0" hangingPunct="1">
-              <a:lnSpc>
-                <a:spcPct val="90000"/>
-              </a:lnSpc>
-              <a:spcBef>
-                <a:spcPts val="500"/>
-              </a:spcBef>
-              <a:buFont typeface="Arial" panose="020B0604020202020204" pitchFamily="34" charset="0"/>
-              <a:buChar char="•"/>
-              <a:defRPr sz="1800" kern="1200">
-                <a:solidFill>
-                  <a:schemeClr val="tx1"/>
-                </a:solidFill>
-                <a:latin typeface="+mn-lt"/>
-                <a:ea typeface="+mn-ea"/>
-                <a:cs typeface="+mn-cs"/>
-              </a:defRPr>
-            </a:lvl7pPr>
-            <a:lvl8pPr marL="3429000" indent="-228600" algn="l" defTabSz="914400" rtl="0" eaLnBrk="1" latinLnBrk="0" hangingPunct="1">
-              <a:lnSpc>
-                <a:spcPct val="90000"/>
-              </a:lnSpc>
-              <a:spcBef>
-                <a:spcPts val="500"/>
-              </a:spcBef>
-              <a:buFont typeface="Arial" panose="020B0604020202020204" pitchFamily="34" charset="0"/>
-              <a:buChar char="•"/>
-              <a:defRPr sz="1800" kern="1200">
-                <a:solidFill>
-                  <a:schemeClr val="tx1"/>
-                </a:solidFill>
-                <a:latin typeface="+mn-lt"/>
-                <a:ea typeface="+mn-ea"/>
-                <a:cs typeface="+mn-cs"/>
-              </a:defRPr>
-            </a:lvl8pPr>
-            <a:lvl9pPr marL="3886200" indent="-228600" algn="l" defTabSz="914400" rtl="0" eaLnBrk="1" latinLnBrk="0" hangingPunct="1">
-              <a:lnSpc>
-                <a:spcPct val="90000"/>
-              </a:lnSpc>
-              <a:spcBef>
-                <a:spcPts val="500"/>
-              </a:spcBef>
-              <a:buFont typeface="Arial" panose="020B0604020202020204" pitchFamily="34" charset="0"/>
-              <a:buChar char="•"/>
-              <a:defRPr sz="1800" kern="1200">
-                <a:solidFill>
-                  <a:schemeClr val="tx1"/>
-                </a:solidFill>
-                <a:latin typeface="+mn-lt"/>
-                <a:ea typeface="+mn-ea"/>
-                <a:cs typeface="+mn-cs"/>
-              </a:defRPr>
-            </a:lvl9pPr>
-          </a:lstStyle>
-          <a:p>
-            <a:pPr marL="0" indent="0">
-              <a:buFont typeface="Arial" panose="020B0604020202020204" pitchFamily="34" charset="0"/>
-              <a:buNone/>
-            </a:pPr>
-            <a:r>
-              <a:rPr lang="en-US" dirty="0"/>
-              <a:t>Is this diagram representative of today’s process?</a:t>
-            </a:r>
-          </a:p>
-          <a:p>
-            <a:r>
-              <a:rPr lang="en-US" dirty="0"/>
-              <a:t>Perhaps? </a:t>
-            </a:r>
-          </a:p>
-          <a:p>
-            <a:r>
-              <a:rPr lang="en-US" dirty="0"/>
-              <a:t>Must have a clear idea of goal!</a:t>
-            </a:r>
-          </a:p>
-          <a:p>
-            <a:r>
-              <a:rPr lang="en-US" dirty="0"/>
-              <a:t>KDD is an iterative process</a:t>
-            </a:r>
-          </a:p>
-          <a:p>
-            <a:pPr lvl="1"/>
-            <a:r>
-              <a:rPr lang="en-US" sz="2800" dirty="0"/>
-              <a:t>The results of on step informs updates to previous steps  </a:t>
-            </a:r>
-          </a:p>
-          <a:p>
-            <a:pPr lvl="1"/>
-            <a:r>
-              <a:rPr lang="en-US" sz="2800" dirty="0"/>
-              <a:t>Process is a series of overlapping cycles </a:t>
-            </a:r>
-          </a:p>
-        </p:txBody>
-      </p:sp>
-    </p:spTree>
-    <p:extLst>
-      <p:ext uri="{BB962C8B-B14F-4D97-AF65-F5344CB8AC3E}">
-        <p14:creationId xmlns:p14="http://schemas.microsoft.com/office/powerpoint/2010/main" val="2657309543"/>
-      </p:ext>
-    </p:extLst>
-  </p:cSld>
-  <p:clrMapOvr>
-    <a:masterClrMapping/>
-  </p:clrMapOvr>
-  <p:timing>
-    <p:tnLst>
-      <p:par>
-        <p:cTn id="1" dur="indefinite" restart="never" nodeType="tmRoot">
-          <p:childTnLst>
-            <p:seq concurrent="1" nextAc="seek">
-              <p:cTn id="2" dur="indefinite" nodeType="mainSeq">
-                <p:childTnLst>
-                  <p:par>
-                    <p:cTn id="3" fill="hold">
-                      <p:stCondLst>
-                        <p:cond delay="indefinite"/>
-                      </p:stCondLst>
-                      <p:childTnLst>
-                        <p:par>
-                          <p:cTn id="4" fill="hold">
-                            <p:stCondLst>
-                              <p:cond delay="0"/>
-                            </p:stCondLst>
-                            <p:childTnLst>
-                              <p:par>
-                                <p:cTn id="5" presetID="1" presetClass="entr" presetSubtype="0" fill="hold" nodeType="clickEffect">
-                                  <p:stCondLst>
-                                    <p:cond delay="0"/>
-                                  </p:stCondLst>
-                                  <p:childTnLst>
-                                    <p:set>
-                                      <p:cBhvr>
-                                        <p:cTn id="6" dur="1" fill="hold">
-                                          <p:stCondLst>
-                                            <p:cond delay="0"/>
-                                          </p:stCondLst>
-                                        </p:cTn>
-                                        <p:tgtEl>
-                                          <p:spTgt spid="5">
-                                            <p:txEl>
-                                              <p:pRg st="1" end="1"/>
-                                            </p:txEl>
-                                          </p:spTgt>
-                                        </p:tgtEl>
-                                        <p:attrNameLst>
-                                          <p:attrName>style.visibility</p:attrName>
-                                        </p:attrNameLst>
-                                      </p:cBhvr>
-                                      <p:to>
-                                        <p:strVal val="visible"/>
-                                      </p:to>
-                                    </p:set>
-                                  </p:childTnLst>
-                                </p:cTn>
-                              </p:par>
-                            </p:childTnLst>
-                          </p:cTn>
-                        </p:par>
-                      </p:childTnLst>
-                    </p:cTn>
-                  </p:par>
-                  <p:par>
-                    <p:cTn id="7" fill="hold">
-                      <p:stCondLst>
-                        <p:cond delay="indefinite"/>
-                      </p:stCondLst>
-                      <p:childTnLst>
-                        <p:par>
-                          <p:cTn id="8" fill="hold">
-                            <p:stCondLst>
-                              <p:cond delay="0"/>
-                            </p:stCondLst>
-                            <p:childTnLst>
-                              <p:par>
-                                <p:cTn id="9" presetID="1" presetClass="entr" presetSubtype="0" fill="hold" nodeType="clickEffect">
-                                  <p:stCondLst>
-                                    <p:cond delay="0"/>
-                                  </p:stCondLst>
-                                  <p:childTnLst>
-                                    <p:set>
-                                      <p:cBhvr>
-                                        <p:cTn id="10" dur="1" fill="hold">
-                                          <p:stCondLst>
-                                            <p:cond delay="0"/>
-                                          </p:stCondLst>
-                                        </p:cTn>
-                                        <p:tgtEl>
-                                          <p:spTgt spid="5">
-                                            <p:txEl>
-                                              <p:pRg st="2" end="2"/>
-                                            </p:txEl>
-                                          </p:spTgt>
-                                        </p:tgtEl>
-                                        <p:attrNameLst>
-                                          <p:attrName>style.visibility</p:attrName>
-                                        </p:attrNameLst>
-                                      </p:cBhvr>
-                                      <p:to>
-                                        <p:strVal val="visible"/>
-                                      </p:to>
-                                    </p:set>
-                                  </p:childTnLst>
-                                </p:cTn>
-                              </p:par>
-                            </p:childTnLst>
-                          </p:cTn>
-                        </p:par>
-                      </p:childTnLst>
-                    </p:cTn>
-                  </p:par>
-                  <p:par>
-                    <p:cTn id="11" fill="hold">
-                      <p:stCondLst>
-                        <p:cond delay="indefinite"/>
-                      </p:stCondLst>
-                      <p:childTnLst>
-                        <p:par>
-                          <p:cTn id="12" fill="hold">
-                            <p:stCondLst>
-                              <p:cond delay="0"/>
-                            </p:stCondLst>
-                            <p:childTnLst>
-                              <p:par>
-                                <p:cTn id="13" presetID="1" presetClass="entr" presetSubtype="0" fill="hold" nodeType="clickEffect">
-                                  <p:stCondLst>
-                                    <p:cond delay="0"/>
-                                  </p:stCondLst>
-                                  <p:childTnLst>
-                                    <p:set>
-                                      <p:cBhvr>
-                                        <p:cTn id="14" dur="1" fill="hold">
-                                          <p:stCondLst>
-                                            <p:cond delay="0"/>
-                                          </p:stCondLst>
-                                        </p:cTn>
-                                        <p:tgtEl>
-                                          <p:spTgt spid="5">
-                                            <p:txEl>
-                                              <p:pRg st="3" end="3"/>
-                                            </p:txEl>
-                                          </p:spTgt>
-                                        </p:tgtEl>
-                                        <p:attrNameLst>
-                                          <p:attrName>style.visibility</p:attrName>
-                                        </p:attrNameLst>
-                                      </p:cBhvr>
-                                      <p:to>
-                                        <p:strVal val="visible"/>
-                                      </p:to>
-                                    </p:set>
-                                  </p:childTnLst>
-                                </p:cTn>
-                              </p:par>
-                              <p:par>
-                                <p:cTn id="15" presetID="1" presetClass="entr" presetSubtype="0" fill="hold" nodeType="withEffect">
-                                  <p:stCondLst>
-                                    <p:cond delay="0"/>
-                                  </p:stCondLst>
-                                  <p:childTnLst>
-                                    <p:set>
-                                      <p:cBhvr>
-                                        <p:cTn id="16" dur="1" fill="hold">
-                                          <p:stCondLst>
-                                            <p:cond delay="0"/>
-                                          </p:stCondLst>
-                                        </p:cTn>
-                                        <p:tgtEl>
-                                          <p:spTgt spid="5">
-                                            <p:txEl>
-                                              <p:pRg st="4" end="4"/>
-                                            </p:txEl>
-                                          </p:spTgt>
-                                        </p:tgtEl>
-                                        <p:attrNameLst>
-                                          <p:attrName>style.visibility</p:attrName>
-                                        </p:attrNameLst>
-                                      </p:cBhvr>
-                                      <p:to>
-                                        <p:strVal val="visible"/>
-                                      </p:to>
-                                    </p:set>
-                                  </p:childTnLst>
-                                </p:cTn>
-                              </p:par>
-                              <p:par>
-                                <p:cTn id="17" presetID="1" presetClass="entr" presetSubtype="0" fill="hold" nodeType="withEffect">
-                                  <p:stCondLst>
-                                    <p:cond delay="0"/>
-                                  </p:stCondLst>
-                                  <p:childTnLst>
-                                    <p:set>
-                                      <p:cBhvr>
-                                        <p:cTn id="18" dur="1" fill="hold">
-                                          <p:stCondLst>
-                                            <p:cond delay="0"/>
-                                          </p:stCondLst>
-                                        </p:cTn>
-                                        <p:tgtEl>
-                                          <p:spTgt spid="5">
-                                            <p:txEl>
-                                              <p:pRg st="5" end="5"/>
-                                            </p:txEl>
-                                          </p:spTgt>
-                                        </p:tgtEl>
-                                        <p:attrNameLst>
-                                          <p:attrName>style.visibility</p:attrName>
-                                        </p:attrNameLst>
-                                      </p:cBhvr>
-                                      <p:to>
-                                        <p:strVal val="visible"/>
-                                      </p:to>
-                                    </p:set>
-                                  </p:childTnLst>
-                                </p:cTn>
-                              </p:par>
-                            </p:childTnLst>
-                          </p:cTn>
-                        </p:par>
-                      </p:childTnLst>
-                    </p:cTn>
-                  </p:par>
-                </p:childTnLst>
-              </p:cTn>
-              <p:prevCondLst>
-                <p:cond evt="onPrev" delay="0">
-                  <p:tgtEl>
-                    <p:sldTgt/>
-                  </p:tgtEl>
-                </p:cond>
-              </p:prevCondLst>
-              <p:nextCondLst>
-                <p:cond evt="onNext" delay="0">
-                  <p:tgtEl>
-                    <p:sldTgt/>
-                  </p:tgtEl>
-                </p:cond>
-              </p:nextCondLst>
-            </p:seq>
-          </p:childTnLst>
-        </p:cTn>
-      </p:par>
-    </p:tnLst>
-  </p:timing>
-</p:sld>
-</file>
-
-<file path=ppt/slides/slide60.xml><?xml version="1.0" encoding="utf-8"?>
+<file path=ppt/slides/slide61.xml><?xml version="1.0" encoding="utf-8"?>
 <p:sld xmlns:a="http://schemas.openxmlformats.org/drawingml/2006/main" xmlns:r="http://schemas.openxmlformats.org/officeDocument/2006/relationships" xmlns:p="http://schemas.openxmlformats.org/presentationml/2006/main">
   <p:cSld>
     <p:spTree>
@@ -38936,7 +41758,7 @@
 </p:sld>
 </file>
 
-<file path=ppt/slides/slide61.xml><?xml version="1.0" encoding="utf-8"?>
+<file path=ppt/slides/slide62.xml><?xml version="1.0" encoding="utf-8"?>
 <p:sld xmlns:a="http://schemas.openxmlformats.org/drawingml/2006/main" xmlns:r="http://schemas.openxmlformats.org/officeDocument/2006/relationships" xmlns:p="http://schemas.openxmlformats.org/presentationml/2006/main">
   <p:cSld>
     <p:spTree>
@@ -39998,7 +42820,7 @@
 </p:sld>
 </file>
 
-<file path=ppt/slides/slide62.xml><?xml version="1.0" encoding="utf-8"?>
+<file path=ppt/slides/slide63.xml><?xml version="1.0" encoding="utf-8"?>
 <p:sld xmlns:a="http://schemas.openxmlformats.org/drawingml/2006/main" xmlns:r="http://schemas.openxmlformats.org/officeDocument/2006/relationships" xmlns:p="http://schemas.openxmlformats.org/presentationml/2006/main">
   <p:cSld>
     <p:spTree>
@@ -40156,7 +42978,7 @@
 </p:sld>
 </file>
 
-<file path=ppt/slides/slide63.xml><?xml version="1.0" encoding="utf-8"?>
+<file path=ppt/slides/slide64.xml><?xml version="1.0" encoding="utf-8"?>
 <p:sld xmlns:a="http://schemas.openxmlformats.org/drawingml/2006/main" xmlns:r="http://schemas.openxmlformats.org/officeDocument/2006/relationships" xmlns:p="http://schemas.openxmlformats.org/presentationml/2006/main">
   <p:cSld>
     <p:spTree>

--- a/slides/1_Introduction.pptx
+++ b/slides/1_Introduction.pptx
@@ -18,7 +18,7 @@
     <p:sldId id="288" r:id="rId9"/>
     <p:sldId id="719" r:id="rId10"/>
     <p:sldId id="452" r:id="rId11"/>
-    <p:sldId id="351" r:id="rId12"/>
+    <p:sldId id="724" r:id="rId12"/>
     <p:sldId id="397" r:id="rId13"/>
     <p:sldId id="723" r:id="rId14"/>
     <p:sldId id="718" r:id="rId15"/>
@@ -260,7 +260,7 @@
           <a:p>
             <a:fld id="{2F3ABF1A-8818-4472-8518-E71DC7B5D2F7}" type="datetimeFigureOut">
               <a:rPr lang="en-US" smtClean="0"/>
-              <a:t>6/13/2025</a:t>
+              <a:t>6/18/2025</a:t>
             </a:fld>
             <a:endParaRPr lang="en-US"/>
           </a:p>
@@ -1280,7 +1280,7 @@
           <a:p>
             <a:fld id="{6E4A31BF-7266-4BEB-918B-ADC21C630A6F}" type="datetimeFigureOut">
               <a:rPr lang="en-US" smtClean="0"/>
-              <a:t>6/13/2025</a:t>
+              <a:t>6/18/2025</a:t>
             </a:fld>
             <a:endParaRPr lang="en-US"/>
           </a:p>
@@ -1478,7 +1478,7 @@
           <a:p>
             <a:fld id="{6E4A31BF-7266-4BEB-918B-ADC21C630A6F}" type="datetimeFigureOut">
               <a:rPr lang="en-US" smtClean="0"/>
-              <a:t>6/13/2025</a:t>
+              <a:t>6/18/2025</a:t>
             </a:fld>
             <a:endParaRPr lang="en-US"/>
           </a:p>
@@ -1686,7 +1686,7 @@
           <a:p>
             <a:fld id="{6E4A31BF-7266-4BEB-918B-ADC21C630A6F}" type="datetimeFigureOut">
               <a:rPr lang="en-US" smtClean="0"/>
-              <a:t>6/13/2025</a:t>
+              <a:t>6/18/2025</a:t>
             </a:fld>
             <a:endParaRPr lang="en-US"/>
           </a:p>
@@ -1884,7 +1884,7 @@
           <a:p>
             <a:fld id="{6E4A31BF-7266-4BEB-918B-ADC21C630A6F}" type="datetimeFigureOut">
               <a:rPr lang="en-US" smtClean="0"/>
-              <a:t>6/13/2025</a:t>
+              <a:t>6/18/2025</a:t>
             </a:fld>
             <a:endParaRPr lang="en-US"/>
           </a:p>
@@ -2159,7 +2159,7 @@
           <a:p>
             <a:fld id="{6E4A31BF-7266-4BEB-918B-ADC21C630A6F}" type="datetimeFigureOut">
               <a:rPr lang="en-US" smtClean="0"/>
-              <a:t>6/13/2025</a:t>
+              <a:t>6/18/2025</a:t>
             </a:fld>
             <a:endParaRPr lang="en-US"/>
           </a:p>
@@ -2424,7 +2424,7 @@
           <a:p>
             <a:fld id="{6E4A31BF-7266-4BEB-918B-ADC21C630A6F}" type="datetimeFigureOut">
               <a:rPr lang="en-US" smtClean="0"/>
-              <a:t>6/13/2025</a:t>
+              <a:t>6/18/2025</a:t>
             </a:fld>
             <a:endParaRPr lang="en-US"/>
           </a:p>
@@ -2836,7 +2836,7 @@
           <a:p>
             <a:fld id="{6E4A31BF-7266-4BEB-918B-ADC21C630A6F}" type="datetimeFigureOut">
               <a:rPr lang="en-US" smtClean="0"/>
-              <a:t>6/13/2025</a:t>
+              <a:t>6/18/2025</a:t>
             </a:fld>
             <a:endParaRPr lang="en-US"/>
           </a:p>
@@ -2977,7 +2977,7 @@
           <a:p>
             <a:fld id="{6E4A31BF-7266-4BEB-918B-ADC21C630A6F}" type="datetimeFigureOut">
               <a:rPr lang="en-US" smtClean="0"/>
-              <a:t>6/13/2025</a:t>
+              <a:t>6/18/2025</a:t>
             </a:fld>
             <a:endParaRPr lang="en-US"/>
           </a:p>
@@ -3090,7 +3090,7 @@
           <a:p>
             <a:fld id="{6E4A31BF-7266-4BEB-918B-ADC21C630A6F}" type="datetimeFigureOut">
               <a:rPr lang="en-US" smtClean="0"/>
-              <a:t>6/13/2025</a:t>
+              <a:t>6/18/2025</a:t>
             </a:fld>
             <a:endParaRPr lang="en-US"/>
           </a:p>
@@ -3401,7 +3401,7 @@
           <a:p>
             <a:fld id="{6E4A31BF-7266-4BEB-918B-ADC21C630A6F}" type="datetimeFigureOut">
               <a:rPr lang="en-US" smtClean="0"/>
-              <a:t>6/13/2025</a:t>
+              <a:t>6/18/2025</a:t>
             </a:fld>
             <a:endParaRPr lang="en-US"/>
           </a:p>
@@ -3689,7 +3689,7 @@
           <a:p>
             <a:fld id="{6E4A31BF-7266-4BEB-918B-ADC21C630A6F}" type="datetimeFigureOut">
               <a:rPr lang="en-US" smtClean="0"/>
-              <a:t>6/13/2025</a:t>
+              <a:t>6/18/2025</a:t>
             </a:fld>
             <a:endParaRPr lang="en-US"/>
           </a:p>
@@ -3930,7 +3930,7 @@
           <a:p>
             <a:fld id="{6E4A31BF-7266-4BEB-918B-ADC21C630A6F}" type="datetimeFigureOut">
               <a:rPr lang="en-US" smtClean="0"/>
-              <a:t>6/13/2025</a:t>
+              <a:t>6/18/2025</a:t>
             </a:fld>
             <a:endParaRPr lang="en-US"/>
           </a:p>
@@ -4729,7 +4729,13 @@
   <p:cSld>
     <p:spTree>
       <p:nvGrpSpPr>
-        <p:cNvPr id="1" name=""/>
+        <p:cNvPr id="1" name="">
+          <a:extLst>
+            <a:ext uri="{FF2B5EF4-FFF2-40B4-BE49-F238E27FC236}">
+              <a16:creationId xmlns:a16="http://schemas.microsoft.com/office/drawing/2014/main" id="{C077AD32-5699-EC1B-3B03-D92EF1BFAC03}"/>
+            </a:ext>
+          </a:extLst>
+        </p:cNvPr>
         <p:cNvGrpSpPr/>
         <p:nvPr/>
       </p:nvGrpSpPr>
@@ -4746,7 +4752,7 @@
           <p:cNvPr id="3" name="Content Placeholder 2">
             <a:extLst>
               <a:ext uri="{FF2B5EF4-FFF2-40B4-BE49-F238E27FC236}">
-                <a16:creationId xmlns:a16="http://schemas.microsoft.com/office/drawing/2014/main" id="{258E6AF3-7615-4BD1-878E-A94C93E98F90}"/>
+                <a16:creationId xmlns:a16="http://schemas.microsoft.com/office/drawing/2014/main" id="{C0CB0C85-07BA-B000-8199-63349C0E514B}"/>
               </a:ext>
             </a:extLst>
           </p:cNvPr>
@@ -4774,25 +4780,17 @@
             </a:pPr>
             <a:r>
               <a:rPr lang="en-US" dirty="0"/>
-              <a:t>Data mining requires a combination of </a:t>
+              <a:t>Our overarching objective is giving you a deep understand of the algorithms forming the backbone of todays massive scale analytics </a:t>
             </a:r>
             <a:r>
               <a:rPr lang="en-US" b="1" dirty="0"/>
-              <a:t>data engineering </a:t>
-            </a:r>
+              <a:t> </a:t>
+            </a:r>
+          </a:p>
+          <a:p>
             <a:r>
               <a:rPr lang="en-US" dirty="0"/>
-              <a:t>and </a:t>
-            </a:r>
-            <a:r>
-              <a:rPr lang="en-US" b="1" dirty="0"/>
-              <a:t>data analytics </a:t>
-            </a:r>
-          </a:p>
-          <a:p>
-            <a:r>
-              <a:rPr lang="en-US" dirty="0"/>
-              <a:t>Our focus is on </a:t>
+              <a:t>Lean how to work with </a:t>
             </a:r>
             <a:r>
               <a:rPr lang="en-US" b="1" dirty="0"/>
@@ -4882,7 +4880,7 @@
           <p:cNvPr id="6" name="Title 1">
             <a:extLst>
               <a:ext uri="{FF2B5EF4-FFF2-40B4-BE49-F238E27FC236}">
-                <a16:creationId xmlns:a16="http://schemas.microsoft.com/office/drawing/2014/main" id="{CD29F70F-B868-451B-A65D-8721F4C7A2D9}"/>
+                <a16:creationId xmlns:a16="http://schemas.microsoft.com/office/drawing/2014/main" id="{DDBA2B2D-64B5-7A2E-1C31-A4059D780EA6}"/>
               </a:ext>
             </a:extLst>
           </p:cNvPr>
@@ -4928,7 +4926,7 @@
               <a:rPr lang="en-US" dirty="0">
                 <a:latin typeface="+mn-lt"/>
               </a:rPr>
-              <a:t>What is the focus of this course?</a:t>
+              <a:t>What can you gain from this course?</a:t>
             </a:r>
           </a:p>
         </p:txBody>
@@ -4936,7 +4934,7 @@
     </p:spTree>
     <p:extLst>
       <p:ext uri="{BB962C8B-B14F-4D97-AF65-F5344CB8AC3E}">
-        <p14:creationId xmlns:p14="http://schemas.microsoft.com/office/powerpoint/2010/main" val="4272643874"/>
+        <p14:creationId xmlns:p14="http://schemas.microsoft.com/office/powerpoint/2010/main" val="3935150637"/>
       </p:ext>
     </p:extLst>
   </p:cSld>
@@ -5395,6 +5393,14 @@
             <a:pPr lvl="1"/>
             <a:r>
               <a:rPr lang="en-US" dirty="0"/>
+              <a:t>How can we find and learn from related groups in complex data?</a:t>
+            </a:r>
+            <a:endParaRPr lang="en-US" b="1" dirty="0"/>
+          </a:p>
+          <a:p>
+            <a:pPr lvl="1"/>
+            <a:r>
+              <a:rPr lang="en-US" dirty="0"/>
               <a:t>We deliberately avoid supervised machine learning methods </a:t>
             </a:r>
           </a:p>
@@ -5408,7 +5414,14 @@
             <a:pPr lvl="1"/>
             <a:r>
               <a:rPr lang="en-US" dirty="0"/>
-              <a:t>The code of many data mining methods</a:t>
+              <a:t>The core of many data mining methods</a:t>
+            </a:r>
+          </a:p>
+          <a:p>
+            <a:pPr lvl="1"/>
+            <a:r>
+              <a:rPr lang="en-US" dirty="0"/>
+              <a:t>Used for recommenders, web search, RAG algorithms, etc. </a:t>
             </a:r>
           </a:p>
           <a:p>
@@ -5420,14 +5433,7 @@
           <a:p>
             <a:r>
               <a:rPr lang="en-US" dirty="0"/>
-              <a:t>Clustering and dimensionality reduction algorithms</a:t>
-            </a:r>
-          </a:p>
-          <a:p>
-            <a:pPr lvl="1"/>
-            <a:r>
-              <a:rPr lang="en-US" dirty="0"/>
-              <a:t>How can we find and learn from related groups in complex data ?</a:t>
+              <a:t>Dimensionality reduction algorithms</a:t>
             </a:r>
           </a:p>
           <a:p>
@@ -5624,33 +5630,15 @@
                                   </p:childTnLst>
                                 </p:cTn>
                               </p:par>
-                            </p:childTnLst>
-                          </p:cTn>
-                        </p:par>
-                      </p:childTnLst>
-                    </p:cTn>
-                  </p:par>
-                  <p:par>
-                    <p:cTn id="11" fill="hold">
-                      <p:stCondLst>
-                        <p:cond delay="indefinite"/>
-                      </p:stCondLst>
-                      <p:childTnLst>
-                        <p:par>
-                          <p:cTn id="12" fill="hold">
-                            <p:stCondLst>
-                              <p:cond delay="0"/>
-                            </p:stCondLst>
-                            <p:childTnLst>
                               <p:par>
-                                <p:cTn id="13" presetID="1" presetClass="entr" presetSubtype="0" fill="hold" nodeType="clickEffect">
+                                <p:cTn id="11" presetID="1" presetClass="entr" presetSubtype="0" fill="hold" nodeType="withEffect">
                                   <p:stCondLst>
                                     <p:cond delay="0"/>
                                   </p:stCondLst>
                                   <p:childTnLst>
                                     <p:set>
                                       <p:cBhvr>
-                                        <p:cTn id="14" dur="1" fill="hold">
+                                        <p:cTn id="12" dur="1" fill="hold">
                                           <p:stCondLst>
                                             <p:cond delay="0"/>
                                           </p:stCondLst>
@@ -5673,8 +5661,26 @@
                                   </p:childTnLst>
                                 </p:cTn>
                               </p:par>
+                            </p:childTnLst>
+                          </p:cTn>
+                        </p:par>
+                      </p:childTnLst>
+                    </p:cTn>
+                  </p:par>
+                  <p:par>
+                    <p:cTn id="13" fill="hold">
+                      <p:stCondLst>
+                        <p:cond delay="indefinite"/>
+                      </p:stCondLst>
+                      <p:childTnLst>
+                        <p:par>
+                          <p:cTn id="14" fill="hold">
+                            <p:stCondLst>
+                              <p:cond delay="0"/>
+                            </p:stCondLst>
+                            <p:childTnLst>
                               <p:par>
-                                <p:cTn id="15" presetID="1" presetClass="entr" presetSubtype="0" fill="hold" nodeType="withEffect">
+                                <p:cTn id="15" presetID="1" presetClass="entr" presetSubtype="0" fill="hold" nodeType="clickEffect">
                                   <p:stCondLst>
                                     <p:cond delay="0"/>
                                   </p:stCondLst>
@@ -5735,33 +5741,15 @@
                                   </p:childTnLst>
                                 </p:cTn>
                               </p:par>
-                            </p:childTnLst>
-                          </p:cTn>
-                        </p:par>
-                      </p:childTnLst>
-                    </p:cTn>
-                  </p:par>
-                  <p:par>
-                    <p:cTn id="19" fill="hold">
-                      <p:stCondLst>
-                        <p:cond delay="indefinite"/>
-                      </p:stCondLst>
-                      <p:childTnLst>
-                        <p:par>
-                          <p:cTn id="20" fill="hold">
-                            <p:stCondLst>
-                              <p:cond delay="0"/>
-                            </p:stCondLst>
-                            <p:childTnLst>
                               <p:par>
-                                <p:cTn id="21" presetID="1" presetClass="entr" presetSubtype="0" fill="hold" nodeType="clickEffect">
+                                <p:cTn id="19" presetID="1" presetClass="entr" presetSubtype="0" fill="hold" nodeType="withEffect">
                                   <p:stCondLst>
                                     <p:cond delay="0"/>
                                   </p:stCondLst>
                                   <p:childTnLst>
                                     <p:set>
                                       <p:cBhvr>
-                                        <p:cTn id="22" dur="1" fill="hold">
+                                        <p:cTn id="20" dur="1" fill="hold">
                                           <p:stCondLst>
                                             <p:cond delay="0"/>
                                           </p:stCondLst>
@@ -5785,14 +5773,14 @@
                                 </p:cTn>
                               </p:par>
                               <p:par>
-                                <p:cTn id="23" presetID="1" presetClass="entr" presetSubtype="0" fill="hold" nodeType="withEffect">
+                                <p:cTn id="21" presetID="1" presetClass="entr" presetSubtype="0" fill="hold" nodeType="withEffect">
                                   <p:stCondLst>
                                     <p:cond delay="0"/>
                                   </p:stCondLst>
                                   <p:childTnLst>
                                     <p:set>
                                       <p:cBhvr>
-                                        <p:cTn id="24" dur="1" fill="hold">
+                                        <p:cTn id="22" dur="1" fill="hold">
                                           <p:stCondLst>
                                             <p:cond delay="0"/>
                                           </p:stCondLst>
@@ -5822,26 +5810,26 @@
                     </p:cTn>
                   </p:par>
                   <p:par>
-                    <p:cTn id="25" fill="hold">
+                    <p:cTn id="23" fill="hold">
                       <p:stCondLst>
                         <p:cond delay="indefinite"/>
                       </p:stCondLst>
                       <p:childTnLst>
                         <p:par>
-                          <p:cTn id="26" fill="hold">
+                          <p:cTn id="24" fill="hold">
                             <p:stCondLst>
                               <p:cond delay="0"/>
                             </p:stCondLst>
                             <p:childTnLst>
                               <p:par>
-                                <p:cTn id="27" presetID="1" presetClass="entr" presetSubtype="0" fill="hold" nodeType="clickEffect">
+                                <p:cTn id="25" presetID="1" presetClass="entr" presetSubtype="0" fill="hold" nodeType="clickEffect">
                                   <p:stCondLst>
                                     <p:cond delay="0"/>
                                   </p:stCondLst>
                                   <p:childTnLst>
                                     <p:set>
                                       <p:cBhvr>
-                                        <p:cTn id="28" dur="1" fill="hold">
+                                        <p:cTn id="26" dur="1" fill="hold">
                                           <p:stCondLst>
                                             <p:cond delay="0"/>
                                           </p:stCondLst>
@@ -5864,8 +5852,26 @@
                                   </p:childTnLst>
                                 </p:cTn>
                               </p:par>
+                            </p:childTnLst>
+                          </p:cTn>
+                        </p:par>
+                      </p:childTnLst>
+                    </p:cTn>
+                  </p:par>
+                  <p:par>
+                    <p:cTn id="27" fill="hold">
+                      <p:stCondLst>
+                        <p:cond delay="indefinite"/>
+                      </p:stCondLst>
+                      <p:childTnLst>
+                        <p:par>
+                          <p:cTn id="28" fill="hold">
+                            <p:stCondLst>
+                              <p:cond delay="0"/>
+                            </p:stCondLst>
+                            <p:childTnLst>
                               <p:par>
-                                <p:cTn id="29" presetID="1" presetClass="entr" presetSubtype="0" fill="hold" nodeType="withEffect">
+                                <p:cTn id="29" presetID="1" presetClass="entr" presetSubtype="0" fill="hold" nodeType="clickEffect">
                                   <p:stCondLst>
                                     <p:cond delay="0"/>
                                   </p:stCondLst>
@@ -5881,6 +5887,37 @@
                                           <p:spTgt spid="3">
                                             <p:txEl>
                                               <p:pRg st="10" end="10"/>
+                                            </p:txEl>
+                                          </p:spTgt>
+                                        </p:tgtEl>
+                                        <p:attrNameLst>
+                                          <p:attrName>style.visibility</p:attrName>
+                                        </p:attrNameLst>
+                                      </p:cBhvr>
+                                      <p:to>
+                                        <p:strVal val="visible"/>
+                                      </p:to>
+                                    </p:set>
+                                  </p:childTnLst>
+                                </p:cTn>
+                              </p:par>
+                              <p:par>
+                                <p:cTn id="31" presetID="1" presetClass="entr" presetSubtype="0" fill="hold" nodeType="withEffect">
+                                  <p:stCondLst>
+                                    <p:cond delay="0"/>
+                                  </p:stCondLst>
+                                  <p:childTnLst>
+                                    <p:set>
+                                      <p:cBhvr>
+                                        <p:cTn id="32" dur="1" fill="hold">
+                                          <p:stCondLst>
+                                            <p:cond delay="0"/>
+                                          </p:stCondLst>
+                                        </p:cTn>
+                                        <p:tgtEl>
+                                          <p:spTgt spid="3">
+                                            <p:txEl>
+                                              <p:pRg st="11" end="11"/>
                                             </p:txEl>
                                           </p:spTgt>
                                         </p:tgtEl>

--- a/slides/1_Introduction.pptx
+++ b/slides/1_Introduction.pptx
@@ -5,7 +5,7 @@
     <p:sldMasterId id="2147483648" r:id="rId1"/>
   </p:sldMasterIdLst>
   <p:notesMasterIdLst>
-    <p:notesMasterId r:id="rId66"/>
+    <p:notesMasterId r:id="rId67"/>
   </p:notesMasterIdLst>
   <p:sldIdLst>
     <p:sldId id="256" r:id="rId2"/>
@@ -31,47 +31,48 @@
     <p:sldId id="722" r:id="rId22"/>
     <p:sldId id="395" r:id="rId23"/>
     <p:sldId id="402" r:id="rId24"/>
-    <p:sldId id="401" r:id="rId25"/>
-    <p:sldId id="713" r:id="rId26"/>
-    <p:sldId id="387" r:id="rId27"/>
-    <p:sldId id="720" r:id="rId28"/>
-    <p:sldId id="382" r:id="rId29"/>
-    <p:sldId id="357" r:id="rId30"/>
-    <p:sldId id="385" r:id="rId31"/>
-    <p:sldId id="359" r:id="rId32"/>
-    <p:sldId id="386" r:id="rId33"/>
-    <p:sldId id="714" r:id="rId34"/>
-    <p:sldId id="360" r:id="rId35"/>
-    <p:sldId id="374" r:id="rId36"/>
-    <p:sldId id="375" r:id="rId37"/>
-    <p:sldId id="376" r:id="rId38"/>
-    <p:sldId id="377" r:id="rId39"/>
-    <p:sldId id="378" r:id="rId40"/>
-    <p:sldId id="379" r:id="rId41"/>
-    <p:sldId id="380" r:id="rId42"/>
-    <p:sldId id="715" r:id="rId43"/>
-    <p:sldId id="362" r:id="rId44"/>
-    <p:sldId id="364" r:id="rId45"/>
-    <p:sldId id="366" r:id="rId46"/>
-    <p:sldId id="365" r:id="rId47"/>
-    <p:sldId id="363" r:id="rId48"/>
-    <p:sldId id="372" r:id="rId49"/>
-    <p:sldId id="716" r:id="rId50"/>
-    <p:sldId id="361" r:id="rId51"/>
-    <p:sldId id="368" r:id="rId52"/>
-    <p:sldId id="390" r:id="rId53"/>
-    <p:sldId id="391" r:id="rId54"/>
-    <p:sldId id="392" r:id="rId55"/>
-    <p:sldId id="393" r:id="rId56"/>
-    <p:sldId id="394" r:id="rId57"/>
-    <p:sldId id="717" r:id="rId58"/>
-    <p:sldId id="371" r:id="rId59"/>
-    <p:sldId id="369" r:id="rId60"/>
-    <p:sldId id="373" r:id="rId61"/>
-    <p:sldId id="399" r:id="rId62"/>
-    <p:sldId id="370" r:id="rId63"/>
-    <p:sldId id="398" r:id="rId64"/>
-    <p:sldId id="384" r:id="rId65"/>
+    <p:sldId id="725" r:id="rId25"/>
+    <p:sldId id="401" r:id="rId26"/>
+    <p:sldId id="713" r:id="rId27"/>
+    <p:sldId id="387" r:id="rId28"/>
+    <p:sldId id="720" r:id="rId29"/>
+    <p:sldId id="382" r:id="rId30"/>
+    <p:sldId id="357" r:id="rId31"/>
+    <p:sldId id="385" r:id="rId32"/>
+    <p:sldId id="359" r:id="rId33"/>
+    <p:sldId id="386" r:id="rId34"/>
+    <p:sldId id="714" r:id="rId35"/>
+    <p:sldId id="360" r:id="rId36"/>
+    <p:sldId id="374" r:id="rId37"/>
+    <p:sldId id="375" r:id="rId38"/>
+    <p:sldId id="376" r:id="rId39"/>
+    <p:sldId id="377" r:id="rId40"/>
+    <p:sldId id="378" r:id="rId41"/>
+    <p:sldId id="379" r:id="rId42"/>
+    <p:sldId id="380" r:id="rId43"/>
+    <p:sldId id="715" r:id="rId44"/>
+    <p:sldId id="362" r:id="rId45"/>
+    <p:sldId id="364" r:id="rId46"/>
+    <p:sldId id="366" r:id="rId47"/>
+    <p:sldId id="365" r:id="rId48"/>
+    <p:sldId id="363" r:id="rId49"/>
+    <p:sldId id="372" r:id="rId50"/>
+    <p:sldId id="716" r:id="rId51"/>
+    <p:sldId id="361" r:id="rId52"/>
+    <p:sldId id="368" r:id="rId53"/>
+    <p:sldId id="390" r:id="rId54"/>
+    <p:sldId id="391" r:id="rId55"/>
+    <p:sldId id="392" r:id="rId56"/>
+    <p:sldId id="393" r:id="rId57"/>
+    <p:sldId id="394" r:id="rId58"/>
+    <p:sldId id="717" r:id="rId59"/>
+    <p:sldId id="371" r:id="rId60"/>
+    <p:sldId id="369" r:id="rId61"/>
+    <p:sldId id="373" r:id="rId62"/>
+    <p:sldId id="399" r:id="rId63"/>
+    <p:sldId id="370" r:id="rId64"/>
+    <p:sldId id="398" r:id="rId65"/>
+    <p:sldId id="384" r:id="rId66"/>
   </p:sldIdLst>
   <p:sldSz cx="12192000" cy="6858000"/>
   <p:notesSz cx="6858000" cy="9144000"/>
@@ -592,7 +593,7 @@
           <a:p>
             <a:fld id="{F33E01E3-981B-4CB5-81ED-65C622C255CB}" type="slidenum">
               <a:rPr lang="en-US" smtClean="0"/>
-              <a:t>45</a:t>
+              <a:t>46</a:t>
             </a:fld>
             <a:endParaRPr lang="en-US"/>
           </a:p>
@@ -679,7 +680,7 @@
           <a:p>
             <a:fld id="{F33E01E3-981B-4CB5-81ED-65C622C255CB}" type="slidenum">
               <a:rPr lang="en-US" smtClean="0"/>
-              <a:t>58</a:t>
+              <a:t>59</a:t>
             </a:fld>
             <a:endParaRPr lang="en-US"/>
           </a:p>
@@ -766,7 +767,7 @@
           <a:p>
             <a:fld id="{F33E01E3-981B-4CB5-81ED-65C622C255CB}" type="slidenum">
               <a:rPr lang="en-US" smtClean="0"/>
-              <a:t>59</a:t>
+              <a:t>60</a:t>
             </a:fld>
             <a:endParaRPr lang="en-US"/>
           </a:p>
@@ -853,7 +854,7 @@
           <a:p>
             <a:fld id="{F33E01E3-981B-4CB5-81ED-65C622C255CB}" type="slidenum">
               <a:rPr lang="en-US" smtClean="0"/>
-              <a:t>60</a:t>
+              <a:t>61</a:t>
             </a:fld>
             <a:endParaRPr lang="en-US"/>
           </a:p>
@@ -940,7 +941,7 @@
           <a:p>
             <a:fld id="{F33E01E3-981B-4CB5-81ED-65C622C255CB}" type="slidenum">
               <a:rPr lang="en-US" smtClean="0"/>
-              <a:t>61</a:t>
+              <a:t>62</a:t>
             </a:fld>
             <a:endParaRPr lang="en-US"/>
           </a:p>
@@ -1027,7 +1028,7 @@
           <a:p>
             <a:fld id="{F33E01E3-981B-4CB5-81ED-65C622C255CB}" type="slidenum">
               <a:rPr lang="en-US" smtClean="0"/>
-              <a:t>62</a:t>
+              <a:t>63</a:t>
             </a:fld>
             <a:endParaRPr lang="en-US"/>
           </a:p>
@@ -1114,7 +1115,7 @@
           <a:p>
             <a:fld id="{F33E01E3-981B-4CB5-81ED-65C622C255CB}" type="slidenum">
               <a:rPr lang="en-US" smtClean="0"/>
-              <a:t>63</a:t>
+              <a:t>64</a:t>
             </a:fld>
             <a:endParaRPr lang="en-US"/>
           </a:p>
@@ -12413,6 +12414,206 @@
 </file>
 
 <file path=ppt/slides/slide24.xml><?xml version="1.0" encoding="utf-8"?>
+<p:sld xmlns:a="http://schemas.openxmlformats.org/drawingml/2006/main" xmlns:r="http://schemas.openxmlformats.org/officeDocument/2006/relationships" xmlns:p="http://schemas.openxmlformats.org/presentationml/2006/main">
+  <p:cSld>
+    <p:spTree>
+      <p:nvGrpSpPr>
+        <p:cNvPr id="1" name="">
+          <a:extLst>
+            <a:ext uri="{FF2B5EF4-FFF2-40B4-BE49-F238E27FC236}">
+              <a16:creationId xmlns:a16="http://schemas.microsoft.com/office/drawing/2014/main" id="{5DA7D7DD-7AF9-FA05-2177-A254C493D02B}"/>
+            </a:ext>
+          </a:extLst>
+        </p:cNvPr>
+        <p:cNvGrpSpPr/>
+        <p:nvPr/>
+      </p:nvGrpSpPr>
+      <p:grpSpPr>
+        <a:xfrm>
+          <a:off x="0" y="0"/>
+          <a:ext cx="0" cy="0"/>
+          <a:chOff x="0" y="0"/>
+          <a:chExt cx="0" cy="0"/>
+        </a:xfrm>
+      </p:grpSpPr>
+      <p:sp>
+        <p:nvSpPr>
+          <p:cNvPr id="3" name="Content Placeholder 2">
+            <a:extLst>
+              <a:ext uri="{FF2B5EF4-FFF2-40B4-BE49-F238E27FC236}">
+                <a16:creationId xmlns:a16="http://schemas.microsoft.com/office/drawing/2014/main" id="{3AB2EEC0-807D-1936-07D1-132231394C2C}"/>
+              </a:ext>
+            </a:extLst>
+          </p:cNvPr>
+          <p:cNvSpPr>
+            <a:spLocks noGrp="1"/>
+          </p:cNvSpPr>
+          <p:nvPr>
+            <p:ph idx="1"/>
+          </p:nvPr>
+        </p:nvSpPr>
+        <p:spPr>
+          <a:xfrm>
+            <a:off x="838200" y="1126210"/>
+            <a:ext cx="10515600" cy="5563892"/>
+          </a:xfrm>
+        </p:spPr>
+        <p:txBody>
+          <a:bodyPr>
+            <a:normAutofit fontScale="92500" lnSpcReduction="10000"/>
+          </a:bodyPr>
+          <a:lstStyle/>
+          <a:p>
+            <a:pPr marL="0" indent="0">
+              <a:buNone/>
+            </a:pPr>
+            <a:r>
+              <a:rPr lang="en-US" dirty="0"/>
+              <a:t>As AI (LLMs) is becoming a standard too for professional data scientists, limited use is allowed for this course  </a:t>
+            </a:r>
+          </a:p>
+          <a:p>
+            <a:pPr lvl="0"/>
+            <a:r>
+              <a:rPr lang="en-US" b="1" dirty="0"/>
+              <a:t>Writing &amp; Analysis: </a:t>
+            </a:r>
+            <a:r>
+              <a:rPr lang="en-US" dirty="0"/>
+              <a:t>Your written reports, question responses and discussion post </a:t>
+            </a:r>
+            <a:r>
+              <a:rPr lang="en-US" b="1" dirty="0"/>
+              <a:t>must be your own original work!</a:t>
+            </a:r>
+            <a:endParaRPr lang="en-US" dirty="0"/>
+          </a:p>
+          <a:p>
+            <a:pPr lvl="0"/>
+            <a:r>
+              <a:rPr lang="en-US" b="1" dirty="0"/>
+              <a:t>Code Generation: </a:t>
+            </a:r>
+            <a:r>
+              <a:rPr lang="en-US" dirty="0"/>
+              <a:t>You may use AI to generate small, discrete portions of code. </a:t>
+            </a:r>
+          </a:p>
+          <a:p>
+            <a:pPr lvl="1"/>
+            <a:r>
+              <a:rPr lang="en-US" dirty="0"/>
+              <a:t>You may do so for up to 4 instances of up to 20 lines each in an assignment or a report</a:t>
+            </a:r>
+          </a:p>
+          <a:p>
+            <a:pPr lvl="1"/>
+            <a:r>
+              <a:rPr lang="en-US" dirty="0"/>
+              <a:t>Required: Include the exact prompt(s) used to generate the code in your submission. </a:t>
+            </a:r>
+          </a:p>
+          <a:p>
+            <a:pPr lvl="0"/>
+            <a:r>
+              <a:rPr lang="en-US" b="1" dirty="0"/>
+              <a:t>Validation of Results: </a:t>
+            </a:r>
+            <a:r>
+              <a:rPr lang="en-US" dirty="0"/>
+              <a:t>You are responsible for validating the correctness, efficiency, and security of any AI-generated code. </a:t>
+            </a:r>
+          </a:p>
+          <a:p>
+            <a:pPr lvl="0"/>
+            <a:r>
+              <a:rPr lang="en-US" b="1" dirty="0"/>
+              <a:t>Attribution &amp; Integrity:</a:t>
+            </a:r>
+            <a:r>
+              <a:rPr lang="en-US" dirty="0"/>
+              <a:t> Cite AI use per the Harvard Academic Integrity Policy (e.g., "Code generated using [Tool Name] with prompt: ‘...’")</a:t>
+            </a:r>
+          </a:p>
+          <a:p>
+            <a:pPr lvl="0"/>
+            <a:r>
+              <a:rPr lang="en-US" dirty="0"/>
+              <a:t>See course syllabus in Canvas for additional details </a:t>
+            </a:r>
+          </a:p>
+        </p:txBody>
+      </p:sp>
+      <p:sp>
+        <p:nvSpPr>
+          <p:cNvPr id="6" name="Title 1">
+            <a:extLst>
+              <a:ext uri="{FF2B5EF4-FFF2-40B4-BE49-F238E27FC236}">
+                <a16:creationId xmlns:a16="http://schemas.microsoft.com/office/drawing/2014/main" id="{79A07D1A-2593-EA96-9F4B-0D7D49DF3736}"/>
+              </a:ext>
+            </a:extLst>
+          </p:cNvPr>
+          <p:cNvSpPr txBox="1">
+            <a:spLocks/>
+          </p:cNvSpPr>
+          <p:nvPr/>
+        </p:nvSpPr>
+        <p:spPr>
+          <a:xfrm>
+            <a:off x="838200" y="-635"/>
+            <a:ext cx="10515600" cy="1325563"/>
+          </a:xfrm>
+          <a:prstGeom prst="rect">
+            <a:avLst/>
+          </a:prstGeom>
+        </p:spPr>
+        <p:txBody>
+          <a:bodyPr vert="horz" lIns="91440" tIns="45720" rIns="91440" bIns="45720" rtlCol="0" anchor="ctr">
+            <a:normAutofit/>
+          </a:bodyPr>
+          <a:lstStyle>
+            <a:lvl1pPr algn="l" defTabSz="914400" rtl="0" eaLnBrk="1" latinLnBrk="0" hangingPunct="1">
+              <a:lnSpc>
+                <a:spcPct val="90000"/>
+              </a:lnSpc>
+              <a:spcBef>
+                <a:spcPct val="0"/>
+              </a:spcBef>
+              <a:buNone/>
+              <a:defRPr sz="4400" kern="1200">
+                <a:solidFill>
+                  <a:schemeClr val="tx1"/>
+                </a:solidFill>
+                <a:latin typeface="+mj-lt"/>
+                <a:ea typeface="+mj-ea"/>
+                <a:cs typeface="+mj-cs"/>
+              </a:defRPr>
+            </a:lvl1pPr>
+          </a:lstStyle>
+          <a:p>
+            <a:r>
+              <a:rPr lang="en-US" dirty="0">
+                <a:latin typeface="+mn-lt"/>
+              </a:rPr>
+              <a:t>Using AI for this course</a:t>
+            </a:r>
+          </a:p>
+        </p:txBody>
+      </p:sp>
+    </p:spTree>
+    <p:extLst>
+      <p:ext uri="{BB962C8B-B14F-4D97-AF65-F5344CB8AC3E}">
+        <p14:creationId xmlns:p14="http://schemas.microsoft.com/office/powerpoint/2010/main" val="1849980316"/>
+      </p:ext>
+    </p:extLst>
+  </p:cSld>
+  <p:clrMapOvr>
+    <a:masterClrMapping/>
+  </p:clrMapOvr>
+</p:sld>
+</file>
+
+<file path=ppt/slides/slide25.xml><?xml version="1.0" encoding="utf-8"?>
 <p:sld xmlns:a="http://schemas.openxmlformats.org/drawingml/2006/main" xmlns:r="http://schemas.openxmlformats.org/officeDocument/2006/relationships" xmlns:p="http://schemas.openxmlformats.org/presentationml/2006/main" show="0">
   <p:cSld>
     <p:spTree>
@@ -12591,7 +12792,7 @@
 </p:sld>
 </file>
 
-<file path=ppt/slides/slide25.xml><?xml version="1.0" encoding="utf-8"?>
+<file path=ppt/slides/slide26.xml><?xml version="1.0" encoding="utf-8"?>
 <p:sld xmlns:a="http://schemas.openxmlformats.org/drawingml/2006/main" xmlns:r="http://schemas.openxmlformats.org/officeDocument/2006/relationships" xmlns:p="http://schemas.openxmlformats.org/presentationml/2006/main">
   <p:cSld>
     <p:spTree>
@@ -12651,7 +12852,7 @@
 </p:sld>
 </file>
 
-<file path=ppt/slides/slide26.xml><?xml version="1.0" encoding="utf-8"?>
+<file path=ppt/slides/slide27.xml><?xml version="1.0" encoding="utf-8"?>
 <p:sld xmlns:a="http://schemas.openxmlformats.org/drawingml/2006/main" xmlns:r="http://schemas.openxmlformats.org/officeDocument/2006/relationships" xmlns:p="http://schemas.openxmlformats.org/presentationml/2006/main">
   <p:cSld>
     <p:spTree>
@@ -13213,7 +13414,7 @@
 </p:sld>
 </file>
 
-<file path=ppt/slides/slide27.xml><?xml version="1.0" encoding="utf-8"?>
+<file path=ppt/slides/slide28.xml><?xml version="1.0" encoding="utf-8"?>
 <p:sld xmlns:a="http://schemas.openxmlformats.org/drawingml/2006/main" xmlns:r="http://schemas.openxmlformats.org/officeDocument/2006/relationships" xmlns:p="http://schemas.openxmlformats.org/presentationml/2006/main">
   <p:cSld>
     <p:spTree>
@@ -13273,7 +13474,7 @@
 </p:sld>
 </file>
 
-<file path=ppt/slides/slide28.xml><?xml version="1.0" encoding="utf-8"?>
+<file path=ppt/slides/slide29.xml><?xml version="1.0" encoding="utf-8"?>
 <p:sld xmlns:a="http://schemas.openxmlformats.org/drawingml/2006/main" xmlns:r="http://schemas.openxmlformats.org/officeDocument/2006/relationships" xmlns:p="http://schemas.openxmlformats.org/presentationml/2006/main">
   <p:cSld>
     <p:spTree>
@@ -13974,621 +14175,6 @@
 </p:sld>
 </file>
 
-<file path=ppt/slides/slide29.xml><?xml version="1.0" encoding="utf-8"?>
-<p:sld xmlns:a="http://schemas.openxmlformats.org/drawingml/2006/main" xmlns:r="http://schemas.openxmlformats.org/officeDocument/2006/relationships" xmlns:p="http://schemas.openxmlformats.org/presentationml/2006/main">
-  <p:cSld>
-    <p:spTree>
-      <p:nvGrpSpPr>
-        <p:cNvPr id="1" name=""/>
-        <p:cNvGrpSpPr/>
-        <p:nvPr/>
-      </p:nvGrpSpPr>
-      <p:grpSpPr>
-        <a:xfrm>
-          <a:off x="0" y="0"/>
-          <a:ext cx="0" cy="0"/>
-          <a:chOff x="0" y="0"/>
-          <a:chExt cx="0" cy="0"/>
-        </a:xfrm>
-      </p:grpSpPr>
-      <mc:AlternateContent xmlns:mc="http://schemas.openxmlformats.org/markup-compatibility/2006" xmlns:a14="http://schemas.microsoft.com/office/drawing/2010/main">
-        <mc:Choice Requires="a14">
-          <p:sp>
-            <p:nvSpPr>
-              <p:cNvPr id="3" name="Content Placeholder 2">
-                <a:extLst>
-                  <a:ext uri="{FF2B5EF4-FFF2-40B4-BE49-F238E27FC236}">
-                    <a16:creationId xmlns:a16="http://schemas.microsoft.com/office/drawing/2014/main" id="{258E6AF3-7615-4BD1-878E-A94C93E98F90}"/>
-                  </a:ext>
-                </a:extLst>
-              </p:cNvPr>
-              <p:cNvSpPr>
-                <a:spLocks noGrp="1"/>
-              </p:cNvSpPr>
-              <p:nvPr>
-                <p:ph idx="1"/>
-              </p:nvPr>
-            </p:nvSpPr>
-            <p:spPr>
-              <a:xfrm>
-                <a:off x="838200" y="1541417"/>
-                <a:ext cx="10515600" cy="4635546"/>
-              </a:xfrm>
-            </p:spPr>
-            <p:txBody>
-              <a:bodyPr>
-                <a:normAutofit/>
-              </a:bodyPr>
-              <a:lstStyle/>
-              <a:p>
-                <a:pPr marL="0" indent="0">
-                  <a:buNone/>
-                </a:pPr>
-                <a:r>
-                  <a:rPr lang="en-US" b="1" dirty="0"/>
-                  <a:t>Key-value indexing </a:t>
-                </a:r>
-                <a:r>
-                  <a:rPr lang="en-US" dirty="0"/>
-                  <a:t>used to manage massive quantities of data   </a:t>
-                </a:r>
-              </a:p>
-              <a:p>
-                <a:r>
-                  <a:rPr lang="en-US" dirty="0"/>
-                  <a:t>Address values, </a:t>
-                </a:r>
-                <a14:m>
-                  <m:oMath xmlns:m="http://schemas.openxmlformats.org/officeDocument/2006/math">
-                    <m:r>
-                      <a:rPr lang="en-US" b="0" i="1" smtClean="0">
-                        <a:latin typeface="Cambria Math" panose="02040503050406030204" pitchFamily="18" charset="0"/>
-                      </a:rPr>
-                      <m:t>𝑉</m:t>
-                    </m:r>
-                  </m:oMath>
-                </a14:m>
-                <a:r>
-                  <a:rPr lang="en-US" dirty="0"/>
-                  <a:t>, by key, </a:t>
-                </a:r>
-                <a14:m>
-                  <m:oMath xmlns:m="http://schemas.openxmlformats.org/officeDocument/2006/math">
-                    <m:r>
-                      <a:rPr lang="en-US" b="0" i="1" smtClean="0">
-                        <a:latin typeface="Cambria Math" panose="02040503050406030204" pitchFamily="18" charset="0"/>
-                      </a:rPr>
-                      <m:t>𝐾</m:t>
-                    </m:r>
-                  </m:oMath>
-                </a14:m>
-                <a:r>
-                  <a:rPr lang="en-US" dirty="0"/>
-                  <a:t>, as a tuple </a:t>
-                </a:r>
-                <a14:m>
-                  <m:oMath xmlns:m="http://schemas.openxmlformats.org/officeDocument/2006/math">
-                    <m:r>
-                      <a:rPr lang="en-US" b="0" i="1" smtClean="0">
-                        <a:latin typeface="Cambria Math" panose="02040503050406030204" pitchFamily="18" charset="0"/>
-                      </a:rPr>
-                      <m:t>(</m:t>
-                    </m:r>
-                    <m:r>
-                      <a:rPr lang="en-US" b="0" i="1" smtClean="0">
-                        <a:latin typeface="Cambria Math" panose="02040503050406030204" pitchFamily="18" charset="0"/>
-                      </a:rPr>
-                      <m:t>𝐾</m:t>
-                    </m:r>
-                    <m:r>
-                      <a:rPr lang="en-US" b="0" i="1" smtClean="0">
-                        <a:latin typeface="Cambria Math" panose="02040503050406030204" pitchFamily="18" charset="0"/>
-                      </a:rPr>
-                      <m:t>,</m:t>
-                    </m:r>
-                    <m:r>
-                      <a:rPr lang="en-US" b="0" i="1" smtClean="0">
-                        <a:latin typeface="Cambria Math" panose="02040503050406030204" pitchFamily="18" charset="0"/>
-                      </a:rPr>
-                      <m:t>𝑉</m:t>
-                    </m:r>
-                    <m:r>
-                      <a:rPr lang="en-US" b="0" i="1" smtClean="0">
-                        <a:latin typeface="Cambria Math" panose="02040503050406030204" pitchFamily="18" charset="0"/>
-                      </a:rPr>
-                      <m:t>)</m:t>
-                    </m:r>
-                  </m:oMath>
-                </a14:m>
-                <a:r>
-                  <a:rPr lang="en-US" dirty="0"/>
-                  <a:t>  </a:t>
-                </a:r>
-              </a:p>
-              <a:p>
-                <a:r>
-                  <a:rPr lang="en-US" dirty="0"/>
-                  <a:t>Example: In-memory </a:t>
-                </a:r>
-                <a:r>
-                  <a:rPr lang="en-US" b="1" dirty="0"/>
-                  <a:t>dictionaries</a:t>
-                </a:r>
-              </a:p>
-              <a:p>
-                <a:pPr lvl="1"/>
-                <a:r>
-                  <a:rPr lang="en-US" dirty="0"/>
-                  <a:t>Fast lookup</a:t>
-                </a:r>
-              </a:p>
-              <a:p>
-                <a:pPr lvl="1"/>
-                <a:r>
-                  <a:rPr lang="en-US" dirty="0"/>
-                  <a:t>Size limited by main memory</a:t>
-                </a:r>
-              </a:p>
-              <a:p>
-                <a:pPr lvl="1"/>
-                <a:r>
-                  <a:rPr lang="en-US" dirty="0"/>
-                  <a:t>Supported in Python and many other languages</a:t>
-                </a:r>
-              </a:p>
-              <a:p>
-                <a:r>
-                  <a:rPr lang="en-US" dirty="0"/>
-                  <a:t>NoSQL data bases – scalable object storage   </a:t>
-                </a:r>
-              </a:p>
-              <a:p>
-                <a:r>
-                  <a:rPr lang="en-US" dirty="0"/>
-                  <a:t>Map-reduce, scalable parallel processing – Next lesson</a:t>
-                </a:r>
-              </a:p>
-              <a:p>
-                <a:endParaRPr lang="en-US" dirty="0"/>
-              </a:p>
-              <a:p>
-                <a:endParaRPr lang="en-US" b="1" dirty="0"/>
-              </a:p>
-            </p:txBody>
-          </p:sp>
-        </mc:Choice>
-        <mc:Fallback xmlns="">
-          <p:sp>
-            <p:nvSpPr>
-              <p:cNvPr id="3" name="Content Placeholder 2">
-                <a:extLst>
-                  <a:ext uri="{FF2B5EF4-FFF2-40B4-BE49-F238E27FC236}">
-                    <a16:creationId xmlns:a16="http://schemas.microsoft.com/office/drawing/2014/main" id="{258E6AF3-7615-4BD1-878E-A94C93E98F90}"/>
-                  </a:ext>
-                </a:extLst>
-              </p:cNvPr>
-              <p:cNvSpPr>
-                <a:spLocks noGrp="1" noRot="1" noChangeAspect="1" noMove="1" noResize="1" noEditPoints="1" noAdjustHandles="1" noChangeArrowheads="1" noChangeShapeType="1" noTextEdit="1"/>
-              </p:cNvSpPr>
-              <p:nvPr>
-                <p:ph idx="1"/>
-              </p:nvPr>
-            </p:nvSpPr>
-            <p:spPr>
-              <a:xfrm>
-                <a:off x="838200" y="1541417"/>
-                <a:ext cx="10515600" cy="4635546"/>
-              </a:xfrm>
-              <a:blipFill>
-                <a:blip r:embed="rId2"/>
-                <a:stretch>
-                  <a:fillRect l="-1217" t="-2237"/>
-                </a:stretch>
-              </a:blipFill>
-            </p:spPr>
-            <p:txBody>
-              <a:bodyPr/>
-              <a:lstStyle/>
-              <a:p>
-                <a:r>
-                  <a:rPr lang="en-US">
-                    <a:noFill/>
-                  </a:rPr>
-                  <a:t> </a:t>
-                </a:r>
-              </a:p>
-            </p:txBody>
-          </p:sp>
-        </mc:Fallback>
-      </mc:AlternateContent>
-      <p:sp>
-        <p:nvSpPr>
-          <p:cNvPr id="6" name="Title 1">
-            <a:extLst>
-              <a:ext uri="{FF2B5EF4-FFF2-40B4-BE49-F238E27FC236}">
-                <a16:creationId xmlns:a16="http://schemas.microsoft.com/office/drawing/2014/main" id="{CD29F70F-B868-451B-A65D-8721F4C7A2D9}"/>
-              </a:ext>
-            </a:extLst>
-          </p:cNvPr>
-          <p:cNvSpPr txBox="1">
-            <a:spLocks/>
-          </p:cNvSpPr>
-          <p:nvPr/>
-        </p:nvSpPr>
-        <p:spPr>
-          <a:xfrm>
-            <a:off x="838200" y="-635"/>
-            <a:ext cx="10515600" cy="1325563"/>
-          </a:xfrm>
-          <a:prstGeom prst="rect">
-            <a:avLst/>
-          </a:prstGeom>
-        </p:spPr>
-        <p:txBody>
-          <a:bodyPr vert="horz" lIns="91440" tIns="45720" rIns="91440" bIns="45720" rtlCol="0" anchor="ctr">
-            <a:normAutofit/>
-          </a:bodyPr>
-          <a:lstStyle>
-            <a:lvl1pPr algn="l" defTabSz="914400" rtl="0" eaLnBrk="1" latinLnBrk="0" hangingPunct="1">
-              <a:lnSpc>
-                <a:spcPct val="90000"/>
-              </a:lnSpc>
-              <a:spcBef>
-                <a:spcPct val="0"/>
-              </a:spcBef>
-              <a:buNone/>
-              <a:defRPr sz="4400" kern="1200">
-                <a:solidFill>
-                  <a:schemeClr val="tx1"/>
-                </a:solidFill>
-                <a:latin typeface="+mj-lt"/>
-                <a:ea typeface="+mj-ea"/>
-                <a:cs typeface="+mj-cs"/>
-              </a:defRPr>
-            </a:lvl1pPr>
-          </a:lstStyle>
-          <a:p>
-            <a:r>
-              <a:rPr lang="en-US" dirty="0">
-                <a:latin typeface="+mn-lt"/>
-              </a:rPr>
-              <a:t>Introduction to key-value indexing</a:t>
-            </a:r>
-          </a:p>
-        </p:txBody>
-      </p:sp>
-    </p:spTree>
-    <p:extLst>
-      <p:ext uri="{BB962C8B-B14F-4D97-AF65-F5344CB8AC3E}">
-        <p14:creationId xmlns:p14="http://schemas.microsoft.com/office/powerpoint/2010/main" val="1970960301"/>
-      </p:ext>
-    </p:extLst>
-  </p:cSld>
-  <p:clrMapOvr>
-    <a:masterClrMapping/>
-  </p:clrMapOvr>
-  <p:timing>
-    <p:tnLst>
-      <p:par>
-        <p:cTn id="1" dur="indefinite" restart="never" nodeType="tmRoot">
-          <p:childTnLst>
-            <p:seq concurrent="1" nextAc="seek">
-              <p:cTn id="2" dur="indefinite" nodeType="mainSeq">
-                <p:childTnLst>
-                  <p:par>
-                    <p:cTn id="3" fill="hold">
-                      <p:stCondLst>
-                        <p:cond delay="indefinite"/>
-                      </p:stCondLst>
-                      <p:childTnLst>
-                        <p:par>
-                          <p:cTn id="4" fill="hold">
-                            <p:stCondLst>
-                              <p:cond delay="0"/>
-                            </p:stCondLst>
-                            <p:childTnLst>
-                              <p:par>
-                                <p:cTn id="5" presetID="1" presetClass="entr" presetSubtype="0" fill="hold" nodeType="clickEffect">
-                                  <p:stCondLst>
-                                    <p:cond delay="0"/>
-                                  </p:stCondLst>
-                                  <p:childTnLst>
-                                    <p:set>
-                                      <p:cBhvr>
-                                        <p:cTn id="6" dur="1" fill="hold">
-                                          <p:stCondLst>
-                                            <p:cond delay="0"/>
-                                          </p:stCondLst>
-                                        </p:cTn>
-                                        <p:tgtEl>
-                                          <p:spTgt spid="3">
-                                            <p:txEl>
-                                              <p:pRg st="1" end="1"/>
-                                            </p:txEl>
-                                          </p:spTgt>
-                                        </p:tgtEl>
-                                        <p:attrNameLst>
-                                          <p:attrName>style.visibility</p:attrName>
-                                        </p:attrNameLst>
-                                      </p:cBhvr>
-                                      <p:to>
-                                        <p:strVal val="visible"/>
-                                      </p:to>
-                                    </p:set>
-                                  </p:childTnLst>
-                                </p:cTn>
-                              </p:par>
-                            </p:childTnLst>
-                          </p:cTn>
-                        </p:par>
-                      </p:childTnLst>
-                    </p:cTn>
-                  </p:par>
-                  <p:par>
-                    <p:cTn id="7" fill="hold">
-                      <p:stCondLst>
-                        <p:cond delay="indefinite"/>
-                      </p:stCondLst>
-                      <p:childTnLst>
-                        <p:par>
-                          <p:cTn id="8" fill="hold">
-                            <p:stCondLst>
-                              <p:cond delay="0"/>
-                            </p:stCondLst>
-                            <p:childTnLst>
-                              <p:par>
-                                <p:cTn id="9" presetID="1" presetClass="entr" presetSubtype="0" fill="hold" nodeType="clickEffect">
-                                  <p:stCondLst>
-                                    <p:cond delay="0"/>
-                                  </p:stCondLst>
-                                  <p:childTnLst>
-                                    <p:set>
-                                      <p:cBhvr>
-                                        <p:cTn id="10" dur="1" fill="hold">
-                                          <p:stCondLst>
-                                            <p:cond delay="0"/>
-                                          </p:stCondLst>
-                                        </p:cTn>
-                                        <p:tgtEl>
-                                          <p:spTgt spid="3">
-                                            <p:txEl>
-                                              <p:pRg st="2" end="2"/>
-                                            </p:txEl>
-                                          </p:spTgt>
-                                        </p:tgtEl>
-                                        <p:attrNameLst>
-                                          <p:attrName>style.visibility</p:attrName>
-                                        </p:attrNameLst>
-                                      </p:cBhvr>
-                                      <p:to>
-                                        <p:strVal val="visible"/>
-                                      </p:to>
-                                    </p:set>
-                                  </p:childTnLst>
-                                </p:cTn>
-                              </p:par>
-                              <p:par>
-                                <p:cTn id="11" presetID="1" presetClass="entr" presetSubtype="0" fill="hold" nodeType="withEffect">
-                                  <p:stCondLst>
-                                    <p:cond delay="0"/>
-                                  </p:stCondLst>
-                                  <p:childTnLst>
-                                    <p:set>
-                                      <p:cBhvr>
-                                        <p:cTn id="12" dur="1" fill="hold">
-                                          <p:stCondLst>
-                                            <p:cond delay="0"/>
-                                          </p:stCondLst>
-                                        </p:cTn>
-                                        <p:tgtEl>
-                                          <p:spTgt spid="3">
-                                            <p:txEl>
-                                              <p:pRg st="3" end="3"/>
-                                            </p:txEl>
-                                          </p:spTgt>
-                                        </p:tgtEl>
-                                        <p:attrNameLst>
-                                          <p:attrName>style.visibility</p:attrName>
-                                        </p:attrNameLst>
-                                      </p:cBhvr>
-                                      <p:to>
-                                        <p:strVal val="visible"/>
-                                      </p:to>
-                                    </p:set>
-                                  </p:childTnLst>
-                                </p:cTn>
-                              </p:par>
-                              <p:par>
-                                <p:cTn id="13" presetID="1" presetClass="entr" presetSubtype="0" fill="hold" nodeType="withEffect">
-                                  <p:stCondLst>
-                                    <p:cond delay="0"/>
-                                  </p:stCondLst>
-                                  <p:childTnLst>
-                                    <p:set>
-                                      <p:cBhvr>
-                                        <p:cTn id="14" dur="1" fill="hold">
-                                          <p:stCondLst>
-                                            <p:cond delay="0"/>
-                                          </p:stCondLst>
-                                        </p:cTn>
-                                        <p:tgtEl>
-                                          <p:spTgt spid="3">
-                                            <p:txEl>
-                                              <p:pRg st="4" end="4"/>
-                                            </p:txEl>
-                                          </p:spTgt>
-                                        </p:tgtEl>
-                                        <p:attrNameLst>
-                                          <p:attrName>style.visibility</p:attrName>
-                                        </p:attrNameLst>
-                                      </p:cBhvr>
-                                      <p:to>
-                                        <p:strVal val="visible"/>
-                                      </p:to>
-                                    </p:set>
-                                  </p:childTnLst>
-                                </p:cTn>
-                              </p:par>
-                              <p:par>
-                                <p:cTn id="15" presetID="1" presetClass="entr" presetSubtype="0" fill="hold" nodeType="withEffect">
-                                  <p:stCondLst>
-                                    <p:cond delay="0"/>
-                                  </p:stCondLst>
-                                  <p:childTnLst>
-                                    <p:set>
-                                      <p:cBhvr>
-                                        <p:cTn id="16" dur="1" fill="hold">
-                                          <p:stCondLst>
-                                            <p:cond delay="0"/>
-                                          </p:stCondLst>
-                                        </p:cTn>
-                                        <p:tgtEl>
-                                          <p:spTgt spid="3">
-                                            <p:txEl>
-                                              <p:pRg st="5" end="5"/>
-                                            </p:txEl>
-                                          </p:spTgt>
-                                        </p:tgtEl>
-                                        <p:attrNameLst>
-                                          <p:attrName>style.visibility</p:attrName>
-                                        </p:attrNameLst>
-                                      </p:cBhvr>
-                                      <p:to>
-                                        <p:strVal val="visible"/>
-                                      </p:to>
-                                    </p:set>
-                                  </p:childTnLst>
-                                </p:cTn>
-                              </p:par>
-                            </p:childTnLst>
-                          </p:cTn>
-                        </p:par>
-                      </p:childTnLst>
-                    </p:cTn>
-                  </p:par>
-                  <p:par>
-                    <p:cTn id="17" fill="hold">
-                      <p:stCondLst>
-                        <p:cond delay="indefinite"/>
-                      </p:stCondLst>
-                      <p:childTnLst>
-                        <p:par>
-                          <p:cTn id="18" fill="hold">
-                            <p:stCondLst>
-                              <p:cond delay="0"/>
-                            </p:stCondLst>
-                            <p:childTnLst>
-                              <p:par>
-                                <p:cTn id="19" presetID="1" presetClass="entr" presetSubtype="0" fill="hold" nodeType="clickEffect">
-                                  <p:stCondLst>
-                                    <p:cond delay="0"/>
-                                  </p:stCondLst>
-                                  <p:childTnLst>
-                                    <p:set>
-                                      <p:cBhvr>
-                                        <p:cTn id="20" dur="1" fill="hold">
-                                          <p:stCondLst>
-                                            <p:cond delay="0"/>
-                                          </p:stCondLst>
-                                        </p:cTn>
-                                        <p:tgtEl>
-                                          <p:spTgt spid="3">
-                                            <p:txEl>
-                                              <p:pRg st="6" end="6"/>
-                                            </p:txEl>
-                                          </p:spTgt>
-                                        </p:tgtEl>
-                                        <p:attrNameLst>
-                                          <p:attrName>style.visibility</p:attrName>
-                                        </p:attrNameLst>
-                                      </p:cBhvr>
-                                      <p:to>
-                                        <p:strVal val="visible"/>
-                                      </p:to>
-                                    </p:set>
-                                  </p:childTnLst>
-                                </p:cTn>
-                              </p:par>
-                            </p:childTnLst>
-                          </p:cTn>
-                        </p:par>
-                      </p:childTnLst>
-                    </p:cTn>
-                  </p:par>
-                  <p:par>
-                    <p:cTn id="21" fill="hold">
-                      <p:stCondLst>
-                        <p:cond delay="indefinite"/>
-                      </p:stCondLst>
-                      <p:childTnLst>
-                        <p:par>
-                          <p:cTn id="22" fill="hold">
-                            <p:stCondLst>
-                              <p:cond delay="0"/>
-                            </p:stCondLst>
-                            <p:childTnLst>
-                              <p:par>
-                                <p:cTn id="23" presetID="1" presetClass="entr" presetSubtype="0" fill="hold" nodeType="clickEffect">
-                                  <p:stCondLst>
-                                    <p:cond delay="0"/>
-                                  </p:stCondLst>
-                                  <p:childTnLst>
-                                    <p:set>
-                                      <p:cBhvr>
-                                        <p:cTn id="24" dur="1" fill="hold">
-                                          <p:stCondLst>
-                                            <p:cond delay="0"/>
-                                          </p:stCondLst>
-                                        </p:cTn>
-                                        <p:tgtEl>
-                                          <p:spTgt spid="3">
-                                            <p:txEl>
-                                              <p:pRg st="7" end="7"/>
-                                            </p:txEl>
-                                          </p:spTgt>
-                                        </p:tgtEl>
-                                        <p:attrNameLst>
-                                          <p:attrName>style.visibility</p:attrName>
-                                        </p:attrNameLst>
-                                      </p:cBhvr>
-                                      <p:to>
-                                        <p:strVal val="visible"/>
-                                      </p:to>
-                                    </p:set>
-                                  </p:childTnLst>
-                                </p:cTn>
-                              </p:par>
-                            </p:childTnLst>
-                          </p:cTn>
-                        </p:par>
-                      </p:childTnLst>
-                    </p:cTn>
-                  </p:par>
-                </p:childTnLst>
-              </p:cTn>
-              <p:prevCondLst>
-                <p:cond evt="onPrev" delay="0">
-                  <p:tgtEl>
-                    <p:sldTgt/>
-                  </p:tgtEl>
-                </p:cond>
-              </p:prevCondLst>
-              <p:nextCondLst>
-                <p:cond evt="onNext" delay="0">
-                  <p:tgtEl>
-                    <p:sldTgt/>
-                  </p:tgtEl>
-                </p:cond>
-              </p:nextCondLst>
-            </p:seq>
-          </p:childTnLst>
-        </p:cTn>
-      </p:par>
-    </p:tnLst>
-  </p:timing>
-</p:sld>
-</file>
-
 <file path=ppt/slides/slide3.xml><?xml version="1.0" encoding="utf-8"?>
 <p:sld xmlns:a="http://schemas.openxmlformats.org/drawingml/2006/main" xmlns:r="http://schemas.openxmlformats.org/officeDocument/2006/relationships" xmlns:p="http://schemas.openxmlformats.org/presentationml/2006/main">
   <p:cSld>
@@ -15108,6 +14694,621 @@
           <a:chExt cx="0" cy="0"/>
         </a:xfrm>
       </p:grpSpPr>
+      <mc:AlternateContent xmlns:mc="http://schemas.openxmlformats.org/markup-compatibility/2006" xmlns:a14="http://schemas.microsoft.com/office/drawing/2010/main">
+        <mc:Choice Requires="a14">
+          <p:sp>
+            <p:nvSpPr>
+              <p:cNvPr id="3" name="Content Placeholder 2">
+                <a:extLst>
+                  <a:ext uri="{FF2B5EF4-FFF2-40B4-BE49-F238E27FC236}">
+                    <a16:creationId xmlns:a16="http://schemas.microsoft.com/office/drawing/2014/main" id="{258E6AF3-7615-4BD1-878E-A94C93E98F90}"/>
+                  </a:ext>
+                </a:extLst>
+              </p:cNvPr>
+              <p:cNvSpPr>
+                <a:spLocks noGrp="1"/>
+              </p:cNvSpPr>
+              <p:nvPr>
+                <p:ph idx="1"/>
+              </p:nvPr>
+            </p:nvSpPr>
+            <p:spPr>
+              <a:xfrm>
+                <a:off x="838200" y="1541417"/>
+                <a:ext cx="10515600" cy="4635546"/>
+              </a:xfrm>
+            </p:spPr>
+            <p:txBody>
+              <a:bodyPr>
+                <a:normAutofit/>
+              </a:bodyPr>
+              <a:lstStyle/>
+              <a:p>
+                <a:pPr marL="0" indent="0">
+                  <a:buNone/>
+                </a:pPr>
+                <a:r>
+                  <a:rPr lang="en-US" b="1" dirty="0"/>
+                  <a:t>Key-value indexing </a:t>
+                </a:r>
+                <a:r>
+                  <a:rPr lang="en-US" dirty="0"/>
+                  <a:t>used to manage massive quantities of data   </a:t>
+                </a:r>
+              </a:p>
+              <a:p>
+                <a:r>
+                  <a:rPr lang="en-US" dirty="0"/>
+                  <a:t>Address values, </a:t>
+                </a:r>
+                <a14:m>
+                  <m:oMath xmlns:m="http://schemas.openxmlformats.org/officeDocument/2006/math">
+                    <m:r>
+                      <a:rPr lang="en-US" b="0" i="1" smtClean="0">
+                        <a:latin typeface="Cambria Math" panose="02040503050406030204" pitchFamily="18" charset="0"/>
+                      </a:rPr>
+                      <m:t>𝑉</m:t>
+                    </m:r>
+                  </m:oMath>
+                </a14:m>
+                <a:r>
+                  <a:rPr lang="en-US" dirty="0"/>
+                  <a:t>, by key, </a:t>
+                </a:r>
+                <a14:m>
+                  <m:oMath xmlns:m="http://schemas.openxmlformats.org/officeDocument/2006/math">
+                    <m:r>
+                      <a:rPr lang="en-US" b="0" i="1" smtClean="0">
+                        <a:latin typeface="Cambria Math" panose="02040503050406030204" pitchFamily="18" charset="0"/>
+                      </a:rPr>
+                      <m:t>𝐾</m:t>
+                    </m:r>
+                  </m:oMath>
+                </a14:m>
+                <a:r>
+                  <a:rPr lang="en-US" dirty="0"/>
+                  <a:t>, as a tuple </a:t>
+                </a:r>
+                <a14:m>
+                  <m:oMath xmlns:m="http://schemas.openxmlformats.org/officeDocument/2006/math">
+                    <m:r>
+                      <a:rPr lang="en-US" b="0" i="1" smtClean="0">
+                        <a:latin typeface="Cambria Math" panose="02040503050406030204" pitchFamily="18" charset="0"/>
+                      </a:rPr>
+                      <m:t>(</m:t>
+                    </m:r>
+                    <m:r>
+                      <a:rPr lang="en-US" b="0" i="1" smtClean="0">
+                        <a:latin typeface="Cambria Math" panose="02040503050406030204" pitchFamily="18" charset="0"/>
+                      </a:rPr>
+                      <m:t>𝐾</m:t>
+                    </m:r>
+                    <m:r>
+                      <a:rPr lang="en-US" b="0" i="1" smtClean="0">
+                        <a:latin typeface="Cambria Math" panose="02040503050406030204" pitchFamily="18" charset="0"/>
+                      </a:rPr>
+                      <m:t>,</m:t>
+                    </m:r>
+                    <m:r>
+                      <a:rPr lang="en-US" b="0" i="1" smtClean="0">
+                        <a:latin typeface="Cambria Math" panose="02040503050406030204" pitchFamily="18" charset="0"/>
+                      </a:rPr>
+                      <m:t>𝑉</m:t>
+                    </m:r>
+                    <m:r>
+                      <a:rPr lang="en-US" b="0" i="1" smtClean="0">
+                        <a:latin typeface="Cambria Math" panose="02040503050406030204" pitchFamily="18" charset="0"/>
+                      </a:rPr>
+                      <m:t>)</m:t>
+                    </m:r>
+                  </m:oMath>
+                </a14:m>
+                <a:r>
+                  <a:rPr lang="en-US" dirty="0"/>
+                  <a:t>  </a:t>
+                </a:r>
+              </a:p>
+              <a:p>
+                <a:r>
+                  <a:rPr lang="en-US" dirty="0"/>
+                  <a:t>Example: In-memory </a:t>
+                </a:r>
+                <a:r>
+                  <a:rPr lang="en-US" b="1" dirty="0"/>
+                  <a:t>dictionaries</a:t>
+                </a:r>
+              </a:p>
+              <a:p>
+                <a:pPr lvl="1"/>
+                <a:r>
+                  <a:rPr lang="en-US" dirty="0"/>
+                  <a:t>Fast lookup</a:t>
+                </a:r>
+              </a:p>
+              <a:p>
+                <a:pPr lvl="1"/>
+                <a:r>
+                  <a:rPr lang="en-US" dirty="0"/>
+                  <a:t>Size limited by main memory</a:t>
+                </a:r>
+              </a:p>
+              <a:p>
+                <a:pPr lvl="1"/>
+                <a:r>
+                  <a:rPr lang="en-US" dirty="0"/>
+                  <a:t>Supported in Python and many other languages</a:t>
+                </a:r>
+              </a:p>
+              <a:p>
+                <a:r>
+                  <a:rPr lang="en-US" dirty="0"/>
+                  <a:t>NoSQL data bases – scalable object storage   </a:t>
+                </a:r>
+              </a:p>
+              <a:p>
+                <a:r>
+                  <a:rPr lang="en-US" dirty="0"/>
+                  <a:t>Map-reduce, scalable parallel processing – Next lesson</a:t>
+                </a:r>
+              </a:p>
+              <a:p>
+                <a:endParaRPr lang="en-US" dirty="0"/>
+              </a:p>
+              <a:p>
+                <a:endParaRPr lang="en-US" b="1" dirty="0"/>
+              </a:p>
+            </p:txBody>
+          </p:sp>
+        </mc:Choice>
+        <mc:Fallback xmlns="">
+          <p:sp>
+            <p:nvSpPr>
+              <p:cNvPr id="3" name="Content Placeholder 2">
+                <a:extLst>
+                  <a:ext uri="{FF2B5EF4-FFF2-40B4-BE49-F238E27FC236}">
+                    <a16:creationId xmlns:a16="http://schemas.microsoft.com/office/drawing/2014/main" id="{258E6AF3-7615-4BD1-878E-A94C93E98F90}"/>
+                  </a:ext>
+                </a:extLst>
+              </p:cNvPr>
+              <p:cNvSpPr>
+                <a:spLocks noGrp="1" noRot="1" noChangeAspect="1" noMove="1" noResize="1" noEditPoints="1" noAdjustHandles="1" noChangeArrowheads="1" noChangeShapeType="1" noTextEdit="1"/>
+              </p:cNvSpPr>
+              <p:nvPr>
+                <p:ph idx="1"/>
+              </p:nvPr>
+            </p:nvSpPr>
+            <p:spPr>
+              <a:xfrm>
+                <a:off x="838200" y="1541417"/>
+                <a:ext cx="10515600" cy="4635546"/>
+              </a:xfrm>
+              <a:blipFill>
+                <a:blip r:embed="rId2"/>
+                <a:stretch>
+                  <a:fillRect l="-1217" t="-2237"/>
+                </a:stretch>
+              </a:blipFill>
+            </p:spPr>
+            <p:txBody>
+              <a:bodyPr/>
+              <a:lstStyle/>
+              <a:p>
+                <a:r>
+                  <a:rPr lang="en-US">
+                    <a:noFill/>
+                  </a:rPr>
+                  <a:t> </a:t>
+                </a:r>
+              </a:p>
+            </p:txBody>
+          </p:sp>
+        </mc:Fallback>
+      </mc:AlternateContent>
+      <p:sp>
+        <p:nvSpPr>
+          <p:cNvPr id="6" name="Title 1">
+            <a:extLst>
+              <a:ext uri="{FF2B5EF4-FFF2-40B4-BE49-F238E27FC236}">
+                <a16:creationId xmlns:a16="http://schemas.microsoft.com/office/drawing/2014/main" id="{CD29F70F-B868-451B-A65D-8721F4C7A2D9}"/>
+              </a:ext>
+            </a:extLst>
+          </p:cNvPr>
+          <p:cNvSpPr txBox="1">
+            <a:spLocks/>
+          </p:cNvSpPr>
+          <p:nvPr/>
+        </p:nvSpPr>
+        <p:spPr>
+          <a:xfrm>
+            <a:off x="838200" y="-635"/>
+            <a:ext cx="10515600" cy="1325563"/>
+          </a:xfrm>
+          <a:prstGeom prst="rect">
+            <a:avLst/>
+          </a:prstGeom>
+        </p:spPr>
+        <p:txBody>
+          <a:bodyPr vert="horz" lIns="91440" tIns="45720" rIns="91440" bIns="45720" rtlCol="0" anchor="ctr">
+            <a:normAutofit/>
+          </a:bodyPr>
+          <a:lstStyle>
+            <a:lvl1pPr algn="l" defTabSz="914400" rtl="0" eaLnBrk="1" latinLnBrk="0" hangingPunct="1">
+              <a:lnSpc>
+                <a:spcPct val="90000"/>
+              </a:lnSpc>
+              <a:spcBef>
+                <a:spcPct val="0"/>
+              </a:spcBef>
+              <a:buNone/>
+              <a:defRPr sz="4400" kern="1200">
+                <a:solidFill>
+                  <a:schemeClr val="tx1"/>
+                </a:solidFill>
+                <a:latin typeface="+mj-lt"/>
+                <a:ea typeface="+mj-ea"/>
+                <a:cs typeface="+mj-cs"/>
+              </a:defRPr>
+            </a:lvl1pPr>
+          </a:lstStyle>
+          <a:p>
+            <a:r>
+              <a:rPr lang="en-US" dirty="0">
+                <a:latin typeface="+mn-lt"/>
+              </a:rPr>
+              <a:t>Introduction to key-value indexing</a:t>
+            </a:r>
+          </a:p>
+        </p:txBody>
+      </p:sp>
+    </p:spTree>
+    <p:extLst>
+      <p:ext uri="{BB962C8B-B14F-4D97-AF65-F5344CB8AC3E}">
+        <p14:creationId xmlns:p14="http://schemas.microsoft.com/office/powerpoint/2010/main" val="1970960301"/>
+      </p:ext>
+    </p:extLst>
+  </p:cSld>
+  <p:clrMapOvr>
+    <a:masterClrMapping/>
+  </p:clrMapOvr>
+  <p:timing>
+    <p:tnLst>
+      <p:par>
+        <p:cTn id="1" dur="indefinite" restart="never" nodeType="tmRoot">
+          <p:childTnLst>
+            <p:seq concurrent="1" nextAc="seek">
+              <p:cTn id="2" dur="indefinite" nodeType="mainSeq">
+                <p:childTnLst>
+                  <p:par>
+                    <p:cTn id="3" fill="hold">
+                      <p:stCondLst>
+                        <p:cond delay="indefinite"/>
+                      </p:stCondLst>
+                      <p:childTnLst>
+                        <p:par>
+                          <p:cTn id="4" fill="hold">
+                            <p:stCondLst>
+                              <p:cond delay="0"/>
+                            </p:stCondLst>
+                            <p:childTnLst>
+                              <p:par>
+                                <p:cTn id="5" presetID="1" presetClass="entr" presetSubtype="0" fill="hold" nodeType="clickEffect">
+                                  <p:stCondLst>
+                                    <p:cond delay="0"/>
+                                  </p:stCondLst>
+                                  <p:childTnLst>
+                                    <p:set>
+                                      <p:cBhvr>
+                                        <p:cTn id="6" dur="1" fill="hold">
+                                          <p:stCondLst>
+                                            <p:cond delay="0"/>
+                                          </p:stCondLst>
+                                        </p:cTn>
+                                        <p:tgtEl>
+                                          <p:spTgt spid="3">
+                                            <p:txEl>
+                                              <p:pRg st="1" end="1"/>
+                                            </p:txEl>
+                                          </p:spTgt>
+                                        </p:tgtEl>
+                                        <p:attrNameLst>
+                                          <p:attrName>style.visibility</p:attrName>
+                                        </p:attrNameLst>
+                                      </p:cBhvr>
+                                      <p:to>
+                                        <p:strVal val="visible"/>
+                                      </p:to>
+                                    </p:set>
+                                  </p:childTnLst>
+                                </p:cTn>
+                              </p:par>
+                            </p:childTnLst>
+                          </p:cTn>
+                        </p:par>
+                      </p:childTnLst>
+                    </p:cTn>
+                  </p:par>
+                  <p:par>
+                    <p:cTn id="7" fill="hold">
+                      <p:stCondLst>
+                        <p:cond delay="indefinite"/>
+                      </p:stCondLst>
+                      <p:childTnLst>
+                        <p:par>
+                          <p:cTn id="8" fill="hold">
+                            <p:stCondLst>
+                              <p:cond delay="0"/>
+                            </p:stCondLst>
+                            <p:childTnLst>
+                              <p:par>
+                                <p:cTn id="9" presetID="1" presetClass="entr" presetSubtype="0" fill="hold" nodeType="clickEffect">
+                                  <p:stCondLst>
+                                    <p:cond delay="0"/>
+                                  </p:stCondLst>
+                                  <p:childTnLst>
+                                    <p:set>
+                                      <p:cBhvr>
+                                        <p:cTn id="10" dur="1" fill="hold">
+                                          <p:stCondLst>
+                                            <p:cond delay="0"/>
+                                          </p:stCondLst>
+                                        </p:cTn>
+                                        <p:tgtEl>
+                                          <p:spTgt spid="3">
+                                            <p:txEl>
+                                              <p:pRg st="2" end="2"/>
+                                            </p:txEl>
+                                          </p:spTgt>
+                                        </p:tgtEl>
+                                        <p:attrNameLst>
+                                          <p:attrName>style.visibility</p:attrName>
+                                        </p:attrNameLst>
+                                      </p:cBhvr>
+                                      <p:to>
+                                        <p:strVal val="visible"/>
+                                      </p:to>
+                                    </p:set>
+                                  </p:childTnLst>
+                                </p:cTn>
+                              </p:par>
+                              <p:par>
+                                <p:cTn id="11" presetID="1" presetClass="entr" presetSubtype="0" fill="hold" nodeType="withEffect">
+                                  <p:stCondLst>
+                                    <p:cond delay="0"/>
+                                  </p:stCondLst>
+                                  <p:childTnLst>
+                                    <p:set>
+                                      <p:cBhvr>
+                                        <p:cTn id="12" dur="1" fill="hold">
+                                          <p:stCondLst>
+                                            <p:cond delay="0"/>
+                                          </p:stCondLst>
+                                        </p:cTn>
+                                        <p:tgtEl>
+                                          <p:spTgt spid="3">
+                                            <p:txEl>
+                                              <p:pRg st="3" end="3"/>
+                                            </p:txEl>
+                                          </p:spTgt>
+                                        </p:tgtEl>
+                                        <p:attrNameLst>
+                                          <p:attrName>style.visibility</p:attrName>
+                                        </p:attrNameLst>
+                                      </p:cBhvr>
+                                      <p:to>
+                                        <p:strVal val="visible"/>
+                                      </p:to>
+                                    </p:set>
+                                  </p:childTnLst>
+                                </p:cTn>
+                              </p:par>
+                              <p:par>
+                                <p:cTn id="13" presetID="1" presetClass="entr" presetSubtype="0" fill="hold" nodeType="withEffect">
+                                  <p:stCondLst>
+                                    <p:cond delay="0"/>
+                                  </p:stCondLst>
+                                  <p:childTnLst>
+                                    <p:set>
+                                      <p:cBhvr>
+                                        <p:cTn id="14" dur="1" fill="hold">
+                                          <p:stCondLst>
+                                            <p:cond delay="0"/>
+                                          </p:stCondLst>
+                                        </p:cTn>
+                                        <p:tgtEl>
+                                          <p:spTgt spid="3">
+                                            <p:txEl>
+                                              <p:pRg st="4" end="4"/>
+                                            </p:txEl>
+                                          </p:spTgt>
+                                        </p:tgtEl>
+                                        <p:attrNameLst>
+                                          <p:attrName>style.visibility</p:attrName>
+                                        </p:attrNameLst>
+                                      </p:cBhvr>
+                                      <p:to>
+                                        <p:strVal val="visible"/>
+                                      </p:to>
+                                    </p:set>
+                                  </p:childTnLst>
+                                </p:cTn>
+                              </p:par>
+                              <p:par>
+                                <p:cTn id="15" presetID="1" presetClass="entr" presetSubtype="0" fill="hold" nodeType="withEffect">
+                                  <p:stCondLst>
+                                    <p:cond delay="0"/>
+                                  </p:stCondLst>
+                                  <p:childTnLst>
+                                    <p:set>
+                                      <p:cBhvr>
+                                        <p:cTn id="16" dur="1" fill="hold">
+                                          <p:stCondLst>
+                                            <p:cond delay="0"/>
+                                          </p:stCondLst>
+                                        </p:cTn>
+                                        <p:tgtEl>
+                                          <p:spTgt spid="3">
+                                            <p:txEl>
+                                              <p:pRg st="5" end="5"/>
+                                            </p:txEl>
+                                          </p:spTgt>
+                                        </p:tgtEl>
+                                        <p:attrNameLst>
+                                          <p:attrName>style.visibility</p:attrName>
+                                        </p:attrNameLst>
+                                      </p:cBhvr>
+                                      <p:to>
+                                        <p:strVal val="visible"/>
+                                      </p:to>
+                                    </p:set>
+                                  </p:childTnLst>
+                                </p:cTn>
+                              </p:par>
+                            </p:childTnLst>
+                          </p:cTn>
+                        </p:par>
+                      </p:childTnLst>
+                    </p:cTn>
+                  </p:par>
+                  <p:par>
+                    <p:cTn id="17" fill="hold">
+                      <p:stCondLst>
+                        <p:cond delay="indefinite"/>
+                      </p:stCondLst>
+                      <p:childTnLst>
+                        <p:par>
+                          <p:cTn id="18" fill="hold">
+                            <p:stCondLst>
+                              <p:cond delay="0"/>
+                            </p:stCondLst>
+                            <p:childTnLst>
+                              <p:par>
+                                <p:cTn id="19" presetID="1" presetClass="entr" presetSubtype="0" fill="hold" nodeType="clickEffect">
+                                  <p:stCondLst>
+                                    <p:cond delay="0"/>
+                                  </p:stCondLst>
+                                  <p:childTnLst>
+                                    <p:set>
+                                      <p:cBhvr>
+                                        <p:cTn id="20" dur="1" fill="hold">
+                                          <p:stCondLst>
+                                            <p:cond delay="0"/>
+                                          </p:stCondLst>
+                                        </p:cTn>
+                                        <p:tgtEl>
+                                          <p:spTgt spid="3">
+                                            <p:txEl>
+                                              <p:pRg st="6" end="6"/>
+                                            </p:txEl>
+                                          </p:spTgt>
+                                        </p:tgtEl>
+                                        <p:attrNameLst>
+                                          <p:attrName>style.visibility</p:attrName>
+                                        </p:attrNameLst>
+                                      </p:cBhvr>
+                                      <p:to>
+                                        <p:strVal val="visible"/>
+                                      </p:to>
+                                    </p:set>
+                                  </p:childTnLst>
+                                </p:cTn>
+                              </p:par>
+                            </p:childTnLst>
+                          </p:cTn>
+                        </p:par>
+                      </p:childTnLst>
+                    </p:cTn>
+                  </p:par>
+                  <p:par>
+                    <p:cTn id="21" fill="hold">
+                      <p:stCondLst>
+                        <p:cond delay="indefinite"/>
+                      </p:stCondLst>
+                      <p:childTnLst>
+                        <p:par>
+                          <p:cTn id="22" fill="hold">
+                            <p:stCondLst>
+                              <p:cond delay="0"/>
+                            </p:stCondLst>
+                            <p:childTnLst>
+                              <p:par>
+                                <p:cTn id="23" presetID="1" presetClass="entr" presetSubtype="0" fill="hold" nodeType="clickEffect">
+                                  <p:stCondLst>
+                                    <p:cond delay="0"/>
+                                  </p:stCondLst>
+                                  <p:childTnLst>
+                                    <p:set>
+                                      <p:cBhvr>
+                                        <p:cTn id="24" dur="1" fill="hold">
+                                          <p:stCondLst>
+                                            <p:cond delay="0"/>
+                                          </p:stCondLst>
+                                        </p:cTn>
+                                        <p:tgtEl>
+                                          <p:spTgt spid="3">
+                                            <p:txEl>
+                                              <p:pRg st="7" end="7"/>
+                                            </p:txEl>
+                                          </p:spTgt>
+                                        </p:tgtEl>
+                                        <p:attrNameLst>
+                                          <p:attrName>style.visibility</p:attrName>
+                                        </p:attrNameLst>
+                                      </p:cBhvr>
+                                      <p:to>
+                                        <p:strVal val="visible"/>
+                                      </p:to>
+                                    </p:set>
+                                  </p:childTnLst>
+                                </p:cTn>
+                              </p:par>
+                            </p:childTnLst>
+                          </p:cTn>
+                        </p:par>
+                      </p:childTnLst>
+                    </p:cTn>
+                  </p:par>
+                </p:childTnLst>
+              </p:cTn>
+              <p:prevCondLst>
+                <p:cond evt="onPrev" delay="0">
+                  <p:tgtEl>
+                    <p:sldTgt/>
+                  </p:tgtEl>
+                </p:cond>
+              </p:prevCondLst>
+              <p:nextCondLst>
+                <p:cond evt="onNext" delay="0">
+                  <p:tgtEl>
+                    <p:sldTgt/>
+                  </p:tgtEl>
+                </p:cond>
+              </p:nextCondLst>
+            </p:seq>
+          </p:childTnLst>
+        </p:cTn>
+      </p:par>
+    </p:tnLst>
+  </p:timing>
+</p:sld>
+</file>
+
+<file path=ppt/slides/slide31.xml><?xml version="1.0" encoding="utf-8"?>
+<p:sld xmlns:a="http://schemas.openxmlformats.org/drawingml/2006/main" xmlns:r="http://schemas.openxmlformats.org/officeDocument/2006/relationships" xmlns:p="http://schemas.openxmlformats.org/presentationml/2006/main">
+  <p:cSld>
+    <p:spTree>
+      <p:nvGrpSpPr>
+        <p:cNvPr id="1" name=""/>
+        <p:cNvGrpSpPr/>
+        <p:nvPr/>
+      </p:nvGrpSpPr>
+      <p:grpSpPr>
+        <a:xfrm>
+          <a:off x="0" y="0"/>
+          <a:ext cx="0" cy="0"/>
+          <a:chOff x="0" y="0"/>
+          <a:chExt cx="0" cy="0"/>
+        </a:xfrm>
+      </p:grpSpPr>
       <p:sp>
         <p:nvSpPr>
           <p:cNvPr id="3" name="Content Placeholder 2">
@@ -15578,7 +15779,7 @@
 </p:sld>
 </file>
 
-<file path=ppt/slides/slide31.xml><?xml version="1.0" encoding="utf-8"?>
+<file path=ppt/slides/slide32.xml><?xml version="1.0" encoding="utf-8"?>
 <p:sld xmlns:a="http://schemas.openxmlformats.org/drawingml/2006/main" xmlns:r="http://schemas.openxmlformats.org/officeDocument/2006/relationships" xmlns:p="http://schemas.openxmlformats.org/presentationml/2006/main">
   <p:cSld>
     <p:spTree>
@@ -16414,7 +16615,7 @@
 </p:sld>
 </file>
 
-<file path=ppt/slides/slide32.xml><?xml version="1.0" encoding="utf-8"?>
+<file path=ppt/slides/slide33.xml><?xml version="1.0" encoding="utf-8"?>
 <p:sld xmlns:a="http://schemas.openxmlformats.org/drawingml/2006/main" xmlns:r="http://schemas.openxmlformats.org/officeDocument/2006/relationships" xmlns:p="http://schemas.openxmlformats.org/presentationml/2006/main">
   <p:cSld>
     <p:spTree>
@@ -18786,7 +18987,7 @@
 </p:sld>
 </file>
 
-<file path=ppt/slides/slide33.xml><?xml version="1.0" encoding="utf-8"?>
+<file path=ppt/slides/slide34.xml><?xml version="1.0" encoding="utf-8"?>
 <p:sld xmlns:a="http://schemas.openxmlformats.org/drawingml/2006/main" xmlns:r="http://schemas.openxmlformats.org/officeDocument/2006/relationships" xmlns:p="http://schemas.openxmlformats.org/presentationml/2006/main">
   <p:cSld>
     <p:spTree>
@@ -18846,7 +19047,7 @@
 </p:sld>
 </file>
 
-<file path=ppt/slides/slide34.xml><?xml version="1.0" encoding="utf-8"?>
+<file path=ppt/slides/slide35.xml><?xml version="1.0" encoding="utf-8"?>
 <p:sld xmlns:a="http://schemas.openxmlformats.org/drawingml/2006/main" xmlns:r="http://schemas.openxmlformats.org/officeDocument/2006/relationships" xmlns:p="http://schemas.openxmlformats.org/presentationml/2006/main">
   <p:cSld>
     <p:spTree>
@@ -19483,7 +19684,7 @@
 </p:sld>
 </file>
 
-<file path=ppt/slides/slide35.xml><?xml version="1.0" encoding="utf-8"?>
+<file path=ppt/slides/slide36.xml><?xml version="1.0" encoding="utf-8"?>
 <p:sld xmlns:a="http://schemas.openxmlformats.org/drawingml/2006/main" xmlns:r="http://schemas.openxmlformats.org/officeDocument/2006/relationships" xmlns:p="http://schemas.openxmlformats.org/presentationml/2006/main">
   <p:cSld>
     <p:spTree>
@@ -22400,7 +22601,7 @@
 </p:sld>
 </file>
 
-<file path=ppt/slides/slide36.xml><?xml version="1.0" encoding="utf-8"?>
+<file path=ppt/slides/slide37.xml><?xml version="1.0" encoding="utf-8"?>
 <p:sld xmlns:a="http://schemas.openxmlformats.org/drawingml/2006/main" xmlns:r="http://schemas.openxmlformats.org/officeDocument/2006/relationships" xmlns:p="http://schemas.openxmlformats.org/presentationml/2006/main">
   <p:cSld>
     <p:spTree>
@@ -25275,7 +25476,7 @@
 </p:sld>
 </file>
 
-<file path=ppt/slides/slide37.xml><?xml version="1.0" encoding="utf-8"?>
+<file path=ppt/slides/slide38.xml><?xml version="1.0" encoding="utf-8"?>
 <p:sld xmlns:a="http://schemas.openxmlformats.org/drawingml/2006/main" xmlns:r="http://schemas.openxmlformats.org/officeDocument/2006/relationships" xmlns:p="http://schemas.openxmlformats.org/presentationml/2006/main">
   <p:cSld>
     <p:spTree>
@@ -25683,7 +25884,7 @@
 </p:sld>
 </file>
 
-<file path=ppt/slides/slide38.xml><?xml version="1.0" encoding="utf-8"?>
+<file path=ppt/slides/slide39.xml><?xml version="1.0" encoding="utf-8"?>
 <p:sld xmlns:a="http://schemas.openxmlformats.org/drawingml/2006/main" xmlns:r="http://schemas.openxmlformats.org/officeDocument/2006/relationships" xmlns:p="http://schemas.openxmlformats.org/presentationml/2006/main">
   <p:cSld>
     <p:spTree>
@@ -26146,7 +26347,496 @@
 </p:sld>
 </file>
 
-<file path=ppt/slides/slide39.xml><?xml version="1.0" encoding="utf-8"?>
+<file path=ppt/slides/slide4.xml><?xml version="1.0" encoding="utf-8"?>
+<p:sld xmlns:a="http://schemas.openxmlformats.org/drawingml/2006/main" xmlns:r="http://schemas.openxmlformats.org/officeDocument/2006/relationships" xmlns:p="http://schemas.openxmlformats.org/presentationml/2006/main">
+  <p:cSld>
+    <p:spTree>
+      <p:nvGrpSpPr>
+        <p:cNvPr id="1" name=""/>
+        <p:cNvGrpSpPr/>
+        <p:nvPr/>
+      </p:nvGrpSpPr>
+      <p:grpSpPr>
+        <a:xfrm>
+          <a:off x="0" y="0"/>
+          <a:ext cx="0" cy="0"/>
+          <a:chOff x="0" y="0"/>
+          <a:chExt cx="0" cy="0"/>
+        </a:xfrm>
+      </p:grpSpPr>
+      <p:sp>
+        <p:nvSpPr>
+          <p:cNvPr id="3" name="Content Placeholder 2">
+            <a:extLst>
+              <a:ext uri="{FF2B5EF4-FFF2-40B4-BE49-F238E27FC236}">
+                <a16:creationId xmlns:a16="http://schemas.microsoft.com/office/drawing/2014/main" id="{258E6AF3-7615-4BD1-878E-A94C93E98F90}"/>
+              </a:ext>
+            </a:extLst>
+          </p:cNvPr>
+          <p:cNvSpPr>
+            <a:spLocks noGrp="1"/>
+          </p:cNvSpPr>
+          <p:nvPr>
+            <p:ph idx="1"/>
+          </p:nvPr>
+        </p:nvSpPr>
+        <p:spPr/>
+        <p:txBody>
+          <a:bodyPr/>
+          <a:lstStyle/>
+          <a:p>
+            <a:pPr marL="0" indent="0">
+              <a:buNone/>
+            </a:pPr>
+            <a:r>
+              <a:rPr lang="en-US" dirty="0"/>
+              <a:t>Data mining (KDD) is generally performed at </a:t>
+            </a:r>
+            <a:r>
+              <a:rPr lang="en-US" b="1" dirty="0"/>
+              <a:t>large scale </a:t>
+            </a:r>
+          </a:p>
+          <a:p>
+            <a:r>
+              <a:rPr lang="en-US" dirty="0"/>
+              <a:t>Dataset size has grown nearly exponentially  </a:t>
+            </a:r>
+          </a:p>
+          <a:p>
+            <a:r>
+              <a:rPr lang="en-US" dirty="0"/>
+              <a:t>More importantly, </a:t>
+            </a:r>
+            <a:r>
+              <a:rPr lang="en-US" b="1" dirty="0"/>
+              <a:t>dataset and problem complexity has grown</a:t>
+            </a:r>
+          </a:p>
+          <a:p>
+            <a:r>
+              <a:rPr lang="en-US" dirty="0"/>
+              <a:t>Data mining is at the intersection of several subjects   </a:t>
+            </a:r>
+          </a:p>
+          <a:p>
+            <a:pPr lvl="1"/>
+            <a:r>
+              <a:rPr lang="en-US" b="1" dirty="0"/>
+              <a:t>Statistics:</a:t>
+            </a:r>
+            <a:r>
+              <a:rPr lang="en-US" dirty="0"/>
+              <a:t> What of significance can we learn from the data? </a:t>
+            </a:r>
+          </a:p>
+          <a:p>
+            <a:pPr lvl="1"/>
+            <a:r>
+              <a:rPr lang="en-US" b="1" dirty="0"/>
+              <a:t>Mathematics:</a:t>
+            </a:r>
+            <a:r>
+              <a:rPr lang="en-US" dirty="0"/>
+              <a:t> How do we represent a model of the data as, say, a graph?</a:t>
+            </a:r>
+          </a:p>
+          <a:p>
+            <a:pPr lvl="1"/>
+            <a:r>
+              <a:rPr lang="en-US" b="1" dirty="0"/>
+              <a:t>Algorithms: </a:t>
+            </a:r>
+            <a:r>
+              <a:rPr lang="en-US" dirty="0"/>
+              <a:t>How do we efficiently find important relationships in massive datasets? </a:t>
+            </a:r>
+          </a:p>
+          <a:p>
+            <a:pPr lvl="1"/>
+            <a:r>
+              <a:rPr lang="en-US" b="1" dirty="0"/>
+              <a:t>Technology:</a:t>
+            </a:r>
+            <a:r>
+              <a:rPr lang="en-US" dirty="0"/>
+              <a:t> How do we manage and process massive datasets? </a:t>
+            </a:r>
+            <a:endParaRPr lang="en-US" b="1" dirty="0"/>
+          </a:p>
+        </p:txBody>
+      </p:sp>
+      <p:sp>
+        <p:nvSpPr>
+          <p:cNvPr id="6" name="Title 1">
+            <a:extLst>
+              <a:ext uri="{FF2B5EF4-FFF2-40B4-BE49-F238E27FC236}">
+                <a16:creationId xmlns:a16="http://schemas.microsoft.com/office/drawing/2014/main" id="{CD29F70F-B868-451B-A65D-8721F4C7A2D9}"/>
+              </a:ext>
+            </a:extLst>
+          </p:cNvPr>
+          <p:cNvSpPr txBox="1">
+            <a:spLocks/>
+          </p:cNvSpPr>
+          <p:nvPr/>
+        </p:nvSpPr>
+        <p:spPr>
+          <a:xfrm>
+            <a:off x="838200" y="-635"/>
+            <a:ext cx="10515600" cy="1325563"/>
+          </a:xfrm>
+          <a:prstGeom prst="rect">
+            <a:avLst/>
+          </a:prstGeom>
+        </p:spPr>
+        <p:txBody>
+          <a:bodyPr vert="horz" lIns="91440" tIns="45720" rIns="91440" bIns="45720" rtlCol="0" anchor="ctr">
+            <a:normAutofit/>
+          </a:bodyPr>
+          <a:lstStyle>
+            <a:lvl1pPr algn="l" defTabSz="914400" rtl="0" eaLnBrk="1" latinLnBrk="0" hangingPunct="1">
+              <a:lnSpc>
+                <a:spcPct val="90000"/>
+              </a:lnSpc>
+              <a:spcBef>
+                <a:spcPct val="0"/>
+              </a:spcBef>
+              <a:buNone/>
+              <a:defRPr sz="4400" kern="1200">
+                <a:solidFill>
+                  <a:schemeClr val="tx1"/>
+                </a:solidFill>
+                <a:latin typeface="+mj-lt"/>
+                <a:ea typeface="+mj-ea"/>
+                <a:cs typeface="+mj-cs"/>
+              </a:defRPr>
+            </a:lvl1pPr>
+          </a:lstStyle>
+          <a:p>
+            <a:r>
+              <a:rPr lang="en-US" dirty="0">
+                <a:latin typeface="+mn-lt"/>
+              </a:rPr>
+              <a:t>What is data mining?</a:t>
+            </a:r>
+          </a:p>
+        </p:txBody>
+      </p:sp>
+    </p:spTree>
+    <p:extLst>
+      <p:ext uri="{BB962C8B-B14F-4D97-AF65-F5344CB8AC3E}">
+        <p14:creationId xmlns:p14="http://schemas.microsoft.com/office/powerpoint/2010/main" val="69986985"/>
+      </p:ext>
+    </p:extLst>
+  </p:cSld>
+  <p:clrMapOvr>
+    <a:masterClrMapping/>
+  </p:clrMapOvr>
+  <p:timing>
+    <p:tnLst>
+      <p:par>
+        <p:cTn id="1" dur="indefinite" restart="never" nodeType="tmRoot">
+          <p:childTnLst>
+            <p:seq concurrent="1" nextAc="seek">
+              <p:cTn id="2" dur="indefinite" nodeType="mainSeq">
+                <p:childTnLst>
+                  <p:par>
+                    <p:cTn id="3" fill="hold">
+                      <p:stCondLst>
+                        <p:cond delay="indefinite"/>
+                      </p:stCondLst>
+                      <p:childTnLst>
+                        <p:par>
+                          <p:cTn id="4" fill="hold">
+                            <p:stCondLst>
+                              <p:cond delay="0"/>
+                            </p:stCondLst>
+                            <p:childTnLst>
+                              <p:par>
+                                <p:cTn id="5" presetID="1" presetClass="entr" presetSubtype="0" fill="hold" nodeType="clickEffect">
+                                  <p:stCondLst>
+                                    <p:cond delay="0"/>
+                                  </p:stCondLst>
+                                  <p:childTnLst>
+                                    <p:set>
+                                      <p:cBhvr>
+                                        <p:cTn id="6" dur="1" fill="hold">
+                                          <p:stCondLst>
+                                            <p:cond delay="0"/>
+                                          </p:stCondLst>
+                                        </p:cTn>
+                                        <p:tgtEl>
+                                          <p:spTgt spid="3">
+                                            <p:txEl>
+                                              <p:pRg st="1" end="1"/>
+                                            </p:txEl>
+                                          </p:spTgt>
+                                        </p:tgtEl>
+                                        <p:attrNameLst>
+                                          <p:attrName>style.visibility</p:attrName>
+                                        </p:attrNameLst>
+                                      </p:cBhvr>
+                                      <p:to>
+                                        <p:strVal val="visible"/>
+                                      </p:to>
+                                    </p:set>
+                                  </p:childTnLst>
+                                </p:cTn>
+                              </p:par>
+                            </p:childTnLst>
+                          </p:cTn>
+                        </p:par>
+                      </p:childTnLst>
+                    </p:cTn>
+                  </p:par>
+                  <p:par>
+                    <p:cTn id="7" fill="hold">
+                      <p:stCondLst>
+                        <p:cond delay="indefinite"/>
+                      </p:stCondLst>
+                      <p:childTnLst>
+                        <p:par>
+                          <p:cTn id="8" fill="hold">
+                            <p:stCondLst>
+                              <p:cond delay="0"/>
+                            </p:stCondLst>
+                            <p:childTnLst>
+                              <p:par>
+                                <p:cTn id="9" presetID="1" presetClass="entr" presetSubtype="0" fill="hold" nodeType="clickEffect">
+                                  <p:stCondLst>
+                                    <p:cond delay="0"/>
+                                  </p:stCondLst>
+                                  <p:childTnLst>
+                                    <p:set>
+                                      <p:cBhvr>
+                                        <p:cTn id="10" dur="1" fill="hold">
+                                          <p:stCondLst>
+                                            <p:cond delay="0"/>
+                                          </p:stCondLst>
+                                        </p:cTn>
+                                        <p:tgtEl>
+                                          <p:spTgt spid="3">
+                                            <p:txEl>
+                                              <p:pRg st="2" end="2"/>
+                                            </p:txEl>
+                                          </p:spTgt>
+                                        </p:tgtEl>
+                                        <p:attrNameLst>
+                                          <p:attrName>style.visibility</p:attrName>
+                                        </p:attrNameLst>
+                                      </p:cBhvr>
+                                      <p:to>
+                                        <p:strVal val="visible"/>
+                                      </p:to>
+                                    </p:set>
+                                  </p:childTnLst>
+                                </p:cTn>
+                              </p:par>
+                            </p:childTnLst>
+                          </p:cTn>
+                        </p:par>
+                      </p:childTnLst>
+                    </p:cTn>
+                  </p:par>
+                  <p:par>
+                    <p:cTn id="11" fill="hold">
+                      <p:stCondLst>
+                        <p:cond delay="indefinite"/>
+                      </p:stCondLst>
+                      <p:childTnLst>
+                        <p:par>
+                          <p:cTn id="12" fill="hold">
+                            <p:stCondLst>
+                              <p:cond delay="0"/>
+                            </p:stCondLst>
+                            <p:childTnLst>
+                              <p:par>
+                                <p:cTn id="13" presetID="1" presetClass="entr" presetSubtype="0" fill="hold" nodeType="clickEffect">
+                                  <p:stCondLst>
+                                    <p:cond delay="0"/>
+                                  </p:stCondLst>
+                                  <p:childTnLst>
+                                    <p:set>
+                                      <p:cBhvr>
+                                        <p:cTn id="14" dur="1" fill="hold">
+                                          <p:stCondLst>
+                                            <p:cond delay="0"/>
+                                          </p:stCondLst>
+                                        </p:cTn>
+                                        <p:tgtEl>
+                                          <p:spTgt spid="3">
+                                            <p:txEl>
+                                              <p:pRg st="3" end="3"/>
+                                            </p:txEl>
+                                          </p:spTgt>
+                                        </p:tgtEl>
+                                        <p:attrNameLst>
+                                          <p:attrName>style.visibility</p:attrName>
+                                        </p:attrNameLst>
+                                      </p:cBhvr>
+                                      <p:to>
+                                        <p:strVal val="visible"/>
+                                      </p:to>
+                                    </p:set>
+                                  </p:childTnLst>
+                                </p:cTn>
+                              </p:par>
+                              <p:par>
+                                <p:cTn id="15" presetID="1" presetClass="entr" presetSubtype="0" fill="hold" nodeType="withEffect">
+                                  <p:stCondLst>
+                                    <p:cond delay="0"/>
+                                  </p:stCondLst>
+                                  <p:childTnLst>
+                                    <p:set>
+                                      <p:cBhvr>
+                                        <p:cTn id="16" dur="1" fill="hold">
+                                          <p:stCondLst>
+                                            <p:cond delay="0"/>
+                                          </p:stCondLst>
+                                        </p:cTn>
+                                        <p:tgtEl>
+                                          <p:spTgt spid="3">
+                                            <p:txEl>
+                                              <p:pRg st="4" end="4"/>
+                                            </p:txEl>
+                                          </p:spTgt>
+                                        </p:tgtEl>
+                                        <p:attrNameLst>
+                                          <p:attrName>style.visibility</p:attrName>
+                                        </p:attrNameLst>
+                                      </p:cBhvr>
+                                      <p:to>
+                                        <p:strVal val="visible"/>
+                                      </p:to>
+                                    </p:set>
+                                  </p:childTnLst>
+                                </p:cTn>
+                              </p:par>
+                              <p:par>
+                                <p:cTn id="17" presetID="1" presetClass="entr" presetSubtype="0" fill="hold" nodeType="withEffect">
+                                  <p:stCondLst>
+                                    <p:cond delay="0"/>
+                                  </p:stCondLst>
+                                  <p:childTnLst>
+                                    <p:set>
+                                      <p:cBhvr>
+                                        <p:cTn id="18" dur="1" fill="hold">
+                                          <p:stCondLst>
+                                            <p:cond delay="0"/>
+                                          </p:stCondLst>
+                                        </p:cTn>
+                                        <p:tgtEl>
+                                          <p:spTgt spid="3">
+                                            <p:txEl>
+                                              <p:pRg st="5" end="5"/>
+                                            </p:txEl>
+                                          </p:spTgt>
+                                        </p:tgtEl>
+                                        <p:attrNameLst>
+                                          <p:attrName>style.visibility</p:attrName>
+                                        </p:attrNameLst>
+                                      </p:cBhvr>
+                                      <p:to>
+                                        <p:strVal val="visible"/>
+                                      </p:to>
+                                    </p:set>
+                                  </p:childTnLst>
+                                </p:cTn>
+                              </p:par>
+                              <p:par>
+                                <p:cTn id="19" presetID="1" presetClass="entr" presetSubtype="0" fill="hold" nodeType="withEffect">
+                                  <p:stCondLst>
+                                    <p:cond delay="0"/>
+                                  </p:stCondLst>
+                                  <p:childTnLst>
+                                    <p:set>
+                                      <p:cBhvr>
+                                        <p:cTn id="20" dur="1" fill="hold">
+                                          <p:stCondLst>
+                                            <p:cond delay="0"/>
+                                          </p:stCondLst>
+                                        </p:cTn>
+                                        <p:tgtEl>
+                                          <p:spTgt spid="3">
+                                            <p:txEl>
+                                              <p:pRg st="6" end="6"/>
+                                            </p:txEl>
+                                          </p:spTgt>
+                                        </p:tgtEl>
+                                        <p:attrNameLst>
+                                          <p:attrName>style.visibility</p:attrName>
+                                        </p:attrNameLst>
+                                      </p:cBhvr>
+                                      <p:to>
+                                        <p:strVal val="visible"/>
+                                      </p:to>
+                                    </p:set>
+                                  </p:childTnLst>
+                                </p:cTn>
+                              </p:par>
+                              <p:par>
+                                <p:cTn id="21" presetID="1" presetClass="entr" presetSubtype="0" fill="hold" nodeType="withEffect">
+                                  <p:stCondLst>
+                                    <p:cond delay="0"/>
+                                  </p:stCondLst>
+                                  <p:childTnLst>
+                                    <p:set>
+                                      <p:cBhvr>
+                                        <p:cTn id="22" dur="1" fill="hold">
+                                          <p:stCondLst>
+                                            <p:cond delay="0"/>
+                                          </p:stCondLst>
+                                        </p:cTn>
+                                        <p:tgtEl>
+                                          <p:spTgt spid="3">
+                                            <p:txEl>
+                                              <p:pRg st="7" end="7"/>
+                                            </p:txEl>
+                                          </p:spTgt>
+                                        </p:tgtEl>
+                                        <p:attrNameLst>
+                                          <p:attrName>style.visibility</p:attrName>
+                                        </p:attrNameLst>
+                                      </p:cBhvr>
+                                      <p:to>
+                                        <p:strVal val="visible"/>
+                                      </p:to>
+                                    </p:set>
+                                  </p:childTnLst>
+                                </p:cTn>
+                              </p:par>
+                            </p:childTnLst>
+                          </p:cTn>
+                        </p:par>
+                      </p:childTnLst>
+                    </p:cTn>
+                  </p:par>
+                </p:childTnLst>
+              </p:cTn>
+              <p:prevCondLst>
+                <p:cond evt="onPrev" delay="0">
+                  <p:tgtEl>
+                    <p:sldTgt/>
+                  </p:tgtEl>
+                </p:cond>
+              </p:prevCondLst>
+              <p:nextCondLst>
+                <p:cond evt="onNext" delay="0">
+                  <p:tgtEl>
+                    <p:sldTgt/>
+                  </p:tgtEl>
+                </p:cond>
+              </p:nextCondLst>
+            </p:seq>
+          </p:childTnLst>
+        </p:cTn>
+      </p:par>
+    </p:tnLst>
+  </p:timing>
+</p:sld>
+</file>
+
+<file path=ppt/slides/slide40.xml><?xml version="1.0" encoding="utf-8"?>
 <p:sld xmlns:a="http://schemas.openxmlformats.org/drawingml/2006/main" xmlns:r="http://schemas.openxmlformats.org/officeDocument/2006/relationships" xmlns:p="http://schemas.openxmlformats.org/presentationml/2006/main">
   <p:cSld>
     <p:spTree>
@@ -26576,496 +27266,7 @@
 </p:sld>
 </file>
 
-<file path=ppt/slides/slide4.xml><?xml version="1.0" encoding="utf-8"?>
-<p:sld xmlns:a="http://schemas.openxmlformats.org/drawingml/2006/main" xmlns:r="http://schemas.openxmlformats.org/officeDocument/2006/relationships" xmlns:p="http://schemas.openxmlformats.org/presentationml/2006/main">
-  <p:cSld>
-    <p:spTree>
-      <p:nvGrpSpPr>
-        <p:cNvPr id="1" name=""/>
-        <p:cNvGrpSpPr/>
-        <p:nvPr/>
-      </p:nvGrpSpPr>
-      <p:grpSpPr>
-        <a:xfrm>
-          <a:off x="0" y="0"/>
-          <a:ext cx="0" cy="0"/>
-          <a:chOff x="0" y="0"/>
-          <a:chExt cx="0" cy="0"/>
-        </a:xfrm>
-      </p:grpSpPr>
-      <p:sp>
-        <p:nvSpPr>
-          <p:cNvPr id="3" name="Content Placeholder 2">
-            <a:extLst>
-              <a:ext uri="{FF2B5EF4-FFF2-40B4-BE49-F238E27FC236}">
-                <a16:creationId xmlns:a16="http://schemas.microsoft.com/office/drawing/2014/main" id="{258E6AF3-7615-4BD1-878E-A94C93E98F90}"/>
-              </a:ext>
-            </a:extLst>
-          </p:cNvPr>
-          <p:cNvSpPr>
-            <a:spLocks noGrp="1"/>
-          </p:cNvSpPr>
-          <p:nvPr>
-            <p:ph idx="1"/>
-          </p:nvPr>
-        </p:nvSpPr>
-        <p:spPr/>
-        <p:txBody>
-          <a:bodyPr/>
-          <a:lstStyle/>
-          <a:p>
-            <a:pPr marL="0" indent="0">
-              <a:buNone/>
-            </a:pPr>
-            <a:r>
-              <a:rPr lang="en-US" dirty="0"/>
-              <a:t>Data mining (KDD) is generally performed at </a:t>
-            </a:r>
-            <a:r>
-              <a:rPr lang="en-US" b="1" dirty="0"/>
-              <a:t>large scale </a:t>
-            </a:r>
-          </a:p>
-          <a:p>
-            <a:r>
-              <a:rPr lang="en-US" dirty="0"/>
-              <a:t>Dataset size has grown nearly exponentially  </a:t>
-            </a:r>
-          </a:p>
-          <a:p>
-            <a:r>
-              <a:rPr lang="en-US" dirty="0"/>
-              <a:t>More importantly, </a:t>
-            </a:r>
-            <a:r>
-              <a:rPr lang="en-US" b="1" dirty="0"/>
-              <a:t>dataset and problem complexity has grown</a:t>
-            </a:r>
-          </a:p>
-          <a:p>
-            <a:r>
-              <a:rPr lang="en-US" dirty="0"/>
-              <a:t>Data mining is at the intersection of several subjects   </a:t>
-            </a:r>
-          </a:p>
-          <a:p>
-            <a:pPr lvl="1"/>
-            <a:r>
-              <a:rPr lang="en-US" b="1" dirty="0"/>
-              <a:t>Statistics:</a:t>
-            </a:r>
-            <a:r>
-              <a:rPr lang="en-US" dirty="0"/>
-              <a:t> What of significance can we learn from the data? </a:t>
-            </a:r>
-          </a:p>
-          <a:p>
-            <a:pPr lvl="1"/>
-            <a:r>
-              <a:rPr lang="en-US" b="1" dirty="0"/>
-              <a:t>Mathematics:</a:t>
-            </a:r>
-            <a:r>
-              <a:rPr lang="en-US" dirty="0"/>
-              <a:t> How do we represent a model of the data as, say, a graph?</a:t>
-            </a:r>
-          </a:p>
-          <a:p>
-            <a:pPr lvl="1"/>
-            <a:r>
-              <a:rPr lang="en-US" b="1" dirty="0"/>
-              <a:t>Algorithms: </a:t>
-            </a:r>
-            <a:r>
-              <a:rPr lang="en-US" dirty="0"/>
-              <a:t>How do we efficiently find important relationships in massive datasets? </a:t>
-            </a:r>
-          </a:p>
-          <a:p>
-            <a:pPr lvl="1"/>
-            <a:r>
-              <a:rPr lang="en-US" b="1" dirty="0"/>
-              <a:t>Technology:</a:t>
-            </a:r>
-            <a:r>
-              <a:rPr lang="en-US" dirty="0"/>
-              <a:t> How do we manage and process massive datasets? </a:t>
-            </a:r>
-            <a:endParaRPr lang="en-US" b="1" dirty="0"/>
-          </a:p>
-        </p:txBody>
-      </p:sp>
-      <p:sp>
-        <p:nvSpPr>
-          <p:cNvPr id="6" name="Title 1">
-            <a:extLst>
-              <a:ext uri="{FF2B5EF4-FFF2-40B4-BE49-F238E27FC236}">
-                <a16:creationId xmlns:a16="http://schemas.microsoft.com/office/drawing/2014/main" id="{CD29F70F-B868-451B-A65D-8721F4C7A2D9}"/>
-              </a:ext>
-            </a:extLst>
-          </p:cNvPr>
-          <p:cNvSpPr txBox="1">
-            <a:spLocks/>
-          </p:cNvSpPr>
-          <p:nvPr/>
-        </p:nvSpPr>
-        <p:spPr>
-          <a:xfrm>
-            <a:off x="838200" y="-635"/>
-            <a:ext cx="10515600" cy="1325563"/>
-          </a:xfrm>
-          <a:prstGeom prst="rect">
-            <a:avLst/>
-          </a:prstGeom>
-        </p:spPr>
-        <p:txBody>
-          <a:bodyPr vert="horz" lIns="91440" tIns="45720" rIns="91440" bIns="45720" rtlCol="0" anchor="ctr">
-            <a:normAutofit/>
-          </a:bodyPr>
-          <a:lstStyle>
-            <a:lvl1pPr algn="l" defTabSz="914400" rtl="0" eaLnBrk="1" latinLnBrk="0" hangingPunct="1">
-              <a:lnSpc>
-                <a:spcPct val="90000"/>
-              </a:lnSpc>
-              <a:spcBef>
-                <a:spcPct val="0"/>
-              </a:spcBef>
-              <a:buNone/>
-              <a:defRPr sz="4400" kern="1200">
-                <a:solidFill>
-                  <a:schemeClr val="tx1"/>
-                </a:solidFill>
-                <a:latin typeface="+mj-lt"/>
-                <a:ea typeface="+mj-ea"/>
-                <a:cs typeface="+mj-cs"/>
-              </a:defRPr>
-            </a:lvl1pPr>
-          </a:lstStyle>
-          <a:p>
-            <a:r>
-              <a:rPr lang="en-US" dirty="0">
-                <a:latin typeface="+mn-lt"/>
-              </a:rPr>
-              <a:t>What is data mining?</a:t>
-            </a:r>
-          </a:p>
-        </p:txBody>
-      </p:sp>
-    </p:spTree>
-    <p:extLst>
-      <p:ext uri="{BB962C8B-B14F-4D97-AF65-F5344CB8AC3E}">
-        <p14:creationId xmlns:p14="http://schemas.microsoft.com/office/powerpoint/2010/main" val="69986985"/>
-      </p:ext>
-    </p:extLst>
-  </p:cSld>
-  <p:clrMapOvr>
-    <a:masterClrMapping/>
-  </p:clrMapOvr>
-  <p:timing>
-    <p:tnLst>
-      <p:par>
-        <p:cTn id="1" dur="indefinite" restart="never" nodeType="tmRoot">
-          <p:childTnLst>
-            <p:seq concurrent="1" nextAc="seek">
-              <p:cTn id="2" dur="indefinite" nodeType="mainSeq">
-                <p:childTnLst>
-                  <p:par>
-                    <p:cTn id="3" fill="hold">
-                      <p:stCondLst>
-                        <p:cond delay="indefinite"/>
-                      </p:stCondLst>
-                      <p:childTnLst>
-                        <p:par>
-                          <p:cTn id="4" fill="hold">
-                            <p:stCondLst>
-                              <p:cond delay="0"/>
-                            </p:stCondLst>
-                            <p:childTnLst>
-                              <p:par>
-                                <p:cTn id="5" presetID="1" presetClass="entr" presetSubtype="0" fill="hold" nodeType="clickEffect">
-                                  <p:stCondLst>
-                                    <p:cond delay="0"/>
-                                  </p:stCondLst>
-                                  <p:childTnLst>
-                                    <p:set>
-                                      <p:cBhvr>
-                                        <p:cTn id="6" dur="1" fill="hold">
-                                          <p:stCondLst>
-                                            <p:cond delay="0"/>
-                                          </p:stCondLst>
-                                        </p:cTn>
-                                        <p:tgtEl>
-                                          <p:spTgt spid="3">
-                                            <p:txEl>
-                                              <p:pRg st="1" end="1"/>
-                                            </p:txEl>
-                                          </p:spTgt>
-                                        </p:tgtEl>
-                                        <p:attrNameLst>
-                                          <p:attrName>style.visibility</p:attrName>
-                                        </p:attrNameLst>
-                                      </p:cBhvr>
-                                      <p:to>
-                                        <p:strVal val="visible"/>
-                                      </p:to>
-                                    </p:set>
-                                  </p:childTnLst>
-                                </p:cTn>
-                              </p:par>
-                            </p:childTnLst>
-                          </p:cTn>
-                        </p:par>
-                      </p:childTnLst>
-                    </p:cTn>
-                  </p:par>
-                  <p:par>
-                    <p:cTn id="7" fill="hold">
-                      <p:stCondLst>
-                        <p:cond delay="indefinite"/>
-                      </p:stCondLst>
-                      <p:childTnLst>
-                        <p:par>
-                          <p:cTn id="8" fill="hold">
-                            <p:stCondLst>
-                              <p:cond delay="0"/>
-                            </p:stCondLst>
-                            <p:childTnLst>
-                              <p:par>
-                                <p:cTn id="9" presetID="1" presetClass="entr" presetSubtype="0" fill="hold" nodeType="clickEffect">
-                                  <p:stCondLst>
-                                    <p:cond delay="0"/>
-                                  </p:stCondLst>
-                                  <p:childTnLst>
-                                    <p:set>
-                                      <p:cBhvr>
-                                        <p:cTn id="10" dur="1" fill="hold">
-                                          <p:stCondLst>
-                                            <p:cond delay="0"/>
-                                          </p:stCondLst>
-                                        </p:cTn>
-                                        <p:tgtEl>
-                                          <p:spTgt spid="3">
-                                            <p:txEl>
-                                              <p:pRg st="2" end="2"/>
-                                            </p:txEl>
-                                          </p:spTgt>
-                                        </p:tgtEl>
-                                        <p:attrNameLst>
-                                          <p:attrName>style.visibility</p:attrName>
-                                        </p:attrNameLst>
-                                      </p:cBhvr>
-                                      <p:to>
-                                        <p:strVal val="visible"/>
-                                      </p:to>
-                                    </p:set>
-                                  </p:childTnLst>
-                                </p:cTn>
-                              </p:par>
-                            </p:childTnLst>
-                          </p:cTn>
-                        </p:par>
-                      </p:childTnLst>
-                    </p:cTn>
-                  </p:par>
-                  <p:par>
-                    <p:cTn id="11" fill="hold">
-                      <p:stCondLst>
-                        <p:cond delay="indefinite"/>
-                      </p:stCondLst>
-                      <p:childTnLst>
-                        <p:par>
-                          <p:cTn id="12" fill="hold">
-                            <p:stCondLst>
-                              <p:cond delay="0"/>
-                            </p:stCondLst>
-                            <p:childTnLst>
-                              <p:par>
-                                <p:cTn id="13" presetID="1" presetClass="entr" presetSubtype="0" fill="hold" nodeType="clickEffect">
-                                  <p:stCondLst>
-                                    <p:cond delay="0"/>
-                                  </p:stCondLst>
-                                  <p:childTnLst>
-                                    <p:set>
-                                      <p:cBhvr>
-                                        <p:cTn id="14" dur="1" fill="hold">
-                                          <p:stCondLst>
-                                            <p:cond delay="0"/>
-                                          </p:stCondLst>
-                                        </p:cTn>
-                                        <p:tgtEl>
-                                          <p:spTgt spid="3">
-                                            <p:txEl>
-                                              <p:pRg st="3" end="3"/>
-                                            </p:txEl>
-                                          </p:spTgt>
-                                        </p:tgtEl>
-                                        <p:attrNameLst>
-                                          <p:attrName>style.visibility</p:attrName>
-                                        </p:attrNameLst>
-                                      </p:cBhvr>
-                                      <p:to>
-                                        <p:strVal val="visible"/>
-                                      </p:to>
-                                    </p:set>
-                                  </p:childTnLst>
-                                </p:cTn>
-                              </p:par>
-                              <p:par>
-                                <p:cTn id="15" presetID="1" presetClass="entr" presetSubtype="0" fill="hold" nodeType="withEffect">
-                                  <p:stCondLst>
-                                    <p:cond delay="0"/>
-                                  </p:stCondLst>
-                                  <p:childTnLst>
-                                    <p:set>
-                                      <p:cBhvr>
-                                        <p:cTn id="16" dur="1" fill="hold">
-                                          <p:stCondLst>
-                                            <p:cond delay="0"/>
-                                          </p:stCondLst>
-                                        </p:cTn>
-                                        <p:tgtEl>
-                                          <p:spTgt spid="3">
-                                            <p:txEl>
-                                              <p:pRg st="4" end="4"/>
-                                            </p:txEl>
-                                          </p:spTgt>
-                                        </p:tgtEl>
-                                        <p:attrNameLst>
-                                          <p:attrName>style.visibility</p:attrName>
-                                        </p:attrNameLst>
-                                      </p:cBhvr>
-                                      <p:to>
-                                        <p:strVal val="visible"/>
-                                      </p:to>
-                                    </p:set>
-                                  </p:childTnLst>
-                                </p:cTn>
-                              </p:par>
-                              <p:par>
-                                <p:cTn id="17" presetID="1" presetClass="entr" presetSubtype="0" fill="hold" nodeType="withEffect">
-                                  <p:stCondLst>
-                                    <p:cond delay="0"/>
-                                  </p:stCondLst>
-                                  <p:childTnLst>
-                                    <p:set>
-                                      <p:cBhvr>
-                                        <p:cTn id="18" dur="1" fill="hold">
-                                          <p:stCondLst>
-                                            <p:cond delay="0"/>
-                                          </p:stCondLst>
-                                        </p:cTn>
-                                        <p:tgtEl>
-                                          <p:spTgt spid="3">
-                                            <p:txEl>
-                                              <p:pRg st="5" end="5"/>
-                                            </p:txEl>
-                                          </p:spTgt>
-                                        </p:tgtEl>
-                                        <p:attrNameLst>
-                                          <p:attrName>style.visibility</p:attrName>
-                                        </p:attrNameLst>
-                                      </p:cBhvr>
-                                      <p:to>
-                                        <p:strVal val="visible"/>
-                                      </p:to>
-                                    </p:set>
-                                  </p:childTnLst>
-                                </p:cTn>
-                              </p:par>
-                              <p:par>
-                                <p:cTn id="19" presetID="1" presetClass="entr" presetSubtype="0" fill="hold" nodeType="withEffect">
-                                  <p:stCondLst>
-                                    <p:cond delay="0"/>
-                                  </p:stCondLst>
-                                  <p:childTnLst>
-                                    <p:set>
-                                      <p:cBhvr>
-                                        <p:cTn id="20" dur="1" fill="hold">
-                                          <p:stCondLst>
-                                            <p:cond delay="0"/>
-                                          </p:stCondLst>
-                                        </p:cTn>
-                                        <p:tgtEl>
-                                          <p:spTgt spid="3">
-                                            <p:txEl>
-                                              <p:pRg st="6" end="6"/>
-                                            </p:txEl>
-                                          </p:spTgt>
-                                        </p:tgtEl>
-                                        <p:attrNameLst>
-                                          <p:attrName>style.visibility</p:attrName>
-                                        </p:attrNameLst>
-                                      </p:cBhvr>
-                                      <p:to>
-                                        <p:strVal val="visible"/>
-                                      </p:to>
-                                    </p:set>
-                                  </p:childTnLst>
-                                </p:cTn>
-                              </p:par>
-                              <p:par>
-                                <p:cTn id="21" presetID="1" presetClass="entr" presetSubtype="0" fill="hold" nodeType="withEffect">
-                                  <p:stCondLst>
-                                    <p:cond delay="0"/>
-                                  </p:stCondLst>
-                                  <p:childTnLst>
-                                    <p:set>
-                                      <p:cBhvr>
-                                        <p:cTn id="22" dur="1" fill="hold">
-                                          <p:stCondLst>
-                                            <p:cond delay="0"/>
-                                          </p:stCondLst>
-                                        </p:cTn>
-                                        <p:tgtEl>
-                                          <p:spTgt spid="3">
-                                            <p:txEl>
-                                              <p:pRg st="7" end="7"/>
-                                            </p:txEl>
-                                          </p:spTgt>
-                                        </p:tgtEl>
-                                        <p:attrNameLst>
-                                          <p:attrName>style.visibility</p:attrName>
-                                        </p:attrNameLst>
-                                      </p:cBhvr>
-                                      <p:to>
-                                        <p:strVal val="visible"/>
-                                      </p:to>
-                                    </p:set>
-                                  </p:childTnLst>
-                                </p:cTn>
-                              </p:par>
-                            </p:childTnLst>
-                          </p:cTn>
-                        </p:par>
-                      </p:childTnLst>
-                    </p:cTn>
-                  </p:par>
-                </p:childTnLst>
-              </p:cTn>
-              <p:prevCondLst>
-                <p:cond evt="onPrev" delay="0">
-                  <p:tgtEl>
-                    <p:sldTgt/>
-                  </p:tgtEl>
-                </p:cond>
-              </p:prevCondLst>
-              <p:nextCondLst>
-                <p:cond evt="onNext" delay="0">
-                  <p:tgtEl>
-                    <p:sldTgt/>
-                  </p:tgtEl>
-                </p:cond>
-              </p:nextCondLst>
-            </p:seq>
-          </p:childTnLst>
-        </p:cTn>
-      </p:par>
-    </p:tnLst>
-  </p:timing>
-</p:sld>
-</file>
-
-<file path=ppt/slides/slide40.xml><?xml version="1.0" encoding="utf-8"?>
+<file path=ppt/slides/slide41.xml><?xml version="1.0" encoding="utf-8"?>
 <p:sld xmlns:a="http://schemas.openxmlformats.org/drawingml/2006/main" xmlns:r="http://schemas.openxmlformats.org/officeDocument/2006/relationships" xmlns:p="http://schemas.openxmlformats.org/presentationml/2006/main">
   <p:cSld>
     <p:spTree>
@@ -27631,7 +27832,7 @@
 </p:sld>
 </file>
 
-<file path=ppt/slides/slide41.xml><?xml version="1.0" encoding="utf-8"?>
+<file path=ppt/slides/slide42.xml><?xml version="1.0" encoding="utf-8"?>
 <p:sld xmlns:a="http://schemas.openxmlformats.org/drawingml/2006/main" xmlns:r="http://schemas.openxmlformats.org/officeDocument/2006/relationships" xmlns:p="http://schemas.openxmlformats.org/presentationml/2006/main">
   <p:cSld>
     <p:spTree>
@@ -28205,7 +28406,7 @@
 </p:sld>
 </file>
 
-<file path=ppt/slides/slide42.xml><?xml version="1.0" encoding="utf-8"?>
+<file path=ppt/slides/slide43.xml><?xml version="1.0" encoding="utf-8"?>
 <p:sld xmlns:a="http://schemas.openxmlformats.org/drawingml/2006/main" xmlns:r="http://schemas.openxmlformats.org/officeDocument/2006/relationships" xmlns:p="http://schemas.openxmlformats.org/presentationml/2006/main">
   <p:cSld>
     <p:spTree>
@@ -28265,7 +28466,7 @@
 </p:sld>
 </file>
 
-<file path=ppt/slides/slide43.xml><?xml version="1.0" encoding="utf-8"?>
+<file path=ppt/slides/slide44.xml><?xml version="1.0" encoding="utf-8"?>
 <p:sld xmlns:a="http://schemas.openxmlformats.org/drawingml/2006/main" xmlns:r="http://schemas.openxmlformats.org/officeDocument/2006/relationships" xmlns:p="http://schemas.openxmlformats.org/presentationml/2006/main">
   <p:cSld>
     <p:spTree>
@@ -28941,7 +29142,7 @@
 </p:sld>
 </file>
 
-<file path=ppt/slides/slide44.xml><?xml version="1.0" encoding="utf-8"?>
+<file path=ppt/slides/slide45.xml><?xml version="1.0" encoding="utf-8"?>
 <p:sld xmlns:a="http://schemas.openxmlformats.org/drawingml/2006/main" xmlns:r="http://schemas.openxmlformats.org/officeDocument/2006/relationships" xmlns:p="http://schemas.openxmlformats.org/presentationml/2006/main">
   <p:cSld>
     <p:spTree>
@@ -29805,7 +30006,7 @@
 </p:sld>
 </file>
 
-<file path=ppt/slides/slide45.xml><?xml version="1.0" encoding="utf-8"?>
+<file path=ppt/slides/slide46.xml><?xml version="1.0" encoding="utf-8"?>
 <p:sld xmlns:a="http://schemas.openxmlformats.org/drawingml/2006/main" xmlns:r="http://schemas.openxmlformats.org/officeDocument/2006/relationships" xmlns:p="http://schemas.openxmlformats.org/presentationml/2006/main">
   <p:cSld>
     <p:spTree>
@@ -32100,7 +32301,7 @@
 </p:sld>
 </file>
 
-<file path=ppt/slides/slide46.xml><?xml version="1.0" encoding="utf-8"?>
+<file path=ppt/slides/slide47.xml><?xml version="1.0" encoding="utf-8"?>
 <p:sld xmlns:a="http://schemas.openxmlformats.org/drawingml/2006/main" xmlns:r="http://schemas.openxmlformats.org/officeDocument/2006/relationships" xmlns:p="http://schemas.openxmlformats.org/presentationml/2006/main">
   <p:cSld>
     <p:spTree>
@@ -32719,7 +32920,7 @@
 </p:sld>
 </file>
 
-<file path=ppt/slides/slide47.xml><?xml version="1.0" encoding="utf-8"?>
+<file path=ppt/slides/slide48.xml><?xml version="1.0" encoding="utf-8"?>
 <p:sld xmlns:a="http://schemas.openxmlformats.org/drawingml/2006/main" xmlns:r="http://schemas.openxmlformats.org/officeDocument/2006/relationships" xmlns:p="http://schemas.openxmlformats.org/presentationml/2006/main">
   <p:cSld>
     <p:spTree>
@@ -33427,7 +33628,7 @@
 </p:sld>
 </file>
 
-<file path=ppt/slides/slide48.xml><?xml version="1.0" encoding="utf-8"?>
+<file path=ppt/slides/slide49.xml><?xml version="1.0" encoding="utf-8"?>
 <p:sld xmlns:a="http://schemas.openxmlformats.org/drawingml/2006/main" xmlns:r="http://schemas.openxmlformats.org/officeDocument/2006/relationships" xmlns:p="http://schemas.openxmlformats.org/presentationml/2006/main">
   <p:cSld>
     <p:spTree>
@@ -34698,76 +34899,6 @@
 </p:sld>
 </file>
 
-<file path=ppt/slides/slide49.xml><?xml version="1.0" encoding="utf-8"?>
-<p:sld xmlns:a="http://schemas.openxmlformats.org/drawingml/2006/main" xmlns:r="http://schemas.openxmlformats.org/officeDocument/2006/relationships" xmlns:p="http://schemas.openxmlformats.org/presentationml/2006/main">
-  <p:cSld>
-    <p:spTree>
-      <p:nvGrpSpPr>
-        <p:cNvPr id="1" name=""/>
-        <p:cNvGrpSpPr/>
-        <p:nvPr/>
-      </p:nvGrpSpPr>
-      <p:grpSpPr>
-        <a:xfrm>
-          <a:off x="0" y="0"/>
-          <a:ext cx="0" cy="0"/>
-          <a:chOff x="0" y="0"/>
-          <a:chExt cx="0" cy="0"/>
-        </a:xfrm>
-      </p:grpSpPr>
-      <p:sp>
-        <p:nvSpPr>
-          <p:cNvPr id="2" name="Title 1">
-            <a:extLst>
-              <a:ext uri="{FF2B5EF4-FFF2-40B4-BE49-F238E27FC236}">
-                <a16:creationId xmlns:a16="http://schemas.microsoft.com/office/drawing/2014/main" id="{F8A33362-6456-0F5B-5570-FA2A30C5C24B}"/>
-              </a:ext>
-            </a:extLst>
-          </p:cNvPr>
-          <p:cNvSpPr>
-            <a:spLocks noGrp="1"/>
-          </p:cNvSpPr>
-          <p:nvPr>
-            <p:ph type="ctrTitle"/>
-          </p:nvPr>
-        </p:nvSpPr>
-        <p:spPr>
-          <a:xfrm>
-            <a:off x="1524000" y="1122363"/>
-            <a:ext cx="9438752" cy="2387600"/>
-          </a:xfrm>
-        </p:spPr>
-        <p:txBody>
-          <a:bodyPr>
-            <a:normAutofit/>
-          </a:bodyPr>
-          <a:lstStyle/>
-          <a:p>
-            <a:r>
-              <a:rPr lang="en-US" sz="4400" dirty="0"/>
-              <a:t>Pitfalls of </a:t>
-            </a:r>
-            <a:r>
-              <a:rPr lang="en-US" sz="4400"/>
-              <a:t>Large-Scale Data Mining</a:t>
-            </a:r>
-            <a:endParaRPr lang="en-US" sz="4400" dirty="0"/>
-          </a:p>
-        </p:txBody>
-      </p:sp>
-    </p:spTree>
-    <p:extLst>
-      <p:ext uri="{BB962C8B-B14F-4D97-AF65-F5344CB8AC3E}">
-        <p14:creationId xmlns:p14="http://schemas.microsoft.com/office/powerpoint/2010/main" val="1079301423"/>
-      </p:ext>
-    </p:extLst>
-  </p:cSld>
-  <p:clrMapOvr>
-    <a:masterClrMapping/>
-  </p:clrMapOvr>
-</p:sld>
-</file>
-
 <file path=ppt/slides/slide5.xml><?xml version="1.0" encoding="utf-8"?>
 <p:sld xmlns:a="http://schemas.openxmlformats.org/drawingml/2006/main" xmlns:r="http://schemas.openxmlformats.org/officeDocument/2006/relationships" xmlns:p="http://schemas.openxmlformats.org/presentationml/2006/main">
   <p:cSld>
@@ -35163,6 +35294,76 @@
 </file>
 
 <file path=ppt/slides/slide50.xml><?xml version="1.0" encoding="utf-8"?>
+<p:sld xmlns:a="http://schemas.openxmlformats.org/drawingml/2006/main" xmlns:r="http://schemas.openxmlformats.org/officeDocument/2006/relationships" xmlns:p="http://schemas.openxmlformats.org/presentationml/2006/main">
+  <p:cSld>
+    <p:spTree>
+      <p:nvGrpSpPr>
+        <p:cNvPr id="1" name=""/>
+        <p:cNvGrpSpPr/>
+        <p:nvPr/>
+      </p:nvGrpSpPr>
+      <p:grpSpPr>
+        <a:xfrm>
+          <a:off x="0" y="0"/>
+          <a:ext cx="0" cy="0"/>
+          <a:chOff x="0" y="0"/>
+          <a:chExt cx="0" cy="0"/>
+        </a:xfrm>
+      </p:grpSpPr>
+      <p:sp>
+        <p:nvSpPr>
+          <p:cNvPr id="2" name="Title 1">
+            <a:extLst>
+              <a:ext uri="{FF2B5EF4-FFF2-40B4-BE49-F238E27FC236}">
+                <a16:creationId xmlns:a16="http://schemas.microsoft.com/office/drawing/2014/main" id="{F8A33362-6456-0F5B-5570-FA2A30C5C24B}"/>
+              </a:ext>
+            </a:extLst>
+          </p:cNvPr>
+          <p:cNvSpPr>
+            <a:spLocks noGrp="1"/>
+          </p:cNvSpPr>
+          <p:nvPr>
+            <p:ph type="ctrTitle"/>
+          </p:nvPr>
+        </p:nvSpPr>
+        <p:spPr>
+          <a:xfrm>
+            <a:off x="1524000" y="1122363"/>
+            <a:ext cx="9438752" cy="2387600"/>
+          </a:xfrm>
+        </p:spPr>
+        <p:txBody>
+          <a:bodyPr>
+            <a:normAutofit/>
+          </a:bodyPr>
+          <a:lstStyle/>
+          <a:p>
+            <a:r>
+              <a:rPr lang="en-US" sz="4400" dirty="0"/>
+              <a:t>Pitfalls of </a:t>
+            </a:r>
+            <a:r>
+              <a:rPr lang="en-US" sz="4400"/>
+              <a:t>Large-Scale Data Mining</a:t>
+            </a:r>
+            <a:endParaRPr lang="en-US" sz="4400" dirty="0"/>
+          </a:p>
+        </p:txBody>
+      </p:sp>
+    </p:spTree>
+    <p:extLst>
+      <p:ext uri="{BB962C8B-B14F-4D97-AF65-F5344CB8AC3E}">
+        <p14:creationId xmlns:p14="http://schemas.microsoft.com/office/powerpoint/2010/main" val="1079301423"/>
+      </p:ext>
+    </p:extLst>
+  </p:cSld>
+  <p:clrMapOvr>
+    <a:masterClrMapping/>
+  </p:clrMapOvr>
+</p:sld>
+</file>
+
+<file path=ppt/slides/slide51.xml><?xml version="1.0" encoding="utf-8"?>
 <p:sld xmlns:a="http://schemas.openxmlformats.org/drawingml/2006/main" xmlns:r="http://schemas.openxmlformats.org/officeDocument/2006/relationships" xmlns:p="http://schemas.openxmlformats.org/presentationml/2006/main">
   <p:cSld>
     <p:spTree>
@@ -35709,7 +35910,7 @@
 </p:sld>
 </file>
 
-<file path=ppt/slides/slide51.xml><?xml version="1.0" encoding="utf-8"?>
+<file path=ppt/slides/slide52.xml><?xml version="1.0" encoding="utf-8"?>
 <p:sld xmlns:a="http://schemas.openxmlformats.org/drawingml/2006/main" xmlns:r="http://schemas.openxmlformats.org/officeDocument/2006/relationships" xmlns:p="http://schemas.openxmlformats.org/presentationml/2006/main">
   <p:cSld>
     <p:spTree>
@@ -36252,7 +36453,7 @@
 </p:sld>
 </file>
 
-<file path=ppt/slides/slide52.xml><?xml version="1.0" encoding="utf-8"?>
+<file path=ppt/slides/slide53.xml><?xml version="1.0" encoding="utf-8"?>
 <p:sld xmlns:a="http://schemas.openxmlformats.org/drawingml/2006/main" xmlns:r="http://schemas.openxmlformats.org/officeDocument/2006/relationships" xmlns:p="http://schemas.openxmlformats.org/presentationml/2006/main">
   <p:cSld>
     <p:spTree>
@@ -36589,7 +36790,7 @@
 </p:sld>
 </file>
 
-<file path=ppt/slides/slide53.xml><?xml version="1.0" encoding="utf-8"?>
+<file path=ppt/slides/slide54.xml><?xml version="1.0" encoding="utf-8"?>
 <p:sld xmlns:a="http://schemas.openxmlformats.org/drawingml/2006/main" xmlns:r="http://schemas.openxmlformats.org/officeDocument/2006/relationships" xmlns:p="http://schemas.openxmlformats.org/presentationml/2006/main">
   <p:cSld>
     <p:spTree>
@@ -37177,7 +37378,7 @@
 </p:sld>
 </file>
 
-<file path=ppt/slides/slide54.xml><?xml version="1.0" encoding="utf-8"?>
+<file path=ppt/slides/slide55.xml><?xml version="1.0" encoding="utf-8"?>
 <p:sld xmlns:a="http://schemas.openxmlformats.org/drawingml/2006/main" xmlns:r="http://schemas.openxmlformats.org/officeDocument/2006/relationships" xmlns:p="http://schemas.openxmlformats.org/presentationml/2006/main">
   <p:cSld>
     <p:spTree>
@@ -37610,7 +37811,7 @@
 </p:sld>
 </file>
 
-<file path=ppt/slides/slide55.xml><?xml version="1.0" encoding="utf-8"?>
+<file path=ppt/slides/slide56.xml><?xml version="1.0" encoding="utf-8"?>
 <p:sld xmlns:a="http://schemas.openxmlformats.org/drawingml/2006/main" xmlns:r="http://schemas.openxmlformats.org/officeDocument/2006/relationships" xmlns:p="http://schemas.openxmlformats.org/presentationml/2006/main">
   <p:cSld>
     <p:spTree>
@@ -37988,7 +38189,7 @@
 </p:sld>
 </file>
 
-<file path=ppt/slides/slide56.xml><?xml version="1.0" encoding="utf-8"?>
+<file path=ppt/slides/slide57.xml><?xml version="1.0" encoding="utf-8"?>
 <p:sld xmlns:a="http://schemas.openxmlformats.org/drawingml/2006/main" xmlns:r="http://schemas.openxmlformats.org/officeDocument/2006/relationships" xmlns:p="http://schemas.openxmlformats.org/presentationml/2006/main">
   <p:cSld>
     <p:spTree>
@@ -38518,7 +38719,7 @@
 </p:sld>
 </file>
 
-<file path=ppt/slides/slide57.xml><?xml version="1.0" encoding="utf-8"?>
+<file path=ppt/slides/slide58.xml><?xml version="1.0" encoding="utf-8"?>
 <p:sld xmlns:a="http://schemas.openxmlformats.org/drawingml/2006/main" xmlns:r="http://schemas.openxmlformats.org/officeDocument/2006/relationships" xmlns:p="http://schemas.openxmlformats.org/presentationml/2006/main">
   <p:cSld>
     <p:spTree>
@@ -38578,7 +38779,7 @@
 </p:sld>
 </file>
 
-<file path=ppt/slides/slide58.xml><?xml version="1.0" encoding="utf-8"?>
+<file path=ppt/slides/slide59.xml><?xml version="1.0" encoding="utf-8"?>
 <p:sld xmlns:a="http://schemas.openxmlformats.org/drawingml/2006/main" xmlns:r="http://schemas.openxmlformats.org/officeDocument/2006/relationships" xmlns:p="http://schemas.openxmlformats.org/presentationml/2006/main">
   <p:cSld>
     <p:spTree>
@@ -39133,7 +39334,635 @@
 </p:sld>
 </file>
 
-<file path=ppt/slides/slide59.xml><?xml version="1.0" encoding="utf-8"?>
+<file path=ppt/slides/slide6.xml><?xml version="1.0" encoding="utf-8"?>
+<p:sld xmlns:a="http://schemas.openxmlformats.org/drawingml/2006/main" xmlns:r="http://schemas.openxmlformats.org/officeDocument/2006/relationships" xmlns:p="http://schemas.openxmlformats.org/presentationml/2006/main">
+  <p:cSld>
+    <p:spTree>
+      <p:nvGrpSpPr>
+        <p:cNvPr id="1" name=""/>
+        <p:cNvGrpSpPr/>
+        <p:nvPr/>
+      </p:nvGrpSpPr>
+      <p:grpSpPr>
+        <a:xfrm>
+          <a:off x="0" y="0"/>
+          <a:ext cx="0" cy="0"/>
+          <a:chOff x="0" y="0"/>
+          <a:chExt cx="0" cy="0"/>
+        </a:xfrm>
+      </p:grpSpPr>
+      <p:sp>
+        <p:nvSpPr>
+          <p:cNvPr id="3" name="Content Placeholder 2">
+            <a:extLst>
+              <a:ext uri="{FF2B5EF4-FFF2-40B4-BE49-F238E27FC236}">
+                <a16:creationId xmlns:a16="http://schemas.microsoft.com/office/drawing/2014/main" id="{258E6AF3-7615-4BD1-878E-A94C93E98F90}"/>
+              </a:ext>
+            </a:extLst>
+          </p:cNvPr>
+          <p:cNvSpPr>
+            <a:spLocks noGrp="1"/>
+          </p:cNvSpPr>
+          <p:nvPr>
+            <p:ph idx="1"/>
+          </p:nvPr>
+        </p:nvSpPr>
+        <p:spPr>
+          <a:xfrm>
+            <a:off x="838200" y="1217458"/>
+            <a:ext cx="10515600" cy="485939"/>
+          </a:xfrm>
+        </p:spPr>
+        <p:txBody>
+          <a:bodyPr>
+            <a:normAutofit fontScale="92500" lnSpcReduction="10000"/>
+          </a:bodyPr>
+          <a:lstStyle/>
+          <a:p>
+            <a:pPr marL="0" indent="0">
+              <a:buNone/>
+            </a:pPr>
+            <a:r>
+              <a:rPr lang="en-US" sz="3200" dirty="0"/>
+              <a:t>What is the KDD process?   </a:t>
+            </a:r>
+          </a:p>
+        </p:txBody>
+      </p:sp>
+      <p:sp>
+        <p:nvSpPr>
+          <p:cNvPr id="6" name="Title 1">
+            <a:extLst>
+              <a:ext uri="{FF2B5EF4-FFF2-40B4-BE49-F238E27FC236}">
+                <a16:creationId xmlns:a16="http://schemas.microsoft.com/office/drawing/2014/main" id="{CD29F70F-B868-451B-A65D-8721F4C7A2D9}"/>
+              </a:ext>
+            </a:extLst>
+          </p:cNvPr>
+          <p:cNvSpPr txBox="1">
+            <a:spLocks/>
+          </p:cNvSpPr>
+          <p:nvPr/>
+        </p:nvSpPr>
+        <p:spPr>
+          <a:xfrm>
+            <a:off x="838200" y="-635"/>
+            <a:ext cx="10515600" cy="1325563"/>
+          </a:xfrm>
+          <a:prstGeom prst="rect">
+            <a:avLst/>
+          </a:prstGeom>
+        </p:spPr>
+        <p:txBody>
+          <a:bodyPr vert="horz" lIns="91440" tIns="45720" rIns="91440" bIns="45720" rtlCol="0" anchor="ctr">
+            <a:normAutofit/>
+          </a:bodyPr>
+          <a:lstStyle>
+            <a:lvl1pPr algn="l" defTabSz="914400" rtl="0" eaLnBrk="1" latinLnBrk="0" hangingPunct="1">
+              <a:lnSpc>
+                <a:spcPct val="90000"/>
+              </a:lnSpc>
+              <a:spcBef>
+                <a:spcPct val="0"/>
+              </a:spcBef>
+              <a:buNone/>
+              <a:defRPr sz="4400" kern="1200">
+                <a:solidFill>
+                  <a:schemeClr val="tx1"/>
+                </a:solidFill>
+                <a:latin typeface="+mj-lt"/>
+                <a:ea typeface="+mj-ea"/>
+                <a:cs typeface="+mj-cs"/>
+              </a:defRPr>
+            </a:lvl1pPr>
+          </a:lstStyle>
+          <a:p>
+            <a:r>
+              <a:rPr lang="en-US" dirty="0">
+                <a:latin typeface="+mn-lt"/>
+              </a:rPr>
+              <a:t>KDD process</a:t>
+            </a:r>
+          </a:p>
+        </p:txBody>
+      </p:sp>
+      <p:pic>
+        <p:nvPicPr>
+          <p:cNvPr id="4" name="Picture 3">
+            <a:extLst>
+              <a:ext uri="{FF2B5EF4-FFF2-40B4-BE49-F238E27FC236}">
+                <a16:creationId xmlns:a16="http://schemas.microsoft.com/office/drawing/2014/main" id="{41A10601-345E-4A04-878A-28FFF71506B5}"/>
+              </a:ext>
+            </a:extLst>
+          </p:cNvPr>
+          <p:cNvPicPr>
+            <a:picLocks noChangeAspect="1"/>
+          </p:cNvPicPr>
+          <p:nvPr/>
+        </p:nvPicPr>
+        <p:blipFill>
+          <a:blip r:embed="rId2"/>
+          <a:stretch>
+            <a:fillRect/>
+          </a:stretch>
+        </p:blipFill>
+        <p:spPr>
+          <a:xfrm>
+            <a:off x="376610" y="2168435"/>
+            <a:ext cx="6121998" cy="3176886"/>
+          </a:xfrm>
+          <a:prstGeom prst="rect">
+            <a:avLst/>
+          </a:prstGeom>
+        </p:spPr>
+      </p:pic>
+      <p:sp>
+        <p:nvSpPr>
+          <p:cNvPr id="5" name="Content Placeholder 2">
+            <a:extLst>
+              <a:ext uri="{FF2B5EF4-FFF2-40B4-BE49-F238E27FC236}">
+                <a16:creationId xmlns:a16="http://schemas.microsoft.com/office/drawing/2014/main" id="{DBC99F37-3CFD-4C3B-8CF6-AEDE11B202D2}"/>
+              </a:ext>
+            </a:extLst>
+          </p:cNvPr>
+          <p:cNvSpPr txBox="1">
+            <a:spLocks/>
+          </p:cNvSpPr>
+          <p:nvPr/>
+        </p:nvSpPr>
+        <p:spPr>
+          <a:xfrm>
+            <a:off x="6787461" y="1921229"/>
+            <a:ext cx="5116757" cy="4395969"/>
+          </a:xfrm>
+          <a:prstGeom prst="rect">
+            <a:avLst/>
+          </a:prstGeom>
+        </p:spPr>
+        <p:txBody>
+          <a:bodyPr vert="horz" lIns="91440" tIns="45720" rIns="91440" bIns="45720" rtlCol="0">
+            <a:normAutofit lnSpcReduction="10000"/>
+          </a:bodyPr>
+          <a:lstStyle>
+            <a:lvl1pPr marL="228600" indent="-228600" algn="l" defTabSz="914400" rtl="0" eaLnBrk="1" latinLnBrk="0" hangingPunct="1">
+              <a:lnSpc>
+                <a:spcPct val="90000"/>
+              </a:lnSpc>
+              <a:spcBef>
+                <a:spcPts val="1000"/>
+              </a:spcBef>
+              <a:buFont typeface="Arial" panose="020B0604020202020204" pitchFamily="34" charset="0"/>
+              <a:buChar char="•"/>
+              <a:defRPr sz="2800" kern="1200">
+                <a:solidFill>
+                  <a:schemeClr val="tx1"/>
+                </a:solidFill>
+                <a:latin typeface="+mn-lt"/>
+                <a:ea typeface="+mn-ea"/>
+                <a:cs typeface="+mn-cs"/>
+              </a:defRPr>
+            </a:lvl1pPr>
+            <a:lvl2pPr marL="685800" indent="-228600" algn="l" defTabSz="914400" rtl="0" eaLnBrk="1" latinLnBrk="0" hangingPunct="1">
+              <a:lnSpc>
+                <a:spcPct val="90000"/>
+              </a:lnSpc>
+              <a:spcBef>
+                <a:spcPts val="500"/>
+              </a:spcBef>
+              <a:buFont typeface="Arial" panose="020B0604020202020204" pitchFamily="34" charset="0"/>
+              <a:buChar char="•"/>
+              <a:defRPr sz="2400" kern="1200">
+                <a:solidFill>
+                  <a:schemeClr val="tx1"/>
+                </a:solidFill>
+                <a:latin typeface="+mn-lt"/>
+                <a:ea typeface="+mn-ea"/>
+                <a:cs typeface="+mn-cs"/>
+              </a:defRPr>
+            </a:lvl2pPr>
+            <a:lvl3pPr marL="1143000" indent="-228600" algn="l" defTabSz="914400" rtl="0" eaLnBrk="1" latinLnBrk="0" hangingPunct="1">
+              <a:lnSpc>
+                <a:spcPct val="90000"/>
+              </a:lnSpc>
+              <a:spcBef>
+                <a:spcPts val="500"/>
+              </a:spcBef>
+              <a:buFont typeface="Arial" panose="020B0604020202020204" pitchFamily="34" charset="0"/>
+              <a:buChar char="•"/>
+              <a:defRPr sz="2000" kern="1200">
+                <a:solidFill>
+                  <a:schemeClr val="tx1"/>
+                </a:solidFill>
+                <a:latin typeface="+mn-lt"/>
+                <a:ea typeface="+mn-ea"/>
+                <a:cs typeface="+mn-cs"/>
+              </a:defRPr>
+            </a:lvl3pPr>
+            <a:lvl4pPr marL="1600200" indent="-228600" algn="l" defTabSz="914400" rtl="0" eaLnBrk="1" latinLnBrk="0" hangingPunct="1">
+              <a:lnSpc>
+                <a:spcPct val="90000"/>
+              </a:lnSpc>
+              <a:spcBef>
+                <a:spcPts val="500"/>
+              </a:spcBef>
+              <a:buFont typeface="Arial" panose="020B0604020202020204" pitchFamily="34" charset="0"/>
+              <a:buChar char="•"/>
+              <a:defRPr sz="1800" kern="1200">
+                <a:solidFill>
+                  <a:schemeClr val="tx1"/>
+                </a:solidFill>
+                <a:latin typeface="+mn-lt"/>
+                <a:ea typeface="+mn-ea"/>
+                <a:cs typeface="+mn-cs"/>
+              </a:defRPr>
+            </a:lvl4pPr>
+            <a:lvl5pPr marL="2057400" indent="-228600" algn="l" defTabSz="914400" rtl="0" eaLnBrk="1" latinLnBrk="0" hangingPunct="1">
+              <a:lnSpc>
+                <a:spcPct val="90000"/>
+              </a:lnSpc>
+              <a:spcBef>
+                <a:spcPts val="500"/>
+              </a:spcBef>
+              <a:buFont typeface="Arial" panose="020B0604020202020204" pitchFamily="34" charset="0"/>
+              <a:buChar char="•"/>
+              <a:defRPr sz="1800" kern="1200">
+                <a:solidFill>
+                  <a:schemeClr val="tx1"/>
+                </a:solidFill>
+                <a:latin typeface="+mn-lt"/>
+                <a:ea typeface="+mn-ea"/>
+                <a:cs typeface="+mn-cs"/>
+              </a:defRPr>
+            </a:lvl5pPr>
+            <a:lvl6pPr marL="2514600" indent="-228600" algn="l" defTabSz="914400" rtl="0" eaLnBrk="1" latinLnBrk="0" hangingPunct="1">
+              <a:lnSpc>
+                <a:spcPct val="90000"/>
+              </a:lnSpc>
+              <a:spcBef>
+                <a:spcPts val="500"/>
+              </a:spcBef>
+              <a:buFont typeface="Arial" panose="020B0604020202020204" pitchFamily="34" charset="0"/>
+              <a:buChar char="•"/>
+              <a:defRPr sz="1800" kern="1200">
+                <a:solidFill>
+                  <a:schemeClr val="tx1"/>
+                </a:solidFill>
+                <a:latin typeface="+mn-lt"/>
+                <a:ea typeface="+mn-ea"/>
+                <a:cs typeface="+mn-cs"/>
+              </a:defRPr>
+            </a:lvl6pPr>
+            <a:lvl7pPr marL="2971800" indent="-228600" algn="l" defTabSz="914400" rtl="0" eaLnBrk="1" latinLnBrk="0" hangingPunct="1">
+              <a:lnSpc>
+                <a:spcPct val="90000"/>
+              </a:lnSpc>
+              <a:spcBef>
+                <a:spcPts val="500"/>
+              </a:spcBef>
+              <a:buFont typeface="Arial" panose="020B0604020202020204" pitchFamily="34" charset="0"/>
+              <a:buChar char="•"/>
+              <a:defRPr sz="1800" kern="1200">
+                <a:solidFill>
+                  <a:schemeClr val="tx1"/>
+                </a:solidFill>
+                <a:latin typeface="+mn-lt"/>
+                <a:ea typeface="+mn-ea"/>
+                <a:cs typeface="+mn-cs"/>
+              </a:defRPr>
+            </a:lvl7pPr>
+            <a:lvl8pPr marL="3429000" indent="-228600" algn="l" defTabSz="914400" rtl="0" eaLnBrk="1" latinLnBrk="0" hangingPunct="1">
+              <a:lnSpc>
+                <a:spcPct val="90000"/>
+              </a:lnSpc>
+              <a:spcBef>
+                <a:spcPts val="500"/>
+              </a:spcBef>
+              <a:buFont typeface="Arial" panose="020B0604020202020204" pitchFamily="34" charset="0"/>
+              <a:buChar char="•"/>
+              <a:defRPr sz="1800" kern="1200">
+                <a:solidFill>
+                  <a:schemeClr val="tx1"/>
+                </a:solidFill>
+                <a:latin typeface="+mn-lt"/>
+                <a:ea typeface="+mn-ea"/>
+                <a:cs typeface="+mn-cs"/>
+              </a:defRPr>
+            </a:lvl8pPr>
+            <a:lvl9pPr marL="3886200" indent="-228600" algn="l" defTabSz="914400" rtl="0" eaLnBrk="1" latinLnBrk="0" hangingPunct="1">
+              <a:lnSpc>
+                <a:spcPct val="90000"/>
+              </a:lnSpc>
+              <a:spcBef>
+                <a:spcPts val="500"/>
+              </a:spcBef>
+              <a:buFont typeface="Arial" panose="020B0604020202020204" pitchFamily="34" charset="0"/>
+              <a:buChar char="•"/>
+              <a:defRPr sz="1800" kern="1200">
+                <a:solidFill>
+                  <a:schemeClr val="tx1"/>
+                </a:solidFill>
+                <a:latin typeface="+mn-lt"/>
+                <a:ea typeface="+mn-ea"/>
+                <a:cs typeface="+mn-cs"/>
+              </a:defRPr>
+            </a:lvl9pPr>
+          </a:lstStyle>
+          <a:p>
+            <a:pPr marL="0" indent="0">
+              <a:buFont typeface="Arial" panose="020B0604020202020204" pitchFamily="34" charset="0"/>
+              <a:buNone/>
+            </a:pPr>
+            <a:r>
+              <a:rPr lang="en-US" dirty="0"/>
+              <a:t>Is this diagram representative of today’s process?</a:t>
+            </a:r>
+          </a:p>
+          <a:p>
+            <a:r>
+              <a:rPr lang="en-US" dirty="0"/>
+              <a:t>Perhaps? </a:t>
+            </a:r>
+          </a:p>
+          <a:p>
+            <a:r>
+              <a:rPr lang="en-US" dirty="0"/>
+              <a:t>Must have a clear idea of goal!</a:t>
+            </a:r>
+          </a:p>
+          <a:p>
+            <a:r>
+              <a:rPr lang="en-US" dirty="0"/>
+              <a:t>KDD is an iterative process</a:t>
+            </a:r>
+          </a:p>
+          <a:p>
+            <a:pPr lvl="1"/>
+            <a:r>
+              <a:rPr lang="en-US" sz="2800" dirty="0"/>
+              <a:t>The results of on step informs updates to previous steps  </a:t>
+            </a:r>
+          </a:p>
+          <a:p>
+            <a:pPr lvl="1"/>
+            <a:r>
+              <a:rPr lang="en-US" sz="2800" dirty="0"/>
+              <a:t>Process is a series of overlapping cycles </a:t>
+            </a:r>
+          </a:p>
+        </p:txBody>
+      </p:sp>
+    </p:spTree>
+    <p:extLst>
+      <p:ext uri="{BB962C8B-B14F-4D97-AF65-F5344CB8AC3E}">
+        <p14:creationId xmlns:p14="http://schemas.microsoft.com/office/powerpoint/2010/main" val="2657309543"/>
+      </p:ext>
+    </p:extLst>
+  </p:cSld>
+  <p:clrMapOvr>
+    <a:masterClrMapping/>
+  </p:clrMapOvr>
+  <p:timing>
+    <p:tnLst>
+      <p:par>
+        <p:cTn id="1" dur="indefinite" restart="never" nodeType="tmRoot">
+          <p:childTnLst>
+            <p:seq concurrent="1" nextAc="seek">
+              <p:cTn id="2" dur="indefinite" nodeType="mainSeq">
+                <p:childTnLst>
+                  <p:par>
+                    <p:cTn id="3" fill="hold">
+                      <p:stCondLst>
+                        <p:cond delay="indefinite"/>
+                      </p:stCondLst>
+                      <p:childTnLst>
+                        <p:par>
+                          <p:cTn id="4" fill="hold">
+                            <p:stCondLst>
+                              <p:cond delay="0"/>
+                            </p:stCondLst>
+                            <p:childTnLst>
+                              <p:par>
+                                <p:cTn id="5" presetID="1" presetClass="entr" presetSubtype="0" fill="hold" nodeType="clickEffect">
+                                  <p:stCondLst>
+                                    <p:cond delay="0"/>
+                                  </p:stCondLst>
+                                  <p:childTnLst>
+                                    <p:set>
+                                      <p:cBhvr>
+                                        <p:cTn id="6" dur="1" fill="hold">
+                                          <p:stCondLst>
+                                            <p:cond delay="0"/>
+                                          </p:stCondLst>
+                                        </p:cTn>
+                                        <p:tgtEl>
+                                          <p:spTgt spid="5">
+                                            <p:txEl>
+                                              <p:pRg st="1" end="1"/>
+                                            </p:txEl>
+                                          </p:spTgt>
+                                        </p:tgtEl>
+                                        <p:attrNameLst>
+                                          <p:attrName>style.visibility</p:attrName>
+                                        </p:attrNameLst>
+                                      </p:cBhvr>
+                                      <p:to>
+                                        <p:strVal val="visible"/>
+                                      </p:to>
+                                    </p:set>
+                                  </p:childTnLst>
+                                </p:cTn>
+                              </p:par>
+                            </p:childTnLst>
+                          </p:cTn>
+                        </p:par>
+                      </p:childTnLst>
+                    </p:cTn>
+                  </p:par>
+                  <p:par>
+                    <p:cTn id="7" fill="hold">
+                      <p:stCondLst>
+                        <p:cond delay="indefinite"/>
+                      </p:stCondLst>
+                      <p:childTnLst>
+                        <p:par>
+                          <p:cTn id="8" fill="hold">
+                            <p:stCondLst>
+                              <p:cond delay="0"/>
+                            </p:stCondLst>
+                            <p:childTnLst>
+                              <p:par>
+                                <p:cTn id="9" presetID="1" presetClass="entr" presetSubtype="0" fill="hold" nodeType="clickEffect">
+                                  <p:stCondLst>
+                                    <p:cond delay="0"/>
+                                  </p:stCondLst>
+                                  <p:childTnLst>
+                                    <p:set>
+                                      <p:cBhvr>
+                                        <p:cTn id="10" dur="1" fill="hold">
+                                          <p:stCondLst>
+                                            <p:cond delay="0"/>
+                                          </p:stCondLst>
+                                        </p:cTn>
+                                        <p:tgtEl>
+                                          <p:spTgt spid="5">
+                                            <p:txEl>
+                                              <p:pRg st="2" end="2"/>
+                                            </p:txEl>
+                                          </p:spTgt>
+                                        </p:tgtEl>
+                                        <p:attrNameLst>
+                                          <p:attrName>style.visibility</p:attrName>
+                                        </p:attrNameLst>
+                                      </p:cBhvr>
+                                      <p:to>
+                                        <p:strVal val="visible"/>
+                                      </p:to>
+                                    </p:set>
+                                  </p:childTnLst>
+                                </p:cTn>
+                              </p:par>
+                            </p:childTnLst>
+                          </p:cTn>
+                        </p:par>
+                      </p:childTnLst>
+                    </p:cTn>
+                  </p:par>
+                  <p:par>
+                    <p:cTn id="11" fill="hold">
+                      <p:stCondLst>
+                        <p:cond delay="indefinite"/>
+                      </p:stCondLst>
+                      <p:childTnLst>
+                        <p:par>
+                          <p:cTn id="12" fill="hold">
+                            <p:stCondLst>
+                              <p:cond delay="0"/>
+                            </p:stCondLst>
+                            <p:childTnLst>
+                              <p:par>
+                                <p:cTn id="13" presetID="1" presetClass="entr" presetSubtype="0" fill="hold" nodeType="clickEffect">
+                                  <p:stCondLst>
+                                    <p:cond delay="0"/>
+                                  </p:stCondLst>
+                                  <p:childTnLst>
+                                    <p:set>
+                                      <p:cBhvr>
+                                        <p:cTn id="14" dur="1" fill="hold">
+                                          <p:stCondLst>
+                                            <p:cond delay="0"/>
+                                          </p:stCondLst>
+                                        </p:cTn>
+                                        <p:tgtEl>
+                                          <p:spTgt spid="5">
+                                            <p:txEl>
+                                              <p:pRg st="3" end="3"/>
+                                            </p:txEl>
+                                          </p:spTgt>
+                                        </p:tgtEl>
+                                        <p:attrNameLst>
+                                          <p:attrName>style.visibility</p:attrName>
+                                        </p:attrNameLst>
+                                      </p:cBhvr>
+                                      <p:to>
+                                        <p:strVal val="visible"/>
+                                      </p:to>
+                                    </p:set>
+                                  </p:childTnLst>
+                                </p:cTn>
+                              </p:par>
+                              <p:par>
+                                <p:cTn id="15" presetID="1" presetClass="entr" presetSubtype="0" fill="hold" nodeType="withEffect">
+                                  <p:stCondLst>
+                                    <p:cond delay="0"/>
+                                  </p:stCondLst>
+                                  <p:childTnLst>
+                                    <p:set>
+                                      <p:cBhvr>
+                                        <p:cTn id="16" dur="1" fill="hold">
+                                          <p:stCondLst>
+                                            <p:cond delay="0"/>
+                                          </p:stCondLst>
+                                        </p:cTn>
+                                        <p:tgtEl>
+                                          <p:spTgt spid="5">
+                                            <p:txEl>
+                                              <p:pRg st="4" end="4"/>
+                                            </p:txEl>
+                                          </p:spTgt>
+                                        </p:tgtEl>
+                                        <p:attrNameLst>
+                                          <p:attrName>style.visibility</p:attrName>
+                                        </p:attrNameLst>
+                                      </p:cBhvr>
+                                      <p:to>
+                                        <p:strVal val="visible"/>
+                                      </p:to>
+                                    </p:set>
+                                  </p:childTnLst>
+                                </p:cTn>
+                              </p:par>
+                              <p:par>
+                                <p:cTn id="17" presetID="1" presetClass="entr" presetSubtype="0" fill="hold" nodeType="withEffect">
+                                  <p:stCondLst>
+                                    <p:cond delay="0"/>
+                                  </p:stCondLst>
+                                  <p:childTnLst>
+                                    <p:set>
+                                      <p:cBhvr>
+                                        <p:cTn id="18" dur="1" fill="hold">
+                                          <p:stCondLst>
+                                            <p:cond delay="0"/>
+                                          </p:stCondLst>
+                                        </p:cTn>
+                                        <p:tgtEl>
+                                          <p:spTgt spid="5">
+                                            <p:txEl>
+                                              <p:pRg st="5" end="5"/>
+                                            </p:txEl>
+                                          </p:spTgt>
+                                        </p:tgtEl>
+                                        <p:attrNameLst>
+                                          <p:attrName>style.visibility</p:attrName>
+                                        </p:attrNameLst>
+                                      </p:cBhvr>
+                                      <p:to>
+                                        <p:strVal val="visible"/>
+                                      </p:to>
+                                    </p:set>
+                                  </p:childTnLst>
+                                </p:cTn>
+                              </p:par>
+                            </p:childTnLst>
+                          </p:cTn>
+                        </p:par>
+                      </p:childTnLst>
+                    </p:cTn>
+                  </p:par>
+                </p:childTnLst>
+              </p:cTn>
+              <p:prevCondLst>
+                <p:cond evt="onPrev" delay="0">
+                  <p:tgtEl>
+                    <p:sldTgt/>
+                  </p:tgtEl>
+                </p:cond>
+              </p:prevCondLst>
+              <p:nextCondLst>
+                <p:cond evt="onNext" delay="0">
+                  <p:tgtEl>
+                    <p:sldTgt/>
+                  </p:tgtEl>
+                </p:cond>
+              </p:nextCondLst>
+            </p:seq>
+          </p:childTnLst>
+        </p:cTn>
+      </p:par>
+    </p:tnLst>
+  </p:timing>
+</p:sld>
+</file>
+
+<file path=ppt/slides/slide60.xml><?xml version="1.0" encoding="utf-8"?>
 <p:sld xmlns:a="http://schemas.openxmlformats.org/drawingml/2006/main" xmlns:r="http://schemas.openxmlformats.org/officeDocument/2006/relationships" xmlns:p="http://schemas.openxmlformats.org/presentationml/2006/main">
   <p:cSld>
     <p:spTree>
@@ -39931,635 +40760,7 @@
 </p:sld>
 </file>
 
-<file path=ppt/slides/slide6.xml><?xml version="1.0" encoding="utf-8"?>
-<p:sld xmlns:a="http://schemas.openxmlformats.org/drawingml/2006/main" xmlns:r="http://schemas.openxmlformats.org/officeDocument/2006/relationships" xmlns:p="http://schemas.openxmlformats.org/presentationml/2006/main">
-  <p:cSld>
-    <p:spTree>
-      <p:nvGrpSpPr>
-        <p:cNvPr id="1" name=""/>
-        <p:cNvGrpSpPr/>
-        <p:nvPr/>
-      </p:nvGrpSpPr>
-      <p:grpSpPr>
-        <a:xfrm>
-          <a:off x="0" y="0"/>
-          <a:ext cx="0" cy="0"/>
-          <a:chOff x="0" y="0"/>
-          <a:chExt cx="0" cy="0"/>
-        </a:xfrm>
-      </p:grpSpPr>
-      <p:sp>
-        <p:nvSpPr>
-          <p:cNvPr id="3" name="Content Placeholder 2">
-            <a:extLst>
-              <a:ext uri="{FF2B5EF4-FFF2-40B4-BE49-F238E27FC236}">
-                <a16:creationId xmlns:a16="http://schemas.microsoft.com/office/drawing/2014/main" id="{258E6AF3-7615-4BD1-878E-A94C93E98F90}"/>
-              </a:ext>
-            </a:extLst>
-          </p:cNvPr>
-          <p:cNvSpPr>
-            <a:spLocks noGrp="1"/>
-          </p:cNvSpPr>
-          <p:nvPr>
-            <p:ph idx="1"/>
-          </p:nvPr>
-        </p:nvSpPr>
-        <p:spPr>
-          <a:xfrm>
-            <a:off x="838200" y="1217458"/>
-            <a:ext cx="10515600" cy="485939"/>
-          </a:xfrm>
-        </p:spPr>
-        <p:txBody>
-          <a:bodyPr>
-            <a:normAutofit fontScale="92500" lnSpcReduction="10000"/>
-          </a:bodyPr>
-          <a:lstStyle/>
-          <a:p>
-            <a:pPr marL="0" indent="0">
-              <a:buNone/>
-            </a:pPr>
-            <a:r>
-              <a:rPr lang="en-US" sz="3200" dirty="0"/>
-              <a:t>What is the KDD process?   </a:t>
-            </a:r>
-          </a:p>
-        </p:txBody>
-      </p:sp>
-      <p:sp>
-        <p:nvSpPr>
-          <p:cNvPr id="6" name="Title 1">
-            <a:extLst>
-              <a:ext uri="{FF2B5EF4-FFF2-40B4-BE49-F238E27FC236}">
-                <a16:creationId xmlns:a16="http://schemas.microsoft.com/office/drawing/2014/main" id="{CD29F70F-B868-451B-A65D-8721F4C7A2D9}"/>
-              </a:ext>
-            </a:extLst>
-          </p:cNvPr>
-          <p:cNvSpPr txBox="1">
-            <a:spLocks/>
-          </p:cNvSpPr>
-          <p:nvPr/>
-        </p:nvSpPr>
-        <p:spPr>
-          <a:xfrm>
-            <a:off x="838200" y="-635"/>
-            <a:ext cx="10515600" cy="1325563"/>
-          </a:xfrm>
-          <a:prstGeom prst="rect">
-            <a:avLst/>
-          </a:prstGeom>
-        </p:spPr>
-        <p:txBody>
-          <a:bodyPr vert="horz" lIns="91440" tIns="45720" rIns="91440" bIns="45720" rtlCol="0" anchor="ctr">
-            <a:normAutofit/>
-          </a:bodyPr>
-          <a:lstStyle>
-            <a:lvl1pPr algn="l" defTabSz="914400" rtl="0" eaLnBrk="1" latinLnBrk="0" hangingPunct="1">
-              <a:lnSpc>
-                <a:spcPct val="90000"/>
-              </a:lnSpc>
-              <a:spcBef>
-                <a:spcPct val="0"/>
-              </a:spcBef>
-              <a:buNone/>
-              <a:defRPr sz="4400" kern="1200">
-                <a:solidFill>
-                  <a:schemeClr val="tx1"/>
-                </a:solidFill>
-                <a:latin typeface="+mj-lt"/>
-                <a:ea typeface="+mj-ea"/>
-                <a:cs typeface="+mj-cs"/>
-              </a:defRPr>
-            </a:lvl1pPr>
-          </a:lstStyle>
-          <a:p>
-            <a:r>
-              <a:rPr lang="en-US" dirty="0">
-                <a:latin typeface="+mn-lt"/>
-              </a:rPr>
-              <a:t>KDD process</a:t>
-            </a:r>
-          </a:p>
-        </p:txBody>
-      </p:sp>
-      <p:pic>
-        <p:nvPicPr>
-          <p:cNvPr id="4" name="Picture 3">
-            <a:extLst>
-              <a:ext uri="{FF2B5EF4-FFF2-40B4-BE49-F238E27FC236}">
-                <a16:creationId xmlns:a16="http://schemas.microsoft.com/office/drawing/2014/main" id="{41A10601-345E-4A04-878A-28FFF71506B5}"/>
-              </a:ext>
-            </a:extLst>
-          </p:cNvPr>
-          <p:cNvPicPr>
-            <a:picLocks noChangeAspect="1"/>
-          </p:cNvPicPr>
-          <p:nvPr/>
-        </p:nvPicPr>
-        <p:blipFill>
-          <a:blip r:embed="rId2"/>
-          <a:stretch>
-            <a:fillRect/>
-          </a:stretch>
-        </p:blipFill>
-        <p:spPr>
-          <a:xfrm>
-            <a:off x="376610" y="2168435"/>
-            <a:ext cx="6121998" cy="3176886"/>
-          </a:xfrm>
-          <a:prstGeom prst="rect">
-            <a:avLst/>
-          </a:prstGeom>
-        </p:spPr>
-      </p:pic>
-      <p:sp>
-        <p:nvSpPr>
-          <p:cNvPr id="5" name="Content Placeholder 2">
-            <a:extLst>
-              <a:ext uri="{FF2B5EF4-FFF2-40B4-BE49-F238E27FC236}">
-                <a16:creationId xmlns:a16="http://schemas.microsoft.com/office/drawing/2014/main" id="{DBC99F37-3CFD-4C3B-8CF6-AEDE11B202D2}"/>
-              </a:ext>
-            </a:extLst>
-          </p:cNvPr>
-          <p:cNvSpPr txBox="1">
-            <a:spLocks/>
-          </p:cNvSpPr>
-          <p:nvPr/>
-        </p:nvSpPr>
-        <p:spPr>
-          <a:xfrm>
-            <a:off x="6787461" y="1921229"/>
-            <a:ext cx="5116757" cy="4395969"/>
-          </a:xfrm>
-          <a:prstGeom prst="rect">
-            <a:avLst/>
-          </a:prstGeom>
-        </p:spPr>
-        <p:txBody>
-          <a:bodyPr vert="horz" lIns="91440" tIns="45720" rIns="91440" bIns="45720" rtlCol="0">
-            <a:normAutofit lnSpcReduction="10000"/>
-          </a:bodyPr>
-          <a:lstStyle>
-            <a:lvl1pPr marL="228600" indent="-228600" algn="l" defTabSz="914400" rtl="0" eaLnBrk="1" latinLnBrk="0" hangingPunct="1">
-              <a:lnSpc>
-                <a:spcPct val="90000"/>
-              </a:lnSpc>
-              <a:spcBef>
-                <a:spcPts val="1000"/>
-              </a:spcBef>
-              <a:buFont typeface="Arial" panose="020B0604020202020204" pitchFamily="34" charset="0"/>
-              <a:buChar char="•"/>
-              <a:defRPr sz="2800" kern="1200">
-                <a:solidFill>
-                  <a:schemeClr val="tx1"/>
-                </a:solidFill>
-                <a:latin typeface="+mn-lt"/>
-                <a:ea typeface="+mn-ea"/>
-                <a:cs typeface="+mn-cs"/>
-              </a:defRPr>
-            </a:lvl1pPr>
-            <a:lvl2pPr marL="685800" indent="-228600" algn="l" defTabSz="914400" rtl="0" eaLnBrk="1" latinLnBrk="0" hangingPunct="1">
-              <a:lnSpc>
-                <a:spcPct val="90000"/>
-              </a:lnSpc>
-              <a:spcBef>
-                <a:spcPts val="500"/>
-              </a:spcBef>
-              <a:buFont typeface="Arial" panose="020B0604020202020204" pitchFamily="34" charset="0"/>
-              <a:buChar char="•"/>
-              <a:defRPr sz="2400" kern="1200">
-                <a:solidFill>
-                  <a:schemeClr val="tx1"/>
-                </a:solidFill>
-                <a:latin typeface="+mn-lt"/>
-                <a:ea typeface="+mn-ea"/>
-                <a:cs typeface="+mn-cs"/>
-              </a:defRPr>
-            </a:lvl2pPr>
-            <a:lvl3pPr marL="1143000" indent="-228600" algn="l" defTabSz="914400" rtl="0" eaLnBrk="1" latinLnBrk="0" hangingPunct="1">
-              <a:lnSpc>
-                <a:spcPct val="90000"/>
-              </a:lnSpc>
-              <a:spcBef>
-                <a:spcPts val="500"/>
-              </a:spcBef>
-              <a:buFont typeface="Arial" panose="020B0604020202020204" pitchFamily="34" charset="0"/>
-              <a:buChar char="•"/>
-              <a:defRPr sz="2000" kern="1200">
-                <a:solidFill>
-                  <a:schemeClr val="tx1"/>
-                </a:solidFill>
-                <a:latin typeface="+mn-lt"/>
-                <a:ea typeface="+mn-ea"/>
-                <a:cs typeface="+mn-cs"/>
-              </a:defRPr>
-            </a:lvl3pPr>
-            <a:lvl4pPr marL="1600200" indent="-228600" algn="l" defTabSz="914400" rtl="0" eaLnBrk="1" latinLnBrk="0" hangingPunct="1">
-              <a:lnSpc>
-                <a:spcPct val="90000"/>
-              </a:lnSpc>
-              <a:spcBef>
-                <a:spcPts val="500"/>
-              </a:spcBef>
-              <a:buFont typeface="Arial" panose="020B0604020202020204" pitchFamily="34" charset="0"/>
-              <a:buChar char="•"/>
-              <a:defRPr sz="1800" kern="1200">
-                <a:solidFill>
-                  <a:schemeClr val="tx1"/>
-                </a:solidFill>
-                <a:latin typeface="+mn-lt"/>
-                <a:ea typeface="+mn-ea"/>
-                <a:cs typeface="+mn-cs"/>
-              </a:defRPr>
-            </a:lvl4pPr>
-            <a:lvl5pPr marL="2057400" indent="-228600" algn="l" defTabSz="914400" rtl="0" eaLnBrk="1" latinLnBrk="0" hangingPunct="1">
-              <a:lnSpc>
-                <a:spcPct val="90000"/>
-              </a:lnSpc>
-              <a:spcBef>
-                <a:spcPts val="500"/>
-              </a:spcBef>
-              <a:buFont typeface="Arial" panose="020B0604020202020204" pitchFamily="34" charset="0"/>
-              <a:buChar char="•"/>
-              <a:defRPr sz="1800" kern="1200">
-                <a:solidFill>
-                  <a:schemeClr val="tx1"/>
-                </a:solidFill>
-                <a:latin typeface="+mn-lt"/>
-                <a:ea typeface="+mn-ea"/>
-                <a:cs typeface="+mn-cs"/>
-              </a:defRPr>
-            </a:lvl5pPr>
-            <a:lvl6pPr marL="2514600" indent="-228600" algn="l" defTabSz="914400" rtl="0" eaLnBrk="1" latinLnBrk="0" hangingPunct="1">
-              <a:lnSpc>
-                <a:spcPct val="90000"/>
-              </a:lnSpc>
-              <a:spcBef>
-                <a:spcPts val="500"/>
-              </a:spcBef>
-              <a:buFont typeface="Arial" panose="020B0604020202020204" pitchFamily="34" charset="0"/>
-              <a:buChar char="•"/>
-              <a:defRPr sz="1800" kern="1200">
-                <a:solidFill>
-                  <a:schemeClr val="tx1"/>
-                </a:solidFill>
-                <a:latin typeface="+mn-lt"/>
-                <a:ea typeface="+mn-ea"/>
-                <a:cs typeface="+mn-cs"/>
-              </a:defRPr>
-            </a:lvl6pPr>
-            <a:lvl7pPr marL="2971800" indent="-228600" algn="l" defTabSz="914400" rtl="0" eaLnBrk="1" latinLnBrk="0" hangingPunct="1">
-              <a:lnSpc>
-                <a:spcPct val="90000"/>
-              </a:lnSpc>
-              <a:spcBef>
-                <a:spcPts val="500"/>
-              </a:spcBef>
-              <a:buFont typeface="Arial" panose="020B0604020202020204" pitchFamily="34" charset="0"/>
-              <a:buChar char="•"/>
-              <a:defRPr sz="1800" kern="1200">
-                <a:solidFill>
-                  <a:schemeClr val="tx1"/>
-                </a:solidFill>
-                <a:latin typeface="+mn-lt"/>
-                <a:ea typeface="+mn-ea"/>
-                <a:cs typeface="+mn-cs"/>
-              </a:defRPr>
-            </a:lvl7pPr>
-            <a:lvl8pPr marL="3429000" indent="-228600" algn="l" defTabSz="914400" rtl="0" eaLnBrk="1" latinLnBrk="0" hangingPunct="1">
-              <a:lnSpc>
-                <a:spcPct val="90000"/>
-              </a:lnSpc>
-              <a:spcBef>
-                <a:spcPts val="500"/>
-              </a:spcBef>
-              <a:buFont typeface="Arial" panose="020B0604020202020204" pitchFamily="34" charset="0"/>
-              <a:buChar char="•"/>
-              <a:defRPr sz="1800" kern="1200">
-                <a:solidFill>
-                  <a:schemeClr val="tx1"/>
-                </a:solidFill>
-                <a:latin typeface="+mn-lt"/>
-                <a:ea typeface="+mn-ea"/>
-                <a:cs typeface="+mn-cs"/>
-              </a:defRPr>
-            </a:lvl8pPr>
-            <a:lvl9pPr marL="3886200" indent="-228600" algn="l" defTabSz="914400" rtl="0" eaLnBrk="1" latinLnBrk="0" hangingPunct="1">
-              <a:lnSpc>
-                <a:spcPct val="90000"/>
-              </a:lnSpc>
-              <a:spcBef>
-                <a:spcPts val="500"/>
-              </a:spcBef>
-              <a:buFont typeface="Arial" panose="020B0604020202020204" pitchFamily="34" charset="0"/>
-              <a:buChar char="•"/>
-              <a:defRPr sz="1800" kern="1200">
-                <a:solidFill>
-                  <a:schemeClr val="tx1"/>
-                </a:solidFill>
-                <a:latin typeface="+mn-lt"/>
-                <a:ea typeface="+mn-ea"/>
-                <a:cs typeface="+mn-cs"/>
-              </a:defRPr>
-            </a:lvl9pPr>
-          </a:lstStyle>
-          <a:p>
-            <a:pPr marL="0" indent="0">
-              <a:buFont typeface="Arial" panose="020B0604020202020204" pitchFamily="34" charset="0"/>
-              <a:buNone/>
-            </a:pPr>
-            <a:r>
-              <a:rPr lang="en-US" dirty="0"/>
-              <a:t>Is this diagram representative of today’s process?</a:t>
-            </a:r>
-          </a:p>
-          <a:p>
-            <a:r>
-              <a:rPr lang="en-US" dirty="0"/>
-              <a:t>Perhaps? </a:t>
-            </a:r>
-          </a:p>
-          <a:p>
-            <a:r>
-              <a:rPr lang="en-US" dirty="0"/>
-              <a:t>Must have a clear idea of goal!</a:t>
-            </a:r>
-          </a:p>
-          <a:p>
-            <a:r>
-              <a:rPr lang="en-US" dirty="0"/>
-              <a:t>KDD is an iterative process</a:t>
-            </a:r>
-          </a:p>
-          <a:p>
-            <a:pPr lvl="1"/>
-            <a:r>
-              <a:rPr lang="en-US" sz="2800" dirty="0"/>
-              <a:t>The results of on step informs updates to previous steps  </a:t>
-            </a:r>
-          </a:p>
-          <a:p>
-            <a:pPr lvl="1"/>
-            <a:r>
-              <a:rPr lang="en-US" sz="2800" dirty="0"/>
-              <a:t>Process is a series of overlapping cycles </a:t>
-            </a:r>
-          </a:p>
-        </p:txBody>
-      </p:sp>
-    </p:spTree>
-    <p:extLst>
-      <p:ext uri="{BB962C8B-B14F-4D97-AF65-F5344CB8AC3E}">
-        <p14:creationId xmlns:p14="http://schemas.microsoft.com/office/powerpoint/2010/main" val="2657309543"/>
-      </p:ext>
-    </p:extLst>
-  </p:cSld>
-  <p:clrMapOvr>
-    <a:masterClrMapping/>
-  </p:clrMapOvr>
-  <p:timing>
-    <p:tnLst>
-      <p:par>
-        <p:cTn id="1" dur="indefinite" restart="never" nodeType="tmRoot">
-          <p:childTnLst>
-            <p:seq concurrent="1" nextAc="seek">
-              <p:cTn id="2" dur="indefinite" nodeType="mainSeq">
-                <p:childTnLst>
-                  <p:par>
-                    <p:cTn id="3" fill="hold">
-                      <p:stCondLst>
-                        <p:cond delay="indefinite"/>
-                      </p:stCondLst>
-                      <p:childTnLst>
-                        <p:par>
-                          <p:cTn id="4" fill="hold">
-                            <p:stCondLst>
-                              <p:cond delay="0"/>
-                            </p:stCondLst>
-                            <p:childTnLst>
-                              <p:par>
-                                <p:cTn id="5" presetID="1" presetClass="entr" presetSubtype="0" fill="hold" nodeType="clickEffect">
-                                  <p:stCondLst>
-                                    <p:cond delay="0"/>
-                                  </p:stCondLst>
-                                  <p:childTnLst>
-                                    <p:set>
-                                      <p:cBhvr>
-                                        <p:cTn id="6" dur="1" fill="hold">
-                                          <p:stCondLst>
-                                            <p:cond delay="0"/>
-                                          </p:stCondLst>
-                                        </p:cTn>
-                                        <p:tgtEl>
-                                          <p:spTgt spid="5">
-                                            <p:txEl>
-                                              <p:pRg st="1" end="1"/>
-                                            </p:txEl>
-                                          </p:spTgt>
-                                        </p:tgtEl>
-                                        <p:attrNameLst>
-                                          <p:attrName>style.visibility</p:attrName>
-                                        </p:attrNameLst>
-                                      </p:cBhvr>
-                                      <p:to>
-                                        <p:strVal val="visible"/>
-                                      </p:to>
-                                    </p:set>
-                                  </p:childTnLst>
-                                </p:cTn>
-                              </p:par>
-                            </p:childTnLst>
-                          </p:cTn>
-                        </p:par>
-                      </p:childTnLst>
-                    </p:cTn>
-                  </p:par>
-                  <p:par>
-                    <p:cTn id="7" fill="hold">
-                      <p:stCondLst>
-                        <p:cond delay="indefinite"/>
-                      </p:stCondLst>
-                      <p:childTnLst>
-                        <p:par>
-                          <p:cTn id="8" fill="hold">
-                            <p:stCondLst>
-                              <p:cond delay="0"/>
-                            </p:stCondLst>
-                            <p:childTnLst>
-                              <p:par>
-                                <p:cTn id="9" presetID="1" presetClass="entr" presetSubtype="0" fill="hold" nodeType="clickEffect">
-                                  <p:stCondLst>
-                                    <p:cond delay="0"/>
-                                  </p:stCondLst>
-                                  <p:childTnLst>
-                                    <p:set>
-                                      <p:cBhvr>
-                                        <p:cTn id="10" dur="1" fill="hold">
-                                          <p:stCondLst>
-                                            <p:cond delay="0"/>
-                                          </p:stCondLst>
-                                        </p:cTn>
-                                        <p:tgtEl>
-                                          <p:spTgt spid="5">
-                                            <p:txEl>
-                                              <p:pRg st="2" end="2"/>
-                                            </p:txEl>
-                                          </p:spTgt>
-                                        </p:tgtEl>
-                                        <p:attrNameLst>
-                                          <p:attrName>style.visibility</p:attrName>
-                                        </p:attrNameLst>
-                                      </p:cBhvr>
-                                      <p:to>
-                                        <p:strVal val="visible"/>
-                                      </p:to>
-                                    </p:set>
-                                  </p:childTnLst>
-                                </p:cTn>
-                              </p:par>
-                            </p:childTnLst>
-                          </p:cTn>
-                        </p:par>
-                      </p:childTnLst>
-                    </p:cTn>
-                  </p:par>
-                  <p:par>
-                    <p:cTn id="11" fill="hold">
-                      <p:stCondLst>
-                        <p:cond delay="indefinite"/>
-                      </p:stCondLst>
-                      <p:childTnLst>
-                        <p:par>
-                          <p:cTn id="12" fill="hold">
-                            <p:stCondLst>
-                              <p:cond delay="0"/>
-                            </p:stCondLst>
-                            <p:childTnLst>
-                              <p:par>
-                                <p:cTn id="13" presetID="1" presetClass="entr" presetSubtype="0" fill="hold" nodeType="clickEffect">
-                                  <p:stCondLst>
-                                    <p:cond delay="0"/>
-                                  </p:stCondLst>
-                                  <p:childTnLst>
-                                    <p:set>
-                                      <p:cBhvr>
-                                        <p:cTn id="14" dur="1" fill="hold">
-                                          <p:stCondLst>
-                                            <p:cond delay="0"/>
-                                          </p:stCondLst>
-                                        </p:cTn>
-                                        <p:tgtEl>
-                                          <p:spTgt spid="5">
-                                            <p:txEl>
-                                              <p:pRg st="3" end="3"/>
-                                            </p:txEl>
-                                          </p:spTgt>
-                                        </p:tgtEl>
-                                        <p:attrNameLst>
-                                          <p:attrName>style.visibility</p:attrName>
-                                        </p:attrNameLst>
-                                      </p:cBhvr>
-                                      <p:to>
-                                        <p:strVal val="visible"/>
-                                      </p:to>
-                                    </p:set>
-                                  </p:childTnLst>
-                                </p:cTn>
-                              </p:par>
-                              <p:par>
-                                <p:cTn id="15" presetID="1" presetClass="entr" presetSubtype="0" fill="hold" nodeType="withEffect">
-                                  <p:stCondLst>
-                                    <p:cond delay="0"/>
-                                  </p:stCondLst>
-                                  <p:childTnLst>
-                                    <p:set>
-                                      <p:cBhvr>
-                                        <p:cTn id="16" dur="1" fill="hold">
-                                          <p:stCondLst>
-                                            <p:cond delay="0"/>
-                                          </p:stCondLst>
-                                        </p:cTn>
-                                        <p:tgtEl>
-                                          <p:spTgt spid="5">
-                                            <p:txEl>
-                                              <p:pRg st="4" end="4"/>
-                                            </p:txEl>
-                                          </p:spTgt>
-                                        </p:tgtEl>
-                                        <p:attrNameLst>
-                                          <p:attrName>style.visibility</p:attrName>
-                                        </p:attrNameLst>
-                                      </p:cBhvr>
-                                      <p:to>
-                                        <p:strVal val="visible"/>
-                                      </p:to>
-                                    </p:set>
-                                  </p:childTnLst>
-                                </p:cTn>
-                              </p:par>
-                              <p:par>
-                                <p:cTn id="17" presetID="1" presetClass="entr" presetSubtype="0" fill="hold" nodeType="withEffect">
-                                  <p:stCondLst>
-                                    <p:cond delay="0"/>
-                                  </p:stCondLst>
-                                  <p:childTnLst>
-                                    <p:set>
-                                      <p:cBhvr>
-                                        <p:cTn id="18" dur="1" fill="hold">
-                                          <p:stCondLst>
-                                            <p:cond delay="0"/>
-                                          </p:stCondLst>
-                                        </p:cTn>
-                                        <p:tgtEl>
-                                          <p:spTgt spid="5">
-                                            <p:txEl>
-                                              <p:pRg st="5" end="5"/>
-                                            </p:txEl>
-                                          </p:spTgt>
-                                        </p:tgtEl>
-                                        <p:attrNameLst>
-                                          <p:attrName>style.visibility</p:attrName>
-                                        </p:attrNameLst>
-                                      </p:cBhvr>
-                                      <p:to>
-                                        <p:strVal val="visible"/>
-                                      </p:to>
-                                    </p:set>
-                                  </p:childTnLst>
-                                </p:cTn>
-                              </p:par>
-                            </p:childTnLst>
-                          </p:cTn>
-                        </p:par>
-                      </p:childTnLst>
-                    </p:cTn>
-                  </p:par>
-                </p:childTnLst>
-              </p:cTn>
-              <p:prevCondLst>
-                <p:cond evt="onPrev" delay="0">
-                  <p:tgtEl>
-                    <p:sldTgt/>
-                  </p:tgtEl>
-                </p:cond>
-              </p:prevCondLst>
-              <p:nextCondLst>
-                <p:cond evt="onNext" delay="0">
-                  <p:tgtEl>
-                    <p:sldTgt/>
-                  </p:tgtEl>
-                </p:cond>
-              </p:nextCondLst>
-            </p:seq>
-          </p:childTnLst>
-        </p:cTn>
-      </p:par>
-    </p:tnLst>
-  </p:timing>
-</p:sld>
-</file>
-
-<file path=ppt/slides/slide60.xml><?xml version="1.0" encoding="utf-8"?>
+<file path=ppt/slides/slide61.xml><?xml version="1.0" encoding="utf-8"?>
 <p:sld xmlns:a="http://schemas.openxmlformats.org/drawingml/2006/main" xmlns:r="http://schemas.openxmlformats.org/officeDocument/2006/relationships" xmlns:p="http://schemas.openxmlformats.org/presentationml/2006/main">
   <p:cSld>
     <p:spTree>
@@ -41641,7 +41842,7 @@
 </p:sld>
 </file>
 
-<file path=ppt/slides/slide61.xml><?xml version="1.0" encoding="utf-8"?>
+<file path=ppt/slides/slide62.xml><?xml version="1.0" encoding="utf-8"?>
 <p:sld xmlns:a="http://schemas.openxmlformats.org/drawingml/2006/main" xmlns:r="http://schemas.openxmlformats.org/officeDocument/2006/relationships" xmlns:p="http://schemas.openxmlformats.org/presentationml/2006/main">
   <p:cSld>
     <p:spTree>
@@ -41795,7 +41996,7 @@
 </p:sld>
 </file>
 
-<file path=ppt/slides/slide62.xml><?xml version="1.0" encoding="utf-8"?>
+<file path=ppt/slides/slide63.xml><?xml version="1.0" encoding="utf-8"?>
 <p:sld xmlns:a="http://schemas.openxmlformats.org/drawingml/2006/main" xmlns:r="http://schemas.openxmlformats.org/officeDocument/2006/relationships" xmlns:p="http://schemas.openxmlformats.org/presentationml/2006/main">
   <p:cSld>
     <p:spTree>
@@ -42857,7 +43058,7 @@
 </p:sld>
 </file>
 
-<file path=ppt/slides/slide63.xml><?xml version="1.0" encoding="utf-8"?>
+<file path=ppt/slides/slide64.xml><?xml version="1.0" encoding="utf-8"?>
 <p:sld xmlns:a="http://schemas.openxmlformats.org/drawingml/2006/main" xmlns:r="http://schemas.openxmlformats.org/officeDocument/2006/relationships" xmlns:p="http://schemas.openxmlformats.org/presentationml/2006/main">
   <p:cSld>
     <p:spTree>
@@ -43015,7 +43216,7 @@
 </p:sld>
 </file>
 
-<file path=ppt/slides/slide64.xml><?xml version="1.0" encoding="utf-8"?>
+<file path=ppt/slides/slide65.xml><?xml version="1.0" encoding="utf-8"?>
 <p:sld xmlns:a="http://schemas.openxmlformats.org/drawingml/2006/main" xmlns:r="http://schemas.openxmlformats.org/officeDocument/2006/relationships" xmlns:p="http://schemas.openxmlformats.org/presentationml/2006/main">
   <p:cSld>
     <p:spTree>

--- a/slides/1_Introduction.pptx
+++ b/slides/1_Introduction.pptx
@@ -5,7 +5,7 @@
     <p:sldMasterId id="2147483648" r:id="rId1"/>
   </p:sldMasterIdLst>
   <p:notesMasterIdLst>
-    <p:notesMasterId r:id="rId67"/>
+    <p:notesMasterId r:id="rId69"/>
   </p:notesMasterIdLst>
   <p:sldIdLst>
     <p:sldId id="256" r:id="rId2"/>
@@ -40,39 +40,41 @@
     <p:sldId id="357" r:id="rId31"/>
     <p:sldId id="385" r:id="rId32"/>
     <p:sldId id="359" r:id="rId33"/>
-    <p:sldId id="386" r:id="rId34"/>
-    <p:sldId id="714" r:id="rId35"/>
-    <p:sldId id="360" r:id="rId36"/>
-    <p:sldId id="374" r:id="rId37"/>
-    <p:sldId id="375" r:id="rId38"/>
-    <p:sldId id="376" r:id="rId39"/>
-    <p:sldId id="377" r:id="rId40"/>
-    <p:sldId id="378" r:id="rId41"/>
-    <p:sldId id="379" r:id="rId42"/>
-    <p:sldId id="380" r:id="rId43"/>
-    <p:sldId id="715" r:id="rId44"/>
-    <p:sldId id="362" r:id="rId45"/>
-    <p:sldId id="364" r:id="rId46"/>
-    <p:sldId id="366" r:id="rId47"/>
-    <p:sldId id="365" r:id="rId48"/>
-    <p:sldId id="363" r:id="rId49"/>
-    <p:sldId id="372" r:id="rId50"/>
-    <p:sldId id="716" r:id="rId51"/>
-    <p:sldId id="361" r:id="rId52"/>
-    <p:sldId id="368" r:id="rId53"/>
-    <p:sldId id="390" r:id="rId54"/>
-    <p:sldId id="391" r:id="rId55"/>
-    <p:sldId id="392" r:id="rId56"/>
-    <p:sldId id="393" r:id="rId57"/>
-    <p:sldId id="394" r:id="rId58"/>
-    <p:sldId id="717" r:id="rId59"/>
-    <p:sldId id="371" r:id="rId60"/>
-    <p:sldId id="369" r:id="rId61"/>
-    <p:sldId id="373" r:id="rId62"/>
-    <p:sldId id="399" r:id="rId63"/>
-    <p:sldId id="370" r:id="rId64"/>
-    <p:sldId id="398" r:id="rId65"/>
-    <p:sldId id="384" r:id="rId66"/>
+    <p:sldId id="727" r:id="rId34"/>
+    <p:sldId id="386" r:id="rId35"/>
+    <p:sldId id="714" r:id="rId36"/>
+    <p:sldId id="360" r:id="rId37"/>
+    <p:sldId id="374" r:id="rId38"/>
+    <p:sldId id="375" r:id="rId39"/>
+    <p:sldId id="376" r:id="rId40"/>
+    <p:sldId id="377" r:id="rId41"/>
+    <p:sldId id="378" r:id="rId42"/>
+    <p:sldId id="379" r:id="rId43"/>
+    <p:sldId id="380" r:id="rId44"/>
+    <p:sldId id="715" r:id="rId45"/>
+    <p:sldId id="362" r:id="rId46"/>
+    <p:sldId id="364" r:id="rId47"/>
+    <p:sldId id="366" r:id="rId48"/>
+    <p:sldId id="365" r:id="rId49"/>
+    <p:sldId id="726" r:id="rId50"/>
+    <p:sldId id="363" r:id="rId51"/>
+    <p:sldId id="372" r:id="rId52"/>
+    <p:sldId id="716" r:id="rId53"/>
+    <p:sldId id="361" r:id="rId54"/>
+    <p:sldId id="368" r:id="rId55"/>
+    <p:sldId id="390" r:id="rId56"/>
+    <p:sldId id="391" r:id="rId57"/>
+    <p:sldId id="392" r:id="rId58"/>
+    <p:sldId id="393" r:id="rId59"/>
+    <p:sldId id="394" r:id="rId60"/>
+    <p:sldId id="717" r:id="rId61"/>
+    <p:sldId id="371" r:id="rId62"/>
+    <p:sldId id="369" r:id="rId63"/>
+    <p:sldId id="373" r:id="rId64"/>
+    <p:sldId id="399" r:id="rId65"/>
+    <p:sldId id="370" r:id="rId66"/>
+    <p:sldId id="398" r:id="rId67"/>
+    <p:sldId id="384" r:id="rId68"/>
   </p:sldIdLst>
   <p:sldSz cx="12192000" cy="6858000"/>
   <p:notesSz cx="6858000" cy="9144000"/>
@@ -261,7 +263,7 @@
           <a:p>
             <a:fld id="{2F3ABF1A-8818-4472-8518-E71DC7B5D2F7}" type="datetimeFigureOut">
               <a:rPr lang="en-US" smtClean="0"/>
-              <a:t>6/18/2025</a:t>
+              <a:t>6/23/2025</a:t>
             </a:fld>
             <a:endParaRPr lang="en-US"/>
           </a:p>
@@ -593,7 +595,7 @@
           <a:p>
             <a:fld id="{F33E01E3-981B-4CB5-81ED-65C622C255CB}" type="slidenum">
               <a:rPr lang="en-US" smtClean="0"/>
-              <a:t>46</a:t>
+              <a:t>47</a:t>
             </a:fld>
             <a:endParaRPr lang="en-US"/>
           </a:p>
@@ -680,7 +682,7 @@
           <a:p>
             <a:fld id="{F33E01E3-981B-4CB5-81ED-65C622C255CB}" type="slidenum">
               <a:rPr lang="en-US" smtClean="0"/>
-              <a:t>59</a:t>
+              <a:t>61</a:t>
             </a:fld>
             <a:endParaRPr lang="en-US"/>
           </a:p>
@@ -767,7 +769,7 @@
           <a:p>
             <a:fld id="{F33E01E3-981B-4CB5-81ED-65C622C255CB}" type="slidenum">
               <a:rPr lang="en-US" smtClean="0"/>
-              <a:t>60</a:t>
+              <a:t>62</a:t>
             </a:fld>
             <a:endParaRPr lang="en-US"/>
           </a:p>
@@ -854,7 +856,7 @@
           <a:p>
             <a:fld id="{F33E01E3-981B-4CB5-81ED-65C622C255CB}" type="slidenum">
               <a:rPr lang="en-US" smtClean="0"/>
-              <a:t>61</a:t>
+              <a:t>63</a:t>
             </a:fld>
             <a:endParaRPr lang="en-US"/>
           </a:p>
@@ -941,7 +943,7 @@
           <a:p>
             <a:fld id="{F33E01E3-981B-4CB5-81ED-65C622C255CB}" type="slidenum">
               <a:rPr lang="en-US" smtClean="0"/>
-              <a:t>62</a:t>
+              <a:t>64</a:t>
             </a:fld>
             <a:endParaRPr lang="en-US"/>
           </a:p>
@@ -1028,7 +1030,7 @@
           <a:p>
             <a:fld id="{F33E01E3-981B-4CB5-81ED-65C622C255CB}" type="slidenum">
               <a:rPr lang="en-US" smtClean="0"/>
-              <a:t>63</a:t>
+              <a:t>65</a:t>
             </a:fld>
             <a:endParaRPr lang="en-US"/>
           </a:p>
@@ -1115,7 +1117,7 @@
           <a:p>
             <a:fld id="{F33E01E3-981B-4CB5-81ED-65C622C255CB}" type="slidenum">
               <a:rPr lang="en-US" smtClean="0"/>
-              <a:t>64</a:t>
+              <a:t>66</a:t>
             </a:fld>
             <a:endParaRPr lang="en-US"/>
           </a:p>
@@ -1281,7 +1283,7 @@
           <a:p>
             <a:fld id="{6E4A31BF-7266-4BEB-918B-ADC21C630A6F}" type="datetimeFigureOut">
               <a:rPr lang="en-US" smtClean="0"/>
-              <a:t>6/18/2025</a:t>
+              <a:t>6/23/2025</a:t>
             </a:fld>
             <a:endParaRPr lang="en-US"/>
           </a:p>
@@ -1479,7 +1481,7 @@
           <a:p>
             <a:fld id="{6E4A31BF-7266-4BEB-918B-ADC21C630A6F}" type="datetimeFigureOut">
               <a:rPr lang="en-US" smtClean="0"/>
-              <a:t>6/18/2025</a:t>
+              <a:t>6/23/2025</a:t>
             </a:fld>
             <a:endParaRPr lang="en-US"/>
           </a:p>
@@ -1687,7 +1689,7 @@
           <a:p>
             <a:fld id="{6E4A31BF-7266-4BEB-918B-ADC21C630A6F}" type="datetimeFigureOut">
               <a:rPr lang="en-US" smtClean="0"/>
-              <a:t>6/18/2025</a:t>
+              <a:t>6/23/2025</a:t>
             </a:fld>
             <a:endParaRPr lang="en-US"/>
           </a:p>
@@ -1885,7 +1887,7 @@
           <a:p>
             <a:fld id="{6E4A31BF-7266-4BEB-918B-ADC21C630A6F}" type="datetimeFigureOut">
               <a:rPr lang="en-US" smtClean="0"/>
-              <a:t>6/18/2025</a:t>
+              <a:t>6/23/2025</a:t>
             </a:fld>
             <a:endParaRPr lang="en-US"/>
           </a:p>
@@ -2160,7 +2162,7 @@
           <a:p>
             <a:fld id="{6E4A31BF-7266-4BEB-918B-ADC21C630A6F}" type="datetimeFigureOut">
               <a:rPr lang="en-US" smtClean="0"/>
-              <a:t>6/18/2025</a:t>
+              <a:t>6/23/2025</a:t>
             </a:fld>
             <a:endParaRPr lang="en-US"/>
           </a:p>
@@ -2425,7 +2427,7 @@
           <a:p>
             <a:fld id="{6E4A31BF-7266-4BEB-918B-ADC21C630A6F}" type="datetimeFigureOut">
               <a:rPr lang="en-US" smtClean="0"/>
-              <a:t>6/18/2025</a:t>
+              <a:t>6/23/2025</a:t>
             </a:fld>
             <a:endParaRPr lang="en-US"/>
           </a:p>
@@ -2837,7 +2839,7 @@
           <a:p>
             <a:fld id="{6E4A31BF-7266-4BEB-918B-ADC21C630A6F}" type="datetimeFigureOut">
               <a:rPr lang="en-US" smtClean="0"/>
-              <a:t>6/18/2025</a:t>
+              <a:t>6/23/2025</a:t>
             </a:fld>
             <a:endParaRPr lang="en-US"/>
           </a:p>
@@ -2978,7 +2980,7 @@
           <a:p>
             <a:fld id="{6E4A31BF-7266-4BEB-918B-ADC21C630A6F}" type="datetimeFigureOut">
               <a:rPr lang="en-US" smtClean="0"/>
-              <a:t>6/18/2025</a:t>
+              <a:t>6/23/2025</a:t>
             </a:fld>
             <a:endParaRPr lang="en-US"/>
           </a:p>
@@ -3091,7 +3093,7 @@
           <a:p>
             <a:fld id="{6E4A31BF-7266-4BEB-918B-ADC21C630A6F}" type="datetimeFigureOut">
               <a:rPr lang="en-US" smtClean="0"/>
-              <a:t>6/18/2025</a:t>
+              <a:t>6/23/2025</a:t>
             </a:fld>
             <a:endParaRPr lang="en-US"/>
           </a:p>
@@ -3402,7 +3404,7 @@
           <a:p>
             <a:fld id="{6E4A31BF-7266-4BEB-918B-ADC21C630A6F}" type="datetimeFigureOut">
               <a:rPr lang="en-US" smtClean="0"/>
-              <a:t>6/18/2025</a:t>
+              <a:t>6/23/2025</a:t>
             </a:fld>
             <a:endParaRPr lang="en-US"/>
           </a:p>
@@ -3690,7 +3692,7 @@
           <a:p>
             <a:fld id="{6E4A31BF-7266-4BEB-918B-ADC21C630A6F}" type="datetimeFigureOut">
               <a:rPr lang="en-US" smtClean="0"/>
-              <a:t>6/18/2025</a:t>
+              <a:t>6/23/2025</a:t>
             </a:fld>
             <a:endParaRPr lang="en-US"/>
           </a:p>
@@ -3931,7 +3933,7 @@
           <a:p>
             <a:fld id="{6E4A31BF-7266-4BEB-918B-ADC21C630A6F}" type="datetimeFigureOut">
               <a:rPr lang="en-US" smtClean="0"/>
-              <a:t>6/18/2025</a:t>
+              <a:t>6/23/2025</a:t>
             </a:fld>
             <a:endParaRPr lang="en-US"/>
           </a:p>
@@ -4802,7 +4804,7 @@
             <a:pPr lvl="1"/>
             <a:r>
               <a:rPr lang="en-US" dirty="0"/>
-              <a:t>Analytic methods have </a:t>
+              <a:t>Good algorithms have </a:t>
             </a:r>
             <a:r>
               <a:rPr lang="en-US" b="1" dirty="0"/>
@@ -4813,7 +4815,7 @@
             <a:pPr lvl="1"/>
             <a:r>
               <a:rPr lang="en-US" dirty="0"/>
-              <a:t>Analytic methods at core of exploration  </a:t>
+              <a:t>Understand algorithm performance analysis</a:t>
             </a:r>
           </a:p>
           <a:p>
@@ -5399,13 +5401,6 @@
             <a:endParaRPr lang="en-US" b="1" dirty="0"/>
           </a:p>
           <a:p>
-            <a:pPr lvl="1"/>
-            <a:r>
-              <a:rPr lang="en-US" dirty="0"/>
-              <a:t>We deliberately avoid supervised machine learning methods </a:t>
-            </a:r>
-          </a:p>
-          <a:p>
             <a:r>
               <a:rPr lang="en-US" dirty="0"/>
               <a:t>Similarity search and nearest neighbor algorithms </a:t>
@@ -5631,15 +5626,33 @@
                                   </p:childTnLst>
                                 </p:cTn>
                               </p:par>
+                            </p:childTnLst>
+                          </p:cTn>
+                        </p:par>
+                      </p:childTnLst>
+                    </p:cTn>
+                  </p:par>
+                  <p:par>
+                    <p:cTn id="11" fill="hold">
+                      <p:stCondLst>
+                        <p:cond delay="indefinite"/>
+                      </p:stCondLst>
+                      <p:childTnLst>
+                        <p:par>
+                          <p:cTn id="12" fill="hold">
+                            <p:stCondLst>
+                              <p:cond delay="0"/>
+                            </p:stCondLst>
+                            <p:childTnLst>
                               <p:par>
-                                <p:cTn id="11" presetID="1" presetClass="entr" presetSubtype="0" fill="hold" nodeType="withEffect">
+                                <p:cTn id="13" presetID="1" presetClass="entr" presetSubtype="0" fill="hold" nodeType="clickEffect">
                                   <p:stCondLst>
                                     <p:cond delay="0"/>
                                   </p:stCondLst>
                                   <p:childTnLst>
                                     <p:set>
                                       <p:cBhvr>
-                                        <p:cTn id="12" dur="1" fill="hold">
+                                        <p:cTn id="14" dur="1" fill="hold">
                                           <p:stCondLst>
                                             <p:cond delay="0"/>
                                           </p:stCondLst>
@@ -5662,26 +5675,8 @@
                                   </p:childTnLst>
                                 </p:cTn>
                               </p:par>
-                            </p:childTnLst>
-                          </p:cTn>
-                        </p:par>
-                      </p:childTnLst>
-                    </p:cTn>
-                  </p:par>
-                  <p:par>
-                    <p:cTn id="13" fill="hold">
-                      <p:stCondLst>
-                        <p:cond delay="indefinite"/>
-                      </p:stCondLst>
-                      <p:childTnLst>
-                        <p:par>
-                          <p:cTn id="14" fill="hold">
-                            <p:stCondLst>
-                              <p:cond delay="0"/>
-                            </p:stCondLst>
-                            <p:childTnLst>
                               <p:par>
-                                <p:cTn id="15" presetID="1" presetClass="entr" presetSubtype="0" fill="hold" nodeType="clickEffect">
+                                <p:cTn id="15" presetID="1" presetClass="entr" presetSubtype="0" fill="hold" nodeType="withEffect">
                                   <p:stCondLst>
                                     <p:cond delay="0"/>
                                   </p:stCondLst>
@@ -5742,39 +5737,26 @@
                                   </p:childTnLst>
                                 </p:cTn>
                               </p:par>
+                            </p:childTnLst>
+                          </p:cTn>
+                        </p:par>
+                      </p:childTnLst>
+                    </p:cTn>
+                  </p:par>
+                  <p:par>
+                    <p:cTn id="19" fill="hold">
+                      <p:stCondLst>
+                        <p:cond delay="indefinite"/>
+                      </p:stCondLst>
+                      <p:childTnLst>
+                        <p:par>
+                          <p:cTn id="20" fill="hold">
+                            <p:stCondLst>
+                              <p:cond delay="0"/>
+                            </p:stCondLst>
+                            <p:childTnLst>
                               <p:par>
-                                <p:cTn id="19" presetID="1" presetClass="entr" presetSubtype="0" fill="hold" nodeType="withEffect">
-                                  <p:stCondLst>
-                                    <p:cond delay="0"/>
-                                  </p:stCondLst>
-                                  <p:childTnLst>
-                                    <p:set>
-                                      <p:cBhvr>
-                                        <p:cTn id="20" dur="1" fill="hold">
-                                          <p:stCondLst>
-                                            <p:cond delay="0"/>
-                                          </p:stCondLst>
-                                        </p:cTn>
-                                        <p:tgtEl>
-                                          <p:spTgt spid="3">
-                                            <p:txEl>
-                                              <p:pRg st="7" end="7"/>
-                                            </p:txEl>
-                                          </p:spTgt>
-                                        </p:tgtEl>
-                                        <p:attrNameLst>
-                                          <p:attrName>style.visibility</p:attrName>
-                                        </p:attrNameLst>
-                                      </p:cBhvr>
-                                      <p:to>
-                                        <p:strVal val="visible"/>
-                                      </p:to>
-                                    </p:set>
-                                  </p:childTnLst>
-                                </p:cTn>
-                              </p:par>
-                              <p:par>
-                                <p:cTn id="21" presetID="1" presetClass="entr" presetSubtype="0" fill="hold" nodeType="withEffect">
+                                <p:cTn id="21" presetID="1" presetClass="entr" presetSubtype="0" fill="hold" nodeType="clickEffect">
                                   <p:stCondLst>
                                     <p:cond delay="0"/>
                                   </p:stCondLst>
@@ -5789,7 +5771,7 @@
                                         <p:tgtEl>
                                           <p:spTgt spid="3">
                                             <p:txEl>
-                                              <p:pRg st="8" end="8"/>
+                                              <p:pRg st="7" end="7"/>
                                             </p:txEl>
                                           </p:spTgt>
                                         </p:tgtEl>
@@ -5838,7 +5820,7 @@
                                         <p:tgtEl>
                                           <p:spTgt spid="3">
                                             <p:txEl>
-                                              <p:pRg st="9" end="9"/>
+                                              <p:pRg st="8" end="8"/>
                                             </p:txEl>
                                           </p:spTgt>
                                         </p:tgtEl>
@@ -5887,7 +5869,7 @@
                                         <p:tgtEl>
                                           <p:spTgt spid="3">
                                             <p:txEl>
-                                              <p:pRg st="10" end="10"/>
+                                              <p:pRg st="9" end="9"/>
                                             </p:txEl>
                                           </p:spTgt>
                                         </p:tgtEl>
@@ -5918,7 +5900,7 @@
                                         <p:tgtEl>
                                           <p:spTgt spid="3">
                                             <p:txEl>
-                                              <p:pRg st="11" end="11"/>
+                                              <p:pRg st="10" end="10"/>
                                             </p:txEl>
                                           </p:spTgt>
                                         </p:tgtEl>
@@ -10877,7 +10859,7 @@
             </a:r>
             <a:r>
               <a:rPr lang="en-US" dirty="0"/>
-              <a:t>– Independent data mining project report – More on this next week</a:t>
+              <a:t>– Independent data mining project report – More on this next class</a:t>
             </a:r>
           </a:p>
         </p:txBody>
@@ -12469,7 +12451,7 @@
             </a:pPr>
             <a:r>
               <a:rPr lang="en-US" dirty="0"/>
-              <a:t>As AI (LLMs) is becoming a standard too for professional data scientists, limited use is allowed for this course  </a:t>
+              <a:t>As AI (LLMs) is becoming a standard tool for professional data scientists, limited use is allowed for this course  </a:t>
             </a:r>
           </a:p>
           <a:p>
@@ -12902,13 +12884,21 @@
             </a:pPr>
             <a:r>
               <a:rPr lang="en-US" dirty="0"/>
-              <a:t>Difficulties created by size and complexity of Data</a:t>
+              <a:t>Mastering tools for working with and performing inference on massive and complex of data is a core goal for this course</a:t>
             </a:r>
           </a:p>
           <a:p>
             <a:r>
               <a:rPr lang="en-US" dirty="0"/>
-              <a:t>Massive size requires efferent storage and retrieval  </a:t>
+              <a:t>Massive size requires </a:t>
+            </a:r>
+            <a:r>
+              <a:rPr lang="en-US" dirty="0" err="1"/>
+              <a:t>efficent</a:t>
+            </a:r>
+            <a:r>
+              <a:rPr lang="en-US" dirty="0"/>
+              <a:t> storage and retrieval  </a:t>
             </a:r>
           </a:p>
           <a:p>
@@ -12935,17 +12925,6 @@
             <a:r>
               <a:rPr lang="en-US" dirty="0"/>
               <a:t>for efficient storage and retrieval </a:t>
-            </a:r>
-          </a:p>
-          <a:p>
-            <a:pPr lvl="1"/>
-            <a:r>
-              <a:rPr lang="en-US" b="1" dirty="0"/>
-              <a:t>Similarity search </a:t>
-            </a:r>
-            <a:r>
-              <a:rPr lang="en-US" dirty="0"/>
-              <a:t>with hashed values – much more on this later </a:t>
             </a:r>
           </a:p>
           <a:p>
@@ -13179,15 +13158,33 @@
                                   </p:childTnLst>
                                 </p:cTn>
                               </p:par>
+                            </p:childTnLst>
+                          </p:cTn>
+                        </p:par>
+                      </p:childTnLst>
+                    </p:cTn>
+                  </p:par>
+                  <p:par>
+                    <p:cTn id="11" fill="hold">
+                      <p:stCondLst>
+                        <p:cond delay="indefinite"/>
+                      </p:stCondLst>
+                      <p:childTnLst>
+                        <p:par>
+                          <p:cTn id="12" fill="hold">
+                            <p:stCondLst>
+                              <p:cond delay="0"/>
+                            </p:stCondLst>
+                            <p:childTnLst>
                               <p:par>
-                                <p:cTn id="11" presetID="1" presetClass="entr" presetSubtype="0" fill="hold" nodeType="withEffect">
+                                <p:cTn id="13" presetID="1" presetClass="entr" presetSubtype="0" fill="hold" nodeType="clickEffect">
                                   <p:stCondLst>
                                     <p:cond delay="0"/>
                                   </p:stCondLst>
                                   <p:childTnLst>
                                     <p:set>
                                       <p:cBhvr>
-                                        <p:cTn id="12" dur="1" fill="hold">
+                                        <p:cTn id="14" dur="1" fill="hold">
                                           <p:stCondLst>
                                             <p:cond delay="0"/>
                                           </p:stCondLst>
@@ -13210,26 +13207,8 @@
                                   </p:childTnLst>
                                 </p:cTn>
                               </p:par>
-                            </p:childTnLst>
-                          </p:cTn>
-                        </p:par>
-                      </p:childTnLst>
-                    </p:cTn>
-                  </p:par>
-                  <p:par>
-                    <p:cTn id="13" fill="hold">
-                      <p:stCondLst>
-                        <p:cond delay="indefinite"/>
-                      </p:stCondLst>
-                      <p:childTnLst>
-                        <p:par>
-                          <p:cTn id="14" fill="hold">
-                            <p:stCondLst>
-                              <p:cond delay="0"/>
-                            </p:stCondLst>
-                            <p:childTnLst>
                               <p:par>
-                                <p:cTn id="15" presetID="1" presetClass="entr" presetSubtype="0" fill="hold" nodeType="clickEffect">
+                                <p:cTn id="15" presetID="1" presetClass="entr" presetSubtype="0" fill="hold" nodeType="withEffect">
                                   <p:stCondLst>
                                     <p:cond delay="0"/>
                                   </p:stCondLst>
@@ -13352,37 +13331,6 @@
                                   </p:childTnLst>
                                 </p:cTn>
                               </p:par>
-                              <p:par>
-                                <p:cTn id="23" presetID="1" presetClass="entr" presetSubtype="0" fill="hold" nodeType="withEffect">
-                                  <p:stCondLst>
-                                    <p:cond delay="0"/>
-                                  </p:stCondLst>
-                                  <p:childTnLst>
-                                    <p:set>
-                                      <p:cBhvr>
-                                        <p:cTn id="24" dur="1" fill="hold">
-                                          <p:stCondLst>
-                                            <p:cond delay="0"/>
-                                          </p:stCondLst>
-                                        </p:cTn>
-                                        <p:tgtEl>
-                                          <p:spTgt spid="3">
-                                            <p:txEl>
-                                              <p:pRg st="9" end="9"/>
-                                            </p:txEl>
-                                          </p:spTgt>
-                                        </p:tgtEl>
-                                        <p:attrNameLst>
-                                          <p:attrName>style.visibility</p:attrName>
-                                        </p:attrNameLst>
-                                      </p:cBhvr>
-                                      <p:to>
-                                        <p:strVal val="visible"/>
-                                      </p:to>
-                                    </p:set>
-                                  </p:childTnLst>
-                                </p:cTn>
-                              </p:par>
                             </p:childTnLst>
                           </p:cTn>
                         </p:par>
@@ -13491,8 +13439,8 @@
           <a:chExt cx="0" cy="0"/>
         </a:xfrm>
       </p:grpSpPr>
-      <mc:AlternateContent xmlns:mc="http://schemas.openxmlformats.org/markup-compatibility/2006" xmlns:a14="http://schemas.microsoft.com/office/drawing/2010/main">
-        <mc:Choice Requires="a14">
+      <mc:AlternateContent xmlns:mc="http://schemas.openxmlformats.org/markup-compatibility/2006">
+        <mc:Choice xmlns:a14="http://schemas.microsoft.com/office/drawing/2010/main" Requires="a14">
           <p:sp>
             <p:nvSpPr>
               <p:cNvPr id="3" name="Content Placeholder 2">
@@ -13590,7 +13538,7 @@
                 </a14:m>
                 <a:r>
                   <a:rPr lang="en-US" dirty="0"/>
-                  <a:t>, is index to the value, </a:t>
+                  <a:t>, is index or identifier for the value, </a:t>
                 </a:r>
                 <a14:m>
                   <m:oMath xmlns:m="http://schemas.openxmlformats.org/officeDocument/2006/math">
@@ -13668,7 +13616,7 @@
             </p:txBody>
           </p:sp>
         </mc:Choice>
-        <mc:Fallback xmlns="">
+        <mc:Fallback>
           <p:sp>
             <p:nvSpPr>
               <p:cNvPr id="3" name="Content Placeholder 2">
@@ -15796,8 +15744,8 @@
           <a:chExt cx="0" cy="0"/>
         </a:xfrm>
       </p:grpSpPr>
-      <mc:AlternateContent xmlns:mc="http://schemas.openxmlformats.org/markup-compatibility/2006" xmlns:a14="http://schemas.microsoft.com/office/drawing/2010/main">
-        <mc:Choice Requires="a14">
+      <mc:AlternateContent xmlns:mc="http://schemas.openxmlformats.org/markup-compatibility/2006">
+        <mc:Choice xmlns:a14="http://schemas.microsoft.com/office/drawing/2010/main" Requires="a14">
           <p:sp>
             <p:nvSpPr>
               <p:cNvPr id="3" name="Content Placeholder 2">
@@ -15854,11 +15802,7 @@
                 </a:r>
                 <a:r>
                   <a:rPr lang="en-US" b="1" dirty="0"/>
-                  <a:t>worst-case</a:t>
-                </a:r>
-                <a:r>
-                  <a:rPr lang="en-US" dirty="0"/>
-                  <a:t> time </a:t>
+                  <a:t>average time </a:t>
                 </a:r>
                 <a14:m>
                   <m:oMath xmlns:m="http://schemas.openxmlformats.org/officeDocument/2006/math">
@@ -15907,194 +15851,9 @@
                 </a:r>
               </a:p>
               <a:p>
-                <a:r>
-                  <a:rPr lang="en-US" dirty="0"/>
-                  <a:t>Apply</a:t>
-                </a:r>
-                <a:r>
-                  <a:rPr lang="en-US" b="0" dirty="0"/>
-                  <a:t> </a:t>
-                </a:r>
-                <a:r>
-                  <a:rPr lang="en-US" b="1" dirty="0"/>
-                  <a:t>hash function</a:t>
-                </a:r>
-                <a:r>
-                  <a:rPr lang="en-US" dirty="0"/>
-                  <a:t> to </a:t>
-                </a:r>
-                <a:r>
-                  <a:rPr lang="en-US" b="0" dirty="0"/>
-                  <a:t>key </a:t>
-                </a:r>
-                <a14:m>
-                  <m:oMath xmlns:m="http://schemas.openxmlformats.org/officeDocument/2006/math">
-                    <m:r>
-                      <a:rPr lang="en-US" b="0" i="1" smtClean="0">
-                        <a:latin typeface="Cambria Math" panose="02040503050406030204" pitchFamily="18" charset="0"/>
-                      </a:rPr>
-                      <m:t>𝐾</m:t>
-                    </m:r>
-                  </m:oMath>
-                </a14:m>
-                <a:r>
-                  <a:rPr lang="en-US" b="0" dirty="0"/>
-                  <a:t>, </a:t>
-                </a:r>
-                <a14:m>
-                  <m:oMath xmlns:m="http://schemas.openxmlformats.org/officeDocument/2006/math">
-                    <m:r>
-                      <a:rPr lang="en-US" b="0" i="1" smtClean="0">
-                        <a:latin typeface="Cambria Math" panose="02040503050406030204" pitchFamily="18" charset="0"/>
-                      </a:rPr>
-                      <m:t>h</m:t>
-                    </m:r>
-                    <m:r>
-                      <a:rPr lang="en-US" b="0" i="1" smtClean="0">
-                        <a:latin typeface="Cambria Math" panose="02040503050406030204" pitchFamily="18" charset="0"/>
-                      </a:rPr>
-                      <m:t>=</m:t>
-                    </m:r>
-                    <m:r>
-                      <a:rPr lang="en-US" b="0" i="1" smtClean="0">
-                        <a:latin typeface="Cambria Math" panose="02040503050406030204" pitchFamily="18" charset="0"/>
-                      </a:rPr>
-                      <m:t>𝑓</m:t>
-                    </m:r>
-                    <m:d>
-                      <m:dPr>
-                        <m:ctrlPr>
-                          <a:rPr lang="en-US" b="0" i="1" smtClean="0">
-                            <a:latin typeface="Cambria Math" panose="02040503050406030204" pitchFamily="18" charset="0"/>
-                          </a:rPr>
-                        </m:ctrlPr>
-                      </m:dPr>
-                      <m:e>
-                        <m:r>
-                          <a:rPr lang="en-US" b="0" i="1" smtClean="0">
-                            <a:latin typeface="Cambria Math" panose="02040503050406030204" pitchFamily="18" charset="0"/>
-                          </a:rPr>
-                          <m:t>𝐾</m:t>
-                        </m:r>
-                      </m:e>
-                    </m:d>
-                  </m:oMath>
-                </a14:m>
-                <a:endParaRPr lang="en-US" dirty="0"/>
-              </a:p>
-              <a:p>
-                <a:r>
-                  <a:rPr lang="en-US" dirty="0"/>
-                  <a:t>Hashing to a key gives nearly direct access, with </a:t>
-                </a:r>
-                <a:r>
-                  <a:rPr lang="en-US" b="1" dirty="0"/>
-                  <a:t>average</a:t>
-                </a:r>
-                <a:r>
-                  <a:rPr lang="en-US" dirty="0"/>
-                  <a:t> </a:t>
-                </a:r>
-                <a14:m>
-                  <m:oMath xmlns:m="http://schemas.openxmlformats.org/officeDocument/2006/math">
-                    <m:r>
-                      <a:rPr lang="en-US" b="1" i="1" smtClean="0">
-                        <a:latin typeface="Cambria Math" panose="02040503050406030204" pitchFamily="18" charset="0"/>
-                      </a:rPr>
-                      <m:t>𝑶</m:t>
-                    </m:r>
-                    <m:r>
-                      <a:rPr lang="en-US" b="1" i="1" smtClean="0">
-                        <a:latin typeface="Cambria Math" panose="02040503050406030204" pitchFamily="18" charset="0"/>
-                      </a:rPr>
-                      <m:t>(</m:t>
-                    </m:r>
-                    <m:r>
-                      <a:rPr lang="en-US" b="1" i="1" smtClean="0">
-                        <a:latin typeface="Cambria Math" panose="02040503050406030204" pitchFamily="18" charset="0"/>
-                      </a:rPr>
-                      <m:t>𝟏</m:t>
-                    </m:r>
-                    <m:r>
-                      <a:rPr lang="en-US" b="1" i="1" smtClean="0">
-                        <a:latin typeface="Cambria Math" panose="02040503050406030204" pitchFamily="18" charset="0"/>
-                      </a:rPr>
-                      <m:t>)</m:t>
-                    </m:r>
-                  </m:oMath>
-                </a14:m>
-                <a:r>
-                  <a:rPr lang="en-US" b="1" dirty="0"/>
-                  <a:t> time  </a:t>
-                </a:r>
-                <a:endParaRPr lang="en-US" dirty="0"/>
-              </a:p>
-              <a:p>
-                <a:pPr lvl="1"/>
-                <a:r>
-                  <a:rPr lang="en-US" dirty="0"/>
-                  <a:t>Hash value, </a:t>
-                </a:r>
-                <a:r>
-                  <a:rPr lang="en-US" i="1" dirty="0"/>
-                  <a:t>h</a:t>
-                </a:r>
-                <a:r>
-                  <a:rPr lang="en-US" dirty="0"/>
-                  <a:t>, is memory address for look up</a:t>
-                </a:r>
-              </a:p>
-              <a:p>
-                <a:pPr lvl="1"/>
-                <a:r>
-                  <a:rPr lang="en-US" b="1" dirty="0"/>
-                  <a:t>Hashed key-value pairs </a:t>
-                </a:r>
-                <a:r>
-                  <a:rPr lang="en-US" dirty="0"/>
-                  <a:t>as a tuple, </a:t>
-                </a:r>
-                <a14:m>
-                  <m:oMath xmlns:m="http://schemas.openxmlformats.org/officeDocument/2006/math">
-                    <m:r>
-                      <a:rPr lang="en-US" i="1">
-                        <a:latin typeface="Cambria Math" panose="02040503050406030204" pitchFamily="18" charset="0"/>
-                      </a:rPr>
-                      <m:t>(</m:t>
-                    </m:r>
-                    <m:r>
-                      <a:rPr lang="en-US" i="1">
-                        <a:latin typeface="Cambria Math" panose="02040503050406030204" pitchFamily="18" charset="0"/>
-                      </a:rPr>
-                      <m:t>h</m:t>
-                    </m:r>
-                    <m:r>
-                      <a:rPr lang="en-US" i="1">
-                        <a:latin typeface="Cambria Math" panose="02040503050406030204" pitchFamily="18" charset="0"/>
-                      </a:rPr>
-                      <m:t>,</m:t>
-                    </m:r>
-                    <m:r>
-                      <a:rPr lang="en-US" i="1">
-                        <a:latin typeface="Cambria Math" panose="02040503050406030204" pitchFamily="18" charset="0"/>
-                      </a:rPr>
-                      <m:t>𝑉</m:t>
-                    </m:r>
-                    <m:r>
-                      <a:rPr lang="en-US" i="1">
-                        <a:latin typeface="Cambria Math" panose="02040503050406030204" pitchFamily="18" charset="0"/>
-                      </a:rPr>
-                      <m:t>)</m:t>
-                    </m:r>
-                  </m:oMath>
-                </a14:m>
-                <a:r>
-                  <a:rPr lang="en-US" dirty="0"/>
-                  <a:t>  </a:t>
-                </a:r>
-                <a:endParaRPr lang="en-US" b="1" dirty="0"/>
-              </a:p>
-              <a:p>
+                <a:pPr marL="0" indent="0">
+                  <a:buNone/>
+                </a:pPr>
                 <a:endParaRPr lang="en-US" dirty="0"/>
               </a:p>
               <a:p>
@@ -16103,7 +15862,7 @@
             </p:txBody>
           </p:sp>
         </mc:Choice>
-        <mc:Fallback xmlns="">
+        <mc:Fallback>
           <p:sp>
             <p:nvSpPr>
               <p:cNvPr id="3" name="Content Placeholder 2">
@@ -16128,7 +15887,7 @@
               <a:blipFill>
                 <a:blip r:embed="rId2"/>
                 <a:stretch>
-                  <a:fillRect l="-1217" t="-2237" b="-2368"/>
+                  <a:fillRect l="-1217" t="-2237"/>
                 </a:stretch>
               </a:blipFill>
             </p:spPr>
@@ -16430,27 +16189,444 @@
                       </p:childTnLst>
                     </p:cTn>
                   </p:par>
+                </p:childTnLst>
+              </p:cTn>
+              <p:prevCondLst>
+                <p:cond evt="onPrev" delay="0">
+                  <p:tgtEl>
+                    <p:sldTgt/>
+                  </p:tgtEl>
+                </p:cond>
+              </p:prevCondLst>
+              <p:nextCondLst>
+                <p:cond evt="onNext" delay="0">
+                  <p:tgtEl>
+                    <p:sldTgt/>
+                  </p:tgtEl>
+                </p:cond>
+              </p:nextCondLst>
+            </p:seq>
+          </p:childTnLst>
+        </p:cTn>
+      </p:par>
+    </p:tnLst>
+  </p:timing>
+</p:sld>
+</file>
+
+<file path=ppt/slides/slide33.xml><?xml version="1.0" encoding="utf-8"?>
+<p:sld xmlns:a="http://schemas.openxmlformats.org/drawingml/2006/main" xmlns:r="http://schemas.openxmlformats.org/officeDocument/2006/relationships" xmlns:p="http://schemas.openxmlformats.org/presentationml/2006/main">
+  <p:cSld>
+    <p:spTree>
+      <p:nvGrpSpPr>
+        <p:cNvPr id="1" name="">
+          <a:extLst>
+            <a:ext uri="{FF2B5EF4-FFF2-40B4-BE49-F238E27FC236}">
+              <a16:creationId xmlns:a16="http://schemas.microsoft.com/office/drawing/2014/main" id="{E1BC3470-78F3-E979-6FC2-66938DBECD8F}"/>
+            </a:ext>
+          </a:extLst>
+        </p:cNvPr>
+        <p:cNvGrpSpPr/>
+        <p:nvPr/>
+      </p:nvGrpSpPr>
+      <p:grpSpPr>
+        <a:xfrm>
+          <a:off x="0" y="0"/>
+          <a:ext cx="0" cy="0"/>
+          <a:chOff x="0" y="0"/>
+          <a:chExt cx="0" cy="0"/>
+        </a:xfrm>
+      </p:grpSpPr>
+      <mc:AlternateContent xmlns:mc="http://schemas.openxmlformats.org/markup-compatibility/2006">
+        <mc:Choice xmlns:a14="http://schemas.microsoft.com/office/drawing/2010/main" Requires="a14">
+          <p:sp>
+            <p:nvSpPr>
+              <p:cNvPr id="3" name="Content Placeholder 2">
+                <a:extLst>
+                  <a:ext uri="{FF2B5EF4-FFF2-40B4-BE49-F238E27FC236}">
+                    <a16:creationId xmlns:a16="http://schemas.microsoft.com/office/drawing/2014/main" id="{B4A316F7-7F13-56EA-0547-0149F95A0B0B}"/>
+                  </a:ext>
+                </a:extLst>
+              </p:cNvPr>
+              <p:cNvSpPr>
+                <a:spLocks noGrp="1"/>
+              </p:cNvSpPr>
+              <p:nvPr>
+                <p:ph idx="1"/>
+              </p:nvPr>
+            </p:nvSpPr>
+            <p:spPr>
+              <a:xfrm>
+                <a:off x="838200" y="1541417"/>
+                <a:ext cx="10515600" cy="4635546"/>
+              </a:xfrm>
+            </p:spPr>
+            <p:txBody>
+              <a:bodyPr>
+                <a:normAutofit/>
+              </a:bodyPr>
+              <a:lstStyle/>
+              <a:p>
+                <a:pPr marL="0" indent="0">
+                  <a:buNone/>
+                </a:pPr>
+                <a:r>
+                  <a:rPr lang="en-US" dirty="0"/>
+                  <a:t>Key-value indexing used to manage massive quantities of data   </a:t>
+                </a:r>
+              </a:p>
+              <a:p>
+                <a:r>
+                  <a:rPr lang="en-US" dirty="0"/>
+                  <a:t>Massive data sets require a very large numbers of keys   </a:t>
+                </a:r>
+              </a:p>
+              <a:p>
+                <a:r>
+                  <a:rPr lang="en-US" b="1" dirty="0"/>
+                  <a:t>Hashing</a:t>
+                </a:r>
+                <a:r>
+                  <a:rPr lang="en-US" dirty="0"/>
+                  <a:t> is a core technique for scaling data mining algorithms   </a:t>
+                </a:r>
+              </a:p>
+              <a:p>
+                <a:r>
+                  <a:rPr lang="en-US" dirty="0"/>
+                  <a:t>Apply</a:t>
+                </a:r>
+                <a:r>
+                  <a:rPr lang="en-US" b="0" dirty="0"/>
+                  <a:t> </a:t>
+                </a:r>
+                <a:r>
+                  <a:rPr lang="en-US" b="1" dirty="0"/>
+                  <a:t>hash function</a:t>
+                </a:r>
+                <a:r>
+                  <a:rPr lang="en-US" dirty="0"/>
+                  <a:t> to </a:t>
+                </a:r>
+                <a:r>
+                  <a:rPr lang="en-US" b="0" dirty="0"/>
+                  <a:t>key </a:t>
+                </a:r>
+                <a14:m>
+                  <m:oMath xmlns:m="http://schemas.openxmlformats.org/officeDocument/2006/math">
+                    <m:r>
+                      <a:rPr lang="en-US" b="0" i="1" smtClean="0">
+                        <a:latin typeface="Cambria Math" panose="02040503050406030204" pitchFamily="18" charset="0"/>
+                      </a:rPr>
+                      <m:t>𝐾</m:t>
+                    </m:r>
+                  </m:oMath>
+                </a14:m>
+                <a:r>
+                  <a:rPr lang="en-US" b="0" dirty="0"/>
+                  <a:t>, </a:t>
+                </a:r>
+                <a14:m>
+                  <m:oMath xmlns:m="http://schemas.openxmlformats.org/officeDocument/2006/math">
+                    <m:r>
+                      <a:rPr lang="en-US" b="0" i="1" smtClean="0">
+                        <a:latin typeface="Cambria Math" panose="02040503050406030204" pitchFamily="18" charset="0"/>
+                      </a:rPr>
+                      <m:t>h</m:t>
+                    </m:r>
+                    <m:r>
+                      <a:rPr lang="en-US" b="0" i="1" smtClean="0">
+                        <a:latin typeface="Cambria Math" panose="02040503050406030204" pitchFamily="18" charset="0"/>
+                      </a:rPr>
+                      <m:t>=</m:t>
+                    </m:r>
+                    <m:r>
+                      <a:rPr lang="en-US" b="0" i="1" smtClean="0">
+                        <a:latin typeface="Cambria Math" panose="02040503050406030204" pitchFamily="18" charset="0"/>
+                      </a:rPr>
+                      <m:t>𝑓</m:t>
+                    </m:r>
+                    <m:d>
+                      <m:dPr>
+                        <m:ctrlPr>
+                          <a:rPr lang="en-US" b="0" i="1" smtClean="0">
+                            <a:latin typeface="Cambria Math" panose="02040503050406030204" pitchFamily="18" charset="0"/>
+                          </a:rPr>
+                        </m:ctrlPr>
+                      </m:dPr>
+                      <m:e>
+                        <m:r>
+                          <a:rPr lang="en-US" b="0" i="1" smtClean="0">
+                            <a:latin typeface="Cambria Math" panose="02040503050406030204" pitchFamily="18" charset="0"/>
+                          </a:rPr>
+                          <m:t>𝐾</m:t>
+                        </m:r>
+                      </m:e>
+                    </m:d>
+                  </m:oMath>
+                </a14:m>
+                <a:endParaRPr lang="en-US" dirty="0"/>
+              </a:p>
+              <a:p>
+                <a:r>
+                  <a:rPr lang="en-US" dirty="0"/>
+                  <a:t>Hashing to a key gives nearly direct access, with </a:t>
+                </a:r>
+                <a:r>
+                  <a:rPr lang="en-US" b="1" dirty="0"/>
+                  <a:t>average</a:t>
+                </a:r>
+                <a:r>
+                  <a:rPr lang="en-US" dirty="0"/>
+                  <a:t> </a:t>
+                </a:r>
+                <a14:m>
+                  <m:oMath xmlns:m="http://schemas.openxmlformats.org/officeDocument/2006/math">
+                    <m:r>
+                      <a:rPr lang="en-US" b="1" i="1" smtClean="0">
+                        <a:latin typeface="Cambria Math" panose="02040503050406030204" pitchFamily="18" charset="0"/>
+                      </a:rPr>
+                      <m:t>𝑶</m:t>
+                    </m:r>
+                    <m:r>
+                      <a:rPr lang="en-US" b="1" i="1" smtClean="0">
+                        <a:latin typeface="Cambria Math" panose="02040503050406030204" pitchFamily="18" charset="0"/>
+                      </a:rPr>
+                      <m:t>(</m:t>
+                    </m:r>
+                    <m:r>
+                      <a:rPr lang="en-US" b="1" i="1" smtClean="0">
+                        <a:latin typeface="Cambria Math" panose="02040503050406030204" pitchFamily="18" charset="0"/>
+                      </a:rPr>
+                      <m:t>𝟏</m:t>
+                    </m:r>
+                    <m:r>
+                      <a:rPr lang="en-US" b="1" i="1" smtClean="0">
+                        <a:latin typeface="Cambria Math" panose="02040503050406030204" pitchFamily="18" charset="0"/>
+                      </a:rPr>
+                      <m:t>)</m:t>
+                    </m:r>
+                  </m:oMath>
+                </a14:m>
+                <a:r>
+                  <a:rPr lang="en-US" b="1" dirty="0"/>
+                  <a:t> time  </a:t>
+                </a:r>
+                <a:endParaRPr lang="en-US" dirty="0"/>
+              </a:p>
+              <a:p>
+                <a:pPr lvl="1"/>
+                <a:r>
+                  <a:rPr lang="en-US" dirty="0"/>
+                  <a:t>Hash value, </a:t>
+                </a:r>
+                <a:r>
+                  <a:rPr lang="en-US" i="1" dirty="0"/>
+                  <a:t>h</a:t>
+                </a:r>
+                <a:r>
+                  <a:rPr lang="en-US" dirty="0"/>
+                  <a:t>, is memory address for look up</a:t>
+                </a:r>
+              </a:p>
+              <a:p>
+                <a:pPr lvl="1"/>
+                <a:r>
+                  <a:rPr lang="en-US" b="1" dirty="0"/>
+                  <a:t>Hashed key-value pairs </a:t>
+                </a:r>
+                <a:r>
+                  <a:rPr lang="en-US" dirty="0"/>
+                  <a:t>as a tuple, </a:t>
+                </a:r>
+                <a14:m>
+                  <m:oMath xmlns:m="http://schemas.openxmlformats.org/officeDocument/2006/math">
+                    <m:r>
+                      <a:rPr lang="en-US" i="1">
+                        <a:latin typeface="Cambria Math" panose="02040503050406030204" pitchFamily="18" charset="0"/>
+                      </a:rPr>
+                      <m:t>(</m:t>
+                    </m:r>
+                    <m:r>
+                      <a:rPr lang="en-US" i="1">
+                        <a:latin typeface="Cambria Math" panose="02040503050406030204" pitchFamily="18" charset="0"/>
+                      </a:rPr>
+                      <m:t>h</m:t>
+                    </m:r>
+                    <m:r>
+                      <a:rPr lang="en-US" i="1">
+                        <a:latin typeface="Cambria Math" panose="02040503050406030204" pitchFamily="18" charset="0"/>
+                      </a:rPr>
+                      <m:t>,</m:t>
+                    </m:r>
+                    <m:r>
+                      <a:rPr lang="en-US" i="1">
+                        <a:latin typeface="Cambria Math" panose="02040503050406030204" pitchFamily="18" charset="0"/>
+                      </a:rPr>
+                      <m:t>𝑉</m:t>
+                    </m:r>
+                    <m:r>
+                      <a:rPr lang="en-US" i="1">
+                        <a:latin typeface="Cambria Math" panose="02040503050406030204" pitchFamily="18" charset="0"/>
+                      </a:rPr>
+                      <m:t>)</m:t>
+                    </m:r>
+                  </m:oMath>
+                </a14:m>
+                <a:r>
+                  <a:rPr lang="en-US" dirty="0"/>
+                  <a:t>  </a:t>
+                </a:r>
+                <a:endParaRPr lang="en-US" b="1" dirty="0"/>
+              </a:p>
+              <a:p>
+                <a:endParaRPr lang="en-US" dirty="0"/>
+              </a:p>
+              <a:p>
+                <a:endParaRPr lang="en-US" b="1" dirty="0"/>
+              </a:p>
+            </p:txBody>
+          </p:sp>
+        </mc:Choice>
+        <mc:Fallback>
+          <p:sp>
+            <p:nvSpPr>
+              <p:cNvPr id="3" name="Content Placeholder 2">
+                <a:extLst>
+                  <a:ext uri="{FF2B5EF4-FFF2-40B4-BE49-F238E27FC236}">
+                    <a16:creationId xmlns:a16="http://schemas.microsoft.com/office/drawing/2014/main" id="{B4A316F7-7F13-56EA-0547-0149F95A0B0B}"/>
+                  </a:ext>
+                </a:extLst>
+              </p:cNvPr>
+              <p:cNvSpPr>
+                <a:spLocks noGrp="1" noRot="1" noChangeAspect="1" noMove="1" noResize="1" noEditPoints="1" noAdjustHandles="1" noChangeArrowheads="1" noChangeShapeType="1" noTextEdit="1"/>
+              </p:cNvSpPr>
+              <p:nvPr>
+                <p:ph idx="1"/>
+              </p:nvPr>
+            </p:nvSpPr>
+            <p:spPr>
+              <a:xfrm>
+                <a:off x="838200" y="1541417"/>
+                <a:ext cx="10515600" cy="4635546"/>
+              </a:xfrm>
+              <a:blipFill>
+                <a:blip r:embed="rId2"/>
+                <a:stretch>
+                  <a:fillRect l="-1217" t="-2237"/>
+                </a:stretch>
+              </a:blipFill>
+            </p:spPr>
+            <p:txBody>
+              <a:bodyPr/>
+              <a:lstStyle/>
+              <a:p>
+                <a:r>
+                  <a:rPr lang="en-US">
+                    <a:noFill/>
+                  </a:rPr>
+                  <a:t> </a:t>
+                </a:r>
+              </a:p>
+            </p:txBody>
+          </p:sp>
+        </mc:Fallback>
+      </mc:AlternateContent>
+      <p:sp>
+        <p:nvSpPr>
+          <p:cNvPr id="6" name="Title 1">
+            <a:extLst>
+              <a:ext uri="{FF2B5EF4-FFF2-40B4-BE49-F238E27FC236}">
+                <a16:creationId xmlns:a16="http://schemas.microsoft.com/office/drawing/2014/main" id="{50CC498F-4DB2-C68E-EFA7-021A6C9BE0A2}"/>
+              </a:ext>
+            </a:extLst>
+          </p:cNvPr>
+          <p:cNvSpPr txBox="1">
+            <a:spLocks/>
+          </p:cNvSpPr>
+          <p:nvPr/>
+        </p:nvSpPr>
+        <p:spPr>
+          <a:xfrm>
+            <a:off x="838200" y="-635"/>
+            <a:ext cx="10515600" cy="1325563"/>
+          </a:xfrm>
+          <a:prstGeom prst="rect">
+            <a:avLst/>
+          </a:prstGeom>
+        </p:spPr>
+        <p:txBody>
+          <a:bodyPr vert="horz" lIns="91440" tIns="45720" rIns="91440" bIns="45720" rtlCol="0" anchor="ctr">
+            <a:normAutofit/>
+          </a:bodyPr>
+          <a:lstStyle>
+            <a:lvl1pPr algn="l" defTabSz="914400" rtl="0" eaLnBrk="1" latinLnBrk="0" hangingPunct="1">
+              <a:lnSpc>
+                <a:spcPct val="90000"/>
+              </a:lnSpc>
+              <a:spcBef>
+                <a:spcPct val="0"/>
+              </a:spcBef>
+              <a:buNone/>
+              <a:defRPr sz="4400" kern="1200">
+                <a:solidFill>
+                  <a:schemeClr val="tx1"/>
+                </a:solidFill>
+                <a:latin typeface="+mj-lt"/>
+                <a:ea typeface="+mj-ea"/>
+                <a:cs typeface="+mj-cs"/>
+              </a:defRPr>
+            </a:lvl1pPr>
+          </a:lstStyle>
+          <a:p>
+            <a:r>
+              <a:rPr lang="en-US" dirty="0">
+                <a:latin typeface="+mn-lt"/>
+              </a:rPr>
+              <a:t>Introduction to key-value indexing</a:t>
+            </a:r>
+          </a:p>
+        </p:txBody>
+      </p:sp>
+    </p:spTree>
+    <p:extLst>
+      <p:ext uri="{BB962C8B-B14F-4D97-AF65-F5344CB8AC3E}">
+        <p14:creationId xmlns:p14="http://schemas.microsoft.com/office/powerpoint/2010/main" val="4261615717"/>
+      </p:ext>
+    </p:extLst>
+  </p:cSld>
+  <p:clrMapOvr>
+    <a:masterClrMapping/>
+  </p:clrMapOvr>
+  <p:timing>
+    <p:tnLst>
+      <p:par>
+        <p:cTn id="1" dur="indefinite" restart="never" nodeType="tmRoot">
+          <p:childTnLst>
+            <p:seq concurrent="1" nextAc="seek">
+              <p:cTn id="2" dur="indefinite" nodeType="mainSeq">
+                <p:childTnLst>
                   <p:par>
-                    <p:cTn id="19" fill="hold">
+                    <p:cTn id="3" fill="hold">
                       <p:stCondLst>
                         <p:cond delay="indefinite"/>
                       </p:stCondLst>
                       <p:childTnLst>
                         <p:par>
-                          <p:cTn id="20" fill="hold">
+                          <p:cTn id="4" fill="hold">
                             <p:stCondLst>
                               <p:cond delay="0"/>
                             </p:stCondLst>
                             <p:childTnLst>
                               <p:par>
-                                <p:cTn id="21" presetID="1" presetClass="entr" presetSubtype="0" fill="hold" nodeType="clickEffect">
+                                <p:cTn id="5" presetID="1" presetClass="entr" presetSubtype="0" fill="hold" nodeType="clickEffect">
                                   <p:stCondLst>
                                     <p:cond delay="0"/>
                                   </p:stCondLst>
                                   <p:childTnLst>
                                     <p:set>
                                       <p:cBhvr>
-                                        <p:cTn id="22" dur="1" fill="hold">
+                                        <p:cTn id="6" dur="1" fill="hold">
                                           <p:stCondLst>
                                             <p:cond delay="0"/>
                                           </p:stCondLst>
@@ -16458,7 +16634,7 @@
                                         <p:tgtEl>
                                           <p:spTgt spid="3">
                                             <p:txEl>
-                                              <p:pRg st="6" end="6"/>
+                                              <p:pRg st="3" end="3"/>
                                             </p:txEl>
                                           </p:spTgt>
                                         </p:tgtEl>
@@ -16480,26 +16656,26 @@
                     </p:cTn>
                   </p:par>
                   <p:par>
-                    <p:cTn id="23" fill="hold">
+                    <p:cTn id="7" fill="hold">
                       <p:stCondLst>
                         <p:cond delay="indefinite"/>
                       </p:stCondLst>
                       <p:childTnLst>
                         <p:par>
-                          <p:cTn id="24" fill="hold">
+                          <p:cTn id="8" fill="hold">
                             <p:stCondLst>
                               <p:cond delay="0"/>
                             </p:stCondLst>
                             <p:childTnLst>
                               <p:par>
-                                <p:cTn id="25" presetID="1" presetClass="entr" presetSubtype="0" fill="hold" nodeType="clickEffect">
+                                <p:cTn id="9" presetID="1" presetClass="entr" presetSubtype="0" fill="hold" nodeType="clickEffect">
                                   <p:stCondLst>
                                     <p:cond delay="0"/>
                                   </p:stCondLst>
                                   <p:childTnLst>
                                     <p:set>
                                       <p:cBhvr>
-                                        <p:cTn id="26" dur="1" fill="hold">
+                                        <p:cTn id="10" dur="1" fill="hold">
                                           <p:stCondLst>
                                             <p:cond delay="0"/>
                                           </p:stCondLst>
@@ -16507,7 +16683,7 @@
                                         <p:tgtEl>
                                           <p:spTgt spid="3">
                                             <p:txEl>
-                                              <p:pRg st="7" end="7"/>
+                                              <p:pRg st="4" end="4"/>
                                             </p:txEl>
                                           </p:spTgt>
                                         </p:tgtEl>
@@ -16523,14 +16699,14 @@
                                 </p:cTn>
                               </p:par>
                               <p:par>
-                                <p:cTn id="27" presetID="1" presetClass="entr" presetSubtype="0" fill="hold" nodeType="withEffect">
+                                <p:cTn id="11" presetID="1" presetClass="entr" presetSubtype="0" fill="hold" nodeType="withEffect">
                                   <p:stCondLst>
                                     <p:cond delay="0"/>
                                   </p:stCondLst>
                                   <p:childTnLst>
                                     <p:set>
                                       <p:cBhvr>
-                                        <p:cTn id="28" dur="1" fill="hold">
+                                        <p:cTn id="12" dur="1" fill="hold">
                                           <p:stCondLst>
                                             <p:cond delay="0"/>
                                           </p:stCondLst>
@@ -16538,7 +16714,7 @@
                                         <p:tgtEl>
                                           <p:spTgt spid="3">
                                             <p:txEl>
-                                              <p:pRg st="8" end="8"/>
+                                              <p:pRg st="5" end="5"/>
                                             </p:txEl>
                                           </p:spTgt>
                                         </p:tgtEl>
@@ -16554,14 +16730,14 @@
                                 </p:cTn>
                               </p:par>
                               <p:par>
-                                <p:cTn id="29" presetID="1" presetClass="entr" presetSubtype="0" fill="hold" nodeType="withEffect">
+                                <p:cTn id="13" presetID="1" presetClass="entr" presetSubtype="0" fill="hold" nodeType="withEffect">
                                   <p:stCondLst>
                                     <p:cond delay="0"/>
                                   </p:stCondLst>
                                   <p:childTnLst>
                                     <p:set>
                                       <p:cBhvr>
-                                        <p:cTn id="30" dur="1" fill="hold">
+                                        <p:cTn id="14" dur="1" fill="hold">
                                           <p:stCondLst>
                                             <p:cond delay="0"/>
                                           </p:stCondLst>
@@ -16569,7 +16745,7 @@
                                         <p:tgtEl>
                                           <p:spTgt spid="3">
                                             <p:txEl>
-                                              <p:pRg st="9" end="9"/>
+                                              <p:pRg st="6" end="6"/>
                                             </p:txEl>
                                           </p:spTgt>
                                         </p:tgtEl>
@@ -16615,7 +16791,7 @@
 </p:sld>
 </file>
 
-<file path=ppt/slides/slide33.xml><?xml version="1.0" encoding="utf-8"?>
+<file path=ppt/slides/slide34.xml><?xml version="1.0" encoding="utf-8"?>
 <p:sld xmlns:a="http://schemas.openxmlformats.org/drawingml/2006/main" xmlns:r="http://schemas.openxmlformats.org/officeDocument/2006/relationships" xmlns:p="http://schemas.openxmlformats.org/presentationml/2006/main">
   <p:cSld>
     <p:spTree>
@@ -18987,7 +19163,7 @@
 </p:sld>
 </file>
 
-<file path=ppt/slides/slide34.xml><?xml version="1.0" encoding="utf-8"?>
+<file path=ppt/slides/slide35.xml><?xml version="1.0" encoding="utf-8"?>
 <p:sld xmlns:a="http://schemas.openxmlformats.org/drawingml/2006/main" xmlns:r="http://schemas.openxmlformats.org/officeDocument/2006/relationships" xmlns:p="http://schemas.openxmlformats.org/presentationml/2006/main">
   <p:cSld>
     <p:spTree>
@@ -19047,7 +19223,7 @@
 </p:sld>
 </file>
 
-<file path=ppt/slides/slide35.xml><?xml version="1.0" encoding="utf-8"?>
+<file path=ppt/slides/slide36.xml><?xml version="1.0" encoding="utf-8"?>
 <p:sld xmlns:a="http://schemas.openxmlformats.org/drawingml/2006/main" xmlns:r="http://schemas.openxmlformats.org/officeDocument/2006/relationships" xmlns:p="http://schemas.openxmlformats.org/presentationml/2006/main">
   <p:cSld>
     <p:spTree>
@@ -19064,8 +19240,8 @@
           <a:chExt cx="0" cy="0"/>
         </a:xfrm>
       </p:grpSpPr>
-      <mc:AlternateContent xmlns:mc="http://schemas.openxmlformats.org/markup-compatibility/2006" xmlns:a14="http://schemas.microsoft.com/office/drawing/2010/main">
-        <mc:Choice Requires="a14">
+      <mc:AlternateContent xmlns:mc="http://schemas.openxmlformats.org/markup-compatibility/2006">
+        <mc:Choice xmlns:a14="http://schemas.microsoft.com/office/drawing/2010/main" Requires="a14">
           <p:sp>
             <p:nvSpPr>
               <p:cNvPr id="3" name="Content Placeholder 2">
@@ -19211,13 +19387,13 @@
               <a:p>
                 <a:r>
                   <a:rPr lang="en-US" dirty="0"/>
-                  <a:t>Hash functions maps key to a memory address</a:t>
+                  <a:t>Hash function is a deterministic map from key to a memory address</a:t>
                 </a:r>
               </a:p>
               <a:p>
                 <a:r>
                   <a:rPr lang="en-US" dirty="0"/>
-                  <a:t>Same hash function used for insertions and deletions in table</a:t>
+                  <a:t>Same hash function used for insertions, look-ups and deletions in table</a:t>
                 </a:r>
               </a:p>
               <a:p>
@@ -19283,7 +19459,7 @@
             </p:txBody>
           </p:sp>
         </mc:Choice>
-        <mc:Fallback xmlns="">
+        <mc:Fallback>
           <p:sp>
             <p:nvSpPr>
               <p:cNvPr id="3" name="Content Placeholder 2">
@@ -19684,7 +19860,7 @@
 </p:sld>
 </file>
 
-<file path=ppt/slides/slide36.xml><?xml version="1.0" encoding="utf-8"?>
+<file path=ppt/slides/slide37.xml><?xml version="1.0" encoding="utf-8"?>
 <p:sld xmlns:a="http://schemas.openxmlformats.org/drawingml/2006/main" xmlns:r="http://schemas.openxmlformats.org/officeDocument/2006/relationships" xmlns:p="http://schemas.openxmlformats.org/presentationml/2006/main">
   <p:cSld>
     <p:spTree>
@@ -21033,8 +21209,8 @@
           </a:p>
         </p:txBody>
       </p:sp>
-      <mc:AlternateContent xmlns:mc="http://schemas.openxmlformats.org/markup-compatibility/2006" xmlns:a14="http://schemas.microsoft.com/office/drawing/2010/main">
-        <mc:Choice Requires="a14">
+      <mc:AlternateContent xmlns:mc="http://schemas.openxmlformats.org/markup-compatibility/2006">
+        <mc:Choice xmlns:a14="http://schemas.microsoft.com/office/drawing/2010/main" Requires="a14">
           <p:sp>
             <p:nvSpPr>
               <p:cNvPr id="42" name="Content Placeholder 2">
@@ -21259,7 +21435,7 @@
                 </a:r>
                 <a:r>
                   <a:rPr lang="en-US" b="1" dirty="0"/>
-                  <a:t>addresses buckets by hashed key value</a:t>
+                  <a:t>buckets addressed by hashed key value</a:t>
                 </a:r>
               </a:p>
               <a:p>
@@ -21271,7 +21447,7 @@
               <a:p>
                 <a:r>
                   <a:rPr lang="en-US" dirty="0"/>
-                  <a:t>Insert the value into the bucket by hash</a:t>
+                  <a:t>Insert the value into the bucket by hash address</a:t>
                 </a:r>
               </a:p>
               <a:p>
@@ -21317,7 +21493,7 @@
             </p:txBody>
           </p:sp>
         </mc:Choice>
-        <mc:Fallback xmlns="">
+        <mc:Fallback>
           <p:sp>
             <p:nvSpPr>
               <p:cNvPr id="42" name="Content Placeholder 2">
@@ -22601,7 +22777,7 @@
 </p:sld>
 </file>
 
-<file path=ppt/slides/slide37.xml><?xml version="1.0" encoding="utf-8"?>
+<file path=ppt/slides/slide38.xml><?xml version="1.0" encoding="utf-8"?>
 <p:sld xmlns:a="http://schemas.openxmlformats.org/drawingml/2006/main" xmlns:r="http://schemas.openxmlformats.org/officeDocument/2006/relationships" xmlns:p="http://schemas.openxmlformats.org/presentationml/2006/main">
   <p:cSld>
     <p:spTree>
@@ -25476,7 +25652,7 @@
 </p:sld>
 </file>
 
-<file path=ppt/slides/slide38.xml><?xml version="1.0" encoding="utf-8"?>
+<file path=ppt/slides/slide39.xml><?xml version="1.0" encoding="utf-8"?>
 <p:sld xmlns:a="http://schemas.openxmlformats.org/drawingml/2006/main" xmlns:r="http://schemas.openxmlformats.org/officeDocument/2006/relationships" xmlns:p="http://schemas.openxmlformats.org/presentationml/2006/main">
   <p:cSld>
     <p:spTree>
@@ -25493,8 +25669,8 @@
           <a:chExt cx="0" cy="0"/>
         </a:xfrm>
       </p:grpSpPr>
-      <mc:AlternateContent xmlns:mc="http://schemas.openxmlformats.org/markup-compatibility/2006" xmlns:a14="http://schemas.microsoft.com/office/drawing/2010/main">
-        <mc:Choice Requires="a14">
+      <mc:AlternateContent xmlns:mc="http://schemas.openxmlformats.org/markup-compatibility/2006">
+        <mc:Choice xmlns:a14="http://schemas.microsoft.com/office/drawing/2010/main" Requires="a14">
           <p:sp>
             <p:nvSpPr>
               <p:cNvPr id="3" name="Content Placeholder 2">
@@ -25519,7 +25695,7 @@
             </p:spPr>
             <p:txBody>
               <a:bodyPr>
-                <a:normAutofit lnSpcReduction="10000"/>
+                <a:normAutofit/>
               </a:bodyPr>
               <a:lstStyle/>
               <a:p>
@@ -25538,11 +25714,194 @@
                 </a:pPr>
                 <a:r>
                   <a:rPr lang="en-US" dirty="0"/>
-                  <a:t>Creates unique hashes with uniform probability to prevent </a:t>
+                  <a:t>For key values, </a:t>
+                </a:r>
+                <a14:m>
+                  <m:oMath xmlns:m="http://schemas.openxmlformats.org/officeDocument/2006/math">
+                    <m:r>
+                      <a:rPr lang="en-US" i="1">
+                        <a:latin typeface="Cambria Math" panose="02040503050406030204" pitchFamily="18" charset="0"/>
+                      </a:rPr>
+                      <m:t>𝐾</m:t>
+                    </m:r>
+                  </m:oMath>
+                </a14:m>
+                <a:r>
+                  <a:rPr lang="en-US" dirty="0"/>
+                  <a:t>, want a </a:t>
                 </a:r>
                 <a:r>
                   <a:rPr lang="en-US" b="1" dirty="0"/>
-                  <a:t>hash collisions</a:t>
+                  <a:t>uniform distribution over </a:t>
+                </a:r>
+                <a14:m>
+                  <m:oMath xmlns:m="http://schemas.openxmlformats.org/officeDocument/2006/math">
+                    <m:r>
+                      <a:rPr lang="en-US" b="1" i="1">
+                        <a:latin typeface="Cambria Math" panose="02040503050406030204" pitchFamily="18" charset="0"/>
+                      </a:rPr>
+                      <m:t>𝒏</m:t>
+                    </m:r>
+                  </m:oMath>
+                </a14:m>
+                <a:r>
+                  <a:rPr lang="en-US" b="1" dirty="0"/>
+                  <a:t> hash values</a:t>
+                </a:r>
+              </a:p>
+              <a:p>
+                <a:pPr marL="457200" lvl="1" indent="0">
+                  <a:buNone/>
+                </a:pPr>
+                <a14:m>
+                  <m:oMathPara xmlns:m="http://schemas.openxmlformats.org/officeDocument/2006/math">
+                    <m:oMathParaPr>
+                      <m:jc m:val="centerGroup"/>
+                    </m:oMathParaPr>
+                    <m:oMath xmlns:m="http://schemas.openxmlformats.org/officeDocument/2006/math">
+                      <m:r>
+                        <a:rPr lang="en-US" b="1" i="1">
+                          <a:latin typeface="Cambria Math" panose="02040503050406030204" pitchFamily="18" charset="0"/>
+                        </a:rPr>
+                        <m:t>𝒇</m:t>
+                      </m:r>
+                      <m:r>
+                        <a:rPr lang="en-US" b="1" i="1">
+                          <a:latin typeface="Cambria Math" panose="02040503050406030204" pitchFamily="18" charset="0"/>
+                        </a:rPr>
+                        <m:t>(</m:t>
+                      </m:r>
+                      <m:r>
+                        <a:rPr lang="en-US" b="1" i="1">
+                          <a:latin typeface="Cambria Math" panose="02040503050406030204" pitchFamily="18" charset="0"/>
+                        </a:rPr>
+                        <m:t>𝒌</m:t>
+                      </m:r>
+                      <m:r>
+                        <a:rPr lang="en-US" b="1" i="1">
+                          <a:latin typeface="Cambria Math" panose="02040503050406030204" pitchFamily="18" charset="0"/>
+                        </a:rPr>
+                        <m:t>)~</m:t>
+                      </m:r>
+                      <m:r>
+                        <a:rPr lang="en-US" b="1" i="1">
+                          <a:latin typeface="Cambria Math" panose="02040503050406030204" pitchFamily="18" charset="0"/>
+                          <a:ea typeface="Cambria Math" panose="02040503050406030204" pitchFamily="18" charset="0"/>
+                        </a:rPr>
+                        <m:t>𝑼</m:t>
+                      </m:r>
+                      <m:r>
+                        <a:rPr lang="en-US" b="1" i="1">
+                          <a:latin typeface="Cambria Math" panose="02040503050406030204" pitchFamily="18" charset="0"/>
+                          <a:ea typeface="Cambria Math" panose="02040503050406030204" pitchFamily="18" charset="0"/>
+                        </a:rPr>
+                        <m:t>(</m:t>
+                      </m:r>
+                      <m:r>
+                        <a:rPr lang="en-US" b="1" i="1">
+                          <a:latin typeface="Cambria Math" panose="02040503050406030204" pitchFamily="18" charset="0"/>
+                          <a:ea typeface="Cambria Math" panose="02040503050406030204" pitchFamily="18" charset="0"/>
+                        </a:rPr>
+                        <m:t>𝟎</m:t>
+                      </m:r>
+                      <m:r>
+                        <a:rPr lang="en-US" b="1" i="1">
+                          <a:latin typeface="Cambria Math" panose="02040503050406030204" pitchFamily="18" charset="0"/>
+                          <a:ea typeface="Cambria Math" panose="02040503050406030204" pitchFamily="18" charset="0"/>
+                        </a:rPr>
+                        <m:t>,</m:t>
+                      </m:r>
+                      <m:r>
+                        <a:rPr lang="en-US" b="1" i="1">
+                          <a:latin typeface="Cambria Math" panose="02040503050406030204" pitchFamily="18" charset="0"/>
+                          <a:ea typeface="Cambria Math" panose="02040503050406030204" pitchFamily="18" charset="0"/>
+                        </a:rPr>
+                        <m:t>𝒏</m:t>
+                      </m:r>
+                      <m:r>
+                        <a:rPr lang="en-US" b="1" i="1">
+                          <a:latin typeface="Cambria Math" panose="02040503050406030204" pitchFamily="18" charset="0"/>
+                          <a:ea typeface="Cambria Math" panose="02040503050406030204" pitchFamily="18" charset="0"/>
+                        </a:rPr>
+                        <m:t>)</m:t>
+                      </m:r>
+                    </m:oMath>
+                  </m:oMathPara>
+                </a14:m>
+                <a:endParaRPr lang="en-US" b="1" dirty="0"/>
+              </a:p>
+              <a:p>
+                <a:pPr lvl="1"/>
+                <a:r>
+                  <a:rPr lang="en-US" b="1" dirty="0"/>
+                  <a:t>Lumpy hash values </a:t>
+                </a:r>
+                <a:r>
+                  <a:rPr lang="en-US" dirty="0"/>
+                  <a:t>lead to increased </a:t>
+                </a:r>
+                <a:r>
+                  <a:rPr lang="en-US" b="1" dirty="0"/>
+                  <a:t>hash collisions </a:t>
+                </a:r>
+              </a:p>
+              <a:p>
+                <a:pPr lvl="1"/>
+                <a:r>
+                  <a:rPr lang="en-US" dirty="0"/>
+                  <a:t>Can verify with </a:t>
+                </a:r>
+                <a14:m>
+                  <m:oMath xmlns:m="http://schemas.openxmlformats.org/officeDocument/2006/math">
+                    <m:sSup>
+                      <m:sSupPr>
+                        <m:ctrlPr>
+                          <a:rPr lang="en-US" i="1">
+                            <a:latin typeface="Cambria Math" panose="02040503050406030204" pitchFamily="18" charset="0"/>
+                          </a:rPr>
+                        </m:ctrlPr>
+                      </m:sSupPr>
+                      <m:e>
+                        <m:r>
+                          <a:rPr lang="en-US" i="1">
+                            <a:latin typeface="Cambria Math" panose="02040503050406030204" pitchFamily="18" charset="0"/>
+                            <a:ea typeface="Cambria Math" panose="02040503050406030204" pitchFamily="18" charset="0"/>
+                          </a:rPr>
+                          <m:t>𝜒</m:t>
+                        </m:r>
+                      </m:e>
+                      <m:sup>
+                        <m:r>
+                          <a:rPr lang="en-US" i="1">
+                            <a:latin typeface="Cambria Math" panose="02040503050406030204" pitchFamily="18" charset="0"/>
+                          </a:rPr>
+                          <m:t>2</m:t>
+                        </m:r>
+                      </m:sup>
+                    </m:sSup>
+                  </m:oMath>
+                </a14:m>
+                <a:r>
+                  <a:rPr lang="en-US" dirty="0"/>
+                  <a:t> test</a:t>
+                </a:r>
+              </a:p>
+              <a:p>
+                <a:pPr marL="514350" indent="-514350">
+                  <a:buFont typeface="+mj-lt"/>
+                  <a:buAutoNum type="arabicPeriod"/>
+                </a:pPr>
+                <a:r>
+                  <a:rPr lang="en-US" dirty="0"/>
+                  <a:t>Resolution method </a:t>
+                </a:r>
+                <a:r>
+                  <a:rPr lang="en-US"/>
+                  <a:t>for inevitable </a:t>
+                </a:r>
+                <a:r>
+                  <a:rPr lang="en-US" dirty="0"/>
+                  <a:t>hash collisions </a:t>
                 </a:r>
               </a:p>
               <a:p>
@@ -25577,201 +25936,19 @@
                 </a:r>
               </a:p>
               <a:p>
-                <a:pPr marL="514350" indent="-514350">
-                  <a:buFont typeface="+mj-lt"/>
-                  <a:buAutoNum type="arabicPeriod"/>
-                </a:pPr>
+                <a:pPr lvl="1"/>
                 <a:r>
                   <a:rPr lang="en-US" dirty="0"/>
-                  <a:t>For key values, </a:t>
-                </a:r>
-                <a14:m>
-                  <m:oMath xmlns:m="http://schemas.openxmlformats.org/officeDocument/2006/math">
-                    <m:r>
-                      <a:rPr lang="en-US" b="0" i="1" smtClean="0">
-                        <a:latin typeface="Cambria Math" panose="02040503050406030204" pitchFamily="18" charset="0"/>
-                      </a:rPr>
-                      <m:t>𝐾</m:t>
-                    </m:r>
-                  </m:oMath>
-                </a14:m>
-                <a:r>
-                  <a:rPr lang="en-US" dirty="0"/>
-                  <a:t>, want a </a:t>
-                </a:r>
-                <a:r>
-                  <a:rPr lang="en-US" b="1" dirty="0"/>
-                  <a:t>uniform distribution over </a:t>
-                </a:r>
-                <a14:m>
-                  <m:oMath xmlns:m="http://schemas.openxmlformats.org/officeDocument/2006/math">
-                    <m:r>
-                      <a:rPr lang="en-US" b="1" i="1" smtClean="0">
-                        <a:latin typeface="Cambria Math" panose="02040503050406030204" pitchFamily="18" charset="0"/>
-                      </a:rPr>
-                      <m:t>𝒏</m:t>
-                    </m:r>
-                  </m:oMath>
-                </a14:m>
-                <a:r>
-                  <a:rPr lang="en-US" b="1" dirty="0"/>
-                  <a:t> hash values</a:t>
+                  <a:t>Ideally make hash table resizable - Half or double as needed </a:t>
                 </a:r>
               </a:p>
               <a:p>
-                <a:pPr marL="457200" lvl="1" indent="0">
-                  <a:buNone/>
-                </a:pPr>
-                <a14:m>
-                  <m:oMathPara xmlns:m="http://schemas.openxmlformats.org/officeDocument/2006/math">
-                    <m:oMathParaPr>
-                      <m:jc m:val="centerGroup"/>
-                    </m:oMathParaPr>
-                    <m:oMath xmlns:m="http://schemas.openxmlformats.org/officeDocument/2006/math">
-                      <m:r>
-                        <a:rPr lang="en-US" b="1" i="1" smtClean="0">
-                          <a:latin typeface="Cambria Math" panose="02040503050406030204" pitchFamily="18" charset="0"/>
-                        </a:rPr>
-                        <m:t>𝒇</m:t>
-                      </m:r>
-                      <m:r>
-                        <a:rPr lang="en-US" b="1" i="1" smtClean="0">
-                          <a:latin typeface="Cambria Math" panose="02040503050406030204" pitchFamily="18" charset="0"/>
-                        </a:rPr>
-                        <m:t>(</m:t>
-                      </m:r>
-                      <m:r>
-                        <a:rPr lang="en-US" b="1" i="1" smtClean="0">
-                          <a:latin typeface="Cambria Math" panose="02040503050406030204" pitchFamily="18" charset="0"/>
-                        </a:rPr>
-                        <m:t>𝒌</m:t>
-                      </m:r>
-                      <m:r>
-                        <a:rPr lang="en-US" b="1" i="1" smtClean="0">
-                          <a:latin typeface="Cambria Math" panose="02040503050406030204" pitchFamily="18" charset="0"/>
-                        </a:rPr>
-                        <m:t>)~</m:t>
-                      </m:r>
-                      <m:r>
-                        <a:rPr lang="en-US" b="1" i="1" smtClean="0">
-                          <a:latin typeface="Cambria Math" panose="02040503050406030204" pitchFamily="18" charset="0"/>
-                          <a:ea typeface="Cambria Math" panose="02040503050406030204" pitchFamily="18" charset="0"/>
-                        </a:rPr>
-                        <m:t>𝑼</m:t>
-                      </m:r>
-                      <m:r>
-                        <a:rPr lang="en-US" b="1" i="1" smtClean="0">
-                          <a:latin typeface="Cambria Math" panose="02040503050406030204" pitchFamily="18" charset="0"/>
-                          <a:ea typeface="Cambria Math" panose="02040503050406030204" pitchFamily="18" charset="0"/>
-                        </a:rPr>
-                        <m:t>(</m:t>
-                      </m:r>
-                      <m:r>
-                        <a:rPr lang="en-US" b="1" i="1" smtClean="0">
-                          <a:latin typeface="Cambria Math" panose="02040503050406030204" pitchFamily="18" charset="0"/>
-                          <a:ea typeface="Cambria Math" panose="02040503050406030204" pitchFamily="18" charset="0"/>
-                        </a:rPr>
-                        <m:t>𝟎</m:t>
-                      </m:r>
-                      <m:r>
-                        <a:rPr lang="en-US" b="1" i="1" smtClean="0">
-                          <a:latin typeface="Cambria Math" panose="02040503050406030204" pitchFamily="18" charset="0"/>
-                          <a:ea typeface="Cambria Math" panose="02040503050406030204" pitchFamily="18" charset="0"/>
-                        </a:rPr>
-                        <m:t>,</m:t>
-                      </m:r>
-                      <m:r>
-                        <a:rPr lang="en-US" b="1" i="1" smtClean="0">
-                          <a:latin typeface="Cambria Math" panose="02040503050406030204" pitchFamily="18" charset="0"/>
-                          <a:ea typeface="Cambria Math" panose="02040503050406030204" pitchFamily="18" charset="0"/>
-                        </a:rPr>
-                        <m:t>𝒏</m:t>
-                      </m:r>
-                      <m:r>
-                        <a:rPr lang="en-US" b="1" i="1" smtClean="0">
-                          <a:latin typeface="Cambria Math" panose="02040503050406030204" pitchFamily="18" charset="0"/>
-                          <a:ea typeface="Cambria Math" panose="02040503050406030204" pitchFamily="18" charset="0"/>
-                        </a:rPr>
-                        <m:t>)</m:t>
-                      </m:r>
-                    </m:oMath>
-                  </m:oMathPara>
-                </a14:m>
-                <a:endParaRPr lang="en-US" b="1" dirty="0"/>
-              </a:p>
-              <a:p>
-                <a:pPr lvl="1"/>
-                <a:r>
-                  <a:rPr lang="en-US" b="1" dirty="0"/>
-                  <a:t>Lumpy hash values </a:t>
-                </a:r>
-                <a:r>
-                  <a:rPr lang="en-US" dirty="0"/>
-                  <a:t>lead to increased hash collisions </a:t>
-                </a:r>
-              </a:p>
-              <a:p>
-                <a:pPr lvl="1"/>
-                <a:r>
-                  <a:rPr lang="en-US" dirty="0"/>
-                  <a:t>Can verify with </a:t>
-                </a:r>
-                <a14:m>
-                  <m:oMath xmlns:m="http://schemas.openxmlformats.org/officeDocument/2006/math">
-                    <m:sSup>
-                      <m:sSupPr>
-                        <m:ctrlPr>
-                          <a:rPr lang="en-US" i="1" smtClean="0">
-                            <a:latin typeface="Cambria Math" panose="02040503050406030204" pitchFamily="18" charset="0"/>
-                          </a:rPr>
-                        </m:ctrlPr>
-                      </m:sSupPr>
-                      <m:e>
-                        <m:r>
-                          <a:rPr lang="en-US" i="1" smtClean="0">
-                            <a:latin typeface="Cambria Math" panose="02040503050406030204" pitchFamily="18" charset="0"/>
-                            <a:ea typeface="Cambria Math" panose="02040503050406030204" pitchFamily="18" charset="0"/>
-                          </a:rPr>
-                          <m:t>𝜒</m:t>
-                        </m:r>
-                      </m:e>
-                      <m:sup>
-                        <m:r>
-                          <a:rPr lang="en-US" b="0" i="1" smtClean="0">
-                            <a:latin typeface="Cambria Math" panose="02040503050406030204" pitchFamily="18" charset="0"/>
-                          </a:rPr>
-                          <m:t>2</m:t>
-                        </m:r>
-                      </m:sup>
-                    </m:sSup>
-                  </m:oMath>
-                </a14:m>
-                <a:r>
-                  <a:rPr lang="en-US" dirty="0"/>
-                  <a:t> test</a:t>
-                </a:r>
-              </a:p>
-              <a:p>
-                <a:pPr marL="514350" indent="-514350">
-                  <a:buFont typeface="+mj-lt"/>
-                  <a:buAutoNum type="arabicPeriod"/>
-                </a:pPr>
-                <a:r>
-                  <a:rPr lang="en-US" dirty="0"/>
-                  <a:t>Ideally make hash table resizable</a:t>
-                </a:r>
-              </a:p>
-              <a:p>
-                <a:pPr lvl="1"/>
-                <a:r>
-                  <a:rPr lang="en-US" dirty="0"/>
-                  <a:t>Half or double as needed </a:t>
-                </a:r>
+                <a:endParaRPr lang="en-US" dirty="0"/>
               </a:p>
             </p:txBody>
           </p:sp>
         </mc:Choice>
-        <mc:Fallback xmlns="">
+        <mc:Fallback>
           <p:sp>
             <p:nvSpPr>
               <p:cNvPr id="3" name="Content Placeholder 2">
@@ -25796,7 +25973,7 @@
               <a:blipFill>
                 <a:blip r:embed="rId2"/>
                 <a:stretch>
-                  <a:fillRect l="-1217" t="-2450"/>
+                  <a:fillRect l="-1217" t="-1782"/>
                 </a:stretch>
               </a:blipFill>
             </p:spPr>
@@ -25881,10 +26058,893 @@
   <p:clrMapOvr>
     <a:masterClrMapping/>
   </p:clrMapOvr>
+  <p:timing>
+    <p:tnLst>
+      <p:par>
+        <p:cTn id="1" dur="indefinite" restart="never" nodeType="tmRoot">
+          <p:childTnLst>
+            <p:seq concurrent="1" nextAc="seek">
+              <p:cTn id="2" dur="indefinite" nodeType="mainSeq">
+                <p:childTnLst>
+                  <p:par>
+                    <p:cTn id="3" fill="hold">
+                      <p:stCondLst>
+                        <p:cond delay="indefinite"/>
+                      </p:stCondLst>
+                      <p:childTnLst>
+                        <p:par>
+                          <p:cTn id="4" fill="hold">
+                            <p:stCondLst>
+                              <p:cond delay="0"/>
+                            </p:stCondLst>
+                            <p:childTnLst>
+                              <p:par>
+                                <p:cTn id="5" presetID="1" presetClass="entr" presetSubtype="0" fill="hold" nodeType="clickEffect">
+                                  <p:stCondLst>
+                                    <p:cond delay="0"/>
+                                  </p:stCondLst>
+                                  <p:childTnLst>
+                                    <p:set>
+                                      <p:cBhvr>
+                                        <p:cTn id="6" dur="1" fill="hold">
+                                          <p:stCondLst>
+                                            <p:cond delay="0"/>
+                                          </p:stCondLst>
+                                        </p:cTn>
+                                        <p:tgtEl>
+                                          <p:spTgt spid="3">
+                                            <p:txEl>
+                                              <p:pRg st="1" end="1"/>
+                                            </p:txEl>
+                                          </p:spTgt>
+                                        </p:tgtEl>
+                                        <p:attrNameLst>
+                                          <p:attrName>style.visibility</p:attrName>
+                                        </p:attrNameLst>
+                                      </p:cBhvr>
+                                      <p:to>
+                                        <p:strVal val="visible"/>
+                                      </p:to>
+                                    </p:set>
+                                  </p:childTnLst>
+                                </p:cTn>
+                              </p:par>
+                              <p:par>
+                                <p:cTn id="7" presetID="1" presetClass="entr" presetSubtype="0" fill="hold" nodeType="withEffect">
+                                  <p:stCondLst>
+                                    <p:cond delay="0"/>
+                                  </p:stCondLst>
+                                  <p:childTnLst>
+                                    <p:set>
+                                      <p:cBhvr>
+                                        <p:cTn id="8" dur="1" fill="hold">
+                                          <p:stCondLst>
+                                            <p:cond delay="0"/>
+                                          </p:stCondLst>
+                                        </p:cTn>
+                                        <p:tgtEl>
+                                          <p:spTgt spid="3">
+                                            <p:txEl>
+                                              <p:pRg st="2" end="2"/>
+                                            </p:txEl>
+                                          </p:spTgt>
+                                        </p:tgtEl>
+                                        <p:attrNameLst>
+                                          <p:attrName>style.visibility</p:attrName>
+                                        </p:attrNameLst>
+                                      </p:cBhvr>
+                                      <p:to>
+                                        <p:strVal val="visible"/>
+                                      </p:to>
+                                    </p:set>
+                                  </p:childTnLst>
+                                </p:cTn>
+                              </p:par>
+                              <p:par>
+                                <p:cTn id="9" presetID="1" presetClass="entr" presetSubtype="0" fill="hold" nodeType="withEffect">
+                                  <p:stCondLst>
+                                    <p:cond delay="0"/>
+                                  </p:stCondLst>
+                                  <p:childTnLst>
+                                    <p:set>
+                                      <p:cBhvr>
+                                        <p:cTn id="10" dur="1" fill="hold">
+                                          <p:stCondLst>
+                                            <p:cond delay="0"/>
+                                          </p:stCondLst>
+                                        </p:cTn>
+                                        <p:tgtEl>
+                                          <p:spTgt spid="3">
+                                            <p:txEl>
+                                              <p:pRg st="3" end="3"/>
+                                            </p:txEl>
+                                          </p:spTgt>
+                                        </p:tgtEl>
+                                        <p:attrNameLst>
+                                          <p:attrName>style.visibility</p:attrName>
+                                        </p:attrNameLst>
+                                      </p:cBhvr>
+                                      <p:to>
+                                        <p:strVal val="visible"/>
+                                      </p:to>
+                                    </p:set>
+                                  </p:childTnLst>
+                                </p:cTn>
+                              </p:par>
+                              <p:par>
+                                <p:cTn id="11" presetID="1" presetClass="entr" presetSubtype="0" fill="hold" nodeType="withEffect">
+                                  <p:stCondLst>
+                                    <p:cond delay="0"/>
+                                  </p:stCondLst>
+                                  <p:childTnLst>
+                                    <p:set>
+                                      <p:cBhvr>
+                                        <p:cTn id="12" dur="1" fill="hold">
+                                          <p:stCondLst>
+                                            <p:cond delay="0"/>
+                                          </p:stCondLst>
+                                        </p:cTn>
+                                        <p:tgtEl>
+                                          <p:spTgt spid="3">
+                                            <p:txEl>
+                                              <p:pRg st="4" end="4"/>
+                                            </p:txEl>
+                                          </p:spTgt>
+                                        </p:tgtEl>
+                                        <p:attrNameLst>
+                                          <p:attrName>style.visibility</p:attrName>
+                                        </p:attrNameLst>
+                                      </p:cBhvr>
+                                      <p:to>
+                                        <p:strVal val="visible"/>
+                                      </p:to>
+                                    </p:set>
+                                  </p:childTnLst>
+                                </p:cTn>
+                              </p:par>
+                            </p:childTnLst>
+                          </p:cTn>
+                        </p:par>
+                      </p:childTnLst>
+                    </p:cTn>
+                  </p:par>
+                  <p:par>
+                    <p:cTn id="13" fill="hold">
+                      <p:stCondLst>
+                        <p:cond delay="indefinite"/>
+                      </p:stCondLst>
+                      <p:childTnLst>
+                        <p:par>
+                          <p:cTn id="14" fill="hold">
+                            <p:stCondLst>
+                              <p:cond delay="0"/>
+                            </p:stCondLst>
+                            <p:childTnLst>
+                              <p:par>
+                                <p:cTn id="15" presetID="1" presetClass="entr" presetSubtype="0" fill="hold" nodeType="clickEffect">
+                                  <p:stCondLst>
+                                    <p:cond delay="0"/>
+                                  </p:stCondLst>
+                                  <p:childTnLst>
+                                    <p:set>
+                                      <p:cBhvr>
+                                        <p:cTn id="16" dur="1" fill="hold">
+                                          <p:stCondLst>
+                                            <p:cond delay="0"/>
+                                          </p:stCondLst>
+                                        </p:cTn>
+                                        <p:tgtEl>
+                                          <p:spTgt spid="3">
+                                            <p:txEl>
+                                              <p:pRg st="5" end="5"/>
+                                            </p:txEl>
+                                          </p:spTgt>
+                                        </p:tgtEl>
+                                        <p:attrNameLst>
+                                          <p:attrName>style.visibility</p:attrName>
+                                        </p:attrNameLst>
+                                      </p:cBhvr>
+                                      <p:to>
+                                        <p:strVal val="visible"/>
+                                      </p:to>
+                                    </p:set>
+                                  </p:childTnLst>
+                                </p:cTn>
+                              </p:par>
+                            </p:childTnLst>
+                          </p:cTn>
+                        </p:par>
+                      </p:childTnLst>
+                    </p:cTn>
+                  </p:par>
+                  <p:par>
+                    <p:cTn id="17" fill="hold">
+                      <p:stCondLst>
+                        <p:cond delay="indefinite"/>
+                      </p:stCondLst>
+                      <p:childTnLst>
+                        <p:par>
+                          <p:cTn id="18" fill="hold">
+                            <p:stCondLst>
+                              <p:cond delay="0"/>
+                            </p:stCondLst>
+                            <p:childTnLst>
+                              <p:par>
+                                <p:cTn id="19" presetID="1" presetClass="entr" presetSubtype="0" fill="hold" nodeType="clickEffect">
+                                  <p:stCondLst>
+                                    <p:cond delay="0"/>
+                                  </p:stCondLst>
+                                  <p:childTnLst>
+                                    <p:set>
+                                      <p:cBhvr>
+                                        <p:cTn id="20" dur="1" fill="hold">
+                                          <p:stCondLst>
+                                            <p:cond delay="0"/>
+                                          </p:stCondLst>
+                                        </p:cTn>
+                                        <p:tgtEl>
+                                          <p:spTgt spid="3">
+                                            <p:txEl>
+                                              <p:pRg st="6" end="6"/>
+                                            </p:txEl>
+                                          </p:spTgt>
+                                        </p:tgtEl>
+                                        <p:attrNameLst>
+                                          <p:attrName>style.visibility</p:attrName>
+                                        </p:attrNameLst>
+                                      </p:cBhvr>
+                                      <p:to>
+                                        <p:strVal val="visible"/>
+                                      </p:to>
+                                    </p:set>
+                                  </p:childTnLst>
+                                </p:cTn>
+                              </p:par>
+                              <p:par>
+                                <p:cTn id="21" presetID="1" presetClass="entr" presetSubtype="0" fill="hold" nodeType="withEffect">
+                                  <p:stCondLst>
+                                    <p:cond delay="0"/>
+                                  </p:stCondLst>
+                                  <p:childTnLst>
+                                    <p:set>
+                                      <p:cBhvr>
+                                        <p:cTn id="22" dur="1" fill="hold">
+                                          <p:stCondLst>
+                                            <p:cond delay="0"/>
+                                          </p:stCondLst>
+                                        </p:cTn>
+                                        <p:tgtEl>
+                                          <p:spTgt spid="3">
+                                            <p:txEl>
+                                              <p:pRg st="7" end="7"/>
+                                            </p:txEl>
+                                          </p:spTgt>
+                                        </p:tgtEl>
+                                        <p:attrNameLst>
+                                          <p:attrName>style.visibility</p:attrName>
+                                        </p:attrNameLst>
+                                      </p:cBhvr>
+                                      <p:to>
+                                        <p:strVal val="visible"/>
+                                      </p:to>
+                                    </p:set>
+                                  </p:childTnLst>
+                                </p:cTn>
+                              </p:par>
+                              <p:par>
+                                <p:cTn id="23" presetID="1" presetClass="entr" presetSubtype="0" fill="hold" nodeType="withEffect">
+                                  <p:stCondLst>
+                                    <p:cond delay="0"/>
+                                  </p:stCondLst>
+                                  <p:childTnLst>
+                                    <p:set>
+                                      <p:cBhvr>
+                                        <p:cTn id="24" dur="1" fill="hold">
+                                          <p:stCondLst>
+                                            <p:cond delay="0"/>
+                                          </p:stCondLst>
+                                        </p:cTn>
+                                        <p:tgtEl>
+                                          <p:spTgt spid="3">
+                                            <p:txEl>
+                                              <p:pRg st="8" end="8"/>
+                                            </p:txEl>
+                                          </p:spTgt>
+                                        </p:tgtEl>
+                                        <p:attrNameLst>
+                                          <p:attrName>style.visibility</p:attrName>
+                                        </p:attrNameLst>
+                                      </p:cBhvr>
+                                      <p:to>
+                                        <p:strVal val="visible"/>
+                                      </p:to>
+                                    </p:set>
+                                  </p:childTnLst>
+                                </p:cTn>
+                              </p:par>
+                              <p:par>
+                                <p:cTn id="25" presetID="1" presetClass="entr" presetSubtype="0" fill="hold" nodeType="withEffect">
+                                  <p:stCondLst>
+                                    <p:cond delay="0"/>
+                                  </p:stCondLst>
+                                  <p:childTnLst>
+                                    <p:set>
+                                      <p:cBhvr>
+                                        <p:cTn id="26" dur="1" fill="hold">
+                                          <p:stCondLst>
+                                            <p:cond delay="0"/>
+                                          </p:stCondLst>
+                                        </p:cTn>
+                                        <p:tgtEl>
+                                          <p:spTgt spid="3">
+                                            <p:txEl>
+                                              <p:pRg st="9" end="9"/>
+                                            </p:txEl>
+                                          </p:spTgt>
+                                        </p:tgtEl>
+                                        <p:attrNameLst>
+                                          <p:attrName>style.visibility</p:attrName>
+                                        </p:attrNameLst>
+                                      </p:cBhvr>
+                                      <p:to>
+                                        <p:strVal val="visible"/>
+                                      </p:to>
+                                    </p:set>
+                                  </p:childTnLst>
+                                </p:cTn>
+                              </p:par>
+                              <p:par>
+                                <p:cTn id="27" presetID="1" presetClass="entr" presetSubtype="0" fill="hold" nodeType="withEffect">
+                                  <p:stCondLst>
+                                    <p:cond delay="0"/>
+                                  </p:stCondLst>
+                                  <p:childTnLst>
+                                    <p:set>
+                                      <p:cBhvr>
+                                        <p:cTn id="28" dur="1" fill="hold">
+                                          <p:stCondLst>
+                                            <p:cond delay="0"/>
+                                          </p:stCondLst>
+                                        </p:cTn>
+                                        <p:tgtEl>
+                                          <p:spTgt spid="3">
+                                            <p:txEl>
+                                              <p:pRg st="10" end="10"/>
+                                            </p:txEl>
+                                          </p:spTgt>
+                                        </p:tgtEl>
+                                        <p:attrNameLst>
+                                          <p:attrName>style.visibility</p:attrName>
+                                        </p:attrNameLst>
+                                      </p:cBhvr>
+                                      <p:to>
+                                        <p:strVal val="visible"/>
+                                      </p:to>
+                                    </p:set>
+                                  </p:childTnLst>
+                                </p:cTn>
+                              </p:par>
+                            </p:childTnLst>
+                          </p:cTn>
+                        </p:par>
+                      </p:childTnLst>
+                    </p:cTn>
+                  </p:par>
+                </p:childTnLst>
+              </p:cTn>
+              <p:prevCondLst>
+                <p:cond evt="onPrev" delay="0">
+                  <p:tgtEl>
+                    <p:sldTgt/>
+                  </p:tgtEl>
+                </p:cond>
+              </p:prevCondLst>
+              <p:nextCondLst>
+                <p:cond evt="onNext" delay="0">
+                  <p:tgtEl>
+                    <p:sldTgt/>
+                  </p:tgtEl>
+                </p:cond>
+              </p:nextCondLst>
+            </p:seq>
+          </p:childTnLst>
+        </p:cTn>
+      </p:par>
+    </p:tnLst>
+  </p:timing>
 </p:sld>
 </file>
 
-<file path=ppt/slides/slide39.xml><?xml version="1.0" encoding="utf-8"?>
+<file path=ppt/slides/slide4.xml><?xml version="1.0" encoding="utf-8"?>
+<p:sld xmlns:a="http://schemas.openxmlformats.org/drawingml/2006/main" xmlns:r="http://schemas.openxmlformats.org/officeDocument/2006/relationships" xmlns:p="http://schemas.openxmlformats.org/presentationml/2006/main">
+  <p:cSld>
+    <p:spTree>
+      <p:nvGrpSpPr>
+        <p:cNvPr id="1" name=""/>
+        <p:cNvGrpSpPr/>
+        <p:nvPr/>
+      </p:nvGrpSpPr>
+      <p:grpSpPr>
+        <a:xfrm>
+          <a:off x="0" y="0"/>
+          <a:ext cx="0" cy="0"/>
+          <a:chOff x="0" y="0"/>
+          <a:chExt cx="0" cy="0"/>
+        </a:xfrm>
+      </p:grpSpPr>
+      <p:sp>
+        <p:nvSpPr>
+          <p:cNvPr id="3" name="Content Placeholder 2">
+            <a:extLst>
+              <a:ext uri="{FF2B5EF4-FFF2-40B4-BE49-F238E27FC236}">
+                <a16:creationId xmlns:a16="http://schemas.microsoft.com/office/drawing/2014/main" id="{258E6AF3-7615-4BD1-878E-A94C93E98F90}"/>
+              </a:ext>
+            </a:extLst>
+          </p:cNvPr>
+          <p:cNvSpPr>
+            <a:spLocks noGrp="1"/>
+          </p:cNvSpPr>
+          <p:nvPr>
+            <p:ph idx="1"/>
+          </p:nvPr>
+        </p:nvSpPr>
+        <p:spPr/>
+        <p:txBody>
+          <a:bodyPr/>
+          <a:lstStyle/>
+          <a:p>
+            <a:pPr marL="0" indent="0">
+              <a:buNone/>
+            </a:pPr>
+            <a:r>
+              <a:rPr lang="en-US" dirty="0"/>
+              <a:t>Data mining (KDD) is generally performed at </a:t>
+            </a:r>
+            <a:r>
+              <a:rPr lang="en-US" b="1" dirty="0"/>
+              <a:t>large scale </a:t>
+            </a:r>
+          </a:p>
+          <a:p>
+            <a:r>
+              <a:rPr lang="en-US" dirty="0"/>
+              <a:t>Dataset size has grown nearly exponentially  </a:t>
+            </a:r>
+          </a:p>
+          <a:p>
+            <a:r>
+              <a:rPr lang="en-US" dirty="0"/>
+              <a:t>More importantly, </a:t>
+            </a:r>
+            <a:r>
+              <a:rPr lang="en-US" b="1" dirty="0"/>
+              <a:t>dataset and problem complexity has grown</a:t>
+            </a:r>
+          </a:p>
+          <a:p>
+            <a:r>
+              <a:rPr lang="en-US" dirty="0"/>
+              <a:t>Data mining is at the intersection of several subjects   </a:t>
+            </a:r>
+          </a:p>
+          <a:p>
+            <a:pPr lvl="1"/>
+            <a:r>
+              <a:rPr lang="en-US" b="1" dirty="0"/>
+              <a:t>Statistics:</a:t>
+            </a:r>
+            <a:r>
+              <a:rPr lang="en-US" dirty="0"/>
+              <a:t> What of significance can we learn from the data? </a:t>
+            </a:r>
+          </a:p>
+          <a:p>
+            <a:pPr lvl="1"/>
+            <a:r>
+              <a:rPr lang="en-US" b="1" dirty="0"/>
+              <a:t>Mathematics:</a:t>
+            </a:r>
+            <a:r>
+              <a:rPr lang="en-US" dirty="0"/>
+              <a:t> How do we represent a model of the data as, say, a graph?</a:t>
+            </a:r>
+          </a:p>
+          <a:p>
+            <a:pPr lvl="1"/>
+            <a:r>
+              <a:rPr lang="en-US" b="1" dirty="0"/>
+              <a:t>Algorithms: </a:t>
+            </a:r>
+            <a:r>
+              <a:rPr lang="en-US" dirty="0"/>
+              <a:t>How do we efficiently find important relationships in massive datasets? </a:t>
+            </a:r>
+          </a:p>
+          <a:p>
+            <a:pPr lvl="1"/>
+            <a:r>
+              <a:rPr lang="en-US" b="1" dirty="0"/>
+              <a:t>Technology:</a:t>
+            </a:r>
+            <a:r>
+              <a:rPr lang="en-US" dirty="0"/>
+              <a:t> How do we manage and process massive datasets? </a:t>
+            </a:r>
+            <a:endParaRPr lang="en-US" b="1" dirty="0"/>
+          </a:p>
+        </p:txBody>
+      </p:sp>
+      <p:sp>
+        <p:nvSpPr>
+          <p:cNvPr id="6" name="Title 1">
+            <a:extLst>
+              <a:ext uri="{FF2B5EF4-FFF2-40B4-BE49-F238E27FC236}">
+                <a16:creationId xmlns:a16="http://schemas.microsoft.com/office/drawing/2014/main" id="{CD29F70F-B868-451B-A65D-8721F4C7A2D9}"/>
+              </a:ext>
+            </a:extLst>
+          </p:cNvPr>
+          <p:cNvSpPr txBox="1">
+            <a:spLocks/>
+          </p:cNvSpPr>
+          <p:nvPr/>
+        </p:nvSpPr>
+        <p:spPr>
+          <a:xfrm>
+            <a:off x="838200" y="-635"/>
+            <a:ext cx="10515600" cy="1325563"/>
+          </a:xfrm>
+          <a:prstGeom prst="rect">
+            <a:avLst/>
+          </a:prstGeom>
+        </p:spPr>
+        <p:txBody>
+          <a:bodyPr vert="horz" lIns="91440" tIns="45720" rIns="91440" bIns="45720" rtlCol="0" anchor="ctr">
+            <a:normAutofit/>
+          </a:bodyPr>
+          <a:lstStyle>
+            <a:lvl1pPr algn="l" defTabSz="914400" rtl="0" eaLnBrk="1" latinLnBrk="0" hangingPunct="1">
+              <a:lnSpc>
+                <a:spcPct val="90000"/>
+              </a:lnSpc>
+              <a:spcBef>
+                <a:spcPct val="0"/>
+              </a:spcBef>
+              <a:buNone/>
+              <a:defRPr sz="4400" kern="1200">
+                <a:solidFill>
+                  <a:schemeClr val="tx1"/>
+                </a:solidFill>
+                <a:latin typeface="+mj-lt"/>
+                <a:ea typeface="+mj-ea"/>
+                <a:cs typeface="+mj-cs"/>
+              </a:defRPr>
+            </a:lvl1pPr>
+          </a:lstStyle>
+          <a:p>
+            <a:r>
+              <a:rPr lang="en-US" dirty="0">
+                <a:latin typeface="+mn-lt"/>
+              </a:rPr>
+              <a:t>What is data mining?</a:t>
+            </a:r>
+          </a:p>
+        </p:txBody>
+      </p:sp>
+    </p:spTree>
+    <p:extLst>
+      <p:ext uri="{BB962C8B-B14F-4D97-AF65-F5344CB8AC3E}">
+        <p14:creationId xmlns:p14="http://schemas.microsoft.com/office/powerpoint/2010/main" val="69986985"/>
+      </p:ext>
+    </p:extLst>
+  </p:cSld>
+  <p:clrMapOvr>
+    <a:masterClrMapping/>
+  </p:clrMapOvr>
+  <p:timing>
+    <p:tnLst>
+      <p:par>
+        <p:cTn id="1" dur="indefinite" restart="never" nodeType="tmRoot">
+          <p:childTnLst>
+            <p:seq concurrent="1" nextAc="seek">
+              <p:cTn id="2" dur="indefinite" nodeType="mainSeq">
+                <p:childTnLst>
+                  <p:par>
+                    <p:cTn id="3" fill="hold">
+                      <p:stCondLst>
+                        <p:cond delay="indefinite"/>
+                      </p:stCondLst>
+                      <p:childTnLst>
+                        <p:par>
+                          <p:cTn id="4" fill="hold">
+                            <p:stCondLst>
+                              <p:cond delay="0"/>
+                            </p:stCondLst>
+                            <p:childTnLst>
+                              <p:par>
+                                <p:cTn id="5" presetID="1" presetClass="entr" presetSubtype="0" fill="hold" nodeType="clickEffect">
+                                  <p:stCondLst>
+                                    <p:cond delay="0"/>
+                                  </p:stCondLst>
+                                  <p:childTnLst>
+                                    <p:set>
+                                      <p:cBhvr>
+                                        <p:cTn id="6" dur="1" fill="hold">
+                                          <p:stCondLst>
+                                            <p:cond delay="0"/>
+                                          </p:stCondLst>
+                                        </p:cTn>
+                                        <p:tgtEl>
+                                          <p:spTgt spid="3">
+                                            <p:txEl>
+                                              <p:pRg st="1" end="1"/>
+                                            </p:txEl>
+                                          </p:spTgt>
+                                        </p:tgtEl>
+                                        <p:attrNameLst>
+                                          <p:attrName>style.visibility</p:attrName>
+                                        </p:attrNameLst>
+                                      </p:cBhvr>
+                                      <p:to>
+                                        <p:strVal val="visible"/>
+                                      </p:to>
+                                    </p:set>
+                                  </p:childTnLst>
+                                </p:cTn>
+                              </p:par>
+                            </p:childTnLst>
+                          </p:cTn>
+                        </p:par>
+                      </p:childTnLst>
+                    </p:cTn>
+                  </p:par>
+                  <p:par>
+                    <p:cTn id="7" fill="hold">
+                      <p:stCondLst>
+                        <p:cond delay="indefinite"/>
+                      </p:stCondLst>
+                      <p:childTnLst>
+                        <p:par>
+                          <p:cTn id="8" fill="hold">
+                            <p:stCondLst>
+                              <p:cond delay="0"/>
+                            </p:stCondLst>
+                            <p:childTnLst>
+                              <p:par>
+                                <p:cTn id="9" presetID="1" presetClass="entr" presetSubtype="0" fill="hold" nodeType="clickEffect">
+                                  <p:stCondLst>
+                                    <p:cond delay="0"/>
+                                  </p:stCondLst>
+                                  <p:childTnLst>
+                                    <p:set>
+                                      <p:cBhvr>
+                                        <p:cTn id="10" dur="1" fill="hold">
+                                          <p:stCondLst>
+                                            <p:cond delay="0"/>
+                                          </p:stCondLst>
+                                        </p:cTn>
+                                        <p:tgtEl>
+                                          <p:spTgt spid="3">
+                                            <p:txEl>
+                                              <p:pRg st="2" end="2"/>
+                                            </p:txEl>
+                                          </p:spTgt>
+                                        </p:tgtEl>
+                                        <p:attrNameLst>
+                                          <p:attrName>style.visibility</p:attrName>
+                                        </p:attrNameLst>
+                                      </p:cBhvr>
+                                      <p:to>
+                                        <p:strVal val="visible"/>
+                                      </p:to>
+                                    </p:set>
+                                  </p:childTnLst>
+                                </p:cTn>
+                              </p:par>
+                            </p:childTnLst>
+                          </p:cTn>
+                        </p:par>
+                      </p:childTnLst>
+                    </p:cTn>
+                  </p:par>
+                  <p:par>
+                    <p:cTn id="11" fill="hold">
+                      <p:stCondLst>
+                        <p:cond delay="indefinite"/>
+                      </p:stCondLst>
+                      <p:childTnLst>
+                        <p:par>
+                          <p:cTn id="12" fill="hold">
+                            <p:stCondLst>
+                              <p:cond delay="0"/>
+                            </p:stCondLst>
+                            <p:childTnLst>
+                              <p:par>
+                                <p:cTn id="13" presetID="1" presetClass="entr" presetSubtype="0" fill="hold" nodeType="clickEffect">
+                                  <p:stCondLst>
+                                    <p:cond delay="0"/>
+                                  </p:stCondLst>
+                                  <p:childTnLst>
+                                    <p:set>
+                                      <p:cBhvr>
+                                        <p:cTn id="14" dur="1" fill="hold">
+                                          <p:stCondLst>
+                                            <p:cond delay="0"/>
+                                          </p:stCondLst>
+                                        </p:cTn>
+                                        <p:tgtEl>
+                                          <p:spTgt spid="3">
+                                            <p:txEl>
+                                              <p:pRg st="3" end="3"/>
+                                            </p:txEl>
+                                          </p:spTgt>
+                                        </p:tgtEl>
+                                        <p:attrNameLst>
+                                          <p:attrName>style.visibility</p:attrName>
+                                        </p:attrNameLst>
+                                      </p:cBhvr>
+                                      <p:to>
+                                        <p:strVal val="visible"/>
+                                      </p:to>
+                                    </p:set>
+                                  </p:childTnLst>
+                                </p:cTn>
+                              </p:par>
+                              <p:par>
+                                <p:cTn id="15" presetID="1" presetClass="entr" presetSubtype="0" fill="hold" nodeType="withEffect">
+                                  <p:stCondLst>
+                                    <p:cond delay="0"/>
+                                  </p:stCondLst>
+                                  <p:childTnLst>
+                                    <p:set>
+                                      <p:cBhvr>
+                                        <p:cTn id="16" dur="1" fill="hold">
+                                          <p:stCondLst>
+                                            <p:cond delay="0"/>
+                                          </p:stCondLst>
+                                        </p:cTn>
+                                        <p:tgtEl>
+                                          <p:spTgt spid="3">
+                                            <p:txEl>
+                                              <p:pRg st="4" end="4"/>
+                                            </p:txEl>
+                                          </p:spTgt>
+                                        </p:tgtEl>
+                                        <p:attrNameLst>
+                                          <p:attrName>style.visibility</p:attrName>
+                                        </p:attrNameLst>
+                                      </p:cBhvr>
+                                      <p:to>
+                                        <p:strVal val="visible"/>
+                                      </p:to>
+                                    </p:set>
+                                  </p:childTnLst>
+                                </p:cTn>
+                              </p:par>
+                              <p:par>
+                                <p:cTn id="17" presetID="1" presetClass="entr" presetSubtype="0" fill="hold" nodeType="withEffect">
+                                  <p:stCondLst>
+                                    <p:cond delay="0"/>
+                                  </p:stCondLst>
+                                  <p:childTnLst>
+                                    <p:set>
+                                      <p:cBhvr>
+                                        <p:cTn id="18" dur="1" fill="hold">
+                                          <p:stCondLst>
+                                            <p:cond delay="0"/>
+                                          </p:stCondLst>
+                                        </p:cTn>
+                                        <p:tgtEl>
+                                          <p:spTgt spid="3">
+                                            <p:txEl>
+                                              <p:pRg st="5" end="5"/>
+                                            </p:txEl>
+                                          </p:spTgt>
+                                        </p:tgtEl>
+                                        <p:attrNameLst>
+                                          <p:attrName>style.visibility</p:attrName>
+                                        </p:attrNameLst>
+                                      </p:cBhvr>
+                                      <p:to>
+                                        <p:strVal val="visible"/>
+                                      </p:to>
+                                    </p:set>
+                                  </p:childTnLst>
+                                </p:cTn>
+                              </p:par>
+                              <p:par>
+                                <p:cTn id="19" presetID="1" presetClass="entr" presetSubtype="0" fill="hold" nodeType="withEffect">
+                                  <p:stCondLst>
+                                    <p:cond delay="0"/>
+                                  </p:stCondLst>
+                                  <p:childTnLst>
+                                    <p:set>
+                                      <p:cBhvr>
+                                        <p:cTn id="20" dur="1" fill="hold">
+                                          <p:stCondLst>
+                                            <p:cond delay="0"/>
+                                          </p:stCondLst>
+                                        </p:cTn>
+                                        <p:tgtEl>
+                                          <p:spTgt spid="3">
+                                            <p:txEl>
+                                              <p:pRg st="6" end="6"/>
+                                            </p:txEl>
+                                          </p:spTgt>
+                                        </p:tgtEl>
+                                        <p:attrNameLst>
+                                          <p:attrName>style.visibility</p:attrName>
+                                        </p:attrNameLst>
+                                      </p:cBhvr>
+                                      <p:to>
+                                        <p:strVal val="visible"/>
+                                      </p:to>
+                                    </p:set>
+                                  </p:childTnLst>
+                                </p:cTn>
+                              </p:par>
+                              <p:par>
+                                <p:cTn id="21" presetID="1" presetClass="entr" presetSubtype="0" fill="hold" nodeType="withEffect">
+                                  <p:stCondLst>
+                                    <p:cond delay="0"/>
+                                  </p:stCondLst>
+                                  <p:childTnLst>
+                                    <p:set>
+                                      <p:cBhvr>
+                                        <p:cTn id="22" dur="1" fill="hold">
+                                          <p:stCondLst>
+                                            <p:cond delay="0"/>
+                                          </p:stCondLst>
+                                        </p:cTn>
+                                        <p:tgtEl>
+                                          <p:spTgt spid="3">
+                                            <p:txEl>
+                                              <p:pRg st="7" end="7"/>
+                                            </p:txEl>
+                                          </p:spTgt>
+                                        </p:tgtEl>
+                                        <p:attrNameLst>
+                                          <p:attrName>style.visibility</p:attrName>
+                                        </p:attrNameLst>
+                                      </p:cBhvr>
+                                      <p:to>
+                                        <p:strVal val="visible"/>
+                                      </p:to>
+                                    </p:set>
+                                  </p:childTnLst>
+                                </p:cTn>
+                              </p:par>
+                            </p:childTnLst>
+                          </p:cTn>
+                        </p:par>
+                      </p:childTnLst>
+                    </p:cTn>
+                  </p:par>
+                </p:childTnLst>
+              </p:cTn>
+              <p:prevCondLst>
+                <p:cond evt="onPrev" delay="0">
+                  <p:tgtEl>
+                    <p:sldTgt/>
+                  </p:tgtEl>
+                </p:cond>
+              </p:prevCondLst>
+              <p:nextCondLst>
+                <p:cond evt="onNext" delay="0">
+                  <p:tgtEl>
+                    <p:sldTgt/>
+                  </p:tgtEl>
+                </p:cond>
+              </p:nextCondLst>
+            </p:seq>
+          </p:childTnLst>
+        </p:cTn>
+      </p:par>
+    </p:tnLst>
+  </p:timing>
+</p:sld>
+</file>
+
+<file path=ppt/slides/slide40.xml><?xml version="1.0" encoding="utf-8"?>
 <p:sld xmlns:a="http://schemas.openxmlformats.org/drawingml/2006/main" xmlns:r="http://schemas.openxmlformats.org/officeDocument/2006/relationships" xmlns:p="http://schemas.openxmlformats.org/presentationml/2006/main">
   <p:cSld>
     <p:spTree>
@@ -26347,496 +27407,7 @@
 </p:sld>
 </file>
 
-<file path=ppt/slides/slide4.xml><?xml version="1.0" encoding="utf-8"?>
-<p:sld xmlns:a="http://schemas.openxmlformats.org/drawingml/2006/main" xmlns:r="http://schemas.openxmlformats.org/officeDocument/2006/relationships" xmlns:p="http://schemas.openxmlformats.org/presentationml/2006/main">
-  <p:cSld>
-    <p:spTree>
-      <p:nvGrpSpPr>
-        <p:cNvPr id="1" name=""/>
-        <p:cNvGrpSpPr/>
-        <p:nvPr/>
-      </p:nvGrpSpPr>
-      <p:grpSpPr>
-        <a:xfrm>
-          <a:off x="0" y="0"/>
-          <a:ext cx="0" cy="0"/>
-          <a:chOff x="0" y="0"/>
-          <a:chExt cx="0" cy="0"/>
-        </a:xfrm>
-      </p:grpSpPr>
-      <p:sp>
-        <p:nvSpPr>
-          <p:cNvPr id="3" name="Content Placeholder 2">
-            <a:extLst>
-              <a:ext uri="{FF2B5EF4-FFF2-40B4-BE49-F238E27FC236}">
-                <a16:creationId xmlns:a16="http://schemas.microsoft.com/office/drawing/2014/main" id="{258E6AF3-7615-4BD1-878E-A94C93E98F90}"/>
-              </a:ext>
-            </a:extLst>
-          </p:cNvPr>
-          <p:cNvSpPr>
-            <a:spLocks noGrp="1"/>
-          </p:cNvSpPr>
-          <p:nvPr>
-            <p:ph idx="1"/>
-          </p:nvPr>
-        </p:nvSpPr>
-        <p:spPr/>
-        <p:txBody>
-          <a:bodyPr/>
-          <a:lstStyle/>
-          <a:p>
-            <a:pPr marL="0" indent="0">
-              <a:buNone/>
-            </a:pPr>
-            <a:r>
-              <a:rPr lang="en-US" dirty="0"/>
-              <a:t>Data mining (KDD) is generally performed at </a:t>
-            </a:r>
-            <a:r>
-              <a:rPr lang="en-US" b="1" dirty="0"/>
-              <a:t>large scale </a:t>
-            </a:r>
-          </a:p>
-          <a:p>
-            <a:r>
-              <a:rPr lang="en-US" dirty="0"/>
-              <a:t>Dataset size has grown nearly exponentially  </a:t>
-            </a:r>
-          </a:p>
-          <a:p>
-            <a:r>
-              <a:rPr lang="en-US" dirty="0"/>
-              <a:t>More importantly, </a:t>
-            </a:r>
-            <a:r>
-              <a:rPr lang="en-US" b="1" dirty="0"/>
-              <a:t>dataset and problem complexity has grown</a:t>
-            </a:r>
-          </a:p>
-          <a:p>
-            <a:r>
-              <a:rPr lang="en-US" dirty="0"/>
-              <a:t>Data mining is at the intersection of several subjects   </a:t>
-            </a:r>
-          </a:p>
-          <a:p>
-            <a:pPr lvl="1"/>
-            <a:r>
-              <a:rPr lang="en-US" b="1" dirty="0"/>
-              <a:t>Statistics:</a:t>
-            </a:r>
-            <a:r>
-              <a:rPr lang="en-US" dirty="0"/>
-              <a:t> What of significance can we learn from the data? </a:t>
-            </a:r>
-          </a:p>
-          <a:p>
-            <a:pPr lvl="1"/>
-            <a:r>
-              <a:rPr lang="en-US" b="1" dirty="0"/>
-              <a:t>Mathematics:</a:t>
-            </a:r>
-            <a:r>
-              <a:rPr lang="en-US" dirty="0"/>
-              <a:t> How do we represent a model of the data as, say, a graph?</a:t>
-            </a:r>
-          </a:p>
-          <a:p>
-            <a:pPr lvl="1"/>
-            <a:r>
-              <a:rPr lang="en-US" b="1" dirty="0"/>
-              <a:t>Algorithms: </a:t>
-            </a:r>
-            <a:r>
-              <a:rPr lang="en-US" dirty="0"/>
-              <a:t>How do we efficiently find important relationships in massive datasets? </a:t>
-            </a:r>
-          </a:p>
-          <a:p>
-            <a:pPr lvl="1"/>
-            <a:r>
-              <a:rPr lang="en-US" b="1" dirty="0"/>
-              <a:t>Technology:</a:t>
-            </a:r>
-            <a:r>
-              <a:rPr lang="en-US" dirty="0"/>
-              <a:t> How do we manage and process massive datasets? </a:t>
-            </a:r>
-            <a:endParaRPr lang="en-US" b="1" dirty="0"/>
-          </a:p>
-        </p:txBody>
-      </p:sp>
-      <p:sp>
-        <p:nvSpPr>
-          <p:cNvPr id="6" name="Title 1">
-            <a:extLst>
-              <a:ext uri="{FF2B5EF4-FFF2-40B4-BE49-F238E27FC236}">
-                <a16:creationId xmlns:a16="http://schemas.microsoft.com/office/drawing/2014/main" id="{CD29F70F-B868-451B-A65D-8721F4C7A2D9}"/>
-              </a:ext>
-            </a:extLst>
-          </p:cNvPr>
-          <p:cNvSpPr txBox="1">
-            <a:spLocks/>
-          </p:cNvSpPr>
-          <p:nvPr/>
-        </p:nvSpPr>
-        <p:spPr>
-          <a:xfrm>
-            <a:off x="838200" y="-635"/>
-            <a:ext cx="10515600" cy="1325563"/>
-          </a:xfrm>
-          <a:prstGeom prst="rect">
-            <a:avLst/>
-          </a:prstGeom>
-        </p:spPr>
-        <p:txBody>
-          <a:bodyPr vert="horz" lIns="91440" tIns="45720" rIns="91440" bIns="45720" rtlCol="0" anchor="ctr">
-            <a:normAutofit/>
-          </a:bodyPr>
-          <a:lstStyle>
-            <a:lvl1pPr algn="l" defTabSz="914400" rtl="0" eaLnBrk="1" latinLnBrk="0" hangingPunct="1">
-              <a:lnSpc>
-                <a:spcPct val="90000"/>
-              </a:lnSpc>
-              <a:spcBef>
-                <a:spcPct val="0"/>
-              </a:spcBef>
-              <a:buNone/>
-              <a:defRPr sz="4400" kern="1200">
-                <a:solidFill>
-                  <a:schemeClr val="tx1"/>
-                </a:solidFill>
-                <a:latin typeface="+mj-lt"/>
-                <a:ea typeface="+mj-ea"/>
-                <a:cs typeface="+mj-cs"/>
-              </a:defRPr>
-            </a:lvl1pPr>
-          </a:lstStyle>
-          <a:p>
-            <a:r>
-              <a:rPr lang="en-US" dirty="0">
-                <a:latin typeface="+mn-lt"/>
-              </a:rPr>
-              <a:t>What is data mining?</a:t>
-            </a:r>
-          </a:p>
-        </p:txBody>
-      </p:sp>
-    </p:spTree>
-    <p:extLst>
-      <p:ext uri="{BB962C8B-B14F-4D97-AF65-F5344CB8AC3E}">
-        <p14:creationId xmlns:p14="http://schemas.microsoft.com/office/powerpoint/2010/main" val="69986985"/>
-      </p:ext>
-    </p:extLst>
-  </p:cSld>
-  <p:clrMapOvr>
-    <a:masterClrMapping/>
-  </p:clrMapOvr>
-  <p:timing>
-    <p:tnLst>
-      <p:par>
-        <p:cTn id="1" dur="indefinite" restart="never" nodeType="tmRoot">
-          <p:childTnLst>
-            <p:seq concurrent="1" nextAc="seek">
-              <p:cTn id="2" dur="indefinite" nodeType="mainSeq">
-                <p:childTnLst>
-                  <p:par>
-                    <p:cTn id="3" fill="hold">
-                      <p:stCondLst>
-                        <p:cond delay="indefinite"/>
-                      </p:stCondLst>
-                      <p:childTnLst>
-                        <p:par>
-                          <p:cTn id="4" fill="hold">
-                            <p:stCondLst>
-                              <p:cond delay="0"/>
-                            </p:stCondLst>
-                            <p:childTnLst>
-                              <p:par>
-                                <p:cTn id="5" presetID="1" presetClass="entr" presetSubtype="0" fill="hold" nodeType="clickEffect">
-                                  <p:stCondLst>
-                                    <p:cond delay="0"/>
-                                  </p:stCondLst>
-                                  <p:childTnLst>
-                                    <p:set>
-                                      <p:cBhvr>
-                                        <p:cTn id="6" dur="1" fill="hold">
-                                          <p:stCondLst>
-                                            <p:cond delay="0"/>
-                                          </p:stCondLst>
-                                        </p:cTn>
-                                        <p:tgtEl>
-                                          <p:spTgt spid="3">
-                                            <p:txEl>
-                                              <p:pRg st="1" end="1"/>
-                                            </p:txEl>
-                                          </p:spTgt>
-                                        </p:tgtEl>
-                                        <p:attrNameLst>
-                                          <p:attrName>style.visibility</p:attrName>
-                                        </p:attrNameLst>
-                                      </p:cBhvr>
-                                      <p:to>
-                                        <p:strVal val="visible"/>
-                                      </p:to>
-                                    </p:set>
-                                  </p:childTnLst>
-                                </p:cTn>
-                              </p:par>
-                            </p:childTnLst>
-                          </p:cTn>
-                        </p:par>
-                      </p:childTnLst>
-                    </p:cTn>
-                  </p:par>
-                  <p:par>
-                    <p:cTn id="7" fill="hold">
-                      <p:stCondLst>
-                        <p:cond delay="indefinite"/>
-                      </p:stCondLst>
-                      <p:childTnLst>
-                        <p:par>
-                          <p:cTn id="8" fill="hold">
-                            <p:stCondLst>
-                              <p:cond delay="0"/>
-                            </p:stCondLst>
-                            <p:childTnLst>
-                              <p:par>
-                                <p:cTn id="9" presetID="1" presetClass="entr" presetSubtype="0" fill="hold" nodeType="clickEffect">
-                                  <p:stCondLst>
-                                    <p:cond delay="0"/>
-                                  </p:stCondLst>
-                                  <p:childTnLst>
-                                    <p:set>
-                                      <p:cBhvr>
-                                        <p:cTn id="10" dur="1" fill="hold">
-                                          <p:stCondLst>
-                                            <p:cond delay="0"/>
-                                          </p:stCondLst>
-                                        </p:cTn>
-                                        <p:tgtEl>
-                                          <p:spTgt spid="3">
-                                            <p:txEl>
-                                              <p:pRg st="2" end="2"/>
-                                            </p:txEl>
-                                          </p:spTgt>
-                                        </p:tgtEl>
-                                        <p:attrNameLst>
-                                          <p:attrName>style.visibility</p:attrName>
-                                        </p:attrNameLst>
-                                      </p:cBhvr>
-                                      <p:to>
-                                        <p:strVal val="visible"/>
-                                      </p:to>
-                                    </p:set>
-                                  </p:childTnLst>
-                                </p:cTn>
-                              </p:par>
-                            </p:childTnLst>
-                          </p:cTn>
-                        </p:par>
-                      </p:childTnLst>
-                    </p:cTn>
-                  </p:par>
-                  <p:par>
-                    <p:cTn id="11" fill="hold">
-                      <p:stCondLst>
-                        <p:cond delay="indefinite"/>
-                      </p:stCondLst>
-                      <p:childTnLst>
-                        <p:par>
-                          <p:cTn id="12" fill="hold">
-                            <p:stCondLst>
-                              <p:cond delay="0"/>
-                            </p:stCondLst>
-                            <p:childTnLst>
-                              <p:par>
-                                <p:cTn id="13" presetID="1" presetClass="entr" presetSubtype="0" fill="hold" nodeType="clickEffect">
-                                  <p:stCondLst>
-                                    <p:cond delay="0"/>
-                                  </p:stCondLst>
-                                  <p:childTnLst>
-                                    <p:set>
-                                      <p:cBhvr>
-                                        <p:cTn id="14" dur="1" fill="hold">
-                                          <p:stCondLst>
-                                            <p:cond delay="0"/>
-                                          </p:stCondLst>
-                                        </p:cTn>
-                                        <p:tgtEl>
-                                          <p:spTgt spid="3">
-                                            <p:txEl>
-                                              <p:pRg st="3" end="3"/>
-                                            </p:txEl>
-                                          </p:spTgt>
-                                        </p:tgtEl>
-                                        <p:attrNameLst>
-                                          <p:attrName>style.visibility</p:attrName>
-                                        </p:attrNameLst>
-                                      </p:cBhvr>
-                                      <p:to>
-                                        <p:strVal val="visible"/>
-                                      </p:to>
-                                    </p:set>
-                                  </p:childTnLst>
-                                </p:cTn>
-                              </p:par>
-                              <p:par>
-                                <p:cTn id="15" presetID="1" presetClass="entr" presetSubtype="0" fill="hold" nodeType="withEffect">
-                                  <p:stCondLst>
-                                    <p:cond delay="0"/>
-                                  </p:stCondLst>
-                                  <p:childTnLst>
-                                    <p:set>
-                                      <p:cBhvr>
-                                        <p:cTn id="16" dur="1" fill="hold">
-                                          <p:stCondLst>
-                                            <p:cond delay="0"/>
-                                          </p:stCondLst>
-                                        </p:cTn>
-                                        <p:tgtEl>
-                                          <p:spTgt spid="3">
-                                            <p:txEl>
-                                              <p:pRg st="4" end="4"/>
-                                            </p:txEl>
-                                          </p:spTgt>
-                                        </p:tgtEl>
-                                        <p:attrNameLst>
-                                          <p:attrName>style.visibility</p:attrName>
-                                        </p:attrNameLst>
-                                      </p:cBhvr>
-                                      <p:to>
-                                        <p:strVal val="visible"/>
-                                      </p:to>
-                                    </p:set>
-                                  </p:childTnLst>
-                                </p:cTn>
-                              </p:par>
-                              <p:par>
-                                <p:cTn id="17" presetID="1" presetClass="entr" presetSubtype="0" fill="hold" nodeType="withEffect">
-                                  <p:stCondLst>
-                                    <p:cond delay="0"/>
-                                  </p:stCondLst>
-                                  <p:childTnLst>
-                                    <p:set>
-                                      <p:cBhvr>
-                                        <p:cTn id="18" dur="1" fill="hold">
-                                          <p:stCondLst>
-                                            <p:cond delay="0"/>
-                                          </p:stCondLst>
-                                        </p:cTn>
-                                        <p:tgtEl>
-                                          <p:spTgt spid="3">
-                                            <p:txEl>
-                                              <p:pRg st="5" end="5"/>
-                                            </p:txEl>
-                                          </p:spTgt>
-                                        </p:tgtEl>
-                                        <p:attrNameLst>
-                                          <p:attrName>style.visibility</p:attrName>
-                                        </p:attrNameLst>
-                                      </p:cBhvr>
-                                      <p:to>
-                                        <p:strVal val="visible"/>
-                                      </p:to>
-                                    </p:set>
-                                  </p:childTnLst>
-                                </p:cTn>
-                              </p:par>
-                              <p:par>
-                                <p:cTn id="19" presetID="1" presetClass="entr" presetSubtype="0" fill="hold" nodeType="withEffect">
-                                  <p:stCondLst>
-                                    <p:cond delay="0"/>
-                                  </p:stCondLst>
-                                  <p:childTnLst>
-                                    <p:set>
-                                      <p:cBhvr>
-                                        <p:cTn id="20" dur="1" fill="hold">
-                                          <p:stCondLst>
-                                            <p:cond delay="0"/>
-                                          </p:stCondLst>
-                                        </p:cTn>
-                                        <p:tgtEl>
-                                          <p:spTgt spid="3">
-                                            <p:txEl>
-                                              <p:pRg st="6" end="6"/>
-                                            </p:txEl>
-                                          </p:spTgt>
-                                        </p:tgtEl>
-                                        <p:attrNameLst>
-                                          <p:attrName>style.visibility</p:attrName>
-                                        </p:attrNameLst>
-                                      </p:cBhvr>
-                                      <p:to>
-                                        <p:strVal val="visible"/>
-                                      </p:to>
-                                    </p:set>
-                                  </p:childTnLst>
-                                </p:cTn>
-                              </p:par>
-                              <p:par>
-                                <p:cTn id="21" presetID="1" presetClass="entr" presetSubtype="0" fill="hold" nodeType="withEffect">
-                                  <p:stCondLst>
-                                    <p:cond delay="0"/>
-                                  </p:stCondLst>
-                                  <p:childTnLst>
-                                    <p:set>
-                                      <p:cBhvr>
-                                        <p:cTn id="22" dur="1" fill="hold">
-                                          <p:stCondLst>
-                                            <p:cond delay="0"/>
-                                          </p:stCondLst>
-                                        </p:cTn>
-                                        <p:tgtEl>
-                                          <p:spTgt spid="3">
-                                            <p:txEl>
-                                              <p:pRg st="7" end="7"/>
-                                            </p:txEl>
-                                          </p:spTgt>
-                                        </p:tgtEl>
-                                        <p:attrNameLst>
-                                          <p:attrName>style.visibility</p:attrName>
-                                        </p:attrNameLst>
-                                      </p:cBhvr>
-                                      <p:to>
-                                        <p:strVal val="visible"/>
-                                      </p:to>
-                                    </p:set>
-                                  </p:childTnLst>
-                                </p:cTn>
-                              </p:par>
-                            </p:childTnLst>
-                          </p:cTn>
-                        </p:par>
-                      </p:childTnLst>
-                    </p:cTn>
-                  </p:par>
-                </p:childTnLst>
-              </p:cTn>
-              <p:prevCondLst>
-                <p:cond evt="onPrev" delay="0">
-                  <p:tgtEl>
-                    <p:sldTgt/>
-                  </p:tgtEl>
-                </p:cond>
-              </p:prevCondLst>
-              <p:nextCondLst>
-                <p:cond evt="onNext" delay="0">
-                  <p:tgtEl>
-                    <p:sldTgt/>
-                  </p:tgtEl>
-                </p:cond>
-              </p:nextCondLst>
-            </p:seq>
-          </p:childTnLst>
-        </p:cTn>
-      </p:par>
-    </p:tnLst>
-  </p:timing>
-</p:sld>
-</file>
-
-<file path=ppt/slides/slide40.xml><?xml version="1.0" encoding="utf-8"?>
+<file path=ppt/slides/slide41.xml><?xml version="1.0" encoding="utf-8"?>
 <p:sld xmlns:a="http://schemas.openxmlformats.org/drawingml/2006/main" xmlns:r="http://schemas.openxmlformats.org/officeDocument/2006/relationships" xmlns:p="http://schemas.openxmlformats.org/presentationml/2006/main">
   <p:cSld>
     <p:spTree>
@@ -27266,7 +27837,7 @@
 </p:sld>
 </file>
 
-<file path=ppt/slides/slide41.xml><?xml version="1.0" encoding="utf-8"?>
+<file path=ppt/slides/slide42.xml><?xml version="1.0" encoding="utf-8"?>
 <p:sld xmlns:a="http://schemas.openxmlformats.org/drawingml/2006/main" xmlns:r="http://schemas.openxmlformats.org/officeDocument/2006/relationships" xmlns:p="http://schemas.openxmlformats.org/presentationml/2006/main">
   <p:cSld>
     <p:spTree>
@@ -27832,7 +28403,7 @@
 </p:sld>
 </file>
 
-<file path=ppt/slides/slide42.xml><?xml version="1.0" encoding="utf-8"?>
+<file path=ppt/slides/slide43.xml><?xml version="1.0" encoding="utf-8"?>
 <p:sld xmlns:a="http://schemas.openxmlformats.org/drawingml/2006/main" xmlns:r="http://schemas.openxmlformats.org/officeDocument/2006/relationships" xmlns:p="http://schemas.openxmlformats.org/presentationml/2006/main">
   <p:cSld>
     <p:spTree>
@@ -28406,7 +28977,7 @@
 </p:sld>
 </file>
 
-<file path=ppt/slides/slide43.xml><?xml version="1.0" encoding="utf-8"?>
+<file path=ppt/slides/slide44.xml><?xml version="1.0" encoding="utf-8"?>
 <p:sld xmlns:a="http://schemas.openxmlformats.org/drawingml/2006/main" xmlns:r="http://schemas.openxmlformats.org/officeDocument/2006/relationships" xmlns:p="http://schemas.openxmlformats.org/presentationml/2006/main">
   <p:cSld>
     <p:spTree>
@@ -28466,7 +29037,7 @@
 </p:sld>
 </file>
 
-<file path=ppt/slides/slide44.xml><?xml version="1.0" encoding="utf-8"?>
+<file path=ppt/slides/slide45.xml><?xml version="1.0" encoding="utf-8"?>
 <p:sld xmlns:a="http://schemas.openxmlformats.org/drawingml/2006/main" xmlns:r="http://schemas.openxmlformats.org/officeDocument/2006/relationships" xmlns:p="http://schemas.openxmlformats.org/presentationml/2006/main">
   <p:cSld>
     <p:spTree>
@@ -28516,7 +29087,7 @@
             </a:pPr>
             <a:r>
               <a:rPr lang="en-US" dirty="0"/>
-              <a:t>Statistical hypothesis tests are widely used methods to determine if </a:t>
+              <a:t>Statistical inference is widely used to determine if </a:t>
             </a:r>
             <a:r>
               <a:rPr lang="en-US" b="1" dirty="0"/>
@@ -28686,7 +29257,7 @@
               <a:rPr lang="en-US" dirty="0">
                 <a:latin typeface="+mn-lt"/>
               </a:rPr>
-              <a:t>Review: Hypothesis Testing</a:t>
+              <a:t>Review: Statistical Inference</a:t>
             </a:r>
           </a:p>
         </p:txBody>
@@ -29142,7 +29713,7 @@
 </p:sld>
 </file>
 
-<file path=ppt/slides/slide45.xml><?xml version="1.0" encoding="utf-8"?>
+<file path=ppt/slides/slide46.xml><?xml version="1.0" encoding="utf-8"?>
 <p:sld xmlns:a="http://schemas.openxmlformats.org/drawingml/2006/main" xmlns:r="http://schemas.openxmlformats.org/officeDocument/2006/relationships" xmlns:p="http://schemas.openxmlformats.org/presentationml/2006/main">
   <p:cSld>
     <p:spTree>
@@ -30006,7 +30577,7 @@
 </p:sld>
 </file>
 
-<file path=ppt/slides/slide46.xml><?xml version="1.0" encoding="utf-8"?>
+<file path=ppt/slides/slide47.xml><?xml version="1.0" encoding="utf-8"?>
 <p:sld xmlns:a="http://schemas.openxmlformats.org/drawingml/2006/main" xmlns:r="http://schemas.openxmlformats.org/officeDocument/2006/relationships" xmlns:p="http://schemas.openxmlformats.org/presentationml/2006/main">
   <p:cSld>
     <p:spTree>
@@ -32301,7 +32872,7 @@
 </p:sld>
 </file>
 
-<file path=ppt/slides/slide47.xml><?xml version="1.0" encoding="utf-8"?>
+<file path=ppt/slides/slide48.xml><?xml version="1.0" encoding="utf-8"?>
 <p:sld xmlns:a="http://schemas.openxmlformats.org/drawingml/2006/main" xmlns:r="http://schemas.openxmlformats.org/officeDocument/2006/relationships" xmlns:p="http://schemas.openxmlformats.org/presentationml/2006/main">
   <p:cSld>
     <p:spTree>
@@ -32418,166 +32989,8 @@
                   </a:schemeClr>
                 </a:solidFill>
               </a:rPr>
-              <a:t>p-value is the probability of getting a result that extreme or greater simply from random variation (random sampling) of the null distribution</a:t>
-            </a:r>
-          </a:p>
-          <a:p>
-            <a:pPr marL="342900" indent="-342900">
-              <a:buFont typeface="Arial" panose="020B0604020202020204" pitchFamily="34" charset="0"/>
-              <a:buChar char="•"/>
-            </a:pPr>
-            <a:r>
-              <a:rPr lang="en-US" b="0" dirty="0">
-                <a:solidFill>
-                  <a:schemeClr val="tx1">
-                    <a:lumMod val="50000"/>
-                  </a:schemeClr>
-                </a:solidFill>
-              </a:rPr>
-              <a:t>Lots of ways to </a:t>
-            </a:r>
-            <a:r>
-              <a:rPr lang="en-US" b="1" dirty="0">
-                <a:solidFill>
-                  <a:schemeClr val="tx1">
-                    <a:lumMod val="50000"/>
-                  </a:schemeClr>
-                </a:solidFill>
-              </a:rPr>
-              <a:t>misuse the p-value</a:t>
-            </a:r>
-            <a:r>
-              <a:rPr lang="en-US" b="0" dirty="0">
-                <a:solidFill>
-                  <a:schemeClr val="tx1">
-                    <a:lumMod val="50000"/>
-                  </a:schemeClr>
-                </a:solidFill>
-              </a:rPr>
-              <a:t>; some examples: </a:t>
-            </a:r>
-          </a:p>
-          <a:p>
-            <a:pPr lvl="1">
-              <a:buFont typeface="Wingdings" panose="05000000000000000000" pitchFamily="2" charset="2"/>
-              <a:buChar char="§"/>
-            </a:pPr>
-            <a:r>
-              <a:rPr lang="en-US" dirty="0">
-                <a:solidFill>
-                  <a:schemeClr val="tx1">
-                    <a:lumMod val="50000"/>
-                  </a:schemeClr>
-                </a:solidFill>
-              </a:rPr>
-              <a:t>p-values are an </a:t>
-            </a:r>
-            <a:r>
-              <a:rPr lang="en-US" b="1" dirty="0">
-                <a:solidFill>
-                  <a:schemeClr val="tx1">
-                    <a:lumMod val="50000"/>
-                  </a:schemeClr>
-                </a:solidFill>
-              </a:rPr>
-              <a:t>order statistic,</a:t>
-            </a:r>
-            <a:r>
-              <a:rPr lang="en-US" dirty="0">
-                <a:solidFill>
-                  <a:schemeClr val="tx1">
-                    <a:lumMod val="50000"/>
-                  </a:schemeClr>
-                </a:solidFill>
-              </a:rPr>
-              <a:t> we can </a:t>
-            </a:r>
-            <a:r>
-              <a:rPr lang="en-US" b="1" dirty="0">
-                <a:solidFill>
-                  <a:schemeClr val="tx1">
-                    <a:lumMod val="50000"/>
-                  </a:schemeClr>
-                </a:solidFill>
-              </a:rPr>
-              <a:t>only reject the null hypothesis</a:t>
-            </a:r>
-            <a:r>
-              <a:rPr lang="en-US" dirty="0">
-                <a:solidFill>
-                  <a:schemeClr val="tx1">
-                    <a:lumMod val="50000"/>
-                  </a:schemeClr>
-                </a:solidFill>
-              </a:rPr>
-              <a:t> based on the p-value</a:t>
-            </a:r>
-            <a:endParaRPr lang="en-US" b="1" dirty="0">
-              <a:solidFill>
-                <a:schemeClr val="tx1">
-                  <a:lumMod val="50000"/>
-                </a:schemeClr>
-              </a:solidFill>
-            </a:endParaRPr>
-          </a:p>
-          <a:p>
-            <a:pPr lvl="1">
-              <a:buFont typeface="Wingdings" panose="05000000000000000000" pitchFamily="2" charset="2"/>
-              <a:buChar char="§"/>
-            </a:pPr>
-            <a:r>
-              <a:rPr lang="en-US" b="1" dirty="0">
-                <a:solidFill>
-                  <a:schemeClr val="tx1">
-                    <a:lumMod val="50000"/>
-                  </a:schemeClr>
-                </a:solidFill>
-              </a:rPr>
-              <a:t>p-value mining:</a:t>
-            </a:r>
-            <a:r>
-              <a:rPr lang="en-US" dirty="0">
-                <a:solidFill>
-                  <a:schemeClr val="tx1">
-                    <a:lumMod val="50000"/>
-                  </a:schemeClr>
-                </a:solidFill>
-              </a:rPr>
-              <a:t> test all relationships between variables to find the ‘significant’ ones</a:t>
-            </a:r>
-          </a:p>
-          <a:p>
-            <a:pPr lvl="1">
-              <a:buFont typeface="Wingdings" panose="05000000000000000000" pitchFamily="2" charset="2"/>
-              <a:buChar char="§"/>
-            </a:pPr>
-            <a:r>
-              <a:rPr lang="en-US" b="1" dirty="0">
-                <a:solidFill>
-                  <a:schemeClr val="tx1">
-                    <a:lumMod val="50000"/>
-                  </a:schemeClr>
-                </a:solidFill>
-              </a:rPr>
-              <a:t>Assuming a smaller p-value is ‘more significant’:</a:t>
-            </a:r>
-            <a:r>
-              <a:rPr lang="en-US" dirty="0">
-                <a:solidFill>
-                  <a:schemeClr val="tx1">
-                    <a:lumMod val="50000"/>
-                  </a:schemeClr>
-                </a:solidFill>
-              </a:rPr>
-              <a:t> p-values are just indicate the probability of a value being at least this extreme</a:t>
-            </a:r>
-            <a:endParaRPr lang="en-US" sz="2000" dirty="0">
-              <a:solidFill>
-                <a:schemeClr val="tx1">
-                  <a:lumMod val="50000"/>
-                </a:schemeClr>
-              </a:solidFill>
-            </a:endParaRPr>
+              <a:t>p-value is the probability that the evidence supports a result this extreme or greater simply from random variation (random sampling) of the null distribution</a:t>
+            </a:r>
           </a:p>
         </p:txBody>
       </p:sp>
@@ -32753,20 +33166,490 @@
                       </p:childTnLst>
                     </p:cTn>
                   </p:par>
+                </p:childTnLst>
+              </p:cTn>
+              <p:prevCondLst>
+                <p:cond evt="onPrev" delay="0">
+                  <p:tgtEl>
+                    <p:sldTgt/>
+                  </p:tgtEl>
+                </p:cond>
+              </p:prevCondLst>
+              <p:nextCondLst>
+                <p:cond evt="onNext" delay="0">
+                  <p:tgtEl>
+                    <p:sldTgt/>
+                  </p:tgtEl>
+                </p:cond>
+              </p:nextCondLst>
+            </p:seq>
+          </p:childTnLst>
+        </p:cTn>
+      </p:par>
+    </p:tnLst>
+  </p:timing>
+</p:sld>
+</file>
+
+<file path=ppt/slides/slide49.xml><?xml version="1.0" encoding="utf-8"?>
+<p:sld xmlns:a="http://schemas.openxmlformats.org/drawingml/2006/main" xmlns:r="http://schemas.openxmlformats.org/officeDocument/2006/relationships" xmlns:p="http://schemas.openxmlformats.org/presentationml/2006/main">
+  <p:cSld>
+    <p:spTree>
+      <p:nvGrpSpPr>
+        <p:cNvPr id="1" name="">
+          <a:extLst>
+            <a:ext uri="{FF2B5EF4-FFF2-40B4-BE49-F238E27FC236}">
+              <a16:creationId xmlns:a16="http://schemas.microsoft.com/office/drawing/2014/main" id="{E5063E1B-FD02-2EDB-FFEC-08309336DB6B}"/>
+            </a:ext>
+          </a:extLst>
+        </p:cNvPr>
+        <p:cNvGrpSpPr/>
+        <p:nvPr/>
+      </p:nvGrpSpPr>
+      <p:grpSpPr>
+        <a:xfrm>
+          <a:off x="0" y="0"/>
+          <a:ext cx="0" cy="0"/>
+          <a:chOff x="0" y="0"/>
+          <a:chExt cx="0" cy="0"/>
+        </a:xfrm>
+      </p:grpSpPr>
+      <p:sp>
+        <p:nvSpPr>
+          <p:cNvPr id="3" name="Content Placeholder 2">
+            <a:extLst>
+              <a:ext uri="{FF2B5EF4-FFF2-40B4-BE49-F238E27FC236}">
+                <a16:creationId xmlns:a16="http://schemas.microsoft.com/office/drawing/2014/main" id="{6ECBB241-040C-CA14-3AD9-214145928388}"/>
+              </a:ext>
+            </a:extLst>
+          </p:cNvPr>
+          <p:cNvSpPr>
+            <a:spLocks noGrp="1"/>
+          </p:cNvSpPr>
+          <p:nvPr>
+            <p:ph idx="1"/>
+          </p:nvPr>
+        </p:nvSpPr>
+        <p:spPr>
+          <a:xfrm>
+            <a:off x="838200" y="1091544"/>
+            <a:ext cx="10515600" cy="5364154"/>
+          </a:xfrm>
+        </p:spPr>
+        <p:txBody>
+          <a:bodyPr>
+            <a:noAutofit/>
+          </a:bodyPr>
+          <a:lstStyle/>
+          <a:p>
+            <a:pPr marL="0" indent="0">
+              <a:buNone/>
+            </a:pPr>
+            <a:r>
+              <a:rPr lang="en-US" dirty="0"/>
+              <a:t>Evaluate an hypothesis test using the </a:t>
+            </a:r>
+            <a:r>
+              <a:rPr lang="en-US" b="1" dirty="0"/>
+              <a:t>p-value </a:t>
+            </a:r>
+            <a:r>
+              <a:rPr lang="en-US" dirty="0"/>
+              <a:t> </a:t>
+            </a:r>
+          </a:p>
+          <a:p>
+            <a:pPr marL="342900" indent="-342900">
+              <a:buFont typeface="Arial" panose="020B0604020202020204" pitchFamily="34" charset="0"/>
+              <a:buChar char="•"/>
+            </a:pPr>
+            <a:r>
+              <a:rPr lang="en-US" b="0" dirty="0">
+                <a:solidFill>
+                  <a:schemeClr val="tx1">
+                    <a:lumMod val="50000"/>
+                  </a:schemeClr>
+                </a:solidFill>
+              </a:rPr>
+              <a:t>The </a:t>
+            </a:r>
+            <a:r>
+              <a:rPr lang="en-US" b="1" dirty="0">
+                <a:solidFill>
+                  <a:schemeClr val="tx1">
+                    <a:lumMod val="50000"/>
+                  </a:schemeClr>
+                </a:solidFill>
+              </a:rPr>
+              <a:t>p-value is the probability of obtaining the sample with results at least this extreme from random variation alone when the null hypothesis is true</a:t>
+            </a:r>
+            <a:endParaRPr lang="en-US" b="0" dirty="0">
+              <a:solidFill>
+                <a:schemeClr val="tx1">
+                  <a:lumMod val="50000"/>
+                </a:schemeClr>
+              </a:solidFill>
+            </a:endParaRPr>
+          </a:p>
+          <a:p>
+            <a:pPr marL="342900" indent="-342900">
+              <a:buFont typeface="Arial" panose="020B0604020202020204" pitchFamily="34" charset="0"/>
+              <a:buChar char="•"/>
+            </a:pPr>
+            <a:r>
+              <a:rPr lang="en-US" b="0" dirty="0">
+                <a:solidFill>
+                  <a:schemeClr val="tx1">
+                    <a:lumMod val="50000"/>
+                  </a:schemeClr>
+                </a:solidFill>
+              </a:rPr>
+              <a:t>Lots of ways to </a:t>
+            </a:r>
+            <a:r>
+              <a:rPr lang="en-US" b="1" dirty="0">
+                <a:solidFill>
+                  <a:schemeClr val="tx1">
+                    <a:lumMod val="50000"/>
+                  </a:schemeClr>
+                </a:solidFill>
+              </a:rPr>
+              <a:t>misuse the p-value</a:t>
+            </a:r>
+            <a:r>
+              <a:rPr lang="en-US" b="0" dirty="0">
+                <a:solidFill>
+                  <a:schemeClr val="tx1">
+                    <a:lumMod val="50000"/>
+                  </a:schemeClr>
+                </a:solidFill>
+              </a:rPr>
+              <a:t>; some examples: </a:t>
+            </a:r>
+          </a:p>
+          <a:p>
+            <a:pPr lvl="1">
+              <a:buFont typeface="Wingdings" panose="05000000000000000000" pitchFamily="2" charset="2"/>
+              <a:buChar char="§"/>
+            </a:pPr>
+            <a:r>
+              <a:rPr lang="en-US" dirty="0">
+                <a:solidFill>
+                  <a:schemeClr val="tx1">
+                    <a:lumMod val="50000"/>
+                  </a:schemeClr>
+                </a:solidFill>
+              </a:rPr>
+              <a:t>p-values are an </a:t>
+            </a:r>
+            <a:r>
+              <a:rPr lang="en-US" b="1" dirty="0">
+                <a:solidFill>
+                  <a:schemeClr val="tx1">
+                    <a:lumMod val="50000"/>
+                  </a:schemeClr>
+                </a:solidFill>
+              </a:rPr>
+              <a:t>order statistic,</a:t>
+            </a:r>
+            <a:r>
+              <a:rPr lang="en-US" dirty="0">
+                <a:solidFill>
+                  <a:schemeClr val="tx1">
+                    <a:lumMod val="50000"/>
+                  </a:schemeClr>
+                </a:solidFill>
+              </a:rPr>
+              <a:t> we can </a:t>
+            </a:r>
+            <a:r>
+              <a:rPr lang="en-US" b="1" dirty="0">
+                <a:solidFill>
+                  <a:schemeClr val="tx1">
+                    <a:lumMod val="50000"/>
+                  </a:schemeClr>
+                </a:solidFill>
+              </a:rPr>
+              <a:t>only reject the null hypothesis</a:t>
+            </a:r>
+            <a:r>
+              <a:rPr lang="en-US" dirty="0">
+                <a:solidFill>
+                  <a:schemeClr val="tx1">
+                    <a:lumMod val="50000"/>
+                  </a:schemeClr>
+                </a:solidFill>
+              </a:rPr>
+              <a:t> based on the p-value</a:t>
+            </a:r>
+            <a:endParaRPr lang="en-US" b="1" dirty="0">
+              <a:solidFill>
+                <a:schemeClr val="tx1">
+                  <a:lumMod val="50000"/>
+                </a:schemeClr>
+              </a:solidFill>
+            </a:endParaRPr>
+          </a:p>
+          <a:p>
+            <a:pPr lvl="1">
+              <a:buFont typeface="Wingdings" panose="05000000000000000000" pitchFamily="2" charset="2"/>
+              <a:buChar char="§"/>
+            </a:pPr>
+            <a:r>
+              <a:rPr lang="en-US" b="1" dirty="0">
+                <a:solidFill>
+                  <a:schemeClr val="tx1">
+                    <a:lumMod val="50000"/>
+                  </a:schemeClr>
+                </a:solidFill>
+              </a:rPr>
+              <a:t>p-value mining:</a:t>
+            </a:r>
+            <a:r>
+              <a:rPr lang="en-US" dirty="0">
+                <a:solidFill>
+                  <a:schemeClr val="tx1">
+                    <a:lumMod val="50000"/>
+                  </a:schemeClr>
+                </a:solidFill>
+              </a:rPr>
+              <a:t> test all relationships between variables to find the ‘significant’ ones</a:t>
+            </a:r>
+          </a:p>
+          <a:p>
+            <a:pPr lvl="1">
+              <a:buFont typeface="Wingdings" panose="05000000000000000000" pitchFamily="2" charset="2"/>
+              <a:buChar char="§"/>
+            </a:pPr>
+            <a:r>
+              <a:rPr lang="en-US" b="1" dirty="0">
+                <a:solidFill>
+                  <a:schemeClr val="tx1">
+                    <a:lumMod val="50000"/>
+                  </a:schemeClr>
+                </a:solidFill>
+              </a:rPr>
+              <a:t>Assuming a smaller p-value is ‘more significant’:</a:t>
+            </a:r>
+            <a:r>
+              <a:rPr lang="en-US" dirty="0">
+                <a:solidFill>
+                  <a:schemeClr val="tx1">
+                    <a:lumMod val="50000"/>
+                  </a:schemeClr>
+                </a:solidFill>
+              </a:rPr>
+              <a:t> p-values are just indicate the probability of a value being at least this extreme</a:t>
+            </a:r>
+            <a:endParaRPr lang="en-US" sz="2000" dirty="0">
+              <a:solidFill>
+                <a:schemeClr val="tx1">
+                  <a:lumMod val="50000"/>
+                </a:schemeClr>
+              </a:solidFill>
+            </a:endParaRPr>
+          </a:p>
+        </p:txBody>
+      </p:sp>
+      <p:sp>
+        <p:nvSpPr>
+          <p:cNvPr id="6" name="Title 1">
+            <a:extLst>
+              <a:ext uri="{FF2B5EF4-FFF2-40B4-BE49-F238E27FC236}">
+                <a16:creationId xmlns:a16="http://schemas.microsoft.com/office/drawing/2014/main" id="{C506B8E5-5030-5DCD-807B-AFB990CB4FB2}"/>
+              </a:ext>
+            </a:extLst>
+          </p:cNvPr>
+          <p:cNvSpPr txBox="1">
+            <a:spLocks/>
+          </p:cNvSpPr>
+          <p:nvPr/>
+        </p:nvSpPr>
+        <p:spPr>
+          <a:xfrm>
+            <a:off x="838200" y="-635"/>
+            <a:ext cx="10515600" cy="1325563"/>
+          </a:xfrm>
+          <a:prstGeom prst="rect">
+            <a:avLst/>
+          </a:prstGeom>
+        </p:spPr>
+        <p:txBody>
+          <a:bodyPr vert="horz" lIns="91440" tIns="45720" rIns="91440" bIns="45720" rtlCol="0" anchor="ctr">
+            <a:normAutofit/>
+          </a:bodyPr>
+          <a:lstStyle>
+            <a:lvl1pPr algn="l" defTabSz="914400" rtl="0" eaLnBrk="1" latinLnBrk="0" hangingPunct="1">
+              <a:lnSpc>
+                <a:spcPct val="90000"/>
+              </a:lnSpc>
+              <a:spcBef>
+                <a:spcPct val="0"/>
+              </a:spcBef>
+              <a:buNone/>
+              <a:defRPr sz="4400" kern="1200">
+                <a:solidFill>
+                  <a:schemeClr val="tx1"/>
+                </a:solidFill>
+                <a:latin typeface="+mj-lt"/>
+                <a:ea typeface="+mj-ea"/>
+                <a:cs typeface="+mj-cs"/>
+              </a:defRPr>
+            </a:lvl1pPr>
+          </a:lstStyle>
+          <a:p>
+            <a:r>
+              <a:rPr lang="en-US" dirty="0">
+                <a:latin typeface="+mn-lt"/>
+              </a:rPr>
+              <a:t>Review: Hypothesis Testing</a:t>
+            </a:r>
+          </a:p>
+        </p:txBody>
+      </p:sp>
+    </p:spTree>
+    <p:extLst>
+      <p:ext uri="{BB962C8B-B14F-4D97-AF65-F5344CB8AC3E}">
+        <p14:creationId xmlns:p14="http://schemas.microsoft.com/office/powerpoint/2010/main" val="399191097"/>
+      </p:ext>
+    </p:extLst>
+  </p:cSld>
+  <p:clrMapOvr>
+    <a:masterClrMapping/>
+  </p:clrMapOvr>
+  <p:timing>
+    <p:tnLst>
+      <p:par>
+        <p:cTn id="1" dur="indefinite" restart="never" nodeType="tmRoot">
+          <p:childTnLst>
+            <p:seq concurrent="1" nextAc="seek">
+              <p:cTn id="2" dur="indefinite" nodeType="mainSeq">
+                <p:childTnLst>
                   <p:par>
-                    <p:cTn id="11" fill="hold">
+                    <p:cTn id="3" fill="hold">
                       <p:stCondLst>
                         <p:cond delay="indefinite"/>
                       </p:stCondLst>
                       <p:childTnLst>
                         <p:par>
-                          <p:cTn id="12" fill="hold">
+                          <p:cTn id="4" fill="hold">
                             <p:stCondLst>
                               <p:cond delay="0"/>
                             </p:stCondLst>
                             <p:childTnLst>
                               <p:par>
-                                <p:cTn id="13" presetID="1" presetClass="entr" presetSubtype="0" fill="hold" nodeType="clickEffect">
+                                <p:cTn id="5" presetID="1" presetClass="entr" presetSubtype="0" fill="hold" nodeType="clickEffect">
+                                  <p:stCondLst>
+                                    <p:cond delay="0"/>
+                                  </p:stCondLst>
+                                  <p:childTnLst>
+                                    <p:set>
+                                      <p:cBhvr>
+                                        <p:cTn id="6" dur="1" fill="hold">
+                                          <p:stCondLst>
+                                            <p:cond delay="0"/>
+                                          </p:stCondLst>
+                                        </p:cTn>
+                                        <p:tgtEl>
+                                          <p:spTgt spid="3">
+                                            <p:txEl>
+                                              <p:pRg st="1" end="1"/>
+                                            </p:txEl>
+                                          </p:spTgt>
+                                        </p:tgtEl>
+                                        <p:attrNameLst>
+                                          <p:attrName>style.visibility</p:attrName>
+                                        </p:attrNameLst>
+                                      </p:cBhvr>
+                                      <p:to>
+                                        <p:strVal val="visible"/>
+                                      </p:to>
+                                    </p:set>
+                                  </p:childTnLst>
+                                </p:cTn>
+                              </p:par>
+                            </p:childTnLst>
+                          </p:cTn>
+                        </p:par>
+                      </p:childTnLst>
+                    </p:cTn>
+                  </p:par>
+                  <p:par>
+                    <p:cTn id="7" fill="hold">
+                      <p:stCondLst>
+                        <p:cond delay="indefinite"/>
+                      </p:stCondLst>
+                      <p:childTnLst>
+                        <p:par>
+                          <p:cTn id="8" fill="hold">
+                            <p:stCondLst>
+                              <p:cond delay="0"/>
+                            </p:stCondLst>
+                            <p:childTnLst>
+                              <p:par>
+                                <p:cTn id="9" presetID="1" presetClass="entr" presetSubtype="0" fill="hold" nodeType="clickEffect">
+                                  <p:stCondLst>
+                                    <p:cond delay="0"/>
+                                  </p:stCondLst>
+                                  <p:childTnLst>
+                                    <p:set>
+                                      <p:cBhvr>
+                                        <p:cTn id="10" dur="1" fill="hold">
+                                          <p:stCondLst>
+                                            <p:cond delay="0"/>
+                                          </p:stCondLst>
+                                        </p:cTn>
+                                        <p:tgtEl>
+                                          <p:spTgt spid="3">
+                                            <p:txEl>
+                                              <p:pRg st="2" end="2"/>
+                                            </p:txEl>
+                                          </p:spTgt>
+                                        </p:tgtEl>
+                                        <p:attrNameLst>
+                                          <p:attrName>style.visibility</p:attrName>
+                                        </p:attrNameLst>
+                                      </p:cBhvr>
+                                      <p:to>
+                                        <p:strVal val="visible"/>
+                                      </p:to>
+                                    </p:set>
+                                  </p:childTnLst>
+                                </p:cTn>
+                              </p:par>
+                              <p:par>
+                                <p:cTn id="11" presetID="1" presetClass="entr" presetSubtype="0" fill="hold" nodeType="withEffect">
+                                  <p:stCondLst>
+                                    <p:cond delay="0"/>
+                                  </p:stCondLst>
+                                  <p:childTnLst>
+                                    <p:set>
+                                      <p:cBhvr>
+                                        <p:cTn id="12" dur="1" fill="hold">
+                                          <p:stCondLst>
+                                            <p:cond delay="0"/>
+                                          </p:stCondLst>
+                                        </p:cTn>
+                                        <p:tgtEl>
+                                          <p:spTgt spid="3">
+                                            <p:txEl>
+                                              <p:pRg st="4" end="4"/>
+                                            </p:txEl>
+                                          </p:spTgt>
+                                        </p:tgtEl>
+                                        <p:attrNameLst>
+                                          <p:attrName>style.visibility</p:attrName>
+                                        </p:attrNameLst>
+                                      </p:cBhvr>
+                                      <p:to>
+                                        <p:strVal val="visible"/>
+                                      </p:to>
+                                    </p:set>
+                                  </p:childTnLst>
+                                </p:cTn>
+                              </p:par>
+                              <p:par>
+                                <p:cTn id="13" presetID="1" presetClass="entr" presetSubtype="0" fill="hold" nodeType="withEffect">
                                   <p:stCondLst>
                                     <p:cond delay="0"/>
                                   </p:stCondLst>
@@ -32827,15 +33710,302 @@
                                   </p:childTnLst>
                                 </p:cTn>
                               </p:par>
+                            </p:childTnLst>
+                          </p:cTn>
+                        </p:par>
+                      </p:childTnLst>
+                    </p:cTn>
+                  </p:par>
+                </p:childTnLst>
+              </p:cTn>
+              <p:prevCondLst>
+                <p:cond evt="onPrev" delay="0">
+                  <p:tgtEl>
+                    <p:sldTgt/>
+                  </p:tgtEl>
+                </p:cond>
+              </p:prevCondLst>
+              <p:nextCondLst>
+                <p:cond evt="onNext" delay="0">
+                  <p:tgtEl>
+                    <p:sldTgt/>
+                  </p:tgtEl>
+                </p:cond>
+              </p:nextCondLst>
+            </p:seq>
+          </p:childTnLst>
+        </p:cTn>
+      </p:par>
+    </p:tnLst>
+  </p:timing>
+</p:sld>
+</file>
+
+<file path=ppt/slides/slide5.xml><?xml version="1.0" encoding="utf-8"?>
+<p:sld xmlns:a="http://schemas.openxmlformats.org/drawingml/2006/main" xmlns:r="http://schemas.openxmlformats.org/officeDocument/2006/relationships" xmlns:p="http://schemas.openxmlformats.org/presentationml/2006/main">
+  <p:cSld>
+    <p:spTree>
+      <p:nvGrpSpPr>
+        <p:cNvPr id="1" name=""/>
+        <p:cNvGrpSpPr/>
+        <p:nvPr/>
+      </p:nvGrpSpPr>
+      <p:grpSpPr>
+        <a:xfrm>
+          <a:off x="0" y="0"/>
+          <a:ext cx="0" cy="0"/>
+          <a:chOff x="0" y="0"/>
+          <a:chExt cx="0" cy="0"/>
+        </a:xfrm>
+      </p:grpSpPr>
+      <p:sp>
+        <p:nvSpPr>
+          <p:cNvPr id="3" name="Content Placeholder 2">
+            <a:extLst>
+              <a:ext uri="{FF2B5EF4-FFF2-40B4-BE49-F238E27FC236}">
+                <a16:creationId xmlns:a16="http://schemas.microsoft.com/office/drawing/2014/main" id="{258E6AF3-7615-4BD1-878E-A94C93E98F90}"/>
+              </a:ext>
+            </a:extLst>
+          </p:cNvPr>
+          <p:cNvSpPr>
+            <a:spLocks noGrp="1"/>
+          </p:cNvSpPr>
+          <p:nvPr>
+            <p:ph idx="1"/>
+          </p:nvPr>
+        </p:nvSpPr>
+        <p:spPr>
+          <a:xfrm>
+            <a:off x="838200" y="1217458"/>
+            <a:ext cx="10515600" cy="5640542"/>
+          </a:xfrm>
+        </p:spPr>
+        <p:txBody>
+          <a:bodyPr>
+            <a:normAutofit fontScale="92500" lnSpcReduction="10000"/>
+          </a:bodyPr>
+          <a:lstStyle/>
+          <a:p>
+            <a:pPr marL="0" indent="0">
+              <a:buNone/>
+            </a:pPr>
+            <a:r>
+              <a:rPr lang="en-US" sz="3200" dirty="0"/>
+              <a:t>What is the KDD process?   </a:t>
+            </a:r>
+          </a:p>
+          <a:p>
+            <a:pPr marL="0" indent="0">
+              <a:buNone/>
+            </a:pPr>
+            <a:endParaRPr lang="en-US" dirty="0"/>
+          </a:p>
+          <a:p>
+            <a:pPr marL="0" indent="0">
+              <a:buNone/>
+            </a:pPr>
+            <a:endParaRPr lang="en-US" dirty="0"/>
+          </a:p>
+          <a:p>
+            <a:pPr marL="0" indent="0">
+              <a:buNone/>
+            </a:pPr>
+            <a:endParaRPr lang="en-US" dirty="0"/>
+          </a:p>
+          <a:p>
+            <a:pPr marL="0" indent="0">
+              <a:buNone/>
+            </a:pPr>
+            <a:endParaRPr lang="en-US" dirty="0"/>
+          </a:p>
+          <a:p>
+            <a:pPr marL="0" indent="0">
+              <a:buNone/>
+            </a:pPr>
+            <a:endParaRPr lang="en-US" dirty="0"/>
+          </a:p>
+          <a:p>
+            <a:pPr marL="0" indent="0">
+              <a:buNone/>
+            </a:pPr>
+            <a:endParaRPr lang="en-US" dirty="0"/>
+          </a:p>
+          <a:p>
+            <a:pPr marL="0" indent="0">
+              <a:buNone/>
+            </a:pPr>
+            <a:endParaRPr lang="en-US" dirty="0"/>
+          </a:p>
+          <a:p>
+            <a:pPr marL="0" indent="0">
+              <a:buNone/>
+            </a:pPr>
+            <a:endParaRPr lang="en-US" dirty="0">
+              <a:solidFill>
+                <a:schemeClr val="accent1"/>
+              </a:solidFill>
+            </a:endParaRPr>
+          </a:p>
+          <a:p>
+            <a:pPr marL="0" indent="0">
+              <a:buNone/>
+            </a:pPr>
+            <a:endParaRPr lang="en-US" dirty="0">
+              <a:solidFill>
+                <a:schemeClr val="accent1"/>
+              </a:solidFill>
+            </a:endParaRPr>
+          </a:p>
+          <a:p>
+            <a:pPr marL="0" indent="0">
+              <a:buNone/>
+            </a:pPr>
+            <a:endParaRPr lang="en-US" dirty="0">
+              <a:solidFill>
+                <a:schemeClr val="accent1"/>
+              </a:solidFill>
+            </a:endParaRPr>
+          </a:p>
+          <a:p>
+            <a:pPr marL="0" indent="0">
+              <a:buNone/>
+            </a:pPr>
+            <a:r>
+              <a:rPr lang="en-US" dirty="0">
+                <a:solidFill>
+                  <a:schemeClr val="accent1"/>
+                </a:solidFill>
+              </a:rPr>
+              <a:t>Is this old diagram representative?  - e.g. Fayyad et.al. 1996 </a:t>
+            </a:r>
+          </a:p>
+        </p:txBody>
+      </p:sp>
+      <p:sp>
+        <p:nvSpPr>
+          <p:cNvPr id="6" name="Title 1">
+            <a:extLst>
+              <a:ext uri="{FF2B5EF4-FFF2-40B4-BE49-F238E27FC236}">
+                <a16:creationId xmlns:a16="http://schemas.microsoft.com/office/drawing/2014/main" id="{CD29F70F-B868-451B-A65D-8721F4C7A2D9}"/>
+              </a:ext>
+            </a:extLst>
+          </p:cNvPr>
+          <p:cNvSpPr txBox="1">
+            <a:spLocks/>
+          </p:cNvSpPr>
+          <p:nvPr/>
+        </p:nvSpPr>
+        <p:spPr>
+          <a:xfrm>
+            <a:off x="838200" y="-635"/>
+            <a:ext cx="10515600" cy="1325563"/>
+          </a:xfrm>
+          <a:prstGeom prst="rect">
+            <a:avLst/>
+          </a:prstGeom>
+        </p:spPr>
+        <p:txBody>
+          <a:bodyPr vert="horz" lIns="91440" tIns="45720" rIns="91440" bIns="45720" rtlCol="0" anchor="ctr">
+            <a:normAutofit/>
+          </a:bodyPr>
+          <a:lstStyle>
+            <a:lvl1pPr algn="l" defTabSz="914400" rtl="0" eaLnBrk="1" latinLnBrk="0" hangingPunct="1">
+              <a:lnSpc>
+                <a:spcPct val="90000"/>
+              </a:lnSpc>
+              <a:spcBef>
+                <a:spcPct val="0"/>
+              </a:spcBef>
+              <a:buNone/>
+              <a:defRPr sz="4400" kern="1200">
+                <a:solidFill>
+                  <a:schemeClr val="tx1"/>
+                </a:solidFill>
+                <a:latin typeface="+mj-lt"/>
+                <a:ea typeface="+mj-ea"/>
+                <a:cs typeface="+mj-cs"/>
+              </a:defRPr>
+            </a:lvl1pPr>
+          </a:lstStyle>
+          <a:p>
+            <a:r>
+              <a:rPr lang="en-US" dirty="0">
+                <a:latin typeface="+mn-lt"/>
+              </a:rPr>
+              <a:t>KDD process</a:t>
+            </a:r>
+          </a:p>
+        </p:txBody>
+      </p:sp>
+      <p:pic>
+        <p:nvPicPr>
+          <p:cNvPr id="4" name="Picture 3">
+            <a:extLst>
+              <a:ext uri="{FF2B5EF4-FFF2-40B4-BE49-F238E27FC236}">
+                <a16:creationId xmlns:a16="http://schemas.microsoft.com/office/drawing/2014/main" id="{41A10601-345E-4A04-878A-28FFF71506B5}"/>
+              </a:ext>
+            </a:extLst>
+          </p:cNvPr>
+          <p:cNvPicPr>
+            <a:picLocks noChangeAspect="1"/>
+          </p:cNvPicPr>
+          <p:nvPr/>
+        </p:nvPicPr>
+        <p:blipFill>
+          <a:blip r:embed="rId2"/>
+          <a:stretch>
+            <a:fillRect/>
+          </a:stretch>
+        </p:blipFill>
+        <p:spPr>
+          <a:xfrm>
+            <a:off x="951375" y="1651145"/>
+            <a:ext cx="8488232" cy="4404795"/>
+          </a:xfrm>
+          <a:prstGeom prst="rect">
+            <a:avLst/>
+          </a:prstGeom>
+        </p:spPr>
+      </p:pic>
+    </p:spTree>
+    <p:extLst>
+      <p:ext uri="{BB962C8B-B14F-4D97-AF65-F5344CB8AC3E}">
+        <p14:creationId xmlns:p14="http://schemas.microsoft.com/office/powerpoint/2010/main" val="2011350768"/>
+      </p:ext>
+    </p:extLst>
+  </p:cSld>
+  <p:clrMapOvr>
+    <a:masterClrMapping/>
+  </p:clrMapOvr>
+  <p:timing>
+    <p:tnLst>
+      <p:par>
+        <p:cTn id="1" dur="indefinite" restart="never" nodeType="tmRoot">
+          <p:childTnLst>
+            <p:seq concurrent="1" nextAc="seek">
+              <p:cTn id="2" dur="indefinite" nodeType="mainSeq">
+                <p:childTnLst>
+                  <p:par>
+                    <p:cTn id="3" fill="hold">
+                      <p:stCondLst>
+                        <p:cond delay="indefinite"/>
+                      </p:stCondLst>
+                      <p:childTnLst>
+                        <p:par>
+                          <p:cTn id="4" fill="hold">
+                            <p:stCondLst>
+                              <p:cond delay="0"/>
+                            </p:stCondLst>
+                            <p:childTnLst>
                               <p:par>
-                                <p:cTn id="17" presetID="1" presetClass="entr" presetSubtype="0" fill="hold" nodeType="withEffect">
+                                <p:cTn id="5" presetID="1" presetClass="entr" presetSubtype="0" fill="hold" nodeType="clickEffect">
                                   <p:stCondLst>
                                     <p:cond delay="0"/>
                                   </p:stCondLst>
                                   <p:childTnLst>
                                     <p:set>
                                       <p:cBhvr>
-                                        <p:cTn id="18" dur="1" fill="hold">
+                                        <p:cTn id="6" dur="1" fill="hold">
                                           <p:stCondLst>
                                             <p:cond delay="0"/>
                                           </p:stCondLst>
@@ -32843,7 +34013,56 @@
                                         <p:tgtEl>
                                           <p:spTgt spid="3">
                                             <p:txEl>
-                                              <p:pRg st="4" end="4"/>
+                                              <p:pRg st="0" end="0"/>
+                                            </p:txEl>
+                                          </p:spTgt>
+                                        </p:tgtEl>
+                                        <p:attrNameLst>
+                                          <p:attrName>style.visibility</p:attrName>
+                                        </p:attrNameLst>
+                                      </p:cBhvr>
+                                      <p:to>
+                                        <p:strVal val="visible"/>
+                                      </p:to>
+                                    </p:set>
+                                  </p:childTnLst>
+                                </p:cTn>
+                              </p:par>
+                            </p:childTnLst>
+                          </p:cTn>
+                        </p:par>
+                      </p:childTnLst>
+                    </p:cTn>
+                  </p:par>
+                  <p:par>
+                    <p:cTn id="7" fill="hold">
+                      <p:stCondLst>
+                        <p:cond delay="indefinite"/>
+                      </p:stCondLst>
+                      <p:childTnLst>
+                        <p:par>
+                          <p:cTn id="8" fill="hold">
+                            <p:stCondLst>
+                              <p:cond delay="0"/>
+                            </p:stCondLst>
+                            <p:childTnLst>
+                              <p:par>
+                                <p:cTn id="9" presetID="1" presetClass="entr" presetSubtype="0" fill="hold" nodeType="clickEffect">
+                                  <p:stCondLst>
+                                    <p:cond delay="0"/>
+                                  </p:stCondLst>
+                                  <p:childTnLst>
+                                    <p:set>
+                                      <p:cBhvr>
+                                        <p:cTn id="10" dur="1" fill="hold">
+                                          <p:stCondLst>
+                                            <p:cond delay="0"/>
+                                          </p:stCondLst>
+                                        </p:cTn>
+                                        <p:tgtEl>
+                                          <p:spTgt spid="3">
+                                            <p:txEl>
+                                              <p:pRg st="11" end="11"/>
                                             </p:txEl>
                                           </p:spTgt>
                                         </p:tgtEl>
@@ -32859,24 +34078,20 @@
                                 </p:cTn>
                               </p:par>
                               <p:par>
-                                <p:cTn id="19" presetID="1" presetClass="entr" presetSubtype="0" fill="hold" nodeType="withEffect">
+                                <p:cTn id="11" presetID="1" presetClass="entr" presetSubtype="0" fill="hold" nodeType="withEffect">
                                   <p:stCondLst>
                                     <p:cond delay="0"/>
                                   </p:stCondLst>
                                   <p:childTnLst>
                                     <p:set>
                                       <p:cBhvr>
-                                        <p:cTn id="20" dur="1" fill="hold">
+                                        <p:cTn id="12" dur="1" fill="hold">
                                           <p:stCondLst>
                                             <p:cond delay="0"/>
                                           </p:stCondLst>
                                         </p:cTn>
                                         <p:tgtEl>
-                                          <p:spTgt spid="3">
-                                            <p:txEl>
-                                              <p:pRg st="6" end="6"/>
-                                            </p:txEl>
-                                          </p:spTgt>
+                                          <p:spTgt spid="4"/>
                                         </p:tgtEl>
                                         <p:attrNameLst>
                                           <p:attrName>style.visibility</p:attrName>
@@ -32920,7 +34135,7 @@
 </p:sld>
 </file>
 
-<file path=ppt/slides/slide48.xml><?xml version="1.0" encoding="utf-8"?>
+<file path=ppt/slides/slide50.xml><?xml version="1.0" encoding="utf-8"?>
 <p:sld xmlns:a="http://schemas.openxmlformats.org/drawingml/2006/main" xmlns:r="http://schemas.openxmlformats.org/officeDocument/2006/relationships" xmlns:p="http://schemas.openxmlformats.org/presentationml/2006/main">
   <p:cSld>
     <p:spTree>
@@ -33628,7 +34843,7 @@
 </p:sld>
 </file>
 
-<file path=ppt/slides/slide49.xml><?xml version="1.0" encoding="utf-8"?>
+<file path=ppt/slides/slide51.xml><?xml version="1.0" encoding="utf-8"?>
 <p:sld xmlns:a="http://schemas.openxmlformats.org/drawingml/2006/main" xmlns:r="http://schemas.openxmlformats.org/officeDocument/2006/relationships" xmlns:p="http://schemas.openxmlformats.org/presentationml/2006/main">
   <p:cSld>
     <p:spTree>
@@ -34899,401 +36114,7 @@
 </p:sld>
 </file>
 
-<file path=ppt/slides/slide5.xml><?xml version="1.0" encoding="utf-8"?>
-<p:sld xmlns:a="http://schemas.openxmlformats.org/drawingml/2006/main" xmlns:r="http://schemas.openxmlformats.org/officeDocument/2006/relationships" xmlns:p="http://schemas.openxmlformats.org/presentationml/2006/main">
-  <p:cSld>
-    <p:spTree>
-      <p:nvGrpSpPr>
-        <p:cNvPr id="1" name=""/>
-        <p:cNvGrpSpPr/>
-        <p:nvPr/>
-      </p:nvGrpSpPr>
-      <p:grpSpPr>
-        <a:xfrm>
-          <a:off x="0" y="0"/>
-          <a:ext cx="0" cy="0"/>
-          <a:chOff x="0" y="0"/>
-          <a:chExt cx="0" cy="0"/>
-        </a:xfrm>
-      </p:grpSpPr>
-      <p:sp>
-        <p:nvSpPr>
-          <p:cNvPr id="3" name="Content Placeholder 2">
-            <a:extLst>
-              <a:ext uri="{FF2B5EF4-FFF2-40B4-BE49-F238E27FC236}">
-                <a16:creationId xmlns:a16="http://schemas.microsoft.com/office/drawing/2014/main" id="{258E6AF3-7615-4BD1-878E-A94C93E98F90}"/>
-              </a:ext>
-            </a:extLst>
-          </p:cNvPr>
-          <p:cNvSpPr>
-            <a:spLocks noGrp="1"/>
-          </p:cNvSpPr>
-          <p:nvPr>
-            <p:ph idx="1"/>
-          </p:nvPr>
-        </p:nvSpPr>
-        <p:spPr>
-          <a:xfrm>
-            <a:off x="838200" y="1217458"/>
-            <a:ext cx="10515600" cy="5640542"/>
-          </a:xfrm>
-        </p:spPr>
-        <p:txBody>
-          <a:bodyPr>
-            <a:normAutofit fontScale="92500" lnSpcReduction="10000"/>
-          </a:bodyPr>
-          <a:lstStyle/>
-          <a:p>
-            <a:pPr marL="0" indent="0">
-              <a:buNone/>
-            </a:pPr>
-            <a:r>
-              <a:rPr lang="en-US" sz="3200" dirty="0"/>
-              <a:t>What is the KDD process?   </a:t>
-            </a:r>
-          </a:p>
-          <a:p>
-            <a:pPr marL="0" indent="0">
-              <a:buNone/>
-            </a:pPr>
-            <a:endParaRPr lang="en-US" dirty="0"/>
-          </a:p>
-          <a:p>
-            <a:pPr marL="0" indent="0">
-              <a:buNone/>
-            </a:pPr>
-            <a:endParaRPr lang="en-US" dirty="0"/>
-          </a:p>
-          <a:p>
-            <a:pPr marL="0" indent="0">
-              <a:buNone/>
-            </a:pPr>
-            <a:endParaRPr lang="en-US" dirty="0"/>
-          </a:p>
-          <a:p>
-            <a:pPr marL="0" indent="0">
-              <a:buNone/>
-            </a:pPr>
-            <a:endParaRPr lang="en-US" dirty="0"/>
-          </a:p>
-          <a:p>
-            <a:pPr marL="0" indent="0">
-              <a:buNone/>
-            </a:pPr>
-            <a:endParaRPr lang="en-US" dirty="0"/>
-          </a:p>
-          <a:p>
-            <a:pPr marL="0" indent="0">
-              <a:buNone/>
-            </a:pPr>
-            <a:endParaRPr lang="en-US" dirty="0"/>
-          </a:p>
-          <a:p>
-            <a:pPr marL="0" indent="0">
-              <a:buNone/>
-            </a:pPr>
-            <a:endParaRPr lang="en-US" dirty="0"/>
-          </a:p>
-          <a:p>
-            <a:pPr marL="0" indent="0">
-              <a:buNone/>
-            </a:pPr>
-            <a:endParaRPr lang="en-US" dirty="0">
-              <a:solidFill>
-                <a:schemeClr val="accent1"/>
-              </a:solidFill>
-            </a:endParaRPr>
-          </a:p>
-          <a:p>
-            <a:pPr marL="0" indent="0">
-              <a:buNone/>
-            </a:pPr>
-            <a:endParaRPr lang="en-US" dirty="0">
-              <a:solidFill>
-                <a:schemeClr val="accent1"/>
-              </a:solidFill>
-            </a:endParaRPr>
-          </a:p>
-          <a:p>
-            <a:pPr marL="0" indent="0">
-              <a:buNone/>
-            </a:pPr>
-            <a:endParaRPr lang="en-US" dirty="0">
-              <a:solidFill>
-                <a:schemeClr val="accent1"/>
-              </a:solidFill>
-            </a:endParaRPr>
-          </a:p>
-          <a:p>
-            <a:pPr marL="0" indent="0">
-              <a:buNone/>
-            </a:pPr>
-            <a:r>
-              <a:rPr lang="en-US" dirty="0">
-                <a:solidFill>
-                  <a:schemeClr val="accent1"/>
-                </a:solidFill>
-              </a:rPr>
-              <a:t>Is this old diagram representative?  - e.g. Fayyad et.al. 1996 </a:t>
-            </a:r>
-          </a:p>
-        </p:txBody>
-      </p:sp>
-      <p:sp>
-        <p:nvSpPr>
-          <p:cNvPr id="6" name="Title 1">
-            <a:extLst>
-              <a:ext uri="{FF2B5EF4-FFF2-40B4-BE49-F238E27FC236}">
-                <a16:creationId xmlns:a16="http://schemas.microsoft.com/office/drawing/2014/main" id="{CD29F70F-B868-451B-A65D-8721F4C7A2D9}"/>
-              </a:ext>
-            </a:extLst>
-          </p:cNvPr>
-          <p:cNvSpPr txBox="1">
-            <a:spLocks/>
-          </p:cNvSpPr>
-          <p:nvPr/>
-        </p:nvSpPr>
-        <p:spPr>
-          <a:xfrm>
-            <a:off x="838200" y="-635"/>
-            <a:ext cx="10515600" cy="1325563"/>
-          </a:xfrm>
-          <a:prstGeom prst="rect">
-            <a:avLst/>
-          </a:prstGeom>
-        </p:spPr>
-        <p:txBody>
-          <a:bodyPr vert="horz" lIns="91440" tIns="45720" rIns="91440" bIns="45720" rtlCol="0" anchor="ctr">
-            <a:normAutofit/>
-          </a:bodyPr>
-          <a:lstStyle>
-            <a:lvl1pPr algn="l" defTabSz="914400" rtl="0" eaLnBrk="1" latinLnBrk="0" hangingPunct="1">
-              <a:lnSpc>
-                <a:spcPct val="90000"/>
-              </a:lnSpc>
-              <a:spcBef>
-                <a:spcPct val="0"/>
-              </a:spcBef>
-              <a:buNone/>
-              <a:defRPr sz="4400" kern="1200">
-                <a:solidFill>
-                  <a:schemeClr val="tx1"/>
-                </a:solidFill>
-                <a:latin typeface="+mj-lt"/>
-                <a:ea typeface="+mj-ea"/>
-                <a:cs typeface="+mj-cs"/>
-              </a:defRPr>
-            </a:lvl1pPr>
-          </a:lstStyle>
-          <a:p>
-            <a:r>
-              <a:rPr lang="en-US" dirty="0">
-                <a:latin typeface="+mn-lt"/>
-              </a:rPr>
-              <a:t>KDD process</a:t>
-            </a:r>
-          </a:p>
-        </p:txBody>
-      </p:sp>
-      <p:pic>
-        <p:nvPicPr>
-          <p:cNvPr id="4" name="Picture 3">
-            <a:extLst>
-              <a:ext uri="{FF2B5EF4-FFF2-40B4-BE49-F238E27FC236}">
-                <a16:creationId xmlns:a16="http://schemas.microsoft.com/office/drawing/2014/main" id="{41A10601-345E-4A04-878A-28FFF71506B5}"/>
-              </a:ext>
-            </a:extLst>
-          </p:cNvPr>
-          <p:cNvPicPr>
-            <a:picLocks noChangeAspect="1"/>
-          </p:cNvPicPr>
-          <p:nvPr/>
-        </p:nvPicPr>
-        <p:blipFill>
-          <a:blip r:embed="rId2"/>
-          <a:stretch>
-            <a:fillRect/>
-          </a:stretch>
-        </p:blipFill>
-        <p:spPr>
-          <a:xfrm>
-            <a:off x="951375" y="1651145"/>
-            <a:ext cx="8488232" cy="4404795"/>
-          </a:xfrm>
-          <a:prstGeom prst="rect">
-            <a:avLst/>
-          </a:prstGeom>
-        </p:spPr>
-      </p:pic>
-    </p:spTree>
-    <p:extLst>
-      <p:ext uri="{BB962C8B-B14F-4D97-AF65-F5344CB8AC3E}">
-        <p14:creationId xmlns:p14="http://schemas.microsoft.com/office/powerpoint/2010/main" val="2011350768"/>
-      </p:ext>
-    </p:extLst>
-  </p:cSld>
-  <p:clrMapOvr>
-    <a:masterClrMapping/>
-  </p:clrMapOvr>
-  <p:timing>
-    <p:tnLst>
-      <p:par>
-        <p:cTn id="1" dur="indefinite" restart="never" nodeType="tmRoot">
-          <p:childTnLst>
-            <p:seq concurrent="1" nextAc="seek">
-              <p:cTn id="2" dur="indefinite" nodeType="mainSeq">
-                <p:childTnLst>
-                  <p:par>
-                    <p:cTn id="3" fill="hold">
-                      <p:stCondLst>
-                        <p:cond delay="indefinite"/>
-                      </p:stCondLst>
-                      <p:childTnLst>
-                        <p:par>
-                          <p:cTn id="4" fill="hold">
-                            <p:stCondLst>
-                              <p:cond delay="0"/>
-                            </p:stCondLst>
-                            <p:childTnLst>
-                              <p:par>
-                                <p:cTn id="5" presetID="1" presetClass="entr" presetSubtype="0" fill="hold" nodeType="clickEffect">
-                                  <p:stCondLst>
-                                    <p:cond delay="0"/>
-                                  </p:stCondLst>
-                                  <p:childTnLst>
-                                    <p:set>
-                                      <p:cBhvr>
-                                        <p:cTn id="6" dur="1" fill="hold">
-                                          <p:stCondLst>
-                                            <p:cond delay="0"/>
-                                          </p:stCondLst>
-                                        </p:cTn>
-                                        <p:tgtEl>
-                                          <p:spTgt spid="3">
-                                            <p:txEl>
-                                              <p:pRg st="0" end="0"/>
-                                            </p:txEl>
-                                          </p:spTgt>
-                                        </p:tgtEl>
-                                        <p:attrNameLst>
-                                          <p:attrName>style.visibility</p:attrName>
-                                        </p:attrNameLst>
-                                      </p:cBhvr>
-                                      <p:to>
-                                        <p:strVal val="visible"/>
-                                      </p:to>
-                                    </p:set>
-                                  </p:childTnLst>
-                                </p:cTn>
-                              </p:par>
-                            </p:childTnLst>
-                          </p:cTn>
-                        </p:par>
-                      </p:childTnLst>
-                    </p:cTn>
-                  </p:par>
-                  <p:par>
-                    <p:cTn id="7" fill="hold">
-                      <p:stCondLst>
-                        <p:cond delay="indefinite"/>
-                      </p:stCondLst>
-                      <p:childTnLst>
-                        <p:par>
-                          <p:cTn id="8" fill="hold">
-                            <p:stCondLst>
-                              <p:cond delay="0"/>
-                            </p:stCondLst>
-                            <p:childTnLst>
-                              <p:par>
-                                <p:cTn id="9" presetID="1" presetClass="entr" presetSubtype="0" fill="hold" nodeType="clickEffect">
-                                  <p:stCondLst>
-                                    <p:cond delay="0"/>
-                                  </p:stCondLst>
-                                  <p:childTnLst>
-                                    <p:set>
-                                      <p:cBhvr>
-                                        <p:cTn id="10" dur="1" fill="hold">
-                                          <p:stCondLst>
-                                            <p:cond delay="0"/>
-                                          </p:stCondLst>
-                                        </p:cTn>
-                                        <p:tgtEl>
-                                          <p:spTgt spid="3">
-                                            <p:txEl>
-                                              <p:pRg st="11" end="11"/>
-                                            </p:txEl>
-                                          </p:spTgt>
-                                        </p:tgtEl>
-                                        <p:attrNameLst>
-                                          <p:attrName>style.visibility</p:attrName>
-                                        </p:attrNameLst>
-                                      </p:cBhvr>
-                                      <p:to>
-                                        <p:strVal val="visible"/>
-                                      </p:to>
-                                    </p:set>
-                                  </p:childTnLst>
-                                </p:cTn>
-                              </p:par>
-                              <p:par>
-                                <p:cTn id="11" presetID="1" presetClass="entr" presetSubtype="0" fill="hold" nodeType="withEffect">
-                                  <p:stCondLst>
-                                    <p:cond delay="0"/>
-                                  </p:stCondLst>
-                                  <p:childTnLst>
-                                    <p:set>
-                                      <p:cBhvr>
-                                        <p:cTn id="12" dur="1" fill="hold">
-                                          <p:stCondLst>
-                                            <p:cond delay="0"/>
-                                          </p:stCondLst>
-                                        </p:cTn>
-                                        <p:tgtEl>
-                                          <p:spTgt spid="4"/>
-                                        </p:tgtEl>
-                                        <p:attrNameLst>
-                                          <p:attrName>style.visibility</p:attrName>
-                                        </p:attrNameLst>
-                                      </p:cBhvr>
-                                      <p:to>
-                                        <p:strVal val="visible"/>
-                                      </p:to>
-                                    </p:set>
-                                  </p:childTnLst>
-                                </p:cTn>
-                              </p:par>
-                            </p:childTnLst>
-                          </p:cTn>
-                        </p:par>
-                      </p:childTnLst>
-                    </p:cTn>
-                  </p:par>
-                </p:childTnLst>
-              </p:cTn>
-              <p:prevCondLst>
-                <p:cond evt="onPrev" delay="0">
-                  <p:tgtEl>
-                    <p:sldTgt/>
-                  </p:tgtEl>
-                </p:cond>
-              </p:prevCondLst>
-              <p:nextCondLst>
-                <p:cond evt="onNext" delay="0">
-                  <p:tgtEl>
-                    <p:sldTgt/>
-                  </p:tgtEl>
-                </p:cond>
-              </p:nextCondLst>
-            </p:seq>
-          </p:childTnLst>
-        </p:cTn>
-      </p:par>
-    </p:tnLst>
-  </p:timing>
-</p:sld>
-</file>
-
-<file path=ppt/slides/slide50.xml><?xml version="1.0" encoding="utf-8"?>
+<file path=ppt/slides/slide52.xml><?xml version="1.0" encoding="utf-8"?>
 <p:sld xmlns:a="http://schemas.openxmlformats.org/drawingml/2006/main" xmlns:r="http://schemas.openxmlformats.org/officeDocument/2006/relationships" xmlns:p="http://schemas.openxmlformats.org/presentationml/2006/main">
   <p:cSld>
     <p:spTree>
@@ -35363,7 +36184,7 @@
 </p:sld>
 </file>
 
-<file path=ppt/slides/slide51.xml><?xml version="1.0" encoding="utf-8"?>
+<file path=ppt/slides/slide53.xml><?xml version="1.0" encoding="utf-8"?>
 <p:sld xmlns:a="http://schemas.openxmlformats.org/drawingml/2006/main" xmlns:r="http://schemas.openxmlformats.org/officeDocument/2006/relationships" xmlns:p="http://schemas.openxmlformats.org/presentationml/2006/main">
   <p:cSld>
     <p:spTree>
@@ -35910,7 +36731,7 @@
 </p:sld>
 </file>
 
-<file path=ppt/slides/slide52.xml><?xml version="1.0" encoding="utf-8"?>
+<file path=ppt/slides/slide54.xml><?xml version="1.0" encoding="utf-8"?>
 <p:sld xmlns:a="http://schemas.openxmlformats.org/drawingml/2006/main" xmlns:r="http://schemas.openxmlformats.org/officeDocument/2006/relationships" xmlns:p="http://schemas.openxmlformats.org/presentationml/2006/main">
   <p:cSld>
     <p:spTree>
@@ -36453,7 +37274,7 @@
 </p:sld>
 </file>
 
-<file path=ppt/slides/slide53.xml><?xml version="1.0" encoding="utf-8"?>
+<file path=ppt/slides/slide55.xml><?xml version="1.0" encoding="utf-8"?>
 <p:sld xmlns:a="http://schemas.openxmlformats.org/drawingml/2006/main" xmlns:r="http://schemas.openxmlformats.org/officeDocument/2006/relationships" xmlns:p="http://schemas.openxmlformats.org/presentationml/2006/main">
   <p:cSld>
     <p:spTree>
@@ -36790,7 +37611,7 @@
 </p:sld>
 </file>
 
-<file path=ppt/slides/slide54.xml><?xml version="1.0" encoding="utf-8"?>
+<file path=ppt/slides/slide56.xml><?xml version="1.0" encoding="utf-8"?>
 <p:sld xmlns:a="http://schemas.openxmlformats.org/drawingml/2006/main" xmlns:r="http://schemas.openxmlformats.org/officeDocument/2006/relationships" xmlns:p="http://schemas.openxmlformats.org/presentationml/2006/main">
   <p:cSld>
     <p:spTree>
@@ -37378,7 +38199,7 @@
 </p:sld>
 </file>
 
-<file path=ppt/slides/slide55.xml><?xml version="1.0" encoding="utf-8"?>
+<file path=ppt/slides/slide57.xml><?xml version="1.0" encoding="utf-8"?>
 <p:sld xmlns:a="http://schemas.openxmlformats.org/drawingml/2006/main" xmlns:r="http://schemas.openxmlformats.org/officeDocument/2006/relationships" xmlns:p="http://schemas.openxmlformats.org/presentationml/2006/main">
   <p:cSld>
     <p:spTree>
@@ -37811,7 +38632,7 @@
 </p:sld>
 </file>
 
-<file path=ppt/slides/slide56.xml><?xml version="1.0" encoding="utf-8"?>
+<file path=ppt/slides/slide58.xml><?xml version="1.0" encoding="utf-8"?>
 <p:sld xmlns:a="http://schemas.openxmlformats.org/drawingml/2006/main" xmlns:r="http://schemas.openxmlformats.org/officeDocument/2006/relationships" xmlns:p="http://schemas.openxmlformats.org/presentationml/2006/main">
   <p:cSld>
     <p:spTree>
@@ -38189,7 +39010,7 @@
 </p:sld>
 </file>
 
-<file path=ppt/slides/slide57.xml><?xml version="1.0" encoding="utf-8"?>
+<file path=ppt/slides/slide59.xml><?xml version="1.0" encoding="utf-8"?>
 <p:sld xmlns:a="http://schemas.openxmlformats.org/drawingml/2006/main" xmlns:r="http://schemas.openxmlformats.org/officeDocument/2006/relationships" xmlns:p="http://schemas.openxmlformats.org/presentationml/2006/main">
   <p:cSld>
     <p:spTree>
@@ -38719,7 +39540,757 @@
 </p:sld>
 </file>
 
-<file path=ppt/slides/slide58.xml><?xml version="1.0" encoding="utf-8"?>
+<file path=ppt/slides/slide6.xml><?xml version="1.0" encoding="utf-8"?>
+<p:sld xmlns:a="http://schemas.openxmlformats.org/drawingml/2006/main" xmlns:r="http://schemas.openxmlformats.org/officeDocument/2006/relationships" xmlns:p="http://schemas.openxmlformats.org/presentationml/2006/main">
+  <p:cSld>
+    <p:spTree>
+      <p:nvGrpSpPr>
+        <p:cNvPr id="1" name=""/>
+        <p:cNvGrpSpPr/>
+        <p:nvPr/>
+      </p:nvGrpSpPr>
+      <p:grpSpPr>
+        <a:xfrm>
+          <a:off x="0" y="0"/>
+          <a:ext cx="0" cy="0"/>
+          <a:chOff x="0" y="0"/>
+          <a:chExt cx="0" cy="0"/>
+        </a:xfrm>
+      </p:grpSpPr>
+      <p:sp>
+        <p:nvSpPr>
+          <p:cNvPr id="3" name="Content Placeholder 2">
+            <a:extLst>
+              <a:ext uri="{FF2B5EF4-FFF2-40B4-BE49-F238E27FC236}">
+                <a16:creationId xmlns:a16="http://schemas.microsoft.com/office/drawing/2014/main" id="{258E6AF3-7615-4BD1-878E-A94C93E98F90}"/>
+              </a:ext>
+            </a:extLst>
+          </p:cNvPr>
+          <p:cNvSpPr>
+            <a:spLocks noGrp="1"/>
+          </p:cNvSpPr>
+          <p:nvPr>
+            <p:ph idx="1"/>
+          </p:nvPr>
+        </p:nvSpPr>
+        <p:spPr>
+          <a:xfrm>
+            <a:off x="838200" y="1217458"/>
+            <a:ext cx="10515600" cy="485939"/>
+          </a:xfrm>
+        </p:spPr>
+        <p:txBody>
+          <a:bodyPr>
+            <a:normAutofit fontScale="92500" lnSpcReduction="10000"/>
+          </a:bodyPr>
+          <a:lstStyle/>
+          <a:p>
+            <a:pPr marL="0" indent="0">
+              <a:buNone/>
+            </a:pPr>
+            <a:r>
+              <a:rPr lang="en-US" sz="3200" dirty="0"/>
+              <a:t>What is the KDD process?   </a:t>
+            </a:r>
+          </a:p>
+        </p:txBody>
+      </p:sp>
+      <p:sp>
+        <p:nvSpPr>
+          <p:cNvPr id="6" name="Title 1">
+            <a:extLst>
+              <a:ext uri="{FF2B5EF4-FFF2-40B4-BE49-F238E27FC236}">
+                <a16:creationId xmlns:a16="http://schemas.microsoft.com/office/drawing/2014/main" id="{CD29F70F-B868-451B-A65D-8721F4C7A2D9}"/>
+              </a:ext>
+            </a:extLst>
+          </p:cNvPr>
+          <p:cNvSpPr txBox="1">
+            <a:spLocks/>
+          </p:cNvSpPr>
+          <p:nvPr/>
+        </p:nvSpPr>
+        <p:spPr>
+          <a:xfrm>
+            <a:off x="838200" y="-635"/>
+            <a:ext cx="10515600" cy="1325563"/>
+          </a:xfrm>
+          <a:prstGeom prst="rect">
+            <a:avLst/>
+          </a:prstGeom>
+        </p:spPr>
+        <p:txBody>
+          <a:bodyPr vert="horz" lIns="91440" tIns="45720" rIns="91440" bIns="45720" rtlCol="0" anchor="ctr">
+            <a:normAutofit/>
+          </a:bodyPr>
+          <a:lstStyle>
+            <a:lvl1pPr algn="l" defTabSz="914400" rtl="0" eaLnBrk="1" latinLnBrk="0" hangingPunct="1">
+              <a:lnSpc>
+                <a:spcPct val="90000"/>
+              </a:lnSpc>
+              <a:spcBef>
+                <a:spcPct val="0"/>
+              </a:spcBef>
+              <a:buNone/>
+              <a:defRPr sz="4400" kern="1200">
+                <a:solidFill>
+                  <a:schemeClr val="tx1"/>
+                </a:solidFill>
+                <a:latin typeface="+mj-lt"/>
+                <a:ea typeface="+mj-ea"/>
+                <a:cs typeface="+mj-cs"/>
+              </a:defRPr>
+            </a:lvl1pPr>
+          </a:lstStyle>
+          <a:p>
+            <a:r>
+              <a:rPr lang="en-US" dirty="0">
+                <a:latin typeface="+mn-lt"/>
+              </a:rPr>
+              <a:t>KDD process</a:t>
+            </a:r>
+          </a:p>
+        </p:txBody>
+      </p:sp>
+      <p:pic>
+        <p:nvPicPr>
+          <p:cNvPr id="4" name="Picture 3">
+            <a:extLst>
+              <a:ext uri="{FF2B5EF4-FFF2-40B4-BE49-F238E27FC236}">
+                <a16:creationId xmlns:a16="http://schemas.microsoft.com/office/drawing/2014/main" id="{41A10601-345E-4A04-878A-28FFF71506B5}"/>
+              </a:ext>
+            </a:extLst>
+          </p:cNvPr>
+          <p:cNvPicPr>
+            <a:picLocks noChangeAspect="1"/>
+          </p:cNvPicPr>
+          <p:nvPr/>
+        </p:nvPicPr>
+        <p:blipFill>
+          <a:blip r:embed="rId2"/>
+          <a:stretch>
+            <a:fillRect/>
+          </a:stretch>
+        </p:blipFill>
+        <p:spPr>
+          <a:xfrm>
+            <a:off x="376610" y="2168435"/>
+            <a:ext cx="6121998" cy="3176886"/>
+          </a:xfrm>
+          <a:prstGeom prst="rect">
+            <a:avLst/>
+          </a:prstGeom>
+        </p:spPr>
+      </p:pic>
+      <p:sp>
+        <p:nvSpPr>
+          <p:cNvPr id="5" name="Content Placeholder 2">
+            <a:extLst>
+              <a:ext uri="{FF2B5EF4-FFF2-40B4-BE49-F238E27FC236}">
+                <a16:creationId xmlns:a16="http://schemas.microsoft.com/office/drawing/2014/main" id="{DBC99F37-3CFD-4C3B-8CF6-AEDE11B202D2}"/>
+              </a:ext>
+            </a:extLst>
+          </p:cNvPr>
+          <p:cNvSpPr txBox="1">
+            <a:spLocks/>
+          </p:cNvSpPr>
+          <p:nvPr/>
+        </p:nvSpPr>
+        <p:spPr>
+          <a:xfrm>
+            <a:off x="6787461" y="1921229"/>
+            <a:ext cx="5116757" cy="4395969"/>
+          </a:xfrm>
+          <a:prstGeom prst="rect">
+            <a:avLst/>
+          </a:prstGeom>
+        </p:spPr>
+        <p:txBody>
+          <a:bodyPr vert="horz" lIns="91440" tIns="45720" rIns="91440" bIns="45720" rtlCol="0">
+            <a:normAutofit fontScale="92500" lnSpcReduction="20000"/>
+          </a:bodyPr>
+          <a:lstStyle>
+            <a:lvl1pPr marL="228600" indent="-228600" algn="l" defTabSz="914400" rtl="0" eaLnBrk="1" latinLnBrk="0" hangingPunct="1">
+              <a:lnSpc>
+                <a:spcPct val="90000"/>
+              </a:lnSpc>
+              <a:spcBef>
+                <a:spcPts val="1000"/>
+              </a:spcBef>
+              <a:buFont typeface="Arial" panose="020B0604020202020204" pitchFamily="34" charset="0"/>
+              <a:buChar char="•"/>
+              <a:defRPr sz="2800" kern="1200">
+                <a:solidFill>
+                  <a:schemeClr val="tx1"/>
+                </a:solidFill>
+                <a:latin typeface="+mn-lt"/>
+                <a:ea typeface="+mn-ea"/>
+                <a:cs typeface="+mn-cs"/>
+              </a:defRPr>
+            </a:lvl1pPr>
+            <a:lvl2pPr marL="685800" indent="-228600" algn="l" defTabSz="914400" rtl="0" eaLnBrk="1" latinLnBrk="0" hangingPunct="1">
+              <a:lnSpc>
+                <a:spcPct val="90000"/>
+              </a:lnSpc>
+              <a:spcBef>
+                <a:spcPts val="500"/>
+              </a:spcBef>
+              <a:buFont typeface="Arial" panose="020B0604020202020204" pitchFamily="34" charset="0"/>
+              <a:buChar char="•"/>
+              <a:defRPr sz="2400" kern="1200">
+                <a:solidFill>
+                  <a:schemeClr val="tx1"/>
+                </a:solidFill>
+                <a:latin typeface="+mn-lt"/>
+                <a:ea typeface="+mn-ea"/>
+                <a:cs typeface="+mn-cs"/>
+              </a:defRPr>
+            </a:lvl2pPr>
+            <a:lvl3pPr marL="1143000" indent="-228600" algn="l" defTabSz="914400" rtl="0" eaLnBrk="1" latinLnBrk="0" hangingPunct="1">
+              <a:lnSpc>
+                <a:spcPct val="90000"/>
+              </a:lnSpc>
+              <a:spcBef>
+                <a:spcPts val="500"/>
+              </a:spcBef>
+              <a:buFont typeface="Arial" panose="020B0604020202020204" pitchFamily="34" charset="0"/>
+              <a:buChar char="•"/>
+              <a:defRPr sz="2000" kern="1200">
+                <a:solidFill>
+                  <a:schemeClr val="tx1"/>
+                </a:solidFill>
+                <a:latin typeface="+mn-lt"/>
+                <a:ea typeface="+mn-ea"/>
+                <a:cs typeface="+mn-cs"/>
+              </a:defRPr>
+            </a:lvl3pPr>
+            <a:lvl4pPr marL="1600200" indent="-228600" algn="l" defTabSz="914400" rtl="0" eaLnBrk="1" latinLnBrk="0" hangingPunct="1">
+              <a:lnSpc>
+                <a:spcPct val="90000"/>
+              </a:lnSpc>
+              <a:spcBef>
+                <a:spcPts val="500"/>
+              </a:spcBef>
+              <a:buFont typeface="Arial" panose="020B0604020202020204" pitchFamily="34" charset="0"/>
+              <a:buChar char="•"/>
+              <a:defRPr sz="1800" kern="1200">
+                <a:solidFill>
+                  <a:schemeClr val="tx1"/>
+                </a:solidFill>
+                <a:latin typeface="+mn-lt"/>
+                <a:ea typeface="+mn-ea"/>
+                <a:cs typeface="+mn-cs"/>
+              </a:defRPr>
+            </a:lvl4pPr>
+            <a:lvl5pPr marL="2057400" indent="-228600" algn="l" defTabSz="914400" rtl="0" eaLnBrk="1" latinLnBrk="0" hangingPunct="1">
+              <a:lnSpc>
+                <a:spcPct val="90000"/>
+              </a:lnSpc>
+              <a:spcBef>
+                <a:spcPts val="500"/>
+              </a:spcBef>
+              <a:buFont typeface="Arial" panose="020B0604020202020204" pitchFamily="34" charset="0"/>
+              <a:buChar char="•"/>
+              <a:defRPr sz="1800" kern="1200">
+                <a:solidFill>
+                  <a:schemeClr val="tx1"/>
+                </a:solidFill>
+                <a:latin typeface="+mn-lt"/>
+                <a:ea typeface="+mn-ea"/>
+                <a:cs typeface="+mn-cs"/>
+              </a:defRPr>
+            </a:lvl5pPr>
+            <a:lvl6pPr marL="2514600" indent="-228600" algn="l" defTabSz="914400" rtl="0" eaLnBrk="1" latinLnBrk="0" hangingPunct="1">
+              <a:lnSpc>
+                <a:spcPct val="90000"/>
+              </a:lnSpc>
+              <a:spcBef>
+                <a:spcPts val="500"/>
+              </a:spcBef>
+              <a:buFont typeface="Arial" panose="020B0604020202020204" pitchFamily="34" charset="0"/>
+              <a:buChar char="•"/>
+              <a:defRPr sz="1800" kern="1200">
+                <a:solidFill>
+                  <a:schemeClr val="tx1"/>
+                </a:solidFill>
+                <a:latin typeface="+mn-lt"/>
+                <a:ea typeface="+mn-ea"/>
+                <a:cs typeface="+mn-cs"/>
+              </a:defRPr>
+            </a:lvl6pPr>
+            <a:lvl7pPr marL="2971800" indent="-228600" algn="l" defTabSz="914400" rtl="0" eaLnBrk="1" latinLnBrk="0" hangingPunct="1">
+              <a:lnSpc>
+                <a:spcPct val="90000"/>
+              </a:lnSpc>
+              <a:spcBef>
+                <a:spcPts val="500"/>
+              </a:spcBef>
+              <a:buFont typeface="Arial" panose="020B0604020202020204" pitchFamily="34" charset="0"/>
+              <a:buChar char="•"/>
+              <a:defRPr sz="1800" kern="1200">
+                <a:solidFill>
+                  <a:schemeClr val="tx1"/>
+                </a:solidFill>
+                <a:latin typeface="+mn-lt"/>
+                <a:ea typeface="+mn-ea"/>
+                <a:cs typeface="+mn-cs"/>
+              </a:defRPr>
+            </a:lvl7pPr>
+            <a:lvl8pPr marL="3429000" indent="-228600" algn="l" defTabSz="914400" rtl="0" eaLnBrk="1" latinLnBrk="0" hangingPunct="1">
+              <a:lnSpc>
+                <a:spcPct val="90000"/>
+              </a:lnSpc>
+              <a:spcBef>
+                <a:spcPts val="500"/>
+              </a:spcBef>
+              <a:buFont typeface="Arial" panose="020B0604020202020204" pitchFamily="34" charset="0"/>
+              <a:buChar char="•"/>
+              <a:defRPr sz="1800" kern="1200">
+                <a:solidFill>
+                  <a:schemeClr val="tx1"/>
+                </a:solidFill>
+                <a:latin typeface="+mn-lt"/>
+                <a:ea typeface="+mn-ea"/>
+                <a:cs typeface="+mn-cs"/>
+              </a:defRPr>
+            </a:lvl8pPr>
+            <a:lvl9pPr marL="3886200" indent="-228600" algn="l" defTabSz="914400" rtl="0" eaLnBrk="1" latinLnBrk="0" hangingPunct="1">
+              <a:lnSpc>
+                <a:spcPct val="90000"/>
+              </a:lnSpc>
+              <a:spcBef>
+                <a:spcPts val="500"/>
+              </a:spcBef>
+              <a:buFont typeface="Arial" panose="020B0604020202020204" pitchFamily="34" charset="0"/>
+              <a:buChar char="•"/>
+              <a:defRPr sz="1800" kern="1200">
+                <a:solidFill>
+                  <a:schemeClr val="tx1"/>
+                </a:solidFill>
+                <a:latin typeface="+mn-lt"/>
+                <a:ea typeface="+mn-ea"/>
+                <a:cs typeface="+mn-cs"/>
+              </a:defRPr>
+            </a:lvl9pPr>
+          </a:lstStyle>
+          <a:p>
+            <a:pPr marL="0" indent="0">
+              <a:buFont typeface="Arial" panose="020B0604020202020204" pitchFamily="34" charset="0"/>
+              <a:buNone/>
+            </a:pPr>
+            <a:r>
+              <a:rPr lang="en-US" dirty="0"/>
+              <a:t>Is this diagram representative of today’s process?</a:t>
+            </a:r>
+          </a:p>
+          <a:p>
+            <a:r>
+              <a:rPr lang="en-US" dirty="0"/>
+              <a:t>Perhaps or perhaps not? </a:t>
+            </a:r>
+          </a:p>
+          <a:p>
+            <a:pPr marL="914400" lvl="1" indent="-457200">
+              <a:buFont typeface="+mj-lt"/>
+              <a:buAutoNum type="arabicPeriod"/>
+            </a:pPr>
+            <a:r>
+              <a:rPr lang="en-US" dirty="0"/>
+              <a:t>Must have a clear idea of goal!</a:t>
+            </a:r>
+          </a:p>
+          <a:p>
+            <a:pPr marL="914400" lvl="1" indent="-457200">
+              <a:buFont typeface="+mj-lt"/>
+              <a:buAutoNum type="arabicPeriod"/>
+            </a:pPr>
+            <a:r>
+              <a:rPr lang="en-US" dirty="0"/>
+              <a:t>Multiple complex data sources</a:t>
+            </a:r>
+          </a:p>
+          <a:p>
+            <a:pPr marL="914400" lvl="1" indent="-457200">
+              <a:buFont typeface="+mj-lt"/>
+              <a:buAutoNum type="arabicPeriod"/>
+            </a:pPr>
+            <a:r>
+              <a:rPr lang="en-US" dirty="0"/>
+              <a:t>Need to perform in-depth exploration of data and inferences at every step!!</a:t>
+            </a:r>
+          </a:p>
+          <a:p>
+            <a:r>
+              <a:rPr lang="en-US" dirty="0"/>
+              <a:t>KDD is an iterative process</a:t>
+            </a:r>
+          </a:p>
+          <a:p>
+            <a:pPr lvl="1"/>
+            <a:r>
+              <a:rPr lang="en-US" sz="2800" dirty="0"/>
+              <a:t>The results of one step informs updates to previous steps  </a:t>
+            </a:r>
+          </a:p>
+          <a:p>
+            <a:pPr lvl="1"/>
+            <a:r>
+              <a:rPr lang="en-US" sz="2800" dirty="0"/>
+              <a:t>Process is a series of overlapping cycles </a:t>
+            </a:r>
+          </a:p>
+        </p:txBody>
+      </p:sp>
+    </p:spTree>
+    <p:extLst>
+      <p:ext uri="{BB962C8B-B14F-4D97-AF65-F5344CB8AC3E}">
+        <p14:creationId xmlns:p14="http://schemas.microsoft.com/office/powerpoint/2010/main" val="2657309543"/>
+      </p:ext>
+    </p:extLst>
+  </p:cSld>
+  <p:clrMapOvr>
+    <a:masterClrMapping/>
+  </p:clrMapOvr>
+  <p:timing>
+    <p:tnLst>
+      <p:par>
+        <p:cTn id="1" dur="indefinite" restart="never" nodeType="tmRoot">
+          <p:childTnLst>
+            <p:seq concurrent="1" nextAc="seek">
+              <p:cTn id="2" dur="indefinite" nodeType="mainSeq">
+                <p:childTnLst>
+                  <p:par>
+                    <p:cTn id="3" fill="hold">
+                      <p:stCondLst>
+                        <p:cond delay="indefinite"/>
+                      </p:stCondLst>
+                      <p:childTnLst>
+                        <p:par>
+                          <p:cTn id="4" fill="hold">
+                            <p:stCondLst>
+                              <p:cond delay="0"/>
+                            </p:stCondLst>
+                            <p:childTnLst>
+                              <p:par>
+                                <p:cTn id="5" presetID="1" presetClass="entr" presetSubtype="0" fill="hold" nodeType="clickEffect">
+                                  <p:stCondLst>
+                                    <p:cond delay="0"/>
+                                  </p:stCondLst>
+                                  <p:childTnLst>
+                                    <p:set>
+                                      <p:cBhvr>
+                                        <p:cTn id="6" dur="1" fill="hold">
+                                          <p:stCondLst>
+                                            <p:cond delay="0"/>
+                                          </p:stCondLst>
+                                        </p:cTn>
+                                        <p:tgtEl>
+                                          <p:spTgt spid="5">
+                                            <p:txEl>
+                                              <p:pRg st="1" end="1"/>
+                                            </p:txEl>
+                                          </p:spTgt>
+                                        </p:tgtEl>
+                                        <p:attrNameLst>
+                                          <p:attrName>style.visibility</p:attrName>
+                                        </p:attrNameLst>
+                                      </p:cBhvr>
+                                      <p:to>
+                                        <p:strVal val="visible"/>
+                                      </p:to>
+                                    </p:set>
+                                  </p:childTnLst>
+                                </p:cTn>
+                              </p:par>
+                            </p:childTnLst>
+                          </p:cTn>
+                        </p:par>
+                      </p:childTnLst>
+                    </p:cTn>
+                  </p:par>
+                  <p:par>
+                    <p:cTn id="7" fill="hold">
+                      <p:stCondLst>
+                        <p:cond delay="indefinite"/>
+                      </p:stCondLst>
+                      <p:childTnLst>
+                        <p:par>
+                          <p:cTn id="8" fill="hold">
+                            <p:stCondLst>
+                              <p:cond delay="0"/>
+                            </p:stCondLst>
+                            <p:childTnLst>
+                              <p:par>
+                                <p:cTn id="9" presetID="1" presetClass="entr" presetSubtype="0" fill="hold" nodeType="clickEffect">
+                                  <p:stCondLst>
+                                    <p:cond delay="0"/>
+                                  </p:stCondLst>
+                                  <p:childTnLst>
+                                    <p:set>
+                                      <p:cBhvr>
+                                        <p:cTn id="10" dur="1" fill="hold">
+                                          <p:stCondLst>
+                                            <p:cond delay="0"/>
+                                          </p:stCondLst>
+                                        </p:cTn>
+                                        <p:tgtEl>
+                                          <p:spTgt spid="5">
+                                            <p:txEl>
+                                              <p:pRg st="2" end="2"/>
+                                            </p:txEl>
+                                          </p:spTgt>
+                                        </p:tgtEl>
+                                        <p:attrNameLst>
+                                          <p:attrName>style.visibility</p:attrName>
+                                        </p:attrNameLst>
+                                      </p:cBhvr>
+                                      <p:to>
+                                        <p:strVal val="visible"/>
+                                      </p:to>
+                                    </p:set>
+                                  </p:childTnLst>
+                                </p:cTn>
+                              </p:par>
+                            </p:childTnLst>
+                          </p:cTn>
+                        </p:par>
+                      </p:childTnLst>
+                    </p:cTn>
+                  </p:par>
+                  <p:par>
+                    <p:cTn id="11" fill="hold">
+                      <p:stCondLst>
+                        <p:cond delay="indefinite"/>
+                      </p:stCondLst>
+                      <p:childTnLst>
+                        <p:par>
+                          <p:cTn id="12" fill="hold">
+                            <p:stCondLst>
+                              <p:cond delay="0"/>
+                            </p:stCondLst>
+                            <p:childTnLst>
+                              <p:par>
+                                <p:cTn id="13" presetID="1" presetClass="entr" presetSubtype="0" fill="hold" nodeType="clickEffect">
+                                  <p:stCondLst>
+                                    <p:cond delay="0"/>
+                                  </p:stCondLst>
+                                  <p:childTnLst>
+                                    <p:set>
+                                      <p:cBhvr>
+                                        <p:cTn id="14" dur="1" fill="hold">
+                                          <p:stCondLst>
+                                            <p:cond delay="0"/>
+                                          </p:stCondLst>
+                                        </p:cTn>
+                                        <p:tgtEl>
+                                          <p:spTgt spid="5">
+                                            <p:txEl>
+                                              <p:pRg st="3" end="3"/>
+                                            </p:txEl>
+                                          </p:spTgt>
+                                        </p:tgtEl>
+                                        <p:attrNameLst>
+                                          <p:attrName>style.visibility</p:attrName>
+                                        </p:attrNameLst>
+                                      </p:cBhvr>
+                                      <p:to>
+                                        <p:strVal val="visible"/>
+                                      </p:to>
+                                    </p:set>
+                                  </p:childTnLst>
+                                </p:cTn>
+                              </p:par>
+                            </p:childTnLst>
+                          </p:cTn>
+                        </p:par>
+                      </p:childTnLst>
+                    </p:cTn>
+                  </p:par>
+                  <p:par>
+                    <p:cTn id="15" fill="hold">
+                      <p:stCondLst>
+                        <p:cond delay="indefinite"/>
+                      </p:stCondLst>
+                      <p:childTnLst>
+                        <p:par>
+                          <p:cTn id="16" fill="hold">
+                            <p:stCondLst>
+                              <p:cond delay="0"/>
+                            </p:stCondLst>
+                            <p:childTnLst>
+                              <p:par>
+                                <p:cTn id="17" presetID="1" presetClass="entr" presetSubtype="0" fill="hold" nodeType="clickEffect">
+                                  <p:stCondLst>
+                                    <p:cond delay="0"/>
+                                  </p:stCondLst>
+                                  <p:childTnLst>
+                                    <p:set>
+                                      <p:cBhvr>
+                                        <p:cTn id="18" dur="1" fill="hold">
+                                          <p:stCondLst>
+                                            <p:cond delay="0"/>
+                                          </p:stCondLst>
+                                        </p:cTn>
+                                        <p:tgtEl>
+                                          <p:spTgt spid="5">
+                                            <p:txEl>
+                                              <p:pRg st="4" end="4"/>
+                                            </p:txEl>
+                                          </p:spTgt>
+                                        </p:tgtEl>
+                                        <p:attrNameLst>
+                                          <p:attrName>style.visibility</p:attrName>
+                                        </p:attrNameLst>
+                                      </p:cBhvr>
+                                      <p:to>
+                                        <p:strVal val="visible"/>
+                                      </p:to>
+                                    </p:set>
+                                  </p:childTnLst>
+                                </p:cTn>
+                              </p:par>
+                            </p:childTnLst>
+                          </p:cTn>
+                        </p:par>
+                      </p:childTnLst>
+                    </p:cTn>
+                  </p:par>
+                  <p:par>
+                    <p:cTn id="19" fill="hold">
+                      <p:stCondLst>
+                        <p:cond delay="indefinite"/>
+                      </p:stCondLst>
+                      <p:childTnLst>
+                        <p:par>
+                          <p:cTn id="20" fill="hold">
+                            <p:stCondLst>
+                              <p:cond delay="0"/>
+                            </p:stCondLst>
+                            <p:childTnLst>
+                              <p:par>
+                                <p:cTn id="21" presetID="1" presetClass="entr" presetSubtype="0" fill="hold" nodeType="clickEffect">
+                                  <p:stCondLst>
+                                    <p:cond delay="0"/>
+                                  </p:stCondLst>
+                                  <p:childTnLst>
+                                    <p:set>
+                                      <p:cBhvr>
+                                        <p:cTn id="22" dur="1" fill="hold">
+                                          <p:stCondLst>
+                                            <p:cond delay="0"/>
+                                          </p:stCondLst>
+                                        </p:cTn>
+                                        <p:tgtEl>
+                                          <p:spTgt spid="5">
+                                            <p:txEl>
+                                              <p:pRg st="5" end="5"/>
+                                            </p:txEl>
+                                          </p:spTgt>
+                                        </p:tgtEl>
+                                        <p:attrNameLst>
+                                          <p:attrName>style.visibility</p:attrName>
+                                        </p:attrNameLst>
+                                      </p:cBhvr>
+                                      <p:to>
+                                        <p:strVal val="visible"/>
+                                      </p:to>
+                                    </p:set>
+                                  </p:childTnLst>
+                                </p:cTn>
+                              </p:par>
+                              <p:par>
+                                <p:cTn id="23" presetID="1" presetClass="entr" presetSubtype="0" fill="hold" nodeType="withEffect">
+                                  <p:stCondLst>
+                                    <p:cond delay="0"/>
+                                  </p:stCondLst>
+                                  <p:childTnLst>
+                                    <p:set>
+                                      <p:cBhvr>
+                                        <p:cTn id="24" dur="1" fill="hold">
+                                          <p:stCondLst>
+                                            <p:cond delay="0"/>
+                                          </p:stCondLst>
+                                        </p:cTn>
+                                        <p:tgtEl>
+                                          <p:spTgt spid="5">
+                                            <p:txEl>
+                                              <p:pRg st="6" end="6"/>
+                                            </p:txEl>
+                                          </p:spTgt>
+                                        </p:tgtEl>
+                                        <p:attrNameLst>
+                                          <p:attrName>style.visibility</p:attrName>
+                                        </p:attrNameLst>
+                                      </p:cBhvr>
+                                      <p:to>
+                                        <p:strVal val="visible"/>
+                                      </p:to>
+                                    </p:set>
+                                  </p:childTnLst>
+                                </p:cTn>
+                              </p:par>
+                              <p:par>
+                                <p:cTn id="25" presetID="1" presetClass="entr" presetSubtype="0" fill="hold" nodeType="withEffect">
+                                  <p:stCondLst>
+                                    <p:cond delay="0"/>
+                                  </p:stCondLst>
+                                  <p:childTnLst>
+                                    <p:set>
+                                      <p:cBhvr>
+                                        <p:cTn id="26" dur="1" fill="hold">
+                                          <p:stCondLst>
+                                            <p:cond delay="0"/>
+                                          </p:stCondLst>
+                                        </p:cTn>
+                                        <p:tgtEl>
+                                          <p:spTgt spid="5">
+                                            <p:txEl>
+                                              <p:pRg st="7" end="7"/>
+                                            </p:txEl>
+                                          </p:spTgt>
+                                        </p:tgtEl>
+                                        <p:attrNameLst>
+                                          <p:attrName>style.visibility</p:attrName>
+                                        </p:attrNameLst>
+                                      </p:cBhvr>
+                                      <p:to>
+                                        <p:strVal val="visible"/>
+                                      </p:to>
+                                    </p:set>
+                                  </p:childTnLst>
+                                </p:cTn>
+                              </p:par>
+                            </p:childTnLst>
+                          </p:cTn>
+                        </p:par>
+                      </p:childTnLst>
+                    </p:cTn>
+                  </p:par>
+                </p:childTnLst>
+              </p:cTn>
+              <p:prevCondLst>
+                <p:cond evt="onPrev" delay="0">
+                  <p:tgtEl>
+                    <p:sldTgt/>
+                  </p:tgtEl>
+                </p:cond>
+              </p:prevCondLst>
+              <p:nextCondLst>
+                <p:cond evt="onNext" delay="0">
+                  <p:tgtEl>
+                    <p:sldTgt/>
+                  </p:tgtEl>
+                </p:cond>
+              </p:nextCondLst>
+            </p:seq>
+          </p:childTnLst>
+        </p:cTn>
+      </p:par>
+    </p:tnLst>
+  </p:timing>
+</p:sld>
+</file>
+
+<file path=ppt/slides/slide60.xml><?xml version="1.0" encoding="utf-8"?>
 <p:sld xmlns:a="http://schemas.openxmlformats.org/drawingml/2006/main" xmlns:r="http://schemas.openxmlformats.org/officeDocument/2006/relationships" xmlns:p="http://schemas.openxmlformats.org/presentationml/2006/main">
   <p:cSld>
     <p:spTree>
@@ -38779,7 +40350,7 @@
 </p:sld>
 </file>
 
-<file path=ppt/slides/slide59.xml><?xml version="1.0" encoding="utf-8"?>
+<file path=ppt/slides/slide61.xml><?xml version="1.0" encoding="utf-8"?>
 <p:sld xmlns:a="http://schemas.openxmlformats.org/drawingml/2006/main" xmlns:r="http://schemas.openxmlformats.org/officeDocument/2006/relationships" xmlns:p="http://schemas.openxmlformats.org/presentationml/2006/main">
   <p:cSld>
     <p:spTree>
@@ -38872,32 +40443,8 @@
           <a:p>
             <a:pPr lvl="1"/>
             <a:r>
-              <a:rPr lang="en-US" dirty="0" err="1"/>
-              <a:t>Benjamini</a:t>
-            </a:r>
-            <a:r>
               <a:rPr lang="en-US" dirty="0"/>
-              <a:t>-Hochberg FDR control  </a:t>
-            </a:r>
-          </a:p>
-          <a:p>
-            <a:r>
-              <a:rPr lang="en-US" dirty="0"/>
-              <a:t>Resampling based methods  </a:t>
-            </a:r>
-          </a:p>
-          <a:p>
-            <a:pPr lvl="1"/>
-            <a:r>
-              <a:rPr lang="en-US" dirty="0"/>
-              <a:t>Use mini-hashing sampling   </a:t>
-            </a:r>
-          </a:p>
-          <a:p>
-            <a:pPr lvl="1"/>
-            <a:r>
-              <a:rPr lang="en-US" dirty="0"/>
-              <a:t>We will discuss later</a:t>
+              <a:t>Benjamini-Hochberg FDR control  </a:t>
             </a:r>
           </a:p>
         </p:txBody>
@@ -39198,117 +40745,6 @@
                       </p:childTnLst>
                     </p:cTn>
                   </p:par>
-                  <p:par>
-                    <p:cTn id="19" fill="hold">
-                      <p:stCondLst>
-                        <p:cond delay="indefinite"/>
-                      </p:stCondLst>
-                      <p:childTnLst>
-                        <p:par>
-                          <p:cTn id="20" fill="hold">
-                            <p:stCondLst>
-                              <p:cond delay="0"/>
-                            </p:stCondLst>
-                            <p:childTnLst>
-                              <p:par>
-                                <p:cTn id="21" presetID="1" presetClass="entr" presetSubtype="0" fill="hold" nodeType="clickEffect">
-                                  <p:stCondLst>
-                                    <p:cond delay="0"/>
-                                  </p:stCondLst>
-                                  <p:childTnLst>
-                                    <p:set>
-                                      <p:cBhvr>
-                                        <p:cTn id="22" dur="1" fill="hold">
-                                          <p:stCondLst>
-                                            <p:cond delay="0"/>
-                                          </p:stCondLst>
-                                        </p:cTn>
-                                        <p:tgtEl>
-                                          <p:spTgt spid="3">
-                                            <p:txEl>
-                                              <p:pRg st="7" end="7"/>
-                                            </p:txEl>
-                                          </p:spTgt>
-                                        </p:tgtEl>
-                                        <p:attrNameLst>
-                                          <p:attrName>style.visibility</p:attrName>
-                                        </p:attrNameLst>
-                                      </p:cBhvr>
-                                      <p:to>
-                                        <p:strVal val="visible"/>
-                                      </p:to>
-                                    </p:set>
-                                  </p:childTnLst>
-                                </p:cTn>
-                              </p:par>
-                              <p:par>
-                                <p:cTn id="23" presetID="1" presetClass="entr" presetSubtype="0" fill="hold" nodeType="withEffect">
-                                  <p:stCondLst>
-                                    <p:cond delay="0"/>
-                                  </p:stCondLst>
-                                  <p:childTnLst>
-                                    <p:set>
-                                      <p:cBhvr>
-                                        <p:cTn id="24" dur="1" fill="hold">
-                                          <p:stCondLst>
-                                            <p:cond delay="0"/>
-                                          </p:stCondLst>
-                                        </p:cTn>
-                                        <p:tgtEl>
-                                          <p:spTgt spid="3">
-                                            <p:txEl>
-                                              <p:pRg st="8" end="8"/>
-                                            </p:txEl>
-                                          </p:spTgt>
-                                        </p:tgtEl>
-                                        <p:attrNameLst>
-                                          <p:attrName>style.visibility</p:attrName>
-                                        </p:attrNameLst>
-                                      </p:cBhvr>
-                                      <p:to>
-                                        <p:strVal val="visible"/>
-                                      </p:to>
-                                    </p:set>
-                                  </p:childTnLst>
-                                </p:cTn>
-                              </p:par>
-                              <p:par>
-                                <p:cTn id="25" presetID="1" presetClass="entr" presetSubtype="0" fill="hold" nodeType="withEffect">
-                                  <p:stCondLst>
-                                    <p:cond delay="0"/>
-                                  </p:stCondLst>
-                                  <p:childTnLst>
-                                    <p:set>
-                                      <p:cBhvr>
-                                        <p:cTn id="26" dur="1" fill="hold">
-                                          <p:stCondLst>
-                                            <p:cond delay="0"/>
-                                          </p:stCondLst>
-                                        </p:cTn>
-                                        <p:tgtEl>
-                                          <p:spTgt spid="3">
-                                            <p:txEl>
-                                              <p:pRg st="9" end="9"/>
-                                            </p:txEl>
-                                          </p:spTgt>
-                                        </p:tgtEl>
-                                        <p:attrNameLst>
-                                          <p:attrName>style.visibility</p:attrName>
-                                        </p:attrNameLst>
-                                      </p:cBhvr>
-                                      <p:to>
-                                        <p:strVal val="visible"/>
-                                      </p:to>
-                                    </p:set>
-                                  </p:childTnLst>
-                                </p:cTn>
-                              </p:par>
-                            </p:childTnLst>
-                          </p:cTn>
-                        </p:par>
-                      </p:childTnLst>
-                    </p:cTn>
-                  </p:par>
                 </p:childTnLst>
               </p:cTn>
               <p:prevCondLst>
@@ -39334,635 +40770,7 @@
 </p:sld>
 </file>
 
-<file path=ppt/slides/slide6.xml><?xml version="1.0" encoding="utf-8"?>
-<p:sld xmlns:a="http://schemas.openxmlformats.org/drawingml/2006/main" xmlns:r="http://schemas.openxmlformats.org/officeDocument/2006/relationships" xmlns:p="http://schemas.openxmlformats.org/presentationml/2006/main">
-  <p:cSld>
-    <p:spTree>
-      <p:nvGrpSpPr>
-        <p:cNvPr id="1" name=""/>
-        <p:cNvGrpSpPr/>
-        <p:nvPr/>
-      </p:nvGrpSpPr>
-      <p:grpSpPr>
-        <a:xfrm>
-          <a:off x="0" y="0"/>
-          <a:ext cx="0" cy="0"/>
-          <a:chOff x="0" y="0"/>
-          <a:chExt cx="0" cy="0"/>
-        </a:xfrm>
-      </p:grpSpPr>
-      <p:sp>
-        <p:nvSpPr>
-          <p:cNvPr id="3" name="Content Placeholder 2">
-            <a:extLst>
-              <a:ext uri="{FF2B5EF4-FFF2-40B4-BE49-F238E27FC236}">
-                <a16:creationId xmlns:a16="http://schemas.microsoft.com/office/drawing/2014/main" id="{258E6AF3-7615-4BD1-878E-A94C93E98F90}"/>
-              </a:ext>
-            </a:extLst>
-          </p:cNvPr>
-          <p:cNvSpPr>
-            <a:spLocks noGrp="1"/>
-          </p:cNvSpPr>
-          <p:nvPr>
-            <p:ph idx="1"/>
-          </p:nvPr>
-        </p:nvSpPr>
-        <p:spPr>
-          <a:xfrm>
-            <a:off x="838200" y="1217458"/>
-            <a:ext cx="10515600" cy="485939"/>
-          </a:xfrm>
-        </p:spPr>
-        <p:txBody>
-          <a:bodyPr>
-            <a:normAutofit fontScale="92500" lnSpcReduction="10000"/>
-          </a:bodyPr>
-          <a:lstStyle/>
-          <a:p>
-            <a:pPr marL="0" indent="0">
-              <a:buNone/>
-            </a:pPr>
-            <a:r>
-              <a:rPr lang="en-US" sz="3200" dirty="0"/>
-              <a:t>What is the KDD process?   </a:t>
-            </a:r>
-          </a:p>
-        </p:txBody>
-      </p:sp>
-      <p:sp>
-        <p:nvSpPr>
-          <p:cNvPr id="6" name="Title 1">
-            <a:extLst>
-              <a:ext uri="{FF2B5EF4-FFF2-40B4-BE49-F238E27FC236}">
-                <a16:creationId xmlns:a16="http://schemas.microsoft.com/office/drawing/2014/main" id="{CD29F70F-B868-451B-A65D-8721F4C7A2D9}"/>
-              </a:ext>
-            </a:extLst>
-          </p:cNvPr>
-          <p:cNvSpPr txBox="1">
-            <a:spLocks/>
-          </p:cNvSpPr>
-          <p:nvPr/>
-        </p:nvSpPr>
-        <p:spPr>
-          <a:xfrm>
-            <a:off x="838200" y="-635"/>
-            <a:ext cx="10515600" cy="1325563"/>
-          </a:xfrm>
-          <a:prstGeom prst="rect">
-            <a:avLst/>
-          </a:prstGeom>
-        </p:spPr>
-        <p:txBody>
-          <a:bodyPr vert="horz" lIns="91440" tIns="45720" rIns="91440" bIns="45720" rtlCol="0" anchor="ctr">
-            <a:normAutofit/>
-          </a:bodyPr>
-          <a:lstStyle>
-            <a:lvl1pPr algn="l" defTabSz="914400" rtl="0" eaLnBrk="1" latinLnBrk="0" hangingPunct="1">
-              <a:lnSpc>
-                <a:spcPct val="90000"/>
-              </a:lnSpc>
-              <a:spcBef>
-                <a:spcPct val="0"/>
-              </a:spcBef>
-              <a:buNone/>
-              <a:defRPr sz="4400" kern="1200">
-                <a:solidFill>
-                  <a:schemeClr val="tx1"/>
-                </a:solidFill>
-                <a:latin typeface="+mj-lt"/>
-                <a:ea typeface="+mj-ea"/>
-                <a:cs typeface="+mj-cs"/>
-              </a:defRPr>
-            </a:lvl1pPr>
-          </a:lstStyle>
-          <a:p>
-            <a:r>
-              <a:rPr lang="en-US" dirty="0">
-                <a:latin typeface="+mn-lt"/>
-              </a:rPr>
-              <a:t>KDD process</a:t>
-            </a:r>
-          </a:p>
-        </p:txBody>
-      </p:sp>
-      <p:pic>
-        <p:nvPicPr>
-          <p:cNvPr id="4" name="Picture 3">
-            <a:extLst>
-              <a:ext uri="{FF2B5EF4-FFF2-40B4-BE49-F238E27FC236}">
-                <a16:creationId xmlns:a16="http://schemas.microsoft.com/office/drawing/2014/main" id="{41A10601-345E-4A04-878A-28FFF71506B5}"/>
-              </a:ext>
-            </a:extLst>
-          </p:cNvPr>
-          <p:cNvPicPr>
-            <a:picLocks noChangeAspect="1"/>
-          </p:cNvPicPr>
-          <p:nvPr/>
-        </p:nvPicPr>
-        <p:blipFill>
-          <a:blip r:embed="rId2"/>
-          <a:stretch>
-            <a:fillRect/>
-          </a:stretch>
-        </p:blipFill>
-        <p:spPr>
-          <a:xfrm>
-            <a:off x="376610" y="2168435"/>
-            <a:ext cx="6121998" cy="3176886"/>
-          </a:xfrm>
-          <a:prstGeom prst="rect">
-            <a:avLst/>
-          </a:prstGeom>
-        </p:spPr>
-      </p:pic>
-      <p:sp>
-        <p:nvSpPr>
-          <p:cNvPr id="5" name="Content Placeholder 2">
-            <a:extLst>
-              <a:ext uri="{FF2B5EF4-FFF2-40B4-BE49-F238E27FC236}">
-                <a16:creationId xmlns:a16="http://schemas.microsoft.com/office/drawing/2014/main" id="{DBC99F37-3CFD-4C3B-8CF6-AEDE11B202D2}"/>
-              </a:ext>
-            </a:extLst>
-          </p:cNvPr>
-          <p:cNvSpPr txBox="1">
-            <a:spLocks/>
-          </p:cNvSpPr>
-          <p:nvPr/>
-        </p:nvSpPr>
-        <p:spPr>
-          <a:xfrm>
-            <a:off x="6787461" y="1921229"/>
-            <a:ext cx="5116757" cy="4395969"/>
-          </a:xfrm>
-          <a:prstGeom prst="rect">
-            <a:avLst/>
-          </a:prstGeom>
-        </p:spPr>
-        <p:txBody>
-          <a:bodyPr vert="horz" lIns="91440" tIns="45720" rIns="91440" bIns="45720" rtlCol="0">
-            <a:normAutofit lnSpcReduction="10000"/>
-          </a:bodyPr>
-          <a:lstStyle>
-            <a:lvl1pPr marL="228600" indent="-228600" algn="l" defTabSz="914400" rtl="0" eaLnBrk="1" latinLnBrk="0" hangingPunct="1">
-              <a:lnSpc>
-                <a:spcPct val="90000"/>
-              </a:lnSpc>
-              <a:spcBef>
-                <a:spcPts val="1000"/>
-              </a:spcBef>
-              <a:buFont typeface="Arial" panose="020B0604020202020204" pitchFamily="34" charset="0"/>
-              <a:buChar char="•"/>
-              <a:defRPr sz="2800" kern="1200">
-                <a:solidFill>
-                  <a:schemeClr val="tx1"/>
-                </a:solidFill>
-                <a:latin typeface="+mn-lt"/>
-                <a:ea typeface="+mn-ea"/>
-                <a:cs typeface="+mn-cs"/>
-              </a:defRPr>
-            </a:lvl1pPr>
-            <a:lvl2pPr marL="685800" indent="-228600" algn="l" defTabSz="914400" rtl="0" eaLnBrk="1" latinLnBrk="0" hangingPunct="1">
-              <a:lnSpc>
-                <a:spcPct val="90000"/>
-              </a:lnSpc>
-              <a:spcBef>
-                <a:spcPts val="500"/>
-              </a:spcBef>
-              <a:buFont typeface="Arial" panose="020B0604020202020204" pitchFamily="34" charset="0"/>
-              <a:buChar char="•"/>
-              <a:defRPr sz="2400" kern="1200">
-                <a:solidFill>
-                  <a:schemeClr val="tx1"/>
-                </a:solidFill>
-                <a:latin typeface="+mn-lt"/>
-                <a:ea typeface="+mn-ea"/>
-                <a:cs typeface="+mn-cs"/>
-              </a:defRPr>
-            </a:lvl2pPr>
-            <a:lvl3pPr marL="1143000" indent="-228600" algn="l" defTabSz="914400" rtl="0" eaLnBrk="1" latinLnBrk="0" hangingPunct="1">
-              <a:lnSpc>
-                <a:spcPct val="90000"/>
-              </a:lnSpc>
-              <a:spcBef>
-                <a:spcPts val="500"/>
-              </a:spcBef>
-              <a:buFont typeface="Arial" panose="020B0604020202020204" pitchFamily="34" charset="0"/>
-              <a:buChar char="•"/>
-              <a:defRPr sz="2000" kern="1200">
-                <a:solidFill>
-                  <a:schemeClr val="tx1"/>
-                </a:solidFill>
-                <a:latin typeface="+mn-lt"/>
-                <a:ea typeface="+mn-ea"/>
-                <a:cs typeface="+mn-cs"/>
-              </a:defRPr>
-            </a:lvl3pPr>
-            <a:lvl4pPr marL="1600200" indent="-228600" algn="l" defTabSz="914400" rtl="0" eaLnBrk="1" latinLnBrk="0" hangingPunct="1">
-              <a:lnSpc>
-                <a:spcPct val="90000"/>
-              </a:lnSpc>
-              <a:spcBef>
-                <a:spcPts val="500"/>
-              </a:spcBef>
-              <a:buFont typeface="Arial" panose="020B0604020202020204" pitchFamily="34" charset="0"/>
-              <a:buChar char="•"/>
-              <a:defRPr sz="1800" kern="1200">
-                <a:solidFill>
-                  <a:schemeClr val="tx1"/>
-                </a:solidFill>
-                <a:latin typeface="+mn-lt"/>
-                <a:ea typeface="+mn-ea"/>
-                <a:cs typeface="+mn-cs"/>
-              </a:defRPr>
-            </a:lvl4pPr>
-            <a:lvl5pPr marL="2057400" indent="-228600" algn="l" defTabSz="914400" rtl="0" eaLnBrk="1" latinLnBrk="0" hangingPunct="1">
-              <a:lnSpc>
-                <a:spcPct val="90000"/>
-              </a:lnSpc>
-              <a:spcBef>
-                <a:spcPts val="500"/>
-              </a:spcBef>
-              <a:buFont typeface="Arial" panose="020B0604020202020204" pitchFamily="34" charset="0"/>
-              <a:buChar char="•"/>
-              <a:defRPr sz="1800" kern="1200">
-                <a:solidFill>
-                  <a:schemeClr val="tx1"/>
-                </a:solidFill>
-                <a:latin typeface="+mn-lt"/>
-                <a:ea typeface="+mn-ea"/>
-                <a:cs typeface="+mn-cs"/>
-              </a:defRPr>
-            </a:lvl5pPr>
-            <a:lvl6pPr marL="2514600" indent="-228600" algn="l" defTabSz="914400" rtl="0" eaLnBrk="1" latinLnBrk="0" hangingPunct="1">
-              <a:lnSpc>
-                <a:spcPct val="90000"/>
-              </a:lnSpc>
-              <a:spcBef>
-                <a:spcPts val="500"/>
-              </a:spcBef>
-              <a:buFont typeface="Arial" panose="020B0604020202020204" pitchFamily="34" charset="0"/>
-              <a:buChar char="•"/>
-              <a:defRPr sz="1800" kern="1200">
-                <a:solidFill>
-                  <a:schemeClr val="tx1"/>
-                </a:solidFill>
-                <a:latin typeface="+mn-lt"/>
-                <a:ea typeface="+mn-ea"/>
-                <a:cs typeface="+mn-cs"/>
-              </a:defRPr>
-            </a:lvl6pPr>
-            <a:lvl7pPr marL="2971800" indent="-228600" algn="l" defTabSz="914400" rtl="0" eaLnBrk="1" latinLnBrk="0" hangingPunct="1">
-              <a:lnSpc>
-                <a:spcPct val="90000"/>
-              </a:lnSpc>
-              <a:spcBef>
-                <a:spcPts val="500"/>
-              </a:spcBef>
-              <a:buFont typeface="Arial" panose="020B0604020202020204" pitchFamily="34" charset="0"/>
-              <a:buChar char="•"/>
-              <a:defRPr sz="1800" kern="1200">
-                <a:solidFill>
-                  <a:schemeClr val="tx1"/>
-                </a:solidFill>
-                <a:latin typeface="+mn-lt"/>
-                <a:ea typeface="+mn-ea"/>
-                <a:cs typeface="+mn-cs"/>
-              </a:defRPr>
-            </a:lvl7pPr>
-            <a:lvl8pPr marL="3429000" indent="-228600" algn="l" defTabSz="914400" rtl="0" eaLnBrk="1" latinLnBrk="0" hangingPunct="1">
-              <a:lnSpc>
-                <a:spcPct val="90000"/>
-              </a:lnSpc>
-              <a:spcBef>
-                <a:spcPts val="500"/>
-              </a:spcBef>
-              <a:buFont typeface="Arial" panose="020B0604020202020204" pitchFamily="34" charset="0"/>
-              <a:buChar char="•"/>
-              <a:defRPr sz="1800" kern="1200">
-                <a:solidFill>
-                  <a:schemeClr val="tx1"/>
-                </a:solidFill>
-                <a:latin typeface="+mn-lt"/>
-                <a:ea typeface="+mn-ea"/>
-                <a:cs typeface="+mn-cs"/>
-              </a:defRPr>
-            </a:lvl8pPr>
-            <a:lvl9pPr marL="3886200" indent="-228600" algn="l" defTabSz="914400" rtl="0" eaLnBrk="1" latinLnBrk="0" hangingPunct="1">
-              <a:lnSpc>
-                <a:spcPct val="90000"/>
-              </a:lnSpc>
-              <a:spcBef>
-                <a:spcPts val="500"/>
-              </a:spcBef>
-              <a:buFont typeface="Arial" panose="020B0604020202020204" pitchFamily="34" charset="0"/>
-              <a:buChar char="•"/>
-              <a:defRPr sz="1800" kern="1200">
-                <a:solidFill>
-                  <a:schemeClr val="tx1"/>
-                </a:solidFill>
-                <a:latin typeface="+mn-lt"/>
-                <a:ea typeface="+mn-ea"/>
-                <a:cs typeface="+mn-cs"/>
-              </a:defRPr>
-            </a:lvl9pPr>
-          </a:lstStyle>
-          <a:p>
-            <a:pPr marL="0" indent="0">
-              <a:buFont typeface="Arial" panose="020B0604020202020204" pitchFamily="34" charset="0"/>
-              <a:buNone/>
-            </a:pPr>
-            <a:r>
-              <a:rPr lang="en-US" dirty="0"/>
-              <a:t>Is this diagram representative of today’s process?</a:t>
-            </a:r>
-          </a:p>
-          <a:p>
-            <a:r>
-              <a:rPr lang="en-US" dirty="0"/>
-              <a:t>Perhaps? </a:t>
-            </a:r>
-          </a:p>
-          <a:p>
-            <a:r>
-              <a:rPr lang="en-US" dirty="0"/>
-              <a:t>Must have a clear idea of goal!</a:t>
-            </a:r>
-          </a:p>
-          <a:p>
-            <a:r>
-              <a:rPr lang="en-US" dirty="0"/>
-              <a:t>KDD is an iterative process</a:t>
-            </a:r>
-          </a:p>
-          <a:p>
-            <a:pPr lvl="1"/>
-            <a:r>
-              <a:rPr lang="en-US" sz="2800" dirty="0"/>
-              <a:t>The results of on step informs updates to previous steps  </a:t>
-            </a:r>
-          </a:p>
-          <a:p>
-            <a:pPr lvl="1"/>
-            <a:r>
-              <a:rPr lang="en-US" sz="2800" dirty="0"/>
-              <a:t>Process is a series of overlapping cycles </a:t>
-            </a:r>
-          </a:p>
-        </p:txBody>
-      </p:sp>
-    </p:spTree>
-    <p:extLst>
-      <p:ext uri="{BB962C8B-B14F-4D97-AF65-F5344CB8AC3E}">
-        <p14:creationId xmlns:p14="http://schemas.microsoft.com/office/powerpoint/2010/main" val="2657309543"/>
-      </p:ext>
-    </p:extLst>
-  </p:cSld>
-  <p:clrMapOvr>
-    <a:masterClrMapping/>
-  </p:clrMapOvr>
-  <p:timing>
-    <p:tnLst>
-      <p:par>
-        <p:cTn id="1" dur="indefinite" restart="never" nodeType="tmRoot">
-          <p:childTnLst>
-            <p:seq concurrent="1" nextAc="seek">
-              <p:cTn id="2" dur="indefinite" nodeType="mainSeq">
-                <p:childTnLst>
-                  <p:par>
-                    <p:cTn id="3" fill="hold">
-                      <p:stCondLst>
-                        <p:cond delay="indefinite"/>
-                      </p:stCondLst>
-                      <p:childTnLst>
-                        <p:par>
-                          <p:cTn id="4" fill="hold">
-                            <p:stCondLst>
-                              <p:cond delay="0"/>
-                            </p:stCondLst>
-                            <p:childTnLst>
-                              <p:par>
-                                <p:cTn id="5" presetID="1" presetClass="entr" presetSubtype="0" fill="hold" nodeType="clickEffect">
-                                  <p:stCondLst>
-                                    <p:cond delay="0"/>
-                                  </p:stCondLst>
-                                  <p:childTnLst>
-                                    <p:set>
-                                      <p:cBhvr>
-                                        <p:cTn id="6" dur="1" fill="hold">
-                                          <p:stCondLst>
-                                            <p:cond delay="0"/>
-                                          </p:stCondLst>
-                                        </p:cTn>
-                                        <p:tgtEl>
-                                          <p:spTgt spid="5">
-                                            <p:txEl>
-                                              <p:pRg st="1" end="1"/>
-                                            </p:txEl>
-                                          </p:spTgt>
-                                        </p:tgtEl>
-                                        <p:attrNameLst>
-                                          <p:attrName>style.visibility</p:attrName>
-                                        </p:attrNameLst>
-                                      </p:cBhvr>
-                                      <p:to>
-                                        <p:strVal val="visible"/>
-                                      </p:to>
-                                    </p:set>
-                                  </p:childTnLst>
-                                </p:cTn>
-                              </p:par>
-                            </p:childTnLst>
-                          </p:cTn>
-                        </p:par>
-                      </p:childTnLst>
-                    </p:cTn>
-                  </p:par>
-                  <p:par>
-                    <p:cTn id="7" fill="hold">
-                      <p:stCondLst>
-                        <p:cond delay="indefinite"/>
-                      </p:stCondLst>
-                      <p:childTnLst>
-                        <p:par>
-                          <p:cTn id="8" fill="hold">
-                            <p:stCondLst>
-                              <p:cond delay="0"/>
-                            </p:stCondLst>
-                            <p:childTnLst>
-                              <p:par>
-                                <p:cTn id="9" presetID="1" presetClass="entr" presetSubtype="0" fill="hold" nodeType="clickEffect">
-                                  <p:stCondLst>
-                                    <p:cond delay="0"/>
-                                  </p:stCondLst>
-                                  <p:childTnLst>
-                                    <p:set>
-                                      <p:cBhvr>
-                                        <p:cTn id="10" dur="1" fill="hold">
-                                          <p:stCondLst>
-                                            <p:cond delay="0"/>
-                                          </p:stCondLst>
-                                        </p:cTn>
-                                        <p:tgtEl>
-                                          <p:spTgt spid="5">
-                                            <p:txEl>
-                                              <p:pRg st="2" end="2"/>
-                                            </p:txEl>
-                                          </p:spTgt>
-                                        </p:tgtEl>
-                                        <p:attrNameLst>
-                                          <p:attrName>style.visibility</p:attrName>
-                                        </p:attrNameLst>
-                                      </p:cBhvr>
-                                      <p:to>
-                                        <p:strVal val="visible"/>
-                                      </p:to>
-                                    </p:set>
-                                  </p:childTnLst>
-                                </p:cTn>
-                              </p:par>
-                            </p:childTnLst>
-                          </p:cTn>
-                        </p:par>
-                      </p:childTnLst>
-                    </p:cTn>
-                  </p:par>
-                  <p:par>
-                    <p:cTn id="11" fill="hold">
-                      <p:stCondLst>
-                        <p:cond delay="indefinite"/>
-                      </p:stCondLst>
-                      <p:childTnLst>
-                        <p:par>
-                          <p:cTn id="12" fill="hold">
-                            <p:stCondLst>
-                              <p:cond delay="0"/>
-                            </p:stCondLst>
-                            <p:childTnLst>
-                              <p:par>
-                                <p:cTn id="13" presetID="1" presetClass="entr" presetSubtype="0" fill="hold" nodeType="clickEffect">
-                                  <p:stCondLst>
-                                    <p:cond delay="0"/>
-                                  </p:stCondLst>
-                                  <p:childTnLst>
-                                    <p:set>
-                                      <p:cBhvr>
-                                        <p:cTn id="14" dur="1" fill="hold">
-                                          <p:stCondLst>
-                                            <p:cond delay="0"/>
-                                          </p:stCondLst>
-                                        </p:cTn>
-                                        <p:tgtEl>
-                                          <p:spTgt spid="5">
-                                            <p:txEl>
-                                              <p:pRg st="3" end="3"/>
-                                            </p:txEl>
-                                          </p:spTgt>
-                                        </p:tgtEl>
-                                        <p:attrNameLst>
-                                          <p:attrName>style.visibility</p:attrName>
-                                        </p:attrNameLst>
-                                      </p:cBhvr>
-                                      <p:to>
-                                        <p:strVal val="visible"/>
-                                      </p:to>
-                                    </p:set>
-                                  </p:childTnLst>
-                                </p:cTn>
-                              </p:par>
-                              <p:par>
-                                <p:cTn id="15" presetID="1" presetClass="entr" presetSubtype="0" fill="hold" nodeType="withEffect">
-                                  <p:stCondLst>
-                                    <p:cond delay="0"/>
-                                  </p:stCondLst>
-                                  <p:childTnLst>
-                                    <p:set>
-                                      <p:cBhvr>
-                                        <p:cTn id="16" dur="1" fill="hold">
-                                          <p:stCondLst>
-                                            <p:cond delay="0"/>
-                                          </p:stCondLst>
-                                        </p:cTn>
-                                        <p:tgtEl>
-                                          <p:spTgt spid="5">
-                                            <p:txEl>
-                                              <p:pRg st="4" end="4"/>
-                                            </p:txEl>
-                                          </p:spTgt>
-                                        </p:tgtEl>
-                                        <p:attrNameLst>
-                                          <p:attrName>style.visibility</p:attrName>
-                                        </p:attrNameLst>
-                                      </p:cBhvr>
-                                      <p:to>
-                                        <p:strVal val="visible"/>
-                                      </p:to>
-                                    </p:set>
-                                  </p:childTnLst>
-                                </p:cTn>
-                              </p:par>
-                              <p:par>
-                                <p:cTn id="17" presetID="1" presetClass="entr" presetSubtype="0" fill="hold" nodeType="withEffect">
-                                  <p:stCondLst>
-                                    <p:cond delay="0"/>
-                                  </p:stCondLst>
-                                  <p:childTnLst>
-                                    <p:set>
-                                      <p:cBhvr>
-                                        <p:cTn id="18" dur="1" fill="hold">
-                                          <p:stCondLst>
-                                            <p:cond delay="0"/>
-                                          </p:stCondLst>
-                                        </p:cTn>
-                                        <p:tgtEl>
-                                          <p:spTgt spid="5">
-                                            <p:txEl>
-                                              <p:pRg st="5" end="5"/>
-                                            </p:txEl>
-                                          </p:spTgt>
-                                        </p:tgtEl>
-                                        <p:attrNameLst>
-                                          <p:attrName>style.visibility</p:attrName>
-                                        </p:attrNameLst>
-                                      </p:cBhvr>
-                                      <p:to>
-                                        <p:strVal val="visible"/>
-                                      </p:to>
-                                    </p:set>
-                                  </p:childTnLst>
-                                </p:cTn>
-                              </p:par>
-                            </p:childTnLst>
-                          </p:cTn>
-                        </p:par>
-                      </p:childTnLst>
-                    </p:cTn>
-                  </p:par>
-                </p:childTnLst>
-              </p:cTn>
-              <p:prevCondLst>
-                <p:cond evt="onPrev" delay="0">
-                  <p:tgtEl>
-                    <p:sldTgt/>
-                  </p:tgtEl>
-                </p:cond>
-              </p:prevCondLst>
-              <p:nextCondLst>
-                <p:cond evt="onNext" delay="0">
-                  <p:tgtEl>
-                    <p:sldTgt/>
-                  </p:tgtEl>
-                </p:cond>
-              </p:nextCondLst>
-            </p:seq>
-          </p:childTnLst>
-        </p:cTn>
-      </p:par>
-    </p:tnLst>
-  </p:timing>
-</p:sld>
-</file>
-
-<file path=ppt/slides/slide60.xml><?xml version="1.0" encoding="utf-8"?>
+<file path=ppt/slides/slide62.xml><?xml version="1.0" encoding="utf-8"?>
 <p:sld xmlns:a="http://schemas.openxmlformats.org/drawingml/2006/main" xmlns:r="http://schemas.openxmlformats.org/officeDocument/2006/relationships" xmlns:p="http://schemas.openxmlformats.org/presentationml/2006/main">
   <p:cSld>
     <p:spTree>
@@ -40760,7 +41568,7 @@
 </p:sld>
 </file>
 
-<file path=ppt/slides/slide61.xml><?xml version="1.0" encoding="utf-8"?>
+<file path=ppt/slides/slide63.xml><?xml version="1.0" encoding="utf-8"?>
 <p:sld xmlns:a="http://schemas.openxmlformats.org/drawingml/2006/main" xmlns:r="http://schemas.openxmlformats.org/officeDocument/2006/relationships" xmlns:p="http://schemas.openxmlformats.org/presentationml/2006/main">
   <p:cSld>
     <p:spTree>
@@ -41842,7 +42650,7 @@
 </p:sld>
 </file>
 
-<file path=ppt/slides/slide62.xml><?xml version="1.0" encoding="utf-8"?>
+<file path=ppt/slides/slide64.xml><?xml version="1.0" encoding="utf-8"?>
 <p:sld xmlns:a="http://schemas.openxmlformats.org/drawingml/2006/main" xmlns:r="http://schemas.openxmlformats.org/officeDocument/2006/relationships" xmlns:p="http://schemas.openxmlformats.org/presentationml/2006/main">
   <p:cSld>
     <p:spTree>
@@ -41996,7 +42804,7 @@
 </p:sld>
 </file>
 
-<file path=ppt/slides/slide63.xml><?xml version="1.0" encoding="utf-8"?>
+<file path=ppt/slides/slide65.xml><?xml version="1.0" encoding="utf-8"?>
 <p:sld xmlns:a="http://schemas.openxmlformats.org/drawingml/2006/main" xmlns:r="http://schemas.openxmlformats.org/officeDocument/2006/relationships" xmlns:p="http://schemas.openxmlformats.org/presentationml/2006/main">
   <p:cSld>
     <p:spTree>
@@ -43058,7 +43866,7 @@
 </p:sld>
 </file>
 
-<file path=ppt/slides/slide64.xml><?xml version="1.0" encoding="utf-8"?>
+<file path=ppt/slides/slide66.xml><?xml version="1.0" encoding="utf-8"?>
 <p:sld xmlns:a="http://schemas.openxmlformats.org/drawingml/2006/main" xmlns:r="http://schemas.openxmlformats.org/officeDocument/2006/relationships" xmlns:p="http://schemas.openxmlformats.org/presentationml/2006/main">
   <p:cSld>
     <p:spTree>
@@ -43216,7 +44024,7 @@
 </p:sld>
 </file>
 
-<file path=ppt/slides/slide65.xml><?xml version="1.0" encoding="utf-8"?>
+<file path=ppt/slides/slide67.xml><?xml version="1.0" encoding="utf-8"?>
 <p:sld xmlns:a="http://schemas.openxmlformats.org/drawingml/2006/main" xmlns:r="http://schemas.openxmlformats.org/officeDocument/2006/relationships" xmlns:p="http://schemas.openxmlformats.org/presentationml/2006/main">
   <p:cSld>
     <p:spTree>

--- a/slides/1_Introduction.pptx
+++ b/slides/1_Introduction.pptx
@@ -25893,15 +25893,7 @@
                 </a:pPr>
                 <a:r>
                   <a:rPr lang="en-US" dirty="0"/>
-                  <a:t>Resolution method </a:t>
-                </a:r>
-                <a:r>
-                  <a:rPr lang="en-US"/>
-                  <a:t>for inevitable </a:t>
-                </a:r>
-                <a:r>
-                  <a:rPr lang="en-US" dirty="0"/>
-                  <a:t>hash collisions </a:t>
+                  <a:t>Resolution method for inevitable hash collisions </a:t>
                 </a:r>
               </a:p>
               <a:p>
@@ -26961,8 +26953,8 @@
           <a:chExt cx="0" cy="0"/>
         </a:xfrm>
       </p:grpSpPr>
-      <mc:AlternateContent xmlns:mc="http://schemas.openxmlformats.org/markup-compatibility/2006" xmlns:a14="http://schemas.microsoft.com/office/drawing/2010/main">
-        <mc:Choice Requires="a14">
+      <mc:AlternateContent xmlns:mc="http://schemas.openxmlformats.org/markup-compatibility/2006">
+        <mc:Choice xmlns:a14="http://schemas.microsoft.com/office/drawing/2010/main" Requires="a14">
           <p:sp>
             <p:nvSpPr>
               <p:cNvPr id="3" name="Content Placeholder 2">
@@ -27045,7 +27037,7 @@
                 <a14:m>
                   <m:oMath xmlns:m="http://schemas.openxmlformats.org/officeDocument/2006/math">
                     <m:r>
-                      <a:rPr lang="en-US" sz="3000" b="0" i="1" smtClean="0">
+                      <a:rPr lang="en-US" sz="3000" i="1" smtClean="0">
                         <a:latin typeface="Cambria Math" panose="02040503050406030204" pitchFamily="18" charset="0"/>
                       </a:rPr>
                       <m:t>𝑣</m:t>
@@ -27059,7 +27051,7 @@
                 <a14:m>
                   <m:oMath xmlns:m="http://schemas.openxmlformats.org/officeDocument/2006/math">
                     <m:r>
-                      <a:rPr lang="en-US" sz="3000" b="0" i="1" smtClean="0">
+                      <a:rPr lang="en-US" sz="3000" i="1" smtClean="0">
                         <a:latin typeface="Cambria Math" panose="02040503050406030204" pitchFamily="18" charset="0"/>
                       </a:rPr>
                       <m:t>𝑘</m:t>
@@ -27085,7 +27077,7 @@
                         <m:rPr>
                           <m:sty m:val="p"/>
                         </m:rPr>
-                        <a:rPr lang="en-US" sz="3000" i="1">
+                        <a:rPr lang="en-US" sz="3000" i="1" smtClean="0">
                           <a:latin typeface="Cambria Math" panose="02040503050406030204" pitchFamily="18" charset="0"/>
                         </a:rPr>
                         <m:t>f</m:t>
@@ -27100,7 +27092,7 @@
                         </m:dPr>
                         <m:e>
                           <m:r>
-                            <a:rPr lang="en-US" sz="3000" b="0" i="1" smtClean="0">
+                            <a:rPr lang="en-US" sz="3000" i="1" smtClean="0">
                               <a:latin typeface="Cambria Math" panose="02040503050406030204" pitchFamily="18" charset="0"/>
                             </a:rPr>
                             <m:t>𝑘</m:t>
@@ -27108,61 +27100,55 @@
                         </m:e>
                       </m:d>
                       <m:r>
-                        <a:rPr lang="en-US" sz="3000" i="1">
+                        <a:rPr lang="en-US" sz="3000" i="1" smtClean="0">
                           <a:latin typeface="Cambria Math" panose="02040503050406030204" pitchFamily="18" charset="0"/>
                         </a:rPr>
-                        <m:t>=</m:t>
+                        <m:t>=(</m:t>
                       </m:r>
                       <m:r>
-                        <a:rPr lang="en-US" sz="3000" b="0" i="1" smtClean="0">
-                          <a:latin typeface="Cambria Math" panose="02040503050406030204" pitchFamily="18" charset="0"/>
-                        </a:rPr>
-                        <m:t>(</m:t>
-                      </m:r>
-                      <m:r>
-                        <a:rPr lang="en-US" sz="3000" i="1">
+                        <a:rPr lang="en-US" sz="3000" i="1" smtClean="0">
                           <a:latin typeface="Cambria Math" panose="02040503050406030204" pitchFamily="18" charset="0"/>
                         </a:rPr>
                         <m:t>𝑘</m:t>
                       </m:r>
                       <m:r>
-                        <a:rPr lang="en-US" sz="3000" i="1">
+                        <a:rPr lang="en-US" sz="3000" i="1" smtClean="0">
                           <a:latin typeface="Cambria Math" panose="02040503050406030204" pitchFamily="18" charset="0"/>
                         </a:rPr>
                         <m:t>∗</m:t>
                       </m:r>
                       <m:r>
-                        <a:rPr lang="en-US" sz="3000" b="0" i="1" smtClean="0">
+                        <a:rPr lang="en-US" sz="3000" i="1" smtClean="0">
                           <a:latin typeface="Cambria Math" panose="02040503050406030204" pitchFamily="18" charset="0"/>
                         </a:rPr>
                         <m:t>𝑣</m:t>
                       </m:r>
                       <m:r>
-                        <a:rPr lang="en-US" sz="3000" b="0" i="1" smtClean="0">
+                        <a:rPr lang="en-US" sz="3000" i="1" smtClean="0">
                           <a:latin typeface="Cambria Math" panose="02040503050406030204" pitchFamily="18" charset="0"/>
                         </a:rPr>
                         <m:t>) </m:t>
                       </m:r>
                       <m:r>
-                        <a:rPr lang="en-US" sz="3000" b="0" i="1" smtClean="0">
+                        <a:rPr lang="en-US" sz="3000" i="1" smtClean="0">
                           <a:latin typeface="Cambria Math" panose="02040503050406030204" pitchFamily="18" charset="0"/>
                         </a:rPr>
                         <m:t>𝑚𝑜𝑑</m:t>
                       </m:r>
                       <m:r>
-                        <a:rPr lang="en-US" sz="3000" i="1">
+                        <a:rPr lang="en-US" sz="3000" i="1" smtClean="0">
                           <a:latin typeface="Cambria Math" panose="02040503050406030204" pitchFamily="18" charset="0"/>
                         </a:rPr>
                         <m:t> </m:t>
                       </m:r>
                       <m:r>
-                        <a:rPr lang="en-US" sz="3000" i="1">
+                        <a:rPr lang="en-US" sz="3000" i="1" smtClean="0">
                           <a:latin typeface="Cambria Math" panose="02040503050406030204" pitchFamily="18" charset="0"/>
                         </a:rPr>
                         <m:t>𝑛</m:t>
                       </m:r>
                       <m:r>
-                        <a:rPr lang="en-US" sz="3000" i="1">
+                        <a:rPr lang="en-US" sz="3000" i="1" smtClean="0">
                           <a:latin typeface="Cambria Math" panose="02040503050406030204" pitchFamily="18" charset="0"/>
                         </a:rPr>
                         <m:t>  </m:t>
@@ -27181,13 +27167,13 @@
                 <a14:m>
                   <m:oMath xmlns:m="http://schemas.openxmlformats.org/officeDocument/2006/math">
                     <m:r>
-                      <a:rPr lang="en-US" sz="2600" b="0" i="1" smtClean="0">
+                      <a:rPr lang="en-US" sz="2600" i="1" smtClean="0">
                         <a:latin typeface="Cambria Math" panose="02040503050406030204" pitchFamily="18" charset="0"/>
                       </a:rPr>
                       <m:t>=</m:t>
                     </m:r>
                     <m:r>
-                      <a:rPr lang="en-US" sz="2600" b="0" i="1" smtClean="0">
+                      <a:rPr lang="en-US" sz="2600" i="1" smtClean="0">
                         <a:latin typeface="Cambria Math" panose="02040503050406030204" pitchFamily="18" charset="0"/>
                       </a:rPr>
                       <m:t>𝑛</m:t>
@@ -27205,7 +27191,7 @@
                 <a14:m>
                   <m:oMath xmlns:m="http://schemas.openxmlformats.org/officeDocument/2006/math">
                     <m:r>
-                      <a:rPr lang="en-US" sz="2600" b="0" i="1" smtClean="0">
+                      <a:rPr lang="en-US" sz="2600" i="1" smtClean="0">
                         <a:latin typeface="Cambria Math" panose="02040503050406030204" pitchFamily="18" charset="0"/>
                       </a:rPr>
                       <m:t>𝑘</m:t>
@@ -27226,13 +27212,13 @@
                 <a14:m>
                   <m:oMath xmlns:m="http://schemas.openxmlformats.org/officeDocument/2006/math">
                     <m:r>
-                      <a:rPr lang="en-US" sz="2600" b="0" i="1" smtClean="0">
+                      <a:rPr lang="en-US" sz="2600" i="1" smtClean="0">
                         <a:latin typeface="Cambria Math" panose="02040503050406030204" pitchFamily="18" charset="0"/>
                       </a:rPr>
                       <m:t>𝑛</m:t>
                     </m:r>
                     <m:r>
-                      <a:rPr lang="en-US" sz="2600" b="0" i="1" smtClean="0">
+                      <a:rPr lang="en-US" sz="2600" i="1" smtClean="0">
                         <a:latin typeface="Cambria Math" panose="02040503050406030204" pitchFamily="18" charset="0"/>
                       </a:rPr>
                       <m:t>= </m:t>
@@ -27240,14 +27226,14 @@
                     <m:sSup>
                       <m:sSupPr>
                         <m:ctrlPr>
-                          <a:rPr lang="en-US" sz="2600" b="0" i="1" smtClean="0">
+                          <a:rPr lang="en-US" sz="2600" i="1" smtClean="0">
                             <a:latin typeface="Cambria Math" panose="02040503050406030204" pitchFamily="18" charset="0"/>
                           </a:rPr>
                         </m:ctrlPr>
                       </m:sSupPr>
                       <m:e>
                         <m:r>
-                          <a:rPr lang="en-US" sz="2600" b="0" i="1" smtClean="0">
+                          <a:rPr lang="en-US" sz="2600" i="1" smtClean="0">
                             <a:latin typeface="Cambria Math" panose="02040503050406030204" pitchFamily="18" charset="0"/>
                           </a:rPr>
                           <m:t>2</m:t>
@@ -27255,7 +27241,7 @@
                       </m:e>
                       <m:sup>
                         <m:r>
-                          <a:rPr lang="en-US" sz="2600" b="0" i="1" smtClean="0">
+                          <a:rPr lang="en-US" sz="2600" i="1" smtClean="0">
                             <a:latin typeface="Cambria Math" panose="02040503050406030204" pitchFamily="18" charset="0"/>
                           </a:rPr>
                           <m:t>𝑖</m:t>
@@ -27271,7 +27257,7 @@
                 <a14:m>
                   <m:oMath xmlns:m="http://schemas.openxmlformats.org/officeDocument/2006/math">
                     <m:r>
-                      <a:rPr lang="en-US" sz="2600" b="0" i="1" smtClean="0">
+                      <a:rPr lang="en-US" sz="2600" i="1" smtClean="0">
                         <a:latin typeface="Cambria Math" panose="02040503050406030204" pitchFamily="18" charset="0"/>
                       </a:rPr>
                       <m:t>𝑖</m:t>
@@ -27294,7 +27280,7 @@
             </p:txBody>
           </p:sp>
         </mc:Choice>
-        <mc:Fallback xmlns="">
+        <mc:Fallback>
           <p:sp>
             <p:nvSpPr>
               <p:cNvPr id="3" name="Content Placeholder 2">
@@ -27404,6 +27390,400 @@
   <p:clrMapOvr>
     <a:masterClrMapping/>
   </p:clrMapOvr>
+  <p:timing>
+    <p:tnLst>
+      <p:par>
+        <p:cTn id="1" dur="indefinite" restart="never" nodeType="tmRoot">
+          <p:childTnLst>
+            <p:seq concurrent="1" nextAc="seek">
+              <p:cTn id="2" dur="indefinite" nodeType="mainSeq">
+                <p:childTnLst>
+                  <p:par>
+                    <p:cTn id="3" fill="hold">
+                      <p:stCondLst>
+                        <p:cond delay="indefinite"/>
+                      </p:stCondLst>
+                      <p:childTnLst>
+                        <p:par>
+                          <p:cTn id="4" fill="hold">
+                            <p:stCondLst>
+                              <p:cond delay="0"/>
+                            </p:stCondLst>
+                            <p:childTnLst>
+                              <p:par>
+                                <p:cTn id="5" presetID="1" presetClass="entr" presetSubtype="0" fill="hold" nodeType="clickEffect">
+                                  <p:stCondLst>
+                                    <p:cond delay="0"/>
+                                  </p:stCondLst>
+                                  <p:childTnLst>
+                                    <p:set>
+                                      <p:cBhvr>
+                                        <p:cTn id="6" dur="1" fill="hold">
+                                          <p:stCondLst>
+                                            <p:cond delay="0"/>
+                                          </p:stCondLst>
+                                        </p:cTn>
+                                        <p:tgtEl>
+                                          <p:spTgt spid="3">
+                                            <p:txEl>
+                                              <p:pRg st="1" end="1"/>
+                                            </p:txEl>
+                                          </p:spTgt>
+                                        </p:tgtEl>
+                                        <p:attrNameLst>
+                                          <p:attrName>style.visibility</p:attrName>
+                                        </p:attrNameLst>
+                                      </p:cBhvr>
+                                      <p:to>
+                                        <p:strVal val="visible"/>
+                                      </p:to>
+                                    </p:set>
+                                  </p:childTnLst>
+                                </p:cTn>
+                              </p:par>
+                            </p:childTnLst>
+                          </p:cTn>
+                        </p:par>
+                      </p:childTnLst>
+                    </p:cTn>
+                  </p:par>
+                  <p:par>
+                    <p:cTn id="7" fill="hold">
+                      <p:stCondLst>
+                        <p:cond delay="indefinite"/>
+                      </p:stCondLst>
+                      <p:childTnLst>
+                        <p:par>
+                          <p:cTn id="8" fill="hold">
+                            <p:stCondLst>
+                              <p:cond delay="0"/>
+                            </p:stCondLst>
+                            <p:childTnLst>
+                              <p:par>
+                                <p:cTn id="9" presetID="1" presetClass="entr" presetSubtype="0" fill="hold" nodeType="clickEffect">
+                                  <p:stCondLst>
+                                    <p:cond delay="0"/>
+                                  </p:stCondLst>
+                                  <p:childTnLst>
+                                    <p:set>
+                                      <p:cBhvr>
+                                        <p:cTn id="10" dur="1" fill="hold">
+                                          <p:stCondLst>
+                                            <p:cond delay="0"/>
+                                          </p:stCondLst>
+                                        </p:cTn>
+                                        <p:tgtEl>
+                                          <p:spTgt spid="3">
+                                            <p:txEl>
+                                              <p:pRg st="2" end="2"/>
+                                            </p:txEl>
+                                          </p:spTgt>
+                                        </p:tgtEl>
+                                        <p:attrNameLst>
+                                          <p:attrName>style.visibility</p:attrName>
+                                        </p:attrNameLst>
+                                      </p:cBhvr>
+                                      <p:to>
+                                        <p:strVal val="visible"/>
+                                      </p:to>
+                                    </p:set>
+                                  </p:childTnLst>
+                                </p:cTn>
+                              </p:par>
+                              <p:par>
+                                <p:cTn id="11" presetID="1" presetClass="entr" presetSubtype="0" fill="hold" nodeType="withEffect">
+                                  <p:stCondLst>
+                                    <p:cond delay="0"/>
+                                  </p:stCondLst>
+                                  <p:childTnLst>
+                                    <p:set>
+                                      <p:cBhvr>
+                                        <p:cTn id="12" dur="1" fill="hold">
+                                          <p:stCondLst>
+                                            <p:cond delay="0"/>
+                                          </p:stCondLst>
+                                        </p:cTn>
+                                        <p:tgtEl>
+                                          <p:spTgt spid="3">
+                                            <p:txEl>
+                                              <p:pRg st="3" end="3"/>
+                                            </p:txEl>
+                                          </p:spTgt>
+                                        </p:tgtEl>
+                                        <p:attrNameLst>
+                                          <p:attrName>style.visibility</p:attrName>
+                                        </p:attrNameLst>
+                                      </p:cBhvr>
+                                      <p:to>
+                                        <p:strVal val="visible"/>
+                                      </p:to>
+                                    </p:set>
+                                  </p:childTnLst>
+                                </p:cTn>
+                              </p:par>
+                              <p:par>
+                                <p:cTn id="13" presetID="1" presetClass="entr" presetSubtype="0" fill="hold" nodeType="withEffect">
+                                  <p:stCondLst>
+                                    <p:cond delay="0"/>
+                                  </p:stCondLst>
+                                  <p:childTnLst>
+                                    <p:set>
+                                      <p:cBhvr>
+                                        <p:cTn id="14" dur="1" fill="hold">
+                                          <p:stCondLst>
+                                            <p:cond delay="0"/>
+                                          </p:stCondLst>
+                                        </p:cTn>
+                                        <p:tgtEl>
+                                          <p:spTgt spid="3">
+                                            <p:txEl>
+                                              <p:pRg st="4" end="4"/>
+                                            </p:txEl>
+                                          </p:spTgt>
+                                        </p:tgtEl>
+                                        <p:attrNameLst>
+                                          <p:attrName>style.visibility</p:attrName>
+                                        </p:attrNameLst>
+                                      </p:cBhvr>
+                                      <p:to>
+                                        <p:strVal val="visible"/>
+                                      </p:to>
+                                    </p:set>
+                                  </p:childTnLst>
+                                </p:cTn>
+                              </p:par>
+                            </p:childTnLst>
+                          </p:cTn>
+                        </p:par>
+                      </p:childTnLst>
+                    </p:cTn>
+                  </p:par>
+                  <p:par>
+                    <p:cTn id="15" fill="hold">
+                      <p:stCondLst>
+                        <p:cond delay="indefinite"/>
+                      </p:stCondLst>
+                      <p:childTnLst>
+                        <p:par>
+                          <p:cTn id="16" fill="hold">
+                            <p:stCondLst>
+                              <p:cond delay="0"/>
+                            </p:stCondLst>
+                            <p:childTnLst>
+                              <p:par>
+                                <p:cTn id="17" presetID="1" presetClass="entr" presetSubtype="0" fill="hold" nodeType="clickEffect">
+                                  <p:stCondLst>
+                                    <p:cond delay="0"/>
+                                  </p:stCondLst>
+                                  <p:childTnLst>
+                                    <p:set>
+                                      <p:cBhvr>
+                                        <p:cTn id="18" dur="1" fill="hold">
+                                          <p:stCondLst>
+                                            <p:cond delay="0"/>
+                                          </p:stCondLst>
+                                        </p:cTn>
+                                        <p:tgtEl>
+                                          <p:spTgt spid="3">
+                                            <p:txEl>
+                                              <p:pRg st="5" end="5"/>
+                                            </p:txEl>
+                                          </p:spTgt>
+                                        </p:tgtEl>
+                                        <p:attrNameLst>
+                                          <p:attrName>style.visibility</p:attrName>
+                                        </p:attrNameLst>
+                                      </p:cBhvr>
+                                      <p:to>
+                                        <p:strVal val="visible"/>
+                                      </p:to>
+                                    </p:set>
+                                  </p:childTnLst>
+                                </p:cTn>
+                              </p:par>
+                              <p:par>
+                                <p:cTn id="19" presetID="1" presetClass="entr" presetSubtype="0" fill="hold" nodeType="withEffect">
+                                  <p:stCondLst>
+                                    <p:cond delay="0"/>
+                                  </p:stCondLst>
+                                  <p:childTnLst>
+                                    <p:set>
+                                      <p:cBhvr>
+                                        <p:cTn id="20" dur="1" fill="hold">
+                                          <p:stCondLst>
+                                            <p:cond delay="0"/>
+                                          </p:stCondLst>
+                                        </p:cTn>
+                                        <p:tgtEl>
+                                          <p:spTgt spid="3">
+                                            <p:txEl>
+                                              <p:pRg st="6" end="6"/>
+                                            </p:txEl>
+                                          </p:spTgt>
+                                        </p:tgtEl>
+                                        <p:attrNameLst>
+                                          <p:attrName>style.visibility</p:attrName>
+                                        </p:attrNameLst>
+                                      </p:cBhvr>
+                                      <p:to>
+                                        <p:strVal val="visible"/>
+                                      </p:to>
+                                    </p:set>
+                                  </p:childTnLst>
+                                </p:cTn>
+                              </p:par>
+                              <p:par>
+                                <p:cTn id="21" presetID="1" presetClass="entr" presetSubtype="0" fill="hold" nodeType="withEffect">
+                                  <p:stCondLst>
+                                    <p:cond delay="0"/>
+                                  </p:stCondLst>
+                                  <p:childTnLst>
+                                    <p:set>
+                                      <p:cBhvr>
+                                        <p:cTn id="22" dur="1" fill="hold">
+                                          <p:stCondLst>
+                                            <p:cond delay="0"/>
+                                          </p:stCondLst>
+                                        </p:cTn>
+                                        <p:tgtEl>
+                                          <p:spTgt spid="3">
+                                            <p:txEl>
+                                              <p:pRg st="7" end="7"/>
+                                            </p:txEl>
+                                          </p:spTgt>
+                                        </p:tgtEl>
+                                        <p:attrNameLst>
+                                          <p:attrName>style.visibility</p:attrName>
+                                        </p:attrNameLst>
+                                      </p:cBhvr>
+                                      <p:to>
+                                        <p:strVal val="visible"/>
+                                      </p:to>
+                                    </p:set>
+                                  </p:childTnLst>
+                                </p:cTn>
+                              </p:par>
+                              <p:par>
+                                <p:cTn id="23" presetID="1" presetClass="entr" presetSubtype="0" fill="hold" nodeType="withEffect">
+                                  <p:stCondLst>
+                                    <p:cond delay="0"/>
+                                  </p:stCondLst>
+                                  <p:childTnLst>
+                                    <p:set>
+                                      <p:cBhvr>
+                                        <p:cTn id="24" dur="1" fill="hold">
+                                          <p:stCondLst>
+                                            <p:cond delay="0"/>
+                                          </p:stCondLst>
+                                        </p:cTn>
+                                        <p:tgtEl>
+                                          <p:spTgt spid="3">
+                                            <p:txEl>
+                                              <p:pRg st="8" end="8"/>
+                                            </p:txEl>
+                                          </p:spTgt>
+                                        </p:tgtEl>
+                                        <p:attrNameLst>
+                                          <p:attrName>style.visibility</p:attrName>
+                                        </p:attrNameLst>
+                                      </p:cBhvr>
+                                      <p:to>
+                                        <p:strVal val="visible"/>
+                                      </p:to>
+                                    </p:set>
+                                  </p:childTnLst>
+                                </p:cTn>
+                              </p:par>
+                              <p:par>
+                                <p:cTn id="25" presetID="1" presetClass="entr" presetSubtype="0" fill="hold" nodeType="withEffect">
+                                  <p:stCondLst>
+                                    <p:cond delay="0"/>
+                                  </p:stCondLst>
+                                  <p:childTnLst>
+                                    <p:set>
+                                      <p:cBhvr>
+                                        <p:cTn id="26" dur="1" fill="hold">
+                                          <p:stCondLst>
+                                            <p:cond delay="0"/>
+                                          </p:stCondLst>
+                                        </p:cTn>
+                                        <p:tgtEl>
+                                          <p:spTgt spid="3">
+                                            <p:txEl>
+                                              <p:pRg st="9" end="9"/>
+                                            </p:txEl>
+                                          </p:spTgt>
+                                        </p:tgtEl>
+                                        <p:attrNameLst>
+                                          <p:attrName>style.visibility</p:attrName>
+                                        </p:attrNameLst>
+                                      </p:cBhvr>
+                                      <p:to>
+                                        <p:strVal val="visible"/>
+                                      </p:to>
+                                    </p:set>
+                                  </p:childTnLst>
+                                </p:cTn>
+                              </p:par>
+                              <p:par>
+                                <p:cTn id="27" presetID="1" presetClass="entr" presetSubtype="0" fill="hold" nodeType="withEffect">
+                                  <p:stCondLst>
+                                    <p:cond delay="0"/>
+                                  </p:stCondLst>
+                                  <p:childTnLst>
+                                    <p:set>
+                                      <p:cBhvr>
+                                        <p:cTn id="28" dur="1" fill="hold">
+                                          <p:stCondLst>
+                                            <p:cond delay="0"/>
+                                          </p:stCondLst>
+                                        </p:cTn>
+                                        <p:tgtEl>
+                                          <p:spTgt spid="3">
+                                            <p:txEl>
+                                              <p:pRg st="10" end="10"/>
+                                            </p:txEl>
+                                          </p:spTgt>
+                                        </p:tgtEl>
+                                        <p:attrNameLst>
+                                          <p:attrName>style.visibility</p:attrName>
+                                        </p:attrNameLst>
+                                      </p:cBhvr>
+                                      <p:to>
+                                        <p:strVal val="visible"/>
+                                      </p:to>
+                                    </p:set>
+                                  </p:childTnLst>
+                                </p:cTn>
+                              </p:par>
+                            </p:childTnLst>
+                          </p:cTn>
+                        </p:par>
+                      </p:childTnLst>
+                    </p:cTn>
+                  </p:par>
+                </p:childTnLst>
+              </p:cTn>
+              <p:prevCondLst>
+                <p:cond evt="onPrev" delay="0">
+                  <p:tgtEl>
+                    <p:sldTgt/>
+                  </p:tgtEl>
+                </p:cond>
+              </p:prevCondLst>
+              <p:nextCondLst>
+                <p:cond evt="onNext" delay="0">
+                  <p:tgtEl>
+                    <p:sldTgt/>
+                  </p:tgtEl>
+                </p:cond>
+              </p:nextCondLst>
+            </p:seq>
+          </p:childTnLst>
+        </p:cTn>
+      </p:par>
+    </p:tnLst>
+  </p:timing>
 </p:sld>
 </file>
 
@@ -27424,8 +27804,8 @@
           <a:chExt cx="0" cy="0"/>
         </a:xfrm>
       </p:grpSpPr>
-      <mc:AlternateContent xmlns:mc="http://schemas.openxmlformats.org/markup-compatibility/2006" xmlns:a14="http://schemas.microsoft.com/office/drawing/2010/main">
-        <mc:Choice Requires="a14">
+      <mc:AlternateContent xmlns:mc="http://schemas.openxmlformats.org/markup-compatibility/2006">
+        <mc:Choice xmlns:a14="http://schemas.microsoft.com/office/drawing/2010/main" Requires="a14">
           <p:sp>
             <p:nvSpPr>
               <p:cNvPr id="3" name="Content Placeholder 2">
@@ -27689,7 +28069,7 @@
                 </a:r>
                 <a:r>
                   <a:rPr lang="en-US" b="1" dirty="0"/>
-                  <a:t>key collision resolution </a:t>
+                  <a:t>hash collision resolution </a:t>
                 </a:r>
                 <a:r>
                   <a:rPr lang="en-US" dirty="0"/>
@@ -27724,7 +28104,7 @@
             </p:txBody>
           </p:sp>
         </mc:Choice>
-        <mc:Fallback xmlns="">
+        <mc:Fallback>
           <p:sp>
             <p:nvSpPr>
               <p:cNvPr id="3" name="Content Placeholder 2">
@@ -27834,6 +28214,485 @@
   <p:clrMapOvr>
     <a:masterClrMapping/>
   </p:clrMapOvr>
+  <p:timing>
+    <p:tnLst>
+      <p:par>
+        <p:cTn id="1" dur="indefinite" restart="never" nodeType="tmRoot">
+          <p:childTnLst>
+            <p:seq concurrent="1" nextAc="seek">
+              <p:cTn id="2" dur="indefinite" nodeType="mainSeq">
+                <p:childTnLst>
+                  <p:par>
+                    <p:cTn id="3" fill="hold">
+                      <p:stCondLst>
+                        <p:cond delay="indefinite"/>
+                      </p:stCondLst>
+                      <p:childTnLst>
+                        <p:par>
+                          <p:cTn id="4" fill="hold">
+                            <p:stCondLst>
+                              <p:cond delay="0"/>
+                            </p:stCondLst>
+                            <p:childTnLst>
+                              <p:par>
+                                <p:cTn id="5" presetID="1" presetClass="entr" presetSubtype="0" fill="hold" nodeType="clickEffect">
+                                  <p:stCondLst>
+                                    <p:cond delay="0"/>
+                                  </p:stCondLst>
+                                  <p:childTnLst>
+                                    <p:set>
+                                      <p:cBhvr>
+                                        <p:cTn id="6" dur="1" fill="hold">
+                                          <p:stCondLst>
+                                            <p:cond delay="0"/>
+                                          </p:stCondLst>
+                                        </p:cTn>
+                                        <p:tgtEl>
+                                          <p:spTgt spid="3">
+                                            <p:txEl>
+                                              <p:pRg st="1" end="1"/>
+                                            </p:txEl>
+                                          </p:spTgt>
+                                        </p:tgtEl>
+                                        <p:attrNameLst>
+                                          <p:attrName>style.visibility</p:attrName>
+                                        </p:attrNameLst>
+                                      </p:cBhvr>
+                                      <p:to>
+                                        <p:strVal val="visible"/>
+                                      </p:to>
+                                    </p:set>
+                                  </p:childTnLst>
+                                </p:cTn>
+                              </p:par>
+                            </p:childTnLst>
+                          </p:cTn>
+                        </p:par>
+                      </p:childTnLst>
+                    </p:cTn>
+                  </p:par>
+                  <p:par>
+                    <p:cTn id="7" fill="hold">
+                      <p:stCondLst>
+                        <p:cond delay="indefinite"/>
+                      </p:stCondLst>
+                      <p:childTnLst>
+                        <p:par>
+                          <p:cTn id="8" fill="hold">
+                            <p:stCondLst>
+                              <p:cond delay="0"/>
+                            </p:stCondLst>
+                            <p:childTnLst>
+                              <p:par>
+                                <p:cTn id="9" presetID="1" presetClass="entr" presetSubtype="0" fill="hold" nodeType="clickEffect">
+                                  <p:stCondLst>
+                                    <p:cond delay="0"/>
+                                  </p:stCondLst>
+                                  <p:childTnLst>
+                                    <p:set>
+                                      <p:cBhvr>
+                                        <p:cTn id="10" dur="1" fill="hold">
+                                          <p:stCondLst>
+                                            <p:cond delay="0"/>
+                                          </p:stCondLst>
+                                        </p:cTn>
+                                        <p:tgtEl>
+                                          <p:spTgt spid="3">
+                                            <p:txEl>
+                                              <p:pRg st="2" end="2"/>
+                                            </p:txEl>
+                                          </p:spTgt>
+                                        </p:tgtEl>
+                                        <p:attrNameLst>
+                                          <p:attrName>style.visibility</p:attrName>
+                                        </p:attrNameLst>
+                                      </p:cBhvr>
+                                      <p:to>
+                                        <p:strVal val="visible"/>
+                                      </p:to>
+                                    </p:set>
+                                  </p:childTnLst>
+                                </p:cTn>
+                              </p:par>
+                            </p:childTnLst>
+                          </p:cTn>
+                        </p:par>
+                      </p:childTnLst>
+                    </p:cTn>
+                  </p:par>
+                  <p:par>
+                    <p:cTn id="11" fill="hold">
+                      <p:stCondLst>
+                        <p:cond delay="indefinite"/>
+                      </p:stCondLst>
+                      <p:childTnLst>
+                        <p:par>
+                          <p:cTn id="12" fill="hold">
+                            <p:stCondLst>
+                              <p:cond delay="0"/>
+                            </p:stCondLst>
+                            <p:childTnLst>
+                              <p:par>
+                                <p:cTn id="13" presetID="1" presetClass="entr" presetSubtype="0" fill="hold" nodeType="clickEffect">
+                                  <p:stCondLst>
+                                    <p:cond delay="0"/>
+                                  </p:stCondLst>
+                                  <p:childTnLst>
+                                    <p:set>
+                                      <p:cBhvr>
+                                        <p:cTn id="14" dur="1" fill="hold">
+                                          <p:stCondLst>
+                                            <p:cond delay="0"/>
+                                          </p:stCondLst>
+                                        </p:cTn>
+                                        <p:tgtEl>
+                                          <p:spTgt spid="3">
+                                            <p:txEl>
+                                              <p:pRg st="3" end="3"/>
+                                            </p:txEl>
+                                          </p:spTgt>
+                                        </p:tgtEl>
+                                        <p:attrNameLst>
+                                          <p:attrName>style.visibility</p:attrName>
+                                        </p:attrNameLst>
+                                      </p:cBhvr>
+                                      <p:to>
+                                        <p:strVal val="visible"/>
+                                      </p:to>
+                                    </p:set>
+                                  </p:childTnLst>
+                                </p:cTn>
+                              </p:par>
+                              <p:par>
+                                <p:cTn id="15" presetID="1" presetClass="entr" presetSubtype="0" fill="hold" nodeType="withEffect">
+                                  <p:stCondLst>
+                                    <p:cond delay="0"/>
+                                  </p:stCondLst>
+                                  <p:childTnLst>
+                                    <p:set>
+                                      <p:cBhvr>
+                                        <p:cTn id="16" dur="1" fill="hold">
+                                          <p:stCondLst>
+                                            <p:cond delay="0"/>
+                                          </p:stCondLst>
+                                        </p:cTn>
+                                        <p:tgtEl>
+                                          <p:spTgt spid="3">
+                                            <p:txEl>
+                                              <p:pRg st="4" end="4"/>
+                                            </p:txEl>
+                                          </p:spTgt>
+                                        </p:tgtEl>
+                                        <p:attrNameLst>
+                                          <p:attrName>style.visibility</p:attrName>
+                                        </p:attrNameLst>
+                                      </p:cBhvr>
+                                      <p:to>
+                                        <p:strVal val="visible"/>
+                                      </p:to>
+                                    </p:set>
+                                  </p:childTnLst>
+                                </p:cTn>
+                              </p:par>
+                            </p:childTnLst>
+                          </p:cTn>
+                        </p:par>
+                      </p:childTnLst>
+                    </p:cTn>
+                  </p:par>
+                  <p:par>
+                    <p:cTn id="17" fill="hold">
+                      <p:stCondLst>
+                        <p:cond delay="indefinite"/>
+                      </p:stCondLst>
+                      <p:childTnLst>
+                        <p:par>
+                          <p:cTn id="18" fill="hold">
+                            <p:stCondLst>
+                              <p:cond delay="0"/>
+                            </p:stCondLst>
+                            <p:childTnLst>
+                              <p:par>
+                                <p:cTn id="19" presetID="1" presetClass="entr" presetSubtype="0" fill="hold" nodeType="clickEffect">
+                                  <p:stCondLst>
+                                    <p:cond delay="0"/>
+                                  </p:stCondLst>
+                                  <p:childTnLst>
+                                    <p:set>
+                                      <p:cBhvr>
+                                        <p:cTn id="20" dur="1" fill="hold">
+                                          <p:stCondLst>
+                                            <p:cond delay="0"/>
+                                          </p:stCondLst>
+                                        </p:cTn>
+                                        <p:tgtEl>
+                                          <p:spTgt spid="3">
+                                            <p:txEl>
+                                              <p:pRg st="5" end="5"/>
+                                            </p:txEl>
+                                          </p:spTgt>
+                                        </p:tgtEl>
+                                        <p:attrNameLst>
+                                          <p:attrName>style.visibility</p:attrName>
+                                        </p:attrNameLst>
+                                      </p:cBhvr>
+                                      <p:to>
+                                        <p:strVal val="visible"/>
+                                      </p:to>
+                                    </p:set>
+                                  </p:childTnLst>
+                                </p:cTn>
+                              </p:par>
+                            </p:childTnLst>
+                          </p:cTn>
+                        </p:par>
+                      </p:childTnLst>
+                    </p:cTn>
+                  </p:par>
+                  <p:par>
+                    <p:cTn id="21" fill="hold">
+                      <p:stCondLst>
+                        <p:cond delay="indefinite"/>
+                      </p:stCondLst>
+                      <p:childTnLst>
+                        <p:par>
+                          <p:cTn id="22" fill="hold">
+                            <p:stCondLst>
+                              <p:cond delay="0"/>
+                            </p:stCondLst>
+                            <p:childTnLst>
+                              <p:par>
+                                <p:cTn id="23" presetID="1" presetClass="entr" presetSubtype="0" fill="hold" nodeType="clickEffect">
+                                  <p:stCondLst>
+                                    <p:cond delay="0"/>
+                                  </p:stCondLst>
+                                  <p:childTnLst>
+                                    <p:set>
+                                      <p:cBhvr>
+                                        <p:cTn id="24" dur="1" fill="hold">
+                                          <p:stCondLst>
+                                            <p:cond delay="0"/>
+                                          </p:stCondLst>
+                                        </p:cTn>
+                                        <p:tgtEl>
+                                          <p:spTgt spid="3">
+                                            <p:txEl>
+                                              <p:pRg st="6" end="6"/>
+                                            </p:txEl>
+                                          </p:spTgt>
+                                        </p:tgtEl>
+                                        <p:attrNameLst>
+                                          <p:attrName>style.visibility</p:attrName>
+                                        </p:attrNameLst>
+                                      </p:cBhvr>
+                                      <p:to>
+                                        <p:strVal val="visible"/>
+                                      </p:to>
+                                    </p:set>
+                                  </p:childTnLst>
+                                </p:cTn>
+                              </p:par>
+                              <p:par>
+                                <p:cTn id="25" presetID="1" presetClass="entr" presetSubtype="0" fill="hold" nodeType="withEffect">
+                                  <p:stCondLst>
+                                    <p:cond delay="0"/>
+                                  </p:stCondLst>
+                                  <p:childTnLst>
+                                    <p:set>
+                                      <p:cBhvr>
+                                        <p:cTn id="26" dur="1" fill="hold">
+                                          <p:stCondLst>
+                                            <p:cond delay="0"/>
+                                          </p:stCondLst>
+                                        </p:cTn>
+                                        <p:tgtEl>
+                                          <p:spTgt spid="3">
+                                            <p:txEl>
+                                              <p:pRg st="7" end="7"/>
+                                            </p:txEl>
+                                          </p:spTgt>
+                                        </p:tgtEl>
+                                        <p:attrNameLst>
+                                          <p:attrName>style.visibility</p:attrName>
+                                        </p:attrNameLst>
+                                      </p:cBhvr>
+                                      <p:to>
+                                        <p:strVal val="visible"/>
+                                      </p:to>
+                                    </p:set>
+                                  </p:childTnLst>
+                                </p:cTn>
+                              </p:par>
+                            </p:childTnLst>
+                          </p:cTn>
+                        </p:par>
+                      </p:childTnLst>
+                    </p:cTn>
+                  </p:par>
+                  <p:par>
+                    <p:cTn id="27" fill="hold">
+                      <p:stCondLst>
+                        <p:cond delay="indefinite"/>
+                      </p:stCondLst>
+                      <p:childTnLst>
+                        <p:par>
+                          <p:cTn id="28" fill="hold">
+                            <p:stCondLst>
+                              <p:cond delay="0"/>
+                            </p:stCondLst>
+                            <p:childTnLst>
+                              <p:par>
+                                <p:cTn id="29" presetID="1" presetClass="entr" presetSubtype="0" fill="hold" nodeType="clickEffect">
+                                  <p:stCondLst>
+                                    <p:cond delay="0"/>
+                                  </p:stCondLst>
+                                  <p:childTnLst>
+                                    <p:set>
+                                      <p:cBhvr>
+                                        <p:cTn id="30" dur="1" fill="hold">
+                                          <p:stCondLst>
+                                            <p:cond delay="0"/>
+                                          </p:stCondLst>
+                                        </p:cTn>
+                                        <p:tgtEl>
+                                          <p:spTgt spid="3">
+                                            <p:txEl>
+                                              <p:pRg st="8" end="8"/>
+                                            </p:txEl>
+                                          </p:spTgt>
+                                        </p:tgtEl>
+                                        <p:attrNameLst>
+                                          <p:attrName>style.visibility</p:attrName>
+                                        </p:attrNameLst>
+                                      </p:cBhvr>
+                                      <p:to>
+                                        <p:strVal val="visible"/>
+                                      </p:to>
+                                    </p:set>
+                                  </p:childTnLst>
+                                </p:cTn>
+                              </p:par>
+                              <p:par>
+                                <p:cTn id="31" presetID="1" presetClass="entr" presetSubtype="0" fill="hold" nodeType="withEffect">
+                                  <p:stCondLst>
+                                    <p:cond delay="0"/>
+                                  </p:stCondLst>
+                                  <p:childTnLst>
+                                    <p:set>
+                                      <p:cBhvr>
+                                        <p:cTn id="32" dur="1" fill="hold">
+                                          <p:stCondLst>
+                                            <p:cond delay="0"/>
+                                          </p:stCondLst>
+                                        </p:cTn>
+                                        <p:tgtEl>
+                                          <p:spTgt spid="3">
+                                            <p:txEl>
+                                              <p:pRg st="9" end="9"/>
+                                            </p:txEl>
+                                          </p:spTgt>
+                                        </p:tgtEl>
+                                        <p:attrNameLst>
+                                          <p:attrName>style.visibility</p:attrName>
+                                        </p:attrNameLst>
+                                      </p:cBhvr>
+                                      <p:to>
+                                        <p:strVal val="visible"/>
+                                      </p:to>
+                                    </p:set>
+                                  </p:childTnLst>
+                                </p:cTn>
+                              </p:par>
+                              <p:par>
+                                <p:cTn id="33" presetID="1" presetClass="entr" presetSubtype="0" fill="hold" nodeType="withEffect">
+                                  <p:stCondLst>
+                                    <p:cond delay="0"/>
+                                  </p:stCondLst>
+                                  <p:childTnLst>
+                                    <p:set>
+                                      <p:cBhvr>
+                                        <p:cTn id="34" dur="1" fill="hold">
+                                          <p:stCondLst>
+                                            <p:cond delay="0"/>
+                                          </p:stCondLst>
+                                        </p:cTn>
+                                        <p:tgtEl>
+                                          <p:spTgt spid="3">
+                                            <p:txEl>
+                                              <p:pRg st="10" end="10"/>
+                                            </p:txEl>
+                                          </p:spTgt>
+                                        </p:tgtEl>
+                                        <p:attrNameLst>
+                                          <p:attrName>style.visibility</p:attrName>
+                                        </p:attrNameLst>
+                                      </p:cBhvr>
+                                      <p:to>
+                                        <p:strVal val="visible"/>
+                                      </p:to>
+                                    </p:set>
+                                  </p:childTnLst>
+                                </p:cTn>
+                              </p:par>
+                              <p:par>
+                                <p:cTn id="35" presetID="1" presetClass="entr" presetSubtype="0" fill="hold" nodeType="withEffect">
+                                  <p:stCondLst>
+                                    <p:cond delay="0"/>
+                                  </p:stCondLst>
+                                  <p:childTnLst>
+                                    <p:set>
+                                      <p:cBhvr>
+                                        <p:cTn id="36" dur="1" fill="hold">
+                                          <p:stCondLst>
+                                            <p:cond delay="0"/>
+                                          </p:stCondLst>
+                                        </p:cTn>
+                                        <p:tgtEl>
+                                          <p:spTgt spid="3">
+                                            <p:txEl>
+                                              <p:pRg st="11" end="11"/>
+                                            </p:txEl>
+                                          </p:spTgt>
+                                        </p:tgtEl>
+                                        <p:attrNameLst>
+                                          <p:attrName>style.visibility</p:attrName>
+                                        </p:attrNameLst>
+                                      </p:cBhvr>
+                                      <p:to>
+                                        <p:strVal val="visible"/>
+                                      </p:to>
+                                    </p:set>
+                                  </p:childTnLst>
+                                </p:cTn>
+                              </p:par>
+                            </p:childTnLst>
+                          </p:cTn>
+                        </p:par>
+                      </p:childTnLst>
+                    </p:cTn>
+                  </p:par>
+                </p:childTnLst>
+              </p:cTn>
+              <p:prevCondLst>
+                <p:cond evt="onPrev" delay="0">
+                  <p:tgtEl>
+                    <p:sldTgt/>
+                  </p:tgtEl>
+                </p:cond>
+              </p:prevCondLst>
+              <p:nextCondLst>
+                <p:cond evt="onNext" delay="0">
+                  <p:tgtEl>
+                    <p:sldTgt/>
+                  </p:tgtEl>
+                </p:cond>
+              </p:nextCondLst>
+            </p:seq>
+          </p:childTnLst>
+        </p:cTn>
+      </p:par>
+    </p:tnLst>
+  </p:timing>
 </p:sld>
 </file>
 
@@ -29730,8 +30589,8 @@
           <a:chExt cx="0" cy="0"/>
         </a:xfrm>
       </p:grpSpPr>
-      <mc:AlternateContent xmlns:mc="http://schemas.openxmlformats.org/markup-compatibility/2006" xmlns:a14="http://schemas.microsoft.com/office/drawing/2010/main">
-        <mc:Choice Requires="a14">
+      <mc:AlternateContent xmlns:mc="http://schemas.openxmlformats.org/markup-compatibility/2006">
+        <mc:Choice xmlns:a14="http://schemas.microsoft.com/office/drawing/2010/main" Requires="a14">
           <p:sp>
             <p:nvSpPr>
               <p:cNvPr id="3" name="Content Placeholder 2">
@@ -30020,7 +30879,7 @@
                       </a:schemeClr>
                     </a:solidFill>
                   </a:rPr>
-                  <a:t>Probability of a false positive test we will accept – </a:t>
+                  <a:t>Probability of a </a:t>
                 </a:r>
                 <a:r>
                   <a:rPr lang="en-US" b="1" dirty="0">
@@ -30030,7 +30889,27 @@
                       </a:schemeClr>
                     </a:solidFill>
                   </a:rPr>
-                  <a:t>Type I error</a:t>
+                  <a:t>false discovery </a:t>
+                </a:r>
+                <a:r>
+                  <a:rPr lang="en-US" dirty="0">
+                    <a:solidFill>
+                      <a:schemeClr val="tx1">
+                        <a:lumMod val="50000"/>
+                      </a:schemeClr>
+                    </a:solidFill>
+                  </a:rPr>
+                  <a:t>we will accept – </a:t>
+                </a:r>
+                <a:r>
+                  <a:rPr lang="en-US" b="1" dirty="0">
+                    <a:solidFill>
+                      <a:schemeClr val="tx1">
+                        <a:lumMod val="50000"/>
+                      </a:schemeClr>
+                    </a:solidFill>
+                  </a:rPr>
+                  <a:t>Type I error or </a:t>
                 </a:r>
                 <a:r>
                   <a:rPr lang="en-US" dirty="0">
@@ -30053,7 +30932,27 @@
                       </a:schemeClr>
                     </a:solidFill>
                   </a:rPr>
-                  <a:t>Smaller significance level increases the probability of not rejecting the null –</a:t>
+                  <a:t>Smaller significance level increases the probability of not rejecting the null, </a:t>
+                </a:r>
+                <a:r>
+                  <a:rPr lang="en-US" b="1" dirty="0">
+                    <a:solidFill>
+                      <a:schemeClr val="tx1">
+                        <a:lumMod val="50000"/>
+                      </a:schemeClr>
+                    </a:solidFill>
+                  </a:rPr>
+                  <a:t>missed discovery </a:t>
+                </a:r>
+                <a:r>
+                  <a:rPr lang="en-US" dirty="0">
+                    <a:solidFill>
+                      <a:schemeClr val="tx1">
+                        <a:lumMod val="50000"/>
+                      </a:schemeClr>
+                    </a:solidFill>
+                  </a:rPr>
+                  <a:t>–</a:t>
                 </a:r>
                 <a:r>
                   <a:rPr lang="en-US" b="1" dirty="0">
@@ -30114,7 +31013,7 @@
             </p:txBody>
           </p:sp>
         </mc:Choice>
-        <mc:Fallback xmlns="">
+        <mc:Fallback>
           <p:sp>
             <p:nvSpPr>
               <p:cNvPr id="3" name="Content Placeholder 2">
@@ -33439,7 +34338,7 @@
                   </a:schemeClr>
                 </a:solidFill>
               </a:rPr>
-              <a:t> p-values are just indicate the probability of a value being at least this extreme</a:t>
+              <a:t> p-values only indicate the probability of a value being at least this extreme</a:t>
             </a:r>
             <a:endParaRPr lang="en-US" sz="2000" dirty="0">
               <a:solidFill>
@@ -33553,7 +34452,7 @@
                                         <p:tgtEl>
                                           <p:spTgt spid="3">
                                             <p:txEl>
-                                              <p:pRg st="1" end="1"/>
+                                              <p:pRg st="2" end="2"/>
                                             </p:txEl>
                                           </p:spTgt>
                                         </p:tgtEl>
@@ -33568,26 +34467,39 @@
                                   </p:childTnLst>
                                 </p:cTn>
                               </p:par>
-                            </p:childTnLst>
-                          </p:cTn>
-                        </p:par>
-                      </p:childTnLst>
-                    </p:cTn>
-                  </p:par>
-                  <p:par>
-                    <p:cTn id="7" fill="hold">
-                      <p:stCondLst>
-                        <p:cond delay="indefinite"/>
-                      </p:stCondLst>
-                      <p:childTnLst>
-                        <p:par>
-                          <p:cTn id="8" fill="hold">
-                            <p:stCondLst>
-                              <p:cond delay="0"/>
-                            </p:stCondLst>
-                            <p:childTnLst>
                               <p:par>
-                                <p:cTn id="9" presetID="1" presetClass="entr" presetSubtype="0" fill="hold" nodeType="clickEffect">
+                                <p:cTn id="7" presetID="1" presetClass="entr" presetSubtype="0" fill="hold" nodeType="withEffect">
+                                  <p:stCondLst>
+                                    <p:cond delay="0"/>
+                                  </p:stCondLst>
+                                  <p:childTnLst>
+                                    <p:set>
+                                      <p:cBhvr>
+                                        <p:cTn id="8" dur="1" fill="hold">
+                                          <p:stCondLst>
+                                            <p:cond delay="0"/>
+                                          </p:stCondLst>
+                                        </p:cTn>
+                                        <p:tgtEl>
+                                          <p:spTgt spid="3">
+                                            <p:txEl>
+                                              <p:pRg st="4" end="4"/>
+                                            </p:txEl>
+                                          </p:spTgt>
+                                        </p:tgtEl>
+                                        <p:attrNameLst>
+                                          <p:attrName>style.visibility</p:attrName>
+                                        </p:attrNameLst>
+                                      </p:cBhvr>
+                                      <p:to>
+                                        <p:strVal val="visible"/>
+                                      </p:to>
+                                    </p:set>
+                                  </p:childTnLst>
+                                </p:cTn>
+                              </p:par>
+                              <p:par>
+                                <p:cTn id="9" presetID="1" presetClass="entr" presetSubtype="0" fill="hold" nodeType="withEffect">
                                   <p:stCondLst>
                                     <p:cond delay="0"/>
                                   </p:stCondLst>
@@ -33602,7 +34514,7 @@
                                         <p:tgtEl>
                                           <p:spTgt spid="3">
                                             <p:txEl>
-                                              <p:pRg st="2" end="2"/>
+                                              <p:pRg st="3" end="3"/>
                                             </p:txEl>
                                           </p:spTgt>
                                         </p:tgtEl>
@@ -33626,68 +34538,6 @@
                                     <p:set>
                                       <p:cBhvr>
                                         <p:cTn id="12" dur="1" fill="hold">
-                                          <p:stCondLst>
-                                            <p:cond delay="0"/>
-                                          </p:stCondLst>
-                                        </p:cTn>
-                                        <p:tgtEl>
-                                          <p:spTgt spid="3">
-                                            <p:txEl>
-                                              <p:pRg st="4" end="4"/>
-                                            </p:txEl>
-                                          </p:spTgt>
-                                        </p:tgtEl>
-                                        <p:attrNameLst>
-                                          <p:attrName>style.visibility</p:attrName>
-                                        </p:attrNameLst>
-                                      </p:cBhvr>
-                                      <p:to>
-                                        <p:strVal val="visible"/>
-                                      </p:to>
-                                    </p:set>
-                                  </p:childTnLst>
-                                </p:cTn>
-                              </p:par>
-                              <p:par>
-                                <p:cTn id="13" presetID="1" presetClass="entr" presetSubtype="0" fill="hold" nodeType="withEffect">
-                                  <p:stCondLst>
-                                    <p:cond delay="0"/>
-                                  </p:stCondLst>
-                                  <p:childTnLst>
-                                    <p:set>
-                                      <p:cBhvr>
-                                        <p:cTn id="14" dur="1" fill="hold">
-                                          <p:stCondLst>
-                                            <p:cond delay="0"/>
-                                          </p:stCondLst>
-                                        </p:cTn>
-                                        <p:tgtEl>
-                                          <p:spTgt spid="3">
-                                            <p:txEl>
-                                              <p:pRg st="3" end="3"/>
-                                            </p:txEl>
-                                          </p:spTgt>
-                                        </p:tgtEl>
-                                        <p:attrNameLst>
-                                          <p:attrName>style.visibility</p:attrName>
-                                        </p:attrNameLst>
-                                      </p:cBhvr>
-                                      <p:to>
-                                        <p:strVal val="visible"/>
-                                      </p:to>
-                                    </p:set>
-                                  </p:childTnLst>
-                                </p:cTn>
-                              </p:par>
-                              <p:par>
-                                <p:cTn id="15" presetID="1" presetClass="entr" presetSubtype="0" fill="hold" nodeType="withEffect">
-                                  <p:stCondLst>
-                                    <p:cond delay="0"/>
-                                  </p:stCondLst>
-                                  <p:childTnLst>
-                                    <p:set>
-                                      <p:cBhvr>
-                                        <p:cTn id="16" dur="1" fill="hold">
                                           <p:stCondLst>
                                             <p:cond delay="0"/>
                                           </p:stCondLst>
